--- a/presentation/presentation.pptx
+++ b/presentation/presentation.pptx
@@ -3,32 +3,33 @@
 <p:presentation xmlns:a="http://schemas.openxmlformats.org/drawingml/2006/main" xmlns:r="http://schemas.openxmlformats.org/officeDocument/2006/relationships" xmlns:p="http://schemas.openxmlformats.org/presentationml/2006/main" autoCompressPictures="0">
   <p:sldMasterIdLst>
     <p:sldMasterId id="2147483648" r:id="rId1"/>
-    <p:sldMasterId id="2147483660" r:id="rId2"/>
   </p:sldMasterIdLst>
   <p:notesMasterIdLst>
-    <p:notesMasterId r:id="rId23"/>
+    <p:notesMasterId r:id="rId24"/>
   </p:notesMasterIdLst>
   <p:sldIdLst>
-    <p:sldId id="258" r:id="rId3"/>
-    <p:sldId id="259" r:id="rId4"/>
-    <p:sldId id="260" r:id="rId5"/>
-    <p:sldId id="261" r:id="rId6"/>
-    <p:sldId id="262" r:id="rId7"/>
-    <p:sldId id="263" r:id="rId8"/>
-    <p:sldId id="264" r:id="rId9"/>
-    <p:sldId id="265" r:id="rId10"/>
-    <p:sldId id="267" r:id="rId11"/>
-    <p:sldId id="270" r:id="rId12"/>
-    <p:sldId id="268" r:id="rId13"/>
-    <p:sldId id="269" r:id="rId14"/>
-    <p:sldId id="256" r:id="rId15"/>
-    <p:sldId id="280" r:id="rId16"/>
-    <p:sldId id="273" r:id="rId17"/>
-    <p:sldId id="276" r:id="rId18"/>
-    <p:sldId id="277" r:id="rId19"/>
-    <p:sldId id="278" r:id="rId20"/>
-    <p:sldId id="279" r:id="rId21"/>
-    <p:sldId id="281" r:id="rId22"/>
+    <p:sldId id="258" r:id="rId2"/>
+    <p:sldId id="259" r:id="rId3"/>
+    <p:sldId id="260" r:id="rId4"/>
+    <p:sldId id="261" r:id="rId5"/>
+    <p:sldId id="262" r:id="rId6"/>
+    <p:sldId id="263" r:id="rId7"/>
+    <p:sldId id="264" r:id="rId8"/>
+    <p:sldId id="265" r:id="rId9"/>
+    <p:sldId id="267" r:id="rId10"/>
+    <p:sldId id="270" r:id="rId11"/>
+    <p:sldId id="268" r:id="rId12"/>
+    <p:sldId id="269" r:id="rId13"/>
+    <p:sldId id="256" r:id="rId14"/>
+    <p:sldId id="280" r:id="rId15"/>
+    <p:sldId id="273" r:id="rId16"/>
+    <p:sldId id="276" r:id="rId17"/>
+    <p:sldId id="277" r:id="rId18"/>
+    <p:sldId id="278" r:id="rId19"/>
+    <p:sldId id="279" r:id="rId20"/>
+    <p:sldId id="281" r:id="rId21"/>
+    <p:sldId id="282" r:id="rId22"/>
+    <p:sldId id="283" r:id="rId23"/>
   </p:sldIdLst>
   <p:sldSz cx="12192000" cy="6858000"/>
   <p:notesSz cx="6858000" cy="9144000"/>
@@ -170,8 +171,11 @@
             <p14:sldId id="281"/>
           </p14:sldIdLst>
         </p14:section>
-        <p14:section name="A Look at How Containers Help" id="{70B9E46E-403D-4E0D-98D9-8E86023AC229}">
-          <p14:sldIdLst/>
+        <p14:section name="A Quick Look at Containers" id="{70B9E46E-403D-4E0D-98D9-8E86023AC229}">
+          <p14:sldIdLst>
+            <p14:sldId id="282"/>
+            <p14:sldId id="283"/>
+          </p14:sldIdLst>
         </p14:section>
         <p14:section name="A Look at Some Concerns" id="{BBBC4B94-5C39-44E3-86B7-9871E92F1E29}">
           <p14:sldIdLst/>
@@ -4853,1941 +4857,6 @@
 </p:sldLayout>
 </file>
 
-<file path=ppt/slideLayouts/slideLayout12.xml><?xml version="1.0" encoding="utf-8"?>
-<p:sldLayout xmlns:a="http://schemas.openxmlformats.org/drawingml/2006/main" xmlns:r="http://schemas.openxmlformats.org/officeDocument/2006/relationships" xmlns:p="http://schemas.openxmlformats.org/presentationml/2006/main" type="title" preserve="1">
-  <p:cSld name="Title Slide">
-    <p:spTree>
-      <p:nvGrpSpPr>
-        <p:cNvPr id="1" name=""/>
-        <p:cNvGrpSpPr/>
-        <p:nvPr/>
-      </p:nvGrpSpPr>
-      <p:grpSpPr>
-        <a:xfrm>
-          <a:off x="0" y="0"/>
-          <a:ext cx="0" cy="0"/>
-          <a:chOff x="0" y="0"/>
-          <a:chExt cx="0" cy="0"/>
-        </a:xfrm>
-      </p:grpSpPr>
-      <p:sp>
-        <p:nvSpPr>
-          <p:cNvPr id="2" name="Title 1">
-            <a:extLst>
-              <a:ext uri="{FF2B5EF4-FFF2-40B4-BE49-F238E27FC236}">
-                <a16:creationId xmlns:a16="http://schemas.microsoft.com/office/drawing/2014/main" id="{8CD19891-0959-4C25-B74F-8E14A8845D24}"/>
-              </a:ext>
-            </a:extLst>
-          </p:cNvPr>
-          <p:cNvSpPr>
-            <a:spLocks noGrp="1"/>
-          </p:cNvSpPr>
-          <p:nvPr>
-            <p:ph type="ctrTitle"/>
-          </p:nvPr>
-        </p:nvSpPr>
-        <p:spPr>
-          <a:xfrm>
-            <a:off x="1524000" y="1122363"/>
-            <a:ext cx="9144000" cy="2387600"/>
-          </a:xfrm>
-        </p:spPr>
-        <p:txBody>
-          <a:bodyPr anchor="b"/>
-          <a:lstStyle>
-            <a:lvl1pPr algn="ctr">
-              <a:defRPr sz="6000"/>
-            </a:lvl1pPr>
-          </a:lstStyle>
-          <a:p>
-            <a:r>
-              <a:rPr lang="en-US"/>
-              <a:t>Click to edit Master title style</a:t>
-            </a:r>
-          </a:p>
-        </p:txBody>
-      </p:sp>
-      <p:sp>
-        <p:nvSpPr>
-          <p:cNvPr id="3" name="Subtitle 2">
-            <a:extLst>
-              <a:ext uri="{FF2B5EF4-FFF2-40B4-BE49-F238E27FC236}">
-                <a16:creationId xmlns:a16="http://schemas.microsoft.com/office/drawing/2014/main" id="{C3B60243-8DF7-4539-AD4F-A10FF272F793}"/>
-              </a:ext>
-            </a:extLst>
-          </p:cNvPr>
-          <p:cNvSpPr>
-            <a:spLocks noGrp="1"/>
-          </p:cNvSpPr>
-          <p:nvPr>
-            <p:ph type="subTitle" idx="1"/>
-          </p:nvPr>
-        </p:nvSpPr>
-        <p:spPr>
-          <a:xfrm>
-            <a:off x="1524000" y="3602038"/>
-            <a:ext cx="9144000" cy="1655762"/>
-          </a:xfrm>
-        </p:spPr>
-        <p:txBody>
-          <a:bodyPr/>
-          <a:lstStyle>
-            <a:lvl1pPr marL="0" indent="0" algn="ctr">
-              <a:buNone/>
-              <a:defRPr sz="2400"/>
-            </a:lvl1pPr>
-            <a:lvl2pPr marL="457200" indent="0" algn="ctr">
-              <a:buNone/>
-              <a:defRPr sz="2000"/>
-            </a:lvl2pPr>
-            <a:lvl3pPr marL="914400" indent="0" algn="ctr">
-              <a:buNone/>
-              <a:defRPr sz="1800"/>
-            </a:lvl3pPr>
-            <a:lvl4pPr marL="1371600" indent="0" algn="ctr">
-              <a:buNone/>
-              <a:defRPr sz="1600"/>
-            </a:lvl4pPr>
-            <a:lvl5pPr marL="1828800" indent="0" algn="ctr">
-              <a:buNone/>
-              <a:defRPr sz="1600"/>
-            </a:lvl5pPr>
-            <a:lvl6pPr marL="2286000" indent="0" algn="ctr">
-              <a:buNone/>
-              <a:defRPr sz="1600"/>
-            </a:lvl6pPr>
-            <a:lvl7pPr marL="2743200" indent="0" algn="ctr">
-              <a:buNone/>
-              <a:defRPr sz="1600"/>
-            </a:lvl7pPr>
-            <a:lvl8pPr marL="3200400" indent="0" algn="ctr">
-              <a:buNone/>
-              <a:defRPr sz="1600"/>
-            </a:lvl8pPr>
-            <a:lvl9pPr marL="3657600" indent="0" algn="ctr">
-              <a:buNone/>
-              <a:defRPr sz="1600"/>
-            </a:lvl9pPr>
-          </a:lstStyle>
-          <a:p>
-            <a:r>
-              <a:rPr lang="en-US"/>
-              <a:t>Click to edit Master subtitle style</a:t>
-            </a:r>
-          </a:p>
-        </p:txBody>
-      </p:sp>
-      <p:sp>
-        <p:nvSpPr>
-          <p:cNvPr id="4" name="Date Placeholder 3">
-            <a:extLst>
-              <a:ext uri="{FF2B5EF4-FFF2-40B4-BE49-F238E27FC236}">
-                <a16:creationId xmlns:a16="http://schemas.microsoft.com/office/drawing/2014/main" id="{B3AB98B5-F35C-452B-94EF-022265960226}"/>
-              </a:ext>
-            </a:extLst>
-          </p:cNvPr>
-          <p:cNvSpPr>
-            <a:spLocks noGrp="1"/>
-          </p:cNvSpPr>
-          <p:nvPr>
-            <p:ph type="dt" sz="half" idx="10"/>
-          </p:nvPr>
-        </p:nvSpPr>
-        <p:spPr/>
-        <p:txBody>
-          <a:bodyPr/>
-          <a:lstStyle/>
-          <a:p>
-            <a:fld id="{C6281C13-4A6C-4B99-A582-BB668AEDE54D}" type="datetimeFigureOut">
-              <a:rPr lang="en-US" smtClean="0"/>
-              <a:t>2/19/2019</a:t>
-            </a:fld>
-            <a:endParaRPr lang="en-US"/>
-          </a:p>
-        </p:txBody>
-      </p:sp>
-      <p:sp>
-        <p:nvSpPr>
-          <p:cNvPr id="5" name="Footer Placeholder 4">
-            <a:extLst>
-              <a:ext uri="{FF2B5EF4-FFF2-40B4-BE49-F238E27FC236}">
-                <a16:creationId xmlns:a16="http://schemas.microsoft.com/office/drawing/2014/main" id="{74EB71CC-4F80-443B-ACEE-2AA07FA79392}"/>
-              </a:ext>
-            </a:extLst>
-          </p:cNvPr>
-          <p:cNvSpPr>
-            <a:spLocks noGrp="1"/>
-          </p:cNvSpPr>
-          <p:nvPr>
-            <p:ph type="ftr" sz="quarter" idx="11"/>
-          </p:nvPr>
-        </p:nvSpPr>
-        <p:spPr/>
-        <p:txBody>
-          <a:bodyPr/>
-          <a:lstStyle/>
-          <a:p>
-            <a:endParaRPr lang="en-US"/>
-          </a:p>
-        </p:txBody>
-      </p:sp>
-      <p:sp>
-        <p:nvSpPr>
-          <p:cNvPr id="6" name="Slide Number Placeholder 5">
-            <a:extLst>
-              <a:ext uri="{FF2B5EF4-FFF2-40B4-BE49-F238E27FC236}">
-                <a16:creationId xmlns:a16="http://schemas.microsoft.com/office/drawing/2014/main" id="{6A4ADC5C-4BD0-4781-8BCB-4B09C704AE8C}"/>
-              </a:ext>
-            </a:extLst>
-          </p:cNvPr>
-          <p:cNvSpPr>
-            <a:spLocks noGrp="1"/>
-          </p:cNvSpPr>
-          <p:nvPr>
-            <p:ph type="sldNum" sz="quarter" idx="12"/>
-          </p:nvPr>
-        </p:nvSpPr>
-        <p:spPr/>
-        <p:txBody>
-          <a:bodyPr/>
-          <a:lstStyle/>
-          <a:p>
-            <a:fld id="{09DC6E99-0A74-460B-87B8-5B6A51E77D55}" type="slidenum">
-              <a:rPr lang="en-US" smtClean="0"/>
-              <a:t>‹#›</a:t>
-            </a:fld>
-            <a:endParaRPr lang="en-US"/>
-          </a:p>
-        </p:txBody>
-      </p:sp>
-    </p:spTree>
-    <p:extLst>
-      <p:ext uri="{BB962C8B-B14F-4D97-AF65-F5344CB8AC3E}">
-        <p14:creationId xmlns:p14="http://schemas.microsoft.com/office/powerpoint/2010/main" val="2883315767"/>
-      </p:ext>
-    </p:extLst>
-  </p:cSld>
-  <p:clrMapOvr>
-    <a:masterClrMapping/>
-  </p:clrMapOvr>
-</p:sldLayout>
-</file>
-
-<file path=ppt/slideLayouts/slideLayout13.xml><?xml version="1.0" encoding="utf-8"?>
-<p:sldLayout xmlns:a="http://schemas.openxmlformats.org/drawingml/2006/main" xmlns:r="http://schemas.openxmlformats.org/officeDocument/2006/relationships" xmlns:p="http://schemas.openxmlformats.org/presentationml/2006/main" type="obj" preserve="1">
-  <p:cSld name="Title and Content">
-    <p:spTree>
-      <p:nvGrpSpPr>
-        <p:cNvPr id="1" name=""/>
-        <p:cNvGrpSpPr/>
-        <p:nvPr/>
-      </p:nvGrpSpPr>
-      <p:grpSpPr>
-        <a:xfrm>
-          <a:off x="0" y="0"/>
-          <a:ext cx="0" cy="0"/>
-          <a:chOff x="0" y="0"/>
-          <a:chExt cx="0" cy="0"/>
-        </a:xfrm>
-      </p:grpSpPr>
-      <p:sp>
-        <p:nvSpPr>
-          <p:cNvPr id="2" name="Title 1">
-            <a:extLst>
-              <a:ext uri="{FF2B5EF4-FFF2-40B4-BE49-F238E27FC236}">
-                <a16:creationId xmlns:a16="http://schemas.microsoft.com/office/drawing/2014/main" id="{C8209899-5283-4C6D-9294-EDA7DD934BDA}"/>
-              </a:ext>
-            </a:extLst>
-          </p:cNvPr>
-          <p:cNvSpPr>
-            <a:spLocks noGrp="1"/>
-          </p:cNvSpPr>
-          <p:nvPr>
-            <p:ph type="title"/>
-          </p:nvPr>
-        </p:nvSpPr>
-        <p:spPr/>
-        <p:txBody>
-          <a:bodyPr/>
-          <a:lstStyle/>
-          <a:p>
-            <a:r>
-              <a:rPr lang="en-US"/>
-              <a:t>Click to edit Master title style</a:t>
-            </a:r>
-          </a:p>
-        </p:txBody>
-      </p:sp>
-      <p:sp>
-        <p:nvSpPr>
-          <p:cNvPr id="3" name="Content Placeholder 2">
-            <a:extLst>
-              <a:ext uri="{FF2B5EF4-FFF2-40B4-BE49-F238E27FC236}">
-                <a16:creationId xmlns:a16="http://schemas.microsoft.com/office/drawing/2014/main" id="{CC63779A-A2FB-4BAC-92E8-5C5A7D28F410}"/>
-              </a:ext>
-            </a:extLst>
-          </p:cNvPr>
-          <p:cNvSpPr>
-            <a:spLocks noGrp="1"/>
-          </p:cNvSpPr>
-          <p:nvPr>
-            <p:ph idx="1"/>
-          </p:nvPr>
-        </p:nvSpPr>
-        <p:spPr/>
-        <p:txBody>
-          <a:bodyPr/>
-          <a:lstStyle/>
-          <a:p>
-            <a:pPr lvl="0"/>
-            <a:r>
-              <a:rPr lang="en-US"/>
-              <a:t>Edit Master text styles</a:t>
-            </a:r>
-          </a:p>
-          <a:p>
-            <a:pPr lvl="1"/>
-            <a:r>
-              <a:rPr lang="en-US"/>
-              <a:t>Second level</a:t>
-            </a:r>
-          </a:p>
-          <a:p>
-            <a:pPr lvl="2"/>
-            <a:r>
-              <a:rPr lang="en-US"/>
-              <a:t>Third level</a:t>
-            </a:r>
-          </a:p>
-          <a:p>
-            <a:pPr lvl="3"/>
-            <a:r>
-              <a:rPr lang="en-US"/>
-              <a:t>Fourth level</a:t>
-            </a:r>
-          </a:p>
-          <a:p>
-            <a:pPr lvl="4"/>
-            <a:r>
-              <a:rPr lang="en-US"/>
-              <a:t>Fifth level</a:t>
-            </a:r>
-          </a:p>
-        </p:txBody>
-      </p:sp>
-      <p:sp>
-        <p:nvSpPr>
-          <p:cNvPr id="4" name="Date Placeholder 3">
-            <a:extLst>
-              <a:ext uri="{FF2B5EF4-FFF2-40B4-BE49-F238E27FC236}">
-                <a16:creationId xmlns:a16="http://schemas.microsoft.com/office/drawing/2014/main" id="{70D10224-4758-4D7D-A7A4-A8934692A314}"/>
-              </a:ext>
-            </a:extLst>
-          </p:cNvPr>
-          <p:cNvSpPr>
-            <a:spLocks noGrp="1"/>
-          </p:cNvSpPr>
-          <p:nvPr>
-            <p:ph type="dt" sz="half" idx="10"/>
-          </p:nvPr>
-        </p:nvSpPr>
-        <p:spPr/>
-        <p:txBody>
-          <a:bodyPr/>
-          <a:lstStyle/>
-          <a:p>
-            <a:fld id="{C6281C13-4A6C-4B99-A582-BB668AEDE54D}" type="datetimeFigureOut">
-              <a:rPr lang="en-US" smtClean="0"/>
-              <a:t>2/19/2019</a:t>
-            </a:fld>
-            <a:endParaRPr lang="en-US"/>
-          </a:p>
-        </p:txBody>
-      </p:sp>
-      <p:sp>
-        <p:nvSpPr>
-          <p:cNvPr id="5" name="Footer Placeholder 4">
-            <a:extLst>
-              <a:ext uri="{FF2B5EF4-FFF2-40B4-BE49-F238E27FC236}">
-                <a16:creationId xmlns:a16="http://schemas.microsoft.com/office/drawing/2014/main" id="{EB2F2845-13DA-416C-9A93-D16EA4B5AE89}"/>
-              </a:ext>
-            </a:extLst>
-          </p:cNvPr>
-          <p:cNvSpPr>
-            <a:spLocks noGrp="1"/>
-          </p:cNvSpPr>
-          <p:nvPr>
-            <p:ph type="ftr" sz="quarter" idx="11"/>
-          </p:nvPr>
-        </p:nvSpPr>
-        <p:spPr/>
-        <p:txBody>
-          <a:bodyPr/>
-          <a:lstStyle/>
-          <a:p>
-            <a:endParaRPr lang="en-US"/>
-          </a:p>
-        </p:txBody>
-      </p:sp>
-      <p:sp>
-        <p:nvSpPr>
-          <p:cNvPr id="6" name="Slide Number Placeholder 5">
-            <a:extLst>
-              <a:ext uri="{FF2B5EF4-FFF2-40B4-BE49-F238E27FC236}">
-                <a16:creationId xmlns:a16="http://schemas.microsoft.com/office/drawing/2014/main" id="{32CBD51E-25FE-41B5-AC33-454A8A05F82D}"/>
-              </a:ext>
-            </a:extLst>
-          </p:cNvPr>
-          <p:cNvSpPr>
-            <a:spLocks noGrp="1"/>
-          </p:cNvSpPr>
-          <p:nvPr>
-            <p:ph type="sldNum" sz="quarter" idx="12"/>
-          </p:nvPr>
-        </p:nvSpPr>
-        <p:spPr/>
-        <p:txBody>
-          <a:bodyPr/>
-          <a:lstStyle/>
-          <a:p>
-            <a:fld id="{09DC6E99-0A74-460B-87B8-5B6A51E77D55}" type="slidenum">
-              <a:rPr lang="en-US" smtClean="0"/>
-              <a:t>‹#›</a:t>
-            </a:fld>
-            <a:endParaRPr lang="en-US"/>
-          </a:p>
-        </p:txBody>
-      </p:sp>
-    </p:spTree>
-    <p:extLst>
-      <p:ext uri="{BB962C8B-B14F-4D97-AF65-F5344CB8AC3E}">
-        <p14:creationId xmlns:p14="http://schemas.microsoft.com/office/powerpoint/2010/main" val="1251937798"/>
-      </p:ext>
-    </p:extLst>
-  </p:cSld>
-  <p:clrMapOvr>
-    <a:masterClrMapping/>
-  </p:clrMapOvr>
-</p:sldLayout>
-</file>
-
-<file path=ppt/slideLayouts/slideLayout14.xml><?xml version="1.0" encoding="utf-8"?>
-<p:sldLayout xmlns:a="http://schemas.openxmlformats.org/drawingml/2006/main" xmlns:r="http://schemas.openxmlformats.org/officeDocument/2006/relationships" xmlns:p="http://schemas.openxmlformats.org/presentationml/2006/main" type="secHead" preserve="1">
-  <p:cSld name="Section Header">
-    <p:spTree>
-      <p:nvGrpSpPr>
-        <p:cNvPr id="1" name=""/>
-        <p:cNvGrpSpPr/>
-        <p:nvPr/>
-      </p:nvGrpSpPr>
-      <p:grpSpPr>
-        <a:xfrm>
-          <a:off x="0" y="0"/>
-          <a:ext cx="0" cy="0"/>
-          <a:chOff x="0" y="0"/>
-          <a:chExt cx="0" cy="0"/>
-        </a:xfrm>
-      </p:grpSpPr>
-      <p:sp>
-        <p:nvSpPr>
-          <p:cNvPr id="2" name="Title 1">
-            <a:extLst>
-              <a:ext uri="{FF2B5EF4-FFF2-40B4-BE49-F238E27FC236}">
-                <a16:creationId xmlns:a16="http://schemas.microsoft.com/office/drawing/2014/main" id="{EB0A35FB-2E32-4DA2-8804-F20201BF9E91}"/>
-              </a:ext>
-            </a:extLst>
-          </p:cNvPr>
-          <p:cNvSpPr>
-            <a:spLocks noGrp="1"/>
-          </p:cNvSpPr>
-          <p:nvPr>
-            <p:ph type="title"/>
-          </p:nvPr>
-        </p:nvSpPr>
-        <p:spPr>
-          <a:xfrm>
-            <a:off x="831850" y="1709738"/>
-            <a:ext cx="10515600" cy="2852737"/>
-          </a:xfrm>
-        </p:spPr>
-        <p:txBody>
-          <a:bodyPr anchor="b"/>
-          <a:lstStyle>
-            <a:lvl1pPr>
-              <a:defRPr sz="6000"/>
-            </a:lvl1pPr>
-          </a:lstStyle>
-          <a:p>
-            <a:r>
-              <a:rPr lang="en-US"/>
-              <a:t>Click to edit Master title style</a:t>
-            </a:r>
-          </a:p>
-        </p:txBody>
-      </p:sp>
-      <p:sp>
-        <p:nvSpPr>
-          <p:cNvPr id="3" name="Text Placeholder 2">
-            <a:extLst>
-              <a:ext uri="{FF2B5EF4-FFF2-40B4-BE49-F238E27FC236}">
-                <a16:creationId xmlns:a16="http://schemas.microsoft.com/office/drawing/2014/main" id="{6B5621CC-37D6-491A-B232-8468FBBCDC24}"/>
-              </a:ext>
-            </a:extLst>
-          </p:cNvPr>
-          <p:cNvSpPr>
-            <a:spLocks noGrp="1"/>
-          </p:cNvSpPr>
-          <p:nvPr>
-            <p:ph type="body" idx="1"/>
-          </p:nvPr>
-        </p:nvSpPr>
-        <p:spPr>
-          <a:xfrm>
-            <a:off x="831850" y="4589463"/>
-            <a:ext cx="10515600" cy="1500187"/>
-          </a:xfrm>
-        </p:spPr>
-        <p:txBody>
-          <a:bodyPr/>
-          <a:lstStyle>
-            <a:lvl1pPr marL="0" indent="0">
-              <a:buNone/>
-              <a:defRPr sz="2400">
-                <a:solidFill>
-                  <a:schemeClr val="tx1">
-                    <a:tint val="75000"/>
-                  </a:schemeClr>
-                </a:solidFill>
-              </a:defRPr>
-            </a:lvl1pPr>
-            <a:lvl2pPr marL="457200" indent="0">
-              <a:buNone/>
-              <a:defRPr sz="2000">
-                <a:solidFill>
-                  <a:schemeClr val="tx1">
-                    <a:tint val="75000"/>
-                  </a:schemeClr>
-                </a:solidFill>
-              </a:defRPr>
-            </a:lvl2pPr>
-            <a:lvl3pPr marL="914400" indent="0">
-              <a:buNone/>
-              <a:defRPr sz="1800">
-                <a:solidFill>
-                  <a:schemeClr val="tx1">
-                    <a:tint val="75000"/>
-                  </a:schemeClr>
-                </a:solidFill>
-              </a:defRPr>
-            </a:lvl3pPr>
-            <a:lvl4pPr marL="1371600" indent="0">
-              <a:buNone/>
-              <a:defRPr sz="1600">
-                <a:solidFill>
-                  <a:schemeClr val="tx1">
-                    <a:tint val="75000"/>
-                  </a:schemeClr>
-                </a:solidFill>
-              </a:defRPr>
-            </a:lvl4pPr>
-            <a:lvl5pPr marL="1828800" indent="0">
-              <a:buNone/>
-              <a:defRPr sz="1600">
-                <a:solidFill>
-                  <a:schemeClr val="tx1">
-                    <a:tint val="75000"/>
-                  </a:schemeClr>
-                </a:solidFill>
-              </a:defRPr>
-            </a:lvl5pPr>
-            <a:lvl6pPr marL="2286000" indent="0">
-              <a:buNone/>
-              <a:defRPr sz="1600">
-                <a:solidFill>
-                  <a:schemeClr val="tx1">
-                    <a:tint val="75000"/>
-                  </a:schemeClr>
-                </a:solidFill>
-              </a:defRPr>
-            </a:lvl6pPr>
-            <a:lvl7pPr marL="2743200" indent="0">
-              <a:buNone/>
-              <a:defRPr sz="1600">
-                <a:solidFill>
-                  <a:schemeClr val="tx1">
-                    <a:tint val="75000"/>
-                  </a:schemeClr>
-                </a:solidFill>
-              </a:defRPr>
-            </a:lvl7pPr>
-            <a:lvl8pPr marL="3200400" indent="0">
-              <a:buNone/>
-              <a:defRPr sz="1600">
-                <a:solidFill>
-                  <a:schemeClr val="tx1">
-                    <a:tint val="75000"/>
-                  </a:schemeClr>
-                </a:solidFill>
-              </a:defRPr>
-            </a:lvl8pPr>
-            <a:lvl9pPr marL="3657600" indent="0">
-              <a:buNone/>
-              <a:defRPr sz="1600">
-                <a:solidFill>
-                  <a:schemeClr val="tx1">
-                    <a:tint val="75000"/>
-                  </a:schemeClr>
-                </a:solidFill>
-              </a:defRPr>
-            </a:lvl9pPr>
-          </a:lstStyle>
-          <a:p>
-            <a:pPr lvl="0"/>
-            <a:r>
-              <a:rPr lang="en-US"/>
-              <a:t>Edit Master text styles</a:t>
-            </a:r>
-          </a:p>
-        </p:txBody>
-      </p:sp>
-      <p:sp>
-        <p:nvSpPr>
-          <p:cNvPr id="4" name="Date Placeholder 3">
-            <a:extLst>
-              <a:ext uri="{FF2B5EF4-FFF2-40B4-BE49-F238E27FC236}">
-                <a16:creationId xmlns:a16="http://schemas.microsoft.com/office/drawing/2014/main" id="{1948C94B-5590-46A8-BA1A-8EA618A1AE5D}"/>
-              </a:ext>
-            </a:extLst>
-          </p:cNvPr>
-          <p:cNvSpPr>
-            <a:spLocks noGrp="1"/>
-          </p:cNvSpPr>
-          <p:nvPr>
-            <p:ph type="dt" sz="half" idx="10"/>
-          </p:nvPr>
-        </p:nvSpPr>
-        <p:spPr/>
-        <p:txBody>
-          <a:bodyPr/>
-          <a:lstStyle/>
-          <a:p>
-            <a:fld id="{C6281C13-4A6C-4B99-A582-BB668AEDE54D}" type="datetimeFigureOut">
-              <a:rPr lang="en-US" smtClean="0"/>
-              <a:t>2/19/2019</a:t>
-            </a:fld>
-            <a:endParaRPr lang="en-US"/>
-          </a:p>
-        </p:txBody>
-      </p:sp>
-      <p:sp>
-        <p:nvSpPr>
-          <p:cNvPr id="5" name="Footer Placeholder 4">
-            <a:extLst>
-              <a:ext uri="{FF2B5EF4-FFF2-40B4-BE49-F238E27FC236}">
-                <a16:creationId xmlns:a16="http://schemas.microsoft.com/office/drawing/2014/main" id="{DAED5ACB-14D4-4204-86D4-138A5DEEFAFE}"/>
-              </a:ext>
-            </a:extLst>
-          </p:cNvPr>
-          <p:cNvSpPr>
-            <a:spLocks noGrp="1"/>
-          </p:cNvSpPr>
-          <p:nvPr>
-            <p:ph type="ftr" sz="quarter" idx="11"/>
-          </p:nvPr>
-        </p:nvSpPr>
-        <p:spPr/>
-        <p:txBody>
-          <a:bodyPr/>
-          <a:lstStyle/>
-          <a:p>
-            <a:endParaRPr lang="en-US"/>
-          </a:p>
-        </p:txBody>
-      </p:sp>
-      <p:sp>
-        <p:nvSpPr>
-          <p:cNvPr id="6" name="Slide Number Placeholder 5">
-            <a:extLst>
-              <a:ext uri="{FF2B5EF4-FFF2-40B4-BE49-F238E27FC236}">
-                <a16:creationId xmlns:a16="http://schemas.microsoft.com/office/drawing/2014/main" id="{0C0660C8-6FB3-49AC-A9D8-F1D1BECA51CB}"/>
-              </a:ext>
-            </a:extLst>
-          </p:cNvPr>
-          <p:cNvSpPr>
-            <a:spLocks noGrp="1"/>
-          </p:cNvSpPr>
-          <p:nvPr>
-            <p:ph type="sldNum" sz="quarter" idx="12"/>
-          </p:nvPr>
-        </p:nvSpPr>
-        <p:spPr/>
-        <p:txBody>
-          <a:bodyPr/>
-          <a:lstStyle/>
-          <a:p>
-            <a:fld id="{09DC6E99-0A74-460B-87B8-5B6A51E77D55}" type="slidenum">
-              <a:rPr lang="en-US" smtClean="0"/>
-              <a:t>‹#›</a:t>
-            </a:fld>
-            <a:endParaRPr lang="en-US"/>
-          </a:p>
-        </p:txBody>
-      </p:sp>
-    </p:spTree>
-    <p:extLst>
-      <p:ext uri="{BB962C8B-B14F-4D97-AF65-F5344CB8AC3E}">
-        <p14:creationId xmlns:p14="http://schemas.microsoft.com/office/powerpoint/2010/main" val="3617713494"/>
-      </p:ext>
-    </p:extLst>
-  </p:cSld>
-  <p:clrMapOvr>
-    <a:masterClrMapping/>
-  </p:clrMapOvr>
-</p:sldLayout>
-</file>
-
-<file path=ppt/slideLayouts/slideLayout15.xml><?xml version="1.0" encoding="utf-8"?>
-<p:sldLayout xmlns:a="http://schemas.openxmlformats.org/drawingml/2006/main" xmlns:r="http://schemas.openxmlformats.org/officeDocument/2006/relationships" xmlns:p="http://schemas.openxmlformats.org/presentationml/2006/main" type="twoObj" preserve="1">
-  <p:cSld name="Two Content">
-    <p:spTree>
-      <p:nvGrpSpPr>
-        <p:cNvPr id="1" name=""/>
-        <p:cNvGrpSpPr/>
-        <p:nvPr/>
-      </p:nvGrpSpPr>
-      <p:grpSpPr>
-        <a:xfrm>
-          <a:off x="0" y="0"/>
-          <a:ext cx="0" cy="0"/>
-          <a:chOff x="0" y="0"/>
-          <a:chExt cx="0" cy="0"/>
-        </a:xfrm>
-      </p:grpSpPr>
-      <p:sp>
-        <p:nvSpPr>
-          <p:cNvPr id="2" name="Title 1">
-            <a:extLst>
-              <a:ext uri="{FF2B5EF4-FFF2-40B4-BE49-F238E27FC236}">
-                <a16:creationId xmlns:a16="http://schemas.microsoft.com/office/drawing/2014/main" id="{1FA6277C-0E39-4626-8BB8-FF381F896844}"/>
-              </a:ext>
-            </a:extLst>
-          </p:cNvPr>
-          <p:cNvSpPr>
-            <a:spLocks noGrp="1"/>
-          </p:cNvSpPr>
-          <p:nvPr>
-            <p:ph type="title"/>
-          </p:nvPr>
-        </p:nvSpPr>
-        <p:spPr/>
-        <p:txBody>
-          <a:bodyPr/>
-          <a:lstStyle/>
-          <a:p>
-            <a:r>
-              <a:rPr lang="en-US"/>
-              <a:t>Click to edit Master title style</a:t>
-            </a:r>
-          </a:p>
-        </p:txBody>
-      </p:sp>
-      <p:sp>
-        <p:nvSpPr>
-          <p:cNvPr id="3" name="Content Placeholder 2">
-            <a:extLst>
-              <a:ext uri="{FF2B5EF4-FFF2-40B4-BE49-F238E27FC236}">
-                <a16:creationId xmlns:a16="http://schemas.microsoft.com/office/drawing/2014/main" id="{544123B0-7ACB-4079-9CE3-C9F33D6C811E}"/>
-              </a:ext>
-            </a:extLst>
-          </p:cNvPr>
-          <p:cNvSpPr>
-            <a:spLocks noGrp="1"/>
-          </p:cNvSpPr>
-          <p:nvPr>
-            <p:ph sz="half" idx="1"/>
-          </p:nvPr>
-        </p:nvSpPr>
-        <p:spPr>
-          <a:xfrm>
-            <a:off x="838200" y="1825625"/>
-            <a:ext cx="5181600" cy="4351338"/>
-          </a:xfrm>
-        </p:spPr>
-        <p:txBody>
-          <a:bodyPr/>
-          <a:lstStyle/>
-          <a:p>
-            <a:pPr lvl="0"/>
-            <a:r>
-              <a:rPr lang="en-US"/>
-              <a:t>Edit Master text styles</a:t>
-            </a:r>
-          </a:p>
-          <a:p>
-            <a:pPr lvl="1"/>
-            <a:r>
-              <a:rPr lang="en-US"/>
-              <a:t>Second level</a:t>
-            </a:r>
-          </a:p>
-          <a:p>
-            <a:pPr lvl="2"/>
-            <a:r>
-              <a:rPr lang="en-US"/>
-              <a:t>Third level</a:t>
-            </a:r>
-          </a:p>
-          <a:p>
-            <a:pPr lvl="3"/>
-            <a:r>
-              <a:rPr lang="en-US"/>
-              <a:t>Fourth level</a:t>
-            </a:r>
-          </a:p>
-          <a:p>
-            <a:pPr lvl="4"/>
-            <a:r>
-              <a:rPr lang="en-US"/>
-              <a:t>Fifth level</a:t>
-            </a:r>
-          </a:p>
-        </p:txBody>
-      </p:sp>
-      <p:sp>
-        <p:nvSpPr>
-          <p:cNvPr id="4" name="Content Placeholder 3">
-            <a:extLst>
-              <a:ext uri="{FF2B5EF4-FFF2-40B4-BE49-F238E27FC236}">
-                <a16:creationId xmlns:a16="http://schemas.microsoft.com/office/drawing/2014/main" id="{B5574B66-084E-44DB-ABDA-CED8E84DEA9D}"/>
-              </a:ext>
-            </a:extLst>
-          </p:cNvPr>
-          <p:cNvSpPr>
-            <a:spLocks noGrp="1"/>
-          </p:cNvSpPr>
-          <p:nvPr>
-            <p:ph sz="half" idx="2"/>
-          </p:nvPr>
-        </p:nvSpPr>
-        <p:spPr>
-          <a:xfrm>
-            <a:off x="6172200" y="1825625"/>
-            <a:ext cx="5181600" cy="4351338"/>
-          </a:xfrm>
-        </p:spPr>
-        <p:txBody>
-          <a:bodyPr/>
-          <a:lstStyle/>
-          <a:p>
-            <a:pPr lvl="0"/>
-            <a:r>
-              <a:rPr lang="en-US"/>
-              <a:t>Edit Master text styles</a:t>
-            </a:r>
-          </a:p>
-          <a:p>
-            <a:pPr lvl="1"/>
-            <a:r>
-              <a:rPr lang="en-US"/>
-              <a:t>Second level</a:t>
-            </a:r>
-          </a:p>
-          <a:p>
-            <a:pPr lvl="2"/>
-            <a:r>
-              <a:rPr lang="en-US"/>
-              <a:t>Third level</a:t>
-            </a:r>
-          </a:p>
-          <a:p>
-            <a:pPr lvl="3"/>
-            <a:r>
-              <a:rPr lang="en-US"/>
-              <a:t>Fourth level</a:t>
-            </a:r>
-          </a:p>
-          <a:p>
-            <a:pPr lvl="4"/>
-            <a:r>
-              <a:rPr lang="en-US"/>
-              <a:t>Fifth level</a:t>
-            </a:r>
-          </a:p>
-        </p:txBody>
-      </p:sp>
-      <p:sp>
-        <p:nvSpPr>
-          <p:cNvPr id="5" name="Date Placeholder 4">
-            <a:extLst>
-              <a:ext uri="{FF2B5EF4-FFF2-40B4-BE49-F238E27FC236}">
-                <a16:creationId xmlns:a16="http://schemas.microsoft.com/office/drawing/2014/main" id="{BE24957F-EF5D-46B6-9CE8-32A70F387998}"/>
-              </a:ext>
-            </a:extLst>
-          </p:cNvPr>
-          <p:cNvSpPr>
-            <a:spLocks noGrp="1"/>
-          </p:cNvSpPr>
-          <p:nvPr>
-            <p:ph type="dt" sz="half" idx="10"/>
-          </p:nvPr>
-        </p:nvSpPr>
-        <p:spPr/>
-        <p:txBody>
-          <a:bodyPr/>
-          <a:lstStyle/>
-          <a:p>
-            <a:fld id="{C6281C13-4A6C-4B99-A582-BB668AEDE54D}" type="datetimeFigureOut">
-              <a:rPr lang="en-US" smtClean="0"/>
-              <a:t>2/19/2019</a:t>
-            </a:fld>
-            <a:endParaRPr lang="en-US"/>
-          </a:p>
-        </p:txBody>
-      </p:sp>
-      <p:sp>
-        <p:nvSpPr>
-          <p:cNvPr id="6" name="Footer Placeholder 5">
-            <a:extLst>
-              <a:ext uri="{FF2B5EF4-FFF2-40B4-BE49-F238E27FC236}">
-                <a16:creationId xmlns:a16="http://schemas.microsoft.com/office/drawing/2014/main" id="{9FD0D0EE-DBD0-407B-804C-1AE637CEB9C1}"/>
-              </a:ext>
-            </a:extLst>
-          </p:cNvPr>
-          <p:cNvSpPr>
-            <a:spLocks noGrp="1"/>
-          </p:cNvSpPr>
-          <p:nvPr>
-            <p:ph type="ftr" sz="quarter" idx="11"/>
-          </p:nvPr>
-        </p:nvSpPr>
-        <p:spPr/>
-        <p:txBody>
-          <a:bodyPr/>
-          <a:lstStyle/>
-          <a:p>
-            <a:endParaRPr lang="en-US"/>
-          </a:p>
-        </p:txBody>
-      </p:sp>
-      <p:sp>
-        <p:nvSpPr>
-          <p:cNvPr id="7" name="Slide Number Placeholder 6">
-            <a:extLst>
-              <a:ext uri="{FF2B5EF4-FFF2-40B4-BE49-F238E27FC236}">
-                <a16:creationId xmlns:a16="http://schemas.microsoft.com/office/drawing/2014/main" id="{444E572E-04C1-4EFD-9F42-F505ABB73E64}"/>
-              </a:ext>
-            </a:extLst>
-          </p:cNvPr>
-          <p:cNvSpPr>
-            <a:spLocks noGrp="1"/>
-          </p:cNvSpPr>
-          <p:nvPr>
-            <p:ph type="sldNum" sz="quarter" idx="12"/>
-          </p:nvPr>
-        </p:nvSpPr>
-        <p:spPr/>
-        <p:txBody>
-          <a:bodyPr/>
-          <a:lstStyle/>
-          <a:p>
-            <a:fld id="{09DC6E99-0A74-460B-87B8-5B6A51E77D55}" type="slidenum">
-              <a:rPr lang="en-US" smtClean="0"/>
-              <a:t>‹#›</a:t>
-            </a:fld>
-            <a:endParaRPr lang="en-US"/>
-          </a:p>
-        </p:txBody>
-      </p:sp>
-    </p:spTree>
-    <p:extLst>
-      <p:ext uri="{BB962C8B-B14F-4D97-AF65-F5344CB8AC3E}">
-        <p14:creationId xmlns:p14="http://schemas.microsoft.com/office/powerpoint/2010/main" val="1020468855"/>
-      </p:ext>
-    </p:extLst>
-  </p:cSld>
-  <p:clrMapOvr>
-    <a:masterClrMapping/>
-  </p:clrMapOvr>
-</p:sldLayout>
-</file>
-
-<file path=ppt/slideLayouts/slideLayout16.xml><?xml version="1.0" encoding="utf-8"?>
-<p:sldLayout xmlns:a="http://schemas.openxmlformats.org/drawingml/2006/main" xmlns:r="http://schemas.openxmlformats.org/officeDocument/2006/relationships" xmlns:p="http://schemas.openxmlformats.org/presentationml/2006/main" type="twoTxTwoObj" preserve="1">
-  <p:cSld name="Comparison">
-    <p:spTree>
-      <p:nvGrpSpPr>
-        <p:cNvPr id="1" name=""/>
-        <p:cNvGrpSpPr/>
-        <p:nvPr/>
-      </p:nvGrpSpPr>
-      <p:grpSpPr>
-        <a:xfrm>
-          <a:off x="0" y="0"/>
-          <a:ext cx="0" cy="0"/>
-          <a:chOff x="0" y="0"/>
-          <a:chExt cx="0" cy="0"/>
-        </a:xfrm>
-      </p:grpSpPr>
-      <p:sp>
-        <p:nvSpPr>
-          <p:cNvPr id="2" name="Title 1">
-            <a:extLst>
-              <a:ext uri="{FF2B5EF4-FFF2-40B4-BE49-F238E27FC236}">
-                <a16:creationId xmlns:a16="http://schemas.microsoft.com/office/drawing/2014/main" id="{17827E1B-FFB7-448E-B9C5-7F3A064DE232}"/>
-              </a:ext>
-            </a:extLst>
-          </p:cNvPr>
-          <p:cNvSpPr>
-            <a:spLocks noGrp="1"/>
-          </p:cNvSpPr>
-          <p:nvPr>
-            <p:ph type="title"/>
-          </p:nvPr>
-        </p:nvSpPr>
-        <p:spPr>
-          <a:xfrm>
-            <a:off x="839788" y="365125"/>
-            <a:ext cx="10515600" cy="1325563"/>
-          </a:xfrm>
-        </p:spPr>
-        <p:txBody>
-          <a:bodyPr/>
-          <a:lstStyle/>
-          <a:p>
-            <a:r>
-              <a:rPr lang="en-US"/>
-              <a:t>Click to edit Master title style</a:t>
-            </a:r>
-          </a:p>
-        </p:txBody>
-      </p:sp>
-      <p:sp>
-        <p:nvSpPr>
-          <p:cNvPr id="3" name="Text Placeholder 2">
-            <a:extLst>
-              <a:ext uri="{FF2B5EF4-FFF2-40B4-BE49-F238E27FC236}">
-                <a16:creationId xmlns:a16="http://schemas.microsoft.com/office/drawing/2014/main" id="{28A4D216-6F8A-4F7D-88BC-C5AFF46D427B}"/>
-              </a:ext>
-            </a:extLst>
-          </p:cNvPr>
-          <p:cNvSpPr>
-            <a:spLocks noGrp="1"/>
-          </p:cNvSpPr>
-          <p:nvPr>
-            <p:ph type="body" idx="1"/>
-          </p:nvPr>
-        </p:nvSpPr>
-        <p:spPr>
-          <a:xfrm>
-            <a:off x="839788" y="1681163"/>
-            <a:ext cx="5157787" cy="823912"/>
-          </a:xfrm>
-        </p:spPr>
-        <p:txBody>
-          <a:bodyPr anchor="b"/>
-          <a:lstStyle>
-            <a:lvl1pPr marL="0" indent="0">
-              <a:buNone/>
-              <a:defRPr sz="2400" b="1"/>
-            </a:lvl1pPr>
-            <a:lvl2pPr marL="457200" indent="0">
-              <a:buNone/>
-              <a:defRPr sz="2000" b="1"/>
-            </a:lvl2pPr>
-            <a:lvl3pPr marL="914400" indent="0">
-              <a:buNone/>
-              <a:defRPr sz="1800" b="1"/>
-            </a:lvl3pPr>
-            <a:lvl4pPr marL="1371600" indent="0">
-              <a:buNone/>
-              <a:defRPr sz="1600" b="1"/>
-            </a:lvl4pPr>
-            <a:lvl5pPr marL="1828800" indent="0">
-              <a:buNone/>
-              <a:defRPr sz="1600" b="1"/>
-            </a:lvl5pPr>
-            <a:lvl6pPr marL="2286000" indent="0">
-              <a:buNone/>
-              <a:defRPr sz="1600" b="1"/>
-            </a:lvl6pPr>
-            <a:lvl7pPr marL="2743200" indent="0">
-              <a:buNone/>
-              <a:defRPr sz="1600" b="1"/>
-            </a:lvl7pPr>
-            <a:lvl8pPr marL="3200400" indent="0">
-              <a:buNone/>
-              <a:defRPr sz="1600" b="1"/>
-            </a:lvl8pPr>
-            <a:lvl9pPr marL="3657600" indent="0">
-              <a:buNone/>
-              <a:defRPr sz="1600" b="1"/>
-            </a:lvl9pPr>
-          </a:lstStyle>
-          <a:p>
-            <a:pPr lvl="0"/>
-            <a:r>
-              <a:rPr lang="en-US"/>
-              <a:t>Edit Master text styles</a:t>
-            </a:r>
-          </a:p>
-        </p:txBody>
-      </p:sp>
-      <p:sp>
-        <p:nvSpPr>
-          <p:cNvPr id="4" name="Content Placeholder 3">
-            <a:extLst>
-              <a:ext uri="{FF2B5EF4-FFF2-40B4-BE49-F238E27FC236}">
-                <a16:creationId xmlns:a16="http://schemas.microsoft.com/office/drawing/2014/main" id="{7B8419EC-196F-461C-81A2-FF3D02B3D48F}"/>
-              </a:ext>
-            </a:extLst>
-          </p:cNvPr>
-          <p:cNvSpPr>
-            <a:spLocks noGrp="1"/>
-          </p:cNvSpPr>
-          <p:nvPr>
-            <p:ph sz="half" idx="2"/>
-          </p:nvPr>
-        </p:nvSpPr>
-        <p:spPr>
-          <a:xfrm>
-            <a:off x="839788" y="2505075"/>
-            <a:ext cx="5157787" cy="3684588"/>
-          </a:xfrm>
-        </p:spPr>
-        <p:txBody>
-          <a:bodyPr/>
-          <a:lstStyle/>
-          <a:p>
-            <a:pPr lvl="0"/>
-            <a:r>
-              <a:rPr lang="en-US"/>
-              <a:t>Edit Master text styles</a:t>
-            </a:r>
-          </a:p>
-          <a:p>
-            <a:pPr lvl="1"/>
-            <a:r>
-              <a:rPr lang="en-US"/>
-              <a:t>Second level</a:t>
-            </a:r>
-          </a:p>
-          <a:p>
-            <a:pPr lvl="2"/>
-            <a:r>
-              <a:rPr lang="en-US"/>
-              <a:t>Third level</a:t>
-            </a:r>
-          </a:p>
-          <a:p>
-            <a:pPr lvl="3"/>
-            <a:r>
-              <a:rPr lang="en-US"/>
-              <a:t>Fourth level</a:t>
-            </a:r>
-          </a:p>
-          <a:p>
-            <a:pPr lvl="4"/>
-            <a:r>
-              <a:rPr lang="en-US"/>
-              <a:t>Fifth level</a:t>
-            </a:r>
-          </a:p>
-        </p:txBody>
-      </p:sp>
-      <p:sp>
-        <p:nvSpPr>
-          <p:cNvPr id="5" name="Text Placeholder 4">
-            <a:extLst>
-              <a:ext uri="{FF2B5EF4-FFF2-40B4-BE49-F238E27FC236}">
-                <a16:creationId xmlns:a16="http://schemas.microsoft.com/office/drawing/2014/main" id="{400DAC62-1B9A-429C-BE27-BBB53F9E1F79}"/>
-              </a:ext>
-            </a:extLst>
-          </p:cNvPr>
-          <p:cNvSpPr>
-            <a:spLocks noGrp="1"/>
-          </p:cNvSpPr>
-          <p:nvPr>
-            <p:ph type="body" sz="quarter" idx="3"/>
-          </p:nvPr>
-        </p:nvSpPr>
-        <p:spPr>
-          <a:xfrm>
-            <a:off x="6172200" y="1681163"/>
-            <a:ext cx="5183188" cy="823912"/>
-          </a:xfrm>
-        </p:spPr>
-        <p:txBody>
-          <a:bodyPr anchor="b"/>
-          <a:lstStyle>
-            <a:lvl1pPr marL="0" indent="0">
-              <a:buNone/>
-              <a:defRPr sz="2400" b="1"/>
-            </a:lvl1pPr>
-            <a:lvl2pPr marL="457200" indent="0">
-              <a:buNone/>
-              <a:defRPr sz="2000" b="1"/>
-            </a:lvl2pPr>
-            <a:lvl3pPr marL="914400" indent="0">
-              <a:buNone/>
-              <a:defRPr sz="1800" b="1"/>
-            </a:lvl3pPr>
-            <a:lvl4pPr marL="1371600" indent="0">
-              <a:buNone/>
-              <a:defRPr sz="1600" b="1"/>
-            </a:lvl4pPr>
-            <a:lvl5pPr marL="1828800" indent="0">
-              <a:buNone/>
-              <a:defRPr sz="1600" b="1"/>
-            </a:lvl5pPr>
-            <a:lvl6pPr marL="2286000" indent="0">
-              <a:buNone/>
-              <a:defRPr sz="1600" b="1"/>
-            </a:lvl6pPr>
-            <a:lvl7pPr marL="2743200" indent="0">
-              <a:buNone/>
-              <a:defRPr sz="1600" b="1"/>
-            </a:lvl7pPr>
-            <a:lvl8pPr marL="3200400" indent="0">
-              <a:buNone/>
-              <a:defRPr sz="1600" b="1"/>
-            </a:lvl8pPr>
-            <a:lvl9pPr marL="3657600" indent="0">
-              <a:buNone/>
-              <a:defRPr sz="1600" b="1"/>
-            </a:lvl9pPr>
-          </a:lstStyle>
-          <a:p>
-            <a:pPr lvl="0"/>
-            <a:r>
-              <a:rPr lang="en-US"/>
-              <a:t>Edit Master text styles</a:t>
-            </a:r>
-          </a:p>
-        </p:txBody>
-      </p:sp>
-      <p:sp>
-        <p:nvSpPr>
-          <p:cNvPr id="6" name="Content Placeholder 5">
-            <a:extLst>
-              <a:ext uri="{FF2B5EF4-FFF2-40B4-BE49-F238E27FC236}">
-                <a16:creationId xmlns:a16="http://schemas.microsoft.com/office/drawing/2014/main" id="{C6EA8AEA-8EAB-4D78-9B82-D04D3381F174}"/>
-              </a:ext>
-            </a:extLst>
-          </p:cNvPr>
-          <p:cNvSpPr>
-            <a:spLocks noGrp="1"/>
-          </p:cNvSpPr>
-          <p:nvPr>
-            <p:ph sz="quarter" idx="4"/>
-          </p:nvPr>
-        </p:nvSpPr>
-        <p:spPr>
-          <a:xfrm>
-            <a:off x="6172200" y="2505075"/>
-            <a:ext cx="5183188" cy="3684588"/>
-          </a:xfrm>
-        </p:spPr>
-        <p:txBody>
-          <a:bodyPr/>
-          <a:lstStyle/>
-          <a:p>
-            <a:pPr lvl="0"/>
-            <a:r>
-              <a:rPr lang="en-US"/>
-              <a:t>Edit Master text styles</a:t>
-            </a:r>
-          </a:p>
-          <a:p>
-            <a:pPr lvl="1"/>
-            <a:r>
-              <a:rPr lang="en-US"/>
-              <a:t>Second level</a:t>
-            </a:r>
-          </a:p>
-          <a:p>
-            <a:pPr lvl="2"/>
-            <a:r>
-              <a:rPr lang="en-US"/>
-              <a:t>Third level</a:t>
-            </a:r>
-          </a:p>
-          <a:p>
-            <a:pPr lvl="3"/>
-            <a:r>
-              <a:rPr lang="en-US"/>
-              <a:t>Fourth level</a:t>
-            </a:r>
-          </a:p>
-          <a:p>
-            <a:pPr lvl="4"/>
-            <a:r>
-              <a:rPr lang="en-US"/>
-              <a:t>Fifth level</a:t>
-            </a:r>
-          </a:p>
-        </p:txBody>
-      </p:sp>
-      <p:sp>
-        <p:nvSpPr>
-          <p:cNvPr id="7" name="Date Placeholder 6">
-            <a:extLst>
-              <a:ext uri="{FF2B5EF4-FFF2-40B4-BE49-F238E27FC236}">
-                <a16:creationId xmlns:a16="http://schemas.microsoft.com/office/drawing/2014/main" id="{E21B5D3D-6F06-4660-9433-B50397FB963D}"/>
-              </a:ext>
-            </a:extLst>
-          </p:cNvPr>
-          <p:cNvSpPr>
-            <a:spLocks noGrp="1"/>
-          </p:cNvSpPr>
-          <p:nvPr>
-            <p:ph type="dt" sz="half" idx="10"/>
-          </p:nvPr>
-        </p:nvSpPr>
-        <p:spPr/>
-        <p:txBody>
-          <a:bodyPr/>
-          <a:lstStyle/>
-          <a:p>
-            <a:fld id="{C6281C13-4A6C-4B99-A582-BB668AEDE54D}" type="datetimeFigureOut">
-              <a:rPr lang="en-US" smtClean="0"/>
-              <a:t>2/19/2019</a:t>
-            </a:fld>
-            <a:endParaRPr lang="en-US"/>
-          </a:p>
-        </p:txBody>
-      </p:sp>
-      <p:sp>
-        <p:nvSpPr>
-          <p:cNvPr id="8" name="Footer Placeholder 7">
-            <a:extLst>
-              <a:ext uri="{FF2B5EF4-FFF2-40B4-BE49-F238E27FC236}">
-                <a16:creationId xmlns:a16="http://schemas.microsoft.com/office/drawing/2014/main" id="{CB14CC58-800C-4234-9F01-2A4D56625B54}"/>
-              </a:ext>
-            </a:extLst>
-          </p:cNvPr>
-          <p:cNvSpPr>
-            <a:spLocks noGrp="1"/>
-          </p:cNvSpPr>
-          <p:nvPr>
-            <p:ph type="ftr" sz="quarter" idx="11"/>
-          </p:nvPr>
-        </p:nvSpPr>
-        <p:spPr/>
-        <p:txBody>
-          <a:bodyPr/>
-          <a:lstStyle/>
-          <a:p>
-            <a:endParaRPr lang="en-US"/>
-          </a:p>
-        </p:txBody>
-      </p:sp>
-      <p:sp>
-        <p:nvSpPr>
-          <p:cNvPr id="9" name="Slide Number Placeholder 8">
-            <a:extLst>
-              <a:ext uri="{FF2B5EF4-FFF2-40B4-BE49-F238E27FC236}">
-                <a16:creationId xmlns:a16="http://schemas.microsoft.com/office/drawing/2014/main" id="{623B33BB-0D45-42FB-A6FA-CA5A7E1CDC57}"/>
-              </a:ext>
-            </a:extLst>
-          </p:cNvPr>
-          <p:cNvSpPr>
-            <a:spLocks noGrp="1"/>
-          </p:cNvSpPr>
-          <p:nvPr>
-            <p:ph type="sldNum" sz="quarter" idx="12"/>
-          </p:nvPr>
-        </p:nvSpPr>
-        <p:spPr/>
-        <p:txBody>
-          <a:bodyPr/>
-          <a:lstStyle/>
-          <a:p>
-            <a:fld id="{09DC6E99-0A74-460B-87B8-5B6A51E77D55}" type="slidenum">
-              <a:rPr lang="en-US" smtClean="0"/>
-              <a:t>‹#›</a:t>
-            </a:fld>
-            <a:endParaRPr lang="en-US"/>
-          </a:p>
-        </p:txBody>
-      </p:sp>
-    </p:spTree>
-    <p:extLst>
-      <p:ext uri="{BB962C8B-B14F-4D97-AF65-F5344CB8AC3E}">
-        <p14:creationId xmlns:p14="http://schemas.microsoft.com/office/powerpoint/2010/main" val="925371853"/>
-      </p:ext>
-    </p:extLst>
-  </p:cSld>
-  <p:clrMapOvr>
-    <a:masterClrMapping/>
-  </p:clrMapOvr>
-</p:sldLayout>
-</file>
-
-<file path=ppt/slideLayouts/slideLayout17.xml><?xml version="1.0" encoding="utf-8"?>
-<p:sldLayout xmlns:a="http://schemas.openxmlformats.org/drawingml/2006/main" xmlns:r="http://schemas.openxmlformats.org/officeDocument/2006/relationships" xmlns:p="http://schemas.openxmlformats.org/presentationml/2006/main" type="titleOnly" preserve="1">
-  <p:cSld name="Title Only">
-    <p:spTree>
-      <p:nvGrpSpPr>
-        <p:cNvPr id="1" name=""/>
-        <p:cNvGrpSpPr/>
-        <p:nvPr/>
-      </p:nvGrpSpPr>
-      <p:grpSpPr>
-        <a:xfrm>
-          <a:off x="0" y="0"/>
-          <a:ext cx="0" cy="0"/>
-          <a:chOff x="0" y="0"/>
-          <a:chExt cx="0" cy="0"/>
-        </a:xfrm>
-      </p:grpSpPr>
-      <p:sp>
-        <p:nvSpPr>
-          <p:cNvPr id="2" name="Title 1">
-            <a:extLst>
-              <a:ext uri="{FF2B5EF4-FFF2-40B4-BE49-F238E27FC236}">
-                <a16:creationId xmlns:a16="http://schemas.microsoft.com/office/drawing/2014/main" id="{2428DDE8-23FB-4EA1-B1E3-E7E9721FA3D2}"/>
-              </a:ext>
-            </a:extLst>
-          </p:cNvPr>
-          <p:cNvSpPr>
-            <a:spLocks noGrp="1"/>
-          </p:cNvSpPr>
-          <p:nvPr>
-            <p:ph type="title"/>
-          </p:nvPr>
-        </p:nvSpPr>
-        <p:spPr/>
-        <p:txBody>
-          <a:bodyPr/>
-          <a:lstStyle/>
-          <a:p>
-            <a:r>
-              <a:rPr lang="en-US"/>
-              <a:t>Click to edit Master title style</a:t>
-            </a:r>
-          </a:p>
-        </p:txBody>
-      </p:sp>
-      <p:sp>
-        <p:nvSpPr>
-          <p:cNvPr id="3" name="Date Placeholder 2">
-            <a:extLst>
-              <a:ext uri="{FF2B5EF4-FFF2-40B4-BE49-F238E27FC236}">
-                <a16:creationId xmlns:a16="http://schemas.microsoft.com/office/drawing/2014/main" id="{C5BD7990-F4EA-40C1-8026-1B0451A1C0D2}"/>
-              </a:ext>
-            </a:extLst>
-          </p:cNvPr>
-          <p:cNvSpPr>
-            <a:spLocks noGrp="1"/>
-          </p:cNvSpPr>
-          <p:nvPr>
-            <p:ph type="dt" sz="half" idx="10"/>
-          </p:nvPr>
-        </p:nvSpPr>
-        <p:spPr/>
-        <p:txBody>
-          <a:bodyPr/>
-          <a:lstStyle/>
-          <a:p>
-            <a:fld id="{C6281C13-4A6C-4B99-A582-BB668AEDE54D}" type="datetimeFigureOut">
-              <a:rPr lang="en-US" smtClean="0"/>
-              <a:t>2/19/2019</a:t>
-            </a:fld>
-            <a:endParaRPr lang="en-US"/>
-          </a:p>
-        </p:txBody>
-      </p:sp>
-      <p:sp>
-        <p:nvSpPr>
-          <p:cNvPr id="4" name="Footer Placeholder 3">
-            <a:extLst>
-              <a:ext uri="{FF2B5EF4-FFF2-40B4-BE49-F238E27FC236}">
-                <a16:creationId xmlns:a16="http://schemas.microsoft.com/office/drawing/2014/main" id="{F9379EAF-4C27-49AA-8BB1-DB6644559B86}"/>
-              </a:ext>
-            </a:extLst>
-          </p:cNvPr>
-          <p:cNvSpPr>
-            <a:spLocks noGrp="1"/>
-          </p:cNvSpPr>
-          <p:nvPr>
-            <p:ph type="ftr" sz="quarter" idx="11"/>
-          </p:nvPr>
-        </p:nvSpPr>
-        <p:spPr/>
-        <p:txBody>
-          <a:bodyPr/>
-          <a:lstStyle/>
-          <a:p>
-            <a:endParaRPr lang="en-US"/>
-          </a:p>
-        </p:txBody>
-      </p:sp>
-      <p:sp>
-        <p:nvSpPr>
-          <p:cNvPr id="5" name="Slide Number Placeholder 4">
-            <a:extLst>
-              <a:ext uri="{FF2B5EF4-FFF2-40B4-BE49-F238E27FC236}">
-                <a16:creationId xmlns:a16="http://schemas.microsoft.com/office/drawing/2014/main" id="{0BF89632-C64F-4AF0-94CF-8523054F4A5B}"/>
-              </a:ext>
-            </a:extLst>
-          </p:cNvPr>
-          <p:cNvSpPr>
-            <a:spLocks noGrp="1"/>
-          </p:cNvSpPr>
-          <p:nvPr>
-            <p:ph type="sldNum" sz="quarter" idx="12"/>
-          </p:nvPr>
-        </p:nvSpPr>
-        <p:spPr/>
-        <p:txBody>
-          <a:bodyPr/>
-          <a:lstStyle/>
-          <a:p>
-            <a:fld id="{09DC6E99-0A74-460B-87B8-5B6A51E77D55}" type="slidenum">
-              <a:rPr lang="en-US" smtClean="0"/>
-              <a:t>‹#›</a:t>
-            </a:fld>
-            <a:endParaRPr lang="en-US"/>
-          </a:p>
-        </p:txBody>
-      </p:sp>
-    </p:spTree>
-    <p:extLst>
-      <p:ext uri="{BB962C8B-B14F-4D97-AF65-F5344CB8AC3E}">
-        <p14:creationId xmlns:p14="http://schemas.microsoft.com/office/powerpoint/2010/main" val="1840784828"/>
-      </p:ext>
-    </p:extLst>
-  </p:cSld>
-  <p:clrMapOvr>
-    <a:masterClrMapping/>
-  </p:clrMapOvr>
-</p:sldLayout>
-</file>
-
-<file path=ppt/slideLayouts/slideLayout18.xml><?xml version="1.0" encoding="utf-8"?>
-<p:sldLayout xmlns:a="http://schemas.openxmlformats.org/drawingml/2006/main" xmlns:r="http://schemas.openxmlformats.org/officeDocument/2006/relationships" xmlns:p="http://schemas.openxmlformats.org/presentationml/2006/main" type="blank" preserve="1">
-  <p:cSld name="Blank">
-    <p:spTree>
-      <p:nvGrpSpPr>
-        <p:cNvPr id="1" name=""/>
-        <p:cNvGrpSpPr/>
-        <p:nvPr/>
-      </p:nvGrpSpPr>
-      <p:grpSpPr>
-        <a:xfrm>
-          <a:off x="0" y="0"/>
-          <a:ext cx="0" cy="0"/>
-          <a:chOff x="0" y="0"/>
-          <a:chExt cx="0" cy="0"/>
-        </a:xfrm>
-      </p:grpSpPr>
-      <p:sp>
-        <p:nvSpPr>
-          <p:cNvPr id="2" name="Date Placeholder 1">
-            <a:extLst>
-              <a:ext uri="{FF2B5EF4-FFF2-40B4-BE49-F238E27FC236}">
-                <a16:creationId xmlns:a16="http://schemas.microsoft.com/office/drawing/2014/main" id="{C13E1C6B-DC27-40E5-9FC7-0465EAD8F0E1}"/>
-              </a:ext>
-            </a:extLst>
-          </p:cNvPr>
-          <p:cNvSpPr>
-            <a:spLocks noGrp="1"/>
-          </p:cNvSpPr>
-          <p:nvPr>
-            <p:ph type="dt" sz="half" idx="10"/>
-          </p:nvPr>
-        </p:nvSpPr>
-        <p:spPr/>
-        <p:txBody>
-          <a:bodyPr/>
-          <a:lstStyle/>
-          <a:p>
-            <a:fld id="{C6281C13-4A6C-4B99-A582-BB668AEDE54D}" type="datetimeFigureOut">
-              <a:rPr lang="en-US" smtClean="0"/>
-              <a:t>2/19/2019</a:t>
-            </a:fld>
-            <a:endParaRPr lang="en-US"/>
-          </a:p>
-        </p:txBody>
-      </p:sp>
-      <p:sp>
-        <p:nvSpPr>
-          <p:cNvPr id="3" name="Footer Placeholder 2">
-            <a:extLst>
-              <a:ext uri="{FF2B5EF4-FFF2-40B4-BE49-F238E27FC236}">
-                <a16:creationId xmlns:a16="http://schemas.microsoft.com/office/drawing/2014/main" id="{FD5AECFC-9CD6-4AEC-A335-40AFA7528F03}"/>
-              </a:ext>
-            </a:extLst>
-          </p:cNvPr>
-          <p:cNvSpPr>
-            <a:spLocks noGrp="1"/>
-          </p:cNvSpPr>
-          <p:nvPr>
-            <p:ph type="ftr" sz="quarter" idx="11"/>
-          </p:nvPr>
-        </p:nvSpPr>
-        <p:spPr/>
-        <p:txBody>
-          <a:bodyPr/>
-          <a:lstStyle/>
-          <a:p>
-            <a:endParaRPr lang="en-US"/>
-          </a:p>
-        </p:txBody>
-      </p:sp>
-      <p:sp>
-        <p:nvSpPr>
-          <p:cNvPr id="4" name="Slide Number Placeholder 3">
-            <a:extLst>
-              <a:ext uri="{FF2B5EF4-FFF2-40B4-BE49-F238E27FC236}">
-                <a16:creationId xmlns:a16="http://schemas.microsoft.com/office/drawing/2014/main" id="{0C4BFC49-9BD9-4BFC-B896-437FC36C9DBD}"/>
-              </a:ext>
-            </a:extLst>
-          </p:cNvPr>
-          <p:cNvSpPr>
-            <a:spLocks noGrp="1"/>
-          </p:cNvSpPr>
-          <p:nvPr>
-            <p:ph type="sldNum" sz="quarter" idx="12"/>
-          </p:nvPr>
-        </p:nvSpPr>
-        <p:spPr/>
-        <p:txBody>
-          <a:bodyPr/>
-          <a:lstStyle/>
-          <a:p>
-            <a:fld id="{09DC6E99-0A74-460B-87B8-5B6A51E77D55}" type="slidenum">
-              <a:rPr lang="en-US" smtClean="0"/>
-              <a:t>‹#›</a:t>
-            </a:fld>
-            <a:endParaRPr lang="en-US"/>
-          </a:p>
-        </p:txBody>
-      </p:sp>
-    </p:spTree>
-    <p:extLst>
-      <p:ext uri="{BB962C8B-B14F-4D97-AF65-F5344CB8AC3E}">
-        <p14:creationId xmlns:p14="http://schemas.microsoft.com/office/powerpoint/2010/main" val="2369981937"/>
-      </p:ext>
-    </p:extLst>
-  </p:cSld>
-  <p:clrMapOvr>
-    <a:masterClrMapping/>
-  </p:clrMapOvr>
-</p:sldLayout>
-</file>
-
-<file path=ppt/slideLayouts/slideLayout19.xml><?xml version="1.0" encoding="utf-8"?>
-<p:sldLayout xmlns:a="http://schemas.openxmlformats.org/drawingml/2006/main" xmlns:r="http://schemas.openxmlformats.org/officeDocument/2006/relationships" xmlns:p="http://schemas.openxmlformats.org/presentationml/2006/main" type="objTx" preserve="1">
-  <p:cSld name="Content with Caption">
-    <p:spTree>
-      <p:nvGrpSpPr>
-        <p:cNvPr id="1" name=""/>
-        <p:cNvGrpSpPr/>
-        <p:nvPr/>
-      </p:nvGrpSpPr>
-      <p:grpSpPr>
-        <a:xfrm>
-          <a:off x="0" y="0"/>
-          <a:ext cx="0" cy="0"/>
-          <a:chOff x="0" y="0"/>
-          <a:chExt cx="0" cy="0"/>
-        </a:xfrm>
-      </p:grpSpPr>
-      <p:sp>
-        <p:nvSpPr>
-          <p:cNvPr id="2" name="Title 1">
-            <a:extLst>
-              <a:ext uri="{FF2B5EF4-FFF2-40B4-BE49-F238E27FC236}">
-                <a16:creationId xmlns:a16="http://schemas.microsoft.com/office/drawing/2014/main" id="{AC97F241-4E0D-462F-8365-2C9F912FFF6C}"/>
-              </a:ext>
-            </a:extLst>
-          </p:cNvPr>
-          <p:cNvSpPr>
-            <a:spLocks noGrp="1"/>
-          </p:cNvSpPr>
-          <p:nvPr>
-            <p:ph type="title"/>
-          </p:nvPr>
-        </p:nvSpPr>
-        <p:spPr>
-          <a:xfrm>
-            <a:off x="839788" y="457200"/>
-            <a:ext cx="3932237" cy="1600200"/>
-          </a:xfrm>
-        </p:spPr>
-        <p:txBody>
-          <a:bodyPr anchor="b"/>
-          <a:lstStyle>
-            <a:lvl1pPr>
-              <a:defRPr sz="3200"/>
-            </a:lvl1pPr>
-          </a:lstStyle>
-          <a:p>
-            <a:r>
-              <a:rPr lang="en-US"/>
-              <a:t>Click to edit Master title style</a:t>
-            </a:r>
-          </a:p>
-        </p:txBody>
-      </p:sp>
-      <p:sp>
-        <p:nvSpPr>
-          <p:cNvPr id="3" name="Content Placeholder 2">
-            <a:extLst>
-              <a:ext uri="{FF2B5EF4-FFF2-40B4-BE49-F238E27FC236}">
-                <a16:creationId xmlns:a16="http://schemas.microsoft.com/office/drawing/2014/main" id="{F758CFC5-B147-473A-A08F-375B036FB267}"/>
-              </a:ext>
-            </a:extLst>
-          </p:cNvPr>
-          <p:cNvSpPr>
-            <a:spLocks noGrp="1"/>
-          </p:cNvSpPr>
-          <p:nvPr>
-            <p:ph idx="1"/>
-          </p:nvPr>
-        </p:nvSpPr>
-        <p:spPr>
-          <a:xfrm>
-            <a:off x="5183188" y="987425"/>
-            <a:ext cx="6172200" cy="4873625"/>
-          </a:xfrm>
-        </p:spPr>
-        <p:txBody>
-          <a:bodyPr/>
-          <a:lstStyle>
-            <a:lvl1pPr>
-              <a:defRPr sz="3200"/>
-            </a:lvl1pPr>
-            <a:lvl2pPr>
-              <a:defRPr sz="2800"/>
-            </a:lvl2pPr>
-            <a:lvl3pPr>
-              <a:defRPr sz="2400"/>
-            </a:lvl3pPr>
-            <a:lvl4pPr>
-              <a:defRPr sz="2000"/>
-            </a:lvl4pPr>
-            <a:lvl5pPr>
-              <a:defRPr sz="2000"/>
-            </a:lvl5pPr>
-            <a:lvl6pPr>
-              <a:defRPr sz="2000"/>
-            </a:lvl6pPr>
-            <a:lvl7pPr>
-              <a:defRPr sz="2000"/>
-            </a:lvl7pPr>
-            <a:lvl8pPr>
-              <a:defRPr sz="2000"/>
-            </a:lvl8pPr>
-            <a:lvl9pPr>
-              <a:defRPr sz="2000"/>
-            </a:lvl9pPr>
-          </a:lstStyle>
-          <a:p>
-            <a:pPr lvl="0"/>
-            <a:r>
-              <a:rPr lang="en-US"/>
-              <a:t>Edit Master text styles</a:t>
-            </a:r>
-          </a:p>
-          <a:p>
-            <a:pPr lvl="1"/>
-            <a:r>
-              <a:rPr lang="en-US"/>
-              <a:t>Second level</a:t>
-            </a:r>
-          </a:p>
-          <a:p>
-            <a:pPr lvl="2"/>
-            <a:r>
-              <a:rPr lang="en-US"/>
-              <a:t>Third level</a:t>
-            </a:r>
-          </a:p>
-          <a:p>
-            <a:pPr lvl="3"/>
-            <a:r>
-              <a:rPr lang="en-US"/>
-              <a:t>Fourth level</a:t>
-            </a:r>
-          </a:p>
-          <a:p>
-            <a:pPr lvl="4"/>
-            <a:r>
-              <a:rPr lang="en-US"/>
-              <a:t>Fifth level</a:t>
-            </a:r>
-          </a:p>
-        </p:txBody>
-      </p:sp>
-      <p:sp>
-        <p:nvSpPr>
-          <p:cNvPr id="4" name="Text Placeholder 3">
-            <a:extLst>
-              <a:ext uri="{FF2B5EF4-FFF2-40B4-BE49-F238E27FC236}">
-                <a16:creationId xmlns:a16="http://schemas.microsoft.com/office/drawing/2014/main" id="{B4D60F77-DABC-41FC-A202-4B415208B47F}"/>
-              </a:ext>
-            </a:extLst>
-          </p:cNvPr>
-          <p:cNvSpPr>
-            <a:spLocks noGrp="1"/>
-          </p:cNvSpPr>
-          <p:nvPr>
-            <p:ph type="body" sz="half" idx="2"/>
-          </p:nvPr>
-        </p:nvSpPr>
-        <p:spPr>
-          <a:xfrm>
-            <a:off x="839788" y="2057400"/>
-            <a:ext cx="3932237" cy="3811588"/>
-          </a:xfrm>
-        </p:spPr>
-        <p:txBody>
-          <a:bodyPr/>
-          <a:lstStyle>
-            <a:lvl1pPr marL="0" indent="0">
-              <a:buNone/>
-              <a:defRPr sz="1600"/>
-            </a:lvl1pPr>
-            <a:lvl2pPr marL="457200" indent="0">
-              <a:buNone/>
-              <a:defRPr sz="1400"/>
-            </a:lvl2pPr>
-            <a:lvl3pPr marL="914400" indent="0">
-              <a:buNone/>
-              <a:defRPr sz="1200"/>
-            </a:lvl3pPr>
-            <a:lvl4pPr marL="1371600" indent="0">
-              <a:buNone/>
-              <a:defRPr sz="1000"/>
-            </a:lvl4pPr>
-            <a:lvl5pPr marL="1828800" indent="0">
-              <a:buNone/>
-              <a:defRPr sz="1000"/>
-            </a:lvl5pPr>
-            <a:lvl6pPr marL="2286000" indent="0">
-              <a:buNone/>
-              <a:defRPr sz="1000"/>
-            </a:lvl6pPr>
-            <a:lvl7pPr marL="2743200" indent="0">
-              <a:buNone/>
-              <a:defRPr sz="1000"/>
-            </a:lvl7pPr>
-            <a:lvl8pPr marL="3200400" indent="0">
-              <a:buNone/>
-              <a:defRPr sz="1000"/>
-            </a:lvl8pPr>
-            <a:lvl9pPr marL="3657600" indent="0">
-              <a:buNone/>
-              <a:defRPr sz="1000"/>
-            </a:lvl9pPr>
-          </a:lstStyle>
-          <a:p>
-            <a:pPr lvl="0"/>
-            <a:r>
-              <a:rPr lang="en-US"/>
-              <a:t>Edit Master text styles</a:t>
-            </a:r>
-          </a:p>
-        </p:txBody>
-      </p:sp>
-      <p:sp>
-        <p:nvSpPr>
-          <p:cNvPr id="5" name="Date Placeholder 4">
-            <a:extLst>
-              <a:ext uri="{FF2B5EF4-FFF2-40B4-BE49-F238E27FC236}">
-                <a16:creationId xmlns:a16="http://schemas.microsoft.com/office/drawing/2014/main" id="{843C68A8-52CA-4D9F-AD10-5C2815A51F82}"/>
-              </a:ext>
-            </a:extLst>
-          </p:cNvPr>
-          <p:cNvSpPr>
-            <a:spLocks noGrp="1"/>
-          </p:cNvSpPr>
-          <p:nvPr>
-            <p:ph type="dt" sz="half" idx="10"/>
-          </p:nvPr>
-        </p:nvSpPr>
-        <p:spPr/>
-        <p:txBody>
-          <a:bodyPr/>
-          <a:lstStyle/>
-          <a:p>
-            <a:fld id="{C6281C13-4A6C-4B99-A582-BB668AEDE54D}" type="datetimeFigureOut">
-              <a:rPr lang="en-US" smtClean="0"/>
-              <a:t>2/19/2019</a:t>
-            </a:fld>
-            <a:endParaRPr lang="en-US"/>
-          </a:p>
-        </p:txBody>
-      </p:sp>
-      <p:sp>
-        <p:nvSpPr>
-          <p:cNvPr id="6" name="Footer Placeholder 5">
-            <a:extLst>
-              <a:ext uri="{FF2B5EF4-FFF2-40B4-BE49-F238E27FC236}">
-                <a16:creationId xmlns:a16="http://schemas.microsoft.com/office/drawing/2014/main" id="{A50B6B2C-ED15-4AA3-9A6F-017F33568596}"/>
-              </a:ext>
-            </a:extLst>
-          </p:cNvPr>
-          <p:cNvSpPr>
-            <a:spLocks noGrp="1"/>
-          </p:cNvSpPr>
-          <p:nvPr>
-            <p:ph type="ftr" sz="quarter" idx="11"/>
-          </p:nvPr>
-        </p:nvSpPr>
-        <p:spPr/>
-        <p:txBody>
-          <a:bodyPr/>
-          <a:lstStyle/>
-          <a:p>
-            <a:endParaRPr lang="en-US"/>
-          </a:p>
-        </p:txBody>
-      </p:sp>
-      <p:sp>
-        <p:nvSpPr>
-          <p:cNvPr id="7" name="Slide Number Placeholder 6">
-            <a:extLst>
-              <a:ext uri="{FF2B5EF4-FFF2-40B4-BE49-F238E27FC236}">
-                <a16:creationId xmlns:a16="http://schemas.microsoft.com/office/drawing/2014/main" id="{377915B6-C20C-4A3E-AC5C-EFD0D50C5767}"/>
-              </a:ext>
-            </a:extLst>
-          </p:cNvPr>
-          <p:cNvSpPr>
-            <a:spLocks noGrp="1"/>
-          </p:cNvSpPr>
-          <p:nvPr>
-            <p:ph type="sldNum" sz="quarter" idx="12"/>
-          </p:nvPr>
-        </p:nvSpPr>
-        <p:spPr/>
-        <p:txBody>
-          <a:bodyPr/>
-          <a:lstStyle/>
-          <a:p>
-            <a:fld id="{09DC6E99-0A74-460B-87B8-5B6A51E77D55}" type="slidenum">
-              <a:rPr lang="en-US" smtClean="0"/>
-              <a:t>‹#›</a:t>
-            </a:fld>
-            <a:endParaRPr lang="en-US"/>
-          </a:p>
-        </p:txBody>
-      </p:sp>
-    </p:spTree>
-    <p:extLst>
-      <p:ext uri="{BB962C8B-B14F-4D97-AF65-F5344CB8AC3E}">
-        <p14:creationId xmlns:p14="http://schemas.microsoft.com/office/powerpoint/2010/main" val="1817761078"/>
-      </p:ext>
-    </p:extLst>
-  </p:cSld>
-  <p:clrMapOvr>
-    <a:masterClrMapping/>
-  </p:clrMapOvr>
-</p:sldLayout>
-</file>
-
 <file path=ppt/slideLayouts/slideLayout2.xml><?xml version="1.0" encoding="utf-8"?>
 <p:sldLayout xmlns:a="http://schemas.openxmlformats.org/drawingml/2006/main" xmlns:r="http://schemas.openxmlformats.org/officeDocument/2006/relationships" xmlns:p="http://schemas.openxmlformats.org/presentationml/2006/main" type="obj" preserve="1">
   <p:cSld name="Title and Content">
@@ -7005,700 +5074,6 @@
     <p:extLst>
       <p:ext uri="{BB962C8B-B14F-4D97-AF65-F5344CB8AC3E}">
         <p14:creationId xmlns:p14="http://schemas.microsoft.com/office/powerpoint/2010/main" val="893710101"/>
-      </p:ext>
-    </p:extLst>
-  </p:cSld>
-  <p:clrMapOvr>
-    <a:masterClrMapping/>
-  </p:clrMapOvr>
-</p:sldLayout>
-</file>
-
-<file path=ppt/slideLayouts/slideLayout20.xml><?xml version="1.0" encoding="utf-8"?>
-<p:sldLayout xmlns:a="http://schemas.openxmlformats.org/drawingml/2006/main" xmlns:r="http://schemas.openxmlformats.org/officeDocument/2006/relationships" xmlns:p="http://schemas.openxmlformats.org/presentationml/2006/main" type="picTx" preserve="1">
-  <p:cSld name="Picture with Caption">
-    <p:spTree>
-      <p:nvGrpSpPr>
-        <p:cNvPr id="1" name=""/>
-        <p:cNvGrpSpPr/>
-        <p:nvPr/>
-      </p:nvGrpSpPr>
-      <p:grpSpPr>
-        <a:xfrm>
-          <a:off x="0" y="0"/>
-          <a:ext cx="0" cy="0"/>
-          <a:chOff x="0" y="0"/>
-          <a:chExt cx="0" cy="0"/>
-        </a:xfrm>
-      </p:grpSpPr>
-      <p:sp>
-        <p:nvSpPr>
-          <p:cNvPr id="2" name="Title 1">
-            <a:extLst>
-              <a:ext uri="{FF2B5EF4-FFF2-40B4-BE49-F238E27FC236}">
-                <a16:creationId xmlns:a16="http://schemas.microsoft.com/office/drawing/2014/main" id="{A9747C06-8099-4275-8621-5ACEEB661211}"/>
-              </a:ext>
-            </a:extLst>
-          </p:cNvPr>
-          <p:cNvSpPr>
-            <a:spLocks noGrp="1"/>
-          </p:cNvSpPr>
-          <p:nvPr>
-            <p:ph type="title"/>
-          </p:nvPr>
-        </p:nvSpPr>
-        <p:spPr>
-          <a:xfrm>
-            <a:off x="839788" y="457200"/>
-            <a:ext cx="3932237" cy="1600200"/>
-          </a:xfrm>
-        </p:spPr>
-        <p:txBody>
-          <a:bodyPr anchor="b"/>
-          <a:lstStyle>
-            <a:lvl1pPr>
-              <a:defRPr sz="3200"/>
-            </a:lvl1pPr>
-          </a:lstStyle>
-          <a:p>
-            <a:r>
-              <a:rPr lang="en-US"/>
-              <a:t>Click to edit Master title style</a:t>
-            </a:r>
-          </a:p>
-        </p:txBody>
-      </p:sp>
-      <p:sp>
-        <p:nvSpPr>
-          <p:cNvPr id="3" name="Picture Placeholder 2">
-            <a:extLst>
-              <a:ext uri="{FF2B5EF4-FFF2-40B4-BE49-F238E27FC236}">
-                <a16:creationId xmlns:a16="http://schemas.microsoft.com/office/drawing/2014/main" id="{5615BA8B-E46F-489B-9DBF-756008A2D96F}"/>
-              </a:ext>
-            </a:extLst>
-          </p:cNvPr>
-          <p:cNvSpPr>
-            <a:spLocks noGrp="1"/>
-          </p:cNvSpPr>
-          <p:nvPr>
-            <p:ph type="pic" idx="1"/>
-          </p:nvPr>
-        </p:nvSpPr>
-        <p:spPr>
-          <a:xfrm>
-            <a:off x="5183188" y="987425"/>
-            <a:ext cx="6172200" cy="4873625"/>
-          </a:xfrm>
-        </p:spPr>
-        <p:txBody>
-          <a:bodyPr/>
-          <a:lstStyle>
-            <a:lvl1pPr marL="0" indent="0">
-              <a:buNone/>
-              <a:defRPr sz="3200"/>
-            </a:lvl1pPr>
-            <a:lvl2pPr marL="457200" indent="0">
-              <a:buNone/>
-              <a:defRPr sz="2800"/>
-            </a:lvl2pPr>
-            <a:lvl3pPr marL="914400" indent="0">
-              <a:buNone/>
-              <a:defRPr sz="2400"/>
-            </a:lvl3pPr>
-            <a:lvl4pPr marL="1371600" indent="0">
-              <a:buNone/>
-              <a:defRPr sz="2000"/>
-            </a:lvl4pPr>
-            <a:lvl5pPr marL="1828800" indent="0">
-              <a:buNone/>
-              <a:defRPr sz="2000"/>
-            </a:lvl5pPr>
-            <a:lvl6pPr marL="2286000" indent="0">
-              <a:buNone/>
-              <a:defRPr sz="2000"/>
-            </a:lvl6pPr>
-            <a:lvl7pPr marL="2743200" indent="0">
-              <a:buNone/>
-              <a:defRPr sz="2000"/>
-            </a:lvl7pPr>
-            <a:lvl8pPr marL="3200400" indent="0">
-              <a:buNone/>
-              <a:defRPr sz="2000"/>
-            </a:lvl8pPr>
-            <a:lvl9pPr marL="3657600" indent="0">
-              <a:buNone/>
-              <a:defRPr sz="2000"/>
-            </a:lvl9pPr>
-          </a:lstStyle>
-          <a:p>
-            <a:endParaRPr lang="en-US"/>
-          </a:p>
-        </p:txBody>
-      </p:sp>
-      <p:sp>
-        <p:nvSpPr>
-          <p:cNvPr id="4" name="Text Placeholder 3">
-            <a:extLst>
-              <a:ext uri="{FF2B5EF4-FFF2-40B4-BE49-F238E27FC236}">
-                <a16:creationId xmlns:a16="http://schemas.microsoft.com/office/drawing/2014/main" id="{441A5648-0CC9-4496-AF5C-59C97CE1CD98}"/>
-              </a:ext>
-            </a:extLst>
-          </p:cNvPr>
-          <p:cNvSpPr>
-            <a:spLocks noGrp="1"/>
-          </p:cNvSpPr>
-          <p:nvPr>
-            <p:ph type="body" sz="half" idx="2"/>
-          </p:nvPr>
-        </p:nvSpPr>
-        <p:spPr>
-          <a:xfrm>
-            <a:off x="839788" y="2057400"/>
-            <a:ext cx="3932237" cy="3811588"/>
-          </a:xfrm>
-        </p:spPr>
-        <p:txBody>
-          <a:bodyPr/>
-          <a:lstStyle>
-            <a:lvl1pPr marL="0" indent="0">
-              <a:buNone/>
-              <a:defRPr sz="1600"/>
-            </a:lvl1pPr>
-            <a:lvl2pPr marL="457200" indent="0">
-              <a:buNone/>
-              <a:defRPr sz="1400"/>
-            </a:lvl2pPr>
-            <a:lvl3pPr marL="914400" indent="0">
-              <a:buNone/>
-              <a:defRPr sz="1200"/>
-            </a:lvl3pPr>
-            <a:lvl4pPr marL="1371600" indent="0">
-              <a:buNone/>
-              <a:defRPr sz="1000"/>
-            </a:lvl4pPr>
-            <a:lvl5pPr marL="1828800" indent="0">
-              <a:buNone/>
-              <a:defRPr sz="1000"/>
-            </a:lvl5pPr>
-            <a:lvl6pPr marL="2286000" indent="0">
-              <a:buNone/>
-              <a:defRPr sz="1000"/>
-            </a:lvl6pPr>
-            <a:lvl7pPr marL="2743200" indent="0">
-              <a:buNone/>
-              <a:defRPr sz="1000"/>
-            </a:lvl7pPr>
-            <a:lvl8pPr marL="3200400" indent="0">
-              <a:buNone/>
-              <a:defRPr sz="1000"/>
-            </a:lvl8pPr>
-            <a:lvl9pPr marL="3657600" indent="0">
-              <a:buNone/>
-              <a:defRPr sz="1000"/>
-            </a:lvl9pPr>
-          </a:lstStyle>
-          <a:p>
-            <a:pPr lvl="0"/>
-            <a:r>
-              <a:rPr lang="en-US"/>
-              <a:t>Edit Master text styles</a:t>
-            </a:r>
-          </a:p>
-        </p:txBody>
-      </p:sp>
-      <p:sp>
-        <p:nvSpPr>
-          <p:cNvPr id="5" name="Date Placeholder 4">
-            <a:extLst>
-              <a:ext uri="{FF2B5EF4-FFF2-40B4-BE49-F238E27FC236}">
-                <a16:creationId xmlns:a16="http://schemas.microsoft.com/office/drawing/2014/main" id="{4EDC0C27-F5DC-4782-996F-51A21CFF0258}"/>
-              </a:ext>
-            </a:extLst>
-          </p:cNvPr>
-          <p:cNvSpPr>
-            <a:spLocks noGrp="1"/>
-          </p:cNvSpPr>
-          <p:nvPr>
-            <p:ph type="dt" sz="half" idx="10"/>
-          </p:nvPr>
-        </p:nvSpPr>
-        <p:spPr/>
-        <p:txBody>
-          <a:bodyPr/>
-          <a:lstStyle/>
-          <a:p>
-            <a:fld id="{C6281C13-4A6C-4B99-A582-BB668AEDE54D}" type="datetimeFigureOut">
-              <a:rPr lang="en-US" smtClean="0"/>
-              <a:t>2/19/2019</a:t>
-            </a:fld>
-            <a:endParaRPr lang="en-US"/>
-          </a:p>
-        </p:txBody>
-      </p:sp>
-      <p:sp>
-        <p:nvSpPr>
-          <p:cNvPr id="6" name="Footer Placeholder 5">
-            <a:extLst>
-              <a:ext uri="{FF2B5EF4-FFF2-40B4-BE49-F238E27FC236}">
-                <a16:creationId xmlns:a16="http://schemas.microsoft.com/office/drawing/2014/main" id="{28E23990-80EE-446A-9F91-A8D7957AE2D5}"/>
-              </a:ext>
-            </a:extLst>
-          </p:cNvPr>
-          <p:cNvSpPr>
-            <a:spLocks noGrp="1"/>
-          </p:cNvSpPr>
-          <p:nvPr>
-            <p:ph type="ftr" sz="quarter" idx="11"/>
-          </p:nvPr>
-        </p:nvSpPr>
-        <p:spPr/>
-        <p:txBody>
-          <a:bodyPr/>
-          <a:lstStyle/>
-          <a:p>
-            <a:endParaRPr lang="en-US"/>
-          </a:p>
-        </p:txBody>
-      </p:sp>
-      <p:sp>
-        <p:nvSpPr>
-          <p:cNvPr id="7" name="Slide Number Placeholder 6">
-            <a:extLst>
-              <a:ext uri="{FF2B5EF4-FFF2-40B4-BE49-F238E27FC236}">
-                <a16:creationId xmlns:a16="http://schemas.microsoft.com/office/drawing/2014/main" id="{B14595E4-BCD8-46EF-913D-FA53A7728F75}"/>
-              </a:ext>
-            </a:extLst>
-          </p:cNvPr>
-          <p:cNvSpPr>
-            <a:spLocks noGrp="1"/>
-          </p:cNvSpPr>
-          <p:nvPr>
-            <p:ph type="sldNum" sz="quarter" idx="12"/>
-          </p:nvPr>
-        </p:nvSpPr>
-        <p:spPr/>
-        <p:txBody>
-          <a:bodyPr/>
-          <a:lstStyle/>
-          <a:p>
-            <a:fld id="{09DC6E99-0A74-460B-87B8-5B6A51E77D55}" type="slidenum">
-              <a:rPr lang="en-US" smtClean="0"/>
-              <a:t>‹#›</a:t>
-            </a:fld>
-            <a:endParaRPr lang="en-US"/>
-          </a:p>
-        </p:txBody>
-      </p:sp>
-    </p:spTree>
-    <p:extLst>
-      <p:ext uri="{BB962C8B-B14F-4D97-AF65-F5344CB8AC3E}">
-        <p14:creationId xmlns:p14="http://schemas.microsoft.com/office/powerpoint/2010/main" val="3858874902"/>
-      </p:ext>
-    </p:extLst>
-  </p:cSld>
-  <p:clrMapOvr>
-    <a:masterClrMapping/>
-  </p:clrMapOvr>
-</p:sldLayout>
-</file>
-
-<file path=ppt/slideLayouts/slideLayout21.xml><?xml version="1.0" encoding="utf-8"?>
-<p:sldLayout xmlns:a="http://schemas.openxmlformats.org/drawingml/2006/main" xmlns:r="http://schemas.openxmlformats.org/officeDocument/2006/relationships" xmlns:p="http://schemas.openxmlformats.org/presentationml/2006/main" type="vertTx" preserve="1">
-  <p:cSld name="Title and Vertical Text">
-    <p:spTree>
-      <p:nvGrpSpPr>
-        <p:cNvPr id="1" name=""/>
-        <p:cNvGrpSpPr/>
-        <p:nvPr/>
-      </p:nvGrpSpPr>
-      <p:grpSpPr>
-        <a:xfrm>
-          <a:off x="0" y="0"/>
-          <a:ext cx="0" cy="0"/>
-          <a:chOff x="0" y="0"/>
-          <a:chExt cx="0" cy="0"/>
-        </a:xfrm>
-      </p:grpSpPr>
-      <p:sp>
-        <p:nvSpPr>
-          <p:cNvPr id="2" name="Title 1">
-            <a:extLst>
-              <a:ext uri="{FF2B5EF4-FFF2-40B4-BE49-F238E27FC236}">
-                <a16:creationId xmlns:a16="http://schemas.microsoft.com/office/drawing/2014/main" id="{8236E737-BCAF-4B53-A530-A64650CE5CB1}"/>
-              </a:ext>
-            </a:extLst>
-          </p:cNvPr>
-          <p:cNvSpPr>
-            <a:spLocks noGrp="1"/>
-          </p:cNvSpPr>
-          <p:nvPr>
-            <p:ph type="title"/>
-          </p:nvPr>
-        </p:nvSpPr>
-        <p:spPr/>
-        <p:txBody>
-          <a:bodyPr/>
-          <a:lstStyle/>
-          <a:p>
-            <a:r>
-              <a:rPr lang="en-US"/>
-              <a:t>Click to edit Master title style</a:t>
-            </a:r>
-          </a:p>
-        </p:txBody>
-      </p:sp>
-      <p:sp>
-        <p:nvSpPr>
-          <p:cNvPr id="3" name="Vertical Text Placeholder 2">
-            <a:extLst>
-              <a:ext uri="{FF2B5EF4-FFF2-40B4-BE49-F238E27FC236}">
-                <a16:creationId xmlns:a16="http://schemas.microsoft.com/office/drawing/2014/main" id="{E3EADD26-165B-4C75-8147-71831E7388AC}"/>
-              </a:ext>
-            </a:extLst>
-          </p:cNvPr>
-          <p:cNvSpPr>
-            <a:spLocks noGrp="1"/>
-          </p:cNvSpPr>
-          <p:nvPr>
-            <p:ph type="body" orient="vert" idx="1"/>
-          </p:nvPr>
-        </p:nvSpPr>
-        <p:spPr/>
-        <p:txBody>
-          <a:bodyPr vert="eaVert"/>
-          <a:lstStyle/>
-          <a:p>
-            <a:pPr lvl="0"/>
-            <a:r>
-              <a:rPr lang="en-US"/>
-              <a:t>Edit Master text styles</a:t>
-            </a:r>
-          </a:p>
-          <a:p>
-            <a:pPr lvl="1"/>
-            <a:r>
-              <a:rPr lang="en-US"/>
-              <a:t>Second level</a:t>
-            </a:r>
-          </a:p>
-          <a:p>
-            <a:pPr lvl="2"/>
-            <a:r>
-              <a:rPr lang="en-US"/>
-              <a:t>Third level</a:t>
-            </a:r>
-          </a:p>
-          <a:p>
-            <a:pPr lvl="3"/>
-            <a:r>
-              <a:rPr lang="en-US"/>
-              <a:t>Fourth level</a:t>
-            </a:r>
-          </a:p>
-          <a:p>
-            <a:pPr lvl="4"/>
-            <a:r>
-              <a:rPr lang="en-US"/>
-              <a:t>Fifth level</a:t>
-            </a:r>
-          </a:p>
-        </p:txBody>
-      </p:sp>
-      <p:sp>
-        <p:nvSpPr>
-          <p:cNvPr id="4" name="Date Placeholder 3">
-            <a:extLst>
-              <a:ext uri="{FF2B5EF4-FFF2-40B4-BE49-F238E27FC236}">
-                <a16:creationId xmlns:a16="http://schemas.microsoft.com/office/drawing/2014/main" id="{C3241B1E-2F9D-4210-A6CE-EA3ED1B84747}"/>
-              </a:ext>
-            </a:extLst>
-          </p:cNvPr>
-          <p:cNvSpPr>
-            <a:spLocks noGrp="1"/>
-          </p:cNvSpPr>
-          <p:nvPr>
-            <p:ph type="dt" sz="half" idx="10"/>
-          </p:nvPr>
-        </p:nvSpPr>
-        <p:spPr/>
-        <p:txBody>
-          <a:bodyPr/>
-          <a:lstStyle/>
-          <a:p>
-            <a:fld id="{C6281C13-4A6C-4B99-A582-BB668AEDE54D}" type="datetimeFigureOut">
-              <a:rPr lang="en-US" smtClean="0"/>
-              <a:t>2/19/2019</a:t>
-            </a:fld>
-            <a:endParaRPr lang="en-US"/>
-          </a:p>
-        </p:txBody>
-      </p:sp>
-      <p:sp>
-        <p:nvSpPr>
-          <p:cNvPr id="5" name="Footer Placeholder 4">
-            <a:extLst>
-              <a:ext uri="{FF2B5EF4-FFF2-40B4-BE49-F238E27FC236}">
-                <a16:creationId xmlns:a16="http://schemas.microsoft.com/office/drawing/2014/main" id="{F15E563E-F7DA-4ECD-996D-771B989C1655}"/>
-              </a:ext>
-            </a:extLst>
-          </p:cNvPr>
-          <p:cNvSpPr>
-            <a:spLocks noGrp="1"/>
-          </p:cNvSpPr>
-          <p:nvPr>
-            <p:ph type="ftr" sz="quarter" idx="11"/>
-          </p:nvPr>
-        </p:nvSpPr>
-        <p:spPr/>
-        <p:txBody>
-          <a:bodyPr/>
-          <a:lstStyle/>
-          <a:p>
-            <a:endParaRPr lang="en-US"/>
-          </a:p>
-        </p:txBody>
-      </p:sp>
-      <p:sp>
-        <p:nvSpPr>
-          <p:cNvPr id="6" name="Slide Number Placeholder 5">
-            <a:extLst>
-              <a:ext uri="{FF2B5EF4-FFF2-40B4-BE49-F238E27FC236}">
-                <a16:creationId xmlns:a16="http://schemas.microsoft.com/office/drawing/2014/main" id="{03187157-9B59-4789-9535-AE1273D60016}"/>
-              </a:ext>
-            </a:extLst>
-          </p:cNvPr>
-          <p:cNvSpPr>
-            <a:spLocks noGrp="1"/>
-          </p:cNvSpPr>
-          <p:nvPr>
-            <p:ph type="sldNum" sz="quarter" idx="12"/>
-          </p:nvPr>
-        </p:nvSpPr>
-        <p:spPr/>
-        <p:txBody>
-          <a:bodyPr/>
-          <a:lstStyle/>
-          <a:p>
-            <a:fld id="{09DC6E99-0A74-460B-87B8-5B6A51E77D55}" type="slidenum">
-              <a:rPr lang="en-US" smtClean="0"/>
-              <a:t>‹#›</a:t>
-            </a:fld>
-            <a:endParaRPr lang="en-US"/>
-          </a:p>
-        </p:txBody>
-      </p:sp>
-    </p:spTree>
-    <p:extLst>
-      <p:ext uri="{BB962C8B-B14F-4D97-AF65-F5344CB8AC3E}">
-        <p14:creationId xmlns:p14="http://schemas.microsoft.com/office/powerpoint/2010/main" val="2825671116"/>
-      </p:ext>
-    </p:extLst>
-  </p:cSld>
-  <p:clrMapOvr>
-    <a:masterClrMapping/>
-  </p:clrMapOvr>
-</p:sldLayout>
-</file>
-
-<file path=ppt/slideLayouts/slideLayout22.xml><?xml version="1.0" encoding="utf-8"?>
-<p:sldLayout xmlns:a="http://schemas.openxmlformats.org/drawingml/2006/main" xmlns:r="http://schemas.openxmlformats.org/officeDocument/2006/relationships" xmlns:p="http://schemas.openxmlformats.org/presentationml/2006/main" type="vertTitleAndTx" preserve="1">
-  <p:cSld name="Vertical Title and Text">
-    <p:spTree>
-      <p:nvGrpSpPr>
-        <p:cNvPr id="1" name=""/>
-        <p:cNvGrpSpPr/>
-        <p:nvPr/>
-      </p:nvGrpSpPr>
-      <p:grpSpPr>
-        <a:xfrm>
-          <a:off x="0" y="0"/>
-          <a:ext cx="0" cy="0"/>
-          <a:chOff x="0" y="0"/>
-          <a:chExt cx="0" cy="0"/>
-        </a:xfrm>
-      </p:grpSpPr>
-      <p:sp>
-        <p:nvSpPr>
-          <p:cNvPr id="2" name="Vertical Title 1">
-            <a:extLst>
-              <a:ext uri="{FF2B5EF4-FFF2-40B4-BE49-F238E27FC236}">
-                <a16:creationId xmlns:a16="http://schemas.microsoft.com/office/drawing/2014/main" id="{8CFF916B-3D3B-4614-BC03-C9F2C456BF2A}"/>
-              </a:ext>
-            </a:extLst>
-          </p:cNvPr>
-          <p:cNvSpPr>
-            <a:spLocks noGrp="1"/>
-          </p:cNvSpPr>
-          <p:nvPr>
-            <p:ph type="title" orient="vert"/>
-          </p:nvPr>
-        </p:nvSpPr>
-        <p:spPr>
-          <a:xfrm>
-            <a:off x="8724900" y="365125"/>
-            <a:ext cx="2628900" cy="5811838"/>
-          </a:xfrm>
-        </p:spPr>
-        <p:txBody>
-          <a:bodyPr vert="eaVert"/>
-          <a:lstStyle/>
-          <a:p>
-            <a:r>
-              <a:rPr lang="en-US"/>
-              <a:t>Click to edit Master title style</a:t>
-            </a:r>
-          </a:p>
-        </p:txBody>
-      </p:sp>
-      <p:sp>
-        <p:nvSpPr>
-          <p:cNvPr id="3" name="Vertical Text Placeholder 2">
-            <a:extLst>
-              <a:ext uri="{FF2B5EF4-FFF2-40B4-BE49-F238E27FC236}">
-                <a16:creationId xmlns:a16="http://schemas.microsoft.com/office/drawing/2014/main" id="{553FD73F-8676-411B-B477-CC7CAA82BB76}"/>
-              </a:ext>
-            </a:extLst>
-          </p:cNvPr>
-          <p:cNvSpPr>
-            <a:spLocks noGrp="1"/>
-          </p:cNvSpPr>
-          <p:nvPr>
-            <p:ph type="body" orient="vert" idx="1"/>
-          </p:nvPr>
-        </p:nvSpPr>
-        <p:spPr>
-          <a:xfrm>
-            <a:off x="838200" y="365125"/>
-            <a:ext cx="7734300" cy="5811838"/>
-          </a:xfrm>
-        </p:spPr>
-        <p:txBody>
-          <a:bodyPr vert="eaVert"/>
-          <a:lstStyle/>
-          <a:p>
-            <a:pPr lvl="0"/>
-            <a:r>
-              <a:rPr lang="en-US"/>
-              <a:t>Edit Master text styles</a:t>
-            </a:r>
-          </a:p>
-          <a:p>
-            <a:pPr lvl="1"/>
-            <a:r>
-              <a:rPr lang="en-US"/>
-              <a:t>Second level</a:t>
-            </a:r>
-          </a:p>
-          <a:p>
-            <a:pPr lvl="2"/>
-            <a:r>
-              <a:rPr lang="en-US"/>
-              <a:t>Third level</a:t>
-            </a:r>
-          </a:p>
-          <a:p>
-            <a:pPr lvl="3"/>
-            <a:r>
-              <a:rPr lang="en-US"/>
-              <a:t>Fourth level</a:t>
-            </a:r>
-          </a:p>
-          <a:p>
-            <a:pPr lvl="4"/>
-            <a:r>
-              <a:rPr lang="en-US"/>
-              <a:t>Fifth level</a:t>
-            </a:r>
-          </a:p>
-        </p:txBody>
-      </p:sp>
-      <p:sp>
-        <p:nvSpPr>
-          <p:cNvPr id="4" name="Date Placeholder 3">
-            <a:extLst>
-              <a:ext uri="{FF2B5EF4-FFF2-40B4-BE49-F238E27FC236}">
-                <a16:creationId xmlns:a16="http://schemas.microsoft.com/office/drawing/2014/main" id="{9B561F0C-0F87-4155-B446-94A6AEE2D830}"/>
-              </a:ext>
-            </a:extLst>
-          </p:cNvPr>
-          <p:cNvSpPr>
-            <a:spLocks noGrp="1"/>
-          </p:cNvSpPr>
-          <p:nvPr>
-            <p:ph type="dt" sz="half" idx="10"/>
-          </p:nvPr>
-        </p:nvSpPr>
-        <p:spPr/>
-        <p:txBody>
-          <a:bodyPr/>
-          <a:lstStyle/>
-          <a:p>
-            <a:fld id="{C6281C13-4A6C-4B99-A582-BB668AEDE54D}" type="datetimeFigureOut">
-              <a:rPr lang="en-US" smtClean="0"/>
-              <a:t>2/19/2019</a:t>
-            </a:fld>
-            <a:endParaRPr lang="en-US"/>
-          </a:p>
-        </p:txBody>
-      </p:sp>
-      <p:sp>
-        <p:nvSpPr>
-          <p:cNvPr id="5" name="Footer Placeholder 4">
-            <a:extLst>
-              <a:ext uri="{FF2B5EF4-FFF2-40B4-BE49-F238E27FC236}">
-                <a16:creationId xmlns:a16="http://schemas.microsoft.com/office/drawing/2014/main" id="{C1DC7E38-1A4C-46B8-89B6-32BE53639410}"/>
-              </a:ext>
-            </a:extLst>
-          </p:cNvPr>
-          <p:cNvSpPr>
-            <a:spLocks noGrp="1"/>
-          </p:cNvSpPr>
-          <p:nvPr>
-            <p:ph type="ftr" sz="quarter" idx="11"/>
-          </p:nvPr>
-        </p:nvSpPr>
-        <p:spPr/>
-        <p:txBody>
-          <a:bodyPr/>
-          <a:lstStyle/>
-          <a:p>
-            <a:endParaRPr lang="en-US"/>
-          </a:p>
-        </p:txBody>
-      </p:sp>
-      <p:sp>
-        <p:nvSpPr>
-          <p:cNvPr id="6" name="Slide Number Placeholder 5">
-            <a:extLst>
-              <a:ext uri="{FF2B5EF4-FFF2-40B4-BE49-F238E27FC236}">
-                <a16:creationId xmlns:a16="http://schemas.microsoft.com/office/drawing/2014/main" id="{C1E96021-C09B-48E7-84CB-6274D29CACDE}"/>
-              </a:ext>
-            </a:extLst>
-          </p:cNvPr>
-          <p:cNvSpPr>
-            <a:spLocks noGrp="1"/>
-          </p:cNvSpPr>
-          <p:nvPr>
-            <p:ph type="sldNum" sz="quarter" idx="12"/>
-          </p:nvPr>
-        </p:nvSpPr>
-        <p:spPr/>
-        <p:txBody>
-          <a:bodyPr/>
-          <a:lstStyle/>
-          <a:p>
-            <a:fld id="{09DC6E99-0A74-460B-87B8-5B6A51E77D55}" type="slidenum">
-              <a:rPr lang="en-US" smtClean="0"/>
-              <a:t>‹#›</a:t>
-            </a:fld>
-            <a:endParaRPr lang="en-US"/>
-          </a:p>
-        </p:txBody>
-      </p:sp>
-    </p:spTree>
-    <p:extLst>
-      <p:ext uri="{BB962C8B-B14F-4D97-AF65-F5344CB8AC3E}">
-        <p14:creationId xmlns:p14="http://schemas.microsoft.com/office/powerpoint/2010/main" val="3034735658"/>
       </p:ext>
     </p:extLst>
   </p:cSld>
@@ -10408,574 +7783,6 @@
 </p:sldMaster>
 </file>
 
-<file path=ppt/slideMasters/slideMaster2.xml><?xml version="1.0" encoding="utf-8"?>
-<p:sldMaster xmlns:a="http://schemas.openxmlformats.org/drawingml/2006/main" xmlns:r="http://schemas.openxmlformats.org/officeDocument/2006/relationships" xmlns:p="http://schemas.openxmlformats.org/presentationml/2006/main">
-  <p:cSld>
-    <p:bg>
-      <p:bgRef idx="1001">
-        <a:schemeClr val="bg1"/>
-      </p:bgRef>
-    </p:bg>
-    <p:spTree>
-      <p:nvGrpSpPr>
-        <p:cNvPr id="1" name=""/>
-        <p:cNvGrpSpPr/>
-        <p:nvPr/>
-      </p:nvGrpSpPr>
-      <p:grpSpPr>
-        <a:xfrm>
-          <a:off x="0" y="0"/>
-          <a:ext cx="0" cy="0"/>
-          <a:chOff x="0" y="0"/>
-          <a:chExt cx="0" cy="0"/>
-        </a:xfrm>
-      </p:grpSpPr>
-      <p:sp>
-        <p:nvSpPr>
-          <p:cNvPr id="2" name="Title Placeholder 1">
-            <a:extLst>
-              <a:ext uri="{FF2B5EF4-FFF2-40B4-BE49-F238E27FC236}">
-                <a16:creationId xmlns:a16="http://schemas.microsoft.com/office/drawing/2014/main" id="{2CD1488F-FC5E-4F96-9B05-85D39FC67E99}"/>
-              </a:ext>
-            </a:extLst>
-          </p:cNvPr>
-          <p:cNvSpPr>
-            <a:spLocks noGrp="1"/>
-          </p:cNvSpPr>
-          <p:nvPr>
-            <p:ph type="title"/>
-          </p:nvPr>
-        </p:nvSpPr>
-        <p:spPr>
-          <a:xfrm>
-            <a:off x="838200" y="365125"/>
-            <a:ext cx="10515600" cy="1325563"/>
-          </a:xfrm>
-          <a:prstGeom prst="rect">
-            <a:avLst/>
-          </a:prstGeom>
-        </p:spPr>
-        <p:txBody>
-          <a:bodyPr vert="horz" lIns="91440" tIns="45720" rIns="91440" bIns="45720" rtlCol="0" anchor="ctr">
-            <a:normAutofit/>
-          </a:bodyPr>
-          <a:lstStyle/>
-          <a:p>
-            <a:r>
-              <a:rPr lang="en-US"/>
-              <a:t>Click to edit Master title style</a:t>
-            </a:r>
-          </a:p>
-        </p:txBody>
-      </p:sp>
-      <p:sp>
-        <p:nvSpPr>
-          <p:cNvPr id="3" name="Text Placeholder 2">
-            <a:extLst>
-              <a:ext uri="{FF2B5EF4-FFF2-40B4-BE49-F238E27FC236}">
-                <a16:creationId xmlns:a16="http://schemas.microsoft.com/office/drawing/2014/main" id="{40CB2B3D-EB72-401D-AEB8-DCFA434274C4}"/>
-              </a:ext>
-            </a:extLst>
-          </p:cNvPr>
-          <p:cNvSpPr>
-            <a:spLocks noGrp="1"/>
-          </p:cNvSpPr>
-          <p:nvPr>
-            <p:ph type="body" idx="1"/>
-          </p:nvPr>
-        </p:nvSpPr>
-        <p:spPr>
-          <a:xfrm>
-            <a:off x="838200" y="1825625"/>
-            <a:ext cx="10515600" cy="4351338"/>
-          </a:xfrm>
-          <a:prstGeom prst="rect">
-            <a:avLst/>
-          </a:prstGeom>
-        </p:spPr>
-        <p:txBody>
-          <a:bodyPr vert="horz" lIns="91440" tIns="45720" rIns="91440" bIns="45720" rtlCol="0">
-            <a:normAutofit/>
-          </a:bodyPr>
-          <a:lstStyle/>
-          <a:p>
-            <a:pPr lvl="0"/>
-            <a:r>
-              <a:rPr lang="en-US"/>
-              <a:t>Edit Master text styles</a:t>
-            </a:r>
-          </a:p>
-          <a:p>
-            <a:pPr lvl="1"/>
-            <a:r>
-              <a:rPr lang="en-US"/>
-              <a:t>Second level</a:t>
-            </a:r>
-          </a:p>
-          <a:p>
-            <a:pPr lvl="2"/>
-            <a:r>
-              <a:rPr lang="en-US"/>
-              <a:t>Third level</a:t>
-            </a:r>
-          </a:p>
-          <a:p>
-            <a:pPr lvl="3"/>
-            <a:r>
-              <a:rPr lang="en-US"/>
-              <a:t>Fourth level</a:t>
-            </a:r>
-          </a:p>
-          <a:p>
-            <a:pPr lvl="4"/>
-            <a:r>
-              <a:rPr lang="en-US"/>
-              <a:t>Fifth level</a:t>
-            </a:r>
-          </a:p>
-        </p:txBody>
-      </p:sp>
-      <p:sp>
-        <p:nvSpPr>
-          <p:cNvPr id="4" name="Date Placeholder 3">
-            <a:extLst>
-              <a:ext uri="{FF2B5EF4-FFF2-40B4-BE49-F238E27FC236}">
-                <a16:creationId xmlns:a16="http://schemas.microsoft.com/office/drawing/2014/main" id="{A8884124-5961-4778-A6F3-FA91C025987B}"/>
-              </a:ext>
-            </a:extLst>
-          </p:cNvPr>
-          <p:cNvSpPr>
-            <a:spLocks noGrp="1"/>
-          </p:cNvSpPr>
-          <p:nvPr>
-            <p:ph type="dt" sz="half" idx="2"/>
-          </p:nvPr>
-        </p:nvSpPr>
-        <p:spPr>
-          <a:xfrm>
-            <a:off x="838200" y="6356350"/>
-            <a:ext cx="2743200" cy="365125"/>
-          </a:xfrm>
-          <a:prstGeom prst="rect">
-            <a:avLst/>
-          </a:prstGeom>
-        </p:spPr>
-        <p:txBody>
-          <a:bodyPr vert="horz" lIns="91440" tIns="45720" rIns="91440" bIns="45720" rtlCol="0" anchor="ctr"/>
-          <a:lstStyle>
-            <a:lvl1pPr algn="l">
-              <a:defRPr sz="1200">
-                <a:solidFill>
-                  <a:schemeClr val="tx1">
-                    <a:tint val="75000"/>
-                  </a:schemeClr>
-                </a:solidFill>
-              </a:defRPr>
-            </a:lvl1pPr>
-          </a:lstStyle>
-          <a:p>
-            <a:fld id="{C6281C13-4A6C-4B99-A582-BB668AEDE54D}" type="datetimeFigureOut">
-              <a:rPr lang="en-US" smtClean="0"/>
-              <a:t>2/19/2019</a:t>
-            </a:fld>
-            <a:endParaRPr lang="en-US"/>
-          </a:p>
-        </p:txBody>
-      </p:sp>
-      <p:sp>
-        <p:nvSpPr>
-          <p:cNvPr id="5" name="Footer Placeholder 4">
-            <a:extLst>
-              <a:ext uri="{FF2B5EF4-FFF2-40B4-BE49-F238E27FC236}">
-                <a16:creationId xmlns:a16="http://schemas.microsoft.com/office/drawing/2014/main" id="{C81BF84C-8B7D-49DF-B719-ACCA20203E22}"/>
-              </a:ext>
-            </a:extLst>
-          </p:cNvPr>
-          <p:cNvSpPr>
-            <a:spLocks noGrp="1"/>
-          </p:cNvSpPr>
-          <p:nvPr>
-            <p:ph type="ftr" sz="quarter" idx="3"/>
-          </p:nvPr>
-        </p:nvSpPr>
-        <p:spPr>
-          <a:xfrm>
-            <a:off x="4038600" y="6356350"/>
-            <a:ext cx="4114800" cy="365125"/>
-          </a:xfrm>
-          <a:prstGeom prst="rect">
-            <a:avLst/>
-          </a:prstGeom>
-        </p:spPr>
-        <p:txBody>
-          <a:bodyPr vert="horz" lIns="91440" tIns="45720" rIns="91440" bIns="45720" rtlCol="0" anchor="ctr"/>
-          <a:lstStyle>
-            <a:lvl1pPr algn="ctr">
-              <a:defRPr sz="1200">
-                <a:solidFill>
-                  <a:schemeClr val="tx1">
-                    <a:tint val="75000"/>
-                  </a:schemeClr>
-                </a:solidFill>
-              </a:defRPr>
-            </a:lvl1pPr>
-          </a:lstStyle>
-          <a:p>
-            <a:endParaRPr lang="en-US"/>
-          </a:p>
-        </p:txBody>
-      </p:sp>
-      <p:sp>
-        <p:nvSpPr>
-          <p:cNvPr id="6" name="Slide Number Placeholder 5">
-            <a:extLst>
-              <a:ext uri="{FF2B5EF4-FFF2-40B4-BE49-F238E27FC236}">
-                <a16:creationId xmlns:a16="http://schemas.microsoft.com/office/drawing/2014/main" id="{60EE0435-6EBF-4901-8E1A-31795C406D09}"/>
-              </a:ext>
-            </a:extLst>
-          </p:cNvPr>
-          <p:cNvSpPr>
-            <a:spLocks noGrp="1"/>
-          </p:cNvSpPr>
-          <p:nvPr>
-            <p:ph type="sldNum" sz="quarter" idx="4"/>
-          </p:nvPr>
-        </p:nvSpPr>
-        <p:spPr>
-          <a:xfrm>
-            <a:off x="8610600" y="6356350"/>
-            <a:ext cx="2743200" cy="365125"/>
-          </a:xfrm>
-          <a:prstGeom prst="rect">
-            <a:avLst/>
-          </a:prstGeom>
-        </p:spPr>
-        <p:txBody>
-          <a:bodyPr vert="horz" lIns="91440" tIns="45720" rIns="91440" bIns="45720" rtlCol="0" anchor="ctr"/>
-          <a:lstStyle>
-            <a:lvl1pPr algn="r">
-              <a:defRPr sz="1200">
-                <a:solidFill>
-                  <a:schemeClr val="tx1">
-                    <a:tint val="75000"/>
-                  </a:schemeClr>
-                </a:solidFill>
-              </a:defRPr>
-            </a:lvl1pPr>
-          </a:lstStyle>
-          <a:p>
-            <a:fld id="{09DC6E99-0A74-460B-87B8-5B6A51E77D55}" type="slidenum">
-              <a:rPr lang="en-US" smtClean="0"/>
-              <a:t>‹#›</a:t>
-            </a:fld>
-            <a:endParaRPr lang="en-US"/>
-          </a:p>
-        </p:txBody>
-      </p:sp>
-    </p:spTree>
-    <p:extLst>
-      <p:ext uri="{BB962C8B-B14F-4D97-AF65-F5344CB8AC3E}">
-        <p14:creationId xmlns:p14="http://schemas.microsoft.com/office/powerpoint/2010/main" val="3528637571"/>
-      </p:ext>
-    </p:extLst>
-  </p:cSld>
-  <p:clrMap bg1="lt1" tx1="dk1" bg2="lt2" tx2="dk2" accent1="accent1" accent2="accent2" accent3="accent3" accent4="accent4" accent5="accent5" accent6="accent6" hlink="hlink" folHlink="folHlink"/>
-  <p:sldLayoutIdLst>
-    <p:sldLayoutId id="2147483661" r:id="rId1"/>
-    <p:sldLayoutId id="2147483662" r:id="rId2"/>
-    <p:sldLayoutId id="2147483663" r:id="rId3"/>
-    <p:sldLayoutId id="2147483664" r:id="rId4"/>
-    <p:sldLayoutId id="2147483665" r:id="rId5"/>
-    <p:sldLayoutId id="2147483666" r:id="rId6"/>
-    <p:sldLayoutId id="2147483667" r:id="rId7"/>
-    <p:sldLayoutId id="2147483668" r:id="rId8"/>
-    <p:sldLayoutId id="2147483669" r:id="rId9"/>
-    <p:sldLayoutId id="2147483670" r:id="rId10"/>
-    <p:sldLayoutId id="2147483671" r:id="rId11"/>
-  </p:sldLayoutIdLst>
-  <p:txStyles>
-    <p:titleStyle>
-      <a:lvl1pPr algn="l" defTabSz="914400" rtl="0" eaLnBrk="1" latinLnBrk="0" hangingPunct="1">
-        <a:lnSpc>
-          <a:spcPct val="90000"/>
-        </a:lnSpc>
-        <a:spcBef>
-          <a:spcPct val="0"/>
-        </a:spcBef>
-        <a:buNone/>
-        <a:defRPr sz="4400" kern="1200">
-          <a:solidFill>
-            <a:schemeClr val="tx1"/>
-          </a:solidFill>
-          <a:latin typeface="+mj-lt"/>
-          <a:ea typeface="+mj-ea"/>
-          <a:cs typeface="+mj-cs"/>
-        </a:defRPr>
-      </a:lvl1pPr>
-    </p:titleStyle>
-    <p:bodyStyle>
-      <a:lvl1pPr marL="228600" indent="-228600" algn="l" defTabSz="914400" rtl="0" eaLnBrk="1" latinLnBrk="0" hangingPunct="1">
-        <a:lnSpc>
-          <a:spcPct val="90000"/>
-        </a:lnSpc>
-        <a:spcBef>
-          <a:spcPts val="1000"/>
-        </a:spcBef>
-        <a:buFont typeface="Arial" panose="020B0604020202020204" pitchFamily="34" charset="0"/>
-        <a:buChar char="•"/>
-        <a:defRPr sz="2800" kern="1200">
-          <a:solidFill>
-            <a:schemeClr val="tx1"/>
-          </a:solidFill>
-          <a:latin typeface="+mn-lt"/>
-          <a:ea typeface="+mn-ea"/>
-          <a:cs typeface="+mn-cs"/>
-        </a:defRPr>
-      </a:lvl1pPr>
-      <a:lvl2pPr marL="685800" indent="-228600" algn="l" defTabSz="914400" rtl="0" eaLnBrk="1" latinLnBrk="0" hangingPunct="1">
-        <a:lnSpc>
-          <a:spcPct val="90000"/>
-        </a:lnSpc>
-        <a:spcBef>
-          <a:spcPts val="500"/>
-        </a:spcBef>
-        <a:buFont typeface="Arial" panose="020B0604020202020204" pitchFamily="34" charset="0"/>
-        <a:buChar char="•"/>
-        <a:defRPr sz="2400" kern="1200">
-          <a:solidFill>
-            <a:schemeClr val="tx1"/>
-          </a:solidFill>
-          <a:latin typeface="+mn-lt"/>
-          <a:ea typeface="+mn-ea"/>
-          <a:cs typeface="+mn-cs"/>
-        </a:defRPr>
-      </a:lvl2pPr>
-      <a:lvl3pPr marL="1143000" indent="-228600" algn="l" defTabSz="914400" rtl="0" eaLnBrk="1" latinLnBrk="0" hangingPunct="1">
-        <a:lnSpc>
-          <a:spcPct val="90000"/>
-        </a:lnSpc>
-        <a:spcBef>
-          <a:spcPts val="500"/>
-        </a:spcBef>
-        <a:buFont typeface="Arial" panose="020B0604020202020204" pitchFamily="34" charset="0"/>
-        <a:buChar char="•"/>
-        <a:defRPr sz="2000" kern="1200">
-          <a:solidFill>
-            <a:schemeClr val="tx1"/>
-          </a:solidFill>
-          <a:latin typeface="+mn-lt"/>
-          <a:ea typeface="+mn-ea"/>
-          <a:cs typeface="+mn-cs"/>
-        </a:defRPr>
-      </a:lvl3pPr>
-      <a:lvl4pPr marL="1600200" indent="-228600" algn="l" defTabSz="914400" rtl="0" eaLnBrk="1" latinLnBrk="0" hangingPunct="1">
-        <a:lnSpc>
-          <a:spcPct val="90000"/>
-        </a:lnSpc>
-        <a:spcBef>
-          <a:spcPts val="500"/>
-        </a:spcBef>
-        <a:buFont typeface="Arial" panose="020B0604020202020204" pitchFamily="34" charset="0"/>
-        <a:buChar char="•"/>
-        <a:defRPr sz="1800" kern="1200">
-          <a:solidFill>
-            <a:schemeClr val="tx1"/>
-          </a:solidFill>
-          <a:latin typeface="+mn-lt"/>
-          <a:ea typeface="+mn-ea"/>
-          <a:cs typeface="+mn-cs"/>
-        </a:defRPr>
-      </a:lvl4pPr>
-      <a:lvl5pPr marL="2057400" indent="-228600" algn="l" defTabSz="914400" rtl="0" eaLnBrk="1" latinLnBrk="0" hangingPunct="1">
-        <a:lnSpc>
-          <a:spcPct val="90000"/>
-        </a:lnSpc>
-        <a:spcBef>
-          <a:spcPts val="500"/>
-        </a:spcBef>
-        <a:buFont typeface="Arial" panose="020B0604020202020204" pitchFamily="34" charset="0"/>
-        <a:buChar char="•"/>
-        <a:defRPr sz="1800" kern="1200">
-          <a:solidFill>
-            <a:schemeClr val="tx1"/>
-          </a:solidFill>
-          <a:latin typeface="+mn-lt"/>
-          <a:ea typeface="+mn-ea"/>
-          <a:cs typeface="+mn-cs"/>
-        </a:defRPr>
-      </a:lvl5pPr>
-      <a:lvl6pPr marL="2514600" indent="-228600" algn="l" defTabSz="914400" rtl="0" eaLnBrk="1" latinLnBrk="0" hangingPunct="1">
-        <a:lnSpc>
-          <a:spcPct val="90000"/>
-        </a:lnSpc>
-        <a:spcBef>
-          <a:spcPts val="500"/>
-        </a:spcBef>
-        <a:buFont typeface="Arial" panose="020B0604020202020204" pitchFamily="34" charset="0"/>
-        <a:buChar char="•"/>
-        <a:defRPr sz="1800" kern="1200">
-          <a:solidFill>
-            <a:schemeClr val="tx1"/>
-          </a:solidFill>
-          <a:latin typeface="+mn-lt"/>
-          <a:ea typeface="+mn-ea"/>
-          <a:cs typeface="+mn-cs"/>
-        </a:defRPr>
-      </a:lvl6pPr>
-      <a:lvl7pPr marL="2971800" indent="-228600" algn="l" defTabSz="914400" rtl="0" eaLnBrk="1" latinLnBrk="0" hangingPunct="1">
-        <a:lnSpc>
-          <a:spcPct val="90000"/>
-        </a:lnSpc>
-        <a:spcBef>
-          <a:spcPts val="500"/>
-        </a:spcBef>
-        <a:buFont typeface="Arial" panose="020B0604020202020204" pitchFamily="34" charset="0"/>
-        <a:buChar char="•"/>
-        <a:defRPr sz="1800" kern="1200">
-          <a:solidFill>
-            <a:schemeClr val="tx1"/>
-          </a:solidFill>
-          <a:latin typeface="+mn-lt"/>
-          <a:ea typeface="+mn-ea"/>
-          <a:cs typeface="+mn-cs"/>
-        </a:defRPr>
-      </a:lvl7pPr>
-      <a:lvl8pPr marL="3429000" indent="-228600" algn="l" defTabSz="914400" rtl="0" eaLnBrk="1" latinLnBrk="0" hangingPunct="1">
-        <a:lnSpc>
-          <a:spcPct val="90000"/>
-        </a:lnSpc>
-        <a:spcBef>
-          <a:spcPts val="500"/>
-        </a:spcBef>
-        <a:buFont typeface="Arial" panose="020B0604020202020204" pitchFamily="34" charset="0"/>
-        <a:buChar char="•"/>
-        <a:defRPr sz="1800" kern="1200">
-          <a:solidFill>
-            <a:schemeClr val="tx1"/>
-          </a:solidFill>
-          <a:latin typeface="+mn-lt"/>
-          <a:ea typeface="+mn-ea"/>
-          <a:cs typeface="+mn-cs"/>
-        </a:defRPr>
-      </a:lvl8pPr>
-      <a:lvl9pPr marL="3886200" indent="-228600" algn="l" defTabSz="914400" rtl="0" eaLnBrk="1" latinLnBrk="0" hangingPunct="1">
-        <a:lnSpc>
-          <a:spcPct val="90000"/>
-        </a:lnSpc>
-        <a:spcBef>
-          <a:spcPts val="500"/>
-        </a:spcBef>
-        <a:buFont typeface="Arial" panose="020B0604020202020204" pitchFamily="34" charset="0"/>
-        <a:buChar char="•"/>
-        <a:defRPr sz="1800" kern="1200">
-          <a:solidFill>
-            <a:schemeClr val="tx1"/>
-          </a:solidFill>
-          <a:latin typeface="+mn-lt"/>
-          <a:ea typeface="+mn-ea"/>
-          <a:cs typeface="+mn-cs"/>
-        </a:defRPr>
-      </a:lvl9pPr>
-    </p:bodyStyle>
-    <p:otherStyle>
-      <a:defPPr>
-        <a:defRPr lang="en-US"/>
-      </a:defPPr>
-      <a:lvl1pPr marL="0" algn="l" defTabSz="914400" rtl="0" eaLnBrk="1" latinLnBrk="0" hangingPunct="1">
-        <a:defRPr sz="1800" kern="1200">
-          <a:solidFill>
-            <a:schemeClr val="tx1"/>
-          </a:solidFill>
-          <a:latin typeface="+mn-lt"/>
-          <a:ea typeface="+mn-ea"/>
-          <a:cs typeface="+mn-cs"/>
-        </a:defRPr>
-      </a:lvl1pPr>
-      <a:lvl2pPr marL="457200" algn="l" defTabSz="914400" rtl="0" eaLnBrk="1" latinLnBrk="0" hangingPunct="1">
-        <a:defRPr sz="1800" kern="1200">
-          <a:solidFill>
-            <a:schemeClr val="tx1"/>
-          </a:solidFill>
-          <a:latin typeface="+mn-lt"/>
-          <a:ea typeface="+mn-ea"/>
-          <a:cs typeface="+mn-cs"/>
-        </a:defRPr>
-      </a:lvl2pPr>
-      <a:lvl3pPr marL="914400" algn="l" defTabSz="914400" rtl="0" eaLnBrk="1" latinLnBrk="0" hangingPunct="1">
-        <a:defRPr sz="1800" kern="1200">
-          <a:solidFill>
-            <a:schemeClr val="tx1"/>
-          </a:solidFill>
-          <a:latin typeface="+mn-lt"/>
-          <a:ea typeface="+mn-ea"/>
-          <a:cs typeface="+mn-cs"/>
-        </a:defRPr>
-      </a:lvl3pPr>
-      <a:lvl4pPr marL="1371600" algn="l" defTabSz="914400" rtl="0" eaLnBrk="1" latinLnBrk="0" hangingPunct="1">
-        <a:defRPr sz="1800" kern="1200">
-          <a:solidFill>
-            <a:schemeClr val="tx1"/>
-          </a:solidFill>
-          <a:latin typeface="+mn-lt"/>
-          <a:ea typeface="+mn-ea"/>
-          <a:cs typeface="+mn-cs"/>
-        </a:defRPr>
-      </a:lvl4pPr>
-      <a:lvl5pPr marL="1828800" algn="l" defTabSz="914400" rtl="0" eaLnBrk="1" latinLnBrk="0" hangingPunct="1">
-        <a:defRPr sz="1800" kern="1200">
-          <a:solidFill>
-            <a:schemeClr val="tx1"/>
-          </a:solidFill>
-          <a:latin typeface="+mn-lt"/>
-          <a:ea typeface="+mn-ea"/>
-          <a:cs typeface="+mn-cs"/>
-        </a:defRPr>
-      </a:lvl5pPr>
-      <a:lvl6pPr marL="2286000" algn="l" defTabSz="914400" rtl="0" eaLnBrk="1" latinLnBrk="0" hangingPunct="1">
-        <a:defRPr sz="1800" kern="1200">
-          <a:solidFill>
-            <a:schemeClr val="tx1"/>
-          </a:solidFill>
-          <a:latin typeface="+mn-lt"/>
-          <a:ea typeface="+mn-ea"/>
-          <a:cs typeface="+mn-cs"/>
-        </a:defRPr>
-      </a:lvl6pPr>
-      <a:lvl7pPr marL="2743200" algn="l" defTabSz="914400" rtl="0" eaLnBrk="1" latinLnBrk="0" hangingPunct="1">
-        <a:defRPr sz="1800" kern="1200">
-          <a:solidFill>
-            <a:schemeClr val="tx1"/>
-          </a:solidFill>
-          <a:latin typeface="+mn-lt"/>
-          <a:ea typeface="+mn-ea"/>
-          <a:cs typeface="+mn-cs"/>
-        </a:defRPr>
-      </a:lvl7pPr>
-      <a:lvl8pPr marL="3200400" algn="l" defTabSz="914400" rtl="0" eaLnBrk="1" latinLnBrk="0" hangingPunct="1">
-        <a:defRPr sz="1800" kern="1200">
-          <a:solidFill>
-            <a:schemeClr val="tx1"/>
-          </a:solidFill>
-          <a:latin typeface="+mn-lt"/>
-          <a:ea typeface="+mn-ea"/>
-          <a:cs typeface="+mn-cs"/>
-        </a:defRPr>
-      </a:lvl8pPr>
-      <a:lvl9pPr marL="3657600" algn="l" defTabSz="914400" rtl="0" eaLnBrk="1" latinLnBrk="0" hangingPunct="1">
-        <a:defRPr sz="1800" kern="1200">
-          <a:solidFill>
-            <a:schemeClr val="tx1"/>
-          </a:solidFill>
-          <a:latin typeface="+mn-lt"/>
-          <a:ea typeface="+mn-ea"/>
-          <a:cs typeface="+mn-cs"/>
-        </a:defRPr>
-      </a:lvl9pPr>
-    </p:otherStyle>
-  </p:txStyles>
-</p:sldMaster>
-</file>
-
 <file path=ppt/slides/slide1.xml><?xml version="1.0" encoding="utf-8"?>
 <p:sld xmlns:a="http://schemas.openxmlformats.org/drawingml/2006/main" xmlns:r="http://schemas.openxmlformats.org/officeDocument/2006/relationships" xmlns:p="http://schemas.openxmlformats.org/presentationml/2006/main">
   <p:cSld>
@@ -13426,72 +10233,6 @@
       </p:grpSpPr>
       <p:sp>
         <p:nvSpPr>
-          <p:cNvPr id="19" name="Rectangle 18">
-            <a:extLst>
-              <a:ext uri="{FF2B5EF4-FFF2-40B4-BE49-F238E27FC236}">
-                <a16:creationId xmlns:a16="http://schemas.microsoft.com/office/drawing/2014/main" id="{C0B27210-D0CA-4654-B3E3-9ABB4F178EA1}"/>
-              </a:ext>
-              <a:ext uri="{C183D7F6-B498-43B3-948B-1728B52AA6E4}">
-                <adec:decorative xmlns:adec="http://schemas.microsoft.com/office/drawing/2017/decorative" val="1"/>
-              </a:ext>
-            </a:extLst>
-          </p:cNvPr>
-          <p:cNvSpPr>
-            <a:spLocks noGrp="1" noRot="1" noChangeAspect="1" noMove="1" noResize="1" noEditPoints="1" noAdjustHandles="1" noChangeArrowheads="1" noChangeShapeType="1" noTextEdit="1"/>
-          </p:cNvSpPr>
-          <p:nvPr>
-            <p:extLst>
-              <p:ext uri="{386F3935-93C4-4BCD-93E2-E3B085C9AB24}">
-                <p16:designElem xmlns:p16="http://schemas.microsoft.com/office/powerpoint/2015/main" val="1"/>
-              </p:ext>
-            </p:extLst>
-          </p:nvPr>
-        </p:nvSpPr>
-        <p:spPr>
-          <a:xfrm>
-            <a:off x="0" y="0"/>
-            <a:ext cx="12192000" cy="6858000"/>
-          </a:xfrm>
-          <a:prstGeom prst="rect">
-            <a:avLst/>
-          </a:prstGeom>
-          <a:solidFill>
-            <a:schemeClr val="tx1">
-              <a:lumMod val="75000"/>
-              <a:lumOff val="25000"/>
-            </a:schemeClr>
-          </a:solidFill>
-          <a:ln>
-            <a:noFill/>
-          </a:ln>
-        </p:spPr>
-        <p:style>
-          <a:lnRef idx="2">
-            <a:schemeClr val="accent1">
-              <a:shade val="50000"/>
-            </a:schemeClr>
-          </a:lnRef>
-          <a:fillRef idx="1">
-            <a:schemeClr val="accent1"/>
-          </a:fillRef>
-          <a:effectRef idx="0">
-            <a:schemeClr val="accent1"/>
-          </a:effectRef>
-          <a:fontRef idx="minor">
-            <a:schemeClr val="lt1"/>
-          </a:fontRef>
-        </p:style>
-        <p:txBody>
-          <a:bodyPr rtlCol="0" anchor="ctr"/>
-          <a:lstStyle/>
-          <a:p>
-            <a:pPr algn="ctr"/>
-            <a:endParaRPr lang="en-US"/>
-          </a:p>
-        </p:txBody>
-      </p:sp>
-      <p:sp>
-        <p:nvSpPr>
           <p:cNvPr id="2" name="Title 1">
             <a:extLst>
               <a:ext uri="{FF2B5EF4-FFF2-40B4-BE49-F238E27FC236}">
@@ -13567,338 +10308,6 @@
               </a:rPr>
               <a:t>A Quick Comparison with Virtual Machines</a:t>
             </a:r>
-          </a:p>
-        </p:txBody>
-      </p:sp>
-      <p:sp>
-        <p:nvSpPr>
-          <p:cNvPr id="21" name="Freeform: Shape 20">
-            <a:extLst>
-              <a:ext uri="{FF2B5EF4-FFF2-40B4-BE49-F238E27FC236}">
-                <a16:creationId xmlns:a16="http://schemas.microsoft.com/office/drawing/2014/main" id="{1DB7C82F-AB7E-4F0C-B829-FA1B9C415180}"/>
-              </a:ext>
-              <a:ext uri="{C183D7F6-B498-43B3-948B-1728B52AA6E4}">
-                <adec:decorative xmlns:adec="http://schemas.microsoft.com/office/drawing/2017/decorative" val="1"/>
-              </a:ext>
-            </a:extLst>
-          </p:cNvPr>
-          <p:cNvSpPr>
-            <a:spLocks noGrp="1" noRot="1" noChangeAspect="1" noMove="1" noResize="1" noEditPoints="1" noAdjustHandles="1" noChangeArrowheads="1" noChangeShapeType="1" noTextEdit="1"/>
-          </p:cNvSpPr>
-          <p:nvPr>
-            <p:extLst>
-              <p:ext uri="{386F3935-93C4-4BCD-93E2-E3B085C9AB24}">
-                <p16:designElem xmlns:p16="http://schemas.microsoft.com/office/powerpoint/2015/main" val="1"/>
-              </p:ext>
-            </p:extLst>
-          </p:nvPr>
-        </p:nvSpPr>
-        <p:spPr>
-          <a:xfrm flipH="1">
-            <a:off x="0" y="0"/>
-            <a:ext cx="6172782" cy="6858000"/>
-          </a:xfrm>
-          <a:custGeom>
-            <a:avLst/>
-            <a:gdLst>
-              <a:gd name="connsiteX0" fmla="*/ 6172782 w 6172782"/>
-              <a:gd name="connsiteY0" fmla="*/ 0 h 6858000"/>
-              <a:gd name="connsiteX1" fmla="*/ 69075 w 6172782"/>
-              <a:gd name="connsiteY1" fmla="*/ 0 h 6858000"/>
-              <a:gd name="connsiteX2" fmla="*/ 35131 w 6172782"/>
-              <a:gd name="connsiteY2" fmla="*/ 267128 h 6858000"/>
-              <a:gd name="connsiteX3" fmla="*/ 0 w 6172782"/>
-              <a:gd name="connsiteY3" fmla="*/ 962845 h 6858000"/>
-              <a:gd name="connsiteX4" fmla="*/ 3276103 w 6172782"/>
-              <a:gd name="connsiteY4" fmla="*/ 6782205 h 6858000"/>
-              <a:gd name="connsiteX5" fmla="*/ 3407923 w 6172782"/>
-              <a:gd name="connsiteY5" fmla="*/ 6858000 h 6858000"/>
-              <a:gd name="connsiteX6" fmla="*/ 6172782 w 6172782"/>
-              <a:gd name="connsiteY6" fmla="*/ 6858000 h 6858000"/>
-            </a:gdLst>
-            <a:ahLst/>
-            <a:cxnLst>
-              <a:cxn ang="0">
-                <a:pos x="connsiteX0" y="connsiteY0"/>
-              </a:cxn>
-              <a:cxn ang="0">
-                <a:pos x="connsiteX1" y="connsiteY1"/>
-              </a:cxn>
-              <a:cxn ang="0">
-                <a:pos x="connsiteX2" y="connsiteY2"/>
-              </a:cxn>
-              <a:cxn ang="0">
-                <a:pos x="connsiteX3" y="connsiteY3"/>
-              </a:cxn>
-              <a:cxn ang="0">
-                <a:pos x="connsiteX4" y="connsiteY4"/>
-              </a:cxn>
-              <a:cxn ang="0">
-                <a:pos x="connsiteX5" y="connsiteY5"/>
-              </a:cxn>
-              <a:cxn ang="0">
-                <a:pos x="connsiteX6" y="connsiteY6"/>
-              </a:cxn>
-            </a:cxnLst>
-            <a:rect l="l" t="t" r="r" b="b"/>
-            <a:pathLst>
-              <a:path w="6172782" h="6858000">
-                <a:moveTo>
-                  <a:pt x="6172782" y="0"/>
-                </a:moveTo>
-                <a:lnTo>
-                  <a:pt x="69075" y="0"/>
-                </a:lnTo>
-                <a:lnTo>
-                  <a:pt x="35131" y="267128"/>
-                </a:lnTo>
-                <a:cubicBezTo>
-                  <a:pt x="11901" y="495874"/>
-                  <a:pt x="0" y="727970"/>
-                  <a:pt x="0" y="962845"/>
-                </a:cubicBezTo>
-                <a:cubicBezTo>
-                  <a:pt x="0" y="3429034"/>
-                  <a:pt x="1312002" y="5588789"/>
-                  <a:pt x="3276103" y="6782205"/>
-                </a:cubicBezTo>
-                <a:lnTo>
-                  <a:pt x="3407923" y="6858000"/>
-                </a:lnTo>
-                <a:lnTo>
-                  <a:pt x="6172782" y="6858000"/>
-                </a:lnTo>
-                <a:close/>
-              </a:path>
-            </a:pathLst>
-          </a:custGeom>
-          <a:solidFill>
-            <a:schemeClr val="bg1">
-              <a:alpha val="80000"/>
-            </a:schemeClr>
-          </a:solidFill>
-          <a:ln>
-            <a:noFill/>
-          </a:ln>
-        </p:spPr>
-        <p:style>
-          <a:lnRef idx="2">
-            <a:schemeClr val="accent1">
-              <a:shade val="50000"/>
-            </a:schemeClr>
-          </a:lnRef>
-          <a:fillRef idx="1">
-            <a:schemeClr val="accent1"/>
-          </a:fillRef>
-          <a:effectRef idx="0">
-            <a:schemeClr val="accent1"/>
-          </a:effectRef>
-          <a:fontRef idx="minor">
-            <a:schemeClr val="lt1"/>
-          </a:fontRef>
-        </p:style>
-        <p:txBody>
-          <a:bodyPr wrap="square" rtlCol="0" anchor="ctr">
-            <a:noAutofit/>
-          </a:bodyPr>
-          <a:lstStyle/>
-          <a:p>
-            <a:pPr marL="0" marR="0" lvl="0" indent="0" algn="ctr" defTabSz="914400" rtl="0" eaLnBrk="1" fontAlgn="auto" latinLnBrk="0" hangingPunct="1">
-              <a:lnSpc>
-                <a:spcPct val="100000"/>
-              </a:lnSpc>
-              <a:spcBef>
-                <a:spcPts val="0"/>
-              </a:spcBef>
-              <a:spcAft>
-                <a:spcPts val="0"/>
-              </a:spcAft>
-              <a:buClrTx/>
-              <a:buSzTx/>
-              <a:buFontTx/>
-              <a:buNone/>
-              <a:tabLst/>
-              <a:defRPr/>
-            </a:pPr>
-            <a:endParaRPr kumimoji="0" lang="en-US" sz="1800" b="0" i="0" u="none" strike="noStrike" kern="1200" cap="none" spc="0" normalizeH="0" baseline="0" noProof="0">
-              <a:ln>
-                <a:noFill/>
-              </a:ln>
-              <a:solidFill>
-                <a:prstClr val="white"/>
-              </a:solidFill>
-              <a:effectLst/>
-              <a:uLnTx/>
-              <a:uFillTx/>
-              <a:latin typeface="Calibri" panose="020F0502020204030204"/>
-              <a:ea typeface="+mn-ea"/>
-              <a:cs typeface="+mn-cs"/>
-            </a:endParaRPr>
-          </a:p>
-        </p:txBody>
-      </p:sp>
-      <p:sp>
-        <p:nvSpPr>
-          <p:cNvPr id="23" name="Freeform: Shape 22">
-            <a:extLst>
-              <a:ext uri="{FF2B5EF4-FFF2-40B4-BE49-F238E27FC236}">
-                <a16:creationId xmlns:a16="http://schemas.microsoft.com/office/drawing/2014/main" id="{70B66945-4967-4040-926D-DCA44313CDAB}"/>
-              </a:ext>
-              <a:ext uri="{C183D7F6-B498-43B3-948B-1728B52AA6E4}">
-                <adec:decorative xmlns:adec="http://schemas.microsoft.com/office/drawing/2017/decorative" val="1"/>
-              </a:ext>
-            </a:extLst>
-          </p:cNvPr>
-          <p:cNvSpPr>
-            <a:spLocks noGrp="1" noRot="1" noChangeAspect="1" noMove="1" noResize="1" noEditPoints="1" noAdjustHandles="1" noChangeArrowheads="1" noChangeShapeType="1" noTextEdit="1"/>
-          </p:cNvSpPr>
-          <p:nvPr>
-            <p:extLst>
-              <p:ext uri="{386F3935-93C4-4BCD-93E2-E3B085C9AB24}">
-                <p16:designElem xmlns:p16="http://schemas.microsoft.com/office/powerpoint/2015/main" val="1"/>
-              </p:ext>
-            </p:extLst>
-          </p:nvPr>
-        </p:nvSpPr>
-        <p:spPr>
-          <a:xfrm>
-            <a:off x="0" y="0"/>
-            <a:ext cx="6024154" cy="6858000"/>
-          </a:xfrm>
-          <a:custGeom>
-            <a:avLst/>
-            <a:gdLst>
-              <a:gd name="connsiteX0" fmla="*/ 0 w 6024154"/>
-              <a:gd name="connsiteY0" fmla="*/ 0 h 6858000"/>
-              <a:gd name="connsiteX1" fmla="*/ 5953780 w 6024154"/>
-              <a:gd name="connsiteY1" fmla="*/ 0 h 6858000"/>
-              <a:gd name="connsiteX2" fmla="*/ 5989880 w 6024154"/>
-              <a:gd name="connsiteY2" fmla="*/ 284091 h 6858000"/>
-              <a:gd name="connsiteX3" fmla="*/ 6024154 w 6024154"/>
-              <a:gd name="connsiteY3" fmla="*/ 962844 h 6858000"/>
-              <a:gd name="connsiteX4" fmla="*/ 2549934 w 6024154"/>
-              <a:gd name="connsiteY4" fmla="*/ 6800152 h 6858000"/>
-              <a:gd name="connsiteX5" fmla="*/ 2436987 w 6024154"/>
-              <a:gd name="connsiteY5" fmla="*/ 6858000 h 6858000"/>
-              <a:gd name="connsiteX6" fmla="*/ 0 w 6024154"/>
-              <a:gd name="connsiteY6" fmla="*/ 6858000 h 6858000"/>
-            </a:gdLst>
-            <a:ahLst/>
-            <a:cxnLst>
-              <a:cxn ang="0">
-                <a:pos x="connsiteX0" y="connsiteY0"/>
-              </a:cxn>
-              <a:cxn ang="0">
-                <a:pos x="connsiteX1" y="connsiteY1"/>
-              </a:cxn>
-              <a:cxn ang="0">
-                <a:pos x="connsiteX2" y="connsiteY2"/>
-              </a:cxn>
-              <a:cxn ang="0">
-                <a:pos x="connsiteX3" y="connsiteY3"/>
-              </a:cxn>
-              <a:cxn ang="0">
-                <a:pos x="connsiteX4" y="connsiteY4"/>
-              </a:cxn>
-              <a:cxn ang="0">
-                <a:pos x="connsiteX5" y="connsiteY5"/>
-              </a:cxn>
-              <a:cxn ang="0">
-                <a:pos x="connsiteX6" y="connsiteY6"/>
-              </a:cxn>
-            </a:cxnLst>
-            <a:rect l="l" t="t" r="r" b="b"/>
-            <a:pathLst>
-              <a:path w="6024154" h="6858000">
-                <a:moveTo>
-                  <a:pt x="0" y="0"/>
-                </a:moveTo>
-                <a:lnTo>
-                  <a:pt x="5953780" y="0"/>
-                </a:lnTo>
-                <a:lnTo>
-                  <a:pt x="5989880" y="284091"/>
-                </a:lnTo>
-                <a:cubicBezTo>
-                  <a:pt x="6012544" y="507260"/>
-                  <a:pt x="6024154" y="733696"/>
-                  <a:pt x="6024154" y="962844"/>
-                </a:cubicBezTo>
-                <a:cubicBezTo>
-                  <a:pt x="6024154" y="3483472"/>
-                  <a:pt x="4619336" y="5675986"/>
-                  <a:pt x="2549934" y="6800152"/>
-                </a:cubicBezTo>
-                <a:lnTo>
-                  <a:pt x="2436987" y="6858000"/>
-                </a:lnTo>
-                <a:lnTo>
-                  <a:pt x="0" y="6858000"/>
-                </a:lnTo>
-                <a:close/>
-              </a:path>
-            </a:pathLst>
-          </a:custGeom>
-          <a:solidFill>
-            <a:schemeClr val="bg1"/>
-          </a:solidFill>
-          <a:ln>
-            <a:noFill/>
-          </a:ln>
-        </p:spPr>
-        <p:style>
-          <a:lnRef idx="2">
-            <a:schemeClr val="accent1">
-              <a:shade val="50000"/>
-            </a:schemeClr>
-          </a:lnRef>
-          <a:fillRef idx="1">
-            <a:schemeClr val="accent1"/>
-          </a:fillRef>
-          <a:effectRef idx="0">
-            <a:schemeClr val="accent1"/>
-          </a:effectRef>
-          <a:fontRef idx="minor">
-            <a:schemeClr val="lt1"/>
-          </a:fontRef>
-        </p:style>
-        <p:txBody>
-          <a:bodyPr wrap="square" rtlCol="0" anchor="ctr">
-            <a:noAutofit/>
-          </a:bodyPr>
-          <a:lstStyle/>
-          <a:p>
-            <a:pPr marL="0" marR="0" lvl="0" indent="0" algn="ctr" defTabSz="914400" rtl="0" eaLnBrk="1" fontAlgn="auto" latinLnBrk="0" hangingPunct="1">
-              <a:lnSpc>
-                <a:spcPct val="100000"/>
-              </a:lnSpc>
-              <a:spcBef>
-                <a:spcPts val="0"/>
-              </a:spcBef>
-              <a:spcAft>
-                <a:spcPts val="0"/>
-              </a:spcAft>
-              <a:buClrTx/>
-              <a:buSzTx/>
-              <a:buFontTx/>
-              <a:buNone/>
-              <a:tabLst/>
-              <a:defRPr/>
-            </a:pPr>
-            <a:endParaRPr kumimoji="0" lang="en-US" sz="1800" b="0" i="0" u="none" strike="noStrike" kern="1200" cap="none" spc="0" normalizeH="0" baseline="0" noProof="0">
-              <a:ln>
-                <a:noFill/>
-              </a:ln>
-              <a:solidFill>
-                <a:prstClr val="white"/>
-              </a:solidFill>
-              <a:effectLst/>
-              <a:uLnTx/>
-              <a:uFillTx/>
-              <a:latin typeface="Calibri" panose="020F0502020204030204"/>
-              <a:ea typeface="+mn-ea"/>
-              <a:cs typeface="+mn-cs"/>
-            </a:endParaRPr>
           </a:p>
         </p:txBody>
       </p:sp>
@@ -14297,13 +10706,13 @@
   <p:clrMapOvr>
     <a:masterClrMapping/>
   </p:clrMapOvr>
-  <mc:AlternateContent xmlns:mc="http://schemas.openxmlformats.org/markup-compatibility/2006">
-    <mc:Choice xmlns:p159="http://schemas.microsoft.com/office/powerpoint/2015/09/main" Requires="p159">
+  <mc:AlternateContent xmlns:mc="http://schemas.openxmlformats.org/markup-compatibility/2006" xmlns:p159="http://schemas.microsoft.com/office/powerpoint/2015/09/main">
+    <mc:Choice Requires="p159">
       <p:transition xmlns:p14="http://schemas.microsoft.com/office/powerpoint/2010/main" spd="slow" p14:dur="2000">
         <p159:morph option="byObject"/>
       </p:transition>
     </mc:Choice>
-    <mc:Fallback>
+    <mc:Fallback xmlns="">
       <p:transition spd="slow">
         <p:fade/>
       </p:transition>
@@ -20481,13 +16890,13 @@
   <p:clrMapOvr>
     <a:masterClrMapping/>
   </p:clrMapOvr>
-  <mc:AlternateContent xmlns:mc="http://schemas.openxmlformats.org/markup-compatibility/2006">
-    <mc:Choice xmlns:p159="http://schemas.microsoft.com/office/powerpoint/2015/09/main" Requires="p159">
+  <mc:AlternateContent xmlns:mc="http://schemas.openxmlformats.org/markup-compatibility/2006" xmlns:p159="http://schemas.microsoft.com/office/powerpoint/2015/09/main">
+    <mc:Choice Requires="p159">
       <p:transition xmlns:p14="http://schemas.microsoft.com/office/powerpoint/2010/main" spd="slow" p14:dur="2000">
         <p159:morph option="byObject"/>
       </p:transition>
     </mc:Choice>
-    <mc:Fallback>
+    <mc:Fallback xmlns="">
       <p:transition spd="slow">
         <p:fade/>
       </p:transition>
@@ -23506,18 +19915,194 @@
   <p:clrMapOvr>
     <a:masterClrMapping/>
   </p:clrMapOvr>
-  <mc:AlternateContent xmlns:mc="http://schemas.openxmlformats.org/markup-compatibility/2006">
-    <mc:Choice xmlns:p159="http://schemas.microsoft.com/office/powerpoint/2015/09/main" Requires="p159">
+  <mc:AlternateContent xmlns:mc="http://schemas.openxmlformats.org/markup-compatibility/2006" xmlns:p159="http://schemas.microsoft.com/office/powerpoint/2015/09/main">
+    <mc:Choice Requires="p159">
       <p:transition xmlns:p14="http://schemas.microsoft.com/office/powerpoint/2010/main" spd="slow" p14:dur="2000">
         <p159:morph option="byObject"/>
       </p:transition>
     </mc:Choice>
-    <mc:Fallback>
+    <mc:Fallback xmlns="">
       <p:transition spd="slow">
         <p:fade/>
       </p:transition>
     </mc:Fallback>
   </mc:AlternateContent>
+</p:sld>
+</file>
+
+<file path=ppt/slides/slide21.xml><?xml version="1.0" encoding="utf-8"?>
+<p:sld xmlns:a="http://schemas.openxmlformats.org/drawingml/2006/main" xmlns:r="http://schemas.openxmlformats.org/officeDocument/2006/relationships" xmlns:p="http://schemas.openxmlformats.org/presentationml/2006/main">
+  <p:cSld>
+    <p:spTree>
+      <p:nvGrpSpPr>
+        <p:cNvPr id="1" name=""/>
+        <p:cNvGrpSpPr/>
+        <p:nvPr/>
+      </p:nvGrpSpPr>
+      <p:grpSpPr>
+        <a:xfrm>
+          <a:off x="0" y="0"/>
+          <a:ext cx="0" cy="0"/>
+          <a:chOff x="0" y="0"/>
+          <a:chExt cx="0" cy="0"/>
+        </a:xfrm>
+      </p:grpSpPr>
+      <p:sp>
+        <p:nvSpPr>
+          <p:cNvPr id="2" name="Title 1">
+            <a:extLst>
+              <a:ext uri="{FF2B5EF4-FFF2-40B4-BE49-F238E27FC236}">
+                <a16:creationId xmlns:a16="http://schemas.microsoft.com/office/drawing/2014/main" id="{26F60087-DFEC-4360-AE2E-A725E91D531D}"/>
+              </a:ext>
+            </a:extLst>
+          </p:cNvPr>
+          <p:cNvSpPr>
+            <a:spLocks noGrp="1"/>
+          </p:cNvSpPr>
+          <p:nvPr>
+            <p:ph type="title"/>
+          </p:nvPr>
+        </p:nvSpPr>
+        <p:spPr/>
+        <p:txBody>
+          <a:bodyPr/>
+          <a:lstStyle/>
+          <a:p>
+            <a:r>
+              <a:rPr lang="en-US" dirty="0"/>
+              <a:t>A Quick Look at Containers</a:t>
+            </a:r>
+          </a:p>
+        </p:txBody>
+      </p:sp>
+      <p:sp>
+        <p:nvSpPr>
+          <p:cNvPr id="3" name="Text Placeholder 2">
+            <a:extLst>
+              <a:ext uri="{FF2B5EF4-FFF2-40B4-BE49-F238E27FC236}">
+                <a16:creationId xmlns:a16="http://schemas.microsoft.com/office/drawing/2014/main" id="{E18DF20F-B095-498D-98F7-60C569AA9D16}"/>
+              </a:ext>
+            </a:extLst>
+          </p:cNvPr>
+          <p:cNvSpPr>
+            <a:spLocks noGrp="1"/>
+          </p:cNvSpPr>
+          <p:nvPr>
+            <p:ph type="body" idx="1"/>
+          </p:nvPr>
+        </p:nvSpPr>
+        <p:spPr/>
+        <p:txBody>
+          <a:bodyPr/>
+          <a:lstStyle/>
+          <a:p>
+            <a:r>
+              <a:rPr lang="en-US" dirty="0"/>
+              <a:t>Where I Tell You What containers Are</a:t>
+            </a:r>
+          </a:p>
+        </p:txBody>
+      </p:sp>
+    </p:spTree>
+    <p:extLst>
+      <p:ext uri="{BB962C8B-B14F-4D97-AF65-F5344CB8AC3E}">
+        <p14:creationId xmlns:p14="http://schemas.microsoft.com/office/powerpoint/2010/main" val="4088593665"/>
+      </p:ext>
+    </p:extLst>
+  </p:cSld>
+  <p:clrMapOvr>
+    <a:masterClrMapping/>
+  </p:clrMapOvr>
+</p:sld>
+</file>
+
+<file path=ppt/slides/slide22.xml><?xml version="1.0" encoding="utf-8"?>
+<p:sld xmlns:a="http://schemas.openxmlformats.org/drawingml/2006/main" xmlns:r="http://schemas.openxmlformats.org/officeDocument/2006/relationships" xmlns:p="http://schemas.openxmlformats.org/presentationml/2006/main">
+  <p:cSld>
+    <p:spTree>
+      <p:nvGrpSpPr>
+        <p:cNvPr id="1" name=""/>
+        <p:cNvGrpSpPr/>
+        <p:nvPr/>
+      </p:nvGrpSpPr>
+      <p:grpSpPr>
+        <a:xfrm>
+          <a:off x="0" y="0"/>
+          <a:ext cx="0" cy="0"/>
+          <a:chOff x="0" y="0"/>
+          <a:chExt cx="0" cy="0"/>
+        </a:xfrm>
+      </p:grpSpPr>
+      <p:sp>
+        <p:nvSpPr>
+          <p:cNvPr id="2" name="Title 1">
+            <a:extLst>
+              <a:ext uri="{FF2B5EF4-FFF2-40B4-BE49-F238E27FC236}">
+                <a16:creationId xmlns:a16="http://schemas.microsoft.com/office/drawing/2014/main" id="{CCE10450-B660-475D-8B18-716BF06AF0A0}"/>
+              </a:ext>
+            </a:extLst>
+          </p:cNvPr>
+          <p:cNvSpPr>
+            <a:spLocks noGrp="1"/>
+          </p:cNvSpPr>
+          <p:nvPr>
+            <p:ph type="title"/>
+          </p:nvPr>
+        </p:nvSpPr>
+        <p:spPr/>
+        <p:txBody>
+          <a:bodyPr/>
+          <a:lstStyle/>
+          <a:p>
+            <a:r>
+              <a:rPr lang="en-US" dirty="0"/>
+              <a:t>What is a Container?</a:t>
+            </a:r>
+          </a:p>
+        </p:txBody>
+      </p:sp>
+      <p:sp>
+        <p:nvSpPr>
+          <p:cNvPr id="3" name="Content Placeholder 2">
+            <a:extLst>
+              <a:ext uri="{FF2B5EF4-FFF2-40B4-BE49-F238E27FC236}">
+                <a16:creationId xmlns:a16="http://schemas.microsoft.com/office/drawing/2014/main" id="{EE8B50DB-DD9F-4B8F-B7D1-88B10D093D52}"/>
+              </a:ext>
+            </a:extLst>
+          </p:cNvPr>
+          <p:cNvSpPr>
+            <a:spLocks noGrp="1"/>
+          </p:cNvSpPr>
+          <p:nvPr>
+            <p:ph idx="1"/>
+          </p:nvPr>
+        </p:nvSpPr>
+        <p:spPr/>
+        <p:txBody>
+          <a:bodyPr/>
+          <a:lstStyle/>
+          <a:p>
+            <a:r>
+              <a:rPr lang="en-US" dirty="0"/>
+              <a:t>A Virtual Box That Packages Applications With Dependent Components </a:t>
+            </a:r>
+            <a:r>
+              <a:rPr lang="en-US"/>
+              <a:t>and Services</a:t>
+            </a:r>
+          </a:p>
+        </p:txBody>
+      </p:sp>
+    </p:spTree>
+    <p:extLst>
+      <p:ext uri="{BB962C8B-B14F-4D97-AF65-F5344CB8AC3E}">
+        <p14:creationId xmlns:p14="http://schemas.microsoft.com/office/powerpoint/2010/main" val="55103863"/>
+      </p:ext>
+    </p:extLst>
+  </p:cSld>
+  <p:clrMapOvr>
+    <a:masterClrMapping/>
+  </p:clrMapOvr>
 </p:sld>
 </file>
 
@@ -23607,7 +20192,7 @@
           <a:p>
             <a:r>
               <a:rPr lang="en-US" dirty="0"/>
-              <a:t>A Look at How Containers Help</a:t>
+              <a:t>A Quick Look at Containers</a:t>
             </a:r>
           </a:p>
           <a:p>
@@ -26545,301 +23130,6 @@
         <a:srgbClr val="E7E6E6"/>
       </a:lt2>
       <a:accent1>
-        <a:srgbClr val="4472C4"/>
-      </a:accent1>
-      <a:accent2>
-        <a:srgbClr val="ED7D31"/>
-      </a:accent2>
-      <a:accent3>
-        <a:srgbClr val="A5A5A5"/>
-      </a:accent3>
-      <a:accent4>
-        <a:srgbClr val="FFC000"/>
-      </a:accent4>
-      <a:accent5>
-        <a:srgbClr val="5B9BD5"/>
-      </a:accent5>
-      <a:accent6>
-        <a:srgbClr val="70AD47"/>
-      </a:accent6>
-      <a:hlink>
-        <a:srgbClr val="0563C1"/>
-      </a:hlink>
-      <a:folHlink>
-        <a:srgbClr val="954F72"/>
-      </a:folHlink>
-    </a:clrScheme>
-    <a:fontScheme name="Office">
-      <a:majorFont>
-        <a:latin typeface="Calibri Light" panose="020F0302020204030204"/>
-        <a:ea typeface=""/>
-        <a:cs typeface=""/>
-        <a:font script="Jpan" typeface="游ゴシック Light"/>
-        <a:font script="Hang" typeface="맑은 고딕"/>
-        <a:font script="Hans" typeface="等线 Light"/>
-        <a:font script="Hant" typeface="新細明體"/>
-        <a:font script="Arab" typeface="Times New Roman"/>
-        <a:font script="Hebr" typeface="Times New Roman"/>
-        <a:font script="Thai" typeface="Angsana New"/>
-        <a:font script="Ethi" typeface="Nyala"/>
-        <a:font script="Beng" typeface="Vrinda"/>
-        <a:font script="Gujr" typeface="Shruti"/>
-        <a:font script="Khmr" typeface="MoolBoran"/>
-        <a:font script="Knda" typeface="Tunga"/>
-        <a:font script="Guru" typeface="Raavi"/>
-        <a:font script="Cans" typeface="Euphemia"/>
-        <a:font script="Cher" typeface="Plantagenet Cherokee"/>
-        <a:font script="Yiii" typeface="Microsoft Yi Baiti"/>
-        <a:font script="Tibt" typeface="Microsoft Himalaya"/>
-        <a:font script="Thaa" typeface="MV Boli"/>
-        <a:font script="Deva" typeface="Mangal"/>
-        <a:font script="Telu" typeface="Gautami"/>
-        <a:font script="Taml" typeface="Latha"/>
-        <a:font script="Syrc" typeface="Estrangelo Edessa"/>
-        <a:font script="Orya" typeface="Kalinga"/>
-        <a:font script="Mlym" typeface="Kartika"/>
-        <a:font script="Laoo" typeface="DokChampa"/>
-        <a:font script="Sinh" typeface="Iskoola Pota"/>
-        <a:font script="Mong" typeface="Mongolian Baiti"/>
-        <a:font script="Viet" typeface="Times New Roman"/>
-        <a:font script="Uigh" typeface="Microsoft Uighur"/>
-        <a:font script="Geor" typeface="Sylfaen"/>
-        <a:font script="Armn" typeface="Arial"/>
-        <a:font script="Bugi" typeface="Leelawadee UI"/>
-        <a:font script="Bopo" typeface="Microsoft JhengHei"/>
-        <a:font script="Java" typeface="Javanese Text"/>
-        <a:font script="Lisu" typeface="Segoe UI"/>
-        <a:font script="Mymr" typeface="Myanmar Text"/>
-        <a:font script="Nkoo" typeface="Ebrima"/>
-        <a:font script="Olck" typeface="Nirmala UI"/>
-        <a:font script="Osma" typeface="Ebrima"/>
-        <a:font script="Phag" typeface="Phagspa"/>
-        <a:font script="Syrn" typeface="Estrangelo Edessa"/>
-        <a:font script="Syrj" typeface="Estrangelo Edessa"/>
-        <a:font script="Syre" typeface="Estrangelo Edessa"/>
-        <a:font script="Sora" typeface="Nirmala UI"/>
-        <a:font script="Tale" typeface="Microsoft Tai Le"/>
-        <a:font script="Talu" typeface="Microsoft New Tai Lue"/>
-        <a:font script="Tfng" typeface="Ebrima"/>
-      </a:majorFont>
-      <a:minorFont>
-        <a:latin typeface="Calibri" panose="020F0502020204030204"/>
-        <a:ea typeface=""/>
-        <a:cs typeface=""/>
-        <a:font script="Jpan" typeface="游ゴシック"/>
-        <a:font script="Hang" typeface="맑은 고딕"/>
-        <a:font script="Hans" typeface="等线"/>
-        <a:font script="Hant" typeface="新細明體"/>
-        <a:font script="Arab" typeface="Arial"/>
-        <a:font script="Hebr" typeface="Arial"/>
-        <a:font script="Thai" typeface="Cordia New"/>
-        <a:font script="Ethi" typeface="Nyala"/>
-        <a:font script="Beng" typeface="Vrinda"/>
-        <a:font script="Gujr" typeface="Shruti"/>
-        <a:font script="Khmr" typeface="DaunPenh"/>
-        <a:font script="Knda" typeface="Tunga"/>
-        <a:font script="Guru" typeface="Raavi"/>
-        <a:font script="Cans" typeface="Euphemia"/>
-        <a:font script="Cher" typeface="Plantagenet Cherokee"/>
-        <a:font script="Yiii" typeface="Microsoft Yi Baiti"/>
-        <a:font script="Tibt" typeface="Microsoft Himalaya"/>
-        <a:font script="Thaa" typeface="MV Boli"/>
-        <a:font script="Deva" typeface="Mangal"/>
-        <a:font script="Telu" typeface="Gautami"/>
-        <a:font script="Taml" typeface="Latha"/>
-        <a:font script="Syrc" typeface="Estrangelo Edessa"/>
-        <a:font script="Orya" typeface="Kalinga"/>
-        <a:font script="Mlym" typeface="Kartika"/>
-        <a:font script="Laoo" typeface="DokChampa"/>
-        <a:font script="Sinh" typeface="Iskoola Pota"/>
-        <a:font script="Mong" typeface="Mongolian Baiti"/>
-        <a:font script="Viet" typeface="Arial"/>
-        <a:font script="Uigh" typeface="Microsoft Uighur"/>
-        <a:font script="Geor" typeface="Sylfaen"/>
-        <a:font script="Armn" typeface="Arial"/>
-        <a:font script="Bugi" typeface="Leelawadee UI"/>
-        <a:font script="Bopo" typeface="Microsoft JhengHei"/>
-        <a:font script="Java" typeface="Javanese Text"/>
-        <a:font script="Lisu" typeface="Segoe UI"/>
-        <a:font script="Mymr" typeface="Myanmar Text"/>
-        <a:font script="Nkoo" typeface="Ebrima"/>
-        <a:font script="Olck" typeface="Nirmala UI"/>
-        <a:font script="Osma" typeface="Ebrima"/>
-        <a:font script="Phag" typeface="Phagspa"/>
-        <a:font script="Syrn" typeface="Estrangelo Edessa"/>
-        <a:font script="Syrj" typeface="Estrangelo Edessa"/>
-        <a:font script="Syre" typeface="Estrangelo Edessa"/>
-        <a:font script="Sora" typeface="Nirmala UI"/>
-        <a:font script="Tale" typeface="Microsoft Tai Le"/>
-        <a:font script="Talu" typeface="Microsoft New Tai Lue"/>
-        <a:font script="Tfng" typeface="Ebrima"/>
-      </a:minorFont>
-    </a:fontScheme>
-    <a:fmtScheme name="Office">
-      <a:fillStyleLst>
-        <a:solidFill>
-          <a:schemeClr val="phClr"/>
-        </a:solidFill>
-        <a:gradFill rotWithShape="1">
-          <a:gsLst>
-            <a:gs pos="0">
-              <a:schemeClr val="phClr">
-                <a:lumMod val="110000"/>
-                <a:satMod val="105000"/>
-                <a:tint val="67000"/>
-              </a:schemeClr>
-            </a:gs>
-            <a:gs pos="50000">
-              <a:schemeClr val="phClr">
-                <a:lumMod val="105000"/>
-                <a:satMod val="103000"/>
-                <a:tint val="73000"/>
-              </a:schemeClr>
-            </a:gs>
-            <a:gs pos="100000">
-              <a:schemeClr val="phClr">
-                <a:lumMod val="105000"/>
-                <a:satMod val="109000"/>
-                <a:tint val="81000"/>
-              </a:schemeClr>
-            </a:gs>
-          </a:gsLst>
-          <a:lin ang="5400000" scaled="0"/>
-        </a:gradFill>
-        <a:gradFill rotWithShape="1">
-          <a:gsLst>
-            <a:gs pos="0">
-              <a:schemeClr val="phClr">
-                <a:satMod val="103000"/>
-                <a:lumMod val="102000"/>
-                <a:tint val="94000"/>
-              </a:schemeClr>
-            </a:gs>
-            <a:gs pos="50000">
-              <a:schemeClr val="phClr">
-                <a:satMod val="110000"/>
-                <a:lumMod val="100000"/>
-                <a:shade val="100000"/>
-              </a:schemeClr>
-            </a:gs>
-            <a:gs pos="100000">
-              <a:schemeClr val="phClr">
-                <a:lumMod val="99000"/>
-                <a:satMod val="120000"/>
-                <a:shade val="78000"/>
-              </a:schemeClr>
-            </a:gs>
-          </a:gsLst>
-          <a:lin ang="5400000" scaled="0"/>
-        </a:gradFill>
-      </a:fillStyleLst>
-      <a:lnStyleLst>
-        <a:ln w="6350" cap="flat" cmpd="sng" algn="ctr">
-          <a:solidFill>
-            <a:schemeClr val="phClr"/>
-          </a:solidFill>
-          <a:prstDash val="solid"/>
-          <a:miter lim="800000"/>
-        </a:ln>
-        <a:ln w="12700" cap="flat" cmpd="sng" algn="ctr">
-          <a:solidFill>
-            <a:schemeClr val="phClr"/>
-          </a:solidFill>
-          <a:prstDash val="solid"/>
-          <a:miter lim="800000"/>
-        </a:ln>
-        <a:ln w="19050" cap="flat" cmpd="sng" algn="ctr">
-          <a:solidFill>
-            <a:schemeClr val="phClr"/>
-          </a:solidFill>
-          <a:prstDash val="solid"/>
-          <a:miter lim="800000"/>
-        </a:ln>
-      </a:lnStyleLst>
-      <a:effectStyleLst>
-        <a:effectStyle>
-          <a:effectLst/>
-        </a:effectStyle>
-        <a:effectStyle>
-          <a:effectLst/>
-        </a:effectStyle>
-        <a:effectStyle>
-          <a:effectLst>
-            <a:outerShdw blurRad="57150" dist="19050" dir="5400000" algn="ctr" rotWithShape="0">
-              <a:srgbClr val="000000">
-                <a:alpha val="63000"/>
-              </a:srgbClr>
-            </a:outerShdw>
-          </a:effectLst>
-        </a:effectStyle>
-      </a:effectStyleLst>
-      <a:bgFillStyleLst>
-        <a:solidFill>
-          <a:schemeClr val="phClr"/>
-        </a:solidFill>
-        <a:solidFill>
-          <a:schemeClr val="phClr">
-            <a:tint val="95000"/>
-            <a:satMod val="170000"/>
-          </a:schemeClr>
-        </a:solidFill>
-        <a:gradFill rotWithShape="1">
-          <a:gsLst>
-            <a:gs pos="0">
-              <a:schemeClr val="phClr">
-                <a:tint val="93000"/>
-                <a:satMod val="150000"/>
-                <a:shade val="98000"/>
-                <a:lumMod val="102000"/>
-              </a:schemeClr>
-            </a:gs>
-            <a:gs pos="50000">
-              <a:schemeClr val="phClr">
-                <a:tint val="98000"/>
-                <a:satMod val="130000"/>
-                <a:shade val="90000"/>
-                <a:lumMod val="103000"/>
-              </a:schemeClr>
-            </a:gs>
-            <a:gs pos="100000">
-              <a:schemeClr val="phClr">
-                <a:shade val="63000"/>
-                <a:satMod val="120000"/>
-              </a:schemeClr>
-            </a:gs>
-          </a:gsLst>
-          <a:lin ang="5400000" scaled="0"/>
-        </a:gradFill>
-      </a:bgFillStyleLst>
-    </a:fmtScheme>
-  </a:themeElements>
-  <a:objectDefaults/>
-  <a:extraClrSchemeLst/>
-  <a:extLst>
-    <a:ext uri="{05A4C25C-085E-4340-85A3-A5531E510DB2}">
-      <thm15:themeFamily xmlns:thm15="http://schemas.microsoft.com/office/thememl/2012/main" name="Office Theme" id="{62F939B6-93AF-4DB8-9C6B-D6C7DFDC589F}" vid="{4A3C46E8-61CC-4603-A589-7422A47A8E4A}"/>
-    </a:ext>
-  </a:extLst>
-</a:theme>
-</file>
-
-<file path=ppt/theme/theme3.xml><?xml version="1.0" encoding="utf-8"?>
-<a:theme xmlns:a="http://schemas.openxmlformats.org/drawingml/2006/main" name="Office Theme">
-  <a:themeElements>
-    <a:clrScheme name="Office">
-      <a:dk1>
-        <a:sysClr val="windowText" lastClr="000000"/>
-      </a:dk1>
-      <a:lt1>
-        <a:sysClr val="window" lastClr="FFFFFF"/>
-      </a:lt1>
-      <a:dk2>
-        <a:srgbClr val="44546A"/>
-      </a:dk2>
-      <a:lt2>
-        <a:srgbClr val="E7E6E6"/>
-      </a:lt2>
-      <a:accent1>
         <a:srgbClr val="5B9BD5"/>
       </a:accent1>
       <a:accent2>

--- a/presentation/presentation.pptx
+++ b/presentation/presentation.pptx
@@ -5,7 +5,7 @@
     <p:sldMasterId id="2147483648" r:id="rId1"/>
   </p:sldMasterIdLst>
   <p:notesMasterIdLst>
-    <p:notesMasterId r:id="rId24"/>
+    <p:notesMasterId r:id="rId25"/>
   </p:notesMasterIdLst>
   <p:sldIdLst>
     <p:sldId id="258" r:id="rId2"/>
@@ -30,6 +30,7 @@
     <p:sldId id="281" r:id="rId21"/>
     <p:sldId id="282" r:id="rId22"/>
     <p:sldId id="283" r:id="rId23"/>
+    <p:sldId id="284" r:id="rId24"/>
   </p:sldIdLst>
   <p:sldSz cx="12192000" cy="6858000"/>
   <p:notesSz cx="6858000" cy="9144000"/>
@@ -175,6 +176,7 @@
           <p14:sldIdLst>
             <p14:sldId id="282"/>
             <p14:sldId id="283"/>
+            <p14:sldId id="284"/>
           </p14:sldIdLst>
         </p14:section>
         <p14:section name="A Look at Some Concerns" id="{BBBC4B94-5C39-44E3-86B7-9871E92F1E29}">
@@ -20084,12 +20086,59 @@
           <a:p>
             <a:r>
               <a:rPr lang="en-US" dirty="0"/>
-              <a:t>A Virtual Box That Packages Applications With Dependent Components </a:t>
+              <a:t>A Virtual Box That Packages Applications With Dependent Components and Services</a:t>
             </a:r>
+          </a:p>
+          <a:p>
             <a:r>
-              <a:rPr lang="en-US"/>
-              <a:t>and Services</a:t>
+              <a:rPr lang="en-US" dirty="0"/>
+              <a:t>Implements a high-level API to provide lightweight isolation</a:t>
             </a:r>
+          </a:p>
+          <a:p>
+            <a:r>
+              <a:rPr lang="en-US" dirty="0"/>
+              <a:t>Works on the kernel’s functionality to ensure isolation of:</a:t>
+            </a:r>
+          </a:p>
+          <a:p>
+            <a:pPr lvl="1"/>
+            <a:r>
+              <a:rPr lang="en-US" dirty="0"/>
+              <a:t>CPU</a:t>
+            </a:r>
+          </a:p>
+          <a:p>
+            <a:pPr lvl="1"/>
+            <a:r>
+              <a:rPr lang="en-US" dirty="0"/>
+              <a:t>Memory</a:t>
+            </a:r>
+          </a:p>
+          <a:p>
+            <a:pPr lvl="1"/>
+            <a:r>
+              <a:rPr lang="en-US" dirty="0"/>
+              <a:t>Block I/O</a:t>
+            </a:r>
+          </a:p>
+          <a:p>
+            <a:pPr lvl="1"/>
+            <a:r>
+              <a:rPr lang="en-US" dirty="0"/>
+              <a:t>Network</a:t>
+            </a:r>
+          </a:p>
+          <a:p>
+            <a:pPr lvl="1"/>
+            <a:r>
+              <a:rPr lang="en-US" dirty="0"/>
+              <a:t>More</a:t>
+            </a:r>
+          </a:p>
+          <a:p>
+            <a:pPr lvl="1"/>
+            <a:endParaRPr lang="en-US" dirty="0"/>
           </a:p>
         </p:txBody>
       </p:sp>
@@ -20103,6 +20152,1163 @@
   <p:clrMapOvr>
     <a:masterClrMapping/>
   </p:clrMapOvr>
+  <p:timing>
+    <p:tnLst>
+      <p:par>
+        <p:cTn id="1" dur="indefinite" restart="never" nodeType="tmRoot">
+          <p:childTnLst>
+            <p:seq concurrent="1" nextAc="seek">
+              <p:cTn id="2" dur="indefinite" nodeType="mainSeq">
+                <p:childTnLst>
+                  <p:par>
+                    <p:cTn id="3" fill="hold">
+                      <p:stCondLst>
+                        <p:cond delay="indefinite"/>
+                      </p:stCondLst>
+                      <p:childTnLst>
+                        <p:par>
+                          <p:cTn id="4" fill="hold">
+                            <p:stCondLst>
+                              <p:cond delay="0"/>
+                            </p:stCondLst>
+                            <p:childTnLst>
+                              <p:par>
+                                <p:cTn id="5" presetID="10" presetClass="entr" presetSubtype="0" fill="hold" grpId="0" nodeType="clickEffect">
+                                  <p:stCondLst>
+                                    <p:cond delay="0"/>
+                                  </p:stCondLst>
+                                  <p:childTnLst>
+                                    <p:set>
+                                      <p:cBhvr>
+                                        <p:cTn id="6" dur="1" fill="hold">
+                                          <p:stCondLst>
+                                            <p:cond delay="0"/>
+                                          </p:stCondLst>
+                                        </p:cTn>
+                                        <p:tgtEl>
+                                          <p:spTgt spid="3">
+                                            <p:txEl>
+                                              <p:pRg st="0" end="0"/>
+                                            </p:txEl>
+                                          </p:spTgt>
+                                        </p:tgtEl>
+                                        <p:attrNameLst>
+                                          <p:attrName>style.visibility</p:attrName>
+                                        </p:attrNameLst>
+                                      </p:cBhvr>
+                                      <p:to>
+                                        <p:strVal val="visible"/>
+                                      </p:to>
+                                    </p:set>
+                                    <p:animEffect transition="in" filter="fade">
+                                      <p:cBhvr>
+                                        <p:cTn id="7" dur="500"/>
+                                        <p:tgtEl>
+                                          <p:spTgt spid="3">
+                                            <p:txEl>
+                                              <p:pRg st="0" end="0"/>
+                                            </p:txEl>
+                                          </p:spTgt>
+                                        </p:tgtEl>
+                                      </p:cBhvr>
+                                    </p:animEffect>
+                                  </p:childTnLst>
+                                </p:cTn>
+                              </p:par>
+                            </p:childTnLst>
+                          </p:cTn>
+                        </p:par>
+                      </p:childTnLst>
+                    </p:cTn>
+                  </p:par>
+                  <p:par>
+                    <p:cTn id="8" fill="hold">
+                      <p:stCondLst>
+                        <p:cond delay="indefinite"/>
+                      </p:stCondLst>
+                      <p:childTnLst>
+                        <p:par>
+                          <p:cTn id="9" fill="hold">
+                            <p:stCondLst>
+                              <p:cond delay="0"/>
+                            </p:stCondLst>
+                            <p:childTnLst>
+                              <p:par>
+                                <p:cTn id="10" presetID="10" presetClass="entr" presetSubtype="0" fill="hold" grpId="0" nodeType="clickEffect">
+                                  <p:stCondLst>
+                                    <p:cond delay="0"/>
+                                  </p:stCondLst>
+                                  <p:childTnLst>
+                                    <p:set>
+                                      <p:cBhvr>
+                                        <p:cTn id="11" dur="1" fill="hold">
+                                          <p:stCondLst>
+                                            <p:cond delay="0"/>
+                                          </p:stCondLst>
+                                        </p:cTn>
+                                        <p:tgtEl>
+                                          <p:spTgt spid="3">
+                                            <p:txEl>
+                                              <p:pRg st="1" end="1"/>
+                                            </p:txEl>
+                                          </p:spTgt>
+                                        </p:tgtEl>
+                                        <p:attrNameLst>
+                                          <p:attrName>style.visibility</p:attrName>
+                                        </p:attrNameLst>
+                                      </p:cBhvr>
+                                      <p:to>
+                                        <p:strVal val="visible"/>
+                                      </p:to>
+                                    </p:set>
+                                    <p:animEffect transition="in" filter="fade">
+                                      <p:cBhvr>
+                                        <p:cTn id="12" dur="500"/>
+                                        <p:tgtEl>
+                                          <p:spTgt spid="3">
+                                            <p:txEl>
+                                              <p:pRg st="1" end="1"/>
+                                            </p:txEl>
+                                          </p:spTgt>
+                                        </p:tgtEl>
+                                      </p:cBhvr>
+                                    </p:animEffect>
+                                  </p:childTnLst>
+                                </p:cTn>
+                              </p:par>
+                            </p:childTnLst>
+                          </p:cTn>
+                        </p:par>
+                      </p:childTnLst>
+                    </p:cTn>
+                  </p:par>
+                  <p:par>
+                    <p:cTn id="13" fill="hold">
+                      <p:stCondLst>
+                        <p:cond delay="indefinite"/>
+                      </p:stCondLst>
+                      <p:childTnLst>
+                        <p:par>
+                          <p:cTn id="14" fill="hold">
+                            <p:stCondLst>
+                              <p:cond delay="0"/>
+                            </p:stCondLst>
+                            <p:childTnLst>
+                              <p:par>
+                                <p:cTn id="15" presetID="10" presetClass="entr" presetSubtype="0" fill="hold" grpId="0" nodeType="clickEffect">
+                                  <p:stCondLst>
+                                    <p:cond delay="0"/>
+                                  </p:stCondLst>
+                                  <p:childTnLst>
+                                    <p:set>
+                                      <p:cBhvr>
+                                        <p:cTn id="16" dur="1" fill="hold">
+                                          <p:stCondLst>
+                                            <p:cond delay="0"/>
+                                          </p:stCondLst>
+                                        </p:cTn>
+                                        <p:tgtEl>
+                                          <p:spTgt spid="3">
+                                            <p:txEl>
+                                              <p:pRg st="2" end="2"/>
+                                            </p:txEl>
+                                          </p:spTgt>
+                                        </p:tgtEl>
+                                        <p:attrNameLst>
+                                          <p:attrName>style.visibility</p:attrName>
+                                        </p:attrNameLst>
+                                      </p:cBhvr>
+                                      <p:to>
+                                        <p:strVal val="visible"/>
+                                      </p:to>
+                                    </p:set>
+                                    <p:animEffect transition="in" filter="fade">
+                                      <p:cBhvr>
+                                        <p:cTn id="17" dur="500"/>
+                                        <p:tgtEl>
+                                          <p:spTgt spid="3">
+                                            <p:txEl>
+                                              <p:pRg st="2" end="2"/>
+                                            </p:txEl>
+                                          </p:spTgt>
+                                        </p:tgtEl>
+                                      </p:cBhvr>
+                                    </p:animEffect>
+                                  </p:childTnLst>
+                                </p:cTn>
+                              </p:par>
+                              <p:par>
+                                <p:cTn id="18" presetID="10" presetClass="entr" presetSubtype="0" fill="hold" grpId="0" nodeType="withEffect">
+                                  <p:stCondLst>
+                                    <p:cond delay="0"/>
+                                  </p:stCondLst>
+                                  <p:childTnLst>
+                                    <p:set>
+                                      <p:cBhvr>
+                                        <p:cTn id="19" dur="1" fill="hold">
+                                          <p:stCondLst>
+                                            <p:cond delay="0"/>
+                                          </p:stCondLst>
+                                        </p:cTn>
+                                        <p:tgtEl>
+                                          <p:spTgt spid="3">
+                                            <p:txEl>
+                                              <p:pRg st="3" end="3"/>
+                                            </p:txEl>
+                                          </p:spTgt>
+                                        </p:tgtEl>
+                                        <p:attrNameLst>
+                                          <p:attrName>style.visibility</p:attrName>
+                                        </p:attrNameLst>
+                                      </p:cBhvr>
+                                      <p:to>
+                                        <p:strVal val="visible"/>
+                                      </p:to>
+                                    </p:set>
+                                    <p:animEffect transition="in" filter="fade">
+                                      <p:cBhvr>
+                                        <p:cTn id="20" dur="500"/>
+                                        <p:tgtEl>
+                                          <p:spTgt spid="3">
+                                            <p:txEl>
+                                              <p:pRg st="3" end="3"/>
+                                            </p:txEl>
+                                          </p:spTgt>
+                                        </p:tgtEl>
+                                      </p:cBhvr>
+                                    </p:animEffect>
+                                  </p:childTnLst>
+                                </p:cTn>
+                              </p:par>
+                              <p:par>
+                                <p:cTn id="21" presetID="10" presetClass="entr" presetSubtype="0" fill="hold" grpId="0" nodeType="withEffect">
+                                  <p:stCondLst>
+                                    <p:cond delay="0"/>
+                                  </p:stCondLst>
+                                  <p:childTnLst>
+                                    <p:set>
+                                      <p:cBhvr>
+                                        <p:cTn id="22" dur="1" fill="hold">
+                                          <p:stCondLst>
+                                            <p:cond delay="0"/>
+                                          </p:stCondLst>
+                                        </p:cTn>
+                                        <p:tgtEl>
+                                          <p:spTgt spid="3">
+                                            <p:txEl>
+                                              <p:pRg st="4" end="4"/>
+                                            </p:txEl>
+                                          </p:spTgt>
+                                        </p:tgtEl>
+                                        <p:attrNameLst>
+                                          <p:attrName>style.visibility</p:attrName>
+                                        </p:attrNameLst>
+                                      </p:cBhvr>
+                                      <p:to>
+                                        <p:strVal val="visible"/>
+                                      </p:to>
+                                    </p:set>
+                                    <p:animEffect transition="in" filter="fade">
+                                      <p:cBhvr>
+                                        <p:cTn id="23" dur="500"/>
+                                        <p:tgtEl>
+                                          <p:spTgt spid="3">
+                                            <p:txEl>
+                                              <p:pRg st="4" end="4"/>
+                                            </p:txEl>
+                                          </p:spTgt>
+                                        </p:tgtEl>
+                                      </p:cBhvr>
+                                    </p:animEffect>
+                                  </p:childTnLst>
+                                </p:cTn>
+                              </p:par>
+                              <p:par>
+                                <p:cTn id="24" presetID="10" presetClass="entr" presetSubtype="0" fill="hold" grpId="0" nodeType="withEffect">
+                                  <p:stCondLst>
+                                    <p:cond delay="0"/>
+                                  </p:stCondLst>
+                                  <p:childTnLst>
+                                    <p:set>
+                                      <p:cBhvr>
+                                        <p:cTn id="25" dur="1" fill="hold">
+                                          <p:stCondLst>
+                                            <p:cond delay="0"/>
+                                          </p:stCondLst>
+                                        </p:cTn>
+                                        <p:tgtEl>
+                                          <p:spTgt spid="3">
+                                            <p:txEl>
+                                              <p:pRg st="5" end="5"/>
+                                            </p:txEl>
+                                          </p:spTgt>
+                                        </p:tgtEl>
+                                        <p:attrNameLst>
+                                          <p:attrName>style.visibility</p:attrName>
+                                        </p:attrNameLst>
+                                      </p:cBhvr>
+                                      <p:to>
+                                        <p:strVal val="visible"/>
+                                      </p:to>
+                                    </p:set>
+                                    <p:animEffect transition="in" filter="fade">
+                                      <p:cBhvr>
+                                        <p:cTn id="26" dur="500"/>
+                                        <p:tgtEl>
+                                          <p:spTgt spid="3">
+                                            <p:txEl>
+                                              <p:pRg st="5" end="5"/>
+                                            </p:txEl>
+                                          </p:spTgt>
+                                        </p:tgtEl>
+                                      </p:cBhvr>
+                                    </p:animEffect>
+                                  </p:childTnLst>
+                                </p:cTn>
+                              </p:par>
+                              <p:par>
+                                <p:cTn id="27" presetID="10" presetClass="entr" presetSubtype="0" fill="hold" grpId="0" nodeType="withEffect">
+                                  <p:stCondLst>
+                                    <p:cond delay="0"/>
+                                  </p:stCondLst>
+                                  <p:childTnLst>
+                                    <p:set>
+                                      <p:cBhvr>
+                                        <p:cTn id="28" dur="1" fill="hold">
+                                          <p:stCondLst>
+                                            <p:cond delay="0"/>
+                                          </p:stCondLst>
+                                        </p:cTn>
+                                        <p:tgtEl>
+                                          <p:spTgt spid="3">
+                                            <p:txEl>
+                                              <p:pRg st="6" end="6"/>
+                                            </p:txEl>
+                                          </p:spTgt>
+                                        </p:tgtEl>
+                                        <p:attrNameLst>
+                                          <p:attrName>style.visibility</p:attrName>
+                                        </p:attrNameLst>
+                                      </p:cBhvr>
+                                      <p:to>
+                                        <p:strVal val="visible"/>
+                                      </p:to>
+                                    </p:set>
+                                    <p:animEffect transition="in" filter="fade">
+                                      <p:cBhvr>
+                                        <p:cTn id="29" dur="500"/>
+                                        <p:tgtEl>
+                                          <p:spTgt spid="3">
+                                            <p:txEl>
+                                              <p:pRg st="6" end="6"/>
+                                            </p:txEl>
+                                          </p:spTgt>
+                                        </p:tgtEl>
+                                      </p:cBhvr>
+                                    </p:animEffect>
+                                  </p:childTnLst>
+                                </p:cTn>
+                              </p:par>
+                              <p:par>
+                                <p:cTn id="30" presetID="10" presetClass="entr" presetSubtype="0" fill="hold" grpId="0" nodeType="withEffect">
+                                  <p:stCondLst>
+                                    <p:cond delay="0"/>
+                                  </p:stCondLst>
+                                  <p:childTnLst>
+                                    <p:set>
+                                      <p:cBhvr>
+                                        <p:cTn id="31" dur="1" fill="hold">
+                                          <p:stCondLst>
+                                            <p:cond delay="0"/>
+                                          </p:stCondLst>
+                                        </p:cTn>
+                                        <p:tgtEl>
+                                          <p:spTgt spid="3">
+                                            <p:txEl>
+                                              <p:pRg st="7" end="7"/>
+                                            </p:txEl>
+                                          </p:spTgt>
+                                        </p:tgtEl>
+                                        <p:attrNameLst>
+                                          <p:attrName>style.visibility</p:attrName>
+                                        </p:attrNameLst>
+                                      </p:cBhvr>
+                                      <p:to>
+                                        <p:strVal val="visible"/>
+                                      </p:to>
+                                    </p:set>
+                                    <p:animEffect transition="in" filter="fade">
+                                      <p:cBhvr>
+                                        <p:cTn id="32" dur="500"/>
+                                        <p:tgtEl>
+                                          <p:spTgt spid="3">
+                                            <p:txEl>
+                                              <p:pRg st="7" end="7"/>
+                                            </p:txEl>
+                                          </p:spTgt>
+                                        </p:tgtEl>
+                                      </p:cBhvr>
+                                    </p:animEffect>
+                                  </p:childTnLst>
+                                </p:cTn>
+                              </p:par>
+                            </p:childTnLst>
+                          </p:cTn>
+                        </p:par>
+                      </p:childTnLst>
+                    </p:cTn>
+                  </p:par>
+                </p:childTnLst>
+              </p:cTn>
+              <p:prevCondLst>
+                <p:cond evt="onPrev" delay="0">
+                  <p:tgtEl>
+                    <p:sldTgt/>
+                  </p:tgtEl>
+                </p:cond>
+              </p:prevCondLst>
+              <p:nextCondLst>
+                <p:cond evt="onNext" delay="0">
+                  <p:tgtEl>
+                    <p:sldTgt/>
+                  </p:tgtEl>
+                </p:cond>
+              </p:nextCondLst>
+            </p:seq>
+          </p:childTnLst>
+        </p:cTn>
+      </p:par>
+    </p:tnLst>
+    <p:bldLst>
+      <p:bldP spid="3" grpId="0" build="p"/>
+    </p:bldLst>
+  </p:timing>
+</p:sld>
+</file>
+
+<file path=ppt/slides/slide23.xml><?xml version="1.0" encoding="utf-8"?>
+<p:sld xmlns:a="http://schemas.openxmlformats.org/drawingml/2006/main" xmlns:r="http://schemas.openxmlformats.org/officeDocument/2006/relationships" xmlns:p="http://schemas.openxmlformats.org/presentationml/2006/main">
+  <p:cSld>
+    <p:spTree>
+      <p:nvGrpSpPr>
+        <p:cNvPr id="1" name=""/>
+        <p:cNvGrpSpPr/>
+        <p:nvPr/>
+      </p:nvGrpSpPr>
+      <p:grpSpPr>
+        <a:xfrm>
+          <a:off x="0" y="0"/>
+          <a:ext cx="0" cy="0"/>
+          <a:chOff x="0" y="0"/>
+          <a:chExt cx="0" cy="0"/>
+        </a:xfrm>
+      </p:grpSpPr>
+      <p:sp>
+        <p:nvSpPr>
+          <p:cNvPr id="2" name="Title 1">
+            <a:extLst>
+              <a:ext uri="{FF2B5EF4-FFF2-40B4-BE49-F238E27FC236}">
+                <a16:creationId xmlns:a16="http://schemas.microsoft.com/office/drawing/2014/main" id="{26AFA8D6-8CF9-4D6D-AC30-A5504074897A}"/>
+              </a:ext>
+            </a:extLst>
+          </p:cNvPr>
+          <p:cNvSpPr>
+            <a:spLocks noGrp="1"/>
+          </p:cNvSpPr>
+          <p:nvPr>
+            <p:ph type="title"/>
+          </p:nvPr>
+        </p:nvSpPr>
+        <p:spPr/>
+        <p:txBody>
+          <a:bodyPr/>
+          <a:lstStyle/>
+          <a:p>
+            <a:r>
+              <a:rPr lang="en-US" dirty="0"/>
+              <a:t>Container Advantages</a:t>
+            </a:r>
+          </a:p>
+        </p:txBody>
+      </p:sp>
+      <p:sp>
+        <p:nvSpPr>
+          <p:cNvPr id="3" name="Content Placeholder 2">
+            <a:extLst>
+              <a:ext uri="{FF2B5EF4-FFF2-40B4-BE49-F238E27FC236}">
+                <a16:creationId xmlns:a16="http://schemas.microsoft.com/office/drawing/2014/main" id="{51892F45-8456-4EAF-BC73-F78EF9921B1C}"/>
+              </a:ext>
+            </a:extLst>
+          </p:cNvPr>
+          <p:cNvSpPr>
+            <a:spLocks noGrp="1"/>
+          </p:cNvSpPr>
+          <p:nvPr>
+            <p:ph idx="1"/>
+          </p:nvPr>
+        </p:nvSpPr>
+        <p:spPr>
+          <a:xfrm>
+            <a:off x="581192" y="2180496"/>
+            <a:ext cx="11029615" cy="4161938"/>
+          </a:xfrm>
+        </p:spPr>
+        <p:txBody>
+          <a:bodyPr>
+            <a:normAutofit/>
+          </a:bodyPr>
+          <a:lstStyle/>
+          <a:p>
+            <a:r>
+              <a:rPr lang="en-US" dirty="0"/>
+              <a:t>True Isolation of Resources</a:t>
+            </a:r>
+          </a:p>
+          <a:p>
+            <a:r>
+              <a:rPr lang="en-US" dirty="0"/>
+              <a:t>Truly identical application packaging</a:t>
+            </a:r>
+          </a:p>
+          <a:p>
+            <a:r>
+              <a:rPr lang="en-US" dirty="0"/>
+              <a:t>Automated application deployment</a:t>
+            </a:r>
+          </a:p>
+          <a:p>
+            <a:r>
+              <a:rPr lang="en-US" dirty="0"/>
+              <a:t>Rapid deployment</a:t>
+            </a:r>
+          </a:p>
+          <a:p>
+            <a:r>
+              <a:rPr lang="en-US" dirty="0"/>
+              <a:t>Extremely low redundancy / Simplified portability</a:t>
+            </a:r>
+          </a:p>
+          <a:p>
+            <a:r>
+              <a:rPr lang="en-US" dirty="0"/>
+              <a:t>Minimum runtime requirements</a:t>
+            </a:r>
+          </a:p>
+          <a:p>
+            <a:r>
+              <a:rPr lang="en-US" dirty="0"/>
+              <a:t>Minimum resource requirements</a:t>
+            </a:r>
+          </a:p>
+          <a:p>
+            <a:r>
+              <a:rPr lang="en-US" dirty="0"/>
+              <a:t>Excellent management</a:t>
+            </a:r>
+          </a:p>
+          <a:p>
+            <a:r>
+              <a:rPr lang="en-US" dirty="0"/>
+              <a:t>Simplified portability</a:t>
+            </a:r>
+          </a:p>
+          <a:p>
+            <a:endParaRPr lang="en-US" dirty="0"/>
+          </a:p>
+        </p:txBody>
+      </p:sp>
+    </p:spTree>
+    <p:extLst>
+      <p:ext uri="{BB962C8B-B14F-4D97-AF65-F5344CB8AC3E}">
+        <p14:creationId xmlns:p14="http://schemas.microsoft.com/office/powerpoint/2010/main" val="1468609087"/>
+      </p:ext>
+    </p:extLst>
+  </p:cSld>
+  <p:clrMapOvr>
+    <a:masterClrMapping/>
+  </p:clrMapOvr>
+  <p:timing>
+    <p:tnLst>
+      <p:par>
+        <p:cTn id="1" dur="indefinite" restart="never" nodeType="tmRoot">
+          <p:childTnLst>
+            <p:seq concurrent="1" nextAc="seek">
+              <p:cTn id="2" dur="indefinite" nodeType="mainSeq">
+                <p:childTnLst>
+                  <p:par>
+                    <p:cTn id="3" fill="hold">
+                      <p:stCondLst>
+                        <p:cond delay="indefinite"/>
+                      </p:stCondLst>
+                      <p:childTnLst>
+                        <p:par>
+                          <p:cTn id="4" fill="hold">
+                            <p:stCondLst>
+                              <p:cond delay="0"/>
+                            </p:stCondLst>
+                            <p:childTnLst>
+                              <p:par>
+                                <p:cTn id="5" presetID="10" presetClass="entr" presetSubtype="0" fill="hold" grpId="0" nodeType="clickEffect">
+                                  <p:stCondLst>
+                                    <p:cond delay="0"/>
+                                  </p:stCondLst>
+                                  <p:childTnLst>
+                                    <p:set>
+                                      <p:cBhvr>
+                                        <p:cTn id="6" dur="1" fill="hold">
+                                          <p:stCondLst>
+                                            <p:cond delay="0"/>
+                                          </p:stCondLst>
+                                        </p:cTn>
+                                        <p:tgtEl>
+                                          <p:spTgt spid="3">
+                                            <p:txEl>
+                                              <p:pRg st="0" end="0"/>
+                                            </p:txEl>
+                                          </p:spTgt>
+                                        </p:tgtEl>
+                                        <p:attrNameLst>
+                                          <p:attrName>style.visibility</p:attrName>
+                                        </p:attrNameLst>
+                                      </p:cBhvr>
+                                      <p:to>
+                                        <p:strVal val="visible"/>
+                                      </p:to>
+                                    </p:set>
+                                    <p:animEffect transition="in" filter="fade">
+                                      <p:cBhvr>
+                                        <p:cTn id="7" dur="500"/>
+                                        <p:tgtEl>
+                                          <p:spTgt spid="3">
+                                            <p:txEl>
+                                              <p:pRg st="0" end="0"/>
+                                            </p:txEl>
+                                          </p:spTgt>
+                                        </p:tgtEl>
+                                      </p:cBhvr>
+                                    </p:animEffect>
+                                  </p:childTnLst>
+                                </p:cTn>
+                              </p:par>
+                            </p:childTnLst>
+                          </p:cTn>
+                        </p:par>
+                      </p:childTnLst>
+                    </p:cTn>
+                  </p:par>
+                  <p:par>
+                    <p:cTn id="8" fill="hold">
+                      <p:stCondLst>
+                        <p:cond delay="indefinite"/>
+                      </p:stCondLst>
+                      <p:childTnLst>
+                        <p:par>
+                          <p:cTn id="9" fill="hold">
+                            <p:stCondLst>
+                              <p:cond delay="0"/>
+                            </p:stCondLst>
+                            <p:childTnLst>
+                              <p:par>
+                                <p:cTn id="10" presetID="10" presetClass="entr" presetSubtype="0" fill="hold" grpId="0" nodeType="clickEffect">
+                                  <p:stCondLst>
+                                    <p:cond delay="0"/>
+                                  </p:stCondLst>
+                                  <p:childTnLst>
+                                    <p:set>
+                                      <p:cBhvr>
+                                        <p:cTn id="11" dur="1" fill="hold">
+                                          <p:stCondLst>
+                                            <p:cond delay="0"/>
+                                          </p:stCondLst>
+                                        </p:cTn>
+                                        <p:tgtEl>
+                                          <p:spTgt spid="3">
+                                            <p:txEl>
+                                              <p:pRg st="1" end="1"/>
+                                            </p:txEl>
+                                          </p:spTgt>
+                                        </p:tgtEl>
+                                        <p:attrNameLst>
+                                          <p:attrName>style.visibility</p:attrName>
+                                        </p:attrNameLst>
+                                      </p:cBhvr>
+                                      <p:to>
+                                        <p:strVal val="visible"/>
+                                      </p:to>
+                                    </p:set>
+                                    <p:animEffect transition="in" filter="fade">
+                                      <p:cBhvr>
+                                        <p:cTn id="12" dur="500"/>
+                                        <p:tgtEl>
+                                          <p:spTgt spid="3">
+                                            <p:txEl>
+                                              <p:pRg st="1" end="1"/>
+                                            </p:txEl>
+                                          </p:spTgt>
+                                        </p:tgtEl>
+                                      </p:cBhvr>
+                                    </p:animEffect>
+                                  </p:childTnLst>
+                                </p:cTn>
+                              </p:par>
+                            </p:childTnLst>
+                          </p:cTn>
+                        </p:par>
+                      </p:childTnLst>
+                    </p:cTn>
+                  </p:par>
+                  <p:par>
+                    <p:cTn id="13" fill="hold">
+                      <p:stCondLst>
+                        <p:cond delay="indefinite"/>
+                      </p:stCondLst>
+                      <p:childTnLst>
+                        <p:par>
+                          <p:cTn id="14" fill="hold">
+                            <p:stCondLst>
+                              <p:cond delay="0"/>
+                            </p:stCondLst>
+                            <p:childTnLst>
+                              <p:par>
+                                <p:cTn id="15" presetID="10" presetClass="entr" presetSubtype="0" fill="hold" grpId="0" nodeType="clickEffect">
+                                  <p:stCondLst>
+                                    <p:cond delay="0"/>
+                                  </p:stCondLst>
+                                  <p:childTnLst>
+                                    <p:set>
+                                      <p:cBhvr>
+                                        <p:cTn id="16" dur="1" fill="hold">
+                                          <p:stCondLst>
+                                            <p:cond delay="0"/>
+                                          </p:stCondLst>
+                                        </p:cTn>
+                                        <p:tgtEl>
+                                          <p:spTgt spid="3">
+                                            <p:txEl>
+                                              <p:pRg st="2" end="2"/>
+                                            </p:txEl>
+                                          </p:spTgt>
+                                        </p:tgtEl>
+                                        <p:attrNameLst>
+                                          <p:attrName>style.visibility</p:attrName>
+                                        </p:attrNameLst>
+                                      </p:cBhvr>
+                                      <p:to>
+                                        <p:strVal val="visible"/>
+                                      </p:to>
+                                    </p:set>
+                                    <p:animEffect transition="in" filter="fade">
+                                      <p:cBhvr>
+                                        <p:cTn id="17" dur="500"/>
+                                        <p:tgtEl>
+                                          <p:spTgt spid="3">
+                                            <p:txEl>
+                                              <p:pRg st="2" end="2"/>
+                                            </p:txEl>
+                                          </p:spTgt>
+                                        </p:tgtEl>
+                                      </p:cBhvr>
+                                    </p:animEffect>
+                                  </p:childTnLst>
+                                </p:cTn>
+                              </p:par>
+                            </p:childTnLst>
+                          </p:cTn>
+                        </p:par>
+                      </p:childTnLst>
+                    </p:cTn>
+                  </p:par>
+                  <p:par>
+                    <p:cTn id="18" fill="hold">
+                      <p:stCondLst>
+                        <p:cond delay="indefinite"/>
+                      </p:stCondLst>
+                      <p:childTnLst>
+                        <p:par>
+                          <p:cTn id="19" fill="hold">
+                            <p:stCondLst>
+                              <p:cond delay="0"/>
+                            </p:stCondLst>
+                            <p:childTnLst>
+                              <p:par>
+                                <p:cTn id="20" presetID="10" presetClass="entr" presetSubtype="0" fill="hold" grpId="0" nodeType="clickEffect">
+                                  <p:stCondLst>
+                                    <p:cond delay="0"/>
+                                  </p:stCondLst>
+                                  <p:childTnLst>
+                                    <p:set>
+                                      <p:cBhvr>
+                                        <p:cTn id="21" dur="1" fill="hold">
+                                          <p:stCondLst>
+                                            <p:cond delay="0"/>
+                                          </p:stCondLst>
+                                        </p:cTn>
+                                        <p:tgtEl>
+                                          <p:spTgt spid="3">
+                                            <p:txEl>
+                                              <p:pRg st="3" end="3"/>
+                                            </p:txEl>
+                                          </p:spTgt>
+                                        </p:tgtEl>
+                                        <p:attrNameLst>
+                                          <p:attrName>style.visibility</p:attrName>
+                                        </p:attrNameLst>
+                                      </p:cBhvr>
+                                      <p:to>
+                                        <p:strVal val="visible"/>
+                                      </p:to>
+                                    </p:set>
+                                    <p:animEffect transition="in" filter="fade">
+                                      <p:cBhvr>
+                                        <p:cTn id="22" dur="500"/>
+                                        <p:tgtEl>
+                                          <p:spTgt spid="3">
+                                            <p:txEl>
+                                              <p:pRg st="3" end="3"/>
+                                            </p:txEl>
+                                          </p:spTgt>
+                                        </p:tgtEl>
+                                      </p:cBhvr>
+                                    </p:animEffect>
+                                  </p:childTnLst>
+                                </p:cTn>
+                              </p:par>
+                            </p:childTnLst>
+                          </p:cTn>
+                        </p:par>
+                      </p:childTnLst>
+                    </p:cTn>
+                  </p:par>
+                  <p:par>
+                    <p:cTn id="23" fill="hold">
+                      <p:stCondLst>
+                        <p:cond delay="indefinite"/>
+                      </p:stCondLst>
+                      <p:childTnLst>
+                        <p:par>
+                          <p:cTn id="24" fill="hold">
+                            <p:stCondLst>
+                              <p:cond delay="0"/>
+                            </p:stCondLst>
+                            <p:childTnLst>
+                              <p:par>
+                                <p:cTn id="25" presetID="10" presetClass="entr" presetSubtype="0" fill="hold" grpId="0" nodeType="clickEffect">
+                                  <p:stCondLst>
+                                    <p:cond delay="0"/>
+                                  </p:stCondLst>
+                                  <p:childTnLst>
+                                    <p:set>
+                                      <p:cBhvr>
+                                        <p:cTn id="26" dur="1" fill="hold">
+                                          <p:stCondLst>
+                                            <p:cond delay="0"/>
+                                          </p:stCondLst>
+                                        </p:cTn>
+                                        <p:tgtEl>
+                                          <p:spTgt spid="3">
+                                            <p:txEl>
+                                              <p:pRg st="4" end="4"/>
+                                            </p:txEl>
+                                          </p:spTgt>
+                                        </p:tgtEl>
+                                        <p:attrNameLst>
+                                          <p:attrName>style.visibility</p:attrName>
+                                        </p:attrNameLst>
+                                      </p:cBhvr>
+                                      <p:to>
+                                        <p:strVal val="visible"/>
+                                      </p:to>
+                                    </p:set>
+                                    <p:animEffect transition="in" filter="fade">
+                                      <p:cBhvr>
+                                        <p:cTn id="27" dur="500"/>
+                                        <p:tgtEl>
+                                          <p:spTgt spid="3">
+                                            <p:txEl>
+                                              <p:pRg st="4" end="4"/>
+                                            </p:txEl>
+                                          </p:spTgt>
+                                        </p:tgtEl>
+                                      </p:cBhvr>
+                                    </p:animEffect>
+                                  </p:childTnLst>
+                                </p:cTn>
+                              </p:par>
+                            </p:childTnLst>
+                          </p:cTn>
+                        </p:par>
+                      </p:childTnLst>
+                    </p:cTn>
+                  </p:par>
+                  <p:par>
+                    <p:cTn id="28" fill="hold">
+                      <p:stCondLst>
+                        <p:cond delay="indefinite"/>
+                      </p:stCondLst>
+                      <p:childTnLst>
+                        <p:par>
+                          <p:cTn id="29" fill="hold">
+                            <p:stCondLst>
+                              <p:cond delay="0"/>
+                            </p:stCondLst>
+                            <p:childTnLst>
+                              <p:par>
+                                <p:cTn id="30" presetID="10" presetClass="entr" presetSubtype="0" fill="hold" grpId="0" nodeType="clickEffect">
+                                  <p:stCondLst>
+                                    <p:cond delay="0"/>
+                                  </p:stCondLst>
+                                  <p:childTnLst>
+                                    <p:set>
+                                      <p:cBhvr>
+                                        <p:cTn id="31" dur="1" fill="hold">
+                                          <p:stCondLst>
+                                            <p:cond delay="0"/>
+                                          </p:stCondLst>
+                                        </p:cTn>
+                                        <p:tgtEl>
+                                          <p:spTgt spid="3">
+                                            <p:txEl>
+                                              <p:pRg st="5" end="5"/>
+                                            </p:txEl>
+                                          </p:spTgt>
+                                        </p:tgtEl>
+                                        <p:attrNameLst>
+                                          <p:attrName>style.visibility</p:attrName>
+                                        </p:attrNameLst>
+                                      </p:cBhvr>
+                                      <p:to>
+                                        <p:strVal val="visible"/>
+                                      </p:to>
+                                    </p:set>
+                                    <p:animEffect transition="in" filter="fade">
+                                      <p:cBhvr>
+                                        <p:cTn id="32" dur="500"/>
+                                        <p:tgtEl>
+                                          <p:spTgt spid="3">
+                                            <p:txEl>
+                                              <p:pRg st="5" end="5"/>
+                                            </p:txEl>
+                                          </p:spTgt>
+                                        </p:tgtEl>
+                                      </p:cBhvr>
+                                    </p:animEffect>
+                                  </p:childTnLst>
+                                </p:cTn>
+                              </p:par>
+                            </p:childTnLst>
+                          </p:cTn>
+                        </p:par>
+                      </p:childTnLst>
+                    </p:cTn>
+                  </p:par>
+                  <p:par>
+                    <p:cTn id="33" fill="hold">
+                      <p:stCondLst>
+                        <p:cond delay="indefinite"/>
+                      </p:stCondLst>
+                      <p:childTnLst>
+                        <p:par>
+                          <p:cTn id="34" fill="hold">
+                            <p:stCondLst>
+                              <p:cond delay="0"/>
+                            </p:stCondLst>
+                            <p:childTnLst>
+                              <p:par>
+                                <p:cTn id="35" presetID="10" presetClass="entr" presetSubtype="0" fill="hold" grpId="0" nodeType="clickEffect">
+                                  <p:stCondLst>
+                                    <p:cond delay="0"/>
+                                  </p:stCondLst>
+                                  <p:childTnLst>
+                                    <p:set>
+                                      <p:cBhvr>
+                                        <p:cTn id="36" dur="1" fill="hold">
+                                          <p:stCondLst>
+                                            <p:cond delay="0"/>
+                                          </p:stCondLst>
+                                        </p:cTn>
+                                        <p:tgtEl>
+                                          <p:spTgt spid="3">
+                                            <p:txEl>
+                                              <p:pRg st="6" end="6"/>
+                                            </p:txEl>
+                                          </p:spTgt>
+                                        </p:tgtEl>
+                                        <p:attrNameLst>
+                                          <p:attrName>style.visibility</p:attrName>
+                                        </p:attrNameLst>
+                                      </p:cBhvr>
+                                      <p:to>
+                                        <p:strVal val="visible"/>
+                                      </p:to>
+                                    </p:set>
+                                    <p:animEffect transition="in" filter="fade">
+                                      <p:cBhvr>
+                                        <p:cTn id="37" dur="500"/>
+                                        <p:tgtEl>
+                                          <p:spTgt spid="3">
+                                            <p:txEl>
+                                              <p:pRg st="6" end="6"/>
+                                            </p:txEl>
+                                          </p:spTgt>
+                                        </p:tgtEl>
+                                      </p:cBhvr>
+                                    </p:animEffect>
+                                  </p:childTnLst>
+                                </p:cTn>
+                              </p:par>
+                            </p:childTnLst>
+                          </p:cTn>
+                        </p:par>
+                      </p:childTnLst>
+                    </p:cTn>
+                  </p:par>
+                  <p:par>
+                    <p:cTn id="38" fill="hold">
+                      <p:stCondLst>
+                        <p:cond delay="indefinite"/>
+                      </p:stCondLst>
+                      <p:childTnLst>
+                        <p:par>
+                          <p:cTn id="39" fill="hold">
+                            <p:stCondLst>
+                              <p:cond delay="0"/>
+                            </p:stCondLst>
+                            <p:childTnLst>
+                              <p:par>
+                                <p:cTn id="40" presetID="10" presetClass="entr" presetSubtype="0" fill="hold" grpId="0" nodeType="clickEffect">
+                                  <p:stCondLst>
+                                    <p:cond delay="0"/>
+                                  </p:stCondLst>
+                                  <p:childTnLst>
+                                    <p:set>
+                                      <p:cBhvr>
+                                        <p:cTn id="41" dur="1" fill="hold">
+                                          <p:stCondLst>
+                                            <p:cond delay="0"/>
+                                          </p:stCondLst>
+                                        </p:cTn>
+                                        <p:tgtEl>
+                                          <p:spTgt spid="3">
+                                            <p:txEl>
+                                              <p:pRg st="7" end="7"/>
+                                            </p:txEl>
+                                          </p:spTgt>
+                                        </p:tgtEl>
+                                        <p:attrNameLst>
+                                          <p:attrName>style.visibility</p:attrName>
+                                        </p:attrNameLst>
+                                      </p:cBhvr>
+                                      <p:to>
+                                        <p:strVal val="visible"/>
+                                      </p:to>
+                                    </p:set>
+                                    <p:animEffect transition="in" filter="fade">
+                                      <p:cBhvr>
+                                        <p:cTn id="42" dur="500"/>
+                                        <p:tgtEl>
+                                          <p:spTgt spid="3">
+                                            <p:txEl>
+                                              <p:pRg st="7" end="7"/>
+                                            </p:txEl>
+                                          </p:spTgt>
+                                        </p:tgtEl>
+                                      </p:cBhvr>
+                                    </p:animEffect>
+                                  </p:childTnLst>
+                                </p:cTn>
+                              </p:par>
+                            </p:childTnLst>
+                          </p:cTn>
+                        </p:par>
+                      </p:childTnLst>
+                    </p:cTn>
+                  </p:par>
+                  <p:par>
+                    <p:cTn id="43" fill="hold">
+                      <p:stCondLst>
+                        <p:cond delay="indefinite"/>
+                      </p:stCondLst>
+                      <p:childTnLst>
+                        <p:par>
+                          <p:cTn id="44" fill="hold">
+                            <p:stCondLst>
+                              <p:cond delay="0"/>
+                            </p:stCondLst>
+                            <p:childTnLst>
+                              <p:par>
+                                <p:cTn id="45" presetID="10" presetClass="entr" presetSubtype="0" fill="hold" grpId="0" nodeType="clickEffect">
+                                  <p:stCondLst>
+                                    <p:cond delay="0"/>
+                                  </p:stCondLst>
+                                  <p:childTnLst>
+                                    <p:set>
+                                      <p:cBhvr>
+                                        <p:cTn id="46" dur="1" fill="hold">
+                                          <p:stCondLst>
+                                            <p:cond delay="0"/>
+                                          </p:stCondLst>
+                                        </p:cTn>
+                                        <p:tgtEl>
+                                          <p:spTgt spid="3">
+                                            <p:txEl>
+                                              <p:pRg st="8" end="8"/>
+                                            </p:txEl>
+                                          </p:spTgt>
+                                        </p:tgtEl>
+                                        <p:attrNameLst>
+                                          <p:attrName>style.visibility</p:attrName>
+                                        </p:attrNameLst>
+                                      </p:cBhvr>
+                                      <p:to>
+                                        <p:strVal val="visible"/>
+                                      </p:to>
+                                    </p:set>
+                                    <p:animEffect transition="in" filter="fade">
+                                      <p:cBhvr>
+                                        <p:cTn id="47" dur="500"/>
+                                        <p:tgtEl>
+                                          <p:spTgt spid="3">
+                                            <p:txEl>
+                                              <p:pRg st="8" end="8"/>
+                                            </p:txEl>
+                                          </p:spTgt>
+                                        </p:tgtEl>
+                                      </p:cBhvr>
+                                    </p:animEffect>
+                                  </p:childTnLst>
+                                </p:cTn>
+                              </p:par>
+                            </p:childTnLst>
+                          </p:cTn>
+                        </p:par>
+                      </p:childTnLst>
+                    </p:cTn>
+                  </p:par>
+                </p:childTnLst>
+              </p:cTn>
+              <p:prevCondLst>
+                <p:cond evt="onPrev" delay="0">
+                  <p:tgtEl>
+                    <p:sldTgt/>
+                  </p:tgtEl>
+                </p:cond>
+              </p:prevCondLst>
+              <p:nextCondLst>
+                <p:cond evt="onNext" delay="0">
+                  <p:tgtEl>
+                    <p:sldTgt/>
+                  </p:tgtEl>
+                </p:cond>
+              </p:nextCondLst>
+            </p:seq>
+          </p:childTnLst>
+        </p:cTn>
+      </p:par>
+    </p:tnLst>
+    <p:bldLst>
+      <p:bldP spid="3" grpId="0" build="p"/>
+    </p:bldLst>
+  </p:timing>
 </p:sld>
 </file>
 

--- a/presentation/presentation.pptx
+++ b/presentation/presentation.pptx
@@ -5,7 +5,7 @@
     <p:sldMasterId id="2147483648" r:id="rId1"/>
   </p:sldMasterIdLst>
   <p:notesMasterIdLst>
-    <p:notesMasterId r:id="rId25"/>
+    <p:notesMasterId r:id="rId29"/>
   </p:notesMasterIdLst>
   <p:sldIdLst>
     <p:sldId id="258" r:id="rId2"/>
@@ -31,6 +31,10 @@
     <p:sldId id="282" r:id="rId22"/>
     <p:sldId id="283" r:id="rId23"/>
     <p:sldId id="284" r:id="rId24"/>
+    <p:sldId id="285" r:id="rId25"/>
+    <p:sldId id="287" r:id="rId26"/>
+    <p:sldId id="286" r:id="rId27"/>
+    <p:sldId id="288" r:id="rId28"/>
   </p:sldIdLst>
   <p:sldSz cx="12192000" cy="6858000"/>
   <p:notesSz cx="6858000" cy="9144000"/>
@@ -177,6 +181,10 @@
             <p14:sldId id="282"/>
             <p14:sldId id="283"/>
             <p14:sldId id="284"/>
+            <p14:sldId id="285"/>
+            <p14:sldId id="287"/>
+            <p14:sldId id="286"/>
+            <p14:sldId id="288"/>
           </p14:sldIdLst>
         </p14:section>
         <p14:section name="A Look at Some Concerns" id="{BBBC4B94-5C39-44E3-86B7-9871E92F1E29}">
@@ -21312,6 +21320,2253 @@
 </p:sld>
 </file>
 
+<file path=ppt/slides/slide24.xml><?xml version="1.0" encoding="utf-8"?>
+<p:sld xmlns:a="http://schemas.openxmlformats.org/drawingml/2006/main" xmlns:r="http://schemas.openxmlformats.org/officeDocument/2006/relationships" xmlns:p="http://schemas.openxmlformats.org/presentationml/2006/main">
+  <p:cSld>
+    <p:spTree>
+      <p:nvGrpSpPr>
+        <p:cNvPr id="1" name=""/>
+        <p:cNvGrpSpPr/>
+        <p:nvPr/>
+      </p:nvGrpSpPr>
+      <p:grpSpPr>
+        <a:xfrm>
+          <a:off x="0" y="0"/>
+          <a:ext cx="0" cy="0"/>
+          <a:chOff x="0" y="0"/>
+          <a:chExt cx="0" cy="0"/>
+        </a:xfrm>
+      </p:grpSpPr>
+      <p:sp>
+        <p:nvSpPr>
+          <p:cNvPr id="2" name="Title 1">
+            <a:extLst>
+              <a:ext uri="{FF2B5EF4-FFF2-40B4-BE49-F238E27FC236}">
+                <a16:creationId xmlns:a16="http://schemas.microsoft.com/office/drawing/2014/main" id="{26AFA8D6-8CF9-4D6D-AC30-A5504074897A}"/>
+              </a:ext>
+            </a:extLst>
+          </p:cNvPr>
+          <p:cNvSpPr>
+            <a:spLocks noGrp="1"/>
+          </p:cNvSpPr>
+          <p:nvPr>
+            <p:ph type="title"/>
+          </p:nvPr>
+        </p:nvSpPr>
+        <p:spPr/>
+        <p:txBody>
+          <a:bodyPr/>
+          <a:lstStyle/>
+          <a:p>
+            <a:r>
+              <a:rPr lang="en-US" dirty="0"/>
+              <a:t>Containers and Development</a:t>
+            </a:r>
+          </a:p>
+        </p:txBody>
+      </p:sp>
+      <p:sp>
+        <p:nvSpPr>
+          <p:cNvPr id="3" name="Content Placeholder 2">
+            <a:extLst>
+              <a:ext uri="{FF2B5EF4-FFF2-40B4-BE49-F238E27FC236}">
+                <a16:creationId xmlns:a16="http://schemas.microsoft.com/office/drawing/2014/main" id="{51892F45-8456-4EAF-BC73-F78EF9921B1C}"/>
+              </a:ext>
+            </a:extLst>
+          </p:cNvPr>
+          <p:cNvSpPr>
+            <a:spLocks noGrp="1"/>
+          </p:cNvSpPr>
+          <p:nvPr>
+            <p:ph idx="1"/>
+          </p:nvPr>
+        </p:nvSpPr>
+        <p:spPr>
+          <a:xfrm>
+            <a:off x="581192" y="2180496"/>
+            <a:ext cx="11029615" cy="4161938"/>
+          </a:xfrm>
+        </p:spPr>
+        <p:txBody>
+          <a:bodyPr>
+            <a:normAutofit/>
+          </a:bodyPr>
+          <a:lstStyle/>
+          <a:p>
+            <a:r>
+              <a:rPr lang="en-US" dirty="0"/>
+              <a:t>No need to install and manage dependencies (I’ll demonstrate this)</a:t>
+            </a:r>
+          </a:p>
+          <a:p>
+            <a:r>
+              <a:rPr lang="en-US" dirty="0"/>
+              <a:t>Dependencies and their configuration </a:t>
+            </a:r>
+            <a:r>
+              <a:rPr lang="en-US" i="1" dirty="0"/>
+              <a:t>are part of source code</a:t>
+            </a:r>
+            <a:endParaRPr lang="en-US" dirty="0"/>
+          </a:p>
+          <a:p>
+            <a:pPr lvl="1"/>
+            <a:r>
+              <a:rPr lang="en-US" dirty="0"/>
+              <a:t>This means everything behaves the same for everyone.  </a:t>
+            </a:r>
+            <a:r>
+              <a:rPr lang="en-US" b="1" dirty="0">
+                <a:solidFill>
+                  <a:srgbClr val="FF0000"/>
+                </a:solidFill>
+              </a:rPr>
+              <a:t>This is critically important</a:t>
+            </a:r>
+            <a:endParaRPr lang="en-US" dirty="0"/>
+          </a:p>
+          <a:p>
+            <a:pPr lvl="1"/>
+            <a:r>
+              <a:rPr lang="en-US" dirty="0"/>
+              <a:t>When a developer solves a dependency problem, everyone gets it immediately</a:t>
+            </a:r>
+          </a:p>
+          <a:p>
+            <a:r>
+              <a:rPr lang="en-US" dirty="0"/>
+              <a:t>Resources for dependencies are only consumed when running the application.  For example on Evolve we run:</a:t>
+            </a:r>
+          </a:p>
+          <a:p>
+            <a:pPr lvl="1"/>
+            <a:r>
+              <a:rPr lang="en-US" dirty="0"/>
+              <a:t>Erlang</a:t>
+            </a:r>
+          </a:p>
+          <a:p>
+            <a:pPr lvl="1"/>
+            <a:r>
+              <a:rPr lang="en-US" dirty="0"/>
+              <a:t>RabbitMQ</a:t>
+            </a:r>
+          </a:p>
+          <a:p>
+            <a:pPr lvl="1"/>
+            <a:r>
+              <a:rPr lang="en-US" dirty="0"/>
+              <a:t>SQL Server</a:t>
+            </a:r>
+          </a:p>
+        </p:txBody>
+      </p:sp>
+    </p:spTree>
+    <p:extLst>
+      <p:ext uri="{BB962C8B-B14F-4D97-AF65-F5344CB8AC3E}">
+        <p14:creationId xmlns:p14="http://schemas.microsoft.com/office/powerpoint/2010/main" val="707627004"/>
+      </p:ext>
+    </p:extLst>
+  </p:cSld>
+  <p:clrMapOvr>
+    <a:masterClrMapping/>
+  </p:clrMapOvr>
+  <p:timing>
+    <p:tnLst>
+      <p:par>
+        <p:cTn id="1" dur="indefinite" restart="never" nodeType="tmRoot">
+          <p:childTnLst>
+            <p:seq concurrent="1" nextAc="seek">
+              <p:cTn id="2" dur="indefinite" nodeType="mainSeq">
+                <p:childTnLst>
+                  <p:par>
+                    <p:cTn id="3" fill="hold">
+                      <p:stCondLst>
+                        <p:cond delay="indefinite"/>
+                      </p:stCondLst>
+                      <p:childTnLst>
+                        <p:par>
+                          <p:cTn id="4" fill="hold">
+                            <p:stCondLst>
+                              <p:cond delay="0"/>
+                            </p:stCondLst>
+                            <p:childTnLst>
+                              <p:par>
+                                <p:cTn id="5" presetID="10" presetClass="entr" presetSubtype="0" fill="hold" grpId="0" nodeType="clickEffect">
+                                  <p:stCondLst>
+                                    <p:cond delay="0"/>
+                                  </p:stCondLst>
+                                  <p:childTnLst>
+                                    <p:set>
+                                      <p:cBhvr>
+                                        <p:cTn id="6" dur="1" fill="hold">
+                                          <p:stCondLst>
+                                            <p:cond delay="0"/>
+                                          </p:stCondLst>
+                                        </p:cTn>
+                                        <p:tgtEl>
+                                          <p:spTgt spid="3">
+                                            <p:txEl>
+                                              <p:pRg st="0" end="0"/>
+                                            </p:txEl>
+                                          </p:spTgt>
+                                        </p:tgtEl>
+                                        <p:attrNameLst>
+                                          <p:attrName>style.visibility</p:attrName>
+                                        </p:attrNameLst>
+                                      </p:cBhvr>
+                                      <p:to>
+                                        <p:strVal val="visible"/>
+                                      </p:to>
+                                    </p:set>
+                                    <p:animEffect transition="in" filter="fade">
+                                      <p:cBhvr>
+                                        <p:cTn id="7" dur="500"/>
+                                        <p:tgtEl>
+                                          <p:spTgt spid="3">
+                                            <p:txEl>
+                                              <p:pRg st="0" end="0"/>
+                                            </p:txEl>
+                                          </p:spTgt>
+                                        </p:tgtEl>
+                                      </p:cBhvr>
+                                    </p:animEffect>
+                                  </p:childTnLst>
+                                </p:cTn>
+                              </p:par>
+                            </p:childTnLst>
+                          </p:cTn>
+                        </p:par>
+                      </p:childTnLst>
+                    </p:cTn>
+                  </p:par>
+                  <p:par>
+                    <p:cTn id="8" fill="hold">
+                      <p:stCondLst>
+                        <p:cond delay="indefinite"/>
+                      </p:stCondLst>
+                      <p:childTnLst>
+                        <p:par>
+                          <p:cTn id="9" fill="hold">
+                            <p:stCondLst>
+                              <p:cond delay="0"/>
+                            </p:stCondLst>
+                            <p:childTnLst>
+                              <p:par>
+                                <p:cTn id="10" presetID="10" presetClass="entr" presetSubtype="0" fill="hold" grpId="0" nodeType="clickEffect">
+                                  <p:stCondLst>
+                                    <p:cond delay="0"/>
+                                  </p:stCondLst>
+                                  <p:childTnLst>
+                                    <p:set>
+                                      <p:cBhvr>
+                                        <p:cTn id="11" dur="1" fill="hold">
+                                          <p:stCondLst>
+                                            <p:cond delay="0"/>
+                                          </p:stCondLst>
+                                        </p:cTn>
+                                        <p:tgtEl>
+                                          <p:spTgt spid="3">
+                                            <p:txEl>
+                                              <p:pRg st="1" end="1"/>
+                                            </p:txEl>
+                                          </p:spTgt>
+                                        </p:tgtEl>
+                                        <p:attrNameLst>
+                                          <p:attrName>style.visibility</p:attrName>
+                                        </p:attrNameLst>
+                                      </p:cBhvr>
+                                      <p:to>
+                                        <p:strVal val="visible"/>
+                                      </p:to>
+                                    </p:set>
+                                    <p:animEffect transition="in" filter="fade">
+                                      <p:cBhvr>
+                                        <p:cTn id="12" dur="500"/>
+                                        <p:tgtEl>
+                                          <p:spTgt spid="3">
+                                            <p:txEl>
+                                              <p:pRg st="1" end="1"/>
+                                            </p:txEl>
+                                          </p:spTgt>
+                                        </p:tgtEl>
+                                      </p:cBhvr>
+                                    </p:animEffect>
+                                  </p:childTnLst>
+                                </p:cTn>
+                              </p:par>
+                              <p:par>
+                                <p:cTn id="13" presetID="10" presetClass="entr" presetSubtype="0" fill="hold" grpId="0" nodeType="withEffect">
+                                  <p:stCondLst>
+                                    <p:cond delay="0"/>
+                                  </p:stCondLst>
+                                  <p:childTnLst>
+                                    <p:set>
+                                      <p:cBhvr>
+                                        <p:cTn id="14" dur="1" fill="hold">
+                                          <p:stCondLst>
+                                            <p:cond delay="0"/>
+                                          </p:stCondLst>
+                                        </p:cTn>
+                                        <p:tgtEl>
+                                          <p:spTgt spid="3">
+                                            <p:txEl>
+                                              <p:pRg st="2" end="2"/>
+                                            </p:txEl>
+                                          </p:spTgt>
+                                        </p:tgtEl>
+                                        <p:attrNameLst>
+                                          <p:attrName>style.visibility</p:attrName>
+                                        </p:attrNameLst>
+                                      </p:cBhvr>
+                                      <p:to>
+                                        <p:strVal val="visible"/>
+                                      </p:to>
+                                    </p:set>
+                                    <p:animEffect transition="in" filter="fade">
+                                      <p:cBhvr>
+                                        <p:cTn id="15" dur="500"/>
+                                        <p:tgtEl>
+                                          <p:spTgt spid="3">
+                                            <p:txEl>
+                                              <p:pRg st="2" end="2"/>
+                                            </p:txEl>
+                                          </p:spTgt>
+                                        </p:tgtEl>
+                                      </p:cBhvr>
+                                    </p:animEffect>
+                                  </p:childTnLst>
+                                </p:cTn>
+                              </p:par>
+                              <p:par>
+                                <p:cTn id="16" presetID="10" presetClass="entr" presetSubtype="0" fill="hold" grpId="0" nodeType="withEffect">
+                                  <p:stCondLst>
+                                    <p:cond delay="0"/>
+                                  </p:stCondLst>
+                                  <p:childTnLst>
+                                    <p:set>
+                                      <p:cBhvr>
+                                        <p:cTn id="17" dur="1" fill="hold">
+                                          <p:stCondLst>
+                                            <p:cond delay="0"/>
+                                          </p:stCondLst>
+                                        </p:cTn>
+                                        <p:tgtEl>
+                                          <p:spTgt spid="3">
+                                            <p:txEl>
+                                              <p:pRg st="3" end="3"/>
+                                            </p:txEl>
+                                          </p:spTgt>
+                                        </p:tgtEl>
+                                        <p:attrNameLst>
+                                          <p:attrName>style.visibility</p:attrName>
+                                        </p:attrNameLst>
+                                      </p:cBhvr>
+                                      <p:to>
+                                        <p:strVal val="visible"/>
+                                      </p:to>
+                                    </p:set>
+                                    <p:animEffect transition="in" filter="fade">
+                                      <p:cBhvr>
+                                        <p:cTn id="18" dur="500"/>
+                                        <p:tgtEl>
+                                          <p:spTgt spid="3">
+                                            <p:txEl>
+                                              <p:pRg st="3" end="3"/>
+                                            </p:txEl>
+                                          </p:spTgt>
+                                        </p:tgtEl>
+                                      </p:cBhvr>
+                                    </p:animEffect>
+                                  </p:childTnLst>
+                                </p:cTn>
+                              </p:par>
+                            </p:childTnLst>
+                          </p:cTn>
+                        </p:par>
+                      </p:childTnLst>
+                    </p:cTn>
+                  </p:par>
+                  <p:par>
+                    <p:cTn id="19" fill="hold">
+                      <p:stCondLst>
+                        <p:cond delay="indefinite"/>
+                      </p:stCondLst>
+                      <p:childTnLst>
+                        <p:par>
+                          <p:cTn id="20" fill="hold">
+                            <p:stCondLst>
+                              <p:cond delay="0"/>
+                            </p:stCondLst>
+                            <p:childTnLst>
+                              <p:par>
+                                <p:cTn id="21" presetID="10" presetClass="entr" presetSubtype="0" fill="hold" grpId="0" nodeType="clickEffect">
+                                  <p:stCondLst>
+                                    <p:cond delay="0"/>
+                                  </p:stCondLst>
+                                  <p:childTnLst>
+                                    <p:set>
+                                      <p:cBhvr>
+                                        <p:cTn id="22" dur="1" fill="hold">
+                                          <p:stCondLst>
+                                            <p:cond delay="0"/>
+                                          </p:stCondLst>
+                                        </p:cTn>
+                                        <p:tgtEl>
+                                          <p:spTgt spid="3">
+                                            <p:txEl>
+                                              <p:pRg st="4" end="4"/>
+                                            </p:txEl>
+                                          </p:spTgt>
+                                        </p:tgtEl>
+                                        <p:attrNameLst>
+                                          <p:attrName>style.visibility</p:attrName>
+                                        </p:attrNameLst>
+                                      </p:cBhvr>
+                                      <p:to>
+                                        <p:strVal val="visible"/>
+                                      </p:to>
+                                    </p:set>
+                                    <p:animEffect transition="in" filter="fade">
+                                      <p:cBhvr>
+                                        <p:cTn id="23" dur="500"/>
+                                        <p:tgtEl>
+                                          <p:spTgt spid="3">
+                                            <p:txEl>
+                                              <p:pRg st="4" end="4"/>
+                                            </p:txEl>
+                                          </p:spTgt>
+                                        </p:tgtEl>
+                                      </p:cBhvr>
+                                    </p:animEffect>
+                                  </p:childTnLst>
+                                </p:cTn>
+                              </p:par>
+                              <p:par>
+                                <p:cTn id="24" presetID="10" presetClass="entr" presetSubtype="0" fill="hold" grpId="0" nodeType="withEffect">
+                                  <p:stCondLst>
+                                    <p:cond delay="0"/>
+                                  </p:stCondLst>
+                                  <p:childTnLst>
+                                    <p:set>
+                                      <p:cBhvr>
+                                        <p:cTn id="25" dur="1" fill="hold">
+                                          <p:stCondLst>
+                                            <p:cond delay="0"/>
+                                          </p:stCondLst>
+                                        </p:cTn>
+                                        <p:tgtEl>
+                                          <p:spTgt spid="3">
+                                            <p:txEl>
+                                              <p:pRg st="5" end="5"/>
+                                            </p:txEl>
+                                          </p:spTgt>
+                                        </p:tgtEl>
+                                        <p:attrNameLst>
+                                          <p:attrName>style.visibility</p:attrName>
+                                        </p:attrNameLst>
+                                      </p:cBhvr>
+                                      <p:to>
+                                        <p:strVal val="visible"/>
+                                      </p:to>
+                                    </p:set>
+                                    <p:animEffect transition="in" filter="fade">
+                                      <p:cBhvr>
+                                        <p:cTn id="26" dur="500"/>
+                                        <p:tgtEl>
+                                          <p:spTgt spid="3">
+                                            <p:txEl>
+                                              <p:pRg st="5" end="5"/>
+                                            </p:txEl>
+                                          </p:spTgt>
+                                        </p:tgtEl>
+                                      </p:cBhvr>
+                                    </p:animEffect>
+                                  </p:childTnLst>
+                                </p:cTn>
+                              </p:par>
+                              <p:par>
+                                <p:cTn id="27" presetID="10" presetClass="entr" presetSubtype="0" fill="hold" grpId="0" nodeType="withEffect">
+                                  <p:stCondLst>
+                                    <p:cond delay="0"/>
+                                  </p:stCondLst>
+                                  <p:childTnLst>
+                                    <p:set>
+                                      <p:cBhvr>
+                                        <p:cTn id="28" dur="1" fill="hold">
+                                          <p:stCondLst>
+                                            <p:cond delay="0"/>
+                                          </p:stCondLst>
+                                        </p:cTn>
+                                        <p:tgtEl>
+                                          <p:spTgt spid="3">
+                                            <p:txEl>
+                                              <p:pRg st="6" end="6"/>
+                                            </p:txEl>
+                                          </p:spTgt>
+                                        </p:tgtEl>
+                                        <p:attrNameLst>
+                                          <p:attrName>style.visibility</p:attrName>
+                                        </p:attrNameLst>
+                                      </p:cBhvr>
+                                      <p:to>
+                                        <p:strVal val="visible"/>
+                                      </p:to>
+                                    </p:set>
+                                    <p:animEffect transition="in" filter="fade">
+                                      <p:cBhvr>
+                                        <p:cTn id="29" dur="500"/>
+                                        <p:tgtEl>
+                                          <p:spTgt spid="3">
+                                            <p:txEl>
+                                              <p:pRg st="6" end="6"/>
+                                            </p:txEl>
+                                          </p:spTgt>
+                                        </p:tgtEl>
+                                      </p:cBhvr>
+                                    </p:animEffect>
+                                  </p:childTnLst>
+                                </p:cTn>
+                              </p:par>
+                              <p:par>
+                                <p:cTn id="30" presetID="10" presetClass="entr" presetSubtype="0" fill="hold" grpId="0" nodeType="withEffect">
+                                  <p:stCondLst>
+                                    <p:cond delay="0"/>
+                                  </p:stCondLst>
+                                  <p:childTnLst>
+                                    <p:set>
+                                      <p:cBhvr>
+                                        <p:cTn id="31" dur="1" fill="hold">
+                                          <p:stCondLst>
+                                            <p:cond delay="0"/>
+                                          </p:stCondLst>
+                                        </p:cTn>
+                                        <p:tgtEl>
+                                          <p:spTgt spid="3">
+                                            <p:txEl>
+                                              <p:pRg st="7" end="7"/>
+                                            </p:txEl>
+                                          </p:spTgt>
+                                        </p:tgtEl>
+                                        <p:attrNameLst>
+                                          <p:attrName>style.visibility</p:attrName>
+                                        </p:attrNameLst>
+                                      </p:cBhvr>
+                                      <p:to>
+                                        <p:strVal val="visible"/>
+                                      </p:to>
+                                    </p:set>
+                                    <p:animEffect transition="in" filter="fade">
+                                      <p:cBhvr>
+                                        <p:cTn id="32" dur="500"/>
+                                        <p:tgtEl>
+                                          <p:spTgt spid="3">
+                                            <p:txEl>
+                                              <p:pRg st="7" end="7"/>
+                                            </p:txEl>
+                                          </p:spTgt>
+                                        </p:tgtEl>
+                                      </p:cBhvr>
+                                    </p:animEffect>
+                                  </p:childTnLst>
+                                </p:cTn>
+                              </p:par>
+                            </p:childTnLst>
+                          </p:cTn>
+                        </p:par>
+                      </p:childTnLst>
+                    </p:cTn>
+                  </p:par>
+                </p:childTnLst>
+              </p:cTn>
+              <p:prevCondLst>
+                <p:cond evt="onPrev" delay="0">
+                  <p:tgtEl>
+                    <p:sldTgt/>
+                  </p:tgtEl>
+                </p:cond>
+              </p:prevCondLst>
+              <p:nextCondLst>
+                <p:cond evt="onNext" delay="0">
+                  <p:tgtEl>
+                    <p:sldTgt/>
+                  </p:tgtEl>
+                </p:cond>
+              </p:nextCondLst>
+            </p:seq>
+          </p:childTnLst>
+        </p:cTn>
+      </p:par>
+    </p:tnLst>
+    <p:bldLst>
+      <p:bldP spid="3" grpId="0" build="p"/>
+    </p:bldLst>
+  </p:timing>
+</p:sld>
+</file>
+
+<file path=ppt/slides/slide25.xml><?xml version="1.0" encoding="utf-8"?>
+<p:sld xmlns:a="http://schemas.openxmlformats.org/drawingml/2006/main" xmlns:r="http://schemas.openxmlformats.org/officeDocument/2006/relationships" xmlns:p="http://schemas.openxmlformats.org/presentationml/2006/main">
+  <p:cSld>
+    <p:spTree>
+      <p:nvGrpSpPr>
+        <p:cNvPr id="1" name=""/>
+        <p:cNvGrpSpPr/>
+        <p:nvPr/>
+      </p:nvGrpSpPr>
+      <p:grpSpPr>
+        <a:xfrm>
+          <a:off x="0" y="0"/>
+          <a:ext cx="0" cy="0"/>
+          <a:chOff x="0" y="0"/>
+          <a:chExt cx="0" cy="0"/>
+        </a:xfrm>
+      </p:grpSpPr>
+      <p:sp>
+        <p:nvSpPr>
+          <p:cNvPr id="2" name="Title 1">
+            <a:extLst>
+              <a:ext uri="{FF2B5EF4-FFF2-40B4-BE49-F238E27FC236}">
+                <a16:creationId xmlns:a16="http://schemas.microsoft.com/office/drawing/2014/main" id="{26AFA8D6-8CF9-4D6D-AC30-A5504074897A}"/>
+              </a:ext>
+            </a:extLst>
+          </p:cNvPr>
+          <p:cNvSpPr>
+            <a:spLocks noGrp="1"/>
+          </p:cNvSpPr>
+          <p:nvPr>
+            <p:ph type="title"/>
+          </p:nvPr>
+        </p:nvSpPr>
+        <p:spPr/>
+        <p:txBody>
+          <a:bodyPr/>
+          <a:lstStyle/>
+          <a:p>
+            <a:r>
+              <a:rPr lang="en-US" dirty="0"/>
+              <a:t>Containers and Development (Continued)</a:t>
+            </a:r>
+          </a:p>
+        </p:txBody>
+      </p:sp>
+      <p:sp>
+        <p:nvSpPr>
+          <p:cNvPr id="3" name="Content Placeholder 2">
+            <a:extLst>
+              <a:ext uri="{FF2B5EF4-FFF2-40B4-BE49-F238E27FC236}">
+                <a16:creationId xmlns:a16="http://schemas.microsoft.com/office/drawing/2014/main" id="{51892F45-8456-4EAF-BC73-F78EF9921B1C}"/>
+              </a:ext>
+            </a:extLst>
+          </p:cNvPr>
+          <p:cNvSpPr>
+            <a:spLocks noGrp="1"/>
+          </p:cNvSpPr>
+          <p:nvPr>
+            <p:ph idx="1"/>
+          </p:nvPr>
+        </p:nvSpPr>
+        <p:spPr>
+          <a:xfrm>
+            <a:off x="581192" y="2180496"/>
+            <a:ext cx="11029615" cy="4161938"/>
+          </a:xfrm>
+        </p:spPr>
+        <p:txBody>
+          <a:bodyPr>
+            <a:normAutofit/>
+          </a:bodyPr>
+          <a:lstStyle/>
+          <a:p>
+            <a:r>
+              <a:rPr lang="en-US" dirty="0"/>
+              <a:t>Provides a true “all in one” environment to the developer, without manual intervention</a:t>
+            </a:r>
+          </a:p>
+          <a:p>
+            <a:r>
+              <a:rPr lang="en-US" dirty="0"/>
+              <a:t>The local environment can be </a:t>
+            </a:r>
+            <a:r>
+              <a:rPr lang="en-US" i="1" dirty="0"/>
+              <a:t>extremely</a:t>
+            </a:r>
+            <a:r>
+              <a:rPr lang="en-US" dirty="0"/>
+              <a:t> similar to downstream environments</a:t>
+            </a:r>
+          </a:p>
+          <a:p>
+            <a:r>
+              <a:rPr lang="en-US" dirty="0"/>
+              <a:t>When adding features or bugfixes, you can debug inside the </a:t>
+            </a:r>
+            <a:r>
+              <a:rPr lang="en-US" dirty="0" err="1"/>
+              <a:t>containerResources</a:t>
+            </a:r>
+            <a:r>
+              <a:rPr lang="en-US" dirty="0"/>
+              <a:t> are only consumed when running the application</a:t>
+            </a:r>
+          </a:p>
+          <a:p>
+            <a:endParaRPr lang="en-US" dirty="0"/>
+          </a:p>
+        </p:txBody>
+      </p:sp>
+    </p:spTree>
+    <p:extLst>
+      <p:ext uri="{BB962C8B-B14F-4D97-AF65-F5344CB8AC3E}">
+        <p14:creationId xmlns:p14="http://schemas.microsoft.com/office/powerpoint/2010/main" val="862020846"/>
+      </p:ext>
+    </p:extLst>
+  </p:cSld>
+  <p:clrMapOvr>
+    <a:masterClrMapping/>
+  </p:clrMapOvr>
+  <p:timing>
+    <p:tnLst>
+      <p:par>
+        <p:cTn id="1" dur="indefinite" restart="never" nodeType="tmRoot">
+          <p:childTnLst>
+            <p:seq concurrent="1" nextAc="seek">
+              <p:cTn id="2" dur="indefinite" nodeType="mainSeq">
+                <p:childTnLst>
+                  <p:par>
+                    <p:cTn id="3" fill="hold">
+                      <p:stCondLst>
+                        <p:cond delay="indefinite"/>
+                      </p:stCondLst>
+                      <p:childTnLst>
+                        <p:par>
+                          <p:cTn id="4" fill="hold">
+                            <p:stCondLst>
+                              <p:cond delay="0"/>
+                            </p:stCondLst>
+                            <p:childTnLst>
+                              <p:par>
+                                <p:cTn id="5" presetID="10" presetClass="entr" presetSubtype="0" fill="hold" grpId="0" nodeType="clickEffect">
+                                  <p:stCondLst>
+                                    <p:cond delay="0"/>
+                                  </p:stCondLst>
+                                  <p:childTnLst>
+                                    <p:set>
+                                      <p:cBhvr>
+                                        <p:cTn id="6" dur="1" fill="hold">
+                                          <p:stCondLst>
+                                            <p:cond delay="0"/>
+                                          </p:stCondLst>
+                                        </p:cTn>
+                                        <p:tgtEl>
+                                          <p:spTgt spid="3">
+                                            <p:txEl>
+                                              <p:pRg st="0" end="0"/>
+                                            </p:txEl>
+                                          </p:spTgt>
+                                        </p:tgtEl>
+                                        <p:attrNameLst>
+                                          <p:attrName>style.visibility</p:attrName>
+                                        </p:attrNameLst>
+                                      </p:cBhvr>
+                                      <p:to>
+                                        <p:strVal val="visible"/>
+                                      </p:to>
+                                    </p:set>
+                                    <p:animEffect transition="in" filter="fade">
+                                      <p:cBhvr>
+                                        <p:cTn id="7" dur="500"/>
+                                        <p:tgtEl>
+                                          <p:spTgt spid="3">
+                                            <p:txEl>
+                                              <p:pRg st="0" end="0"/>
+                                            </p:txEl>
+                                          </p:spTgt>
+                                        </p:tgtEl>
+                                      </p:cBhvr>
+                                    </p:animEffect>
+                                  </p:childTnLst>
+                                </p:cTn>
+                              </p:par>
+                            </p:childTnLst>
+                          </p:cTn>
+                        </p:par>
+                      </p:childTnLst>
+                    </p:cTn>
+                  </p:par>
+                  <p:par>
+                    <p:cTn id="8" fill="hold">
+                      <p:stCondLst>
+                        <p:cond delay="indefinite"/>
+                      </p:stCondLst>
+                      <p:childTnLst>
+                        <p:par>
+                          <p:cTn id="9" fill="hold">
+                            <p:stCondLst>
+                              <p:cond delay="0"/>
+                            </p:stCondLst>
+                            <p:childTnLst>
+                              <p:par>
+                                <p:cTn id="10" presetID="10" presetClass="entr" presetSubtype="0" fill="hold" grpId="0" nodeType="clickEffect">
+                                  <p:stCondLst>
+                                    <p:cond delay="0"/>
+                                  </p:stCondLst>
+                                  <p:childTnLst>
+                                    <p:set>
+                                      <p:cBhvr>
+                                        <p:cTn id="11" dur="1" fill="hold">
+                                          <p:stCondLst>
+                                            <p:cond delay="0"/>
+                                          </p:stCondLst>
+                                        </p:cTn>
+                                        <p:tgtEl>
+                                          <p:spTgt spid="3">
+                                            <p:txEl>
+                                              <p:pRg st="1" end="1"/>
+                                            </p:txEl>
+                                          </p:spTgt>
+                                        </p:tgtEl>
+                                        <p:attrNameLst>
+                                          <p:attrName>style.visibility</p:attrName>
+                                        </p:attrNameLst>
+                                      </p:cBhvr>
+                                      <p:to>
+                                        <p:strVal val="visible"/>
+                                      </p:to>
+                                    </p:set>
+                                    <p:animEffect transition="in" filter="fade">
+                                      <p:cBhvr>
+                                        <p:cTn id="12" dur="500"/>
+                                        <p:tgtEl>
+                                          <p:spTgt spid="3">
+                                            <p:txEl>
+                                              <p:pRg st="1" end="1"/>
+                                            </p:txEl>
+                                          </p:spTgt>
+                                        </p:tgtEl>
+                                      </p:cBhvr>
+                                    </p:animEffect>
+                                  </p:childTnLst>
+                                </p:cTn>
+                              </p:par>
+                            </p:childTnLst>
+                          </p:cTn>
+                        </p:par>
+                      </p:childTnLst>
+                    </p:cTn>
+                  </p:par>
+                  <p:par>
+                    <p:cTn id="13" fill="hold">
+                      <p:stCondLst>
+                        <p:cond delay="indefinite"/>
+                      </p:stCondLst>
+                      <p:childTnLst>
+                        <p:par>
+                          <p:cTn id="14" fill="hold">
+                            <p:stCondLst>
+                              <p:cond delay="0"/>
+                            </p:stCondLst>
+                            <p:childTnLst>
+                              <p:par>
+                                <p:cTn id="15" presetID="10" presetClass="entr" presetSubtype="0" fill="hold" grpId="0" nodeType="clickEffect">
+                                  <p:stCondLst>
+                                    <p:cond delay="0"/>
+                                  </p:stCondLst>
+                                  <p:childTnLst>
+                                    <p:set>
+                                      <p:cBhvr>
+                                        <p:cTn id="16" dur="1" fill="hold">
+                                          <p:stCondLst>
+                                            <p:cond delay="0"/>
+                                          </p:stCondLst>
+                                        </p:cTn>
+                                        <p:tgtEl>
+                                          <p:spTgt spid="3">
+                                            <p:txEl>
+                                              <p:pRg st="2" end="2"/>
+                                            </p:txEl>
+                                          </p:spTgt>
+                                        </p:tgtEl>
+                                        <p:attrNameLst>
+                                          <p:attrName>style.visibility</p:attrName>
+                                        </p:attrNameLst>
+                                      </p:cBhvr>
+                                      <p:to>
+                                        <p:strVal val="visible"/>
+                                      </p:to>
+                                    </p:set>
+                                    <p:animEffect transition="in" filter="fade">
+                                      <p:cBhvr>
+                                        <p:cTn id="17" dur="500"/>
+                                        <p:tgtEl>
+                                          <p:spTgt spid="3">
+                                            <p:txEl>
+                                              <p:pRg st="2" end="2"/>
+                                            </p:txEl>
+                                          </p:spTgt>
+                                        </p:tgtEl>
+                                      </p:cBhvr>
+                                    </p:animEffect>
+                                  </p:childTnLst>
+                                </p:cTn>
+                              </p:par>
+                            </p:childTnLst>
+                          </p:cTn>
+                        </p:par>
+                      </p:childTnLst>
+                    </p:cTn>
+                  </p:par>
+                </p:childTnLst>
+              </p:cTn>
+              <p:prevCondLst>
+                <p:cond evt="onPrev" delay="0">
+                  <p:tgtEl>
+                    <p:sldTgt/>
+                  </p:tgtEl>
+                </p:cond>
+              </p:prevCondLst>
+              <p:nextCondLst>
+                <p:cond evt="onNext" delay="0">
+                  <p:tgtEl>
+                    <p:sldTgt/>
+                  </p:tgtEl>
+                </p:cond>
+              </p:nextCondLst>
+            </p:seq>
+          </p:childTnLst>
+        </p:cTn>
+      </p:par>
+    </p:tnLst>
+    <p:bldLst>
+      <p:bldP spid="3" grpId="0" build="p"/>
+    </p:bldLst>
+  </p:timing>
+</p:sld>
+</file>
+
+<file path=ppt/slides/slide26.xml><?xml version="1.0" encoding="utf-8"?>
+<p:sld xmlns:a="http://schemas.openxmlformats.org/drawingml/2006/main" xmlns:r="http://schemas.openxmlformats.org/officeDocument/2006/relationships" xmlns:p="http://schemas.openxmlformats.org/presentationml/2006/main">
+  <p:cSld>
+    <p:spTree>
+      <p:nvGrpSpPr>
+        <p:cNvPr id="1" name=""/>
+        <p:cNvGrpSpPr/>
+        <p:nvPr/>
+      </p:nvGrpSpPr>
+      <p:grpSpPr>
+        <a:xfrm>
+          <a:off x="0" y="0"/>
+          <a:ext cx="0" cy="0"/>
+          <a:chOff x="0" y="0"/>
+          <a:chExt cx="0" cy="0"/>
+        </a:xfrm>
+      </p:grpSpPr>
+      <p:sp>
+        <p:nvSpPr>
+          <p:cNvPr id="2" name="Title 1">
+            <a:extLst>
+              <a:ext uri="{FF2B5EF4-FFF2-40B4-BE49-F238E27FC236}">
+                <a16:creationId xmlns:a16="http://schemas.microsoft.com/office/drawing/2014/main" id="{26AFA8D6-8CF9-4D6D-AC30-A5504074897A}"/>
+              </a:ext>
+            </a:extLst>
+          </p:cNvPr>
+          <p:cNvSpPr>
+            <a:spLocks noGrp="1"/>
+          </p:cNvSpPr>
+          <p:nvPr>
+            <p:ph type="title"/>
+          </p:nvPr>
+        </p:nvSpPr>
+        <p:spPr/>
+        <p:txBody>
+          <a:bodyPr/>
+          <a:lstStyle/>
+          <a:p>
+            <a:r>
+              <a:rPr lang="en-US" dirty="0"/>
+              <a:t>Containers and </a:t>
+            </a:r>
+            <a:r>
+              <a:rPr lang="en-US" dirty="0" err="1"/>
+              <a:t>Devops</a:t>
+            </a:r>
+            <a:r>
+              <a:rPr lang="en-US" dirty="0"/>
+              <a:t> / Release Management</a:t>
+            </a:r>
+          </a:p>
+        </p:txBody>
+      </p:sp>
+      <p:sp>
+        <p:nvSpPr>
+          <p:cNvPr id="3" name="Content Placeholder 2">
+            <a:extLst>
+              <a:ext uri="{FF2B5EF4-FFF2-40B4-BE49-F238E27FC236}">
+                <a16:creationId xmlns:a16="http://schemas.microsoft.com/office/drawing/2014/main" id="{51892F45-8456-4EAF-BC73-F78EF9921B1C}"/>
+              </a:ext>
+            </a:extLst>
+          </p:cNvPr>
+          <p:cNvSpPr>
+            <a:spLocks noGrp="1"/>
+          </p:cNvSpPr>
+          <p:nvPr>
+            <p:ph idx="1"/>
+          </p:nvPr>
+        </p:nvSpPr>
+        <p:spPr>
+          <a:xfrm>
+            <a:off x="581192" y="2180496"/>
+            <a:ext cx="11029615" cy="4161938"/>
+          </a:xfrm>
+        </p:spPr>
+        <p:txBody>
+          <a:bodyPr>
+            <a:normAutofit/>
+          </a:bodyPr>
+          <a:lstStyle/>
+          <a:p>
+            <a:r>
+              <a:rPr lang="en-US" dirty="0"/>
+              <a:t>The result of our build goes in a container registry.</a:t>
+            </a:r>
+          </a:p>
+          <a:p>
+            <a:r>
+              <a:rPr lang="en-US" dirty="0"/>
+              <a:t>Deployment is </a:t>
+            </a:r>
+            <a:r>
+              <a:rPr lang="en-US" i="1" dirty="0"/>
+              <a:t>extremely</a:t>
+            </a:r>
+            <a:r>
+              <a:rPr lang="en-US" dirty="0"/>
+              <a:t> fast.</a:t>
+            </a:r>
+          </a:p>
+          <a:p>
+            <a:r>
+              <a:rPr lang="en-US" dirty="0"/>
+              <a:t>Startup is </a:t>
+            </a:r>
+            <a:r>
+              <a:rPr lang="en-US" i="1" dirty="0"/>
+              <a:t>extremely</a:t>
+            </a:r>
+            <a:r>
+              <a:rPr lang="en-US" dirty="0"/>
+              <a:t> fast.</a:t>
+            </a:r>
+          </a:p>
+          <a:p>
+            <a:r>
+              <a:rPr lang="en-US" dirty="0"/>
+              <a:t>The container is 100% consistent in all environments.</a:t>
+            </a:r>
+          </a:p>
+          <a:p>
+            <a:r>
+              <a:rPr lang="en-US" dirty="0"/>
+              <a:t>Only configuration needs to change.</a:t>
+            </a:r>
+          </a:p>
+          <a:p>
+            <a:pPr lvl="1"/>
+            <a:r>
+              <a:rPr lang="en-US" dirty="0"/>
+              <a:t>This is only done when building containers from images.</a:t>
+            </a:r>
+          </a:p>
+          <a:p>
+            <a:r>
+              <a:rPr lang="en-US" dirty="0"/>
+              <a:t>Server density can be extremely high.</a:t>
+            </a:r>
+          </a:p>
+          <a:p>
+            <a:r>
+              <a:rPr lang="en-US" dirty="0"/>
+              <a:t>Reduced cost of hardware and OS licensing</a:t>
+            </a:r>
+          </a:p>
+          <a:p>
+            <a:r>
+              <a:rPr lang="en-US" dirty="0"/>
+              <a:t>Reduced maintenance burden</a:t>
+            </a:r>
+          </a:p>
+          <a:p>
+            <a:r>
+              <a:rPr lang="en-US" dirty="0"/>
+              <a:t>Much more rapid iterations</a:t>
+            </a:r>
+          </a:p>
+        </p:txBody>
+      </p:sp>
+    </p:spTree>
+    <p:extLst>
+      <p:ext uri="{BB962C8B-B14F-4D97-AF65-F5344CB8AC3E}">
+        <p14:creationId xmlns:p14="http://schemas.microsoft.com/office/powerpoint/2010/main" val="2111260394"/>
+      </p:ext>
+    </p:extLst>
+  </p:cSld>
+  <p:clrMapOvr>
+    <a:masterClrMapping/>
+  </p:clrMapOvr>
+  <p:timing>
+    <p:tnLst>
+      <p:par>
+        <p:cTn id="1" dur="indefinite" restart="never" nodeType="tmRoot">
+          <p:childTnLst>
+            <p:seq concurrent="1" nextAc="seek">
+              <p:cTn id="2" dur="indefinite" nodeType="mainSeq">
+                <p:childTnLst>
+                  <p:par>
+                    <p:cTn id="3" fill="hold">
+                      <p:stCondLst>
+                        <p:cond delay="indefinite"/>
+                      </p:stCondLst>
+                      <p:childTnLst>
+                        <p:par>
+                          <p:cTn id="4" fill="hold">
+                            <p:stCondLst>
+                              <p:cond delay="0"/>
+                            </p:stCondLst>
+                            <p:childTnLst>
+                              <p:par>
+                                <p:cTn id="5" presetID="10" presetClass="entr" presetSubtype="0" fill="hold" grpId="0" nodeType="clickEffect">
+                                  <p:stCondLst>
+                                    <p:cond delay="0"/>
+                                  </p:stCondLst>
+                                  <p:childTnLst>
+                                    <p:set>
+                                      <p:cBhvr>
+                                        <p:cTn id="6" dur="1" fill="hold">
+                                          <p:stCondLst>
+                                            <p:cond delay="0"/>
+                                          </p:stCondLst>
+                                        </p:cTn>
+                                        <p:tgtEl>
+                                          <p:spTgt spid="3">
+                                            <p:txEl>
+                                              <p:pRg st="0" end="0"/>
+                                            </p:txEl>
+                                          </p:spTgt>
+                                        </p:tgtEl>
+                                        <p:attrNameLst>
+                                          <p:attrName>style.visibility</p:attrName>
+                                        </p:attrNameLst>
+                                      </p:cBhvr>
+                                      <p:to>
+                                        <p:strVal val="visible"/>
+                                      </p:to>
+                                    </p:set>
+                                    <p:animEffect transition="in" filter="fade">
+                                      <p:cBhvr>
+                                        <p:cTn id="7" dur="500"/>
+                                        <p:tgtEl>
+                                          <p:spTgt spid="3">
+                                            <p:txEl>
+                                              <p:pRg st="0" end="0"/>
+                                            </p:txEl>
+                                          </p:spTgt>
+                                        </p:tgtEl>
+                                      </p:cBhvr>
+                                    </p:animEffect>
+                                  </p:childTnLst>
+                                </p:cTn>
+                              </p:par>
+                            </p:childTnLst>
+                          </p:cTn>
+                        </p:par>
+                      </p:childTnLst>
+                    </p:cTn>
+                  </p:par>
+                  <p:par>
+                    <p:cTn id="8" fill="hold">
+                      <p:stCondLst>
+                        <p:cond delay="indefinite"/>
+                      </p:stCondLst>
+                      <p:childTnLst>
+                        <p:par>
+                          <p:cTn id="9" fill="hold">
+                            <p:stCondLst>
+                              <p:cond delay="0"/>
+                            </p:stCondLst>
+                            <p:childTnLst>
+                              <p:par>
+                                <p:cTn id="10" presetID="10" presetClass="entr" presetSubtype="0" fill="hold" grpId="0" nodeType="clickEffect">
+                                  <p:stCondLst>
+                                    <p:cond delay="0"/>
+                                  </p:stCondLst>
+                                  <p:childTnLst>
+                                    <p:set>
+                                      <p:cBhvr>
+                                        <p:cTn id="11" dur="1" fill="hold">
+                                          <p:stCondLst>
+                                            <p:cond delay="0"/>
+                                          </p:stCondLst>
+                                        </p:cTn>
+                                        <p:tgtEl>
+                                          <p:spTgt spid="3">
+                                            <p:txEl>
+                                              <p:pRg st="1" end="1"/>
+                                            </p:txEl>
+                                          </p:spTgt>
+                                        </p:tgtEl>
+                                        <p:attrNameLst>
+                                          <p:attrName>style.visibility</p:attrName>
+                                        </p:attrNameLst>
+                                      </p:cBhvr>
+                                      <p:to>
+                                        <p:strVal val="visible"/>
+                                      </p:to>
+                                    </p:set>
+                                    <p:animEffect transition="in" filter="fade">
+                                      <p:cBhvr>
+                                        <p:cTn id="12" dur="500"/>
+                                        <p:tgtEl>
+                                          <p:spTgt spid="3">
+                                            <p:txEl>
+                                              <p:pRg st="1" end="1"/>
+                                            </p:txEl>
+                                          </p:spTgt>
+                                        </p:tgtEl>
+                                      </p:cBhvr>
+                                    </p:animEffect>
+                                  </p:childTnLst>
+                                </p:cTn>
+                              </p:par>
+                            </p:childTnLst>
+                          </p:cTn>
+                        </p:par>
+                      </p:childTnLst>
+                    </p:cTn>
+                  </p:par>
+                  <p:par>
+                    <p:cTn id="13" fill="hold">
+                      <p:stCondLst>
+                        <p:cond delay="indefinite"/>
+                      </p:stCondLst>
+                      <p:childTnLst>
+                        <p:par>
+                          <p:cTn id="14" fill="hold">
+                            <p:stCondLst>
+                              <p:cond delay="0"/>
+                            </p:stCondLst>
+                            <p:childTnLst>
+                              <p:par>
+                                <p:cTn id="15" presetID="10" presetClass="entr" presetSubtype="0" fill="hold" grpId="0" nodeType="clickEffect">
+                                  <p:stCondLst>
+                                    <p:cond delay="0"/>
+                                  </p:stCondLst>
+                                  <p:childTnLst>
+                                    <p:set>
+                                      <p:cBhvr>
+                                        <p:cTn id="16" dur="1" fill="hold">
+                                          <p:stCondLst>
+                                            <p:cond delay="0"/>
+                                          </p:stCondLst>
+                                        </p:cTn>
+                                        <p:tgtEl>
+                                          <p:spTgt spid="3">
+                                            <p:txEl>
+                                              <p:pRg st="2" end="2"/>
+                                            </p:txEl>
+                                          </p:spTgt>
+                                        </p:tgtEl>
+                                        <p:attrNameLst>
+                                          <p:attrName>style.visibility</p:attrName>
+                                        </p:attrNameLst>
+                                      </p:cBhvr>
+                                      <p:to>
+                                        <p:strVal val="visible"/>
+                                      </p:to>
+                                    </p:set>
+                                    <p:animEffect transition="in" filter="fade">
+                                      <p:cBhvr>
+                                        <p:cTn id="17" dur="500"/>
+                                        <p:tgtEl>
+                                          <p:spTgt spid="3">
+                                            <p:txEl>
+                                              <p:pRg st="2" end="2"/>
+                                            </p:txEl>
+                                          </p:spTgt>
+                                        </p:tgtEl>
+                                      </p:cBhvr>
+                                    </p:animEffect>
+                                  </p:childTnLst>
+                                </p:cTn>
+                              </p:par>
+                            </p:childTnLst>
+                          </p:cTn>
+                        </p:par>
+                      </p:childTnLst>
+                    </p:cTn>
+                  </p:par>
+                  <p:par>
+                    <p:cTn id="18" fill="hold">
+                      <p:stCondLst>
+                        <p:cond delay="indefinite"/>
+                      </p:stCondLst>
+                      <p:childTnLst>
+                        <p:par>
+                          <p:cTn id="19" fill="hold">
+                            <p:stCondLst>
+                              <p:cond delay="0"/>
+                            </p:stCondLst>
+                            <p:childTnLst>
+                              <p:par>
+                                <p:cTn id="20" presetID="10" presetClass="entr" presetSubtype="0" fill="hold" grpId="0" nodeType="clickEffect">
+                                  <p:stCondLst>
+                                    <p:cond delay="0"/>
+                                  </p:stCondLst>
+                                  <p:childTnLst>
+                                    <p:set>
+                                      <p:cBhvr>
+                                        <p:cTn id="21" dur="1" fill="hold">
+                                          <p:stCondLst>
+                                            <p:cond delay="0"/>
+                                          </p:stCondLst>
+                                        </p:cTn>
+                                        <p:tgtEl>
+                                          <p:spTgt spid="3">
+                                            <p:txEl>
+                                              <p:pRg st="3" end="3"/>
+                                            </p:txEl>
+                                          </p:spTgt>
+                                        </p:tgtEl>
+                                        <p:attrNameLst>
+                                          <p:attrName>style.visibility</p:attrName>
+                                        </p:attrNameLst>
+                                      </p:cBhvr>
+                                      <p:to>
+                                        <p:strVal val="visible"/>
+                                      </p:to>
+                                    </p:set>
+                                    <p:animEffect transition="in" filter="fade">
+                                      <p:cBhvr>
+                                        <p:cTn id="22" dur="500"/>
+                                        <p:tgtEl>
+                                          <p:spTgt spid="3">
+                                            <p:txEl>
+                                              <p:pRg st="3" end="3"/>
+                                            </p:txEl>
+                                          </p:spTgt>
+                                        </p:tgtEl>
+                                      </p:cBhvr>
+                                    </p:animEffect>
+                                  </p:childTnLst>
+                                </p:cTn>
+                              </p:par>
+                            </p:childTnLst>
+                          </p:cTn>
+                        </p:par>
+                      </p:childTnLst>
+                    </p:cTn>
+                  </p:par>
+                  <p:par>
+                    <p:cTn id="23" fill="hold">
+                      <p:stCondLst>
+                        <p:cond delay="indefinite"/>
+                      </p:stCondLst>
+                      <p:childTnLst>
+                        <p:par>
+                          <p:cTn id="24" fill="hold">
+                            <p:stCondLst>
+                              <p:cond delay="0"/>
+                            </p:stCondLst>
+                            <p:childTnLst>
+                              <p:par>
+                                <p:cTn id="25" presetID="10" presetClass="entr" presetSubtype="0" fill="hold" grpId="0" nodeType="clickEffect">
+                                  <p:stCondLst>
+                                    <p:cond delay="0"/>
+                                  </p:stCondLst>
+                                  <p:childTnLst>
+                                    <p:set>
+                                      <p:cBhvr>
+                                        <p:cTn id="26" dur="1" fill="hold">
+                                          <p:stCondLst>
+                                            <p:cond delay="0"/>
+                                          </p:stCondLst>
+                                        </p:cTn>
+                                        <p:tgtEl>
+                                          <p:spTgt spid="3">
+                                            <p:txEl>
+                                              <p:pRg st="4" end="4"/>
+                                            </p:txEl>
+                                          </p:spTgt>
+                                        </p:tgtEl>
+                                        <p:attrNameLst>
+                                          <p:attrName>style.visibility</p:attrName>
+                                        </p:attrNameLst>
+                                      </p:cBhvr>
+                                      <p:to>
+                                        <p:strVal val="visible"/>
+                                      </p:to>
+                                    </p:set>
+                                    <p:animEffect transition="in" filter="fade">
+                                      <p:cBhvr>
+                                        <p:cTn id="27" dur="500"/>
+                                        <p:tgtEl>
+                                          <p:spTgt spid="3">
+                                            <p:txEl>
+                                              <p:pRg st="4" end="4"/>
+                                            </p:txEl>
+                                          </p:spTgt>
+                                        </p:tgtEl>
+                                      </p:cBhvr>
+                                    </p:animEffect>
+                                  </p:childTnLst>
+                                </p:cTn>
+                              </p:par>
+                              <p:par>
+                                <p:cTn id="28" presetID="10" presetClass="entr" presetSubtype="0" fill="hold" grpId="0" nodeType="withEffect">
+                                  <p:stCondLst>
+                                    <p:cond delay="0"/>
+                                  </p:stCondLst>
+                                  <p:childTnLst>
+                                    <p:set>
+                                      <p:cBhvr>
+                                        <p:cTn id="29" dur="1" fill="hold">
+                                          <p:stCondLst>
+                                            <p:cond delay="0"/>
+                                          </p:stCondLst>
+                                        </p:cTn>
+                                        <p:tgtEl>
+                                          <p:spTgt spid="3">
+                                            <p:txEl>
+                                              <p:pRg st="5" end="5"/>
+                                            </p:txEl>
+                                          </p:spTgt>
+                                        </p:tgtEl>
+                                        <p:attrNameLst>
+                                          <p:attrName>style.visibility</p:attrName>
+                                        </p:attrNameLst>
+                                      </p:cBhvr>
+                                      <p:to>
+                                        <p:strVal val="visible"/>
+                                      </p:to>
+                                    </p:set>
+                                    <p:animEffect transition="in" filter="fade">
+                                      <p:cBhvr>
+                                        <p:cTn id="30" dur="500"/>
+                                        <p:tgtEl>
+                                          <p:spTgt spid="3">
+                                            <p:txEl>
+                                              <p:pRg st="5" end="5"/>
+                                            </p:txEl>
+                                          </p:spTgt>
+                                        </p:tgtEl>
+                                      </p:cBhvr>
+                                    </p:animEffect>
+                                  </p:childTnLst>
+                                </p:cTn>
+                              </p:par>
+                            </p:childTnLst>
+                          </p:cTn>
+                        </p:par>
+                      </p:childTnLst>
+                    </p:cTn>
+                  </p:par>
+                  <p:par>
+                    <p:cTn id="31" fill="hold">
+                      <p:stCondLst>
+                        <p:cond delay="indefinite"/>
+                      </p:stCondLst>
+                      <p:childTnLst>
+                        <p:par>
+                          <p:cTn id="32" fill="hold">
+                            <p:stCondLst>
+                              <p:cond delay="0"/>
+                            </p:stCondLst>
+                            <p:childTnLst>
+                              <p:par>
+                                <p:cTn id="33" presetID="10" presetClass="entr" presetSubtype="0" fill="hold" grpId="0" nodeType="clickEffect">
+                                  <p:stCondLst>
+                                    <p:cond delay="0"/>
+                                  </p:stCondLst>
+                                  <p:childTnLst>
+                                    <p:set>
+                                      <p:cBhvr>
+                                        <p:cTn id="34" dur="1" fill="hold">
+                                          <p:stCondLst>
+                                            <p:cond delay="0"/>
+                                          </p:stCondLst>
+                                        </p:cTn>
+                                        <p:tgtEl>
+                                          <p:spTgt spid="3">
+                                            <p:txEl>
+                                              <p:pRg st="6" end="6"/>
+                                            </p:txEl>
+                                          </p:spTgt>
+                                        </p:tgtEl>
+                                        <p:attrNameLst>
+                                          <p:attrName>style.visibility</p:attrName>
+                                        </p:attrNameLst>
+                                      </p:cBhvr>
+                                      <p:to>
+                                        <p:strVal val="visible"/>
+                                      </p:to>
+                                    </p:set>
+                                    <p:animEffect transition="in" filter="fade">
+                                      <p:cBhvr>
+                                        <p:cTn id="35" dur="500"/>
+                                        <p:tgtEl>
+                                          <p:spTgt spid="3">
+                                            <p:txEl>
+                                              <p:pRg st="6" end="6"/>
+                                            </p:txEl>
+                                          </p:spTgt>
+                                        </p:tgtEl>
+                                      </p:cBhvr>
+                                    </p:animEffect>
+                                  </p:childTnLst>
+                                </p:cTn>
+                              </p:par>
+                            </p:childTnLst>
+                          </p:cTn>
+                        </p:par>
+                      </p:childTnLst>
+                    </p:cTn>
+                  </p:par>
+                  <p:par>
+                    <p:cTn id="36" fill="hold">
+                      <p:stCondLst>
+                        <p:cond delay="indefinite"/>
+                      </p:stCondLst>
+                      <p:childTnLst>
+                        <p:par>
+                          <p:cTn id="37" fill="hold">
+                            <p:stCondLst>
+                              <p:cond delay="0"/>
+                            </p:stCondLst>
+                            <p:childTnLst>
+                              <p:par>
+                                <p:cTn id="38" presetID="10" presetClass="entr" presetSubtype="0" fill="hold" grpId="0" nodeType="clickEffect">
+                                  <p:stCondLst>
+                                    <p:cond delay="0"/>
+                                  </p:stCondLst>
+                                  <p:childTnLst>
+                                    <p:set>
+                                      <p:cBhvr>
+                                        <p:cTn id="39" dur="1" fill="hold">
+                                          <p:stCondLst>
+                                            <p:cond delay="0"/>
+                                          </p:stCondLst>
+                                        </p:cTn>
+                                        <p:tgtEl>
+                                          <p:spTgt spid="3">
+                                            <p:txEl>
+                                              <p:pRg st="7" end="7"/>
+                                            </p:txEl>
+                                          </p:spTgt>
+                                        </p:tgtEl>
+                                        <p:attrNameLst>
+                                          <p:attrName>style.visibility</p:attrName>
+                                        </p:attrNameLst>
+                                      </p:cBhvr>
+                                      <p:to>
+                                        <p:strVal val="visible"/>
+                                      </p:to>
+                                    </p:set>
+                                    <p:animEffect transition="in" filter="fade">
+                                      <p:cBhvr>
+                                        <p:cTn id="40" dur="500"/>
+                                        <p:tgtEl>
+                                          <p:spTgt spid="3">
+                                            <p:txEl>
+                                              <p:pRg st="7" end="7"/>
+                                            </p:txEl>
+                                          </p:spTgt>
+                                        </p:tgtEl>
+                                      </p:cBhvr>
+                                    </p:animEffect>
+                                  </p:childTnLst>
+                                </p:cTn>
+                              </p:par>
+                            </p:childTnLst>
+                          </p:cTn>
+                        </p:par>
+                      </p:childTnLst>
+                    </p:cTn>
+                  </p:par>
+                  <p:par>
+                    <p:cTn id="41" fill="hold">
+                      <p:stCondLst>
+                        <p:cond delay="indefinite"/>
+                      </p:stCondLst>
+                      <p:childTnLst>
+                        <p:par>
+                          <p:cTn id="42" fill="hold">
+                            <p:stCondLst>
+                              <p:cond delay="0"/>
+                            </p:stCondLst>
+                            <p:childTnLst>
+                              <p:par>
+                                <p:cTn id="43" presetID="10" presetClass="entr" presetSubtype="0" fill="hold" grpId="0" nodeType="clickEffect">
+                                  <p:stCondLst>
+                                    <p:cond delay="0"/>
+                                  </p:stCondLst>
+                                  <p:childTnLst>
+                                    <p:set>
+                                      <p:cBhvr>
+                                        <p:cTn id="44" dur="1" fill="hold">
+                                          <p:stCondLst>
+                                            <p:cond delay="0"/>
+                                          </p:stCondLst>
+                                        </p:cTn>
+                                        <p:tgtEl>
+                                          <p:spTgt spid="3">
+                                            <p:txEl>
+                                              <p:pRg st="8" end="8"/>
+                                            </p:txEl>
+                                          </p:spTgt>
+                                        </p:tgtEl>
+                                        <p:attrNameLst>
+                                          <p:attrName>style.visibility</p:attrName>
+                                        </p:attrNameLst>
+                                      </p:cBhvr>
+                                      <p:to>
+                                        <p:strVal val="visible"/>
+                                      </p:to>
+                                    </p:set>
+                                    <p:animEffect transition="in" filter="fade">
+                                      <p:cBhvr>
+                                        <p:cTn id="45" dur="500"/>
+                                        <p:tgtEl>
+                                          <p:spTgt spid="3">
+                                            <p:txEl>
+                                              <p:pRg st="8" end="8"/>
+                                            </p:txEl>
+                                          </p:spTgt>
+                                        </p:tgtEl>
+                                      </p:cBhvr>
+                                    </p:animEffect>
+                                  </p:childTnLst>
+                                </p:cTn>
+                              </p:par>
+                            </p:childTnLst>
+                          </p:cTn>
+                        </p:par>
+                      </p:childTnLst>
+                    </p:cTn>
+                  </p:par>
+                  <p:par>
+                    <p:cTn id="46" fill="hold">
+                      <p:stCondLst>
+                        <p:cond delay="indefinite"/>
+                      </p:stCondLst>
+                      <p:childTnLst>
+                        <p:par>
+                          <p:cTn id="47" fill="hold">
+                            <p:stCondLst>
+                              <p:cond delay="0"/>
+                            </p:stCondLst>
+                            <p:childTnLst>
+                              <p:par>
+                                <p:cTn id="48" presetID="10" presetClass="entr" presetSubtype="0" fill="hold" grpId="0" nodeType="clickEffect">
+                                  <p:stCondLst>
+                                    <p:cond delay="0"/>
+                                  </p:stCondLst>
+                                  <p:childTnLst>
+                                    <p:set>
+                                      <p:cBhvr>
+                                        <p:cTn id="49" dur="1" fill="hold">
+                                          <p:stCondLst>
+                                            <p:cond delay="0"/>
+                                          </p:stCondLst>
+                                        </p:cTn>
+                                        <p:tgtEl>
+                                          <p:spTgt spid="3">
+                                            <p:txEl>
+                                              <p:pRg st="9" end="9"/>
+                                            </p:txEl>
+                                          </p:spTgt>
+                                        </p:tgtEl>
+                                        <p:attrNameLst>
+                                          <p:attrName>style.visibility</p:attrName>
+                                        </p:attrNameLst>
+                                      </p:cBhvr>
+                                      <p:to>
+                                        <p:strVal val="visible"/>
+                                      </p:to>
+                                    </p:set>
+                                    <p:animEffect transition="in" filter="fade">
+                                      <p:cBhvr>
+                                        <p:cTn id="50" dur="500"/>
+                                        <p:tgtEl>
+                                          <p:spTgt spid="3">
+                                            <p:txEl>
+                                              <p:pRg st="9" end="9"/>
+                                            </p:txEl>
+                                          </p:spTgt>
+                                        </p:tgtEl>
+                                      </p:cBhvr>
+                                    </p:animEffect>
+                                  </p:childTnLst>
+                                </p:cTn>
+                              </p:par>
+                            </p:childTnLst>
+                          </p:cTn>
+                        </p:par>
+                      </p:childTnLst>
+                    </p:cTn>
+                  </p:par>
+                </p:childTnLst>
+              </p:cTn>
+              <p:prevCondLst>
+                <p:cond evt="onPrev" delay="0">
+                  <p:tgtEl>
+                    <p:sldTgt/>
+                  </p:tgtEl>
+                </p:cond>
+              </p:prevCondLst>
+              <p:nextCondLst>
+                <p:cond evt="onNext" delay="0">
+                  <p:tgtEl>
+                    <p:sldTgt/>
+                  </p:tgtEl>
+                </p:cond>
+              </p:nextCondLst>
+            </p:seq>
+          </p:childTnLst>
+        </p:cTn>
+      </p:par>
+    </p:tnLst>
+    <p:bldLst>
+      <p:bldP spid="3" grpId="0" build="p"/>
+    </p:bldLst>
+  </p:timing>
+</p:sld>
+</file>
+
+<file path=ppt/slides/slide27.xml><?xml version="1.0" encoding="utf-8"?>
+<p:sld xmlns:a="http://schemas.openxmlformats.org/drawingml/2006/main" xmlns:r="http://schemas.openxmlformats.org/officeDocument/2006/relationships" xmlns:p="http://schemas.openxmlformats.org/presentationml/2006/main">
+  <p:cSld>
+    <p:spTree>
+      <p:nvGrpSpPr>
+        <p:cNvPr id="1" name=""/>
+        <p:cNvGrpSpPr/>
+        <p:nvPr/>
+      </p:nvGrpSpPr>
+      <p:grpSpPr>
+        <a:xfrm>
+          <a:off x="0" y="0"/>
+          <a:ext cx="0" cy="0"/>
+          <a:chOff x="0" y="0"/>
+          <a:chExt cx="0" cy="0"/>
+        </a:xfrm>
+      </p:grpSpPr>
+      <p:sp>
+        <p:nvSpPr>
+          <p:cNvPr id="2" name="Title 1">
+            <a:extLst>
+              <a:ext uri="{FF2B5EF4-FFF2-40B4-BE49-F238E27FC236}">
+                <a16:creationId xmlns:a16="http://schemas.microsoft.com/office/drawing/2014/main" id="{26AFA8D6-8CF9-4D6D-AC30-A5504074897A}"/>
+              </a:ext>
+            </a:extLst>
+          </p:cNvPr>
+          <p:cNvSpPr>
+            <a:spLocks noGrp="1"/>
+          </p:cNvSpPr>
+          <p:nvPr>
+            <p:ph type="title"/>
+          </p:nvPr>
+        </p:nvSpPr>
+        <p:spPr/>
+        <p:txBody>
+          <a:bodyPr/>
+          <a:lstStyle/>
+          <a:p>
+            <a:r>
+              <a:rPr lang="en-US" dirty="0"/>
+              <a:t>Containers and Operations</a:t>
+            </a:r>
+          </a:p>
+        </p:txBody>
+      </p:sp>
+      <p:sp>
+        <p:nvSpPr>
+          <p:cNvPr id="3" name="Content Placeholder 2">
+            <a:extLst>
+              <a:ext uri="{FF2B5EF4-FFF2-40B4-BE49-F238E27FC236}">
+                <a16:creationId xmlns:a16="http://schemas.microsoft.com/office/drawing/2014/main" id="{51892F45-8456-4EAF-BC73-F78EF9921B1C}"/>
+              </a:ext>
+            </a:extLst>
+          </p:cNvPr>
+          <p:cNvSpPr>
+            <a:spLocks noGrp="1"/>
+          </p:cNvSpPr>
+          <p:nvPr>
+            <p:ph idx="1"/>
+          </p:nvPr>
+        </p:nvSpPr>
+        <p:spPr>
+          <a:xfrm>
+            <a:off x="581192" y="2180496"/>
+            <a:ext cx="11029615" cy="4161938"/>
+          </a:xfrm>
+        </p:spPr>
+        <p:txBody>
+          <a:bodyPr>
+            <a:normAutofit/>
+          </a:bodyPr>
+          <a:lstStyle/>
+          <a:p>
+            <a:r>
+              <a:rPr lang="en-US" dirty="0"/>
+              <a:t>Reduced infrastructure cost</a:t>
+            </a:r>
+          </a:p>
+          <a:p>
+            <a:r>
+              <a:rPr lang="en-US" dirty="0"/>
+              <a:t>Tight control of container images</a:t>
+            </a:r>
+          </a:p>
+          <a:p>
+            <a:r>
+              <a:rPr lang="en-US" dirty="0"/>
+              <a:t>Security auditing</a:t>
+            </a:r>
+          </a:p>
+          <a:p>
+            <a:r>
+              <a:rPr lang="en-US" dirty="0"/>
+              <a:t>Required certification of applications</a:t>
+            </a:r>
+          </a:p>
+          <a:p>
+            <a:r>
+              <a:rPr lang="en-US" dirty="0"/>
+              <a:t>Excellent tools for automatic scaling</a:t>
+            </a:r>
+          </a:p>
+          <a:p>
+            <a:r>
+              <a:rPr lang="en-US" dirty="0"/>
+              <a:t>Reduced maintenance burden</a:t>
+            </a:r>
+          </a:p>
+          <a:p>
+            <a:endParaRPr lang="en-US" dirty="0"/>
+          </a:p>
+        </p:txBody>
+      </p:sp>
+    </p:spTree>
+    <p:extLst>
+      <p:ext uri="{BB962C8B-B14F-4D97-AF65-F5344CB8AC3E}">
+        <p14:creationId xmlns:p14="http://schemas.microsoft.com/office/powerpoint/2010/main" val="3648727292"/>
+      </p:ext>
+    </p:extLst>
+  </p:cSld>
+  <p:clrMapOvr>
+    <a:masterClrMapping/>
+  </p:clrMapOvr>
+  <p:timing>
+    <p:tnLst>
+      <p:par>
+        <p:cTn id="1" dur="indefinite" restart="never" nodeType="tmRoot">
+          <p:childTnLst>
+            <p:seq concurrent="1" nextAc="seek">
+              <p:cTn id="2" dur="indefinite" nodeType="mainSeq">
+                <p:childTnLst>
+                  <p:par>
+                    <p:cTn id="3" fill="hold">
+                      <p:stCondLst>
+                        <p:cond delay="indefinite"/>
+                      </p:stCondLst>
+                      <p:childTnLst>
+                        <p:par>
+                          <p:cTn id="4" fill="hold">
+                            <p:stCondLst>
+                              <p:cond delay="0"/>
+                            </p:stCondLst>
+                            <p:childTnLst>
+                              <p:par>
+                                <p:cTn id="5" presetID="10" presetClass="entr" presetSubtype="0" fill="hold" grpId="0" nodeType="clickEffect">
+                                  <p:stCondLst>
+                                    <p:cond delay="0"/>
+                                  </p:stCondLst>
+                                  <p:childTnLst>
+                                    <p:set>
+                                      <p:cBhvr>
+                                        <p:cTn id="6" dur="1" fill="hold">
+                                          <p:stCondLst>
+                                            <p:cond delay="0"/>
+                                          </p:stCondLst>
+                                        </p:cTn>
+                                        <p:tgtEl>
+                                          <p:spTgt spid="3">
+                                            <p:txEl>
+                                              <p:pRg st="0" end="0"/>
+                                            </p:txEl>
+                                          </p:spTgt>
+                                        </p:tgtEl>
+                                        <p:attrNameLst>
+                                          <p:attrName>style.visibility</p:attrName>
+                                        </p:attrNameLst>
+                                      </p:cBhvr>
+                                      <p:to>
+                                        <p:strVal val="visible"/>
+                                      </p:to>
+                                    </p:set>
+                                    <p:animEffect transition="in" filter="fade">
+                                      <p:cBhvr>
+                                        <p:cTn id="7" dur="500"/>
+                                        <p:tgtEl>
+                                          <p:spTgt spid="3">
+                                            <p:txEl>
+                                              <p:pRg st="0" end="0"/>
+                                            </p:txEl>
+                                          </p:spTgt>
+                                        </p:tgtEl>
+                                      </p:cBhvr>
+                                    </p:animEffect>
+                                  </p:childTnLst>
+                                </p:cTn>
+                              </p:par>
+                            </p:childTnLst>
+                          </p:cTn>
+                        </p:par>
+                      </p:childTnLst>
+                    </p:cTn>
+                  </p:par>
+                  <p:par>
+                    <p:cTn id="8" fill="hold">
+                      <p:stCondLst>
+                        <p:cond delay="indefinite"/>
+                      </p:stCondLst>
+                      <p:childTnLst>
+                        <p:par>
+                          <p:cTn id="9" fill="hold">
+                            <p:stCondLst>
+                              <p:cond delay="0"/>
+                            </p:stCondLst>
+                            <p:childTnLst>
+                              <p:par>
+                                <p:cTn id="10" presetID="10" presetClass="entr" presetSubtype="0" fill="hold" grpId="0" nodeType="clickEffect">
+                                  <p:stCondLst>
+                                    <p:cond delay="0"/>
+                                  </p:stCondLst>
+                                  <p:childTnLst>
+                                    <p:set>
+                                      <p:cBhvr>
+                                        <p:cTn id="11" dur="1" fill="hold">
+                                          <p:stCondLst>
+                                            <p:cond delay="0"/>
+                                          </p:stCondLst>
+                                        </p:cTn>
+                                        <p:tgtEl>
+                                          <p:spTgt spid="3">
+                                            <p:txEl>
+                                              <p:pRg st="1" end="1"/>
+                                            </p:txEl>
+                                          </p:spTgt>
+                                        </p:tgtEl>
+                                        <p:attrNameLst>
+                                          <p:attrName>style.visibility</p:attrName>
+                                        </p:attrNameLst>
+                                      </p:cBhvr>
+                                      <p:to>
+                                        <p:strVal val="visible"/>
+                                      </p:to>
+                                    </p:set>
+                                    <p:animEffect transition="in" filter="fade">
+                                      <p:cBhvr>
+                                        <p:cTn id="12" dur="500"/>
+                                        <p:tgtEl>
+                                          <p:spTgt spid="3">
+                                            <p:txEl>
+                                              <p:pRg st="1" end="1"/>
+                                            </p:txEl>
+                                          </p:spTgt>
+                                        </p:tgtEl>
+                                      </p:cBhvr>
+                                    </p:animEffect>
+                                  </p:childTnLst>
+                                </p:cTn>
+                              </p:par>
+                            </p:childTnLst>
+                          </p:cTn>
+                        </p:par>
+                      </p:childTnLst>
+                    </p:cTn>
+                  </p:par>
+                  <p:par>
+                    <p:cTn id="13" fill="hold">
+                      <p:stCondLst>
+                        <p:cond delay="indefinite"/>
+                      </p:stCondLst>
+                      <p:childTnLst>
+                        <p:par>
+                          <p:cTn id="14" fill="hold">
+                            <p:stCondLst>
+                              <p:cond delay="0"/>
+                            </p:stCondLst>
+                            <p:childTnLst>
+                              <p:par>
+                                <p:cTn id="15" presetID="10" presetClass="entr" presetSubtype="0" fill="hold" grpId="0" nodeType="clickEffect">
+                                  <p:stCondLst>
+                                    <p:cond delay="0"/>
+                                  </p:stCondLst>
+                                  <p:childTnLst>
+                                    <p:set>
+                                      <p:cBhvr>
+                                        <p:cTn id="16" dur="1" fill="hold">
+                                          <p:stCondLst>
+                                            <p:cond delay="0"/>
+                                          </p:stCondLst>
+                                        </p:cTn>
+                                        <p:tgtEl>
+                                          <p:spTgt spid="3">
+                                            <p:txEl>
+                                              <p:pRg st="2" end="2"/>
+                                            </p:txEl>
+                                          </p:spTgt>
+                                        </p:tgtEl>
+                                        <p:attrNameLst>
+                                          <p:attrName>style.visibility</p:attrName>
+                                        </p:attrNameLst>
+                                      </p:cBhvr>
+                                      <p:to>
+                                        <p:strVal val="visible"/>
+                                      </p:to>
+                                    </p:set>
+                                    <p:animEffect transition="in" filter="fade">
+                                      <p:cBhvr>
+                                        <p:cTn id="17" dur="500"/>
+                                        <p:tgtEl>
+                                          <p:spTgt spid="3">
+                                            <p:txEl>
+                                              <p:pRg st="2" end="2"/>
+                                            </p:txEl>
+                                          </p:spTgt>
+                                        </p:tgtEl>
+                                      </p:cBhvr>
+                                    </p:animEffect>
+                                  </p:childTnLst>
+                                </p:cTn>
+                              </p:par>
+                            </p:childTnLst>
+                          </p:cTn>
+                        </p:par>
+                      </p:childTnLst>
+                    </p:cTn>
+                  </p:par>
+                  <p:par>
+                    <p:cTn id="18" fill="hold">
+                      <p:stCondLst>
+                        <p:cond delay="indefinite"/>
+                      </p:stCondLst>
+                      <p:childTnLst>
+                        <p:par>
+                          <p:cTn id="19" fill="hold">
+                            <p:stCondLst>
+                              <p:cond delay="0"/>
+                            </p:stCondLst>
+                            <p:childTnLst>
+                              <p:par>
+                                <p:cTn id="20" presetID="10" presetClass="entr" presetSubtype="0" fill="hold" grpId="0" nodeType="clickEffect">
+                                  <p:stCondLst>
+                                    <p:cond delay="0"/>
+                                  </p:stCondLst>
+                                  <p:childTnLst>
+                                    <p:set>
+                                      <p:cBhvr>
+                                        <p:cTn id="21" dur="1" fill="hold">
+                                          <p:stCondLst>
+                                            <p:cond delay="0"/>
+                                          </p:stCondLst>
+                                        </p:cTn>
+                                        <p:tgtEl>
+                                          <p:spTgt spid="3">
+                                            <p:txEl>
+                                              <p:pRg st="3" end="3"/>
+                                            </p:txEl>
+                                          </p:spTgt>
+                                        </p:tgtEl>
+                                        <p:attrNameLst>
+                                          <p:attrName>style.visibility</p:attrName>
+                                        </p:attrNameLst>
+                                      </p:cBhvr>
+                                      <p:to>
+                                        <p:strVal val="visible"/>
+                                      </p:to>
+                                    </p:set>
+                                    <p:animEffect transition="in" filter="fade">
+                                      <p:cBhvr>
+                                        <p:cTn id="22" dur="500"/>
+                                        <p:tgtEl>
+                                          <p:spTgt spid="3">
+                                            <p:txEl>
+                                              <p:pRg st="3" end="3"/>
+                                            </p:txEl>
+                                          </p:spTgt>
+                                        </p:tgtEl>
+                                      </p:cBhvr>
+                                    </p:animEffect>
+                                  </p:childTnLst>
+                                </p:cTn>
+                              </p:par>
+                            </p:childTnLst>
+                          </p:cTn>
+                        </p:par>
+                      </p:childTnLst>
+                    </p:cTn>
+                  </p:par>
+                  <p:par>
+                    <p:cTn id="23" fill="hold">
+                      <p:stCondLst>
+                        <p:cond delay="indefinite"/>
+                      </p:stCondLst>
+                      <p:childTnLst>
+                        <p:par>
+                          <p:cTn id="24" fill="hold">
+                            <p:stCondLst>
+                              <p:cond delay="0"/>
+                            </p:stCondLst>
+                            <p:childTnLst>
+                              <p:par>
+                                <p:cTn id="25" presetID="10" presetClass="entr" presetSubtype="0" fill="hold" grpId="0" nodeType="clickEffect">
+                                  <p:stCondLst>
+                                    <p:cond delay="0"/>
+                                  </p:stCondLst>
+                                  <p:childTnLst>
+                                    <p:set>
+                                      <p:cBhvr>
+                                        <p:cTn id="26" dur="1" fill="hold">
+                                          <p:stCondLst>
+                                            <p:cond delay="0"/>
+                                          </p:stCondLst>
+                                        </p:cTn>
+                                        <p:tgtEl>
+                                          <p:spTgt spid="3">
+                                            <p:txEl>
+                                              <p:pRg st="4" end="4"/>
+                                            </p:txEl>
+                                          </p:spTgt>
+                                        </p:tgtEl>
+                                        <p:attrNameLst>
+                                          <p:attrName>style.visibility</p:attrName>
+                                        </p:attrNameLst>
+                                      </p:cBhvr>
+                                      <p:to>
+                                        <p:strVal val="visible"/>
+                                      </p:to>
+                                    </p:set>
+                                    <p:animEffect transition="in" filter="fade">
+                                      <p:cBhvr>
+                                        <p:cTn id="27" dur="500"/>
+                                        <p:tgtEl>
+                                          <p:spTgt spid="3">
+                                            <p:txEl>
+                                              <p:pRg st="4" end="4"/>
+                                            </p:txEl>
+                                          </p:spTgt>
+                                        </p:tgtEl>
+                                      </p:cBhvr>
+                                    </p:animEffect>
+                                  </p:childTnLst>
+                                </p:cTn>
+                              </p:par>
+                            </p:childTnLst>
+                          </p:cTn>
+                        </p:par>
+                      </p:childTnLst>
+                    </p:cTn>
+                  </p:par>
+                  <p:par>
+                    <p:cTn id="28" fill="hold">
+                      <p:stCondLst>
+                        <p:cond delay="indefinite"/>
+                      </p:stCondLst>
+                      <p:childTnLst>
+                        <p:par>
+                          <p:cTn id="29" fill="hold">
+                            <p:stCondLst>
+                              <p:cond delay="0"/>
+                            </p:stCondLst>
+                            <p:childTnLst>
+                              <p:par>
+                                <p:cTn id="30" presetID="10" presetClass="entr" presetSubtype="0" fill="hold" grpId="0" nodeType="clickEffect">
+                                  <p:stCondLst>
+                                    <p:cond delay="0"/>
+                                  </p:stCondLst>
+                                  <p:childTnLst>
+                                    <p:set>
+                                      <p:cBhvr>
+                                        <p:cTn id="31" dur="1" fill="hold">
+                                          <p:stCondLst>
+                                            <p:cond delay="0"/>
+                                          </p:stCondLst>
+                                        </p:cTn>
+                                        <p:tgtEl>
+                                          <p:spTgt spid="3">
+                                            <p:txEl>
+                                              <p:pRg st="5" end="5"/>
+                                            </p:txEl>
+                                          </p:spTgt>
+                                        </p:tgtEl>
+                                        <p:attrNameLst>
+                                          <p:attrName>style.visibility</p:attrName>
+                                        </p:attrNameLst>
+                                      </p:cBhvr>
+                                      <p:to>
+                                        <p:strVal val="visible"/>
+                                      </p:to>
+                                    </p:set>
+                                    <p:animEffect transition="in" filter="fade">
+                                      <p:cBhvr>
+                                        <p:cTn id="32" dur="500"/>
+                                        <p:tgtEl>
+                                          <p:spTgt spid="3">
+                                            <p:txEl>
+                                              <p:pRg st="5" end="5"/>
+                                            </p:txEl>
+                                          </p:spTgt>
+                                        </p:tgtEl>
+                                      </p:cBhvr>
+                                    </p:animEffect>
+                                  </p:childTnLst>
+                                </p:cTn>
+                              </p:par>
+                            </p:childTnLst>
+                          </p:cTn>
+                        </p:par>
+                      </p:childTnLst>
+                    </p:cTn>
+                  </p:par>
+                </p:childTnLst>
+              </p:cTn>
+              <p:prevCondLst>
+                <p:cond evt="onPrev" delay="0">
+                  <p:tgtEl>
+                    <p:sldTgt/>
+                  </p:tgtEl>
+                </p:cond>
+              </p:prevCondLst>
+              <p:nextCondLst>
+                <p:cond evt="onNext" delay="0">
+                  <p:tgtEl>
+                    <p:sldTgt/>
+                  </p:tgtEl>
+                </p:cond>
+              </p:nextCondLst>
+            </p:seq>
+          </p:childTnLst>
+        </p:cTn>
+      </p:par>
+    </p:tnLst>
+    <p:bldLst>
+      <p:bldP spid="3" grpId="0" build="p"/>
+    </p:bldLst>
+  </p:timing>
+</p:sld>
+</file>
+
 <file path=ppt/slides/slide3.xml><?xml version="1.0" encoding="utf-8"?>
 <p:sld xmlns:a="http://schemas.openxmlformats.org/drawingml/2006/main" xmlns:r="http://schemas.openxmlformats.org/officeDocument/2006/relationships" xmlns:p="http://schemas.openxmlformats.org/presentationml/2006/main">
   <p:cSld>

--- a/presentation/presentation.pptx
+++ b/presentation/presentation.pptx
@@ -5,7 +5,7 @@
     <p:sldMasterId id="2147483648" r:id="rId1"/>
   </p:sldMasterIdLst>
   <p:notesMasterIdLst>
-    <p:notesMasterId r:id="rId29"/>
+    <p:notesMasterId r:id="rId31"/>
   </p:notesMasterIdLst>
   <p:sldIdLst>
     <p:sldId id="258" r:id="rId2"/>
@@ -35,6 +35,8 @@
     <p:sldId id="287" r:id="rId26"/>
     <p:sldId id="286" r:id="rId27"/>
     <p:sldId id="288" r:id="rId28"/>
+    <p:sldId id="289" r:id="rId29"/>
+    <p:sldId id="290" r:id="rId30"/>
   </p:sldIdLst>
   <p:sldSz cx="12192000" cy="6858000"/>
   <p:notesSz cx="6858000" cy="9144000"/>
@@ -188,7 +190,10 @@
           </p14:sldIdLst>
         </p14:section>
         <p14:section name="A Look at Some Concerns" id="{BBBC4B94-5C39-44E3-86B7-9871E92F1E29}">
-          <p14:sldIdLst/>
+          <p14:sldIdLst>
+            <p14:sldId id="289"/>
+            <p14:sldId id="290"/>
+          </p14:sldIdLst>
         </p14:section>
         <p14:section name="A List of Solution Partners" id="{ABD582D2-A447-4F3C-85E6-E482AC8E3D64}">
           <p14:sldIdLst/>
@@ -23567,6 +23572,754 @@
 </p:sld>
 </file>
 
+<file path=ppt/slides/slide28.xml><?xml version="1.0" encoding="utf-8"?>
+<p:sld xmlns:a="http://schemas.openxmlformats.org/drawingml/2006/main" xmlns:r="http://schemas.openxmlformats.org/officeDocument/2006/relationships" xmlns:p="http://schemas.openxmlformats.org/presentationml/2006/main">
+  <p:cSld>
+    <p:spTree>
+      <p:nvGrpSpPr>
+        <p:cNvPr id="1" name=""/>
+        <p:cNvGrpSpPr/>
+        <p:nvPr/>
+      </p:nvGrpSpPr>
+      <p:grpSpPr>
+        <a:xfrm>
+          <a:off x="0" y="0"/>
+          <a:ext cx="0" cy="0"/>
+          <a:chOff x="0" y="0"/>
+          <a:chExt cx="0" cy="0"/>
+        </a:xfrm>
+      </p:grpSpPr>
+      <p:sp>
+        <p:nvSpPr>
+          <p:cNvPr id="2" name="Title 1">
+            <a:extLst>
+              <a:ext uri="{FF2B5EF4-FFF2-40B4-BE49-F238E27FC236}">
+                <a16:creationId xmlns:a16="http://schemas.microsoft.com/office/drawing/2014/main" id="{8B4E1453-231D-4FBF-AD51-B3D5F8B64C1B}"/>
+              </a:ext>
+            </a:extLst>
+          </p:cNvPr>
+          <p:cNvSpPr>
+            <a:spLocks noGrp="1"/>
+          </p:cNvSpPr>
+          <p:nvPr>
+            <p:ph type="title"/>
+          </p:nvPr>
+        </p:nvSpPr>
+        <p:spPr/>
+        <p:txBody>
+          <a:bodyPr/>
+          <a:lstStyle/>
+          <a:p>
+            <a:r>
+              <a:rPr lang="en-US" dirty="0"/>
+              <a:t>A Hard Look at Some Concerns</a:t>
+            </a:r>
+          </a:p>
+        </p:txBody>
+      </p:sp>
+      <p:sp>
+        <p:nvSpPr>
+          <p:cNvPr id="3" name="Text Placeholder 2">
+            <a:extLst>
+              <a:ext uri="{FF2B5EF4-FFF2-40B4-BE49-F238E27FC236}">
+                <a16:creationId xmlns:a16="http://schemas.microsoft.com/office/drawing/2014/main" id="{F5C95B7B-725A-4963-A223-054C65D79505}"/>
+              </a:ext>
+            </a:extLst>
+          </p:cNvPr>
+          <p:cNvSpPr>
+            <a:spLocks noGrp="1"/>
+          </p:cNvSpPr>
+          <p:nvPr>
+            <p:ph type="body" idx="1"/>
+          </p:nvPr>
+        </p:nvSpPr>
+        <p:spPr/>
+        <p:txBody>
+          <a:bodyPr/>
+          <a:lstStyle/>
+          <a:p>
+            <a:r>
+              <a:rPr lang="en-US" dirty="0"/>
+              <a:t>Where I Tell You To BE Cautious</a:t>
+            </a:r>
+          </a:p>
+        </p:txBody>
+      </p:sp>
+    </p:spTree>
+    <p:extLst>
+      <p:ext uri="{BB962C8B-B14F-4D97-AF65-F5344CB8AC3E}">
+        <p14:creationId xmlns:p14="http://schemas.microsoft.com/office/powerpoint/2010/main" val="1189758927"/>
+      </p:ext>
+    </p:extLst>
+  </p:cSld>
+  <p:clrMapOvr>
+    <a:masterClrMapping/>
+  </p:clrMapOvr>
+</p:sld>
+</file>
+
+<file path=ppt/slides/slide29.xml><?xml version="1.0" encoding="utf-8"?>
+<p:sld xmlns:a="http://schemas.openxmlformats.org/drawingml/2006/main" xmlns:r="http://schemas.openxmlformats.org/officeDocument/2006/relationships" xmlns:p="http://schemas.openxmlformats.org/presentationml/2006/main">
+  <p:cSld>
+    <p:spTree>
+      <p:nvGrpSpPr>
+        <p:cNvPr id="1" name=""/>
+        <p:cNvGrpSpPr/>
+        <p:nvPr/>
+      </p:nvGrpSpPr>
+      <p:grpSpPr>
+        <a:xfrm>
+          <a:off x="0" y="0"/>
+          <a:ext cx="0" cy="0"/>
+          <a:chOff x="0" y="0"/>
+          <a:chExt cx="0" cy="0"/>
+        </a:xfrm>
+      </p:grpSpPr>
+      <p:sp>
+        <p:nvSpPr>
+          <p:cNvPr id="2" name="Title 1">
+            <a:extLst>
+              <a:ext uri="{FF2B5EF4-FFF2-40B4-BE49-F238E27FC236}">
+                <a16:creationId xmlns:a16="http://schemas.microsoft.com/office/drawing/2014/main" id="{840A6550-AAA2-4E9F-B7E1-52D2806EFB50}"/>
+              </a:ext>
+            </a:extLst>
+          </p:cNvPr>
+          <p:cNvSpPr>
+            <a:spLocks noGrp="1"/>
+          </p:cNvSpPr>
+          <p:nvPr>
+            <p:ph type="title"/>
+          </p:nvPr>
+        </p:nvSpPr>
+        <p:spPr/>
+        <p:txBody>
+          <a:bodyPr/>
+          <a:lstStyle/>
+          <a:p>
+            <a:r>
+              <a:rPr lang="en-US" dirty="0"/>
+              <a:t>You Have An Awesome Staff!</a:t>
+            </a:r>
+          </a:p>
+        </p:txBody>
+      </p:sp>
+      <p:sp>
+        <p:nvSpPr>
+          <p:cNvPr id="3" name="Content Placeholder 2">
+            <a:extLst>
+              <a:ext uri="{FF2B5EF4-FFF2-40B4-BE49-F238E27FC236}">
+                <a16:creationId xmlns:a16="http://schemas.microsoft.com/office/drawing/2014/main" id="{978858B4-E6A6-46D8-883B-CE5DBAA7F72A}"/>
+              </a:ext>
+            </a:extLst>
+          </p:cNvPr>
+          <p:cNvSpPr>
+            <a:spLocks noGrp="1"/>
+          </p:cNvSpPr>
+          <p:nvPr>
+            <p:ph idx="1"/>
+          </p:nvPr>
+        </p:nvSpPr>
+        <p:spPr/>
+        <p:txBody>
+          <a:bodyPr>
+            <a:normAutofit/>
+          </a:bodyPr>
+          <a:lstStyle/>
+          <a:p>
+            <a:r>
+              <a:rPr lang="en-US" dirty="0"/>
+              <a:t>I wanted to do a proof of concept for the developer story with docker…</a:t>
+            </a:r>
+          </a:p>
+          <a:p>
+            <a:r>
+              <a:rPr lang="en-US" dirty="0"/>
+              <a:t>These guys already know how to handle:</a:t>
+            </a:r>
+          </a:p>
+          <a:p>
+            <a:pPr lvl="1"/>
+            <a:r>
+              <a:rPr lang="en-US" dirty="0"/>
+              <a:t>Application monitoring</a:t>
+            </a:r>
+          </a:p>
+          <a:p>
+            <a:pPr lvl="1"/>
+            <a:r>
+              <a:rPr lang="en-US" dirty="0"/>
+              <a:t>Application isolation</a:t>
+            </a:r>
+          </a:p>
+          <a:p>
+            <a:pPr lvl="1"/>
+            <a:r>
+              <a:rPr lang="en-US" dirty="0"/>
+              <a:t>License auditing and control</a:t>
+            </a:r>
+          </a:p>
+          <a:p>
+            <a:pPr lvl="1"/>
+            <a:r>
+              <a:rPr lang="en-US" dirty="0"/>
+              <a:t>Patching and scheduling patches</a:t>
+            </a:r>
+          </a:p>
+          <a:p>
+            <a:pPr lvl="1"/>
+            <a:r>
+              <a:rPr lang="en-US" dirty="0"/>
+              <a:t>Disaster recovery</a:t>
+            </a:r>
+          </a:p>
+          <a:p>
+            <a:pPr lvl="1"/>
+            <a:r>
+              <a:rPr lang="en-US" dirty="0"/>
+              <a:t>Resource allocation</a:t>
+            </a:r>
+          </a:p>
+          <a:p>
+            <a:pPr lvl="1"/>
+            <a:r>
+              <a:rPr lang="en-US" dirty="0" err="1"/>
+              <a:t>Etc</a:t>
+            </a:r>
+            <a:r>
+              <a:rPr lang="en-US"/>
+              <a:t>…</a:t>
+            </a:r>
+            <a:endParaRPr lang="en-US" dirty="0"/>
+          </a:p>
+          <a:p>
+            <a:pPr lvl="1"/>
+            <a:endParaRPr lang="en-US" dirty="0"/>
+          </a:p>
+        </p:txBody>
+      </p:sp>
+    </p:spTree>
+    <p:extLst>
+      <p:ext uri="{BB962C8B-B14F-4D97-AF65-F5344CB8AC3E}">
+        <p14:creationId xmlns:p14="http://schemas.microsoft.com/office/powerpoint/2010/main" val="3981849503"/>
+      </p:ext>
+    </p:extLst>
+  </p:cSld>
+  <p:clrMapOvr>
+    <a:masterClrMapping/>
+  </p:clrMapOvr>
+  <p:timing>
+    <p:tnLst>
+      <p:par>
+        <p:cTn id="1" dur="indefinite" restart="never" nodeType="tmRoot">
+          <p:childTnLst>
+            <p:seq concurrent="1" nextAc="seek">
+              <p:cTn id="2" dur="indefinite" nodeType="mainSeq">
+                <p:childTnLst>
+                  <p:par>
+                    <p:cTn id="3" fill="hold">
+                      <p:stCondLst>
+                        <p:cond delay="indefinite"/>
+                      </p:stCondLst>
+                      <p:childTnLst>
+                        <p:par>
+                          <p:cTn id="4" fill="hold">
+                            <p:stCondLst>
+                              <p:cond delay="0"/>
+                            </p:stCondLst>
+                            <p:childTnLst>
+                              <p:par>
+                                <p:cTn id="5" presetID="10" presetClass="entr" presetSubtype="0" fill="hold" grpId="0" nodeType="clickEffect">
+                                  <p:stCondLst>
+                                    <p:cond delay="0"/>
+                                  </p:stCondLst>
+                                  <p:childTnLst>
+                                    <p:set>
+                                      <p:cBhvr>
+                                        <p:cTn id="6" dur="1" fill="hold">
+                                          <p:stCondLst>
+                                            <p:cond delay="0"/>
+                                          </p:stCondLst>
+                                        </p:cTn>
+                                        <p:tgtEl>
+                                          <p:spTgt spid="3">
+                                            <p:txEl>
+                                              <p:pRg st="0" end="0"/>
+                                            </p:txEl>
+                                          </p:spTgt>
+                                        </p:tgtEl>
+                                        <p:attrNameLst>
+                                          <p:attrName>style.visibility</p:attrName>
+                                        </p:attrNameLst>
+                                      </p:cBhvr>
+                                      <p:to>
+                                        <p:strVal val="visible"/>
+                                      </p:to>
+                                    </p:set>
+                                    <p:animEffect transition="in" filter="fade">
+                                      <p:cBhvr>
+                                        <p:cTn id="7" dur="500"/>
+                                        <p:tgtEl>
+                                          <p:spTgt spid="3">
+                                            <p:txEl>
+                                              <p:pRg st="0" end="0"/>
+                                            </p:txEl>
+                                          </p:spTgt>
+                                        </p:tgtEl>
+                                      </p:cBhvr>
+                                    </p:animEffect>
+                                  </p:childTnLst>
+                                </p:cTn>
+                              </p:par>
+                            </p:childTnLst>
+                          </p:cTn>
+                        </p:par>
+                      </p:childTnLst>
+                    </p:cTn>
+                  </p:par>
+                  <p:par>
+                    <p:cTn id="8" fill="hold">
+                      <p:stCondLst>
+                        <p:cond delay="indefinite"/>
+                      </p:stCondLst>
+                      <p:childTnLst>
+                        <p:par>
+                          <p:cTn id="9" fill="hold">
+                            <p:stCondLst>
+                              <p:cond delay="0"/>
+                            </p:stCondLst>
+                            <p:childTnLst>
+                              <p:par>
+                                <p:cTn id="10" presetID="10" presetClass="entr" presetSubtype="0" fill="hold" grpId="0" nodeType="clickEffect">
+                                  <p:stCondLst>
+                                    <p:cond delay="0"/>
+                                  </p:stCondLst>
+                                  <p:childTnLst>
+                                    <p:set>
+                                      <p:cBhvr>
+                                        <p:cTn id="11" dur="1" fill="hold">
+                                          <p:stCondLst>
+                                            <p:cond delay="0"/>
+                                          </p:stCondLst>
+                                        </p:cTn>
+                                        <p:tgtEl>
+                                          <p:spTgt spid="3">
+                                            <p:txEl>
+                                              <p:pRg st="1" end="1"/>
+                                            </p:txEl>
+                                          </p:spTgt>
+                                        </p:tgtEl>
+                                        <p:attrNameLst>
+                                          <p:attrName>style.visibility</p:attrName>
+                                        </p:attrNameLst>
+                                      </p:cBhvr>
+                                      <p:to>
+                                        <p:strVal val="visible"/>
+                                      </p:to>
+                                    </p:set>
+                                    <p:animEffect transition="in" filter="fade">
+                                      <p:cBhvr>
+                                        <p:cTn id="12" dur="500"/>
+                                        <p:tgtEl>
+                                          <p:spTgt spid="3">
+                                            <p:txEl>
+                                              <p:pRg st="1" end="1"/>
+                                            </p:txEl>
+                                          </p:spTgt>
+                                        </p:tgtEl>
+                                      </p:cBhvr>
+                                    </p:animEffect>
+                                  </p:childTnLst>
+                                </p:cTn>
+                              </p:par>
+                            </p:childTnLst>
+                          </p:cTn>
+                        </p:par>
+                      </p:childTnLst>
+                    </p:cTn>
+                  </p:par>
+                  <p:par>
+                    <p:cTn id="13" fill="hold">
+                      <p:stCondLst>
+                        <p:cond delay="indefinite"/>
+                      </p:stCondLst>
+                      <p:childTnLst>
+                        <p:par>
+                          <p:cTn id="14" fill="hold">
+                            <p:stCondLst>
+                              <p:cond delay="0"/>
+                            </p:stCondLst>
+                            <p:childTnLst>
+                              <p:par>
+                                <p:cTn id="15" presetID="10" presetClass="entr" presetSubtype="0" fill="hold" grpId="0" nodeType="clickEffect">
+                                  <p:stCondLst>
+                                    <p:cond delay="0"/>
+                                  </p:stCondLst>
+                                  <p:childTnLst>
+                                    <p:set>
+                                      <p:cBhvr>
+                                        <p:cTn id="16" dur="1" fill="hold">
+                                          <p:stCondLst>
+                                            <p:cond delay="0"/>
+                                          </p:stCondLst>
+                                        </p:cTn>
+                                        <p:tgtEl>
+                                          <p:spTgt spid="3">
+                                            <p:txEl>
+                                              <p:pRg st="2" end="2"/>
+                                            </p:txEl>
+                                          </p:spTgt>
+                                        </p:tgtEl>
+                                        <p:attrNameLst>
+                                          <p:attrName>style.visibility</p:attrName>
+                                        </p:attrNameLst>
+                                      </p:cBhvr>
+                                      <p:to>
+                                        <p:strVal val="visible"/>
+                                      </p:to>
+                                    </p:set>
+                                    <p:animEffect transition="in" filter="fade">
+                                      <p:cBhvr>
+                                        <p:cTn id="17" dur="500"/>
+                                        <p:tgtEl>
+                                          <p:spTgt spid="3">
+                                            <p:txEl>
+                                              <p:pRg st="2" end="2"/>
+                                            </p:txEl>
+                                          </p:spTgt>
+                                        </p:tgtEl>
+                                      </p:cBhvr>
+                                    </p:animEffect>
+                                  </p:childTnLst>
+                                </p:cTn>
+                              </p:par>
+                              <p:par>
+                                <p:cTn id="18" presetID="10" presetClass="entr" presetSubtype="0" fill="hold" grpId="0" nodeType="withEffect">
+                                  <p:stCondLst>
+                                    <p:cond delay="0"/>
+                                  </p:stCondLst>
+                                  <p:childTnLst>
+                                    <p:set>
+                                      <p:cBhvr>
+                                        <p:cTn id="19" dur="1" fill="hold">
+                                          <p:stCondLst>
+                                            <p:cond delay="0"/>
+                                          </p:stCondLst>
+                                        </p:cTn>
+                                        <p:tgtEl>
+                                          <p:spTgt spid="3">
+                                            <p:txEl>
+                                              <p:pRg st="3" end="3"/>
+                                            </p:txEl>
+                                          </p:spTgt>
+                                        </p:tgtEl>
+                                        <p:attrNameLst>
+                                          <p:attrName>style.visibility</p:attrName>
+                                        </p:attrNameLst>
+                                      </p:cBhvr>
+                                      <p:to>
+                                        <p:strVal val="visible"/>
+                                      </p:to>
+                                    </p:set>
+                                    <p:animEffect transition="in" filter="fade">
+                                      <p:cBhvr>
+                                        <p:cTn id="20" dur="500"/>
+                                        <p:tgtEl>
+                                          <p:spTgt spid="3">
+                                            <p:txEl>
+                                              <p:pRg st="3" end="3"/>
+                                            </p:txEl>
+                                          </p:spTgt>
+                                        </p:tgtEl>
+                                      </p:cBhvr>
+                                    </p:animEffect>
+                                  </p:childTnLst>
+                                </p:cTn>
+                              </p:par>
+                              <p:par>
+                                <p:cTn id="21" presetID="10" presetClass="entr" presetSubtype="0" fill="hold" grpId="0" nodeType="withEffect">
+                                  <p:stCondLst>
+                                    <p:cond delay="0"/>
+                                  </p:stCondLst>
+                                  <p:childTnLst>
+                                    <p:set>
+                                      <p:cBhvr>
+                                        <p:cTn id="22" dur="1" fill="hold">
+                                          <p:stCondLst>
+                                            <p:cond delay="0"/>
+                                          </p:stCondLst>
+                                        </p:cTn>
+                                        <p:tgtEl>
+                                          <p:spTgt spid="3">
+                                            <p:txEl>
+                                              <p:pRg st="4" end="4"/>
+                                            </p:txEl>
+                                          </p:spTgt>
+                                        </p:tgtEl>
+                                        <p:attrNameLst>
+                                          <p:attrName>style.visibility</p:attrName>
+                                        </p:attrNameLst>
+                                      </p:cBhvr>
+                                      <p:to>
+                                        <p:strVal val="visible"/>
+                                      </p:to>
+                                    </p:set>
+                                    <p:animEffect transition="in" filter="fade">
+                                      <p:cBhvr>
+                                        <p:cTn id="23" dur="500"/>
+                                        <p:tgtEl>
+                                          <p:spTgt spid="3">
+                                            <p:txEl>
+                                              <p:pRg st="4" end="4"/>
+                                            </p:txEl>
+                                          </p:spTgt>
+                                        </p:tgtEl>
+                                      </p:cBhvr>
+                                    </p:animEffect>
+                                  </p:childTnLst>
+                                </p:cTn>
+                              </p:par>
+                              <p:par>
+                                <p:cTn id="24" presetID="10" presetClass="entr" presetSubtype="0" fill="hold" grpId="0" nodeType="withEffect">
+                                  <p:stCondLst>
+                                    <p:cond delay="0"/>
+                                  </p:stCondLst>
+                                  <p:childTnLst>
+                                    <p:set>
+                                      <p:cBhvr>
+                                        <p:cTn id="25" dur="1" fill="hold">
+                                          <p:stCondLst>
+                                            <p:cond delay="0"/>
+                                          </p:stCondLst>
+                                        </p:cTn>
+                                        <p:tgtEl>
+                                          <p:spTgt spid="3">
+                                            <p:txEl>
+                                              <p:pRg st="5" end="5"/>
+                                            </p:txEl>
+                                          </p:spTgt>
+                                        </p:tgtEl>
+                                        <p:attrNameLst>
+                                          <p:attrName>style.visibility</p:attrName>
+                                        </p:attrNameLst>
+                                      </p:cBhvr>
+                                      <p:to>
+                                        <p:strVal val="visible"/>
+                                      </p:to>
+                                    </p:set>
+                                    <p:animEffect transition="in" filter="fade">
+                                      <p:cBhvr>
+                                        <p:cTn id="26" dur="500"/>
+                                        <p:tgtEl>
+                                          <p:spTgt spid="3">
+                                            <p:txEl>
+                                              <p:pRg st="5" end="5"/>
+                                            </p:txEl>
+                                          </p:spTgt>
+                                        </p:tgtEl>
+                                      </p:cBhvr>
+                                    </p:animEffect>
+                                  </p:childTnLst>
+                                </p:cTn>
+                              </p:par>
+                            </p:childTnLst>
+                          </p:cTn>
+                        </p:par>
+                      </p:childTnLst>
+                    </p:cTn>
+                  </p:par>
+                  <p:par>
+                    <p:cTn id="27" fill="hold">
+                      <p:stCondLst>
+                        <p:cond delay="indefinite"/>
+                      </p:stCondLst>
+                      <p:childTnLst>
+                        <p:par>
+                          <p:cTn id="28" fill="hold">
+                            <p:stCondLst>
+                              <p:cond delay="0"/>
+                            </p:stCondLst>
+                            <p:childTnLst>
+                              <p:par>
+                                <p:cTn id="29" presetID="10" presetClass="entr" presetSubtype="0" fill="hold" grpId="0" nodeType="clickEffect">
+                                  <p:stCondLst>
+                                    <p:cond delay="0"/>
+                                  </p:stCondLst>
+                                  <p:childTnLst>
+                                    <p:set>
+                                      <p:cBhvr>
+                                        <p:cTn id="30" dur="1" fill="hold">
+                                          <p:stCondLst>
+                                            <p:cond delay="0"/>
+                                          </p:stCondLst>
+                                        </p:cTn>
+                                        <p:tgtEl>
+                                          <p:spTgt spid="3">
+                                            <p:txEl>
+                                              <p:pRg st="6" end="6"/>
+                                            </p:txEl>
+                                          </p:spTgt>
+                                        </p:tgtEl>
+                                        <p:attrNameLst>
+                                          <p:attrName>style.visibility</p:attrName>
+                                        </p:attrNameLst>
+                                      </p:cBhvr>
+                                      <p:to>
+                                        <p:strVal val="visible"/>
+                                      </p:to>
+                                    </p:set>
+                                    <p:animEffect transition="in" filter="fade">
+                                      <p:cBhvr>
+                                        <p:cTn id="31" dur="500"/>
+                                        <p:tgtEl>
+                                          <p:spTgt spid="3">
+                                            <p:txEl>
+                                              <p:pRg st="6" end="6"/>
+                                            </p:txEl>
+                                          </p:spTgt>
+                                        </p:tgtEl>
+                                      </p:cBhvr>
+                                    </p:animEffect>
+                                  </p:childTnLst>
+                                </p:cTn>
+                              </p:par>
+                            </p:childTnLst>
+                          </p:cTn>
+                        </p:par>
+                      </p:childTnLst>
+                    </p:cTn>
+                  </p:par>
+                  <p:par>
+                    <p:cTn id="32" fill="hold">
+                      <p:stCondLst>
+                        <p:cond delay="indefinite"/>
+                      </p:stCondLst>
+                      <p:childTnLst>
+                        <p:par>
+                          <p:cTn id="33" fill="hold">
+                            <p:stCondLst>
+                              <p:cond delay="0"/>
+                            </p:stCondLst>
+                            <p:childTnLst>
+                              <p:par>
+                                <p:cTn id="34" presetID="10" presetClass="entr" presetSubtype="0" fill="hold" grpId="0" nodeType="clickEffect">
+                                  <p:stCondLst>
+                                    <p:cond delay="0"/>
+                                  </p:stCondLst>
+                                  <p:childTnLst>
+                                    <p:set>
+                                      <p:cBhvr>
+                                        <p:cTn id="35" dur="1" fill="hold">
+                                          <p:stCondLst>
+                                            <p:cond delay="0"/>
+                                          </p:stCondLst>
+                                        </p:cTn>
+                                        <p:tgtEl>
+                                          <p:spTgt spid="3">
+                                            <p:txEl>
+                                              <p:pRg st="7" end="7"/>
+                                            </p:txEl>
+                                          </p:spTgt>
+                                        </p:tgtEl>
+                                        <p:attrNameLst>
+                                          <p:attrName>style.visibility</p:attrName>
+                                        </p:attrNameLst>
+                                      </p:cBhvr>
+                                      <p:to>
+                                        <p:strVal val="visible"/>
+                                      </p:to>
+                                    </p:set>
+                                    <p:animEffect transition="in" filter="fade">
+                                      <p:cBhvr>
+                                        <p:cTn id="36" dur="500"/>
+                                        <p:tgtEl>
+                                          <p:spTgt spid="3">
+                                            <p:txEl>
+                                              <p:pRg st="7" end="7"/>
+                                            </p:txEl>
+                                          </p:spTgt>
+                                        </p:tgtEl>
+                                      </p:cBhvr>
+                                    </p:animEffect>
+                                  </p:childTnLst>
+                                </p:cTn>
+                              </p:par>
+                              <p:par>
+                                <p:cTn id="37" presetID="10" presetClass="entr" presetSubtype="0" fill="hold" grpId="0" nodeType="withEffect">
+                                  <p:stCondLst>
+                                    <p:cond delay="0"/>
+                                  </p:stCondLst>
+                                  <p:childTnLst>
+                                    <p:set>
+                                      <p:cBhvr>
+                                        <p:cTn id="38" dur="1" fill="hold">
+                                          <p:stCondLst>
+                                            <p:cond delay="0"/>
+                                          </p:stCondLst>
+                                        </p:cTn>
+                                        <p:tgtEl>
+                                          <p:spTgt spid="3">
+                                            <p:txEl>
+                                              <p:pRg st="8" end="8"/>
+                                            </p:txEl>
+                                          </p:spTgt>
+                                        </p:tgtEl>
+                                        <p:attrNameLst>
+                                          <p:attrName>style.visibility</p:attrName>
+                                        </p:attrNameLst>
+                                      </p:cBhvr>
+                                      <p:to>
+                                        <p:strVal val="visible"/>
+                                      </p:to>
+                                    </p:set>
+                                    <p:animEffect transition="in" filter="fade">
+                                      <p:cBhvr>
+                                        <p:cTn id="39" dur="500"/>
+                                        <p:tgtEl>
+                                          <p:spTgt spid="3">
+                                            <p:txEl>
+                                              <p:pRg st="8" end="8"/>
+                                            </p:txEl>
+                                          </p:spTgt>
+                                        </p:tgtEl>
+                                      </p:cBhvr>
+                                    </p:animEffect>
+                                  </p:childTnLst>
+                                </p:cTn>
+                              </p:par>
+                            </p:childTnLst>
+                          </p:cTn>
+                        </p:par>
+                      </p:childTnLst>
+                    </p:cTn>
+                  </p:par>
+                </p:childTnLst>
+              </p:cTn>
+              <p:prevCondLst>
+                <p:cond evt="onPrev" delay="0">
+                  <p:tgtEl>
+                    <p:sldTgt/>
+                  </p:tgtEl>
+                </p:cond>
+              </p:prevCondLst>
+              <p:nextCondLst>
+                <p:cond evt="onNext" delay="0">
+                  <p:tgtEl>
+                    <p:sldTgt/>
+                  </p:tgtEl>
+                </p:cond>
+              </p:nextCondLst>
+            </p:seq>
+          </p:childTnLst>
+        </p:cTn>
+      </p:par>
+    </p:tnLst>
+    <p:bldLst>
+      <p:bldP spid="3" grpId="0" uiExpand="1" build="p"/>
+    </p:bldLst>
+  </p:timing>
+</p:sld>
+</file>
+
 <file path=ppt/slides/slide3.xml><?xml version="1.0" encoding="utf-8"?>
 <p:sld xmlns:a="http://schemas.openxmlformats.org/drawingml/2006/main" xmlns:r="http://schemas.openxmlformats.org/officeDocument/2006/relationships" xmlns:p="http://schemas.openxmlformats.org/presentationml/2006/main">
   <p:cSld>
@@ -23659,7 +24412,7 @@
           <a:p>
             <a:r>
               <a:rPr lang="en-US" dirty="0"/>
-              <a:t>A Look at Some Concerns</a:t>
+              <a:t>A Hard Look at Some Concerns</a:t>
             </a:r>
           </a:p>
           <a:p>

--- a/presentation/presentation.pptx
+++ b/presentation/presentation.pptx
@@ -5,7 +5,7 @@
     <p:sldMasterId id="2147483648" r:id="rId1"/>
   </p:sldMasterIdLst>
   <p:notesMasterIdLst>
-    <p:notesMasterId r:id="rId31"/>
+    <p:notesMasterId r:id="rId36"/>
   </p:notesMasterIdLst>
   <p:sldIdLst>
     <p:sldId id="258" r:id="rId2"/>
@@ -30,13 +30,18 @@
     <p:sldId id="281" r:id="rId21"/>
     <p:sldId id="282" r:id="rId22"/>
     <p:sldId id="283" r:id="rId23"/>
-    <p:sldId id="284" r:id="rId24"/>
-    <p:sldId id="285" r:id="rId25"/>
-    <p:sldId id="287" r:id="rId26"/>
-    <p:sldId id="286" r:id="rId27"/>
-    <p:sldId id="288" r:id="rId28"/>
-    <p:sldId id="289" r:id="rId29"/>
-    <p:sldId id="290" r:id="rId30"/>
+    <p:sldId id="293" r:id="rId24"/>
+    <p:sldId id="294" r:id="rId25"/>
+    <p:sldId id="284" r:id="rId26"/>
+    <p:sldId id="285" r:id="rId27"/>
+    <p:sldId id="287" r:id="rId28"/>
+    <p:sldId id="286" r:id="rId29"/>
+    <p:sldId id="288" r:id="rId30"/>
+    <p:sldId id="292" r:id="rId31"/>
+    <p:sldId id="289" r:id="rId32"/>
+    <p:sldId id="290" r:id="rId33"/>
+    <p:sldId id="291" r:id="rId34"/>
+    <p:sldId id="295" r:id="rId35"/>
   </p:sldIdLst>
   <p:sldSz cx="12192000" cy="6858000"/>
   <p:notesSz cx="6858000" cy="9144000"/>
@@ -182,21 +187,23 @@
           <p14:sldIdLst>
             <p14:sldId id="282"/>
             <p14:sldId id="283"/>
+            <p14:sldId id="293"/>
+            <p14:sldId id="294"/>
             <p14:sldId id="284"/>
             <p14:sldId id="285"/>
             <p14:sldId id="287"/>
             <p14:sldId id="286"/>
             <p14:sldId id="288"/>
+            <p14:sldId id="292"/>
           </p14:sldIdLst>
         </p14:section>
         <p14:section name="A Look at Some Concerns" id="{BBBC4B94-5C39-44E3-86B7-9871E92F1E29}">
           <p14:sldIdLst>
             <p14:sldId id="289"/>
             <p14:sldId id="290"/>
+            <p14:sldId id="291"/>
+            <p14:sldId id="295"/>
           </p14:sldIdLst>
-        </p14:section>
-        <p14:section name="A List of Solution Partners" id="{ABD582D2-A447-4F3C-85E6-E482AC8E3D64}">
-          <p14:sldIdLst/>
         </p14:section>
         <p14:section name="A Look at Next Steps" id="{054C77BE-76F1-40B4-AE4C-60B66BF73523}">
           <p14:sldIdLst/>
@@ -20092,66 +20099,104 @@
             <p:ph idx="1"/>
           </p:nvPr>
         </p:nvSpPr>
-        <p:spPr/>
+        <p:spPr>
+          <a:xfrm>
+            <a:off x="581192" y="2180496"/>
+            <a:ext cx="11029615" cy="4119820"/>
+          </a:xfrm>
+        </p:spPr>
         <p:txBody>
-          <a:bodyPr/>
+          <a:bodyPr>
+            <a:normAutofit/>
+          </a:bodyPr>
           <a:lstStyle/>
           <a:p>
+            <a:pPr>
+              <a:lnSpc>
+                <a:spcPct val="150000"/>
+              </a:lnSpc>
+            </a:pPr>
             <a:r>
               <a:rPr lang="en-US" dirty="0"/>
               <a:t>A Virtual Box That Packages Applications With Dependent Components and Services</a:t>
             </a:r>
           </a:p>
           <a:p>
+            <a:pPr>
+              <a:lnSpc>
+                <a:spcPct val="150000"/>
+              </a:lnSpc>
+            </a:pPr>
             <a:r>
               <a:rPr lang="en-US" dirty="0"/>
               <a:t>Implements a high-level API to provide lightweight isolation</a:t>
             </a:r>
           </a:p>
           <a:p>
+            <a:pPr>
+              <a:lnSpc>
+                <a:spcPct val="150000"/>
+              </a:lnSpc>
+            </a:pPr>
             <a:r>
               <a:rPr lang="en-US" dirty="0"/>
               <a:t>Works on the kernel’s functionality to ensure isolation of:</a:t>
             </a:r>
           </a:p>
           <a:p>
-            <a:pPr lvl="1"/>
+            <a:pPr lvl="1">
+              <a:lnSpc>
+                <a:spcPct val="150000"/>
+              </a:lnSpc>
+            </a:pPr>
             <a:r>
               <a:rPr lang="en-US" dirty="0"/>
               <a:t>CPU</a:t>
             </a:r>
           </a:p>
           <a:p>
-            <a:pPr lvl="1"/>
+            <a:pPr lvl="1">
+              <a:lnSpc>
+                <a:spcPct val="150000"/>
+              </a:lnSpc>
+            </a:pPr>
             <a:r>
               <a:rPr lang="en-US" dirty="0"/>
               <a:t>Memory</a:t>
             </a:r>
           </a:p>
           <a:p>
-            <a:pPr lvl="1"/>
+            <a:pPr lvl="1">
+              <a:lnSpc>
+                <a:spcPct val="150000"/>
+              </a:lnSpc>
+            </a:pPr>
             <a:r>
               <a:rPr lang="en-US" dirty="0"/>
               <a:t>Block I/O</a:t>
             </a:r>
           </a:p>
           <a:p>
-            <a:pPr lvl="1"/>
+            <a:pPr lvl="1">
+              <a:lnSpc>
+                <a:spcPct val="150000"/>
+              </a:lnSpc>
+            </a:pPr>
             <a:r>
               <a:rPr lang="en-US" dirty="0"/>
               <a:t>Network</a:t>
             </a:r>
           </a:p>
           <a:p>
-            <a:pPr lvl="1"/>
+            <a:pPr lvl="1">
+              <a:lnSpc>
+                <a:spcPct val="150000"/>
+              </a:lnSpc>
+            </a:pPr>
             <a:r>
               <a:rPr lang="en-US" dirty="0"/>
               <a:t>More</a:t>
             </a:r>
-          </a:p>
-          <a:p>
-            <a:pPr lvl="1"/>
-            <a:endParaRPr lang="en-US" dirty="0"/>
           </a:p>
         </p:txBody>
       </p:sp>
@@ -20350,15 +20395,33 @@
                                   </p:childTnLst>
                                 </p:cTn>
                               </p:par>
+                            </p:childTnLst>
+                          </p:cTn>
+                        </p:par>
+                      </p:childTnLst>
+                    </p:cTn>
+                  </p:par>
+                  <p:par>
+                    <p:cTn id="18" fill="hold">
+                      <p:stCondLst>
+                        <p:cond delay="indefinite"/>
+                      </p:stCondLst>
+                      <p:childTnLst>
+                        <p:par>
+                          <p:cTn id="19" fill="hold">
+                            <p:stCondLst>
+                              <p:cond delay="0"/>
+                            </p:stCondLst>
+                            <p:childTnLst>
                               <p:par>
-                                <p:cTn id="18" presetID="10" presetClass="entr" presetSubtype="0" fill="hold" grpId="0" nodeType="withEffect">
+                                <p:cTn id="20" presetID="10" presetClass="entr" presetSubtype="0" fill="hold" grpId="0" nodeType="clickEffect">
                                   <p:stCondLst>
                                     <p:cond delay="0"/>
                                   </p:stCondLst>
                                   <p:childTnLst>
                                     <p:set>
                                       <p:cBhvr>
-                                        <p:cTn id="19" dur="1" fill="hold">
+                                        <p:cTn id="21" dur="1" fill="hold">
                                           <p:stCondLst>
                                             <p:cond delay="0"/>
                                           </p:stCondLst>
@@ -20380,7 +20443,7 @@
                                     </p:set>
                                     <p:animEffect transition="in" filter="fade">
                                       <p:cBhvr>
-                                        <p:cTn id="20" dur="500"/>
+                                        <p:cTn id="22" dur="500"/>
                                         <p:tgtEl>
                                           <p:spTgt spid="3">
                                             <p:txEl>
@@ -20393,15 +20456,33 @@
                                   </p:childTnLst>
                                 </p:cTn>
                               </p:par>
+                            </p:childTnLst>
+                          </p:cTn>
+                        </p:par>
+                      </p:childTnLst>
+                    </p:cTn>
+                  </p:par>
+                  <p:par>
+                    <p:cTn id="23" fill="hold">
+                      <p:stCondLst>
+                        <p:cond delay="indefinite"/>
+                      </p:stCondLst>
+                      <p:childTnLst>
+                        <p:par>
+                          <p:cTn id="24" fill="hold">
+                            <p:stCondLst>
+                              <p:cond delay="0"/>
+                            </p:stCondLst>
+                            <p:childTnLst>
                               <p:par>
-                                <p:cTn id="21" presetID="10" presetClass="entr" presetSubtype="0" fill="hold" grpId="0" nodeType="withEffect">
+                                <p:cTn id="25" presetID="10" presetClass="entr" presetSubtype="0" fill="hold" grpId="0" nodeType="clickEffect">
                                   <p:stCondLst>
                                     <p:cond delay="0"/>
                                   </p:stCondLst>
                                   <p:childTnLst>
                                     <p:set>
                                       <p:cBhvr>
-                                        <p:cTn id="22" dur="1" fill="hold">
+                                        <p:cTn id="26" dur="1" fill="hold">
                                           <p:stCondLst>
                                             <p:cond delay="0"/>
                                           </p:stCondLst>
@@ -20423,7 +20504,7 @@
                                     </p:set>
                                     <p:animEffect transition="in" filter="fade">
                                       <p:cBhvr>
-                                        <p:cTn id="23" dur="500"/>
+                                        <p:cTn id="27" dur="500"/>
                                         <p:tgtEl>
                                           <p:spTgt spid="3">
                                             <p:txEl>
@@ -20436,15 +20517,33 @@
                                   </p:childTnLst>
                                 </p:cTn>
                               </p:par>
+                            </p:childTnLst>
+                          </p:cTn>
+                        </p:par>
+                      </p:childTnLst>
+                    </p:cTn>
+                  </p:par>
+                  <p:par>
+                    <p:cTn id="28" fill="hold">
+                      <p:stCondLst>
+                        <p:cond delay="indefinite"/>
+                      </p:stCondLst>
+                      <p:childTnLst>
+                        <p:par>
+                          <p:cTn id="29" fill="hold">
+                            <p:stCondLst>
+                              <p:cond delay="0"/>
+                            </p:stCondLst>
+                            <p:childTnLst>
                               <p:par>
-                                <p:cTn id="24" presetID="10" presetClass="entr" presetSubtype="0" fill="hold" grpId="0" nodeType="withEffect">
+                                <p:cTn id="30" presetID="10" presetClass="entr" presetSubtype="0" fill="hold" grpId="0" nodeType="clickEffect">
                                   <p:stCondLst>
                                     <p:cond delay="0"/>
                                   </p:stCondLst>
                                   <p:childTnLst>
                                     <p:set>
                                       <p:cBhvr>
-                                        <p:cTn id="25" dur="1" fill="hold">
+                                        <p:cTn id="31" dur="1" fill="hold">
                                           <p:stCondLst>
                                             <p:cond delay="0"/>
                                           </p:stCondLst>
@@ -20466,7 +20565,7 @@
                                     </p:set>
                                     <p:animEffect transition="in" filter="fade">
                                       <p:cBhvr>
-                                        <p:cTn id="26" dur="500"/>
+                                        <p:cTn id="32" dur="500"/>
                                         <p:tgtEl>
                                           <p:spTgt spid="3">
                                             <p:txEl>
@@ -20479,15 +20578,33 @@
                                   </p:childTnLst>
                                 </p:cTn>
                               </p:par>
+                            </p:childTnLst>
+                          </p:cTn>
+                        </p:par>
+                      </p:childTnLst>
+                    </p:cTn>
+                  </p:par>
+                  <p:par>
+                    <p:cTn id="33" fill="hold">
+                      <p:stCondLst>
+                        <p:cond delay="indefinite"/>
+                      </p:stCondLst>
+                      <p:childTnLst>
+                        <p:par>
+                          <p:cTn id="34" fill="hold">
+                            <p:stCondLst>
+                              <p:cond delay="0"/>
+                            </p:stCondLst>
+                            <p:childTnLst>
                               <p:par>
-                                <p:cTn id="27" presetID="10" presetClass="entr" presetSubtype="0" fill="hold" grpId="0" nodeType="withEffect">
+                                <p:cTn id="35" presetID="10" presetClass="entr" presetSubtype="0" fill="hold" grpId="0" nodeType="clickEffect">
                                   <p:stCondLst>
                                     <p:cond delay="0"/>
                                   </p:stCondLst>
                                   <p:childTnLst>
                                     <p:set>
                                       <p:cBhvr>
-                                        <p:cTn id="28" dur="1" fill="hold">
+                                        <p:cTn id="36" dur="1" fill="hold">
                                           <p:stCondLst>
                                             <p:cond delay="0"/>
                                           </p:stCondLst>
@@ -20509,7 +20626,7 @@
                                     </p:set>
                                     <p:animEffect transition="in" filter="fade">
                                       <p:cBhvr>
-                                        <p:cTn id="29" dur="500"/>
+                                        <p:cTn id="37" dur="500"/>
                                         <p:tgtEl>
                                           <p:spTgt spid="3">
                                             <p:txEl>
@@ -20522,15 +20639,33 @@
                                   </p:childTnLst>
                                 </p:cTn>
                               </p:par>
+                            </p:childTnLst>
+                          </p:cTn>
+                        </p:par>
+                      </p:childTnLst>
+                    </p:cTn>
+                  </p:par>
+                  <p:par>
+                    <p:cTn id="38" fill="hold">
+                      <p:stCondLst>
+                        <p:cond delay="indefinite"/>
+                      </p:stCondLst>
+                      <p:childTnLst>
+                        <p:par>
+                          <p:cTn id="39" fill="hold">
+                            <p:stCondLst>
+                              <p:cond delay="0"/>
+                            </p:stCondLst>
+                            <p:childTnLst>
                               <p:par>
-                                <p:cTn id="30" presetID="10" presetClass="entr" presetSubtype="0" fill="hold" grpId="0" nodeType="withEffect">
+                                <p:cTn id="40" presetID="10" presetClass="entr" presetSubtype="0" fill="hold" grpId="0" nodeType="clickEffect">
                                   <p:stCondLst>
                                     <p:cond delay="0"/>
                                   </p:stCondLst>
                                   <p:childTnLst>
                                     <p:set>
                                       <p:cBhvr>
-                                        <p:cTn id="31" dur="1" fill="hold">
+                                        <p:cTn id="41" dur="1" fill="hold">
                                           <p:stCondLst>
                                             <p:cond delay="0"/>
                                           </p:stCondLst>
@@ -20552,11 +20687,892 @@
                                     </p:set>
                                     <p:animEffect transition="in" filter="fade">
                                       <p:cBhvr>
+                                        <p:cTn id="42" dur="500"/>
+                                        <p:tgtEl>
+                                          <p:spTgt spid="3">
+                                            <p:txEl>
+                                              <p:pRg st="7" end="7"/>
+                                            </p:txEl>
+                                          </p:spTgt>
+                                        </p:tgtEl>
+                                      </p:cBhvr>
+                                    </p:animEffect>
+                                  </p:childTnLst>
+                                </p:cTn>
+                              </p:par>
+                            </p:childTnLst>
+                          </p:cTn>
+                        </p:par>
+                      </p:childTnLst>
+                    </p:cTn>
+                  </p:par>
+                </p:childTnLst>
+              </p:cTn>
+              <p:prevCondLst>
+                <p:cond evt="onPrev" delay="0">
+                  <p:tgtEl>
+                    <p:sldTgt/>
+                  </p:tgtEl>
+                </p:cond>
+              </p:prevCondLst>
+              <p:nextCondLst>
+                <p:cond evt="onNext" delay="0">
+                  <p:tgtEl>
+                    <p:sldTgt/>
+                  </p:tgtEl>
+                </p:cond>
+              </p:nextCondLst>
+            </p:seq>
+          </p:childTnLst>
+        </p:cTn>
+      </p:par>
+    </p:tnLst>
+    <p:bldLst>
+      <p:bldP spid="3" grpId="0" uiExpand="1" build="p"/>
+    </p:bldLst>
+  </p:timing>
+</p:sld>
+</file>
+
+<file path=ppt/slides/slide23.xml><?xml version="1.0" encoding="utf-8"?>
+<p:sld xmlns:a="http://schemas.openxmlformats.org/drawingml/2006/main" xmlns:r="http://schemas.openxmlformats.org/officeDocument/2006/relationships" xmlns:p="http://schemas.openxmlformats.org/presentationml/2006/main">
+  <p:cSld>
+    <p:spTree>
+      <p:nvGrpSpPr>
+        <p:cNvPr id="1" name=""/>
+        <p:cNvGrpSpPr/>
+        <p:nvPr/>
+      </p:nvGrpSpPr>
+      <p:grpSpPr>
+        <a:xfrm>
+          <a:off x="0" y="0"/>
+          <a:ext cx="0" cy="0"/>
+          <a:chOff x="0" y="0"/>
+          <a:chExt cx="0" cy="0"/>
+        </a:xfrm>
+      </p:grpSpPr>
+      <p:sp>
+        <p:nvSpPr>
+          <p:cNvPr id="2" name="Title 1">
+            <a:extLst>
+              <a:ext uri="{FF2B5EF4-FFF2-40B4-BE49-F238E27FC236}">
+                <a16:creationId xmlns:a16="http://schemas.microsoft.com/office/drawing/2014/main" id="{CCE10450-B660-475D-8B18-716BF06AF0A0}"/>
+              </a:ext>
+            </a:extLst>
+          </p:cNvPr>
+          <p:cNvSpPr>
+            <a:spLocks noGrp="1"/>
+          </p:cNvSpPr>
+          <p:nvPr>
+            <p:ph type="title"/>
+          </p:nvPr>
+        </p:nvSpPr>
+        <p:spPr/>
+        <p:txBody>
+          <a:bodyPr/>
+          <a:lstStyle/>
+          <a:p>
+            <a:r>
+              <a:rPr lang="en-US" dirty="0"/>
+              <a:t>What is Docker?</a:t>
+            </a:r>
+          </a:p>
+        </p:txBody>
+      </p:sp>
+      <p:sp>
+        <p:nvSpPr>
+          <p:cNvPr id="3" name="Content Placeholder 2">
+            <a:extLst>
+              <a:ext uri="{FF2B5EF4-FFF2-40B4-BE49-F238E27FC236}">
+                <a16:creationId xmlns:a16="http://schemas.microsoft.com/office/drawing/2014/main" id="{EE8B50DB-DD9F-4B8F-B7D1-88B10D093D52}"/>
+              </a:ext>
+            </a:extLst>
+          </p:cNvPr>
+          <p:cNvSpPr>
+            <a:spLocks noGrp="1"/>
+          </p:cNvSpPr>
+          <p:nvPr>
+            <p:ph idx="1"/>
+          </p:nvPr>
+        </p:nvSpPr>
+        <p:spPr/>
+        <p:txBody>
+          <a:bodyPr/>
+          <a:lstStyle/>
+          <a:p>
+            <a:pPr>
+              <a:lnSpc>
+                <a:spcPct val="300000"/>
+              </a:lnSpc>
+            </a:pPr>
+            <a:r>
+              <a:rPr lang="en-US" dirty="0"/>
+              <a:t>Little “d” docker – the container runtime and format</a:t>
+            </a:r>
+          </a:p>
+          <a:p>
+            <a:pPr>
+              <a:lnSpc>
+                <a:spcPct val="300000"/>
+              </a:lnSpc>
+            </a:pPr>
+            <a:r>
+              <a:rPr lang="en-US" dirty="0"/>
+              <a:t>Big “D” Docker – the inventing and driving company</a:t>
+            </a:r>
+          </a:p>
+          <a:p>
+            <a:pPr lvl="1">
+              <a:lnSpc>
+                <a:spcPct val="300000"/>
+              </a:lnSpc>
+            </a:pPr>
+            <a:r>
+              <a:rPr lang="en-US" dirty="0"/>
+              <a:t>Now one of many competitors in the space</a:t>
+            </a:r>
+          </a:p>
+        </p:txBody>
+      </p:sp>
+    </p:spTree>
+    <p:extLst>
+      <p:ext uri="{BB962C8B-B14F-4D97-AF65-F5344CB8AC3E}">
+        <p14:creationId xmlns:p14="http://schemas.microsoft.com/office/powerpoint/2010/main" val="3825873043"/>
+      </p:ext>
+    </p:extLst>
+  </p:cSld>
+  <p:clrMapOvr>
+    <a:masterClrMapping/>
+  </p:clrMapOvr>
+  <p:timing>
+    <p:tnLst>
+      <p:par>
+        <p:cTn id="1" dur="indefinite" restart="never" nodeType="tmRoot">
+          <p:childTnLst>
+            <p:seq concurrent="1" nextAc="seek">
+              <p:cTn id="2" dur="indefinite" nodeType="mainSeq">
+                <p:childTnLst>
+                  <p:par>
+                    <p:cTn id="3" fill="hold">
+                      <p:stCondLst>
+                        <p:cond delay="indefinite"/>
+                      </p:stCondLst>
+                      <p:childTnLst>
+                        <p:par>
+                          <p:cTn id="4" fill="hold">
+                            <p:stCondLst>
+                              <p:cond delay="0"/>
+                            </p:stCondLst>
+                            <p:childTnLst>
+                              <p:par>
+                                <p:cTn id="5" presetID="10" presetClass="entr" presetSubtype="0" fill="hold" grpId="0" nodeType="clickEffect">
+                                  <p:stCondLst>
+                                    <p:cond delay="0"/>
+                                  </p:stCondLst>
+                                  <p:childTnLst>
+                                    <p:set>
+                                      <p:cBhvr>
+                                        <p:cTn id="6" dur="1" fill="hold">
+                                          <p:stCondLst>
+                                            <p:cond delay="0"/>
+                                          </p:stCondLst>
+                                        </p:cTn>
+                                        <p:tgtEl>
+                                          <p:spTgt spid="3">
+                                            <p:txEl>
+                                              <p:pRg st="0" end="0"/>
+                                            </p:txEl>
+                                          </p:spTgt>
+                                        </p:tgtEl>
+                                        <p:attrNameLst>
+                                          <p:attrName>style.visibility</p:attrName>
+                                        </p:attrNameLst>
+                                      </p:cBhvr>
+                                      <p:to>
+                                        <p:strVal val="visible"/>
+                                      </p:to>
+                                    </p:set>
+                                    <p:animEffect transition="in" filter="fade">
+                                      <p:cBhvr>
+                                        <p:cTn id="7" dur="500"/>
+                                        <p:tgtEl>
+                                          <p:spTgt spid="3">
+                                            <p:txEl>
+                                              <p:pRg st="0" end="0"/>
+                                            </p:txEl>
+                                          </p:spTgt>
+                                        </p:tgtEl>
+                                      </p:cBhvr>
+                                    </p:animEffect>
+                                  </p:childTnLst>
+                                </p:cTn>
+                              </p:par>
+                            </p:childTnLst>
+                          </p:cTn>
+                        </p:par>
+                      </p:childTnLst>
+                    </p:cTn>
+                  </p:par>
+                  <p:par>
+                    <p:cTn id="8" fill="hold">
+                      <p:stCondLst>
+                        <p:cond delay="indefinite"/>
+                      </p:stCondLst>
+                      <p:childTnLst>
+                        <p:par>
+                          <p:cTn id="9" fill="hold">
+                            <p:stCondLst>
+                              <p:cond delay="0"/>
+                            </p:stCondLst>
+                            <p:childTnLst>
+                              <p:par>
+                                <p:cTn id="10" presetID="10" presetClass="entr" presetSubtype="0" fill="hold" grpId="0" nodeType="clickEffect">
+                                  <p:stCondLst>
+                                    <p:cond delay="0"/>
+                                  </p:stCondLst>
+                                  <p:childTnLst>
+                                    <p:set>
+                                      <p:cBhvr>
+                                        <p:cTn id="11" dur="1" fill="hold">
+                                          <p:stCondLst>
+                                            <p:cond delay="0"/>
+                                          </p:stCondLst>
+                                        </p:cTn>
+                                        <p:tgtEl>
+                                          <p:spTgt spid="3">
+                                            <p:txEl>
+                                              <p:pRg st="1" end="1"/>
+                                            </p:txEl>
+                                          </p:spTgt>
+                                        </p:tgtEl>
+                                        <p:attrNameLst>
+                                          <p:attrName>style.visibility</p:attrName>
+                                        </p:attrNameLst>
+                                      </p:cBhvr>
+                                      <p:to>
+                                        <p:strVal val="visible"/>
+                                      </p:to>
+                                    </p:set>
+                                    <p:animEffect transition="in" filter="fade">
+                                      <p:cBhvr>
+                                        <p:cTn id="12" dur="500"/>
+                                        <p:tgtEl>
+                                          <p:spTgt spid="3">
+                                            <p:txEl>
+                                              <p:pRg st="1" end="1"/>
+                                            </p:txEl>
+                                          </p:spTgt>
+                                        </p:tgtEl>
+                                      </p:cBhvr>
+                                    </p:animEffect>
+                                  </p:childTnLst>
+                                </p:cTn>
+                              </p:par>
+                            </p:childTnLst>
+                          </p:cTn>
+                        </p:par>
+                      </p:childTnLst>
+                    </p:cTn>
+                  </p:par>
+                  <p:par>
+                    <p:cTn id="13" fill="hold">
+                      <p:stCondLst>
+                        <p:cond delay="indefinite"/>
+                      </p:stCondLst>
+                      <p:childTnLst>
+                        <p:par>
+                          <p:cTn id="14" fill="hold">
+                            <p:stCondLst>
+                              <p:cond delay="0"/>
+                            </p:stCondLst>
+                            <p:childTnLst>
+                              <p:par>
+                                <p:cTn id="15" presetID="10" presetClass="entr" presetSubtype="0" fill="hold" grpId="0" nodeType="clickEffect">
+                                  <p:stCondLst>
+                                    <p:cond delay="0"/>
+                                  </p:stCondLst>
+                                  <p:childTnLst>
+                                    <p:set>
+                                      <p:cBhvr>
+                                        <p:cTn id="16" dur="1" fill="hold">
+                                          <p:stCondLst>
+                                            <p:cond delay="0"/>
+                                          </p:stCondLst>
+                                        </p:cTn>
+                                        <p:tgtEl>
+                                          <p:spTgt spid="3">
+                                            <p:txEl>
+                                              <p:pRg st="2" end="2"/>
+                                            </p:txEl>
+                                          </p:spTgt>
+                                        </p:tgtEl>
+                                        <p:attrNameLst>
+                                          <p:attrName>style.visibility</p:attrName>
+                                        </p:attrNameLst>
+                                      </p:cBhvr>
+                                      <p:to>
+                                        <p:strVal val="visible"/>
+                                      </p:to>
+                                    </p:set>
+                                    <p:animEffect transition="in" filter="fade">
+                                      <p:cBhvr>
+                                        <p:cTn id="17" dur="500"/>
+                                        <p:tgtEl>
+                                          <p:spTgt spid="3">
+                                            <p:txEl>
+                                              <p:pRg st="2" end="2"/>
+                                            </p:txEl>
+                                          </p:spTgt>
+                                        </p:tgtEl>
+                                      </p:cBhvr>
+                                    </p:animEffect>
+                                  </p:childTnLst>
+                                </p:cTn>
+                              </p:par>
+                            </p:childTnLst>
+                          </p:cTn>
+                        </p:par>
+                      </p:childTnLst>
+                    </p:cTn>
+                  </p:par>
+                </p:childTnLst>
+              </p:cTn>
+              <p:prevCondLst>
+                <p:cond evt="onPrev" delay="0">
+                  <p:tgtEl>
+                    <p:sldTgt/>
+                  </p:tgtEl>
+                </p:cond>
+              </p:prevCondLst>
+              <p:nextCondLst>
+                <p:cond evt="onNext" delay="0">
+                  <p:tgtEl>
+                    <p:sldTgt/>
+                  </p:tgtEl>
+                </p:cond>
+              </p:nextCondLst>
+            </p:seq>
+          </p:childTnLst>
+        </p:cTn>
+      </p:par>
+    </p:tnLst>
+    <p:bldLst>
+      <p:bldP spid="3" grpId="0" uiExpand="1" build="p"/>
+    </p:bldLst>
+  </p:timing>
+</p:sld>
+</file>
+
+<file path=ppt/slides/slide24.xml><?xml version="1.0" encoding="utf-8"?>
+<p:sld xmlns:a="http://schemas.openxmlformats.org/drawingml/2006/main" xmlns:r="http://schemas.openxmlformats.org/officeDocument/2006/relationships" xmlns:p="http://schemas.openxmlformats.org/presentationml/2006/main">
+  <p:cSld>
+    <p:spTree>
+      <p:nvGrpSpPr>
+        <p:cNvPr id="1" name=""/>
+        <p:cNvGrpSpPr/>
+        <p:nvPr/>
+      </p:nvGrpSpPr>
+      <p:grpSpPr>
+        <a:xfrm>
+          <a:off x="0" y="0"/>
+          <a:ext cx="0" cy="0"/>
+          <a:chOff x="0" y="0"/>
+          <a:chExt cx="0" cy="0"/>
+        </a:xfrm>
+      </p:grpSpPr>
+      <p:sp>
+        <p:nvSpPr>
+          <p:cNvPr id="2" name="Title 1">
+            <a:extLst>
+              <a:ext uri="{FF2B5EF4-FFF2-40B4-BE49-F238E27FC236}">
+                <a16:creationId xmlns:a16="http://schemas.microsoft.com/office/drawing/2014/main" id="{CCE10450-B660-475D-8B18-716BF06AF0A0}"/>
+              </a:ext>
+            </a:extLst>
+          </p:cNvPr>
+          <p:cNvSpPr>
+            <a:spLocks noGrp="1"/>
+          </p:cNvSpPr>
+          <p:nvPr>
+            <p:ph type="title"/>
+          </p:nvPr>
+        </p:nvSpPr>
+        <p:spPr/>
+        <p:txBody>
+          <a:bodyPr/>
+          <a:lstStyle/>
+          <a:p>
+            <a:r>
+              <a:rPr lang="en-US" dirty="0"/>
+              <a:t>The Open Container Initiative</a:t>
+            </a:r>
+          </a:p>
+        </p:txBody>
+      </p:sp>
+      <p:sp>
+        <p:nvSpPr>
+          <p:cNvPr id="3" name="Content Placeholder 2">
+            <a:extLst>
+              <a:ext uri="{FF2B5EF4-FFF2-40B4-BE49-F238E27FC236}">
+                <a16:creationId xmlns:a16="http://schemas.microsoft.com/office/drawing/2014/main" id="{EE8B50DB-DD9F-4B8F-B7D1-88B10D093D52}"/>
+              </a:ext>
+            </a:extLst>
+          </p:cNvPr>
+          <p:cNvSpPr>
+            <a:spLocks noGrp="1"/>
+          </p:cNvSpPr>
+          <p:nvPr>
+            <p:ph idx="1"/>
+          </p:nvPr>
+        </p:nvSpPr>
+        <p:spPr>
+          <a:xfrm>
+            <a:off x="581192" y="2180496"/>
+            <a:ext cx="11029615" cy="4109772"/>
+          </a:xfrm>
+        </p:spPr>
+        <p:txBody>
+          <a:bodyPr>
+            <a:normAutofit/>
+          </a:bodyPr>
+          <a:lstStyle/>
+          <a:p>
+            <a:pPr>
+              <a:lnSpc>
+                <a:spcPct val="200000"/>
+              </a:lnSpc>
+            </a:pPr>
+            <a:r>
+              <a:rPr lang="en-US" dirty="0"/>
+              <a:t>Governing body for containers</a:t>
+            </a:r>
+          </a:p>
+          <a:p>
+            <a:pPr>
+              <a:lnSpc>
+                <a:spcPct val="200000"/>
+              </a:lnSpc>
+            </a:pPr>
+            <a:r>
+              <a:rPr lang="en-US" dirty="0"/>
+              <a:t>Very high-level governance</a:t>
+            </a:r>
+          </a:p>
+          <a:p>
+            <a:pPr>
+              <a:lnSpc>
+                <a:spcPct val="200000"/>
+              </a:lnSpc>
+            </a:pPr>
+            <a:r>
+              <a:rPr lang="en-US" dirty="0"/>
+              <a:t>Seems to be doing it right (as opposed to the web standards, for example)</a:t>
+            </a:r>
+          </a:p>
+          <a:p>
+            <a:pPr>
+              <a:lnSpc>
+                <a:spcPct val="200000"/>
+              </a:lnSpc>
+            </a:pPr>
+            <a:r>
+              <a:rPr lang="en-US" dirty="0"/>
+              <a:t>Big “D” Docker contributed the little “d” docker format</a:t>
+            </a:r>
+          </a:p>
+          <a:p>
+            <a:pPr>
+              <a:lnSpc>
+                <a:spcPct val="200000"/>
+              </a:lnSpc>
+            </a:pPr>
+            <a:r>
+              <a:rPr lang="en-US" dirty="0"/>
+              <a:t>Google adopted the format and contributed Kubernetes</a:t>
+            </a:r>
+          </a:p>
+          <a:p>
+            <a:pPr>
+              <a:lnSpc>
+                <a:spcPct val="200000"/>
+              </a:lnSpc>
+            </a:pPr>
+            <a:r>
+              <a:rPr lang="en-US" dirty="0"/>
+              <a:t>As a result we have many options and tools available that play nice</a:t>
+            </a:r>
+          </a:p>
+        </p:txBody>
+      </p:sp>
+    </p:spTree>
+    <p:extLst>
+      <p:ext uri="{BB962C8B-B14F-4D97-AF65-F5344CB8AC3E}">
+        <p14:creationId xmlns:p14="http://schemas.microsoft.com/office/powerpoint/2010/main" val="434659222"/>
+      </p:ext>
+    </p:extLst>
+  </p:cSld>
+  <p:clrMapOvr>
+    <a:masterClrMapping/>
+  </p:clrMapOvr>
+  <p:timing>
+    <p:tnLst>
+      <p:par>
+        <p:cTn id="1" dur="indefinite" restart="never" nodeType="tmRoot">
+          <p:childTnLst>
+            <p:seq concurrent="1" nextAc="seek">
+              <p:cTn id="2" dur="indefinite" nodeType="mainSeq">
+                <p:childTnLst>
+                  <p:par>
+                    <p:cTn id="3" fill="hold">
+                      <p:stCondLst>
+                        <p:cond delay="indefinite"/>
+                      </p:stCondLst>
+                      <p:childTnLst>
+                        <p:par>
+                          <p:cTn id="4" fill="hold">
+                            <p:stCondLst>
+                              <p:cond delay="0"/>
+                            </p:stCondLst>
+                            <p:childTnLst>
+                              <p:par>
+                                <p:cTn id="5" presetID="10" presetClass="entr" presetSubtype="0" fill="hold" grpId="0" nodeType="clickEffect">
+                                  <p:stCondLst>
+                                    <p:cond delay="0"/>
+                                  </p:stCondLst>
+                                  <p:childTnLst>
+                                    <p:set>
+                                      <p:cBhvr>
+                                        <p:cTn id="6" dur="1" fill="hold">
+                                          <p:stCondLst>
+                                            <p:cond delay="0"/>
+                                          </p:stCondLst>
+                                        </p:cTn>
+                                        <p:tgtEl>
+                                          <p:spTgt spid="3">
+                                            <p:txEl>
+                                              <p:pRg st="0" end="0"/>
+                                            </p:txEl>
+                                          </p:spTgt>
+                                        </p:tgtEl>
+                                        <p:attrNameLst>
+                                          <p:attrName>style.visibility</p:attrName>
+                                        </p:attrNameLst>
+                                      </p:cBhvr>
+                                      <p:to>
+                                        <p:strVal val="visible"/>
+                                      </p:to>
+                                    </p:set>
+                                    <p:animEffect transition="in" filter="fade">
+                                      <p:cBhvr>
+                                        <p:cTn id="7" dur="500"/>
+                                        <p:tgtEl>
+                                          <p:spTgt spid="3">
+                                            <p:txEl>
+                                              <p:pRg st="0" end="0"/>
+                                            </p:txEl>
+                                          </p:spTgt>
+                                        </p:tgtEl>
+                                      </p:cBhvr>
+                                    </p:animEffect>
+                                  </p:childTnLst>
+                                </p:cTn>
+                              </p:par>
+                            </p:childTnLst>
+                          </p:cTn>
+                        </p:par>
+                      </p:childTnLst>
+                    </p:cTn>
+                  </p:par>
+                  <p:par>
+                    <p:cTn id="8" fill="hold">
+                      <p:stCondLst>
+                        <p:cond delay="indefinite"/>
+                      </p:stCondLst>
+                      <p:childTnLst>
+                        <p:par>
+                          <p:cTn id="9" fill="hold">
+                            <p:stCondLst>
+                              <p:cond delay="0"/>
+                            </p:stCondLst>
+                            <p:childTnLst>
+                              <p:par>
+                                <p:cTn id="10" presetID="10" presetClass="entr" presetSubtype="0" fill="hold" grpId="0" nodeType="clickEffect">
+                                  <p:stCondLst>
+                                    <p:cond delay="0"/>
+                                  </p:stCondLst>
+                                  <p:childTnLst>
+                                    <p:set>
+                                      <p:cBhvr>
+                                        <p:cTn id="11" dur="1" fill="hold">
+                                          <p:stCondLst>
+                                            <p:cond delay="0"/>
+                                          </p:stCondLst>
+                                        </p:cTn>
+                                        <p:tgtEl>
+                                          <p:spTgt spid="3">
+                                            <p:txEl>
+                                              <p:pRg st="1" end="1"/>
+                                            </p:txEl>
+                                          </p:spTgt>
+                                        </p:tgtEl>
+                                        <p:attrNameLst>
+                                          <p:attrName>style.visibility</p:attrName>
+                                        </p:attrNameLst>
+                                      </p:cBhvr>
+                                      <p:to>
+                                        <p:strVal val="visible"/>
+                                      </p:to>
+                                    </p:set>
+                                    <p:animEffect transition="in" filter="fade">
+                                      <p:cBhvr>
+                                        <p:cTn id="12" dur="500"/>
+                                        <p:tgtEl>
+                                          <p:spTgt spid="3">
+                                            <p:txEl>
+                                              <p:pRg st="1" end="1"/>
+                                            </p:txEl>
+                                          </p:spTgt>
+                                        </p:tgtEl>
+                                      </p:cBhvr>
+                                    </p:animEffect>
+                                  </p:childTnLst>
+                                </p:cTn>
+                              </p:par>
+                            </p:childTnLst>
+                          </p:cTn>
+                        </p:par>
+                      </p:childTnLst>
+                    </p:cTn>
+                  </p:par>
+                  <p:par>
+                    <p:cTn id="13" fill="hold">
+                      <p:stCondLst>
+                        <p:cond delay="indefinite"/>
+                      </p:stCondLst>
+                      <p:childTnLst>
+                        <p:par>
+                          <p:cTn id="14" fill="hold">
+                            <p:stCondLst>
+                              <p:cond delay="0"/>
+                            </p:stCondLst>
+                            <p:childTnLst>
+                              <p:par>
+                                <p:cTn id="15" presetID="10" presetClass="entr" presetSubtype="0" fill="hold" grpId="0" nodeType="clickEffect">
+                                  <p:stCondLst>
+                                    <p:cond delay="0"/>
+                                  </p:stCondLst>
+                                  <p:childTnLst>
+                                    <p:set>
+                                      <p:cBhvr>
+                                        <p:cTn id="16" dur="1" fill="hold">
+                                          <p:stCondLst>
+                                            <p:cond delay="0"/>
+                                          </p:stCondLst>
+                                        </p:cTn>
+                                        <p:tgtEl>
+                                          <p:spTgt spid="3">
+                                            <p:txEl>
+                                              <p:pRg st="2" end="2"/>
+                                            </p:txEl>
+                                          </p:spTgt>
+                                        </p:tgtEl>
+                                        <p:attrNameLst>
+                                          <p:attrName>style.visibility</p:attrName>
+                                        </p:attrNameLst>
+                                      </p:cBhvr>
+                                      <p:to>
+                                        <p:strVal val="visible"/>
+                                      </p:to>
+                                    </p:set>
+                                    <p:animEffect transition="in" filter="fade">
+                                      <p:cBhvr>
+                                        <p:cTn id="17" dur="500"/>
+                                        <p:tgtEl>
+                                          <p:spTgt spid="3">
+                                            <p:txEl>
+                                              <p:pRg st="2" end="2"/>
+                                            </p:txEl>
+                                          </p:spTgt>
+                                        </p:tgtEl>
+                                      </p:cBhvr>
+                                    </p:animEffect>
+                                  </p:childTnLst>
+                                </p:cTn>
+                              </p:par>
+                            </p:childTnLst>
+                          </p:cTn>
+                        </p:par>
+                      </p:childTnLst>
+                    </p:cTn>
+                  </p:par>
+                  <p:par>
+                    <p:cTn id="18" fill="hold">
+                      <p:stCondLst>
+                        <p:cond delay="indefinite"/>
+                      </p:stCondLst>
+                      <p:childTnLst>
+                        <p:par>
+                          <p:cTn id="19" fill="hold">
+                            <p:stCondLst>
+                              <p:cond delay="0"/>
+                            </p:stCondLst>
+                            <p:childTnLst>
+                              <p:par>
+                                <p:cTn id="20" presetID="10" presetClass="entr" presetSubtype="0" fill="hold" grpId="0" nodeType="clickEffect">
+                                  <p:stCondLst>
+                                    <p:cond delay="0"/>
+                                  </p:stCondLst>
+                                  <p:childTnLst>
+                                    <p:set>
+                                      <p:cBhvr>
+                                        <p:cTn id="21" dur="1" fill="hold">
+                                          <p:stCondLst>
+                                            <p:cond delay="0"/>
+                                          </p:stCondLst>
+                                        </p:cTn>
+                                        <p:tgtEl>
+                                          <p:spTgt spid="3">
+                                            <p:txEl>
+                                              <p:pRg st="3" end="3"/>
+                                            </p:txEl>
+                                          </p:spTgt>
+                                        </p:tgtEl>
+                                        <p:attrNameLst>
+                                          <p:attrName>style.visibility</p:attrName>
+                                        </p:attrNameLst>
+                                      </p:cBhvr>
+                                      <p:to>
+                                        <p:strVal val="visible"/>
+                                      </p:to>
+                                    </p:set>
+                                    <p:animEffect transition="in" filter="fade">
+                                      <p:cBhvr>
+                                        <p:cTn id="22" dur="500"/>
+                                        <p:tgtEl>
+                                          <p:spTgt spid="3">
+                                            <p:txEl>
+                                              <p:pRg st="3" end="3"/>
+                                            </p:txEl>
+                                          </p:spTgt>
+                                        </p:tgtEl>
+                                      </p:cBhvr>
+                                    </p:animEffect>
+                                  </p:childTnLst>
+                                </p:cTn>
+                              </p:par>
+                            </p:childTnLst>
+                          </p:cTn>
+                        </p:par>
+                      </p:childTnLst>
+                    </p:cTn>
+                  </p:par>
+                  <p:par>
+                    <p:cTn id="23" fill="hold">
+                      <p:stCondLst>
+                        <p:cond delay="indefinite"/>
+                      </p:stCondLst>
+                      <p:childTnLst>
+                        <p:par>
+                          <p:cTn id="24" fill="hold">
+                            <p:stCondLst>
+                              <p:cond delay="0"/>
+                            </p:stCondLst>
+                            <p:childTnLst>
+                              <p:par>
+                                <p:cTn id="25" presetID="10" presetClass="entr" presetSubtype="0" fill="hold" grpId="0" nodeType="clickEffect">
+                                  <p:stCondLst>
+                                    <p:cond delay="0"/>
+                                  </p:stCondLst>
+                                  <p:childTnLst>
+                                    <p:set>
+                                      <p:cBhvr>
+                                        <p:cTn id="26" dur="1" fill="hold">
+                                          <p:stCondLst>
+                                            <p:cond delay="0"/>
+                                          </p:stCondLst>
+                                        </p:cTn>
+                                        <p:tgtEl>
+                                          <p:spTgt spid="3">
+                                            <p:txEl>
+                                              <p:pRg st="4" end="4"/>
+                                            </p:txEl>
+                                          </p:spTgt>
+                                        </p:tgtEl>
+                                        <p:attrNameLst>
+                                          <p:attrName>style.visibility</p:attrName>
+                                        </p:attrNameLst>
+                                      </p:cBhvr>
+                                      <p:to>
+                                        <p:strVal val="visible"/>
+                                      </p:to>
+                                    </p:set>
+                                    <p:animEffect transition="in" filter="fade">
+                                      <p:cBhvr>
+                                        <p:cTn id="27" dur="500"/>
+                                        <p:tgtEl>
+                                          <p:spTgt spid="3">
+                                            <p:txEl>
+                                              <p:pRg st="4" end="4"/>
+                                            </p:txEl>
+                                          </p:spTgt>
+                                        </p:tgtEl>
+                                      </p:cBhvr>
+                                    </p:animEffect>
+                                  </p:childTnLst>
+                                </p:cTn>
+                              </p:par>
+                            </p:childTnLst>
+                          </p:cTn>
+                        </p:par>
+                      </p:childTnLst>
+                    </p:cTn>
+                  </p:par>
+                  <p:par>
+                    <p:cTn id="28" fill="hold">
+                      <p:stCondLst>
+                        <p:cond delay="indefinite"/>
+                      </p:stCondLst>
+                      <p:childTnLst>
+                        <p:par>
+                          <p:cTn id="29" fill="hold">
+                            <p:stCondLst>
+                              <p:cond delay="0"/>
+                            </p:stCondLst>
+                            <p:childTnLst>
+                              <p:par>
+                                <p:cTn id="30" presetID="10" presetClass="entr" presetSubtype="0" fill="hold" grpId="0" nodeType="clickEffect">
+                                  <p:stCondLst>
+                                    <p:cond delay="0"/>
+                                  </p:stCondLst>
+                                  <p:childTnLst>
+                                    <p:set>
+                                      <p:cBhvr>
+                                        <p:cTn id="31" dur="1" fill="hold">
+                                          <p:stCondLst>
+                                            <p:cond delay="0"/>
+                                          </p:stCondLst>
+                                        </p:cTn>
+                                        <p:tgtEl>
+                                          <p:spTgt spid="3">
+                                            <p:txEl>
+                                              <p:pRg st="5" end="5"/>
+                                            </p:txEl>
+                                          </p:spTgt>
+                                        </p:tgtEl>
+                                        <p:attrNameLst>
+                                          <p:attrName>style.visibility</p:attrName>
+                                        </p:attrNameLst>
+                                      </p:cBhvr>
+                                      <p:to>
+                                        <p:strVal val="visible"/>
+                                      </p:to>
+                                    </p:set>
+                                    <p:animEffect transition="in" filter="fade">
+                                      <p:cBhvr>
                                         <p:cTn id="32" dur="500"/>
                                         <p:tgtEl>
                                           <p:spTgt spid="3">
                                             <p:txEl>
-                                              <p:pRg st="7" end="7"/>
+                                              <p:pRg st="5" end="5"/>
                                             </p:txEl>
                                           </p:spTgt>
                                         </p:tgtEl>
@@ -20599,7 +21615,7 @@
 </p:sld>
 </file>
 
-<file path=ppt/slides/slide23.xml><?xml version="1.0" encoding="utf-8"?>
+<file path=ppt/slides/slide25.xml><?xml version="1.0" encoding="utf-8"?>
 <p:sld xmlns:a="http://schemas.openxmlformats.org/drawingml/2006/main" xmlns:r="http://schemas.openxmlformats.org/officeDocument/2006/relationships" xmlns:p="http://schemas.openxmlformats.org/presentationml/2006/main">
   <p:cSld>
     <p:spTree>
@@ -20724,9 +21740,6 @@
               <a:rPr lang="en-US" dirty="0"/>
               <a:t>Simplified portability</a:t>
             </a:r>
-          </a:p>
-          <a:p>
-            <a:endParaRPr lang="en-US" dirty="0"/>
           </a:p>
         </p:txBody>
       </p:sp>
@@ -21325,7 +22338,7 @@
 </p:sld>
 </file>
 
-<file path=ppt/slides/slide24.xml><?xml version="1.0" encoding="utf-8"?>
+<file path=ppt/slides/slide26.xml><?xml version="1.0" encoding="utf-8"?>
 <p:sld xmlns:a="http://schemas.openxmlformats.org/drawingml/2006/main" xmlns:r="http://schemas.openxmlformats.org/officeDocument/2006/relationships" xmlns:p="http://schemas.openxmlformats.org/presentationml/2006/main">
   <p:cSld>
     <p:spTree>
@@ -21398,12 +22411,22 @@
           </a:bodyPr>
           <a:lstStyle/>
           <a:p>
+            <a:pPr>
+              <a:lnSpc>
+                <a:spcPct val="150000"/>
+              </a:lnSpc>
+            </a:pPr>
             <a:r>
               <a:rPr lang="en-US" dirty="0"/>
               <a:t>No need to install and manage dependencies (I’ll demonstrate this)</a:t>
             </a:r>
           </a:p>
           <a:p>
+            <a:pPr>
+              <a:lnSpc>
+                <a:spcPct val="150000"/>
+              </a:lnSpc>
+            </a:pPr>
             <a:r>
               <a:rPr lang="en-US" dirty="0"/>
               <a:t>Dependencies and their configuration </a:t>
@@ -21415,7 +22438,11 @@
             <a:endParaRPr lang="en-US" dirty="0"/>
           </a:p>
           <a:p>
-            <a:pPr lvl="1"/>
+            <a:pPr lvl="1">
+              <a:lnSpc>
+                <a:spcPct val="150000"/>
+              </a:lnSpc>
+            </a:pPr>
             <a:r>
               <a:rPr lang="en-US" dirty="0"/>
               <a:t>This means everything behaves the same for everyone.  </a:t>
@@ -21431,34 +22458,55 @@
             <a:endParaRPr lang="en-US" dirty="0"/>
           </a:p>
           <a:p>
-            <a:pPr lvl="1"/>
+            <a:pPr lvl="1">
+              <a:lnSpc>
+                <a:spcPct val="150000"/>
+              </a:lnSpc>
+            </a:pPr>
             <a:r>
               <a:rPr lang="en-US" dirty="0"/>
               <a:t>When a developer solves a dependency problem, everyone gets it immediately</a:t>
             </a:r>
           </a:p>
           <a:p>
+            <a:pPr>
+              <a:lnSpc>
+                <a:spcPct val="150000"/>
+              </a:lnSpc>
+            </a:pPr>
             <a:r>
               <a:rPr lang="en-US" dirty="0"/>
               <a:t>Resources for dependencies are only consumed when running the application.  For example on Evolve we run:</a:t>
             </a:r>
           </a:p>
           <a:p>
-            <a:pPr lvl="1"/>
+            <a:pPr lvl="1">
+              <a:lnSpc>
+                <a:spcPct val="150000"/>
+              </a:lnSpc>
+            </a:pPr>
             <a:r>
               <a:rPr lang="en-US" dirty="0"/>
               <a:t>Erlang</a:t>
             </a:r>
           </a:p>
           <a:p>
-            <a:pPr lvl="1"/>
+            <a:pPr lvl="1">
+              <a:lnSpc>
+                <a:spcPct val="150000"/>
+              </a:lnSpc>
+            </a:pPr>
             <a:r>
               <a:rPr lang="en-US" dirty="0"/>
               <a:t>RabbitMQ</a:t>
             </a:r>
           </a:p>
           <a:p>
-            <a:pPr lvl="1"/>
+            <a:pPr lvl="1">
+              <a:lnSpc>
+                <a:spcPct val="150000"/>
+              </a:lnSpc>
+            </a:pPr>
             <a:r>
               <a:rPr lang="en-US" dirty="0"/>
               <a:t>SQL Server</a:t>
@@ -21600,15 +22648,33 @@
                                   </p:childTnLst>
                                 </p:cTn>
                               </p:par>
+                            </p:childTnLst>
+                          </p:cTn>
+                        </p:par>
+                      </p:childTnLst>
+                    </p:cTn>
+                  </p:par>
+                  <p:par>
+                    <p:cTn id="13" fill="hold">
+                      <p:stCondLst>
+                        <p:cond delay="indefinite"/>
+                      </p:stCondLst>
+                      <p:childTnLst>
+                        <p:par>
+                          <p:cTn id="14" fill="hold">
+                            <p:stCondLst>
+                              <p:cond delay="0"/>
+                            </p:stCondLst>
+                            <p:childTnLst>
                               <p:par>
-                                <p:cTn id="13" presetID="10" presetClass="entr" presetSubtype="0" fill="hold" grpId="0" nodeType="withEffect">
+                                <p:cTn id="15" presetID="10" presetClass="entr" presetSubtype="0" fill="hold" grpId="0" nodeType="clickEffect">
                                   <p:stCondLst>
                                     <p:cond delay="0"/>
                                   </p:stCondLst>
                                   <p:childTnLst>
                                     <p:set>
                                       <p:cBhvr>
-                                        <p:cTn id="14" dur="1" fill="hold">
+                                        <p:cTn id="16" dur="1" fill="hold">
                                           <p:stCondLst>
                                             <p:cond delay="0"/>
                                           </p:stCondLst>
@@ -21630,7 +22696,7 @@
                                     </p:set>
                                     <p:animEffect transition="in" filter="fade">
                                       <p:cBhvr>
-                                        <p:cTn id="15" dur="500"/>
+                                        <p:cTn id="17" dur="500"/>
                                         <p:tgtEl>
                                           <p:spTgt spid="3">
                                             <p:txEl>
@@ -21643,15 +22709,33 @@
                                   </p:childTnLst>
                                 </p:cTn>
                               </p:par>
+                            </p:childTnLst>
+                          </p:cTn>
+                        </p:par>
+                      </p:childTnLst>
+                    </p:cTn>
+                  </p:par>
+                  <p:par>
+                    <p:cTn id="18" fill="hold">
+                      <p:stCondLst>
+                        <p:cond delay="indefinite"/>
+                      </p:stCondLst>
+                      <p:childTnLst>
+                        <p:par>
+                          <p:cTn id="19" fill="hold">
+                            <p:stCondLst>
+                              <p:cond delay="0"/>
+                            </p:stCondLst>
+                            <p:childTnLst>
                               <p:par>
-                                <p:cTn id="16" presetID="10" presetClass="entr" presetSubtype="0" fill="hold" grpId="0" nodeType="withEffect">
+                                <p:cTn id="20" presetID="10" presetClass="entr" presetSubtype="0" fill="hold" grpId="0" nodeType="clickEffect">
                                   <p:stCondLst>
                                     <p:cond delay="0"/>
                                   </p:stCondLst>
                                   <p:childTnLst>
                                     <p:set>
                                       <p:cBhvr>
-                                        <p:cTn id="17" dur="1" fill="hold">
+                                        <p:cTn id="21" dur="1" fill="hold">
                                           <p:stCondLst>
                                             <p:cond delay="0"/>
                                           </p:stCondLst>
@@ -21673,7 +22757,7 @@
                                     </p:set>
                                     <p:animEffect transition="in" filter="fade">
                                       <p:cBhvr>
-                                        <p:cTn id="18" dur="500"/>
+                                        <p:cTn id="22" dur="500"/>
                                         <p:tgtEl>
                                           <p:spTgt spid="3">
                                             <p:txEl>
@@ -21693,26 +22777,26 @@
                     </p:cTn>
                   </p:par>
                   <p:par>
-                    <p:cTn id="19" fill="hold">
+                    <p:cTn id="23" fill="hold">
                       <p:stCondLst>
                         <p:cond delay="indefinite"/>
                       </p:stCondLst>
                       <p:childTnLst>
                         <p:par>
-                          <p:cTn id="20" fill="hold">
+                          <p:cTn id="24" fill="hold">
                             <p:stCondLst>
                               <p:cond delay="0"/>
                             </p:stCondLst>
                             <p:childTnLst>
                               <p:par>
-                                <p:cTn id="21" presetID="10" presetClass="entr" presetSubtype="0" fill="hold" grpId="0" nodeType="clickEffect">
+                                <p:cTn id="25" presetID="10" presetClass="entr" presetSubtype="0" fill="hold" grpId="0" nodeType="clickEffect">
                                   <p:stCondLst>
                                     <p:cond delay="0"/>
                                   </p:stCondLst>
                                   <p:childTnLst>
                                     <p:set>
                                       <p:cBhvr>
-                                        <p:cTn id="22" dur="1" fill="hold">
+                                        <p:cTn id="26" dur="1" fill="hold">
                                           <p:stCondLst>
                                             <p:cond delay="0"/>
                                           </p:stCondLst>
@@ -21734,7 +22818,7 @@
                                     </p:set>
                                     <p:animEffect transition="in" filter="fade">
                                       <p:cBhvr>
-                                        <p:cTn id="23" dur="500"/>
+                                        <p:cTn id="27" dur="500"/>
                                         <p:tgtEl>
                                           <p:spTgt spid="3">
                                             <p:txEl>
@@ -21747,15 +22831,33 @@
                                   </p:childTnLst>
                                 </p:cTn>
                               </p:par>
+                            </p:childTnLst>
+                          </p:cTn>
+                        </p:par>
+                      </p:childTnLst>
+                    </p:cTn>
+                  </p:par>
+                  <p:par>
+                    <p:cTn id="28" fill="hold">
+                      <p:stCondLst>
+                        <p:cond delay="indefinite"/>
+                      </p:stCondLst>
+                      <p:childTnLst>
+                        <p:par>
+                          <p:cTn id="29" fill="hold">
+                            <p:stCondLst>
+                              <p:cond delay="0"/>
+                            </p:stCondLst>
+                            <p:childTnLst>
                               <p:par>
-                                <p:cTn id="24" presetID="10" presetClass="entr" presetSubtype="0" fill="hold" grpId="0" nodeType="withEffect">
+                                <p:cTn id="30" presetID="10" presetClass="entr" presetSubtype="0" fill="hold" grpId="0" nodeType="clickEffect">
                                   <p:stCondLst>
                                     <p:cond delay="0"/>
                                   </p:stCondLst>
                                   <p:childTnLst>
                                     <p:set>
                                       <p:cBhvr>
-                                        <p:cTn id="25" dur="1" fill="hold">
+                                        <p:cTn id="31" dur="1" fill="hold">
                                           <p:stCondLst>
                                             <p:cond delay="0"/>
                                           </p:stCondLst>
@@ -21777,7 +22879,7 @@
                                     </p:set>
                                     <p:animEffect transition="in" filter="fade">
                                       <p:cBhvr>
-                                        <p:cTn id="26" dur="500"/>
+                                        <p:cTn id="32" dur="500"/>
                                         <p:tgtEl>
                                           <p:spTgt spid="3">
                                             <p:txEl>
@@ -21791,14 +22893,14 @@
                                 </p:cTn>
                               </p:par>
                               <p:par>
-                                <p:cTn id="27" presetID="10" presetClass="entr" presetSubtype="0" fill="hold" grpId="0" nodeType="withEffect">
+                                <p:cTn id="33" presetID="10" presetClass="entr" presetSubtype="0" fill="hold" grpId="0" nodeType="withEffect">
                                   <p:stCondLst>
                                     <p:cond delay="0"/>
                                   </p:stCondLst>
                                   <p:childTnLst>
                                     <p:set>
                                       <p:cBhvr>
-                                        <p:cTn id="28" dur="1" fill="hold">
+                                        <p:cTn id="34" dur="1" fill="hold">
                                           <p:stCondLst>
                                             <p:cond delay="0"/>
                                           </p:stCondLst>
@@ -21820,7 +22922,7 @@
                                     </p:set>
                                     <p:animEffect transition="in" filter="fade">
                                       <p:cBhvr>
-                                        <p:cTn id="29" dur="500"/>
+                                        <p:cTn id="35" dur="500"/>
                                         <p:tgtEl>
                                           <p:spTgt spid="3">
                                             <p:txEl>
@@ -21834,14 +22936,14 @@
                                 </p:cTn>
                               </p:par>
                               <p:par>
-                                <p:cTn id="30" presetID="10" presetClass="entr" presetSubtype="0" fill="hold" grpId="0" nodeType="withEffect">
+                                <p:cTn id="36" presetID="10" presetClass="entr" presetSubtype="0" fill="hold" grpId="0" nodeType="withEffect">
                                   <p:stCondLst>
                                     <p:cond delay="0"/>
                                   </p:stCondLst>
                                   <p:childTnLst>
                                     <p:set>
                                       <p:cBhvr>
-                                        <p:cTn id="31" dur="1" fill="hold">
+                                        <p:cTn id="37" dur="1" fill="hold">
                                           <p:stCondLst>
                                             <p:cond delay="0"/>
                                           </p:stCondLst>
@@ -21863,7 +22965,7 @@
                                     </p:set>
                                     <p:animEffect transition="in" filter="fade">
                                       <p:cBhvr>
-                                        <p:cTn id="32" dur="500"/>
+                                        <p:cTn id="38" dur="500"/>
                                         <p:tgtEl>
                                           <p:spTgt spid="3">
                                             <p:txEl>
@@ -21904,13 +23006,13 @@
       </p:par>
     </p:tnLst>
     <p:bldLst>
-      <p:bldP spid="3" grpId="0" build="p"/>
+      <p:bldP spid="3" grpId="0" uiExpand="1" build="p"/>
     </p:bldLst>
   </p:timing>
 </p:sld>
 </file>
 
-<file path=ppt/slides/slide25.xml><?xml version="1.0" encoding="utf-8"?>
+<file path=ppt/slides/slide27.xml><?xml version="1.0" encoding="utf-8"?>
 <p:sld xmlns:a="http://schemas.openxmlformats.org/drawingml/2006/main" xmlns:r="http://schemas.openxmlformats.org/officeDocument/2006/relationships" xmlns:p="http://schemas.openxmlformats.org/presentationml/2006/main">
   <p:cSld>
     <p:spTree>
@@ -21945,9 +23047,16 @@
         </p:nvSpPr>
         <p:spPr/>
         <p:txBody>
-          <a:bodyPr/>
+          <a:bodyPr>
+            <a:normAutofit fontScale="90000"/>
+          </a:bodyPr>
           <a:lstStyle/>
           <a:p>
+            <a:pPr>
+              <a:lnSpc>
+                <a:spcPct val="300000"/>
+              </a:lnSpc>
+            </a:pPr>
             <a:r>
               <a:rPr lang="en-US" dirty="0"/>
               <a:t>Containers and Development (Continued)</a:t>
@@ -21983,12 +23092,33 @@
           </a:bodyPr>
           <a:lstStyle/>
           <a:p>
+            <a:pPr>
+              <a:lnSpc>
+                <a:spcPct val="300000"/>
+              </a:lnSpc>
+            </a:pPr>
             <a:r>
               <a:rPr lang="en-US" dirty="0"/>
               <a:t>Provides a true “all in one” environment to the developer, without manual intervention</a:t>
             </a:r>
           </a:p>
           <a:p>
+            <a:pPr>
+              <a:lnSpc>
+                <a:spcPct val="300000"/>
+              </a:lnSpc>
+            </a:pPr>
+            <a:r>
+              <a:rPr lang="en-US" dirty="0"/>
+              <a:t>Resources are only consumed when running the application</a:t>
+            </a:r>
+          </a:p>
+          <a:p>
+            <a:pPr>
+              <a:lnSpc>
+                <a:spcPct val="300000"/>
+              </a:lnSpc>
+            </a:pPr>
             <a:r>
               <a:rPr lang="en-US" dirty="0"/>
               <a:t>The local environment can be </a:t>
@@ -22003,20 +23133,22 @@
             </a:r>
           </a:p>
           <a:p>
+            <a:pPr>
+              <a:lnSpc>
+                <a:spcPct val="300000"/>
+              </a:lnSpc>
+            </a:pPr>
             <a:r>
               <a:rPr lang="en-US" dirty="0"/>
-              <a:t>When adding features or bugfixes, you can debug inside the </a:t>
-            </a:r>
-            <a:r>
-              <a:rPr lang="en-US" dirty="0" err="1"/>
-              <a:t>containerResources</a:t>
-            </a:r>
-            <a:r>
-              <a:rPr lang="en-US" dirty="0"/>
-              <a:t> are only consumed when running the application</a:t>
-            </a:r>
-          </a:p>
-          <a:p>
+              <a:t>When adding features or bugfixes, you can debug inside the container</a:t>
+            </a:r>
+          </a:p>
+          <a:p>
+            <a:pPr>
+              <a:lnSpc>
+                <a:spcPct val="300000"/>
+              </a:lnSpc>
+            </a:pPr>
             <a:endParaRPr lang="en-US" dirty="0"/>
           </a:p>
         </p:txBody>
@@ -22222,6 +23354,67 @@
                       </p:childTnLst>
                     </p:cTn>
                   </p:par>
+                  <p:par>
+                    <p:cTn id="18" fill="hold">
+                      <p:stCondLst>
+                        <p:cond delay="indefinite"/>
+                      </p:stCondLst>
+                      <p:childTnLst>
+                        <p:par>
+                          <p:cTn id="19" fill="hold">
+                            <p:stCondLst>
+                              <p:cond delay="0"/>
+                            </p:stCondLst>
+                            <p:childTnLst>
+                              <p:par>
+                                <p:cTn id="20" presetID="10" presetClass="entr" presetSubtype="0" fill="hold" grpId="0" nodeType="clickEffect">
+                                  <p:stCondLst>
+                                    <p:cond delay="0"/>
+                                  </p:stCondLst>
+                                  <p:childTnLst>
+                                    <p:set>
+                                      <p:cBhvr>
+                                        <p:cTn id="21" dur="1" fill="hold">
+                                          <p:stCondLst>
+                                            <p:cond delay="0"/>
+                                          </p:stCondLst>
+                                        </p:cTn>
+                                        <p:tgtEl>
+                                          <p:spTgt spid="3">
+                                            <p:txEl>
+                                              <p:pRg st="3" end="3"/>
+                                            </p:txEl>
+                                          </p:spTgt>
+                                        </p:tgtEl>
+                                        <p:attrNameLst>
+                                          <p:attrName>style.visibility</p:attrName>
+                                        </p:attrNameLst>
+                                      </p:cBhvr>
+                                      <p:to>
+                                        <p:strVal val="visible"/>
+                                      </p:to>
+                                    </p:set>
+                                    <p:animEffect transition="in" filter="fade">
+                                      <p:cBhvr>
+                                        <p:cTn id="22" dur="500"/>
+                                        <p:tgtEl>
+                                          <p:spTgt spid="3">
+                                            <p:txEl>
+                                              <p:pRg st="3" end="3"/>
+                                            </p:txEl>
+                                          </p:spTgt>
+                                        </p:tgtEl>
+                                      </p:cBhvr>
+                                    </p:animEffect>
+                                  </p:childTnLst>
+                                </p:cTn>
+                              </p:par>
+                            </p:childTnLst>
+                          </p:cTn>
+                        </p:par>
+                      </p:childTnLst>
+                    </p:cTn>
+                  </p:par>
                 </p:childTnLst>
               </p:cTn>
               <p:prevCondLst>
@@ -22250,7 +23443,7 @@
 </p:sld>
 </file>
 
-<file path=ppt/slides/slide26.xml><?xml version="1.0" encoding="utf-8"?>
+<file path=ppt/slides/slide28.xml><?xml version="1.0" encoding="utf-8"?>
 <p:sld xmlns:a="http://schemas.openxmlformats.org/drawingml/2006/main" xmlns:r="http://schemas.openxmlformats.org/officeDocument/2006/relationships" xmlns:p="http://schemas.openxmlformats.org/presentationml/2006/main">
   <p:cSld>
     <p:spTree>
@@ -22726,15 +23919,33 @@
                                   </p:childTnLst>
                                 </p:cTn>
                               </p:par>
+                            </p:childTnLst>
+                          </p:cTn>
+                        </p:par>
+                      </p:childTnLst>
+                    </p:cTn>
+                  </p:par>
+                  <p:par>
+                    <p:cTn id="28" fill="hold">
+                      <p:stCondLst>
+                        <p:cond delay="indefinite"/>
+                      </p:stCondLst>
+                      <p:childTnLst>
+                        <p:par>
+                          <p:cTn id="29" fill="hold">
+                            <p:stCondLst>
+                              <p:cond delay="0"/>
+                            </p:stCondLst>
+                            <p:childTnLst>
                               <p:par>
-                                <p:cTn id="28" presetID="10" presetClass="entr" presetSubtype="0" fill="hold" grpId="0" nodeType="withEffect">
+                                <p:cTn id="30" presetID="10" presetClass="entr" presetSubtype="0" fill="hold" grpId="0" nodeType="clickEffect">
                                   <p:stCondLst>
                                     <p:cond delay="0"/>
                                   </p:stCondLst>
                                   <p:childTnLst>
                                     <p:set>
                                       <p:cBhvr>
-                                        <p:cTn id="29" dur="1" fill="hold">
+                                        <p:cTn id="31" dur="1" fill="hold">
                                           <p:stCondLst>
                                             <p:cond delay="0"/>
                                           </p:stCondLst>
@@ -22756,7 +23967,7 @@
                                     </p:set>
                                     <p:animEffect transition="in" filter="fade">
                                       <p:cBhvr>
-                                        <p:cTn id="30" dur="500"/>
+                                        <p:cTn id="32" dur="500"/>
                                         <p:tgtEl>
                                           <p:spTgt spid="3">
                                             <p:txEl>
@@ -22776,26 +23987,26 @@
                     </p:cTn>
                   </p:par>
                   <p:par>
-                    <p:cTn id="31" fill="hold">
+                    <p:cTn id="33" fill="hold">
                       <p:stCondLst>
                         <p:cond delay="indefinite"/>
                       </p:stCondLst>
                       <p:childTnLst>
                         <p:par>
-                          <p:cTn id="32" fill="hold">
+                          <p:cTn id="34" fill="hold">
                             <p:stCondLst>
                               <p:cond delay="0"/>
                             </p:stCondLst>
                             <p:childTnLst>
                               <p:par>
-                                <p:cTn id="33" presetID="10" presetClass="entr" presetSubtype="0" fill="hold" grpId="0" nodeType="clickEffect">
+                                <p:cTn id="35" presetID="10" presetClass="entr" presetSubtype="0" fill="hold" grpId="0" nodeType="clickEffect">
                                   <p:stCondLst>
                                     <p:cond delay="0"/>
                                   </p:stCondLst>
                                   <p:childTnLst>
                                     <p:set>
                                       <p:cBhvr>
-                                        <p:cTn id="34" dur="1" fill="hold">
+                                        <p:cTn id="36" dur="1" fill="hold">
                                           <p:stCondLst>
                                             <p:cond delay="0"/>
                                           </p:stCondLst>
@@ -22817,7 +24028,7 @@
                                     </p:set>
                                     <p:animEffect transition="in" filter="fade">
                                       <p:cBhvr>
-                                        <p:cTn id="35" dur="500"/>
+                                        <p:cTn id="37" dur="500"/>
                                         <p:tgtEl>
                                           <p:spTgt spid="3">
                                             <p:txEl>
@@ -22837,26 +24048,26 @@
                     </p:cTn>
                   </p:par>
                   <p:par>
-                    <p:cTn id="36" fill="hold">
+                    <p:cTn id="38" fill="hold">
                       <p:stCondLst>
                         <p:cond delay="indefinite"/>
                       </p:stCondLst>
                       <p:childTnLst>
                         <p:par>
-                          <p:cTn id="37" fill="hold">
+                          <p:cTn id="39" fill="hold">
                             <p:stCondLst>
                               <p:cond delay="0"/>
                             </p:stCondLst>
                             <p:childTnLst>
                               <p:par>
-                                <p:cTn id="38" presetID="10" presetClass="entr" presetSubtype="0" fill="hold" grpId="0" nodeType="clickEffect">
+                                <p:cTn id="40" presetID="10" presetClass="entr" presetSubtype="0" fill="hold" grpId="0" nodeType="clickEffect">
                                   <p:stCondLst>
                                     <p:cond delay="0"/>
                                   </p:stCondLst>
                                   <p:childTnLst>
                                     <p:set>
                                       <p:cBhvr>
-                                        <p:cTn id="39" dur="1" fill="hold">
+                                        <p:cTn id="41" dur="1" fill="hold">
                                           <p:stCondLst>
                                             <p:cond delay="0"/>
                                           </p:stCondLst>
@@ -22878,7 +24089,7 @@
                                     </p:set>
                                     <p:animEffect transition="in" filter="fade">
                                       <p:cBhvr>
-                                        <p:cTn id="40" dur="500"/>
+                                        <p:cTn id="42" dur="500"/>
                                         <p:tgtEl>
                                           <p:spTgt spid="3">
                                             <p:txEl>
@@ -22898,26 +24109,26 @@
                     </p:cTn>
                   </p:par>
                   <p:par>
-                    <p:cTn id="41" fill="hold">
+                    <p:cTn id="43" fill="hold">
                       <p:stCondLst>
                         <p:cond delay="indefinite"/>
                       </p:stCondLst>
                       <p:childTnLst>
                         <p:par>
-                          <p:cTn id="42" fill="hold">
+                          <p:cTn id="44" fill="hold">
                             <p:stCondLst>
                               <p:cond delay="0"/>
                             </p:stCondLst>
                             <p:childTnLst>
                               <p:par>
-                                <p:cTn id="43" presetID="10" presetClass="entr" presetSubtype="0" fill="hold" grpId="0" nodeType="clickEffect">
+                                <p:cTn id="45" presetID="10" presetClass="entr" presetSubtype="0" fill="hold" grpId="0" nodeType="clickEffect">
                                   <p:stCondLst>
                                     <p:cond delay="0"/>
                                   </p:stCondLst>
                                   <p:childTnLst>
                                     <p:set>
                                       <p:cBhvr>
-                                        <p:cTn id="44" dur="1" fill="hold">
+                                        <p:cTn id="46" dur="1" fill="hold">
                                           <p:stCondLst>
                                             <p:cond delay="0"/>
                                           </p:stCondLst>
@@ -22939,7 +24150,7 @@
                                     </p:set>
                                     <p:animEffect transition="in" filter="fade">
                                       <p:cBhvr>
-                                        <p:cTn id="45" dur="500"/>
+                                        <p:cTn id="47" dur="500"/>
                                         <p:tgtEl>
                                           <p:spTgt spid="3">
                                             <p:txEl>
@@ -22959,26 +24170,26 @@
                     </p:cTn>
                   </p:par>
                   <p:par>
-                    <p:cTn id="46" fill="hold">
+                    <p:cTn id="48" fill="hold">
                       <p:stCondLst>
                         <p:cond delay="indefinite"/>
                       </p:stCondLst>
                       <p:childTnLst>
                         <p:par>
-                          <p:cTn id="47" fill="hold">
+                          <p:cTn id="49" fill="hold">
                             <p:stCondLst>
                               <p:cond delay="0"/>
                             </p:stCondLst>
                             <p:childTnLst>
                               <p:par>
-                                <p:cTn id="48" presetID="10" presetClass="entr" presetSubtype="0" fill="hold" grpId="0" nodeType="clickEffect">
+                                <p:cTn id="50" presetID="10" presetClass="entr" presetSubtype="0" fill="hold" grpId="0" nodeType="clickEffect">
                                   <p:stCondLst>
                                     <p:cond delay="0"/>
                                   </p:stCondLst>
                                   <p:childTnLst>
                                     <p:set>
                                       <p:cBhvr>
-                                        <p:cTn id="49" dur="1" fill="hold">
+                                        <p:cTn id="51" dur="1" fill="hold">
                                           <p:stCondLst>
                                             <p:cond delay="0"/>
                                           </p:stCondLst>
@@ -23000,7 +24211,7 @@
                                     </p:set>
                                     <p:animEffect transition="in" filter="fade">
                                       <p:cBhvr>
-                                        <p:cTn id="50" dur="500"/>
+                                        <p:cTn id="52" dur="500"/>
                                         <p:tgtEl>
                                           <p:spTgt spid="3">
                                             <p:txEl>
@@ -23041,13 +24252,13 @@
       </p:par>
     </p:tnLst>
     <p:bldLst>
-      <p:bldP spid="3" grpId="0" build="p"/>
+      <p:bldP spid="3" grpId="0" uiExpand="1" build="p"/>
     </p:bldLst>
   </p:timing>
 </p:sld>
 </file>
 
-<file path=ppt/slides/slide27.xml><?xml version="1.0" encoding="utf-8"?>
+<file path=ppt/slides/slide29.xml><?xml version="1.0" encoding="utf-8"?>
 <p:sld xmlns:a="http://schemas.openxmlformats.org/drawingml/2006/main" xmlns:r="http://schemas.openxmlformats.org/officeDocument/2006/relationships" xmlns:p="http://schemas.openxmlformats.org/presentationml/2006/main">
   <p:cSld>
     <p:spTree>
@@ -23085,6 +24296,11 @@
           <a:bodyPr/>
           <a:lstStyle/>
           <a:p>
+            <a:pPr>
+              <a:lnSpc>
+                <a:spcPct val="200000"/>
+              </a:lnSpc>
+            </a:pPr>
             <a:r>
               <a:rPr lang="en-US" dirty="0"/>
               <a:t>Containers and Operations</a:t>
@@ -23120,42 +24336,77 @@
           </a:bodyPr>
           <a:lstStyle/>
           <a:p>
+            <a:pPr>
+              <a:lnSpc>
+                <a:spcPct val="200000"/>
+              </a:lnSpc>
+            </a:pPr>
             <a:r>
               <a:rPr lang="en-US" dirty="0"/>
               <a:t>Reduced infrastructure cost</a:t>
             </a:r>
           </a:p>
           <a:p>
+            <a:pPr>
+              <a:lnSpc>
+                <a:spcPct val="200000"/>
+              </a:lnSpc>
+            </a:pPr>
             <a:r>
               <a:rPr lang="en-US" dirty="0"/>
               <a:t>Tight control of container images</a:t>
             </a:r>
           </a:p>
           <a:p>
+            <a:pPr>
+              <a:lnSpc>
+                <a:spcPct val="200000"/>
+              </a:lnSpc>
+            </a:pPr>
             <a:r>
               <a:rPr lang="en-US" dirty="0"/>
               <a:t>Security auditing</a:t>
             </a:r>
           </a:p>
           <a:p>
+            <a:pPr>
+              <a:lnSpc>
+                <a:spcPct val="200000"/>
+              </a:lnSpc>
+            </a:pPr>
             <a:r>
               <a:rPr lang="en-US" dirty="0"/>
               <a:t>Required certification of applications</a:t>
             </a:r>
           </a:p>
           <a:p>
+            <a:pPr>
+              <a:lnSpc>
+                <a:spcPct val="200000"/>
+              </a:lnSpc>
+            </a:pPr>
             <a:r>
               <a:rPr lang="en-US" dirty="0"/>
               <a:t>Excellent tools for automatic scaling</a:t>
             </a:r>
           </a:p>
           <a:p>
+            <a:pPr>
+              <a:lnSpc>
+                <a:spcPct val="200000"/>
+              </a:lnSpc>
+            </a:pPr>
             <a:r>
               <a:rPr lang="en-US" dirty="0"/>
               <a:t>Reduced maintenance burden</a:t>
             </a:r>
           </a:p>
           <a:p>
+            <a:pPr>
+              <a:lnSpc>
+                <a:spcPct val="200000"/>
+              </a:lnSpc>
+            </a:pPr>
             <a:endParaRPr lang="en-US" dirty="0"/>
           </a:p>
         </p:txBody>
@@ -23572,7 +24823,1324 @@
 </p:sld>
 </file>
 
-<file path=ppt/slides/slide28.xml><?xml version="1.0" encoding="utf-8"?>
+<file path=ppt/slides/slide3.xml><?xml version="1.0" encoding="utf-8"?>
+<p:sld xmlns:a="http://schemas.openxmlformats.org/drawingml/2006/main" xmlns:r="http://schemas.openxmlformats.org/officeDocument/2006/relationships" xmlns:p="http://schemas.openxmlformats.org/presentationml/2006/main">
+  <p:cSld>
+    <p:spTree>
+      <p:nvGrpSpPr>
+        <p:cNvPr id="1" name=""/>
+        <p:cNvGrpSpPr/>
+        <p:nvPr/>
+      </p:nvGrpSpPr>
+      <p:grpSpPr>
+        <a:xfrm>
+          <a:off x="0" y="0"/>
+          <a:ext cx="0" cy="0"/>
+          <a:chOff x="0" y="0"/>
+          <a:chExt cx="0" cy="0"/>
+        </a:xfrm>
+      </p:grpSpPr>
+      <p:sp>
+        <p:nvSpPr>
+          <p:cNvPr id="2" name="Title 1">
+            <a:extLst>
+              <a:ext uri="{FF2B5EF4-FFF2-40B4-BE49-F238E27FC236}">
+                <a16:creationId xmlns:a16="http://schemas.microsoft.com/office/drawing/2014/main" id="{4203C5A5-9815-40B7-B6A3-11624AD5D70B}"/>
+              </a:ext>
+            </a:extLst>
+          </p:cNvPr>
+          <p:cNvSpPr>
+            <a:spLocks noGrp="1"/>
+          </p:cNvSpPr>
+          <p:nvPr>
+            <p:ph type="title"/>
+          </p:nvPr>
+        </p:nvSpPr>
+        <p:spPr/>
+        <p:txBody>
+          <a:bodyPr/>
+          <a:lstStyle/>
+          <a:p>
+            <a:r>
+              <a:rPr lang="en-US" dirty="0"/>
+              <a:t>Presentation Overview</a:t>
+            </a:r>
+          </a:p>
+        </p:txBody>
+      </p:sp>
+      <p:sp>
+        <p:nvSpPr>
+          <p:cNvPr id="3" name="Content Placeholder 2">
+            <a:extLst>
+              <a:ext uri="{FF2B5EF4-FFF2-40B4-BE49-F238E27FC236}">
+                <a16:creationId xmlns:a16="http://schemas.microsoft.com/office/drawing/2014/main" id="{D3CB0566-8F38-499D-952E-09A2A91495B7}"/>
+              </a:ext>
+            </a:extLst>
+          </p:cNvPr>
+          <p:cNvSpPr>
+            <a:spLocks noGrp="1"/>
+          </p:cNvSpPr>
+          <p:nvPr>
+            <p:ph idx="1"/>
+          </p:nvPr>
+        </p:nvSpPr>
+        <p:spPr/>
+        <p:txBody>
+          <a:bodyPr>
+            <a:normAutofit fontScale="92500" lnSpcReduction="10000"/>
+          </a:bodyPr>
+          <a:lstStyle/>
+          <a:p>
+            <a:pPr>
+              <a:lnSpc>
+                <a:spcPct val="200000"/>
+              </a:lnSpc>
+            </a:pPr>
+            <a:r>
+              <a:rPr lang="en-US" dirty="0"/>
+              <a:t>A Problem Statement</a:t>
+            </a:r>
+          </a:p>
+          <a:p>
+            <a:pPr>
+              <a:lnSpc>
+                <a:spcPct val="200000"/>
+              </a:lnSpc>
+            </a:pPr>
+            <a:r>
+              <a:rPr lang="en-US" dirty="0"/>
+              <a:t>A Brief History Lesson</a:t>
+            </a:r>
+          </a:p>
+          <a:p>
+            <a:pPr>
+              <a:lnSpc>
+                <a:spcPct val="200000"/>
+              </a:lnSpc>
+            </a:pPr>
+            <a:r>
+              <a:rPr lang="en-US" dirty="0"/>
+              <a:t>A Quick Comparison With Virtual Machines</a:t>
+            </a:r>
+          </a:p>
+          <a:p>
+            <a:pPr>
+              <a:lnSpc>
+                <a:spcPct val="200000"/>
+              </a:lnSpc>
+            </a:pPr>
+            <a:r>
+              <a:rPr lang="en-US" dirty="0"/>
+              <a:t>A Quick Look at Containers</a:t>
+            </a:r>
+          </a:p>
+          <a:p>
+            <a:pPr>
+              <a:lnSpc>
+                <a:spcPct val="200000"/>
+              </a:lnSpc>
+            </a:pPr>
+            <a:r>
+              <a:rPr lang="en-US" dirty="0"/>
+              <a:t>A Hard Look at Some Concerns</a:t>
+            </a:r>
+          </a:p>
+          <a:p>
+            <a:pPr>
+              <a:lnSpc>
+                <a:spcPct val="200000"/>
+              </a:lnSpc>
+            </a:pPr>
+            <a:r>
+              <a:rPr lang="en-US" dirty="0"/>
+              <a:t>A Look at Next Steps</a:t>
+            </a:r>
+          </a:p>
+        </p:txBody>
+      </p:sp>
+    </p:spTree>
+    <p:extLst>
+      <p:ext uri="{BB962C8B-B14F-4D97-AF65-F5344CB8AC3E}">
+        <p14:creationId xmlns:p14="http://schemas.microsoft.com/office/powerpoint/2010/main" val="2671865223"/>
+      </p:ext>
+    </p:extLst>
+  </p:cSld>
+  <p:clrMapOvr>
+    <a:masterClrMapping/>
+  </p:clrMapOvr>
+  <p:timing>
+    <p:tnLst>
+      <p:par>
+        <p:cTn id="1" dur="indefinite" restart="never" nodeType="tmRoot">
+          <p:childTnLst>
+            <p:seq concurrent="1" nextAc="seek">
+              <p:cTn id="2" dur="indefinite" nodeType="mainSeq">
+                <p:childTnLst>
+                  <p:par>
+                    <p:cTn id="3" fill="hold">
+                      <p:stCondLst>
+                        <p:cond delay="indefinite"/>
+                      </p:stCondLst>
+                      <p:childTnLst>
+                        <p:par>
+                          <p:cTn id="4" fill="hold">
+                            <p:stCondLst>
+                              <p:cond delay="0"/>
+                            </p:stCondLst>
+                            <p:childTnLst>
+                              <p:par>
+                                <p:cTn id="5" presetID="10" presetClass="entr" presetSubtype="0" fill="hold" grpId="0" nodeType="clickEffect">
+                                  <p:stCondLst>
+                                    <p:cond delay="0"/>
+                                  </p:stCondLst>
+                                  <p:childTnLst>
+                                    <p:set>
+                                      <p:cBhvr>
+                                        <p:cTn id="6" dur="1" fill="hold">
+                                          <p:stCondLst>
+                                            <p:cond delay="0"/>
+                                          </p:stCondLst>
+                                        </p:cTn>
+                                        <p:tgtEl>
+                                          <p:spTgt spid="3">
+                                            <p:txEl>
+                                              <p:pRg st="0" end="0"/>
+                                            </p:txEl>
+                                          </p:spTgt>
+                                        </p:tgtEl>
+                                        <p:attrNameLst>
+                                          <p:attrName>style.visibility</p:attrName>
+                                        </p:attrNameLst>
+                                      </p:cBhvr>
+                                      <p:to>
+                                        <p:strVal val="visible"/>
+                                      </p:to>
+                                    </p:set>
+                                    <p:animEffect transition="in" filter="fade">
+                                      <p:cBhvr>
+                                        <p:cTn id="7" dur="500"/>
+                                        <p:tgtEl>
+                                          <p:spTgt spid="3">
+                                            <p:txEl>
+                                              <p:pRg st="0" end="0"/>
+                                            </p:txEl>
+                                          </p:spTgt>
+                                        </p:tgtEl>
+                                      </p:cBhvr>
+                                    </p:animEffect>
+                                  </p:childTnLst>
+                                </p:cTn>
+                              </p:par>
+                            </p:childTnLst>
+                          </p:cTn>
+                        </p:par>
+                      </p:childTnLst>
+                    </p:cTn>
+                  </p:par>
+                  <p:par>
+                    <p:cTn id="8" fill="hold">
+                      <p:stCondLst>
+                        <p:cond delay="indefinite"/>
+                      </p:stCondLst>
+                      <p:childTnLst>
+                        <p:par>
+                          <p:cTn id="9" fill="hold">
+                            <p:stCondLst>
+                              <p:cond delay="0"/>
+                            </p:stCondLst>
+                            <p:childTnLst>
+                              <p:par>
+                                <p:cTn id="10" presetID="10" presetClass="entr" presetSubtype="0" fill="hold" grpId="0" nodeType="clickEffect">
+                                  <p:stCondLst>
+                                    <p:cond delay="0"/>
+                                  </p:stCondLst>
+                                  <p:childTnLst>
+                                    <p:set>
+                                      <p:cBhvr>
+                                        <p:cTn id="11" dur="1" fill="hold">
+                                          <p:stCondLst>
+                                            <p:cond delay="0"/>
+                                          </p:stCondLst>
+                                        </p:cTn>
+                                        <p:tgtEl>
+                                          <p:spTgt spid="3">
+                                            <p:txEl>
+                                              <p:pRg st="1" end="1"/>
+                                            </p:txEl>
+                                          </p:spTgt>
+                                        </p:tgtEl>
+                                        <p:attrNameLst>
+                                          <p:attrName>style.visibility</p:attrName>
+                                        </p:attrNameLst>
+                                      </p:cBhvr>
+                                      <p:to>
+                                        <p:strVal val="visible"/>
+                                      </p:to>
+                                    </p:set>
+                                    <p:animEffect transition="in" filter="fade">
+                                      <p:cBhvr>
+                                        <p:cTn id="12" dur="500"/>
+                                        <p:tgtEl>
+                                          <p:spTgt spid="3">
+                                            <p:txEl>
+                                              <p:pRg st="1" end="1"/>
+                                            </p:txEl>
+                                          </p:spTgt>
+                                        </p:tgtEl>
+                                      </p:cBhvr>
+                                    </p:animEffect>
+                                  </p:childTnLst>
+                                </p:cTn>
+                              </p:par>
+                            </p:childTnLst>
+                          </p:cTn>
+                        </p:par>
+                      </p:childTnLst>
+                    </p:cTn>
+                  </p:par>
+                  <p:par>
+                    <p:cTn id="13" fill="hold">
+                      <p:stCondLst>
+                        <p:cond delay="indefinite"/>
+                      </p:stCondLst>
+                      <p:childTnLst>
+                        <p:par>
+                          <p:cTn id="14" fill="hold">
+                            <p:stCondLst>
+                              <p:cond delay="0"/>
+                            </p:stCondLst>
+                            <p:childTnLst>
+                              <p:par>
+                                <p:cTn id="15" presetID="10" presetClass="entr" presetSubtype="0" fill="hold" grpId="0" nodeType="clickEffect">
+                                  <p:stCondLst>
+                                    <p:cond delay="0"/>
+                                  </p:stCondLst>
+                                  <p:childTnLst>
+                                    <p:set>
+                                      <p:cBhvr>
+                                        <p:cTn id="16" dur="1" fill="hold">
+                                          <p:stCondLst>
+                                            <p:cond delay="0"/>
+                                          </p:stCondLst>
+                                        </p:cTn>
+                                        <p:tgtEl>
+                                          <p:spTgt spid="3">
+                                            <p:txEl>
+                                              <p:pRg st="2" end="2"/>
+                                            </p:txEl>
+                                          </p:spTgt>
+                                        </p:tgtEl>
+                                        <p:attrNameLst>
+                                          <p:attrName>style.visibility</p:attrName>
+                                        </p:attrNameLst>
+                                      </p:cBhvr>
+                                      <p:to>
+                                        <p:strVal val="visible"/>
+                                      </p:to>
+                                    </p:set>
+                                    <p:animEffect transition="in" filter="fade">
+                                      <p:cBhvr>
+                                        <p:cTn id="17" dur="500"/>
+                                        <p:tgtEl>
+                                          <p:spTgt spid="3">
+                                            <p:txEl>
+                                              <p:pRg st="2" end="2"/>
+                                            </p:txEl>
+                                          </p:spTgt>
+                                        </p:tgtEl>
+                                      </p:cBhvr>
+                                    </p:animEffect>
+                                  </p:childTnLst>
+                                </p:cTn>
+                              </p:par>
+                            </p:childTnLst>
+                          </p:cTn>
+                        </p:par>
+                      </p:childTnLst>
+                    </p:cTn>
+                  </p:par>
+                  <p:par>
+                    <p:cTn id="18" fill="hold">
+                      <p:stCondLst>
+                        <p:cond delay="indefinite"/>
+                      </p:stCondLst>
+                      <p:childTnLst>
+                        <p:par>
+                          <p:cTn id="19" fill="hold">
+                            <p:stCondLst>
+                              <p:cond delay="0"/>
+                            </p:stCondLst>
+                            <p:childTnLst>
+                              <p:par>
+                                <p:cTn id="20" presetID="10" presetClass="entr" presetSubtype="0" fill="hold" grpId="0" nodeType="clickEffect">
+                                  <p:stCondLst>
+                                    <p:cond delay="0"/>
+                                  </p:stCondLst>
+                                  <p:childTnLst>
+                                    <p:set>
+                                      <p:cBhvr>
+                                        <p:cTn id="21" dur="1" fill="hold">
+                                          <p:stCondLst>
+                                            <p:cond delay="0"/>
+                                          </p:stCondLst>
+                                        </p:cTn>
+                                        <p:tgtEl>
+                                          <p:spTgt spid="3">
+                                            <p:txEl>
+                                              <p:pRg st="3" end="3"/>
+                                            </p:txEl>
+                                          </p:spTgt>
+                                        </p:tgtEl>
+                                        <p:attrNameLst>
+                                          <p:attrName>style.visibility</p:attrName>
+                                        </p:attrNameLst>
+                                      </p:cBhvr>
+                                      <p:to>
+                                        <p:strVal val="visible"/>
+                                      </p:to>
+                                    </p:set>
+                                    <p:animEffect transition="in" filter="fade">
+                                      <p:cBhvr>
+                                        <p:cTn id="22" dur="500"/>
+                                        <p:tgtEl>
+                                          <p:spTgt spid="3">
+                                            <p:txEl>
+                                              <p:pRg st="3" end="3"/>
+                                            </p:txEl>
+                                          </p:spTgt>
+                                        </p:tgtEl>
+                                      </p:cBhvr>
+                                    </p:animEffect>
+                                  </p:childTnLst>
+                                </p:cTn>
+                              </p:par>
+                            </p:childTnLst>
+                          </p:cTn>
+                        </p:par>
+                      </p:childTnLst>
+                    </p:cTn>
+                  </p:par>
+                  <p:par>
+                    <p:cTn id="23" fill="hold">
+                      <p:stCondLst>
+                        <p:cond delay="indefinite"/>
+                      </p:stCondLst>
+                      <p:childTnLst>
+                        <p:par>
+                          <p:cTn id="24" fill="hold">
+                            <p:stCondLst>
+                              <p:cond delay="0"/>
+                            </p:stCondLst>
+                            <p:childTnLst>
+                              <p:par>
+                                <p:cTn id="25" presetID="10" presetClass="entr" presetSubtype="0" fill="hold" grpId="0" nodeType="clickEffect">
+                                  <p:stCondLst>
+                                    <p:cond delay="0"/>
+                                  </p:stCondLst>
+                                  <p:childTnLst>
+                                    <p:set>
+                                      <p:cBhvr>
+                                        <p:cTn id="26" dur="1" fill="hold">
+                                          <p:stCondLst>
+                                            <p:cond delay="0"/>
+                                          </p:stCondLst>
+                                        </p:cTn>
+                                        <p:tgtEl>
+                                          <p:spTgt spid="3">
+                                            <p:txEl>
+                                              <p:pRg st="4" end="4"/>
+                                            </p:txEl>
+                                          </p:spTgt>
+                                        </p:tgtEl>
+                                        <p:attrNameLst>
+                                          <p:attrName>style.visibility</p:attrName>
+                                        </p:attrNameLst>
+                                      </p:cBhvr>
+                                      <p:to>
+                                        <p:strVal val="visible"/>
+                                      </p:to>
+                                    </p:set>
+                                    <p:animEffect transition="in" filter="fade">
+                                      <p:cBhvr>
+                                        <p:cTn id="27" dur="500"/>
+                                        <p:tgtEl>
+                                          <p:spTgt spid="3">
+                                            <p:txEl>
+                                              <p:pRg st="4" end="4"/>
+                                            </p:txEl>
+                                          </p:spTgt>
+                                        </p:tgtEl>
+                                      </p:cBhvr>
+                                    </p:animEffect>
+                                  </p:childTnLst>
+                                </p:cTn>
+                              </p:par>
+                            </p:childTnLst>
+                          </p:cTn>
+                        </p:par>
+                      </p:childTnLst>
+                    </p:cTn>
+                  </p:par>
+                  <p:par>
+                    <p:cTn id="28" fill="hold">
+                      <p:stCondLst>
+                        <p:cond delay="indefinite"/>
+                      </p:stCondLst>
+                      <p:childTnLst>
+                        <p:par>
+                          <p:cTn id="29" fill="hold">
+                            <p:stCondLst>
+                              <p:cond delay="0"/>
+                            </p:stCondLst>
+                            <p:childTnLst>
+                              <p:par>
+                                <p:cTn id="30" presetID="10" presetClass="entr" presetSubtype="0" fill="hold" grpId="0" nodeType="clickEffect">
+                                  <p:stCondLst>
+                                    <p:cond delay="0"/>
+                                  </p:stCondLst>
+                                  <p:childTnLst>
+                                    <p:set>
+                                      <p:cBhvr>
+                                        <p:cTn id="31" dur="1" fill="hold">
+                                          <p:stCondLst>
+                                            <p:cond delay="0"/>
+                                          </p:stCondLst>
+                                        </p:cTn>
+                                        <p:tgtEl>
+                                          <p:spTgt spid="3">
+                                            <p:txEl>
+                                              <p:pRg st="5" end="5"/>
+                                            </p:txEl>
+                                          </p:spTgt>
+                                        </p:tgtEl>
+                                        <p:attrNameLst>
+                                          <p:attrName>style.visibility</p:attrName>
+                                        </p:attrNameLst>
+                                      </p:cBhvr>
+                                      <p:to>
+                                        <p:strVal val="visible"/>
+                                      </p:to>
+                                    </p:set>
+                                    <p:animEffect transition="in" filter="fade">
+                                      <p:cBhvr>
+                                        <p:cTn id="32" dur="500"/>
+                                        <p:tgtEl>
+                                          <p:spTgt spid="3">
+                                            <p:txEl>
+                                              <p:pRg st="5" end="5"/>
+                                            </p:txEl>
+                                          </p:spTgt>
+                                        </p:tgtEl>
+                                      </p:cBhvr>
+                                    </p:animEffect>
+                                  </p:childTnLst>
+                                </p:cTn>
+                              </p:par>
+                            </p:childTnLst>
+                          </p:cTn>
+                        </p:par>
+                      </p:childTnLst>
+                    </p:cTn>
+                  </p:par>
+                </p:childTnLst>
+              </p:cTn>
+              <p:prevCondLst>
+                <p:cond evt="onPrev" delay="0">
+                  <p:tgtEl>
+                    <p:sldTgt/>
+                  </p:tgtEl>
+                </p:cond>
+              </p:prevCondLst>
+              <p:nextCondLst>
+                <p:cond evt="onNext" delay="0">
+                  <p:tgtEl>
+                    <p:sldTgt/>
+                  </p:tgtEl>
+                </p:cond>
+              </p:nextCondLst>
+            </p:seq>
+          </p:childTnLst>
+        </p:cTn>
+      </p:par>
+    </p:tnLst>
+    <p:bldLst>
+      <p:bldP spid="3" grpId="0" build="p"/>
+    </p:bldLst>
+  </p:timing>
+</p:sld>
+</file>
+
+<file path=ppt/slides/slide30.xml><?xml version="1.0" encoding="utf-8"?>
+<p:sld xmlns:a="http://schemas.openxmlformats.org/drawingml/2006/main" xmlns:r="http://schemas.openxmlformats.org/officeDocument/2006/relationships" xmlns:p="http://schemas.openxmlformats.org/presentationml/2006/main">
+  <p:cSld>
+    <p:spTree>
+      <p:nvGrpSpPr>
+        <p:cNvPr id="1" name=""/>
+        <p:cNvGrpSpPr/>
+        <p:nvPr/>
+      </p:nvGrpSpPr>
+      <p:grpSpPr>
+        <a:xfrm>
+          <a:off x="0" y="0"/>
+          <a:ext cx="0" cy="0"/>
+          <a:chOff x="0" y="0"/>
+          <a:chExt cx="0" cy="0"/>
+        </a:xfrm>
+      </p:grpSpPr>
+      <p:sp>
+        <p:nvSpPr>
+          <p:cNvPr id="2" name="Title 1">
+            <a:extLst>
+              <a:ext uri="{FF2B5EF4-FFF2-40B4-BE49-F238E27FC236}">
+                <a16:creationId xmlns:a16="http://schemas.microsoft.com/office/drawing/2014/main" id="{849F7CAF-26B9-4F39-9397-1EDAFA8E164F}"/>
+              </a:ext>
+            </a:extLst>
+          </p:cNvPr>
+          <p:cNvSpPr>
+            <a:spLocks noGrp="1"/>
+          </p:cNvSpPr>
+          <p:nvPr>
+            <p:ph type="title"/>
+          </p:nvPr>
+        </p:nvSpPr>
+        <p:spPr/>
+        <p:txBody>
+          <a:bodyPr/>
+          <a:lstStyle/>
+          <a:p>
+            <a:pPr>
+              <a:lnSpc>
+                <a:spcPct val="150000"/>
+              </a:lnSpc>
+            </a:pPr>
+            <a:r>
+              <a:rPr lang="en-US" dirty="0"/>
+              <a:t>A Rich Ecosystem</a:t>
+            </a:r>
+          </a:p>
+        </p:txBody>
+      </p:sp>
+      <p:sp>
+        <p:nvSpPr>
+          <p:cNvPr id="3" name="Content Placeholder 2">
+            <a:extLst>
+              <a:ext uri="{FF2B5EF4-FFF2-40B4-BE49-F238E27FC236}">
+                <a16:creationId xmlns:a16="http://schemas.microsoft.com/office/drawing/2014/main" id="{230350CF-3762-479F-BC36-E37CA42D4647}"/>
+              </a:ext>
+            </a:extLst>
+          </p:cNvPr>
+          <p:cNvSpPr>
+            <a:spLocks noGrp="1"/>
+          </p:cNvSpPr>
+          <p:nvPr>
+            <p:ph idx="1"/>
+          </p:nvPr>
+        </p:nvSpPr>
+        <p:spPr>
+          <a:xfrm>
+            <a:off x="581192" y="2180496"/>
+            <a:ext cx="11029615" cy="4200207"/>
+          </a:xfrm>
+        </p:spPr>
+        <p:txBody>
+          <a:bodyPr>
+            <a:normAutofit lnSpcReduction="10000"/>
+          </a:bodyPr>
+          <a:lstStyle/>
+          <a:p>
+            <a:pPr>
+              <a:lnSpc>
+                <a:spcPct val="150000"/>
+              </a:lnSpc>
+            </a:pPr>
+            <a:r>
+              <a:rPr lang="en-US" dirty="0"/>
+              <a:t>There is already stuff:</a:t>
+            </a:r>
+          </a:p>
+          <a:p>
+            <a:pPr lvl="1">
+              <a:lnSpc>
+                <a:spcPct val="150000"/>
+              </a:lnSpc>
+            </a:pPr>
+            <a:r>
+              <a:rPr lang="en-US" dirty="0"/>
+              <a:t>For configuring</a:t>
+            </a:r>
+          </a:p>
+          <a:p>
+            <a:pPr lvl="1">
+              <a:lnSpc>
+                <a:spcPct val="150000"/>
+              </a:lnSpc>
+            </a:pPr>
+            <a:r>
+              <a:rPr lang="en-US" dirty="0"/>
+              <a:t>For securing</a:t>
+            </a:r>
+          </a:p>
+          <a:p>
+            <a:pPr lvl="1">
+              <a:lnSpc>
+                <a:spcPct val="150000"/>
+              </a:lnSpc>
+            </a:pPr>
+            <a:r>
+              <a:rPr lang="en-US" dirty="0"/>
+              <a:t>For auditing</a:t>
+            </a:r>
+          </a:p>
+          <a:p>
+            <a:pPr lvl="1">
+              <a:lnSpc>
+                <a:spcPct val="150000"/>
+              </a:lnSpc>
+            </a:pPr>
+            <a:r>
+              <a:rPr lang="en-US" dirty="0"/>
+              <a:t>For automating</a:t>
+            </a:r>
+          </a:p>
+          <a:p>
+            <a:pPr lvl="1">
+              <a:lnSpc>
+                <a:spcPct val="150000"/>
+              </a:lnSpc>
+            </a:pPr>
+            <a:r>
+              <a:rPr lang="en-US" dirty="0"/>
+              <a:t>For deployment</a:t>
+            </a:r>
+          </a:p>
+          <a:p>
+            <a:pPr lvl="1">
+              <a:lnSpc>
+                <a:spcPct val="150000"/>
+              </a:lnSpc>
+            </a:pPr>
+            <a:r>
+              <a:rPr lang="en-US" dirty="0"/>
+              <a:t>For scaling</a:t>
+            </a:r>
+          </a:p>
+          <a:p>
+            <a:pPr lvl="1">
+              <a:lnSpc>
+                <a:spcPct val="150000"/>
+              </a:lnSpc>
+            </a:pPr>
+            <a:r>
+              <a:rPr lang="en-US" dirty="0"/>
+              <a:t>For NOC operations</a:t>
+            </a:r>
+          </a:p>
+          <a:p>
+            <a:pPr lvl="1">
+              <a:lnSpc>
+                <a:spcPct val="150000"/>
+              </a:lnSpc>
+            </a:pPr>
+            <a:r>
+              <a:rPr lang="en-US" dirty="0"/>
+              <a:t>For monitoring and visualization</a:t>
+            </a:r>
+          </a:p>
+        </p:txBody>
+      </p:sp>
+    </p:spTree>
+    <p:extLst>
+      <p:ext uri="{BB962C8B-B14F-4D97-AF65-F5344CB8AC3E}">
+        <p14:creationId xmlns:p14="http://schemas.microsoft.com/office/powerpoint/2010/main" val="1526265346"/>
+      </p:ext>
+    </p:extLst>
+  </p:cSld>
+  <p:clrMapOvr>
+    <a:masterClrMapping/>
+  </p:clrMapOvr>
+  <p:timing>
+    <p:tnLst>
+      <p:par>
+        <p:cTn id="1" dur="indefinite" restart="never" nodeType="tmRoot">
+          <p:childTnLst>
+            <p:seq concurrent="1" nextAc="seek">
+              <p:cTn id="2" dur="indefinite" nodeType="mainSeq">
+                <p:childTnLst>
+                  <p:par>
+                    <p:cTn id="3" fill="hold">
+                      <p:stCondLst>
+                        <p:cond delay="indefinite"/>
+                      </p:stCondLst>
+                      <p:childTnLst>
+                        <p:par>
+                          <p:cTn id="4" fill="hold">
+                            <p:stCondLst>
+                              <p:cond delay="0"/>
+                            </p:stCondLst>
+                            <p:childTnLst>
+                              <p:par>
+                                <p:cTn id="5" presetID="10" presetClass="entr" presetSubtype="0" fill="hold" nodeType="clickEffect">
+                                  <p:stCondLst>
+                                    <p:cond delay="0"/>
+                                  </p:stCondLst>
+                                  <p:childTnLst>
+                                    <p:set>
+                                      <p:cBhvr>
+                                        <p:cTn id="6" dur="1" fill="hold">
+                                          <p:stCondLst>
+                                            <p:cond delay="0"/>
+                                          </p:stCondLst>
+                                        </p:cTn>
+                                        <p:tgtEl>
+                                          <p:spTgt spid="3">
+                                            <p:txEl>
+                                              <p:pRg st="0" end="0"/>
+                                            </p:txEl>
+                                          </p:spTgt>
+                                        </p:tgtEl>
+                                        <p:attrNameLst>
+                                          <p:attrName>style.visibility</p:attrName>
+                                        </p:attrNameLst>
+                                      </p:cBhvr>
+                                      <p:to>
+                                        <p:strVal val="visible"/>
+                                      </p:to>
+                                    </p:set>
+                                    <p:animEffect transition="in" filter="fade">
+                                      <p:cBhvr>
+                                        <p:cTn id="7" dur="500"/>
+                                        <p:tgtEl>
+                                          <p:spTgt spid="3">
+                                            <p:txEl>
+                                              <p:pRg st="0" end="0"/>
+                                            </p:txEl>
+                                          </p:spTgt>
+                                        </p:tgtEl>
+                                      </p:cBhvr>
+                                    </p:animEffect>
+                                  </p:childTnLst>
+                                </p:cTn>
+                              </p:par>
+                            </p:childTnLst>
+                          </p:cTn>
+                        </p:par>
+                      </p:childTnLst>
+                    </p:cTn>
+                  </p:par>
+                  <p:par>
+                    <p:cTn id="8" fill="hold">
+                      <p:stCondLst>
+                        <p:cond delay="indefinite"/>
+                      </p:stCondLst>
+                      <p:childTnLst>
+                        <p:par>
+                          <p:cTn id="9" fill="hold">
+                            <p:stCondLst>
+                              <p:cond delay="0"/>
+                            </p:stCondLst>
+                            <p:childTnLst>
+                              <p:par>
+                                <p:cTn id="10" presetID="10" presetClass="entr" presetSubtype="0" fill="hold" nodeType="clickEffect">
+                                  <p:stCondLst>
+                                    <p:cond delay="0"/>
+                                  </p:stCondLst>
+                                  <p:childTnLst>
+                                    <p:set>
+                                      <p:cBhvr>
+                                        <p:cTn id="11" dur="1" fill="hold">
+                                          <p:stCondLst>
+                                            <p:cond delay="0"/>
+                                          </p:stCondLst>
+                                        </p:cTn>
+                                        <p:tgtEl>
+                                          <p:spTgt spid="3">
+                                            <p:txEl>
+                                              <p:pRg st="1" end="1"/>
+                                            </p:txEl>
+                                          </p:spTgt>
+                                        </p:tgtEl>
+                                        <p:attrNameLst>
+                                          <p:attrName>style.visibility</p:attrName>
+                                        </p:attrNameLst>
+                                      </p:cBhvr>
+                                      <p:to>
+                                        <p:strVal val="visible"/>
+                                      </p:to>
+                                    </p:set>
+                                    <p:animEffect transition="in" filter="fade">
+                                      <p:cBhvr>
+                                        <p:cTn id="12" dur="500"/>
+                                        <p:tgtEl>
+                                          <p:spTgt spid="3">
+                                            <p:txEl>
+                                              <p:pRg st="1" end="1"/>
+                                            </p:txEl>
+                                          </p:spTgt>
+                                        </p:tgtEl>
+                                      </p:cBhvr>
+                                    </p:animEffect>
+                                  </p:childTnLst>
+                                </p:cTn>
+                              </p:par>
+                            </p:childTnLst>
+                          </p:cTn>
+                        </p:par>
+                      </p:childTnLst>
+                    </p:cTn>
+                  </p:par>
+                  <p:par>
+                    <p:cTn id="13" fill="hold">
+                      <p:stCondLst>
+                        <p:cond delay="indefinite"/>
+                      </p:stCondLst>
+                      <p:childTnLst>
+                        <p:par>
+                          <p:cTn id="14" fill="hold">
+                            <p:stCondLst>
+                              <p:cond delay="0"/>
+                            </p:stCondLst>
+                            <p:childTnLst>
+                              <p:par>
+                                <p:cTn id="15" presetID="10" presetClass="entr" presetSubtype="0" fill="hold" nodeType="clickEffect">
+                                  <p:stCondLst>
+                                    <p:cond delay="0"/>
+                                  </p:stCondLst>
+                                  <p:childTnLst>
+                                    <p:set>
+                                      <p:cBhvr>
+                                        <p:cTn id="16" dur="1" fill="hold">
+                                          <p:stCondLst>
+                                            <p:cond delay="0"/>
+                                          </p:stCondLst>
+                                        </p:cTn>
+                                        <p:tgtEl>
+                                          <p:spTgt spid="3">
+                                            <p:txEl>
+                                              <p:pRg st="2" end="2"/>
+                                            </p:txEl>
+                                          </p:spTgt>
+                                        </p:tgtEl>
+                                        <p:attrNameLst>
+                                          <p:attrName>style.visibility</p:attrName>
+                                        </p:attrNameLst>
+                                      </p:cBhvr>
+                                      <p:to>
+                                        <p:strVal val="visible"/>
+                                      </p:to>
+                                    </p:set>
+                                    <p:animEffect transition="in" filter="fade">
+                                      <p:cBhvr>
+                                        <p:cTn id="17" dur="500"/>
+                                        <p:tgtEl>
+                                          <p:spTgt spid="3">
+                                            <p:txEl>
+                                              <p:pRg st="2" end="2"/>
+                                            </p:txEl>
+                                          </p:spTgt>
+                                        </p:tgtEl>
+                                      </p:cBhvr>
+                                    </p:animEffect>
+                                  </p:childTnLst>
+                                </p:cTn>
+                              </p:par>
+                            </p:childTnLst>
+                          </p:cTn>
+                        </p:par>
+                      </p:childTnLst>
+                    </p:cTn>
+                  </p:par>
+                  <p:par>
+                    <p:cTn id="18" fill="hold">
+                      <p:stCondLst>
+                        <p:cond delay="indefinite"/>
+                      </p:stCondLst>
+                      <p:childTnLst>
+                        <p:par>
+                          <p:cTn id="19" fill="hold">
+                            <p:stCondLst>
+                              <p:cond delay="0"/>
+                            </p:stCondLst>
+                            <p:childTnLst>
+                              <p:par>
+                                <p:cTn id="20" presetID="10" presetClass="entr" presetSubtype="0" fill="hold" nodeType="clickEffect">
+                                  <p:stCondLst>
+                                    <p:cond delay="0"/>
+                                  </p:stCondLst>
+                                  <p:childTnLst>
+                                    <p:set>
+                                      <p:cBhvr>
+                                        <p:cTn id="21" dur="1" fill="hold">
+                                          <p:stCondLst>
+                                            <p:cond delay="0"/>
+                                          </p:stCondLst>
+                                        </p:cTn>
+                                        <p:tgtEl>
+                                          <p:spTgt spid="3">
+                                            <p:txEl>
+                                              <p:pRg st="3" end="3"/>
+                                            </p:txEl>
+                                          </p:spTgt>
+                                        </p:tgtEl>
+                                        <p:attrNameLst>
+                                          <p:attrName>style.visibility</p:attrName>
+                                        </p:attrNameLst>
+                                      </p:cBhvr>
+                                      <p:to>
+                                        <p:strVal val="visible"/>
+                                      </p:to>
+                                    </p:set>
+                                    <p:animEffect transition="in" filter="fade">
+                                      <p:cBhvr>
+                                        <p:cTn id="22" dur="500"/>
+                                        <p:tgtEl>
+                                          <p:spTgt spid="3">
+                                            <p:txEl>
+                                              <p:pRg st="3" end="3"/>
+                                            </p:txEl>
+                                          </p:spTgt>
+                                        </p:tgtEl>
+                                      </p:cBhvr>
+                                    </p:animEffect>
+                                  </p:childTnLst>
+                                </p:cTn>
+                              </p:par>
+                            </p:childTnLst>
+                          </p:cTn>
+                        </p:par>
+                      </p:childTnLst>
+                    </p:cTn>
+                  </p:par>
+                  <p:par>
+                    <p:cTn id="23" fill="hold">
+                      <p:stCondLst>
+                        <p:cond delay="indefinite"/>
+                      </p:stCondLst>
+                      <p:childTnLst>
+                        <p:par>
+                          <p:cTn id="24" fill="hold">
+                            <p:stCondLst>
+                              <p:cond delay="0"/>
+                            </p:stCondLst>
+                            <p:childTnLst>
+                              <p:par>
+                                <p:cTn id="25" presetID="10" presetClass="entr" presetSubtype="0" fill="hold" nodeType="clickEffect">
+                                  <p:stCondLst>
+                                    <p:cond delay="0"/>
+                                  </p:stCondLst>
+                                  <p:childTnLst>
+                                    <p:set>
+                                      <p:cBhvr>
+                                        <p:cTn id="26" dur="1" fill="hold">
+                                          <p:stCondLst>
+                                            <p:cond delay="0"/>
+                                          </p:stCondLst>
+                                        </p:cTn>
+                                        <p:tgtEl>
+                                          <p:spTgt spid="3">
+                                            <p:txEl>
+                                              <p:pRg st="4" end="4"/>
+                                            </p:txEl>
+                                          </p:spTgt>
+                                        </p:tgtEl>
+                                        <p:attrNameLst>
+                                          <p:attrName>style.visibility</p:attrName>
+                                        </p:attrNameLst>
+                                      </p:cBhvr>
+                                      <p:to>
+                                        <p:strVal val="visible"/>
+                                      </p:to>
+                                    </p:set>
+                                    <p:animEffect transition="in" filter="fade">
+                                      <p:cBhvr>
+                                        <p:cTn id="27" dur="500"/>
+                                        <p:tgtEl>
+                                          <p:spTgt spid="3">
+                                            <p:txEl>
+                                              <p:pRg st="4" end="4"/>
+                                            </p:txEl>
+                                          </p:spTgt>
+                                        </p:tgtEl>
+                                      </p:cBhvr>
+                                    </p:animEffect>
+                                  </p:childTnLst>
+                                </p:cTn>
+                              </p:par>
+                            </p:childTnLst>
+                          </p:cTn>
+                        </p:par>
+                      </p:childTnLst>
+                    </p:cTn>
+                  </p:par>
+                  <p:par>
+                    <p:cTn id="28" fill="hold">
+                      <p:stCondLst>
+                        <p:cond delay="indefinite"/>
+                      </p:stCondLst>
+                      <p:childTnLst>
+                        <p:par>
+                          <p:cTn id="29" fill="hold">
+                            <p:stCondLst>
+                              <p:cond delay="0"/>
+                            </p:stCondLst>
+                            <p:childTnLst>
+                              <p:par>
+                                <p:cTn id="30" presetID="10" presetClass="entr" presetSubtype="0" fill="hold" nodeType="clickEffect">
+                                  <p:stCondLst>
+                                    <p:cond delay="0"/>
+                                  </p:stCondLst>
+                                  <p:childTnLst>
+                                    <p:set>
+                                      <p:cBhvr>
+                                        <p:cTn id="31" dur="1" fill="hold">
+                                          <p:stCondLst>
+                                            <p:cond delay="0"/>
+                                          </p:stCondLst>
+                                        </p:cTn>
+                                        <p:tgtEl>
+                                          <p:spTgt spid="3">
+                                            <p:txEl>
+                                              <p:pRg st="5" end="5"/>
+                                            </p:txEl>
+                                          </p:spTgt>
+                                        </p:tgtEl>
+                                        <p:attrNameLst>
+                                          <p:attrName>style.visibility</p:attrName>
+                                        </p:attrNameLst>
+                                      </p:cBhvr>
+                                      <p:to>
+                                        <p:strVal val="visible"/>
+                                      </p:to>
+                                    </p:set>
+                                    <p:animEffect transition="in" filter="fade">
+                                      <p:cBhvr>
+                                        <p:cTn id="32" dur="500"/>
+                                        <p:tgtEl>
+                                          <p:spTgt spid="3">
+                                            <p:txEl>
+                                              <p:pRg st="5" end="5"/>
+                                            </p:txEl>
+                                          </p:spTgt>
+                                        </p:tgtEl>
+                                      </p:cBhvr>
+                                    </p:animEffect>
+                                  </p:childTnLst>
+                                </p:cTn>
+                              </p:par>
+                            </p:childTnLst>
+                          </p:cTn>
+                        </p:par>
+                      </p:childTnLst>
+                    </p:cTn>
+                  </p:par>
+                  <p:par>
+                    <p:cTn id="33" fill="hold">
+                      <p:stCondLst>
+                        <p:cond delay="indefinite"/>
+                      </p:stCondLst>
+                      <p:childTnLst>
+                        <p:par>
+                          <p:cTn id="34" fill="hold">
+                            <p:stCondLst>
+                              <p:cond delay="0"/>
+                            </p:stCondLst>
+                            <p:childTnLst>
+                              <p:par>
+                                <p:cTn id="35" presetID="10" presetClass="entr" presetSubtype="0" fill="hold" nodeType="clickEffect">
+                                  <p:stCondLst>
+                                    <p:cond delay="0"/>
+                                  </p:stCondLst>
+                                  <p:childTnLst>
+                                    <p:set>
+                                      <p:cBhvr>
+                                        <p:cTn id="36" dur="1" fill="hold">
+                                          <p:stCondLst>
+                                            <p:cond delay="0"/>
+                                          </p:stCondLst>
+                                        </p:cTn>
+                                        <p:tgtEl>
+                                          <p:spTgt spid="3">
+                                            <p:txEl>
+                                              <p:pRg st="6" end="6"/>
+                                            </p:txEl>
+                                          </p:spTgt>
+                                        </p:tgtEl>
+                                        <p:attrNameLst>
+                                          <p:attrName>style.visibility</p:attrName>
+                                        </p:attrNameLst>
+                                      </p:cBhvr>
+                                      <p:to>
+                                        <p:strVal val="visible"/>
+                                      </p:to>
+                                    </p:set>
+                                    <p:animEffect transition="in" filter="fade">
+                                      <p:cBhvr>
+                                        <p:cTn id="37" dur="500"/>
+                                        <p:tgtEl>
+                                          <p:spTgt spid="3">
+                                            <p:txEl>
+                                              <p:pRg st="6" end="6"/>
+                                            </p:txEl>
+                                          </p:spTgt>
+                                        </p:tgtEl>
+                                      </p:cBhvr>
+                                    </p:animEffect>
+                                  </p:childTnLst>
+                                </p:cTn>
+                              </p:par>
+                            </p:childTnLst>
+                          </p:cTn>
+                        </p:par>
+                      </p:childTnLst>
+                    </p:cTn>
+                  </p:par>
+                  <p:par>
+                    <p:cTn id="38" fill="hold">
+                      <p:stCondLst>
+                        <p:cond delay="indefinite"/>
+                      </p:stCondLst>
+                      <p:childTnLst>
+                        <p:par>
+                          <p:cTn id="39" fill="hold">
+                            <p:stCondLst>
+                              <p:cond delay="0"/>
+                            </p:stCondLst>
+                            <p:childTnLst>
+                              <p:par>
+                                <p:cTn id="40" presetID="10" presetClass="entr" presetSubtype="0" fill="hold" nodeType="clickEffect">
+                                  <p:stCondLst>
+                                    <p:cond delay="0"/>
+                                  </p:stCondLst>
+                                  <p:childTnLst>
+                                    <p:set>
+                                      <p:cBhvr>
+                                        <p:cTn id="41" dur="1" fill="hold">
+                                          <p:stCondLst>
+                                            <p:cond delay="0"/>
+                                          </p:stCondLst>
+                                        </p:cTn>
+                                        <p:tgtEl>
+                                          <p:spTgt spid="3">
+                                            <p:txEl>
+                                              <p:pRg st="7" end="7"/>
+                                            </p:txEl>
+                                          </p:spTgt>
+                                        </p:tgtEl>
+                                        <p:attrNameLst>
+                                          <p:attrName>style.visibility</p:attrName>
+                                        </p:attrNameLst>
+                                      </p:cBhvr>
+                                      <p:to>
+                                        <p:strVal val="visible"/>
+                                      </p:to>
+                                    </p:set>
+                                    <p:animEffect transition="in" filter="fade">
+                                      <p:cBhvr>
+                                        <p:cTn id="42" dur="500"/>
+                                        <p:tgtEl>
+                                          <p:spTgt spid="3">
+                                            <p:txEl>
+                                              <p:pRg st="7" end="7"/>
+                                            </p:txEl>
+                                          </p:spTgt>
+                                        </p:tgtEl>
+                                      </p:cBhvr>
+                                    </p:animEffect>
+                                  </p:childTnLst>
+                                </p:cTn>
+                              </p:par>
+                            </p:childTnLst>
+                          </p:cTn>
+                        </p:par>
+                      </p:childTnLst>
+                    </p:cTn>
+                  </p:par>
+                  <p:par>
+                    <p:cTn id="43" fill="hold">
+                      <p:stCondLst>
+                        <p:cond delay="indefinite"/>
+                      </p:stCondLst>
+                      <p:childTnLst>
+                        <p:par>
+                          <p:cTn id="44" fill="hold">
+                            <p:stCondLst>
+                              <p:cond delay="0"/>
+                            </p:stCondLst>
+                            <p:childTnLst>
+                              <p:par>
+                                <p:cTn id="45" presetID="10" presetClass="entr" presetSubtype="0" fill="hold" nodeType="clickEffect">
+                                  <p:stCondLst>
+                                    <p:cond delay="0"/>
+                                  </p:stCondLst>
+                                  <p:childTnLst>
+                                    <p:set>
+                                      <p:cBhvr>
+                                        <p:cTn id="46" dur="1" fill="hold">
+                                          <p:stCondLst>
+                                            <p:cond delay="0"/>
+                                          </p:stCondLst>
+                                        </p:cTn>
+                                        <p:tgtEl>
+                                          <p:spTgt spid="3">
+                                            <p:txEl>
+                                              <p:pRg st="8" end="8"/>
+                                            </p:txEl>
+                                          </p:spTgt>
+                                        </p:tgtEl>
+                                        <p:attrNameLst>
+                                          <p:attrName>style.visibility</p:attrName>
+                                        </p:attrNameLst>
+                                      </p:cBhvr>
+                                      <p:to>
+                                        <p:strVal val="visible"/>
+                                      </p:to>
+                                    </p:set>
+                                    <p:animEffect transition="in" filter="fade">
+                                      <p:cBhvr>
+                                        <p:cTn id="47" dur="500"/>
+                                        <p:tgtEl>
+                                          <p:spTgt spid="3">
+                                            <p:txEl>
+                                              <p:pRg st="8" end="8"/>
+                                            </p:txEl>
+                                          </p:spTgt>
+                                        </p:tgtEl>
+                                      </p:cBhvr>
+                                    </p:animEffect>
+                                  </p:childTnLst>
+                                </p:cTn>
+                              </p:par>
+                            </p:childTnLst>
+                          </p:cTn>
+                        </p:par>
+                      </p:childTnLst>
+                    </p:cTn>
+                  </p:par>
+                </p:childTnLst>
+              </p:cTn>
+              <p:prevCondLst>
+                <p:cond evt="onPrev" delay="0">
+                  <p:tgtEl>
+                    <p:sldTgt/>
+                  </p:tgtEl>
+                </p:cond>
+              </p:prevCondLst>
+              <p:nextCondLst>
+                <p:cond evt="onNext" delay="0">
+                  <p:tgtEl>
+                    <p:sldTgt/>
+                  </p:tgtEl>
+                </p:cond>
+              </p:nextCondLst>
+            </p:seq>
+          </p:childTnLst>
+        </p:cTn>
+      </p:par>
+    </p:tnLst>
+  </p:timing>
+</p:sld>
+</file>
+
+<file path=ppt/slides/slide31.xml><?xml version="1.0" encoding="utf-8"?>
 <p:sld xmlns:a="http://schemas.openxmlformats.org/drawingml/2006/main" xmlns:r="http://schemas.openxmlformats.org/officeDocument/2006/relationships" xmlns:p="http://schemas.openxmlformats.org/presentationml/2006/main">
   <p:cSld>
     <p:spTree>
@@ -23658,7 +26226,7 @@
 </p:sld>
 </file>
 
-<file path=ppt/slides/slide29.xml><?xml version="1.0" encoding="utf-8"?>
+<file path=ppt/slides/slide32.xml><?xml version="1.0" encoding="utf-8"?>
 <p:sld xmlns:a="http://schemas.openxmlformats.org/drawingml/2006/main" xmlns:r="http://schemas.openxmlformats.org/officeDocument/2006/relationships" xmlns:p="http://schemas.openxmlformats.org/presentationml/2006/main">
   <p:cSld>
     <p:spTree>
@@ -23786,10 +26354,9 @@
               <a:t>Etc</a:t>
             </a:r>
             <a:r>
-              <a:rPr lang="en-US"/>
+              <a:rPr lang="en-US" dirty="0"/>
               <a:t>…</a:t>
             </a:r>
-            <a:endParaRPr lang="en-US" dirty="0"/>
           </a:p>
           <a:p>
             <a:pPr lvl="1"/>
@@ -24320,7 +26887,7 @@
 </p:sld>
 </file>
 
-<file path=ppt/slides/slide3.xml><?xml version="1.0" encoding="utf-8"?>
+<file path=ppt/slides/slide33.xml><?xml version="1.0" encoding="utf-8"?>
 <p:sld xmlns:a="http://schemas.openxmlformats.org/drawingml/2006/main" xmlns:r="http://schemas.openxmlformats.org/officeDocument/2006/relationships" xmlns:p="http://schemas.openxmlformats.org/presentationml/2006/main">
   <p:cSld>
     <p:spTree>
@@ -24342,7 +26909,7 @@
           <p:cNvPr id="2" name="Title 1">
             <a:extLst>
               <a:ext uri="{FF2B5EF4-FFF2-40B4-BE49-F238E27FC236}">
-                <a16:creationId xmlns:a16="http://schemas.microsoft.com/office/drawing/2014/main" id="{4203C5A5-9815-40B7-B6A3-11624AD5D70B}"/>
+                <a16:creationId xmlns:a16="http://schemas.microsoft.com/office/drawing/2014/main" id="{ACFB7AEA-DEDF-4BAC-BBCD-F8EF3CA32FB0}"/>
               </a:ext>
             </a:extLst>
           </p:cNvPr>
@@ -24360,7 +26927,7 @@
           <a:p>
             <a:r>
               <a:rPr lang="en-US" dirty="0"/>
-              <a:t>Presentation Overview</a:t>
+              <a:t>Doomsday Docker Security Hole Uncovered</a:t>
             </a:r>
           </a:p>
         </p:txBody>
@@ -24370,7 +26937,7 @@
           <p:cNvPr id="3" name="Content Placeholder 2">
             <a:extLst>
               <a:ext uri="{FF2B5EF4-FFF2-40B4-BE49-F238E27FC236}">
-                <a16:creationId xmlns:a16="http://schemas.microsoft.com/office/drawing/2014/main" id="{D3CB0566-8F38-499D-952E-09A2A91495B7}"/>
+                <a16:creationId xmlns:a16="http://schemas.microsoft.com/office/drawing/2014/main" id="{A9EAF4E8-D8F2-4795-9026-ECB4D891615F}"/>
               </a:ext>
             </a:extLst>
           </p:cNvPr>
@@ -24388,43 +26955,79 @@
           <a:p>
             <a:r>
               <a:rPr lang="en-US" dirty="0"/>
-              <a:t>A Problem Statement</a:t>
-            </a:r>
-          </a:p>
-          <a:p>
+              <a:t>I’m </a:t>
+            </a:r>
+            <a:r>
+              <a:rPr lang="en-US" b="1" i="1" u="sng" dirty="0">
+                <a:solidFill>
+                  <a:srgbClr val="FF0000"/>
+                </a:solidFill>
+              </a:rPr>
+              <a:t>SUPER</a:t>
+            </a:r>
             <a:r>
               <a:rPr lang="en-US" dirty="0"/>
-              <a:t>A Brief History Lesson</a:t>
+              <a:t> sad about this.</a:t>
             </a:r>
           </a:p>
           <a:p>
             <a:r>
               <a:rPr lang="en-US" dirty="0"/>
-              <a:t>A Quick Comparison With Virtual Machines</a:t>
+              <a:t>One of the great fears about docker realized.</a:t>
             </a:r>
           </a:p>
           <a:p>
             <a:r>
               <a:rPr lang="en-US" dirty="0"/>
-              <a:t>A Quick Look at Containers</a:t>
-            </a:r>
-          </a:p>
-          <a:p>
+              <a:t>About </a:t>
+            </a:r>
+            <a:r>
+              <a:rPr lang="en-US" dirty="0" err="1"/>
+              <a:t>RunC</a:t>
+            </a:r>
+            <a:endParaRPr lang="en-US" dirty="0"/>
+          </a:p>
+          <a:p>
+            <a:pPr lvl="1"/>
             <a:r>
               <a:rPr lang="en-US" dirty="0"/>
-              <a:t>A Hard Look at Some Concerns</a:t>
-            </a:r>
-          </a:p>
-          <a:p>
+              <a:t>Underlying runtime for Docker, Kubernetes, and other container-dependent programs</a:t>
+            </a:r>
+          </a:p>
+          <a:p>
+            <a:pPr lvl="1"/>
             <a:r>
               <a:rPr lang="en-US" dirty="0"/>
-              <a:t>A List of Solution Partners</a:t>
-            </a:r>
-          </a:p>
-          <a:p>
+              <a:t>Created by Docker / Now an open-container initiative specification</a:t>
+            </a:r>
+          </a:p>
+          <a:p>
+            <a:pPr lvl="1"/>
             <a:r>
               <a:rPr lang="en-US" dirty="0"/>
-              <a:t>A Look at Next Steps</a:t>
+              <a:t>Almost every container on earth is running on the </a:t>
+            </a:r>
+            <a:r>
+              <a:rPr lang="en-US" dirty="0" err="1"/>
+              <a:t>RunC</a:t>
+            </a:r>
+            <a:r>
+              <a:rPr lang="en-US" dirty="0"/>
+              <a:t> runtime</a:t>
+            </a:r>
+          </a:p>
+          <a:p>
+            <a:r>
+              <a:rPr lang="en-US" dirty="0"/>
+              <a:t>Allows a container to overwrite the host </a:t>
+            </a:r>
+            <a:r>
+              <a:rPr lang="en-US" dirty="0" err="1"/>
+              <a:t>RunC</a:t>
+            </a:r>
+            <a:r>
+              <a:rPr lang="en-US" dirty="0"/>
+              <a:t> binary and gain root-level execution on the host OS</a:t>
             </a:r>
           </a:p>
         </p:txBody>
@@ -24432,7 +27035,143 @@
     </p:spTree>
     <p:extLst>
       <p:ext uri="{BB962C8B-B14F-4D97-AF65-F5344CB8AC3E}">
-        <p14:creationId xmlns:p14="http://schemas.microsoft.com/office/powerpoint/2010/main" val="2671865223"/>
+        <p14:creationId xmlns:p14="http://schemas.microsoft.com/office/powerpoint/2010/main" val="2537397999"/>
+      </p:ext>
+    </p:extLst>
+  </p:cSld>
+  <p:clrMapOvr>
+    <a:masterClrMapping/>
+  </p:clrMapOvr>
+</p:sld>
+</file>
+
+<file path=ppt/slides/slide34.xml><?xml version="1.0" encoding="utf-8"?>
+<p:sld xmlns:a="http://schemas.openxmlformats.org/drawingml/2006/main" xmlns:r="http://schemas.openxmlformats.org/officeDocument/2006/relationships" xmlns:p="http://schemas.openxmlformats.org/presentationml/2006/main">
+  <p:cSld>
+    <p:spTree>
+      <p:nvGrpSpPr>
+        <p:cNvPr id="1" name=""/>
+        <p:cNvGrpSpPr/>
+        <p:nvPr/>
+      </p:nvGrpSpPr>
+      <p:grpSpPr>
+        <a:xfrm>
+          <a:off x="0" y="0"/>
+          <a:ext cx="0" cy="0"/>
+          <a:chOff x="0" y="0"/>
+          <a:chExt cx="0" cy="0"/>
+        </a:xfrm>
+      </p:grpSpPr>
+      <p:sp>
+        <p:nvSpPr>
+          <p:cNvPr id="2" name="Title 1">
+            <a:extLst>
+              <a:ext uri="{FF2B5EF4-FFF2-40B4-BE49-F238E27FC236}">
+                <a16:creationId xmlns:a16="http://schemas.microsoft.com/office/drawing/2014/main" id="{F4A4927C-E550-4E2A-ADE0-79818A37F3EA}"/>
+              </a:ext>
+            </a:extLst>
+          </p:cNvPr>
+          <p:cNvSpPr>
+            <a:spLocks noGrp="1"/>
+          </p:cNvSpPr>
+          <p:nvPr>
+            <p:ph type="title"/>
+          </p:nvPr>
+        </p:nvSpPr>
+        <p:spPr/>
+        <p:txBody>
+          <a:bodyPr/>
+          <a:lstStyle/>
+          <a:p>
+            <a:r>
+              <a:rPr lang="en-US" dirty="0"/>
+              <a:t>Doomsday Docker Security Caveats</a:t>
+            </a:r>
+          </a:p>
+        </p:txBody>
+      </p:sp>
+      <p:sp>
+        <p:nvSpPr>
+          <p:cNvPr id="3" name="Content Placeholder 2">
+            <a:extLst>
+              <a:ext uri="{FF2B5EF4-FFF2-40B4-BE49-F238E27FC236}">
+                <a16:creationId xmlns:a16="http://schemas.microsoft.com/office/drawing/2014/main" id="{2B86B426-1E18-459B-8C98-051B5B1C7019}"/>
+              </a:ext>
+            </a:extLst>
+          </p:cNvPr>
+          <p:cNvSpPr>
+            <a:spLocks noGrp="1"/>
+          </p:cNvSpPr>
+          <p:nvPr>
+            <p:ph idx="1"/>
+          </p:nvPr>
+        </p:nvSpPr>
+        <p:spPr/>
+        <p:txBody>
+          <a:bodyPr>
+            <a:normAutofit lnSpcReduction="10000"/>
+          </a:bodyPr>
+          <a:lstStyle/>
+          <a:p>
+            <a:r>
+              <a:rPr lang="en-US" dirty="0"/>
+              <a:t>The problem was fixed in three days</a:t>
+            </a:r>
+          </a:p>
+          <a:p>
+            <a:r>
+              <a:rPr lang="en-US" dirty="0"/>
+              <a:t>Hosts runtimes were easy to patch</a:t>
+            </a:r>
+          </a:p>
+          <a:p>
+            <a:endParaRPr lang="en-US" dirty="0"/>
+          </a:p>
+          <a:p>
+            <a:r>
+              <a:rPr lang="en-US" dirty="0"/>
+              <a:t>Fortunately, the attacker must be able to run commands within the container as root</a:t>
+            </a:r>
+          </a:p>
+          <a:p>
+            <a:r>
+              <a:rPr lang="en-US" dirty="0"/>
+              <a:t>If the host is secured, and the container is secured from malicious access, the problem is moot</a:t>
+            </a:r>
+          </a:p>
+          <a:p>
+            <a:r>
+              <a:rPr lang="en-US" dirty="0"/>
+              <a:t>This means the container must be based on a malicious root image</a:t>
+            </a:r>
+          </a:p>
+          <a:p>
+            <a:r>
+              <a:rPr lang="en-US" dirty="0"/>
+              <a:t>Lots of sysadmins are lazy and do not examine containers</a:t>
+            </a:r>
+          </a:p>
+          <a:p>
+            <a:r>
+              <a:rPr lang="en-US" dirty="0"/>
+              <a:t>If we adopt containers, we cannot be haphazard about it</a:t>
+            </a:r>
+          </a:p>
+          <a:p>
+            <a:r>
+              <a:rPr lang="en-US" b="1" dirty="0"/>
+              <a:t>The problem highlights the newness of containers and the underlying tech</a:t>
+            </a:r>
+          </a:p>
+          <a:p>
+            <a:endParaRPr lang="en-US" dirty="0"/>
+          </a:p>
+        </p:txBody>
+      </p:sp>
+    </p:spTree>
+    <p:extLst>
+      <p:ext uri="{BB962C8B-B14F-4D97-AF65-F5344CB8AC3E}">
+        <p14:creationId xmlns:p14="http://schemas.microsoft.com/office/powerpoint/2010/main" val="2888075301"/>
       </p:ext>
     </p:extLst>
   </p:cSld>
@@ -24597,7 +27336,7 @@
                                         <p:tgtEl>
                                           <p:spTgt spid="3">
                                             <p:txEl>
-                                              <p:pRg st="2" end="2"/>
+                                              <p:pRg st="3" end="3"/>
                                             </p:txEl>
                                           </p:spTgt>
                                         </p:tgtEl>
@@ -24615,7 +27354,7 @@
                                         <p:tgtEl>
                                           <p:spTgt spid="3">
                                             <p:txEl>
-                                              <p:pRg st="2" end="2"/>
+                                              <p:pRg st="3" end="3"/>
                                             </p:txEl>
                                           </p:spTgt>
                                         </p:tgtEl>
@@ -24658,7 +27397,7 @@
                                         <p:tgtEl>
                                           <p:spTgt spid="3">
                                             <p:txEl>
-                                              <p:pRg st="3" end="3"/>
+                                              <p:pRg st="4" end="4"/>
                                             </p:txEl>
                                           </p:spTgt>
                                         </p:tgtEl>
@@ -24676,7 +27415,7 @@
                                         <p:tgtEl>
                                           <p:spTgt spid="3">
                                             <p:txEl>
-                                              <p:pRg st="3" end="3"/>
+                                              <p:pRg st="4" end="4"/>
                                             </p:txEl>
                                           </p:spTgt>
                                         </p:tgtEl>
@@ -24719,7 +27458,7 @@
                                         <p:tgtEl>
                                           <p:spTgt spid="3">
                                             <p:txEl>
-                                              <p:pRg st="4" end="4"/>
+                                              <p:pRg st="5" end="5"/>
                                             </p:txEl>
                                           </p:spTgt>
                                         </p:tgtEl>
@@ -24737,7 +27476,7 @@
                                         <p:tgtEl>
                                           <p:spTgt spid="3">
                                             <p:txEl>
-                                              <p:pRg st="4" end="4"/>
+                                              <p:pRg st="5" end="5"/>
                                             </p:txEl>
                                           </p:spTgt>
                                         </p:tgtEl>
@@ -24780,7 +27519,7 @@
                                         <p:tgtEl>
                                           <p:spTgt spid="3">
                                             <p:txEl>
-                                              <p:pRg st="5" end="5"/>
+                                              <p:pRg st="6" end="6"/>
                                             </p:txEl>
                                           </p:spTgt>
                                         </p:tgtEl>
@@ -24798,7 +27537,7 @@
                                         <p:tgtEl>
                                           <p:spTgt spid="3">
                                             <p:txEl>
-                                              <p:pRg st="5" end="5"/>
+                                              <p:pRg st="6" end="6"/>
                                             </p:txEl>
                                           </p:spTgt>
                                         </p:tgtEl>
@@ -24841,7 +27580,7 @@
                                         <p:tgtEl>
                                           <p:spTgt spid="3">
                                             <p:txEl>
-                                              <p:pRg st="6" end="6"/>
+                                              <p:pRg st="7" end="7"/>
                                             </p:txEl>
                                           </p:spTgt>
                                         </p:tgtEl>
@@ -24859,7 +27598,68 @@
                                         <p:tgtEl>
                                           <p:spTgt spid="3">
                                             <p:txEl>
-                                              <p:pRg st="6" end="6"/>
+                                              <p:pRg st="7" end="7"/>
+                                            </p:txEl>
+                                          </p:spTgt>
+                                        </p:tgtEl>
+                                      </p:cBhvr>
+                                    </p:animEffect>
+                                  </p:childTnLst>
+                                </p:cTn>
+                              </p:par>
+                            </p:childTnLst>
+                          </p:cTn>
+                        </p:par>
+                      </p:childTnLst>
+                    </p:cTn>
+                  </p:par>
+                  <p:par>
+                    <p:cTn id="38" fill="hold">
+                      <p:stCondLst>
+                        <p:cond delay="indefinite"/>
+                      </p:stCondLst>
+                      <p:childTnLst>
+                        <p:par>
+                          <p:cTn id="39" fill="hold">
+                            <p:stCondLst>
+                              <p:cond delay="0"/>
+                            </p:stCondLst>
+                            <p:childTnLst>
+                              <p:par>
+                                <p:cTn id="40" presetID="10" presetClass="entr" presetSubtype="0" fill="hold" grpId="0" nodeType="clickEffect">
+                                  <p:stCondLst>
+                                    <p:cond delay="0"/>
+                                  </p:stCondLst>
+                                  <p:childTnLst>
+                                    <p:set>
+                                      <p:cBhvr>
+                                        <p:cTn id="41" dur="1" fill="hold">
+                                          <p:stCondLst>
+                                            <p:cond delay="0"/>
+                                          </p:stCondLst>
+                                        </p:cTn>
+                                        <p:tgtEl>
+                                          <p:spTgt spid="3">
+                                            <p:txEl>
+                                              <p:pRg st="8" end="8"/>
+                                            </p:txEl>
+                                          </p:spTgt>
+                                        </p:tgtEl>
+                                        <p:attrNameLst>
+                                          <p:attrName>style.visibility</p:attrName>
+                                        </p:attrNameLst>
+                                      </p:cBhvr>
+                                      <p:to>
+                                        <p:strVal val="visible"/>
+                                      </p:to>
+                                    </p:set>
+                                    <p:animEffect transition="in" filter="fade">
+                                      <p:cBhvr>
+                                        <p:cTn id="42" dur="500"/>
+                                        <p:tgtEl>
+                                          <p:spTgt spid="3">
+                                            <p:txEl>
+                                              <p:pRg st="8" end="8"/>
                                             </p:txEl>
                                           </p:spTgt>
                                         </p:tgtEl>
@@ -25054,18 +27854,33 @@
           <a:bodyPr/>
           <a:lstStyle/>
           <a:p>
+            <a:pPr>
+              <a:lnSpc>
+                <a:spcPct val="300000"/>
+              </a:lnSpc>
+            </a:pPr>
             <a:r>
               <a:rPr lang="en-US" dirty="0"/>
               <a:t>Applications are the core of modern business.</a:t>
             </a:r>
           </a:p>
           <a:p>
+            <a:pPr>
+              <a:lnSpc>
+                <a:spcPct val="300000"/>
+              </a:lnSpc>
+            </a:pPr>
             <a:r>
               <a:rPr lang="en-US" dirty="0"/>
               <a:t>It is inefficient to deploy an operating system for each application.</a:t>
             </a:r>
           </a:p>
           <a:p>
+            <a:pPr>
+              <a:lnSpc>
+                <a:spcPct val="300000"/>
+              </a:lnSpc>
+            </a:pPr>
             <a:r>
               <a:rPr lang="en-US" dirty="0"/>
               <a:t>It is difficult to create, deploy, run, monitor, and patch applications.</a:t>
@@ -25402,9 +28217,16 @@
         </p:nvSpPr>
         <p:spPr/>
         <p:txBody>
-          <a:bodyPr/>
+          <a:bodyPr>
+            <a:normAutofit fontScale="90000"/>
+          </a:bodyPr>
           <a:lstStyle/>
           <a:p>
+            <a:pPr>
+              <a:lnSpc>
+                <a:spcPct val="300000"/>
+              </a:lnSpc>
+            </a:pPr>
             <a:r>
               <a:rPr lang="en-US" dirty="0"/>
               <a:t>Applications Run Businesses</a:t>
@@ -25427,18 +28249,33 @@
           <a:bodyPr/>
           <a:lstStyle/>
           <a:p>
+            <a:pPr>
+              <a:lnSpc>
+                <a:spcPct val="300000"/>
+              </a:lnSpc>
+            </a:pPr>
             <a:r>
               <a:rPr lang="en-US" dirty="0"/>
               <a:t>Applications run businesses.</a:t>
             </a:r>
           </a:p>
           <a:p>
+            <a:pPr>
+              <a:lnSpc>
+                <a:spcPct val="300000"/>
+              </a:lnSpc>
+            </a:pPr>
             <a:r>
               <a:rPr lang="en-US" dirty="0"/>
               <a:t>Applications run on servers.</a:t>
             </a:r>
           </a:p>
           <a:p>
+            <a:pPr>
+              <a:lnSpc>
+                <a:spcPct val="300000"/>
+              </a:lnSpc>
+            </a:pPr>
             <a:r>
               <a:rPr lang="en-US" dirty="0"/>
               <a:t>The business needs a new application.</a:t>

--- a/presentation/presentation.pptx
+++ b/presentation/presentation.pptx
@@ -5,7 +5,7 @@
     <p:sldMasterId id="2147483648" r:id="rId1"/>
   </p:sldMasterIdLst>
   <p:notesMasterIdLst>
-    <p:notesMasterId r:id="rId36"/>
+    <p:notesMasterId r:id="rId42"/>
   </p:notesMasterIdLst>
   <p:sldIdLst>
     <p:sldId id="258" r:id="rId2"/>
@@ -42,6 +42,12 @@
     <p:sldId id="290" r:id="rId33"/>
     <p:sldId id="291" r:id="rId34"/>
     <p:sldId id="295" r:id="rId35"/>
+    <p:sldId id="297" r:id="rId36"/>
+    <p:sldId id="296" r:id="rId37"/>
+    <p:sldId id="298" r:id="rId38"/>
+    <p:sldId id="299" r:id="rId39"/>
+    <p:sldId id="300" r:id="rId40"/>
+    <p:sldId id="301" r:id="rId41"/>
   </p:sldIdLst>
   <p:sldSz cx="12192000" cy="6858000"/>
   <p:notesSz cx="6858000" cy="9144000"/>
@@ -197,7 +203,7 @@
             <p14:sldId id="292"/>
           </p14:sldIdLst>
         </p14:section>
-        <p14:section name="A Look at Some Concerns" id="{BBBC4B94-5C39-44E3-86B7-9871E92F1E29}">
+        <p14:section name="A Hard Look at Some Concerns" id="{BBBC4B94-5C39-44E3-86B7-9871E92F1E29}">
           <p14:sldIdLst>
             <p14:sldId id="289"/>
             <p14:sldId id="290"/>
@@ -206,7 +212,14 @@
           </p14:sldIdLst>
         </p14:section>
         <p14:section name="A Look at Next Steps" id="{054C77BE-76F1-40B4-AE4C-60B66BF73523}">
-          <p14:sldIdLst/>
+          <p14:sldIdLst>
+            <p14:sldId id="297"/>
+            <p14:sldId id="296"/>
+            <p14:sldId id="298"/>
+            <p14:sldId id="299"/>
+            <p14:sldId id="300"/>
+            <p14:sldId id="301"/>
+          </p14:sldIdLst>
         </p14:section>
       </p14:sectionLst>
     </p:ext>
@@ -27702,6 +27715,721 @@
 </p:sld>
 </file>
 
+<file path=ppt/slides/slide35.xml><?xml version="1.0" encoding="utf-8"?>
+<p:sld xmlns:a="http://schemas.openxmlformats.org/drawingml/2006/main" xmlns:r="http://schemas.openxmlformats.org/officeDocument/2006/relationships" xmlns:p="http://schemas.openxmlformats.org/presentationml/2006/main">
+  <p:cSld>
+    <p:spTree>
+      <p:nvGrpSpPr>
+        <p:cNvPr id="1" name=""/>
+        <p:cNvGrpSpPr/>
+        <p:nvPr/>
+      </p:nvGrpSpPr>
+      <p:grpSpPr>
+        <a:xfrm>
+          <a:off x="0" y="0"/>
+          <a:ext cx="0" cy="0"/>
+          <a:chOff x="0" y="0"/>
+          <a:chExt cx="0" cy="0"/>
+        </a:xfrm>
+      </p:grpSpPr>
+      <p:sp>
+        <p:nvSpPr>
+          <p:cNvPr id="2" name="Title 1">
+            <a:extLst>
+              <a:ext uri="{FF2B5EF4-FFF2-40B4-BE49-F238E27FC236}">
+                <a16:creationId xmlns:a16="http://schemas.microsoft.com/office/drawing/2014/main" id="{6BF0D347-65B7-400F-B428-561CA819C5C0}"/>
+              </a:ext>
+            </a:extLst>
+          </p:cNvPr>
+          <p:cNvSpPr>
+            <a:spLocks noGrp="1"/>
+          </p:cNvSpPr>
+          <p:nvPr>
+            <p:ph type="title"/>
+          </p:nvPr>
+        </p:nvSpPr>
+        <p:spPr/>
+        <p:txBody>
+          <a:bodyPr/>
+          <a:lstStyle/>
+          <a:p>
+            <a:r>
+              <a:rPr lang="en-US" dirty="0"/>
+              <a:t>A Quick Look at Next Steps</a:t>
+            </a:r>
+          </a:p>
+        </p:txBody>
+      </p:sp>
+      <p:sp>
+        <p:nvSpPr>
+          <p:cNvPr id="3" name="Text Placeholder 2">
+            <a:extLst>
+              <a:ext uri="{FF2B5EF4-FFF2-40B4-BE49-F238E27FC236}">
+                <a16:creationId xmlns:a16="http://schemas.microsoft.com/office/drawing/2014/main" id="{DDCE985A-C68E-49C9-8149-6CC065D75C74}"/>
+              </a:ext>
+            </a:extLst>
+          </p:cNvPr>
+          <p:cNvSpPr>
+            <a:spLocks noGrp="1"/>
+          </p:cNvSpPr>
+          <p:nvPr>
+            <p:ph type="body" idx="1"/>
+          </p:nvPr>
+        </p:nvSpPr>
+        <p:spPr/>
+        <p:txBody>
+          <a:bodyPr/>
+          <a:lstStyle/>
+          <a:p>
+            <a:r>
+              <a:rPr lang="en-US" dirty="0"/>
+              <a:t>Where I Tell You What I Think We Should Do</a:t>
+            </a:r>
+          </a:p>
+        </p:txBody>
+      </p:sp>
+    </p:spTree>
+    <p:extLst>
+      <p:ext uri="{BB962C8B-B14F-4D97-AF65-F5344CB8AC3E}">
+        <p14:creationId xmlns:p14="http://schemas.microsoft.com/office/powerpoint/2010/main" val="2118630104"/>
+      </p:ext>
+    </p:extLst>
+  </p:cSld>
+  <p:clrMapOvr>
+    <a:masterClrMapping/>
+  </p:clrMapOvr>
+</p:sld>
+</file>
+
+<file path=ppt/slides/slide36.xml><?xml version="1.0" encoding="utf-8"?>
+<p:sld xmlns:a="http://schemas.openxmlformats.org/drawingml/2006/main" xmlns:r="http://schemas.openxmlformats.org/officeDocument/2006/relationships" xmlns:p="http://schemas.openxmlformats.org/presentationml/2006/main">
+  <p:cSld>
+    <p:spTree>
+      <p:nvGrpSpPr>
+        <p:cNvPr id="1" name=""/>
+        <p:cNvGrpSpPr/>
+        <p:nvPr/>
+      </p:nvGrpSpPr>
+      <p:grpSpPr>
+        <a:xfrm>
+          <a:off x="0" y="0"/>
+          <a:ext cx="0" cy="0"/>
+          <a:chOff x="0" y="0"/>
+          <a:chExt cx="0" cy="0"/>
+        </a:xfrm>
+      </p:grpSpPr>
+      <p:sp>
+        <p:nvSpPr>
+          <p:cNvPr id="2" name="Title 1">
+            <a:extLst>
+              <a:ext uri="{FF2B5EF4-FFF2-40B4-BE49-F238E27FC236}">
+                <a16:creationId xmlns:a16="http://schemas.microsoft.com/office/drawing/2014/main" id="{4C2CE01B-4B31-4A93-805C-2E5D3CD8EC2B}"/>
+              </a:ext>
+            </a:extLst>
+          </p:cNvPr>
+          <p:cNvSpPr>
+            <a:spLocks noGrp="1"/>
+          </p:cNvSpPr>
+          <p:nvPr>
+            <p:ph type="title"/>
+          </p:nvPr>
+        </p:nvSpPr>
+        <p:spPr/>
+        <p:txBody>
+          <a:bodyPr/>
+          <a:lstStyle/>
+          <a:p>
+            <a:r>
+              <a:rPr lang="en-US" dirty="0"/>
+              <a:t>Methodically Address Our Concerns</a:t>
+            </a:r>
+          </a:p>
+        </p:txBody>
+      </p:sp>
+      <p:sp>
+        <p:nvSpPr>
+          <p:cNvPr id="3" name="Content Placeholder 2">
+            <a:extLst>
+              <a:ext uri="{FF2B5EF4-FFF2-40B4-BE49-F238E27FC236}">
+                <a16:creationId xmlns:a16="http://schemas.microsoft.com/office/drawing/2014/main" id="{D4716BAD-2628-4008-8461-B4E0203B0B84}"/>
+              </a:ext>
+            </a:extLst>
+          </p:cNvPr>
+          <p:cNvSpPr>
+            <a:spLocks noGrp="1"/>
+          </p:cNvSpPr>
+          <p:nvPr>
+            <p:ph idx="1"/>
+          </p:nvPr>
+        </p:nvSpPr>
+        <p:spPr/>
+        <p:txBody>
+          <a:bodyPr/>
+          <a:lstStyle/>
+          <a:p>
+            <a:r>
+              <a:rPr lang="en-US" dirty="0"/>
+              <a:t>How do we audit licenses?</a:t>
+            </a:r>
+          </a:p>
+          <a:p>
+            <a:r>
+              <a:rPr lang="en-US" dirty="0"/>
+              <a:t>How do we audit base images?</a:t>
+            </a:r>
+          </a:p>
+          <a:p>
+            <a:r>
+              <a:rPr lang="en-US" dirty="0"/>
+              <a:t>How do we monitor running applications?</a:t>
+            </a:r>
+          </a:p>
+          <a:p>
+            <a:r>
+              <a:rPr lang="en-US" dirty="0"/>
+              <a:t>How do we scale effectively?</a:t>
+            </a:r>
+          </a:p>
+          <a:p>
+            <a:r>
+              <a:rPr lang="en-US" dirty="0"/>
+              <a:t>How do we do disaster recovery?</a:t>
+            </a:r>
+          </a:p>
+          <a:p>
+            <a:r>
+              <a:rPr lang="en-US" dirty="0"/>
+              <a:t>How do we provide information to support teams?</a:t>
+            </a:r>
+          </a:p>
+          <a:p>
+            <a:r>
+              <a:rPr lang="en-US" dirty="0"/>
+              <a:t>How do we secure desktops for Docker?</a:t>
+            </a:r>
+          </a:p>
+          <a:p>
+            <a:r>
+              <a:rPr lang="en-US" dirty="0" err="1"/>
+              <a:t>Etc</a:t>
+            </a:r>
+            <a:r>
+              <a:rPr lang="en-US" dirty="0"/>
+              <a:t>…</a:t>
+            </a:r>
+          </a:p>
+        </p:txBody>
+      </p:sp>
+    </p:spTree>
+    <p:extLst>
+      <p:ext uri="{BB962C8B-B14F-4D97-AF65-F5344CB8AC3E}">
+        <p14:creationId xmlns:p14="http://schemas.microsoft.com/office/powerpoint/2010/main" val="831246271"/>
+      </p:ext>
+    </p:extLst>
+  </p:cSld>
+  <p:clrMapOvr>
+    <a:masterClrMapping/>
+  </p:clrMapOvr>
+</p:sld>
+</file>
+
+<file path=ppt/slides/slide37.xml><?xml version="1.0" encoding="utf-8"?>
+<p:sld xmlns:a="http://schemas.openxmlformats.org/drawingml/2006/main" xmlns:r="http://schemas.openxmlformats.org/officeDocument/2006/relationships" xmlns:p="http://schemas.openxmlformats.org/presentationml/2006/main">
+  <p:cSld>
+    <p:spTree>
+      <p:nvGrpSpPr>
+        <p:cNvPr id="1" name=""/>
+        <p:cNvGrpSpPr/>
+        <p:nvPr/>
+      </p:nvGrpSpPr>
+      <p:grpSpPr>
+        <a:xfrm>
+          <a:off x="0" y="0"/>
+          <a:ext cx="0" cy="0"/>
+          <a:chOff x="0" y="0"/>
+          <a:chExt cx="0" cy="0"/>
+        </a:xfrm>
+      </p:grpSpPr>
+      <p:sp>
+        <p:nvSpPr>
+          <p:cNvPr id="2" name="Title 1">
+            <a:extLst>
+              <a:ext uri="{FF2B5EF4-FFF2-40B4-BE49-F238E27FC236}">
+                <a16:creationId xmlns:a16="http://schemas.microsoft.com/office/drawing/2014/main" id="{247269FB-C1B8-43AE-A0E9-2F468C19FFE8}"/>
+              </a:ext>
+            </a:extLst>
+          </p:cNvPr>
+          <p:cNvSpPr>
+            <a:spLocks noGrp="1"/>
+          </p:cNvSpPr>
+          <p:nvPr>
+            <p:ph type="title"/>
+          </p:nvPr>
+        </p:nvSpPr>
+        <p:spPr/>
+        <p:txBody>
+          <a:bodyPr/>
+          <a:lstStyle/>
+          <a:p>
+            <a:r>
+              <a:rPr lang="en-US" dirty="0"/>
+              <a:t>We Need Some Proofs of Concept</a:t>
+            </a:r>
+          </a:p>
+        </p:txBody>
+      </p:sp>
+      <p:sp>
+        <p:nvSpPr>
+          <p:cNvPr id="3" name="Content Placeholder 2">
+            <a:extLst>
+              <a:ext uri="{FF2B5EF4-FFF2-40B4-BE49-F238E27FC236}">
+                <a16:creationId xmlns:a16="http://schemas.microsoft.com/office/drawing/2014/main" id="{625EC4F8-491C-4A5B-A47C-3C56230E878F}"/>
+              </a:ext>
+            </a:extLst>
+          </p:cNvPr>
+          <p:cNvSpPr>
+            <a:spLocks noGrp="1"/>
+          </p:cNvSpPr>
+          <p:nvPr>
+            <p:ph idx="1"/>
+          </p:nvPr>
+        </p:nvSpPr>
+        <p:spPr/>
+        <p:txBody>
+          <a:bodyPr/>
+          <a:lstStyle/>
+          <a:p>
+            <a:r>
+              <a:rPr lang="en-US" dirty="0"/>
+              <a:t>We are (with some caveats) not in a hurry</a:t>
+            </a:r>
+          </a:p>
+          <a:p>
+            <a:r>
+              <a:rPr lang="en-US" dirty="0"/>
+              <a:t>We should evaluate all the offerings</a:t>
+            </a:r>
+          </a:p>
+          <a:p>
+            <a:pPr lvl="1"/>
+            <a:r>
+              <a:rPr lang="en-US" dirty="0"/>
+              <a:t>We keep learning new things at every demo</a:t>
+            </a:r>
+          </a:p>
+          <a:p>
+            <a:r>
+              <a:rPr lang="en-US" dirty="0"/>
+              <a:t>We should first consider our existing Enterprise partners</a:t>
+            </a:r>
+          </a:p>
+          <a:p>
+            <a:r>
+              <a:rPr lang="en-US" dirty="0"/>
+              <a:t>We should </a:t>
+            </a:r>
+            <a:r>
+              <a:rPr lang="en-US" i="1" dirty="0"/>
+              <a:t>try</a:t>
+            </a:r>
+            <a:r>
+              <a:rPr lang="en-US" dirty="0"/>
+              <a:t> to avoid vendor lock-in</a:t>
+            </a:r>
+          </a:p>
+          <a:p>
+            <a:r>
+              <a:rPr lang="en-US" dirty="0"/>
+              <a:t>We should take our time and get it right</a:t>
+            </a:r>
+          </a:p>
+        </p:txBody>
+      </p:sp>
+    </p:spTree>
+    <p:extLst>
+      <p:ext uri="{BB962C8B-B14F-4D97-AF65-F5344CB8AC3E}">
+        <p14:creationId xmlns:p14="http://schemas.microsoft.com/office/powerpoint/2010/main" val="3992490361"/>
+      </p:ext>
+    </p:extLst>
+  </p:cSld>
+  <p:clrMapOvr>
+    <a:masterClrMapping/>
+  </p:clrMapOvr>
+</p:sld>
+</file>
+
+<file path=ppt/slides/slide38.xml><?xml version="1.0" encoding="utf-8"?>
+<p:sld xmlns:a="http://schemas.openxmlformats.org/drawingml/2006/main" xmlns:r="http://schemas.openxmlformats.org/officeDocument/2006/relationships" xmlns:p="http://schemas.openxmlformats.org/presentationml/2006/main">
+  <p:cSld>
+    <p:spTree>
+      <p:nvGrpSpPr>
+        <p:cNvPr id="1" name=""/>
+        <p:cNvGrpSpPr/>
+        <p:nvPr/>
+      </p:nvGrpSpPr>
+      <p:grpSpPr>
+        <a:xfrm>
+          <a:off x="0" y="0"/>
+          <a:ext cx="0" cy="0"/>
+          <a:chOff x="0" y="0"/>
+          <a:chExt cx="0" cy="0"/>
+        </a:xfrm>
+      </p:grpSpPr>
+      <p:sp>
+        <p:nvSpPr>
+          <p:cNvPr id="2" name="Title 1">
+            <a:extLst>
+              <a:ext uri="{FF2B5EF4-FFF2-40B4-BE49-F238E27FC236}">
+                <a16:creationId xmlns:a16="http://schemas.microsoft.com/office/drawing/2014/main" id="{045FFE82-9EC1-42A7-83CE-F859A3907801}"/>
+              </a:ext>
+            </a:extLst>
+          </p:cNvPr>
+          <p:cNvSpPr>
+            <a:spLocks noGrp="1"/>
+          </p:cNvSpPr>
+          <p:nvPr>
+            <p:ph type="title"/>
+          </p:nvPr>
+        </p:nvSpPr>
+        <p:spPr/>
+        <p:txBody>
+          <a:bodyPr/>
+          <a:lstStyle/>
+          <a:p>
+            <a:r>
+              <a:rPr lang="en-US" dirty="0"/>
+              <a:t>Individual Preparedness</a:t>
+            </a:r>
+          </a:p>
+        </p:txBody>
+      </p:sp>
+      <p:sp>
+        <p:nvSpPr>
+          <p:cNvPr id="3" name="Content Placeholder 2">
+            <a:extLst>
+              <a:ext uri="{FF2B5EF4-FFF2-40B4-BE49-F238E27FC236}">
+                <a16:creationId xmlns:a16="http://schemas.microsoft.com/office/drawing/2014/main" id="{BC0344A5-3C15-4163-8FCE-D6DA238EC22E}"/>
+              </a:ext>
+            </a:extLst>
+          </p:cNvPr>
+          <p:cNvSpPr>
+            <a:spLocks noGrp="1"/>
+          </p:cNvSpPr>
+          <p:nvPr>
+            <p:ph idx="1"/>
+          </p:nvPr>
+        </p:nvSpPr>
+        <p:spPr>
+          <a:xfrm>
+            <a:off x="581192" y="2180496"/>
+            <a:ext cx="11029615" cy="4108436"/>
+          </a:xfrm>
+        </p:spPr>
+        <p:txBody>
+          <a:bodyPr>
+            <a:normAutofit/>
+          </a:bodyPr>
+          <a:lstStyle/>
+          <a:p>
+            <a:r>
+              <a:rPr lang="en-US" b="1" i="1" u="sng" dirty="0">
+                <a:solidFill>
+                  <a:srgbClr val="FF0000"/>
+                </a:solidFill>
+              </a:rPr>
+              <a:t>CONTAINERS ARE COMING</a:t>
+            </a:r>
+          </a:p>
+          <a:p>
+            <a:r>
+              <a:rPr lang="en-US" dirty="0"/>
+              <a:t>Everybody needs to do a little work</a:t>
+            </a:r>
+          </a:p>
+          <a:p>
+            <a:pPr lvl="1"/>
+            <a:r>
+              <a:rPr lang="en-US" dirty="0"/>
+              <a:t>If you are the hands-on type, get your hands dirty</a:t>
+            </a:r>
+          </a:p>
+          <a:p>
+            <a:pPr lvl="2"/>
+            <a:r>
+              <a:rPr lang="en-US" dirty="0"/>
+              <a:t>Install docker somewhere</a:t>
+            </a:r>
+          </a:p>
+          <a:p>
+            <a:pPr lvl="2"/>
+            <a:r>
+              <a:rPr lang="en-US" dirty="0"/>
+              <a:t>Play with it, develop and </a:t>
+            </a:r>
+            <a:r>
+              <a:rPr lang="en-US" dirty="0" err="1"/>
+              <a:t>dockerize</a:t>
+            </a:r>
+            <a:r>
+              <a:rPr lang="en-US" dirty="0"/>
+              <a:t> an app, build containers, smash ‘</a:t>
+            </a:r>
+            <a:r>
+              <a:rPr lang="en-US" dirty="0" err="1"/>
+              <a:t>em</a:t>
+            </a:r>
+            <a:r>
+              <a:rPr lang="en-US" dirty="0"/>
+              <a:t>, trash ‘</a:t>
+            </a:r>
+            <a:r>
+              <a:rPr lang="en-US" dirty="0" err="1"/>
+              <a:t>em</a:t>
+            </a:r>
+            <a:r>
+              <a:rPr lang="en-US" dirty="0"/>
+              <a:t>, </a:t>
+            </a:r>
+            <a:r>
+              <a:rPr lang="en-US" dirty="0" err="1"/>
+              <a:t>etc</a:t>
+            </a:r>
+            <a:r>
+              <a:rPr lang="en-US" dirty="0"/>
+              <a:t>…</a:t>
+            </a:r>
+          </a:p>
+          <a:p>
+            <a:pPr lvl="2"/>
+            <a:r>
+              <a:rPr lang="en-US" dirty="0"/>
+              <a:t>Go through the Pluralsight courses, especially the deep dives</a:t>
+            </a:r>
+          </a:p>
+          <a:p>
+            <a:pPr lvl="2"/>
+            <a:r>
+              <a:rPr lang="en-US" b="1" i="1" dirty="0"/>
+              <a:t>Take some notes</a:t>
+            </a:r>
+          </a:p>
+          <a:p>
+            <a:pPr lvl="1"/>
+            <a:r>
+              <a:rPr lang="en-US" dirty="0"/>
+              <a:t>If you are not the hands-on type, do your homework</a:t>
+            </a:r>
+          </a:p>
+          <a:p>
+            <a:pPr lvl="2"/>
+            <a:r>
+              <a:rPr lang="en-US" dirty="0"/>
+              <a:t>Go through </a:t>
+            </a:r>
+            <a:r>
+              <a:rPr lang="en-US" i="1" dirty="0"/>
+              <a:t>one </a:t>
+            </a:r>
+            <a:r>
+              <a:rPr lang="en-US" dirty="0"/>
+              <a:t>Pluralsight course:  </a:t>
+            </a:r>
+            <a:r>
+              <a:rPr lang="en-US" b="1" dirty="0"/>
+              <a:t>“Docker and Containers:  The Big Picture”</a:t>
+            </a:r>
+            <a:r>
+              <a:rPr lang="en-US" dirty="0"/>
+              <a:t> by Nigel Poulton.  </a:t>
+            </a:r>
+            <a:r>
+              <a:rPr lang="en-US" i="1" dirty="0"/>
+              <a:t>This is only about 4 hours</a:t>
+            </a:r>
+            <a:r>
+              <a:rPr lang="en-US" dirty="0"/>
+              <a:t>.</a:t>
+            </a:r>
+          </a:p>
+          <a:p>
+            <a:pPr lvl="2"/>
+            <a:r>
+              <a:rPr lang="en-US" dirty="0"/>
+              <a:t>Start talking about it with your peers and subordinates</a:t>
+            </a:r>
+          </a:p>
+          <a:p>
+            <a:pPr lvl="2"/>
+            <a:r>
+              <a:rPr lang="en-US" dirty="0"/>
+              <a:t>Give some time to thinking about it</a:t>
+            </a:r>
+          </a:p>
+          <a:p>
+            <a:pPr lvl="2"/>
+            <a:endParaRPr lang="en-US" dirty="0"/>
+          </a:p>
+        </p:txBody>
+      </p:sp>
+    </p:spTree>
+    <p:extLst>
+      <p:ext uri="{BB962C8B-B14F-4D97-AF65-F5344CB8AC3E}">
+        <p14:creationId xmlns:p14="http://schemas.microsoft.com/office/powerpoint/2010/main" val="4150383022"/>
+      </p:ext>
+    </p:extLst>
+  </p:cSld>
+  <p:clrMapOvr>
+    <a:masterClrMapping/>
+  </p:clrMapOvr>
+</p:sld>
+</file>
+
+<file path=ppt/slides/slide39.xml><?xml version="1.0" encoding="utf-8"?>
+<p:sld xmlns:a="http://schemas.openxmlformats.org/drawingml/2006/main" xmlns:r="http://schemas.openxmlformats.org/officeDocument/2006/relationships" xmlns:p="http://schemas.openxmlformats.org/presentationml/2006/main">
+  <p:cSld>
+    <p:spTree>
+      <p:nvGrpSpPr>
+        <p:cNvPr id="1" name=""/>
+        <p:cNvGrpSpPr/>
+        <p:nvPr/>
+      </p:nvGrpSpPr>
+      <p:grpSpPr>
+        <a:xfrm>
+          <a:off x="0" y="0"/>
+          <a:ext cx="0" cy="0"/>
+          <a:chOff x="0" y="0"/>
+          <a:chExt cx="0" cy="0"/>
+        </a:xfrm>
+      </p:grpSpPr>
+      <p:sp>
+        <p:nvSpPr>
+          <p:cNvPr id="2" name="Title 1">
+            <a:extLst>
+              <a:ext uri="{FF2B5EF4-FFF2-40B4-BE49-F238E27FC236}">
+                <a16:creationId xmlns:a16="http://schemas.microsoft.com/office/drawing/2014/main" id="{045FFE82-9EC1-42A7-83CE-F859A3907801}"/>
+              </a:ext>
+            </a:extLst>
+          </p:cNvPr>
+          <p:cNvSpPr>
+            <a:spLocks noGrp="1"/>
+          </p:cNvSpPr>
+          <p:nvPr>
+            <p:ph type="title"/>
+          </p:nvPr>
+        </p:nvSpPr>
+        <p:spPr/>
+        <p:txBody>
+          <a:bodyPr/>
+          <a:lstStyle/>
+          <a:p>
+            <a:r>
+              <a:rPr lang="en-US" dirty="0"/>
+              <a:t>Organizational Preparedness</a:t>
+            </a:r>
+          </a:p>
+        </p:txBody>
+      </p:sp>
+      <p:sp>
+        <p:nvSpPr>
+          <p:cNvPr id="3" name="Content Placeholder 2">
+            <a:extLst>
+              <a:ext uri="{FF2B5EF4-FFF2-40B4-BE49-F238E27FC236}">
+                <a16:creationId xmlns:a16="http://schemas.microsoft.com/office/drawing/2014/main" id="{BC0344A5-3C15-4163-8FCE-D6DA238EC22E}"/>
+              </a:ext>
+            </a:extLst>
+          </p:cNvPr>
+          <p:cNvSpPr>
+            <a:spLocks noGrp="1"/>
+          </p:cNvSpPr>
+          <p:nvPr>
+            <p:ph idx="1"/>
+          </p:nvPr>
+        </p:nvSpPr>
+        <p:spPr>
+          <a:xfrm>
+            <a:off x="581192" y="2180496"/>
+            <a:ext cx="11029615" cy="4108436"/>
+          </a:xfrm>
+        </p:spPr>
+        <p:txBody>
+          <a:bodyPr>
+            <a:normAutofit/>
+          </a:bodyPr>
+          <a:lstStyle/>
+          <a:p>
+            <a:r>
+              <a:rPr lang="en-US" b="1" i="1" u="sng" dirty="0">
+                <a:solidFill>
+                  <a:srgbClr val="FF0000"/>
+                </a:solidFill>
+              </a:rPr>
+              <a:t>CONTAINERS ARE COMING</a:t>
+            </a:r>
+          </a:p>
+          <a:p>
+            <a:r>
+              <a:rPr lang="en-US" dirty="0"/>
+              <a:t>Acceptance is key</a:t>
+            </a:r>
+          </a:p>
+          <a:p>
+            <a:r>
+              <a:rPr lang="en-US" dirty="0"/>
+              <a:t>People are already using them</a:t>
+            </a:r>
+          </a:p>
+          <a:p>
+            <a:r>
+              <a:rPr lang="en-US" dirty="0"/>
+              <a:t>Make a formal analysis so we aren’t caught on our heels</a:t>
+            </a:r>
+          </a:p>
+          <a:p>
+            <a:r>
+              <a:rPr lang="en-US" dirty="0"/>
+              <a:t>Decide on partners and platforms</a:t>
+            </a:r>
+          </a:p>
+          <a:p>
+            <a:r>
+              <a:rPr lang="en-US" dirty="0"/>
+              <a:t>Discuss budgeting across teams</a:t>
+            </a:r>
+          </a:p>
+          <a:p>
+            <a:r>
+              <a:rPr lang="en-US" dirty="0"/>
+              <a:t>Use the Big Data / Data Science team as a launchpad</a:t>
+            </a:r>
+          </a:p>
+          <a:p>
+            <a:r>
+              <a:rPr lang="en-US" dirty="0"/>
+              <a:t>Create boilerplate so it is easy to start new applications with containers</a:t>
+            </a:r>
+          </a:p>
+          <a:p>
+            <a:pPr lvl="1"/>
+            <a:r>
+              <a:rPr lang="en-US" dirty="0"/>
+              <a:t>Especially CI / CD (where appropriate)</a:t>
+            </a:r>
+          </a:p>
+        </p:txBody>
+      </p:sp>
+    </p:spTree>
+    <p:extLst>
+      <p:ext uri="{BB962C8B-B14F-4D97-AF65-F5344CB8AC3E}">
+        <p14:creationId xmlns:p14="http://schemas.microsoft.com/office/powerpoint/2010/main" val="3387391210"/>
+      </p:ext>
+    </p:extLst>
+  </p:cSld>
+  <p:clrMapOvr>
+    <a:masterClrMapping/>
+  </p:clrMapOvr>
+</p:sld>
+</file>
+
 <file path=ppt/slides/slide4.xml><?xml version="1.0" encoding="utf-8"?>
 <p:sld xmlns:a="http://schemas.openxmlformats.org/drawingml/2006/main" xmlns:r="http://schemas.openxmlformats.org/officeDocument/2006/relationships" xmlns:p="http://schemas.openxmlformats.org/presentationml/2006/main">
   <p:cSld>
@@ -27785,6 +28513,496 @@
   <p:clrMapOvr>
     <a:masterClrMapping/>
   </p:clrMapOvr>
+</p:sld>
+</file>
+
+<file path=ppt/slides/slide40.xml><?xml version="1.0" encoding="utf-8"?>
+<p:sld xmlns:a="http://schemas.openxmlformats.org/drawingml/2006/main" xmlns:r="http://schemas.openxmlformats.org/officeDocument/2006/relationships" xmlns:p="http://schemas.openxmlformats.org/presentationml/2006/main">
+  <p:cSld>
+    <p:spTree>
+      <p:nvGrpSpPr>
+        <p:cNvPr id="1" name=""/>
+        <p:cNvGrpSpPr/>
+        <p:nvPr/>
+      </p:nvGrpSpPr>
+      <p:grpSpPr>
+        <a:xfrm>
+          <a:off x="0" y="0"/>
+          <a:ext cx="0" cy="0"/>
+          <a:chOff x="0" y="0"/>
+          <a:chExt cx="0" cy="0"/>
+        </a:xfrm>
+      </p:grpSpPr>
+      <p:sp>
+        <p:nvSpPr>
+          <p:cNvPr id="2" name="Title 1">
+            <a:extLst>
+              <a:ext uri="{FF2B5EF4-FFF2-40B4-BE49-F238E27FC236}">
+                <a16:creationId xmlns:a16="http://schemas.microsoft.com/office/drawing/2014/main" id="{CE2C3261-F0B1-487A-A833-48FD33D8A184}"/>
+              </a:ext>
+            </a:extLst>
+          </p:cNvPr>
+          <p:cNvSpPr>
+            <a:spLocks noGrp="1"/>
+          </p:cNvSpPr>
+          <p:nvPr>
+            <p:ph type="title"/>
+          </p:nvPr>
+        </p:nvSpPr>
+        <p:spPr/>
+        <p:txBody>
+          <a:bodyPr/>
+          <a:lstStyle/>
+          <a:p>
+            <a:r>
+              <a:rPr lang="en-US" dirty="0"/>
+              <a:t>Organizational Preparedness (Continued)</a:t>
+            </a:r>
+          </a:p>
+        </p:txBody>
+      </p:sp>
+      <p:sp>
+        <p:nvSpPr>
+          <p:cNvPr id="3" name="Content Placeholder 2">
+            <a:extLst>
+              <a:ext uri="{FF2B5EF4-FFF2-40B4-BE49-F238E27FC236}">
+                <a16:creationId xmlns:a16="http://schemas.microsoft.com/office/drawing/2014/main" id="{3215D89E-585B-457D-8CC0-4BE8E480A94F}"/>
+              </a:ext>
+            </a:extLst>
+          </p:cNvPr>
+          <p:cNvSpPr>
+            <a:spLocks noGrp="1"/>
+          </p:cNvSpPr>
+          <p:nvPr>
+            <p:ph sz="half" idx="1"/>
+          </p:nvPr>
+        </p:nvSpPr>
+        <p:spPr/>
+        <p:txBody>
+          <a:bodyPr>
+            <a:normAutofit fontScale="92500" lnSpcReduction="20000"/>
+          </a:bodyPr>
+          <a:lstStyle/>
+          <a:p>
+            <a:pPr>
+              <a:lnSpc>
+                <a:spcPct val="200000"/>
+              </a:lnSpc>
+            </a:pPr>
+            <a:r>
+              <a:rPr lang="en-US" dirty="0"/>
+              <a:t>Start making it official so we don’t have unsupervised pockets </a:t>
+            </a:r>
+            <a:r>
+              <a:rPr lang="en-US"/>
+              <a:t>of adoption</a:t>
+            </a:r>
+            <a:endParaRPr lang="en-US" dirty="0"/>
+          </a:p>
+          <a:p>
+            <a:pPr>
+              <a:lnSpc>
+                <a:spcPct val="200000"/>
+              </a:lnSpc>
+            </a:pPr>
+            <a:r>
+              <a:rPr lang="en-US" dirty="0"/>
+              <a:t>Consider starting with developers and </a:t>
+            </a:r>
+            <a:r>
+              <a:rPr lang="en-US" dirty="0" err="1"/>
+              <a:t>devops</a:t>
+            </a:r>
+            <a:r>
+              <a:rPr lang="en-US" dirty="0"/>
+              <a:t>.  This is who containers were designed for.</a:t>
+            </a:r>
+          </a:p>
+          <a:p>
+            <a:pPr>
+              <a:lnSpc>
+                <a:spcPct val="300000"/>
+              </a:lnSpc>
+            </a:pPr>
+            <a:r>
+              <a:rPr lang="en-US" dirty="0"/>
+              <a:t>Ignore operations at your peril.  They present many blockers to moving forward, </a:t>
+            </a:r>
+            <a:r>
+              <a:rPr lang="en-US" i="1" dirty="0"/>
+              <a:t>as they should</a:t>
+            </a:r>
+            <a:r>
+              <a:rPr lang="en-US" dirty="0"/>
+              <a:t>.</a:t>
+            </a:r>
+          </a:p>
+        </p:txBody>
+      </p:sp>
+      <p:pic>
+        <p:nvPicPr>
+          <p:cNvPr id="5" name="Content Placeholder 4">
+            <a:extLst>
+              <a:ext uri="{FF2B5EF4-FFF2-40B4-BE49-F238E27FC236}">
+                <a16:creationId xmlns:a16="http://schemas.microsoft.com/office/drawing/2014/main" id="{13EE4135-32D5-4E30-87C9-8510329A472B}"/>
+              </a:ext>
+            </a:extLst>
+          </p:cNvPr>
+          <p:cNvPicPr>
+            <a:picLocks noGrp="1" noChangeAspect="1"/>
+          </p:cNvPicPr>
+          <p:nvPr>
+            <p:ph sz="half" idx="2"/>
+          </p:nvPr>
+        </p:nvPicPr>
+        <p:blipFill>
+          <a:blip r:embed="rId2"/>
+          <a:stretch>
+            <a:fillRect/>
+          </a:stretch>
+        </p:blipFill>
+        <p:spPr>
+          <a:xfrm>
+            <a:off x="6096000" y="1897263"/>
+            <a:ext cx="5422900" cy="2093295"/>
+          </a:xfrm>
+          <a:prstGeom prst="rect">
+            <a:avLst/>
+          </a:prstGeom>
+        </p:spPr>
+      </p:pic>
+      <p:pic>
+        <p:nvPicPr>
+          <p:cNvPr id="6" name="Picture 5">
+            <a:extLst>
+              <a:ext uri="{FF2B5EF4-FFF2-40B4-BE49-F238E27FC236}">
+                <a16:creationId xmlns:a16="http://schemas.microsoft.com/office/drawing/2014/main" id="{13A4EBA5-B620-4D9F-8750-23D3844E089E}"/>
+              </a:ext>
+            </a:extLst>
+          </p:cNvPr>
+          <p:cNvPicPr>
+            <a:picLocks noChangeAspect="1"/>
+          </p:cNvPicPr>
+          <p:nvPr/>
+        </p:nvPicPr>
+        <p:blipFill>
+          <a:blip r:embed="rId3"/>
+          <a:stretch>
+            <a:fillRect/>
+          </a:stretch>
+        </p:blipFill>
+        <p:spPr>
+          <a:xfrm>
+            <a:off x="6188419" y="4348163"/>
+            <a:ext cx="4719639" cy="2052638"/>
+          </a:xfrm>
+          <a:prstGeom prst="rect">
+            <a:avLst/>
+          </a:prstGeom>
+        </p:spPr>
+      </p:pic>
+    </p:spTree>
+    <p:extLst>
+      <p:ext uri="{BB962C8B-B14F-4D97-AF65-F5344CB8AC3E}">
+        <p14:creationId xmlns:p14="http://schemas.microsoft.com/office/powerpoint/2010/main" val="2992001403"/>
+      </p:ext>
+    </p:extLst>
+  </p:cSld>
+  <p:clrMapOvr>
+    <a:masterClrMapping/>
+  </p:clrMapOvr>
+  <p:timing>
+    <p:tnLst>
+      <p:par>
+        <p:cTn id="1" dur="indefinite" restart="never" nodeType="tmRoot">
+          <p:childTnLst>
+            <p:seq concurrent="1" nextAc="seek">
+              <p:cTn id="2" dur="indefinite" nodeType="mainSeq">
+                <p:childTnLst>
+                  <p:par>
+                    <p:cTn id="3" fill="hold">
+                      <p:stCondLst>
+                        <p:cond delay="indefinite"/>
+                      </p:stCondLst>
+                      <p:childTnLst>
+                        <p:par>
+                          <p:cTn id="4" fill="hold">
+                            <p:stCondLst>
+                              <p:cond delay="0"/>
+                            </p:stCondLst>
+                            <p:childTnLst>
+                              <p:par>
+                                <p:cTn id="5" presetID="10" presetClass="entr" presetSubtype="0" fill="hold" nodeType="clickEffect">
+                                  <p:stCondLst>
+                                    <p:cond delay="0"/>
+                                  </p:stCondLst>
+                                  <p:childTnLst>
+                                    <p:set>
+                                      <p:cBhvr>
+                                        <p:cTn id="6" dur="1" fill="hold">
+                                          <p:stCondLst>
+                                            <p:cond delay="0"/>
+                                          </p:stCondLst>
+                                        </p:cTn>
+                                        <p:tgtEl>
+                                          <p:spTgt spid="3">
+                                            <p:txEl>
+                                              <p:pRg st="0" end="0"/>
+                                            </p:txEl>
+                                          </p:spTgt>
+                                        </p:tgtEl>
+                                        <p:attrNameLst>
+                                          <p:attrName>style.visibility</p:attrName>
+                                        </p:attrNameLst>
+                                      </p:cBhvr>
+                                      <p:to>
+                                        <p:strVal val="visible"/>
+                                      </p:to>
+                                    </p:set>
+                                    <p:animEffect transition="in" filter="fade">
+                                      <p:cBhvr>
+                                        <p:cTn id="7" dur="500"/>
+                                        <p:tgtEl>
+                                          <p:spTgt spid="3">
+                                            <p:txEl>
+                                              <p:pRg st="0" end="0"/>
+                                            </p:txEl>
+                                          </p:spTgt>
+                                        </p:tgtEl>
+                                      </p:cBhvr>
+                                    </p:animEffect>
+                                  </p:childTnLst>
+                                </p:cTn>
+                              </p:par>
+                            </p:childTnLst>
+                          </p:cTn>
+                        </p:par>
+                      </p:childTnLst>
+                    </p:cTn>
+                  </p:par>
+                  <p:par>
+                    <p:cTn id="8" fill="hold">
+                      <p:stCondLst>
+                        <p:cond delay="indefinite"/>
+                      </p:stCondLst>
+                      <p:childTnLst>
+                        <p:par>
+                          <p:cTn id="9" fill="hold">
+                            <p:stCondLst>
+                              <p:cond delay="0"/>
+                            </p:stCondLst>
+                            <p:childTnLst>
+                              <p:par>
+                                <p:cTn id="10" presetID="10" presetClass="entr" presetSubtype="0" fill="hold" nodeType="clickEffect">
+                                  <p:stCondLst>
+                                    <p:cond delay="0"/>
+                                  </p:stCondLst>
+                                  <p:childTnLst>
+                                    <p:set>
+                                      <p:cBhvr>
+                                        <p:cTn id="11" dur="1" fill="hold">
+                                          <p:stCondLst>
+                                            <p:cond delay="0"/>
+                                          </p:stCondLst>
+                                        </p:cTn>
+                                        <p:tgtEl>
+                                          <p:spTgt spid="3">
+                                            <p:txEl>
+                                              <p:pRg st="1" end="1"/>
+                                            </p:txEl>
+                                          </p:spTgt>
+                                        </p:tgtEl>
+                                        <p:attrNameLst>
+                                          <p:attrName>style.visibility</p:attrName>
+                                        </p:attrNameLst>
+                                      </p:cBhvr>
+                                      <p:to>
+                                        <p:strVal val="visible"/>
+                                      </p:to>
+                                    </p:set>
+                                    <p:animEffect transition="in" filter="fade">
+                                      <p:cBhvr>
+                                        <p:cTn id="12" dur="500"/>
+                                        <p:tgtEl>
+                                          <p:spTgt spid="3">
+                                            <p:txEl>
+                                              <p:pRg st="1" end="1"/>
+                                            </p:txEl>
+                                          </p:spTgt>
+                                        </p:tgtEl>
+                                      </p:cBhvr>
+                                    </p:animEffect>
+                                  </p:childTnLst>
+                                </p:cTn>
+                              </p:par>
+                            </p:childTnLst>
+                          </p:cTn>
+                        </p:par>
+                        <p:par>
+                          <p:cTn id="13" fill="hold">
+                            <p:stCondLst>
+                              <p:cond delay="500"/>
+                            </p:stCondLst>
+                            <p:childTnLst>
+                              <p:par>
+                                <p:cTn id="14" presetID="10" presetClass="entr" presetSubtype="0" fill="hold" nodeType="afterEffect">
+                                  <p:stCondLst>
+                                    <p:cond delay="0"/>
+                                  </p:stCondLst>
+                                  <p:childTnLst>
+                                    <p:set>
+                                      <p:cBhvr>
+                                        <p:cTn id="15" dur="1" fill="hold">
+                                          <p:stCondLst>
+                                            <p:cond delay="0"/>
+                                          </p:stCondLst>
+                                        </p:cTn>
+                                        <p:tgtEl>
+                                          <p:spTgt spid="5"/>
+                                        </p:tgtEl>
+                                        <p:attrNameLst>
+                                          <p:attrName>style.visibility</p:attrName>
+                                        </p:attrNameLst>
+                                      </p:cBhvr>
+                                      <p:to>
+                                        <p:strVal val="visible"/>
+                                      </p:to>
+                                    </p:set>
+                                    <p:animEffect transition="in" filter="fade">
+                                      <p:cBhvr>
+                                        <p:cTn id="16" dur="500"/>
+                                        <p:tgtEl>
+                                          <p:spTgt spid="5"/>
+                                        </p:tgtEl>
+                                      </p:cBhvr>
+                                    </p:animEffect>
+                                  </p:childTnLst>
+                                </p:cTn>
+                              </p:par>
+                            </p:childTnLst>
+                          </p:cTn>
+                        </p:par>
+                      </p:childTnLst>
+                    </p:cTn>
+                  </p:par>
+                  <p:par>
+                    <p:cTn id="17" fill="hold">
+                      <p:stCondLst>
+                        <p:cond delay="indefinite"/>
+                      </p:stCondLst>
+                      <p:childTnLst>
+                        <p:par>
+                          <p:cTn id="18" fill="hold">
+                            <p:stCondLst>
+                              <p:cond delay="0"/>
+                            </p:stCondLst>
+                            <p:childTnLst>
+                              <p:par>
+                                <p:cTn id="19" presetID="10" presetClass="entr" presetSubtype="0" fill="hold" nodeType="clickEffect">
+                                  <p:stCondLst>
+                                    <p:cond delay="0"/>
+                                  </p:stCondLst>
+                                  <p:childTnLst>
+                                    <p:set>
+                                      <p:cBhvr>
+                                        <p:cTn id="20" dur="1" fill="hold">
+                                          <p:stCondLst>
+                                            <p:cond delay="0"/>
+                                          </p:stCondLst>
+                                        </p:cTn>
+                                        <p:tgtEl>
+                                          <p:spTgt spid="3">
+                                            <p:txEl>
+                                              <p:pRg st="2" end="2"/>
+                                            </p:txEl>
+                                          </p:spTgt>
+                                        </p:tgtEl>
+                                        <p:attrNameLst>
+                                          <p:attrName>style.visibility</p:attrName>
+                                        </p:attrNameLst>
+                                      </p:cBhvr>
+                                      <p:to>
+                                        <p:strVal val="visible"/>
+                                      </p:to>
+                                    </p:set>
+                                    <p:animEffect transition="in" filter="fade">
+                                      <p:cBhvr>
+                                        <p:cTn id="21" dur="500"/>
+                                        <p:tgtEl>
+                                          <p:spTgt spid="3">
+                                            <p:txEl>
+                                              <p:pRg st="2" end="2"/>
+                                            </p:txEl>
+                                          </p:spTgt>
+                                        </p:tgtEl>
+                                      </p:cBhvr>
+                                    </p:animEffect>
+                                  </p:childTnLst>
+                                </p:cTn>
+                              </p:par>
+                              <p:par>
+                                <p:cTn id="22" presetID="10" presetClass="entr" presetSubtype="0" fill="hold" nodeType="withEffect">
+                                  <p:stCondLst>
+                                    <p:cond delay="0"/>
+                                  </p:stCondLst>
+                                  <p:childTnLst>
+                                    <p:set>
+                                      <p:cBhvr>
+                                        <p:cTn id="23" dur="1" fill="hold">
+                                          <p:stCondLst>
+                                            <p:cond delay="0"/>
+                                          </p:stCondLst>
+                                        </p:cTn>
+                                        <p:tgtEl>
+                                          <p:spTgt spid="6"/>
+                                        </p:tgtEl>
+                                        <p:attrNameLst>
+                                          <p:attrName>style.visibility</p:attrName>
+                                        </p:attrNameLst>
+                                      </p:cBhvr>
+                                      <p:to>
+                                        <p:strVal val="visible"/>
+                                      </p:to>
+                                    </p:set>
+                                    <p:animEffect transition="in" filter="fade">
+                                      <p:cBhvr>
+                                        <p:cTn id="24" dur="500"/>
+                                        <p:tgtEl>
+                                          <p:spTgt spid="6"/>
+                                        </p:tgtEl>
+                                      </p:cBhvr>
+                                    </p:animEffect>
+                                  </p:childTnLst>
+                                </p:cTn>
+                              </p:par>
+                            </p:childTnLst>
+                          </p:cTn>
+                        </p:par>
+                      </p:childTnLst>
+                    </p:cTn>
+                  </p:par>
+                </p:childTnLst>
+              </p:cTn>
+              <p:prevCondLst>
+                <p:cond evt="onPrev" delay="0">
+                  <p:tgtEl>
+                    <p:sldTgt/>
+                  </p:tgtEl>
+                </p:cond>
+              </p:prevCondLst>
+              <p:nextCondLst>
+                <p:cond evt="onNext" delay="0">
+                  <p:tgtEl>
+                    <p:sldTgt/>
+                  </p:tgtEl>
+                </p:cond>
+              </p:nextCondLst>
+            </p:seq>
+          </p:childTnLst>
+        </p:cTn>
+      </p:par>
+    </p:tnLst>
+  </p:timing>
 </p:sld>
 </file>
 

--- a/presentation/presentation.pptx
+++ b/presentation/presentation.pptx
@@ -3,51 +3,53 @@
 <p:presentation xmlns:a="http://schemas.openxmlformats.org/drawingml/2006/main" xmlns:r="http://schemas.openxmlformats.org/officeDocument/2006/relationships" xmlns:p="http://schemas.openxmlformats.org/presentationml/2006/main" autoCompressPictures="0">
   <p:sldMasterIdLst>
     <p:sldMasterId id="2147483648" r:id="rId1"/>
+    <p:sldMasterId id="2147483660" r:id="rId2"/>
   </p:sldMasterIdLst>
   <p:notesMasterIdLst>
-    <p:notesMasterId r:id="rId42"/>
+    <p:notesMasterId r:id="rId44"/>
   </p:notesMasterIdLst>
   <p:sldIdLst>
-    <p:sldId id="258" r:id="rId2"/>
-    <p:sldId id="259" r:id="rId3"/>
-    <p:sldId id="260" r:id="rId4"/>
-    <p:sldId id="261" r:id="rId5"/>
-    <p:sldId id="262" r:id="rId6"/>
-    <p:sldId id="263" r:id="rId7"/>
-    <p:sldId id="264" r:id="rId8"/>
-    <p:sldId id="265" r:id="rId9"/>
-    <p:sldId id="267" r:id="rId10"/>
-    <p:sldId id="270" r:id="rId11"/>
-    <p:sldId id="268" r:id="rId12"/>
-    <p:sldId id="269" r:id="rId13"/>
-    <p:sldId id="256" r:id="rId14"/>
-    <p:sldId id="280" r:id="rId15"/>
-    <p:sldId id="273" r:id="rId16"/>
-    <p:sldId id="276" r:id="rId17"/>
-    <p:sldId id="277" r:id="rId18"/>
-    <p:sldId id="278" r:id="rId19"/>
-    <p:sldId id="279" r:id="rId20"/>
-    <p:sldId id="281" r:id="rId21"/>
-    <p:sldId id="282" r:id="rId22"/>
-    <p:sldId id="283" r:id="rId23"/>
-    <p:sldId id="293" r:id="rId24"/>
-    <p:sldId id="294" r:id="rId25"/>
-    <p:sldId id="284" r:id="rId26"/>
-    <p:sldId id="285" r:id="rId27"/>
-    <p:sldId id="287" r:id="rId28"/>
-    <p:sldId id="286" r:id="rId29"/>
-    <p:sldId id="288" r:id="rId30"/>
-    <p:sldId id="292" r:id="rId31"/>
-    <p:sldId id="289" r:id="rId32"/>
-    <p:sldId id="290" r:id="rId33"/>
-    <p:sldId id="291" r:id="rId34"/>
-    <p:sldId id="295" r:id="rId35"/>
-    <p:sldId id="297" r:id="rId36"/>
-    <p:sldId id="296" r:id="rId37"/>
+    <p:sldId id="256" r:id="rId3"/>
+    <p:sldId id="259" r:id="rId4"/>
+    <p:sldId id="260" r:id="rId5"/>
+    <p:sldId id="261" r:id="rId6"/>
+    <p:sldId id="262" r:id="rId7"/>
+    <p:sldId id="263" r:id="rId8"/>
+    <p:sldId id="264" r:id="rId9"/>
+    <p:sldId id="265" r:id="rId10"/>
+    <p:sldId id="267" r:id="rId11"/>
+    <p:sldId id="270" r:id="rId12"/>
+    <p:sldId id="268" r:id="rId13"/>
+    <p:sldId id="269" r:id="rId14"/>
+    <p:sldId id="303" r:id="rId15"/>
+    <p:sldId id="280" r:id="rId16"/>
+    <p:sldId id="273" r:id="rId17"/>
+    <p:sldId id="276" r:id="rId18"/>
+    <p:sldId id="277" r:id="rId19"/>
+    <p:sldId id="278" r:id="rId20"/>
+    <p:sldId id="279" r:id="rId21"/>
+    <p:sldId id="281" r:id="rId22"/>
+    <p:sldId id="282" r:id="rId23"/>
+    <p:sldId id="283" r:id="rId24"/>
+    <p:sldId id="293" r:id="rId25"/>
+    <p:sldId id="294" r:id="rId26"/>
+    <p:sldId id="284" r:id="rId27"/>
+    <p:sldId id="285" r:id="rId28"/>
+    <p:sldId id="287" r:id="rId29"/>
+    <p:sldId id="286" r:id="rId30"/>
+    <p:sldId id="288" r:id="rId31"/>
+    <p:sldId id="292" r:id="rId32"/>
+    <p:sldId id="289" r:id="rId33"/>
+    <p:sldId id="290" r:id="rId34"/>
+    <p:sldId id="291" r:id="rId35"/>
+    <p:sldId id="295" r:id="rId36"/>
+    <p:sldId id="297" r:id="rId37"/>
     <p:sldId id="298" r:id="rId38"/>
-    <p:sldId id="299" r:id="rId39"/>
-    <p:sldId id="300" r:id="rId40"/>
-    <p:sldId id="301" r:id="rId41"/>
+    <p:sldId id="296" r:id="rId39"/>
+    <p:sldId id="299" r:id="rId40"/>
+    <p:sldId id="300" r:id="rId41"/>
+    <p:sldId id="301" r:id="rId42"/>
+    <p:sldId id="302" r:id="rId43"/>
   </p:sldIdLst>
   <p:sldSz cx="12192000" cy="6858000"/>
   <p:notesSz cx="6858000" cy="9144000"/>
@@ -151,7 +153,7 @@
       <p14:sectionLst xmlns:p14="http://schemas.microsoft.com/office/powerpoint/2010/main">
         <p14:section name="Title Slide" id="{56ABEB6C-11F5-471B-B533-75947CBCBA3B}">
           <p14:sldIdLst>
-            <p14:sldId id="258"/>
+            <p14:sldId id="256"/>
           </p14:sldIdLst>
         </p14:section>
         <p14:section name="Overview" id="{E58BD2C9-7DC4-410E-8539-5C65E0A6367B}">
@@ -179,7 +181,7 @@
         </p14:section>
         <p14:section name="A Quick Comparison With Virtual Machines" id="{F88748F4-B972-4BE8-AA0D-CCF4E94B5380}">
           <p14:sldIdLst>
-            <p14:sldId id="256"/>
+            <p14:sldId id="303"/>
             <p14:sldId id="280"/>
             <p14:sldId id="273"/>
             <p14:sldId id="276"/>
@@ -214,11 +216,16 @@
         <p14:section name="A Look at Next Steps" id="{054C77BE-76F1-40B4-AE4C-60B66BF73523}">
           <p14:sldIdLst>
             <p14:sldId id="297"/>
+            <p14:sldId id="298"/>
             <p14:sldId id="296"/>
-            <p14:sldId id="298"/>
             <p14:sldId id="299"/>
             <p14:sldId id="300"/>
             <p14:sldId id="301"/>
+          </p14:sldIdLst>
+        </p14:section>
+        <p14:section name="A Q&amp;A Session" id="{5FBB5FF9-8AD7-434B-821A-52152BE7B765}">
+          <p14:sldIdLst>
+            <p14:sldId id="302"/>
           </p14:sldIdLst>
         </p14:section>
       </p14:sectionLst>
@@ -4892,6 +4899,1941 @@
 </p:sldLayout>
 </file>
 
+<file path=ppt/slideLayouts/slideLayout12.xml><?xml version="1.0" encoding="utf-8"?>
+<p:sldLayout xmlns:a="http://schemas.openxmlformats.org/drawingml/2006/main" xmlns:r="http://schemas.openxmlformats.org/officeDocument/2006/relationships" xmlns:p="http://schemas.openxmlformats.org/presentationml/2006/main" type="title" preserve="1">
+  <p:cSld name="Title Slide">
+    <p:spTree>
+      <p:nvGrpSpPr>
+        <p:cNvPr id="1" name=""/>
+        <p:cNvGrpSpPr/>
+        <p:nvPr/>
+      </p:nvGrpSpPr>
+      <p:grpSpPr>
+        <a:xfrm>
+          <a:off x="0" y="0"/>
+          <a:ext cx="0" cy="0"/>
+          <a:chOff x="0" y="0"/>
+          <a:chExt cx="0" cy="0"/>
+        </a:xfrm>
+      </p:grpSpPr>
+      <p:sp>
+        <p:nvSpPr>
+          <p:cNvPr id="2" name="Title 1">
+            <a:extLst>
+              <a:ext uri="{FF2B5EF4-FFF2-40B4-BE49-F238E27FC236}">
+                <a16:creationId xmlns:a16="http://schemas.microsoft.com/office/drawing/2014/main" id="{5FB84E9A-1AF2-4AD7-B0B3-410CF1ADF40D}"/>
+              </a:ext>
+            </a:extLst>
+          </p:cNvPr>
+          <p:cNvSpPr>
+            <a:spLocks noGrp="1"/>
+          </p:cNvSpPr>
+          <p:nvPr>
+            <p:ph type="ctrTitle"/>
+          </p:nvPr>
+        </p:nvSpPr>
+        <p:spPr>
+          <a:xfrm>
+            <a:off x="1524000" y="1122363"/>
+            <a:ext cx="9144000" cy="2387600"/>
+          </a:xfrm>
+        </p:spPr>
+        <p:txBody>
+          <a:bodyPr anchor="b"/>
+          <a:lstStyle>
+            <a:lvl1pPr algn="ctr">
+              <a:defRPr sz="6000"/>
+            </a:lvl1pPr>
+          </a:lstStyle>
+          <a:p>
+            <a:r>
+              <a:rPr lang="en-US"/>
+              <a:t>Click to edit Master title style</a:t>
+            </a:r>
+          </a:p>
+        </p:txBody>
+      </p:sp>
+      <p:sp>
+        <p:nvSpPr>
+          <p:cNvPr id="3" name="Subtitle 2">
+            <a:extLst>
+              <a:ext uri="{FF2B5EF4-FFF2-40B4-BE49-F238E27FC236}">
+                <a16:creationId xmlns:a16="http://schemas.microsoft.com/office/drawing/2014/main" id="{CEF7BA7C-39DC-4480-865C-808A064BAC53}"/>
+              </a:ext>
+            </a:extLst>
+          </p:cNvPr>
+          <p:cNvSpPr>
+            <a:spLocks noGrp="1"/>
+          </p:cNvSpPr>
+          <p:nvPr>
+            <p:ph type="subTitle" idx="1"/>
+          </p:nvPr>
+        </p:nvSpPr>
+        <p:spPr>
+          <a:xfrm>
+            <a:off x="1524000" y="3602038"/>
+            <a:ext cx="9144000" cy="1655762"/>
+          </a:xfrm>
+        </p:spPr>
+        <p:txBody>
+          <a:bodyPr/>
+          <a:lstStyle>
+            <a:lvl1pPr marL="0" indent="0" algn="ctr">
+              <a:buNone/>
+              <a:defRPr sz="2400"/>
+            </a:lvl1pPr>
+            <a:lvl2pPr marL="457200" indent="0" algn="ctr">
+              <a:buNone/>
+              <a:defRPr sz="2000"/>
+            </a:lvl2pPr>
+            <a:lvl3pPr marL="914400" indent="0" algn="ctr">
+              <a:buNone/>
+              <a:defRPr sz="1800"/>
+            </a:lvl3pPr>
+            <a:lvl4pPr marL="1371600" indent="0" algn="ctr">
+              <a:buNone/>
+              <a:defRPr sz="1600"/>
+            </a:lvl4pPr>
+            <a:lvl5pPr marL="1828800" indent="0" algn="ctr">
+              <a:buNone/>
+              <a:defRPr sz="1600"/>
+            </a:lvl5pPr>
+            <a:lvl6pPr marL="2286000" indent="0" algn="ctr">
+              <a:buNone/>
+              <a:defRPr sz="1600"/>
+            </a:lvl6pPr>
+            <a:lvl7pPr marL="2743200" indent="0" algn="ctr">
+              <a:buNone/>
+              <a:defRPr sz="1600"/>
+            </a:lvl7pPr>
+            <a:lvl8pPr marL="3200400" indent="0" algn="ctr">
+              <a:buNone/>
+              <a:defRPr sz="1600"/>
+            </a:lvl8pPr>
+            <a:lvl9pPr marL="3657600" indent="0" algn="ctr">
+              <a:buNone/>
+              <a:defRPr sz="1600"/>
+            </a:lvl9pPr>
+          </a:lstStyle>
+          <a:p>
+            <a:r>
+              <a:rPr lang="en-US"/>
+              <a:t>Click to edit Master subtitle style</a:t>
+            </a:r>
+          </a:p>
+        </p:txBody>
+      </p:sp>
+      <p:sp>
+        <p:nvSpPr>
+          <p:cNvPr id="4" name="Date Placeholder 3">
+            <a:extLst>
+              <a:ext uri="{FF2B5EF4-FFF2-40B4-BE49-F238E27FC236}">
+                <a16:creationId xmlns:a16="http://schemas.microsoft.com/office/drawing/2014/main" id="{2F18A10D-7270-4BD7-BB77-F11FD17069F5}"/>
+              </a:ext>
+            </a:extLst>
+          </p:cNvPr>
+          <p:cNvSpPr>
+            <a:spLocks noGrp="1"/>
+          </p:cNvSpPr>
+          <p:nvPr>
+            <p:ph type="dt" sz="half" idx="10"/>
+          </p:nvPr>
+        </p:nvSpPr>
+        <p:spPr/>
+        <p:txBody>
+          <a:bodyPr/>
+          <a:lstStyle/>
+          <a:p>
+            <a:fld id="{5F9E72CA-C8DB-4FE1-9619-3E0CC03F8A15}" type="datetimeFigureOut">
+              <a:rPr lang="en-US" smtClean="0"/>
+              <a:t>2/19/2019</a:t>
+            </a:fld>
+            <a:endParaRPr lang="en-US"/>
+          </a:p>
+        </p:txBody>
+      </p:sp>
+      <p:sp>
+        <p:nvSpPr>
+          <p:cNvPr id="5" name="Footer Placeholder 4">
+            <a:extLst>
+              <a:ext uri="{FF2B5EF4-FFF2-40B4-BE49-F238E27FC236}">
+                <a16:creationId xmlns:a16="http://schemas.microsoft.com/office/drawing/2014/main" id="{6AD09690-4527-4970-A456-D74F8388AD19}"/>
+              </a:ext>
+            </a:extLst>
+          </p:cNvPr>
+          <p:cNvSpPr>
+            <a:spLocks noGrp="1"/>
+          </p:cNvSpPr>
+          <p:nvPr>
+            <p:ph type="ftr" sz="quarter" idx="11"/>
+          </p:nvPr>
+        </p:nvSpPr>
+        <p:spPr/>
+        <p:txBody>
+          <a:bodyPr/>
+          <a:lstStyle/>
+          <a:p>
+            <a:endParaRPr lang="en-US"/>
+          </a:p>
+        </p:txBody>
+      </p:sp>
+      <p:sp>
+        <p:nvSpPr>
+          <p:cNvPr id="6" name="Slide Number Placeholder 5">
+            <a:extLst>
+              <a:ext uri="{FF2B5EF4-FFF2-40B4-BE49-F238E27FC236}">
+                <a16:creationId xmlns:a16="http://schemas.microsoft.com/office/drawing/2014/main" id="{6BA1A074-F1C9-4769-BC7C-EA34EC9DB31B}"/>
+              </a:ext>
+            </a:extLst>
+          </p:cNvPr>
+          <p:cNvSpPr>
+            <a:spLocks noGrp="1"/>
+          </p:cNvSpPr>
+          <p:nvPr>
+            <p:ph type="sldNum" sz="quarter" idx="12"/>
+          </p:nvPr>
+        </p:nvSpPr>
+        <p:spPr/>
+        <p:txBody>
+          <a:bodyPr/>
+          <a:lstStyle/>
+          <a:p>
+            <a:fld id="{DFEEFCB1-0401-4A40-B62D-831B3D104973}" type="slidenum">
+              <a:rPr lang="en-US" smtClean="0"/>
+              <a:t>‹#›</a:t>
+            </a:fld>
+            <a:endParaRPr lang="en-US"/>
+          </a:p>
+        </p:txBody>
+      </p:sp>
+    </p:spTree>
+    <p:extLst>
+      <p:ext uri="{BB962C8B-B14F-4D97-AF65-F5344CB8AC3E}">
+        <p14:creationId xmlns:p14="http://schemas.microsoft.com/office/powerpoint/2010/main" val="4294938049"/>
+      </p:ext>
+    </p:extLst>
+  </p:cSld>
+  <p:clrMapOvr>
+    <a:masterClrMapping/>
+  </p:clrMapOvr>
+</p:sldLayout>
+</file>
+
+<file path=ppt/slideLayouts/slideLayout13.xml><?xml version="1.0" encoding="utf-8"?>
+<p:sldLayout xmlns:a="http://schemas.openxmlformats.org/drawingml/2006/main" xmlns:r="http://schemas.openxmlformats.org/officeDocument/2006/relationships" xmlns:p="http://schemas.openxmlformats.org/presentationml/2006/main" type="obj" preserve="1">
+  <p:cSld name="Title and Content">
+    <p:spTree>
+      <p:nvGrpSpPr>
+        <p:cNvPr id="1" name=""/>
+        <p:cNvGrpSpPr/>
+        <p:nvPr/>
+      </p:nvGrpSpPr>
+      <p:grpSpPr>
+        <a:xfrm>
+          <a:off x="0" y="0"/>
+          <a:ext cx="0" cy="0"/>
+          <a:chOff x="0" y="0"/>
+          <a:chExt cx="0" cy="0"/>
+        </a:xfrm>
+      </p:grpSpPr>
+      <p:sp>
+        <p:nvSpPr>
+          <p:cNvPr id="2" name="Title 1">
+            <a:extLst>
+              <a:ext uri="{FF2B5EF4-FFF2-40B4-BE49-F238E27FC236}">
+                <a16:creationId xmlns:a16="http://schemas.microsoft.com/office/drawing/2014/main" id="{3190283C-14CE-4196-B51E-CE415A1B3AB6}"/>
+              </a:ext>
+            </a:extLst>
+          </p:cNvPr>
+          <p:cNvSpPr>
+            <a:spLocks noGrp="1"/>
+          </p:cNvSpPr>
+          <p:nvPr>
+            <p:ph type="title"/>
+          </p:nvPr>
+        </p:nvSpPr>
+        <p:spPr/>
+        <p:txBody>
+          <a:bodyPr/>
+          <a:lstStyle/>
+          <a:p>
+            <a:r>
+              <a:rPr lang="en-US"/>
+              <a:t>Click to edit Master title style</a:t>
+            </a:r>
+          </a:p>
+        </p:txBody>
+      </p:sp>
+      <p:sp>
+        <p:nvSpPr>
+          <p:cNvPr id="3" name="Content Placeholder 2">
+            <a:extLst>
+              <a:ext uri="{FF2B5EF4-FFF2-40B4-BE49-F238E27FC236}">
+                <a16:creationId xmlns:a16="http://schemas.microsoft.com/office/drawing/2014/main" id="{515B07CC-7B20-454F-B2A1-47BC5DA3A01D}"/>
+              </a:ext>
+            </a:extLst>
+          </p:cNvPr>
+          <p:cNvSpPr>
+            <a:spLocks noGrp="1"/>
+          </p:cNvSpPr>
+          <p:nvPr>
+            <p:ph idx="1"/>
+          </p:nvPr>
+        </p:nvSpPr>
+        <p:spPr/>
+        <p:txBody>
+          <a:bodyPr/>
+          <a:lstStyle/>
+          <a:p>
+            <a:pPr lvl="0"/>
+            <a:r>
+              <a:rPr lang="en-US"/>
+              <a:t>Edit Master text styles</a:t>
+            </a:r>
+          </a:p>
+          <a:p>
+            <a:pPr lvl="1"/>
+            <a:r>
+              <a:rPr lang="en-US"/>
+              <a:t>Second level</a:t>
+            </a:r>
+          </a:p>
+          <a:p>
+            <a:pPr lvl="2"/>
+            <a:r>
+              <a:rPr lang="en-US"/>
+              <a:t>Third level</a:t>
+            </a:r>
+          </a:p>
+          <a:p>
+            <a:pPr lvl="3"/>
+            <a:r>
+              <a:rPr lang="en-US"/>
+              <a:t>Fourth level</a:t>
+            </a:r>
+          </a:p>
+          <a:p>
+            <a:pPr lvl="4"/>
+            <a:r>
+              <a:rPr lang="en-US"/>
+              <a:t>Fifth level</a:t>
+            </a:r>
+          </a:p>
+        </p:txBody>
+      </p:sp>
+      <p:sp>
+        <p:nvSpPr>
+          <p:cNvPr id="4" name="Date Placeholder 3">
+            <a:extLst>
+              <a:ext uri="{FF2B5EF4-FFF2-40B4-BE49-F238E27FC236}">
+                <a16:creationId xmlns:a16="http://schemas.microsoft.com/office/drawing/2014/main" id="{4D005BCF-DC6F-4ACA-BC11-4912E3E7B9A5}"/>
+              </a:ext>
+            </a:extLst>
+          </p:cNvPr>
+          <p:cNvSpPr>
+            <a:spLocks noGrp="1"/>
+          </p:cNvSpPr>
+          <p:nvPr>
+            <p:ph type="dt" sz="half" idx="10"/>
+          </p:nvPr>
+        </p:nvSpPr>
+        <p:spPr/>
+        <p:txBody>
+          <a:bodyPr/>
+          <a:lstStyle/>
+          <a:p>
+            <a:fld id="{5F9E72CA-C8DB-4FE1-9619-3E0CC03F8A15}" type="datetimeFigureOut">
+              <a:rPr lang="en-US" smtClean="0"/>
+              <a:t>2/19/2019</a:t>
+            </a:fld>
+            <a:endParaRPr lang="en-US"/>
+          </a:p>
+        </p:txBody>
+      </p:sp>
+      <p:sp>
+        <p:nvSpPr>
+          <p:cNvPr id="5" name="Footer Placeholder 4">
+            <a:extLst>
+              <a:ext uri="{FF2B5EF4-FFF2-40B4-BE49-F238E27FC236}">
+                <a16:creationId xmlns:a16="http://schemas.microsoft.com/office/drawing/2014/main" id="{F37C6E59-8CB5-4E06-A35C-7FF724D2F87A}"/>
+              </a:ext>
+            </a:extLst>
+          </p:cNvPr>
+          <p:cNvSpPr>
+            <a:spLocks noGrp="1"/>
+          </p:cNvSpPr>
+          <p:nvPr>
+            <p:ph type="ftr" sz="quarter" idx="11"/>
+          </p:nvPr>
+        </p:nvSpPr>
+        <p:spPr/>
+        <p:txBody>
+          <a:bodyPr/>
+          <a:lstStyle/>
+          <a:p>
+            <a:endParaRPr lang="en-US"/>
+          </a:p>
+        </p:txBody>
+      </p:sp>
+      <p:sp>
+        <p:nvSpPr>
+          <p:cNvPr id="6" name="Slide Number Placeholder 5">
+            <a:extLst>
+              <a:ext uri="{FF2B5EF4-FFF2-40B4-BE49-F238E27FC236}">
+                <a16:creationId xmlns:a16="http://schemas.microsoft.com/office/drawing/2014/main" id="{9F769A01-B0AF-4DD6-A7E7-0BF280DC9930}"/>
+              </a:ext>
+            </a:extLst>
+          </p:cNvPr>
+          <p:cNvSpPr>
+            <a:spLocks noGrp="1"/>
+          </p:cNvSpPr>
+          <p:nvPr>
+            <p:ph type="sldNum" sz="quarter" idx="12"/>
+          </p:nvPr>
+        </p:nvSpPr>
+        <p:spPr/>
+        <p:txBody>
+          <a:bodyPr/>
+          <a:lstStyle/>
+          <a:p>
+            <a:fld id="{DFEEFCB1-0401-4A40-B62D-831B3D104973}" type="slidenum">
+              <a:rPr lang="en-US" smtClean="0"/>
+              <a:t>‹#›</a:t>
+            </a:fld>
+            <a:endParaRPr lang="en-US"/>
+          </a:p>
+        </p:txBody>
+      </p:sp>
+    </p:spTree>
+    <p:extLst>
+      <p:ext uri="{BB962C8B-B14F-4D97-AF65-F5344CB8AC3E}">
+        <p14:creationId xmlns:p14="http://schemas.microsoft.com/office/powerpoint/2010/main" val="1872914893"/>
+      </p:ext>
+    </p:extLst>
+  </p:cSld>
+  <p:clrMapOvr>
+    <a:masterClrMapping/>
+  </p:clrMapOvr>
+</p:sldLayout>
+</file>
+
+<file path=ppt/slideLayouts/slideLayout14.xml><?xml version="1.0" encoding="utf-8"?>
+<p:sldLayout xmlns:a="http://schemas.openxmlformats.org/drawingml/2006/main" xmlns:r="http://schemas.openxmlformats.org/officeDocument/2006/relationships" xmlns:p="http://schemas.openxmlformats.org/presentationml/2006/main" type="secHead" preserve="1">
+  <p:cSld name="Section Header">
+    <p:spTree>
+      <p:nvGrpSpPr>
+        <p:cNvPr id="1" name=""/>
+        <p:cNvGrpSpPr/>
+        <p:nvPr/>
+      </p:nvGrpSpPr>
+      <p:grpSpPr>
+        <a:xfrm>
+          <a:off x="0" y="0"/>
+          <a:ext cx="0" cy="0"/>
+          <a:chOff x="0" y="0"/>
+          <a:chExt cx="0" cy="0"/>
+        </a:xfrm>
+      </p:grpSpPr>
+      <p:sp>
+        <p:nvSpPr>
+          <p:cNvPr id="2" name="Title 1">
+            <a:extLst>
+              <a:ext uri="{FF2B5EF4-FFF2-40B4-BE49-F238E27FC236}">
+                <a16:creationId xmlns:a16="http://schemas.microsoft.com/office/drawing/2014/main" id="{BF8D77C4-BDE8-4E99-83DF-52CDAC1840CF}"/>
+              </a:ext>
+            </a:extLst>
+          </p:cNvPr>
+          <p:cNvSpPr>
+            <a:spLocks noGrp="1"/>
+          </p:cNvSpPr>
+          <p:nvPr>
+            <p:ph type="title"/>
+          </p:nvPr>
+        </p:nvSpPr>
+        <p:spPr>
+          <a:xfrm>
+            <a:off x="831850" y="1709738"/>
+            <a:ext cx="10515600" cy="2852737"/>
+          </a:xfrm>
+        </p:spPr>
+        <p:txBody>
+          <a:bodyPr anchor="b"/>
+          <a:lstStyle>
+            <a:lvl1pPr>
+              <a:defRPr sz="6000"/>
+            </a:lvl1pPr>
+          </a:lstStyle>
+          <a:p>
+            <a:r>
+              <a:rPr lang="en-US"/>
+              <a:t>Click to edit Master title style</a:t>
+            </a:r>
+          </a:p>
+        </p:txBody>
+      </p:sp>
+      <p:sp>
+        <p:nvSpPr>
+          <p:cNvPr id="3" name="Text Placeholder 2">
+            <a:extLst>
+              <a:ext uri="{FF2B5EF4-FFF2-40B4-BE49-F238E27FC236}">
+                <a16:creationId xmlns:a16="http://schemas.microsoft.com/office/drawing/2014/main" id="{E686941E-EAF6-4D7F-BEE9-9DE89B141DE3}"/>
+              </a:ext>
+            </a:extLst>
+          </p:cNvPr>
+          <p:cNvSpPr>
+            <a:spLocks noGrp="1"/>
+          </p:cNvSpPr>
+          <p:nvPr>
+            <p:ph type="body" idx="1"/>
+          </p:nvPr>
+        </p:nvSpPr>
+        <p:spPr>
+          <a:xfrm>
+            <a:off x="831850" y="4589463"/>
+            <a:ext cx="10515600" cy="1500187"/>
+          </a:xfrm>
+        </p:spPr>
+        <p:txBody>
+          <a:bodyPr/>
+          <a:lstStyle>
+            <a:lvl1pPr marL="0" indent="0">
+              <a:buNone/>
+              <a:defRPr sz="2400">
+                <a:solidFill>
+                  <a:schemeClr val="tx1">
+                    <a:tint val="75000"/>
+                  </a:schemeClr>
+                </a:solidFill>
+              </a:defRPr>
+            </a:lvl1pPr>
+            <a:lvl2pPr marL="457200" indent="0">
+              <a:buNone/>
+              <a:defRPr sz="2000">
+                <a:solidFill>
+                  <a:schemeClr val="tx1">
+                    <a:tint val="75000"/>
+                  </a:schemeClr>
+                </a:solidFill>
+              </a:defRPr>
+            </a:lvl2pPr>
+            <a:lvl3pPr marL="914400" indent="0">
+              <a:buNone/>
+              <a:defRPr sz="1800">
+                <a:solidFill>
+                  <a:schemeClr val="tx1">
+                    <a:tint val="75000"/>
+                  </a:schemeClr>
+                </a:solidFill>
+              </a:defRPr>
+            </a:lvl3pPr>
+            <a:lvl4pPr marL="1371600" indent="0">
+              <a:buNone/>
+              <a:defRPr sz="1600">
+                <a:solidFill>
+                  <a:schemeClr val="tx1">
+                    <a:tint val="75000"/>
+                  </a:schemeClr>
+                </a:solidFill>
+              </a:defRPr>
+            </a:lvl4pPr>
+            <a:lvl5pPr marL="1828800" indent="0">
+              <a:buNone/>
+              <a:defRPr sz="1600">
+                <a:solidFill>
+                  <a:schemeClr val="tx1">
+                    <a:tint val="75000"/>
+                  </a:schemeClr>
+                </a:solidFill>
+              </a:defRPr>
+            </a:lvl5pPr>
+            <a:lvl6pPr marL="2286000" indent="0">
+              <a:buNone/>
+              <a:defRPr sz="1600">
+                <a:solidFill>
+                  <a:schemeClr val="tx1">
+                    <a:tint val="75000"/>
+                  </a:schemeClr>
+                </a:solidFill>
+              </a:defRPr>
+            </a:lvl6pPr>
+            <a:lvl7pPr marL="2743200" indent="0">
+              <a:buNone/>
+              <a:defRPr sz="1600">
+                <a:solidFill>
+                  <a:schemeClr val="tx1">
+                    <a:tint val="75000"/>
+                  </a:schemeClr>
+                </a:solidFill>
+              </a:defRPr>
+            </a:lvl7pPr>
+            <a:lvl8pPr marL="3200400" indent="0">
+              <a:buNone/>
+              <a:defRPr sz="1600">
+                <a:solidFill>
+                  <a:schemeClr val="tx1">
+                    <a:tint val="75000"/>
+                  </a:schemeClr>
+                </a:solidFill>
+              </a:defRPr>
+            </a:lvl8pPr>
+            <a:lvl9pPr marL="3657600" indent="0">
+              <a:buNone/>
+              <a:defRPr sz="1600">
+                <a:solidFill>
+                  <a:schemeClr val="tx1">
+                    <a:tint val="75000"/>
+                  </a:schemeClr>
+                </a:solidFill>
+              </a:defRPr>
+            </a:lvl9pPr>
+          </a:lstStyle>
+          <a:p>
+            <a:pPr lvl="0"/>
+            <a:r>
+              <a:rPr lang="en-US"/>
+              <a:t>Edit Master text styles</a:t>
+            </a:r>
+          </a:p>
+        </p:txBody>
+      </p:sp>
+      <p:sp>
+        <p:nvSpPr>
+          <p:cNvPr id="4" name="Date Placeholder 3">
+            <a:extLst>
+              <a:ext uri="{FF2B5EF4-FFF2-40B4-BE49-F238E27FC236}">
+                <a16:creationId xmlns:a16="http://schemas.microsoft.com/office/drawing/2014/main" id="{0C4CB92C-72BD-4F61-B89B-0DB887697F8D}"/>
+              </a:ext>
+            </a:extLst>
+          </p:cNvPr>
+          <p:cNvSpPr>
+            <a:spLocks noGrp="1"/>
+          </p:cNvSpPr>
+          <p:nvPr>
+            <p:ph type="dt" sz="half" idx="10"/>
+          </p:nvPr>
+        </p:nvSpPr>
+        <p:spPr/>
+        <p:txBody>
+          <a:bodyPr/>
+          <a:lstStyle/>
+          <a:p>
+            <a:fld id="{5F9E72CA-C8DB-4FE1-9619-3E0CC03F8A15}" type="datetimeFigureOut">
+              <a:rPr lang="en-US" smtClean="0"/>
+              <a:t>2/19/2019</a:t>
+            </a:fld>
+            <a:endParaRPr lang="en-US"/>
+          </a:p>
+        </p:txBody>
+      </p:sp>
+      <p:sp>
+        <p:nvSpPr>
+          <p:cNvPr id="5" name="Footer Placeholder 4">
+            <a:extLst>
+              <a:ext uri="{FF2B5EF4-FFF2-40B4-BE49-F238E27FC236}">
+                <a16:creationId xmlns:a16="http://schemas.microsoft.com/office/drawing/2014/main" id="{B01848F8-B59B-44C7-809E-FBF356B96D15}"/>
+              </a:ext>
+            </a:extLst>
+          </p:cNvPr>
+          <p:cNvSpPr>
+            <a:spLocks noGrp="1"/>
+          </p:cNvSpPr>
+          <p:nvPr>
+            <p:ph type="ftr" sz="quarter" idx="11"/>
+          </p:nvPr>
+        </p:nvSpPr>
+        <p:spPr/>
+        <p:txBody>
+          <a:bodyPr/>
+          <a:lstStyle/>
+          <a:p>
+            <a:endParaRPr lang="en-US"/>
+          </a:p>
+        </p:txBody>
+      </p:sp>
+      <p:sp>
+        <p:nvSpPr>
+          <p:cNvPr id="6" name="Slide Number Placeholder 5">
+            <a:extLst>
+              <a:ext uri="{FF2B5EF4-FFF2-40B4-BE49-F238E27FC236}">
+                <a16:creationId xmlns:a16="http://schemas.microsoft.com/office/drawing/2014/main" id="{EE272DE9-2348-4AA9-BCC4-3313E845C181}"/>
+              </a:ext>
+            </a:extLst>
+          </p:cNvPr>
+          <p:cNvSpPr>
+            <a:spLocks noGrp="1"/>
+          </p:cNvSpPr>
+          <p:nvPr>
+            <p:ph type="sldNum" sz="quarter" idx="12"/>
+          </p:nvPr>
+        </p:nvSpPr>
+        <p:spPr/>
+        <p:txBody>
+          <a:bodyPr/>
+          <a:lstStyle/>
+          <a:p>
+            <a:fld id="{DFEEFCB1-0401-4A40-B62D-831B3D104973}" type="slidenum">
+              <a:rPr lang="en-US" smtClean="0"/>
+              <a:t>‹#›</a:t>
+            </a:fld>
+            <a:endParaRPr lang="en-US"/>
+          </a:p>
+        </p:txBody>
+      </p:sp>
+    </p:spTree>
+    <p:extLst>
+      <p:ext uri="{BB962C8B-B14F-4D97-AF65-F5344CB8AC3E}">
+        <p14:creationId xmlns:p14="http://schemas.microsoft.com/office/powerpoint/2010/main" val="1265742369"/>
+      </p:ext>
+    </p:extLst>
+  </p:cSld>
+  <p:clrMapOvr>
+    <a:masterClrMapping/>
+  </p:clrMapOvr>
+</p:sldLayout>
+</file>
+
+<file path=ppt/slideLayouts/slideLayout15.xml><?xml version="1.0" encoding="utf-8"?>
+<p:sldLayout xmlns:a="http://schemas.openxmlformats.org/drawingml/2006/main" xmlns:r="http://schemas.openxmlformats.org/officeDocument/2006/relationships" xmlns:p="http://schemas.openxmlformats.org/presentationml/2006/main" type="twoObj" preserve="1">
+  <p:cSld name="Two Content">
+    <p:spTree>
+      <p:nvGrpSpPr>
+        <p:cNvPr id="1" name=""/>
+        <p:cNvGrpSpPr/>
+        <p:nvPr/>
+      </p:nvGrpSpPr>
+      <p:grpSpPr>
+        <a:xfrm>
+          <a:off x="0" y="0"/>
+          <a:ext cx="0" cy="0"/>
+          <a:chOff x="0" y="0"/>
+          <a:chExt cx="0" cy="0"/>
+        </a:xfrm>
+      </p:grpSpPr>
+      <p:sp>
+        <p:nvSpPr>
+          <p:cNvPr id="2" name="Title 1">
+            <a:extLst>
+              <a:ext uri="{FF2B5EF4-FFF2-40B4-BE49-F238E27FC236}">
+                <a16:creationId xmlns:a16="http://schemas.microsoft.com/office/drawing/2014/main" id="{B7EB9F1D-03A6-40F4-B7C9-9D53D9DEB06F}"/>
+              </a:ext>
+            </a:extLst>
+          </p:cNvPr>
+          <p:cNvSpPr>
+            <a:spLocks noGrp="1"/>
+          </p:cNvSpPr>
+          <p:nvPr>
+            <p:ph type="title"/>
+          </p:nvPr>
+        </p:nvSpPr>
+        <p:spPr/>
+        <p:txBody>
+          <a:bodyPr/>
+          <a:lstStyle/>
+          <a:p>
+            <a:r>
+              <a:rPr lang="en-US"/>
+              <a:t>Click to edit Master title style</a:t>
+            </a:r>
+          </a:p>
+        </p:txBody>
+      </p:sp>
+      <p:sp>
+        <p:nvSpPr>
+          <p:cNvPr id="3" name="Content Placeholder 2">
+            <a:extLst>
+              <a:ext uri="{FF2B5EF4-FFF2-40B4-BE49-F238E27FC236}">
+                <a16:creationId xmlns:a16="http://schemas.microsoft.com/office/drawing/2014/main" id="{9035CF65-BC8E-4EB8-A8A0-D1CABA3FB5FD}"/>
+              </a:ext>
+            </a:extLst>
+          </p:cNvPr>
+          <p:cNvSpPr>
+            <a:spLocks noGrp="1"/>
+          </p:cNvSpPr>
+          <p:nvPr>
+            <p:ph sz="half" idx="1"/>
+          </p:nvPr>
+        </p:nvSpPr>
+        <p:spPr>
+          <a:xfrm>
+            <a:off x="838200" y="1825625"/>
+            <a:ext cx="5181600" cy="4351338"/>
+          </a:xfrm>
+        </p:spPr>
+        <p:txBody>
+          <a:bodyPr/>
+          <a:lstStyle/>
+          <a:p>
+            <a:pPr lvl="0"/>
+            <a:r>
+              <a:rPr lang="en-US"/>
+              <a:t>Edit Master text styles</a:t>
+            </a:r>
+          </a:p>
+          <a:p>
+            <a:pPr lvl="1"/>
+            <a:r>
+              <a:rPr lang="en-US"/>
+              <a:t>Second level</a:t>
+            </a:r>
+          </a:p>
+          <a:p>
+            <a:pPr lvl="2"/>
+            <a:r>
+              <a:rPr lang="en-US"/>
+              <a:t>Third level</a:t>
+            </a:r>
+          </a:p>
+          <a:p>
+            <a:pPr lvl="3"/>
+            <a:r>
+              <a:rPr lang="en-US"/>
+              <a:t>Fourth level</a:t>
+            </a:r>
+          </a:p>
+          <a:p>
+            <a:pPr lvl="4"/>
+            <a:r>
+              <a:rPr lang="en-US"/>
+              <a:t>Fifth level</a:t>
+            </a:r>
+          </a:p>
+        </p:txBody>
+      </p:sp>
+      <p:sp>
+        <p:nvSpPr>
+          <p:cNvPr id="4" name="Content Placeholder 3">
+            <a:extLst>
+              <a:ext uri="{FF2B5EF4-FFF2-40B4-BE49-F238E27FC236}">
+                <a16:creationId xmlns:a16="http://schemas.microsoft.com/office/drawing/2014/main" id="{B4ED135D-ADEF-4B68-BAD2-4EBAAAA5A949}"/>
+              </a:ext>
+            </a:extLst>
+          </p:cNvPr>
+          <p:cNvSpPr>
+            <a:spLocks noGrp="1"/>
+          </p:cNvSpPr>
+          <p:nvPr>
+            <p:ph sz="half" idx="2"/>
+          </p:nvPr>
+        </p:nvSpPr>
+        <p:spPr>
+          <a:xfrm>
+            <a:off x="6172200" y="1825625"/>
+            <a:ext cx="5181600" cy="4351338"/>
+          </a:xfrm>
+        </p:spPr>
+        <p:txBody>
+          <a:bodyPr/>
+          <a:lstStyle/>
+          <a:p>
+            <a:pPr lvl="0"/>
+            <a:r>
+              <a:rPr lang="en-US"/>
+              <a:t>Edit Master text styles</a:t>
+            </a:r>
+          </a:p>
+          <a:p>
+            <a:pPr lvl="1"/>
+            <a:r>
+              <a:rPr lang="en-US"/>
+              <a:t>Second level</a:t>
+            </a:r>
+          </a:p>
+          <a:p>
+            <a:pPr lvl="2"/>
+            <a:r>
+              <a:rPr lang="en-US"/>
+              <a:t>Third level</a:t>
+            </a:r>
+          </a:p>
+          <a:p>
+            <a:pPr lvl="3"/>
+            <a:r>
+              <a:rPr lang="en-US"/>
+              <a:t>Fourth level</a:t>
+            </a:r>
+          </a:p>
+          <a:p>
+            <a:pPr lvl="4"/>
+            <a:r>
+              <a:rPr lang="en-US"/>
+              <a:t>Fifth level</a:t>
+            </a:r>
+          </a:p>
+        </p:txBody>
+      </p:sp>
+      <p:sp>
+        <p:nvSpPr>
+          <p:cNvPr id="5" name="Date Placeholder 4">
+            <a:extLst>
+              <a:ext uri="{FF2B5EF4-FFF2-40B4-BE49-F238E27FC236}">
+                <a16:creationId xmlns:a16="http://schemas.microsoft.com/office/drawing/2014/main" id="{80CE20B2-9A12-4BAD-A523-D5A94767FADE}"/>
+              </a:ext>
+            </a:extLst>
+          </p:cNvPr>
+          <p:cNvSpPr>
+            <a:spLocks noGrp="1"/>
+          </p:cNvSpPr>
+          <p:nvPr>
+            <p:ph type="dt" sz="half" idx="10"/>
+          </p:nvPr>
+        </p:nvSpPr>
+        <p:spPr/>
+        <p:txBody>
+          <a:bodyPr/>
+          <a:lstStyle/>
+          <a:p>
+            <a:fld id="{5F9E72CA-C8DB-4FE1-9619-3E0CC03F8A15}" type="datetimeFigureOut">
+              <a:rPr lang="en-US" smtClean="0"/>
+              <a:t>2/19/2019</a:t>
+            </a:fld>
+            <a:endParaRPr lang="en-US"/>
+          </a:p>
+        </p:txBody>
+      </p:sp>
+      <p:sp>
+        <p:nvSpPr>
+          <p:cNvPr id="6" name="Footer Placeholder 5">
+            <a:extLst>
+              <a:ext uri="{FF2B5EF4-FFF2-40B4-BE49-F238E27FC236}">
+                <a16:creationId xmlns:a16="http://schemas.microsoft.com/office/drawing/2014/main" id="{DB491C40-403B-4C74-8A70-CFCE968E495D}"/>
+              </a:ext>
+            </a:extLst>
+          </p:cNvPr>
+          <p:cNvSpPr>
+            <a:spLocks noGrp="1"/>
+          </p:cNvSpPr>
+          <p:nvPr>
+            <p:ph type="ftr" sz="quarter" idx="11"/>
+          </p:nvPr>
+        </p:nvSpPr>
+        <p:spPr/>
+        <p:txBody>
+          <a:bodyPr/>
+          <a:lstStyle/>
+          <a:p>
+            <a:endParaRPr lang="en-US"/>
+          </a:p>
+        </p:txBody>
+      </p:sp>
+      <p:sp>
+        <p:nvSpPr>
+          <p:cNvPr id="7" name="Slide Number Placeholder 6">
+            <a:extLst>
+              <a:ext uri="{FF2B5EF4-FFF2-40B4-BE49-F238E27FC236}">
+                <a16:creationId xmlns:a16="http://schemas.microsoft.com/office/drawing/2014/main" id="{DEADA8EC-759B-4B25-84AD-88B00FF9B052}"/>
+              </a:ext>
+            </a:extLst>
+          </p:cNvPr>
+          <p:cNvSpPr>
+            <a:spLocks noGrp="1"/>
+          </p:cNvSpPr>
+          <p:nvPr>
+            <p:ph type="sldNum" sz="quarter" idx="12"/>
+          </p:nvPr>
+        </p:nvSpPr>
+        <p:spPr/>
+        <p:txBody>
+          <a:bodyPr/>
+          <a:lstStyle/>
+          <a:p>
+            <a:fld id="{DFEEFCB1-0401-4A40-B62D-831B3D104973}" type="slidenum">
+              <a:rPr lang="en-US" smtClean="0"/>
+              <a:t>‹#›</a:t>
+            </a:fld>
+            <a:endParaRPr lang="en-US"/>
+          </a:p>
+        </p:txBody>
+      </p:sp>
+    </p:spTree>
+    <p:extLst>
+      <p:ext uri="{BB962C8B-B14F-4D97-AF65-F5344CB8AC3E}">
+        <p14:creationId xmlns:p14="http://schemas.microsoft.com/office/powerpoint/2010/main" val="2797086185"/>
+      </p:ext>
+    </p:extLst>
+  </p:cSld>
+  <p:clrMapOvr>
+    <a:masterClrMapping/>
+  </p:clrMapOvr>
+</p:sldLayout>
+</file>
+
+<file path=ppt/slideLayouts/slideLayout16.xml><?xml version="1.0" encoding="utf-8"?>
+<p:sldLayout xmlns:a="http://schemas.openxmlformats.org/drawingml/2006/main" xmlns:r="http://schemas.openxmlformats.org/officeDocument/2006/relationships" xmlns:p="http://schemas.openxmlformats.org/presentationml/2006/main" type="twoTxTwoObj" preserve="1">
+  <p:cSld name="Comparison">
+    <p:spTree>
+      <p:nvGrpSpPr>
+        <p:cNvPr id="1" name=""/>
+        <p:cNvGrpSpPr/>
+        <p:nvPr/>
+      </p:nvGrpSpPr>
+      <p:grpSpPr>
+        <a:xfrm>
+          <a:off x="0" y="0"/>
+          <a:ext cx="0" cy="0"/>
+          <a:chOff x="0" y="0"/>
+          <a:chExt cx="0" cy="0"/>
+        </a:xfrm>
+      </p:grpSpPr>
+      <p:sp>
+        <p:nvSpPr>
+          <p:cNvPr id="2" name="Title 1">
+            <a:extLst>
+              <a:ext uri="{FF2B5EF4-FFF2-40B4-BE49-F238E27FC236}">
+                <a16:creationId xmlns:a16="http://schemas.microsoft.com/office/drawing/2014/main" id="{DC3755FC-0A31-4D45-9685-02DA93F14D04}"/>
+              </a:ext>
+            </a:extLst>
+          </p:cNvPr>
+          <p:cNvSpPr>
+            <a:spLocks noGrp="1"/>
+          </p:cNvSpPr>
+          <p:nvPr>
+            <p:ph type="title"/>
+          </p:nvPr>
+        </p:nvSpPr>
+        <p:spPr>
+          <a:xfrm>
+            <a:off x="839788" y="365125"/>
+            <a:ext cx="10515600" cy="1325563"/>
+          </a:xfrm>
+        </p:spPr>
+        <p:txBody>
+          <a:bodyPr/>
+          <a:lstStyle/>
+          <a:p>
+            <a:r>
+              <a:rPr lang="en-US"/>
+              <a:t>Click to edit Master title style</a:t>
+            </a:r>
+          </a:p>
+        </p:txBody>
+      </p:sp>
+      <p:sp>
+        <p:nvSpPr>
+          <p:cNvPr id="3" name="Text Placeholder 2">
+            <a:extLst>
+              <a:ext uri="{FF2B5EF4-FFF2-40B4-BE49-F238E27FC236}">
+                <a16:creationId xmlns:a16="http://schemas.microsoft.com/office/drawing/2014/main" id="{35755FE4-964A-41D6-8858-993DEA5DE5B3}"/>
+              </a:ext>
+            </a:extLst>
+          </p:cNvPr>
+          <p:cNvSpPr>
+            <a:spLocks noGrp="1"/>
+          </p:cNvSpPr>
+          <p:nvPr>
+            <p:ph type="body" idx="1"/>
+          </p:nvPr>
+        </p:nvSpPr>
+        <p:spPr>
+          <a:xfrm>
+            <a:off x="839788" y="1681163"/>
+            <a:ext cx="5157787" cy="823912"/>
+          </a:xfrm>
+        </p:spPr>
+        <p:txBody>
+          <a:bodyPr anchor="b"/>
+          <a:lstStyle>
+            <a:lvl1pPr marL="0" indent="0">
+              <a:buNone/>
+              <a:defRPr sz="2400" b="1"/>
+            </a:lvl1pPr>
+            <a:lvl2pPr marL="457200" indent="0">
+              <a:buNone/>
+              <a:defRPr sz="2000" b="1"/>
+            </a:lvl2pPr>
+            <a:lvl3pPr marL="914400" indent="0">
+              <a:buNone/>
+              <a:defRPr sz="1800" b="1"/>
+            </a:lvl3pPr>
+            <a:lvl4pPr marL="1371600" indent="0">
+              <a:buNone/>
+              <a:defRPr sz="1600" b="1"/>
+            </a:lvl4pPr>
+            <a:lvl5pPr marL="1828800" indent="0">
+              <a:buNone/>
+              <a:defRPr sz="1600" b="1"/>
+            </a:lvl5pPr>
+            <a:lvl6pPr marL="2286000" indent="0">
+              <a:buNone/>
+              <a:defRPr sz="1600" b="1"/>
+            </a:lvl6pPr>
+            <a:lvl7pPr marL="2743200" indent="0">
+              <a:buNone/>
+              <a:defRPr sz="1600" b="1"/>
+            </a:lvl7pPr>
+            <a:lvl8pPr marL="3200400" indent="0">
+              <a:buNone/>
+              <a:defRPr sz="1600" b="1"/>
+            </a:lvl8pPr>
+            <a:lvl9pPr marL="3657600" indent="0">
+              <a:buNone/>
+              <a:defRPr sz="1600" b="1"/>
+            </a:lvl9pPr>
+          </a:lstStyle>
+          <a:p>
+            <a:pPr lvl="0"/>
+            <a:r>
+              <a:rPr lang="en-US"/>
+              <a:t>Edit Master text styles</a:t>
+            </a:r>
+          </a:p>
+        </p:txBody>
+      </p:sp>
+      <p:sp>
+        <p:nvSpPr>
+          <p:cNvPr id="4" name="Content Placeholder 3">
+            <a:extLst>
+              <a:ext uri="{FF2B5EF4-FFF2-40B4-BE49-F238E27FC236}">
+                <a16:creationId xmlns:a16="http://schemas.microsoft.com/office/drawing/2014/main" id="{6F778A27-6D8E-4098-88DC-B30D79818C5C}"/>
+              </a:ext>
+            </a:extLst>
+          </p:cNvPr>
+          <p:cNvSpPr>
+            <a:spLocks noGrp="1"/>
+          </p:cNvSpPr>
+          <p:nvPr>
+            <p:ph sz="half" idx="2"/>
+          </p:nvPr>
+        </p:nvSpPr>
+        <p:spPr>
+          <a:xfrm>
+            <a:off x="839788" y="2505075"/>
+            <a:ext cx="5157787" cy="3684588"/>
+          </a:xfrm>
+        </p:spPr>
+        <p:txBody>
+          <a:bodyPr/>
+          <a:lstStyle/>
+          <a:p>
+            <a:pPr lvl="0"/>
+            <a:r>
+              <a:rPr lang="en-US"/>
+              <a:t>Edit Master text styles</a:t>
+            </a:r>
+          </a:p>
+          <a:p>
+            <a:pPr lvl="1"/>
+            <a:r>
+              <a:rPr lang="en-US"/>
+              <a:t>Second level</a:t>
+            </a:r>
+          </a:p>
+          <a:p>
+            <a:pPr lvl="2"/>
+            <a:r>
+              <a:rPr lang="en-US"/>
+              <a:t>Third level</a:t>
+            </a:r>
+          </a:p>
+          <a:p>
+            <a:pPr lvl="3"/>
+            <a:r>
+              <a:rPr lang="en-US"/>
+              <a:t>Fourth level</a:t>
+            </a:r>
+          </a:p>
+          <a:p>
+            <a:pPr lvl="4"/>
+            <a:r>
+              <a:rPr lang="en-US"/>
+              <a:t>Fifth level</a:t>
+            </a:r>
+          </a:p>
+        </p:txBody>
+      </p:sp>
+      <p:sp>
+        <p:nvSpPr>
+          <p:cNvPr id="5" name="Text Placeholder 4">
+            <a:extLst>
+              <a:ext uri="{FF2B5EF4-FFF2-40B4-BE49-F238E27FC236}">
+                <a16:creationId xmlns:a16="http://schemas.microsoft.com/office/drawing/2014/main" id="{38E81626-8DAB-4DB2-AC62-2F8D6A05660B}"/>
+              </a:ext>
+            </a:extLst>
+          </p:cNvPr>
+          <p:cNvSpPr>
+            <a:spLocks noGrp="1"/>
+          </p:cNvSpPr>
+          <p:nvPr>
+            <p:ph type="body" sz="quarter" idx="3"/>
+          </p:nvPr>
+        </p:nvSpPr>
+        <p:spPr>
+          <a:xfrm>
+            <a:off x="6172200" y="1681163"/>
+            <a:ext cx="5183188" cy="823912"/>
+          </a:xfrm>
+        </p:spPr>
+        <p:txBody>
+          <a:bodyPr anchor="b"/>
+          <a:lstStyle>
+            <a:lvl1pPr marL="0" indent="0">
+              <a:buNone/>
+              <a:defRPr sz="2400" b="1"/>
+            </a:lvl1pPr>
+            <a:lvl2pPr marL="457200" indent="0">
+              <a:buNone/>
+              <a:defRPr sz="2000" b="1"/>
+            </a:lvl2pPr>
+            <a:lvl3pPr marL="914400" indent="0">
+              <a:buNone/>
+              <a:defRPr sz="1800" b="1"/>
+            </a:lvl3pPr>
+            <a:lvl4pPr marL="1371600" indent="0">
+              <a:buNone/>
+              <a:defRPr sz="1600" b="1"/>
+            </a:lvl4pPr>
+            <a:lvl5pPr marL="1828800" indent="0">
+              <a:buNone/>
+              <a:defRPr sz="1600" b="1"/>
+            </a:lvl5pPr>
+            <a:lvl6pPr marL="2286000" indent="0">
+              <a:buNone/>
+              <a:defRPr sz="1600" b="1"/>
+            </a:lvl6pPr>
+            <a:lvl7pPr marL="2743200" indent="0">
+              <a:buNone/>
+              <a:defRPr sz="1600" b="1"/>
+            </a:lvl7pPr>
+            <a:lvl8pPr marL="3200400" indent="0">
+              <a:buNone/>
+              <a:defRPr sz="1600" b="1"/>
+            </a:lvl8pPr>
+            <a:lvl9pPr marL="3657600" indent="0">
+              <a:buNone/>
+              <a:defRPr sz="1600" b="1"/>
+            </a:lvl9pPr>
+          </a:lstStyle>
+          <a:p>
+            <a:pPr lvl="0"/>
+            <a:r>
+              <a:rPr lang="en-US"/>
+              <a:t>Edit Master text styles</a:t>
+            </a:r>
+          </a:p>
+        </p:txBody>
+      </p:sp>
+      <p:sp>
+        <p:nvSpPr>
+          <p:cNvPr id="6" name="Content Placeholder 5">
+            <a:extLst>
+              <a:ext uri="{FF2B5EF4-FFF2-40B4-BE49-F238E27FC236}">
+                <a16:creationId xmlns:a16="http://schemas.microsoft.com/office/drawing/2014/main" id="{24F452B6-4CDD-4CAE-9181-C6A2E6B51EB2}"/>
+              </a:ext>
+            </a:extLst>
+          </p:cNvPr>
+          <p:cNvSpPr>
+            <a:spLocks noGrp="1"/>
+          </p:cNvSpPr>
+          <p:nvPr>
+            <p:ph sz="quarter" idx="4"/>
+          </p:nvPr>
+        </p:nvSpPr>
+        <p:spPr>
+          <a:xfrm>
+            <a:off x="6172200" y="2505075"/>
+            <a:ext cx="5183188" cy="3684588"/>
+          </a:xfrm>
+        </p:spPr>
+        <p:txBody>
+          <a:bodyPr/>
+          <a:lstStyle/>
+          <a:p>
+            <a:pPr lvl="0"/>
+            <a:r>
+              <a:rPr lang="en-US"/>
+              <a:t>Edit Master text styles</a:t>
+            </a:r>
+          </a:p>
+          <a:p>
+            <a:pPr lvl="1"/>
+            <a:r>
+              <a:rPr lang="en-US"/>
+              <a:t>Second level</a:t>
+            </a:r>
+          </a:p>
+          <a:p>
+            <a:pPr lvl="2"/>
+            <a:r>
+              <a:rPr lang="en-US"/>
+              <a:t>Third level</a:t>
+            </a:r>
+          </a:p>
+          <a:p>
+            <a:pPr lvl="3"/>
+            <a:r>
+              <a:rPr lang="en-US"/>
+              <a:t>Fourth level</a:t>
+            </a:r>
+          </a:p>
+          <a:p>
+            <a:pPr lvl="4"/>
+            <a:r>
+              <a:rPr lang="en-US"/>
+              <a:t>Fifth level</a:t>
+            </a:r>
+          </a:p>
+        </p:txBody>
+      </p:sp>
+      <p:sp>
+        <p:nvSpPr>
+          <p:cNvPr id="7" name="Date Placeholder 6">
+            <a:extLst>
+              <a:ext uri="{FF2B5EF4-FFF2-40B4-BE49-F238E27FC236}">
+                <a16:creationId xmlns:a16="http://schemas.microsoft.com/office/drawing/2014/main" id="{A15FB961-446B-431E-96DD-BDEAE01D0C64}"/>
+              </a:ext>
+            </a:extLst>
+          </p:cNvPr>
+          <p:cNvSpPr>
+            <a:spLocks noGrp="1"/>
+          </p:cNvSpPr>
+          <p:nvPr>
+            <p:ph type="dt" sz="half" idx="10"/>
+          </p:nvPr>
+        </p:nvSpPr>
+        <p:spPr/>
+        <p:txBody>
+          <a:bodyPr/>
+          <a:lstStyle/>
+          <a:p>
+            <a:fld id="{5F9E72CA-C8DB-4FE1-9619-3E0CC03F8A15}" type="datetimeFigureOut">
+              <a:rPr lang="en-US" smtClean="0"/>
+              <a:t>2/19/2019</a:t>
+            </a:fld>
+            <a:endParaRPr lang="en-US"/>
+          </a:p>
+        </p:txBody>
+      </p:sp>
+      <p:sp>
+        <p:nvSpPr>
+          <p:cNvPr id="8" name="Footer Placeholder 7">
+            <a:extLst>
+              <a:ext uri="{FF2B5EF4-FFF2-40B4-BE49-F238E27FC236}">
+                <a16:creationId xmlns:a16="http://schemas.microsoft.com/office/drawing/2014/main" id="{BEABB862-03F7-4867-9036-7DF067C7B4D1}"/>
+              </a:ext>
+            </a:extLst>
+          </p:cNvPr>
+          <p:cNvSpPr>
+            <a:spLocks noGrp="1"/>
+          </p:cNvSpPr>
+          <p:nvPr>
+            <p:ph type="ftr" sz="quarter" idx="11"/>
+          </p:nvPr>
+        </p:nvSpPr>
+        <p:spPr/>
+        <p:txBody>
+          <a:bodyPr/>
+          <a:lstStyle/>
+          <a:p>
+            <a:endParaRPr lang="en-US"/>
+          </a:p>
+        </p:txBody>
+      </p:sp>
+      <p:sp>
+        <p:nvSpPr>
+          <p:cNvPr id="9" name="Slide Number Placeholder 8">
+            <a:extLst>
+              <a:ext uri="{FF2B5EF4-FFF2-40B4-BE49-F238E27FC236}">
+                <a16:creationId xmlns:a16="http://schemas.microsoft.com/office/drawing/2014/main" id="{26C299C4-B6E8-40C5-8CB2-F94912C30AB3}"/>
+              </a:ext>
+            </a:extLst>
+          </p:cNvPr>
+          <p:cNvSpPr>
+            <a:spLocks noGrp="1"/>
+          </p:cNvSpPr>
+          <p:nvPr>
+            <p:ph type="sldNum" sz="quarter" idx="12"/>
+          </p:nvPr>
+        </p:nvSpPr>
+        <p:spPr/>
+        <p:txBody>
+          <a:bodyPr/>
+          <a:lstStyle/>
+          <a:p>
+            <a:fld id="{DFEEFCB1-0401-4A40-B62D-831B3D104973}" type="slidenum">
+              <a:rPr lang="en-US" smtClean="0"/>
+              <a:t>‹#›</a:t>
+            </a:fld>
+            <a:endParaRPr lang="en-US"/>
+          </a:p>
+        </p:txBody>
+      </p:sp>
+    </p:spTree>
+    <p:extLst>
+      <p:ext uri="{BB962C8B-B14F-4D97-AF65-F5344CB8AC3E}">
+        <p14:creationId xmlns:p14="http://schemas.microsoft.com/office/powerpoint/2010/main" val="55481325"/>
+      </p:ext>
+    </p:extLst>
+  </p:cSld>
+  <p:clrMapOvr>
+    <a:masterClrMapping/>
+  </p:clrMapOvr>
+</p:sldLayout>
+</file>
+
+<file path=ppt/slideLayouts/slideLayout17.xml><?xml version="1.0" encoding="utf-8"?>
+<p:sldLayout xmlns:a="http://schemas.openxmlformats.org/drawingml/2006/main" xmlns:r="http://schemas.openxmlformats.org/officeDocument/2006/relationships" xmlns:p="http://schemas.openxmlformats.org/presentationml/2006/main" type="titleOnly" preserve="1">
+  <p:cSld name="Title Only">
+    <p:spTree>
+      <p:nvGrpSpPr>
+        <p:cNvPr id="1" name=""/>
+        <p:cNvGrpSpPr/>
+        <p:nvPr/>
+      </p:nvGrpSpPr>
+      <p:grpSpPr>
+        <a:xfrm>
+          <a:off x="0" y="0"/>
+          <a:ext cx="0" cy="0"/>
+          <a:chOff x="0" y="0"/>
+          <a:chExt cx="0" cy="0"/>
+        </a:xfrm>
+      </p:grpSpPr>
+      <p:sp>
+        <p:nvSpPr>
+          <p:cNvPr id="2" name="Title 1">
+            <a:extLst>
+              <a:ext uri="{FF2B5EF4-FFF2-40B4-BE49-F238E27FC236}">
+                <a16:creationId xmlns:a16="http://schemas.microsoft.com/office/drawing/2014/main" id="{57D643EC-AB04-4FE6-BB85-32A574B5B58B}"/>
+              </a:ext>
+            </a:extLst>
+          </p:cNvPr>
+          <p:cNvSpPr>
+            <a:spLocks noGrp="1"/>
+          </p:cNvSpPr>
+          <p:nvPr>
+            <p:ph type="title"/>
+          </p:nvPr>
+        </p:nvSpPr>
+        <p:spPr/>
+        <p:txBody>
+          <a:bodyPr/>
+          <a:lstStyle/>
+          <a:p>
+            <a:r>
+              <a:rPr lang="en-US"/>
+              <a:t>Click to edit Master title style</a:t>
+            </a:r>
+          </a:p>
+        </p:txBody>
+      </p:sp>
+      <p:sp>
+        <p:nvSpPr>
+          <p:cNvPr id="3" name="Date Placeholder 2">
+            <a:extLst>
+              <a:ext uri="{FF2B5EF4-FFF2-40B4-BE49-F238E27FC236}">
+                <a16:creationId xmlns:a16="http://schemas.microsoft.com/office/drawing/2014/main" id="{7F04A967-E182-48A5-B44D-3A0242D7A505}"/>
+              </a:ext>
+            </a:extLst>
+          </p:cNvPr>
+          <p:cNvSpPr>
+            <a:spLocks noGrp="1"/>
+          </p:cNvSpPr>
+          <p:nvPr>
+            <p:ph type="dt" sz="half" idx="10"/>
+          </p:nvPr>
+        </p:nvSpPr>
+        <p:spPr/>
+        <p:txBody>
+          <a:bodyPr/>
+          <a:lstStyle/>
+          <a:p>
+            <a:fld id="{5F9E72CA-C8DB-4FE1-9619-3E0CC03F8A15}" type="datetimeFigureOut">
+              <a:rPr lang="en-US" smtClean="0"/>
+              <a:t>2/19/2019</a:t>
+            </a:fld>
+            <a:endParaRPr lang="en-US"/>
+          </a:p>
+        </p:txBody>
+      </p:sp>
+      <p:sp>
+        <p:nvSpPr>
+          <p:cNvPr id="4" name="Footer Placeholder 3">
+            <a:extLst>
+              <a:ext uri="{FF2B5EF4-FFF2-40B4-BE49-F238E27FC236}">
+                <a16:creationId xmlns:a16="http://schemas.microsoft.com/office/drawing/2014/main" id="{00A3C979-E7CE-41AD-AFFD-13412D870962}"/>
+              </a:ext>
+            </a:extLst>
+          </p:cNvPr>
+          <p:cNvSpPr>
+            <a:spLocks noGrp="1"/>
+          </p:cNvSpPr>
+          <p:nvPr>
+            <p:ph type="ftr" sz="quarter" idx="11"/>
+          </p:nvPr>
+        </p:nvSpPr>
+        <p:spPr/>
+        <p:txBody>
+          <a:bodyPr/>
+          <a:lstStyle/>
+          <a:p>
+            <a:endParaRPr lang="en-US"/>
+          </a:p>
+        </p:txBody>
+      </p:sp>
+      <p:sp>
+        <p:nvSpPr>
+          <p:cNvPr id="5" name="Slide Number Placeholder 4">
+            <a:extLst>
+              <a:ext uri="{FF2B5EF4-FFF2-40B4-BE49-F238E27FC236}">
+                <a16:creationId xmlns:a16="http://schemas.microsoft.com/office/drawing/2014/main" id="{E88B985C-4AC9-4598-963F-E06DEC0DF3F4}"/>
+              </a:ext>
+            </a:extLst>
+          </p:cNvPr>
+          <p:cNvSpPr>
+            <a:spLocks noGrp="1"/>
+          </p:cNvSpPr>
+          <p:nvPr>
+            <p:ph type="sldNum" sz="quarter" idx="12"/>
+          </p:nvPr>
+        </p:nvSpPr>
+        <p:spPr/>
+        <p:txBody>
+          <a:bodyPr/>
+          <a:lstStyle/>
+          <a:p>
+            <a:fld id="{DFEEFCB1-0401-4A40-B62D-831B3D104973}" type="slidenum">
+              <a:rPr lang="en-US" smtClean="0"/>
+              <a:t>‹#›</a:t>
+            </a:fld>
+            <a:endParaRPr lang="en-US"/>
+          </a:p>
+        </p:txBody>
+      </p:sp>
+    </p:spTree>
+    <p:extLst>
+      <p:ext uri="{BB962C8B-B14F-4D97-AF65-F5344CB8AC3E}">
+        <p14:creationId xmlns:p14="http://schemas.microsoft.com/office/powerpoint/2010/main" val="3561912910"/>
+      </p:ext>
+    </p:extLst>
+  </p:cSld>
+  <p:clrMapOvr>
+    <a:masterClrMapping/>
+  </p:clrMapOvr>
+</p:sldLayout>
+</file>
+
+<file path=ppt/slideLayouts/slideLayout18.xml><?xml version="1.0" encoding="utf-8"?>
+<p:sldLayout xmlns:a="http://schemas.openxmlformats.org/drawingml/2006/main" xmlns:r="http://schemas.openxmlformats.org/officeDocument/2006/relationships" xmlns:p="http://schemas.openxmlformats.org/presentationml/2006/main" type="blank" preserve="1">
+  <p:cSld name="Blank">
+    <p:spTree>
+      <p:nvGrpSpPr>
+        <p:cNvPr id="1" name=""/>
+        <p:cNvGrpSpPr/>
+        <p:nvPr/>
+      </p:nvGrpSpPr>
+      <p:grpSpPr>
+        <a:xfrm>
+          <a:off x="0" y="0"/>
+          <a:ext cx="0" cy="0"/>
+          <a:chOff x="0" y="0"/>
+          <a:chExt cx="0" cy="0"/>
+        </a:xfrm>
+      </p:grpSpPr>
+      <p:sp>
+        <p:nvSpPr>
+          <p:cNvPr id="2" name="Date Placeholder 1">
+            <a:extLst>
+              <a:ext uri="{FF2B5EF4-FFF2-40B4-BE49-F238E27FC236}">
+                <a16:creationId xmlns:a16="http://schemas.microsoft.com/office/drawing/2014/main" id="{2E43ABF3-9565-4273-A96B-45EBF6D2C6BD}"/>
+              </a:ext>
+            </a:extLst>
+          </p:cNvPr>
+          <p:cNvSpPr>
+            <a:spLocks noGrp="1"/>
+          </p:cNvSpPr>
+          <p:nvPr>
+            <p:ph type="dt" sz="half" idx="10"/>
+          </p:nvPr>
+        </p:nvSpPr>
+        <p:spPr/>
+        <p:txBody>
+          <a:bodyPr/>
+          <a:lstStyle/>
+          <a:p>
+            <a:fld id="{5F9E72CA-C8DB-4FE1-9619-3E0CC03F8A15}" type="datetimeFigureOut">
+              <a:rPr lang="en-US" smtClean="0"/>
+              <a:t>2/19/2019</a:t>
+            </a:fld>
+            <a:endParaRPr lang="en-US"/>
+          </a:p>
+        </p:txBody>
+      </p:sp>
+      <p:sp>
+        <p:nvSpPr>
+          <p:cNvPr id="3" name="Footer Placeholder 2">
+            <a:extLst>
+              <a:ext uri="{FF2B5EF4-FFF2-40B4-BE49-F238E27FC236}">
+                <a16:creationId xmlns:a16="http://schemas.microsoft.com/office/drawing/2014/main" id="{AC08EB49-6195-43D9-8EEE-5F3598464749}"/>
+              </a:ext>
+            </a:extLst>
+          </p:cNvPr>
+          <p:cNvSpPr>
+            <a:spLocks noGrp="1"/>
+          </p:cNvSpPr>
+          <p:nvPr>
+            <p:ph type="ftr" sz="quarter" idx="11"/>
+          </p:nvPr>
+        </p:nvSpPr>
+        <p:spPr/>
+        <p:txBody>
+          <a:bodyPr/>
+          <a:lstStyle/>
+          <a:p>
+            <a:endParaRPr lang="en-US"/>
+          </a:p>
+        </p:txBody>
+      </p:sp>
+      <p:sp>
+        <p:nvSpPr>
+          <p:cNvPr id="4" name="Slide Number Placeholder 3">
+            <a:extLst>
+              <a:ext uri="{FF2B5EF4-FFF2-40B4-BE49-F238E27FC236}">
+                <a16:creationId xmlns:a16="http://schemas.microsoft.com/office/drawing/2014/main" id="{E52741FC-EF4A-4641-A8E8-2E9F05CBDA85}"/>
+              </a:ext>
+            </a:extLst>
+          </p:cNvPr>
+          <p:cNvSpPr>
+            <a:spLocks noGrp="1"/>
+          </p:cNvSpPr>
+          <p:nvPr>
+            <p:ph type="sldNum" sz="quarter" idx="12"/>
+          </p:nvPr>
+        </p:nvSpPr>
+        <p:spPr/>
+        <p:txBody>
+          <a:bodyPr/>
+          <a:lstStyle/>
+          <a:p>
+            <a:fld id="{DFEEFCB1-0401-4A40-B62D-831B3D104973}" type="slidenum">
+              <a:rPr lang="en-US" smtClean="0"/>
+              <a:t>‹#›</a:t>
+            </a:fld>
+            <a:endParaRPr lang="en-US"/>
+          </a:p>
+        </p:txBody>
+      </p:sp>
+    </p:spTree>
+    <p:extLst>
+      <p:ext uri="{BB962C8B-B14F-4D97-AF65-F5344CB8AC3E}">
+        <p14:creationId xmlns:p14="http://schemas.microsoft.com/office/powerpoint/2010/main" val="4080554236"/>
+      </p:ext>
+    </p:extLst>
+  </p:cSld>
+  <p:clrMapOvr>
+    <a:masterClrMapping/>
+  </p:clrMapOvr>
+</p:sldLayout>
+</file>
+
+<file path=ppt/slideLayouts/slideLayout19.xml><?xml version="1.0" encoding="utf-8"?>
+<p:sldLayout xmlns:a="http://schemas.openxmlformats.org/drawingml/2006/main" xmlns:r="http://schemas.openxmlformats.org/officeDocument/2006/relationships" xmlns:p="http://schemas.openxmlformats.org/presentationml/2006/main" type="objTx" preserve="1">
+  <p:cSld name="Content with Caption">
+    <p:spTree>
+      <p:nvGrpSpPr>
+        <p:cNvPr id="1" name=""/>
+        <p:cNvGrpSpPr/>
+        <p:nvPr/>
+      </p:nvGrpSpPr>
+      <p:grpSpPr>
+        <a:xfrm>
+          <a:off x="0" y="0"/>
+          <a:ext cx="0" cy="0"/>
+          <a:chOff x="0" y="0"/>
+          <a:chExt cx="0" cy="0"/>
+        </a:xfrm>
+      </p:grpSpPr>
+      <p:sp>
+        <p:nvSpPr>
+          <p:cNvPr id="2" name="Title 1">
+            <a:extLst>
+              <a:ext uri="{FF2B5EF4-FFF2-40B4-BE49-F238E27FC236}">
+                <a16:creationId xmlns:a16="http://schemas.microsoft.com/office/drawing/2014/main" id="{FBD06CD5-90D2-46BA-90A7-EE182E5E7285}"/>
+              </a:ext>
+            </a:extLst>
+          </p:cNvPr>
+          <p:cNvSpPr>
+            <a:spLocks noGrp="1"/>
+          </p:cNvSpPr>
+          <p:nvPr>
+            <p:ph type="title"/>
+          </p:nvPr>
+        </p:nvSpPr>
+        <p:spPr>
+          <a:xfrm>
+            <a:off x="839788" y="457200"/>
+            <a:ext cx="3932237" cy="1600200"/>
+          </a:xfrm>
+        </p:spPr>
+        <p:txBody>
+          <a:bodyPr anchor="b"/>
+          <a:lstStyle>
+            <a:lvl1pPr>
+              <a:defRPr sz="3200"/>
+            </a:lvl1pPr>
+          </a:lstStyle>
+          <a:p>
+            <a:r>
+              <a:rPr lang="en-US"/>
+              <a:t>Click to edit Master title style</a:t>
+            </a:r>
+          </a:p>
+        </p:txBody>
+      </p:sp>
+      <p:sp>
+        <p:nvSpPr>
+          <p:cNvPr id="3" name="Content Placeholder 2">
+            <a:extLst>
+              <a:ext uri="{FF2B5EF4-FFF2-40B4-BE49-F238E27FC236}">
+                <a16:creationId xmlns:a16="http://schemas.microsoft.com/office/drawing/2014/main" id="{5CFBD769-02D5-4F65-90A2-926B87E77D9F}"/>
+              </a:ext>
+            </a:extLst>
+          </p:cNvPr>
+          <p:cNvSpPr>
+            <a:spLocks noGrp="1"/>
+          </p:cNvSpPr>
+          <p:nvPr>
+            <p:ph idx="1"/>
+          </p:nvPr>
+        </p:nvSpPr>
+        <p:spPr>
+          <a:xfrm>
+            <a:off x="5183188" y="987425"/>
+            <a:ext cx="6172200" cy="4873625"/>
+          </a:xfrm>
+        </p:spPr>
+        <p:txBody>
+          <a:bodyPr/>
+          <a:lstStyle>
+            <a:lvl1pPr>
+              <a:defRPr sz="3200"/>
+            </a:lvl1pPr>
+            <a:lvl2pPr>
+              <a:defRPr sz="2800"/>
+            </a:lvl2pPr>
+            <a:lvl3pPr>
+              <a:defRPr sz="2400"/>
+            </a:lvl3pPr>
+            <a:lvl4pPr>
+              <a:defRPr sz="2000"/>
+            </a:lvl4pPr>
+            <a:lvl5pPr>
+              <a:defRPr sz="2000"/>
+            </a:lvl5pPr>
+            <a:lvl6pPr>
+              <a:defRPr sz="2000"/>
+            </a:lvl6pPr>
+            <a:lvl7pPr>
+              <a:defRPr sz="2000"/>
+            </a:lvl7pPr>
+            <a:lvl8pPr>
+              <a:defRPr sz="2000"/>
+            </a:lvl8pPr>
+            <a:lvl9pPr>
+              <a:defRPr sz="2000"/>
+            </a:lvl9pPr>
+          </a:lstStyle>
+          <a:p>
+            <a:pPr lvl="0"/>
+            <a:r>
+              <a:rPr lang="en-US"/>
+              <a:t>Edit Master text styles</a:t>
+            </a:r>
+          </a:p>
+          <a:p>
+            <a:pPr lvl="1"/>
+            <a:r>
+              <a:rPr lang="en-US"/>
+              <a:t>Second level</a:t>
+            </a:r>
+          </a:p>
+          <a:p>
+            <a:pPr lvl="2"/>
+            <a:r>
+              <a:rPr lang="en-US"/>
+              <a:t>Third level</a:t>
+            </a:r>
+          </a:p>
+          <a:p>
+            <a:pPr lvl="3"/>
+            <a:r>
+              <a:rPr lang="en-US"/>
+              <a:t>Fourth level</a:t>
+            </a:r>
+          </a:p>
+          <a:p>
+            <a:pPr lvl="4"/>
+            <a:r>
+              <a:rPr lang="en-US"/>
+              <a:t>Fifth level</a:t>
+            </a:r>
+          </a:p>
+        </p:txBody>
+      </p:sp>
+      <p:sp>
+        <p:nvSpPr>
+          <p:cNvPr id="4" name="Text Placeholder 3">
+            <a:extLst>
+              <a:ext uri="{FF2B5EF4-FFF2-40B4-BE49-F238E27FC236}">
+                <a16:creationId xmlns:a16="http://schemas.microsoft.com/office/drawing/2014/main" id="{7BB71714-899D-4083-8A05-9D98EA731F52}"/>
+              </a:ext>
+            </a:extLst>
+          </p:cNvPr>
+          <p:cNvSpPr>
+            <a:spLocks noGrp="1"/>
+          </p:cNvSpPr>
+          <p:nvPr>
+            <p:ph type="body" sz="half" idx="2"/>
+          </p:nvPr>
+        </p:nvSpPr>
+        <p:spPr>
+          <a:xfrm>
+            <a:off x="839788" y="2057400"/>
+            <a:ext cx="3932237" cy="3811588"/>
+          </a:xfrm>
+        </p:spPr>
+        <p:txBody>
+          <a:bodyPr/>
+          <a:lstStyle>
+            <a:lvl1pPr marL="0" indent="0">
+              <a:buNone/>
+              <a:defRPr sz="1600"/>
+            </a:lvl1pPr>
+            <a:lvl2pPr marL="457200" indent="0">
+              <a:buNone/>
+              <a:defRPr sz="1400"/>
+            </a:lvl2pPr>
+            <a:lvl3pPr marL="914400" indent="0">
+              <a:buNone/>
+              <a:defRPr sz="1200"/>
+            </a:lvl3pPr>
+            <a:lvl4pPr marL="1371600" indent="0">
+              <a:buNone/>
+              <a:defRPr sz="1000"/>
+            </a:lvl4pPr>
+            <a:lvl5pPr marL="1828800" indent="0">
+              <a:buNone/>
+              <a:defRPr sz="1000"/>
+            </a:lvl5pPr>
+            <a:lvl6pPr marL="2286000" indent="0">
+              <a:buNone/>
+              <a:defRPr sz="1000"/>
+            </a:lvl6pPr>
+            <a:lvl7pPr marL="2743200" indent="0">
+              <a:buNone/>
+              <a:defRPr sz="1000"/>
+            </a:lvl7pPr>
+            <a:lvl8pPr marL="3200400" indent="0">
+              <a:buNone/>
+              <a:defRPr sz="1000"/>
+            </a:lvl8pPr>
+            <a:lvl9pPr marL="3657600" indent="0">
+              <a:buNone/>
+              <a:defRPr sz="1000"/>
+            </a:lvl9pPr>
+          </a:lstStyle>
+          <a:p>
+            <a:pPr lvl="0"/>
+            <a:r>
+              <a:rPr lang="en-US"/>
+              <a:t>Edit Master text styles</a:t>
+            </a:r>
+          </a:p>
+        </p:txBody>
+      </p:sp>
+      <p:sp>
+        <p:nvSpPr>
+          <p:cNvPr id="5" name="Date Placeholder 4">
+            <a:extLst>
+              <a:ext uri="{FF2B5EF4-FFF2-40B4-BE49-F238E27FC236}">
+                <a16:creationId xmlns:a16="http://schemas.microsoft.com/office/drawing/2014/main" id="{012FB356-3E1E-45EE-A83E-168BB39428BD}"/>
+              </a:ext>
+            </a:extLst>
+          </p:cNvPr>
+          <p:cNvSpPr>
+            <a:spLocks noGrp="1"/>
+          </p:cNvSpPr>
+          <p:nvPr>
+            <p:ph type="dt" sz="half" idx="10"/>
+          </p:nvPr>
+        </p:nvSpPr>
+        <p:spPr/>
+        <p:txBody>
+          <a:bodyPr/>
+          <a:lstStyle/>
+          <a:p>
+            <a:fld id="{5F9E72CA-C8DB-4FE1-9619-3E0CC03F8A15}" type="datetimeFigureOut">
+              <a:rPr lang="en-US" smtClean="0"/>
+              <a:t>2/19/2019</a:t>
+            </a:fld>
+            <a:endParaRPr lang="en-US"/>
+          </a:p>
+        </p:txBody>
+      </p:sp>
+      <p:sp>
+        <p:nvSpPr>
+          <p:cNvPr id="6" name="Footer Placeholder 5">
+            <a:extLst>
+              <a:ext uri="{FF2B5EF4-FFF2-40B4-BE49-F238E27FC236}">
+                <a16:creationId xmlns:a16="http://schemas.microsoft.com/office/drawing/2014/main" id="{F571CF16-F398-4228-9975-BDED2655FFE2}"/>
+              </a:ext>
+            </a:extLst>
+          </p:cNvPr>
+          <p:cNvSpPr>
+            <a:spLocks noGrp="1"/>
+          </p:cNvSpPr>
+          <p:nvPr>
+            <p:ph type="ftr" sz="quarter" idx="11"/>
+          </p:nvPr>
+        </p:nvSpPr>
+        <p:spPr/>
+        <p:txBody>
+          <a:bodyPr/>
+          <a:lstStyle/>
+          <a:p>
+            <a:endParaRPr lang="en-US"/>
+          </a:p>
+        </p:txBody>
+      </p:sp>
+      <p:sp>
+        <p:nvSpPr>
+          <p:cNvPr id="7" name="Slide Number Placeholder 6">
+            <a:extLst>
+              <a:ext uri="{FF2B5EF4-FFF2-40B4-BE49-F238E27FC236}">
+                <a16:creationId xmlns:a16="http://schemas.microsoft.com/office/drawing/2014/main" id="{CC1DDF90-839B-4B2A-9F37-6C061085C7C8}"/>
+              </a:ext>
+            </a:extLst>
+          </p:cNvPr>
+          <p:cNvSpPr>
+            <a:spLocks noGrp="1"/>
+          </p:cNvSpPr>
+          <p:nvPr>
+            <p:ph type="sldNum" sz="quarter" idx="12"/>
+          </p:nvPr>
+        </p:nvSpPr>
+        <p:spPr/>
+        <p:txBody>
+          <a:bodyPr/>
+          <a:lstStyle/>
+          <a:p>
+            <a:fld id="{DFEEFCB1-0401-4A40-B62D-831B3D104973}" type="slidenum">
+              <a:rPr lang="en-US" smtClean="0"/>
+              <a:t>‹#›</a:t>
+            </a:fld>
+            <a:endParaRPr lang="en-US"/>
+          </a:p>
+        </p:txBody>
+      </p:sp>
+    </p:spTree>
+    <p:extLst>
+      <p:ext uri="{BB962C8B-B14F-4D97-AF65-F5344CB8AC3E}">
+        <p14:creationId xmlns:p14="http://schemas.microsoft.com/office/powerpoint/2010/main" val="4096351848"/>
+      </p:ext>
+    </p:extLst>
+  </p:cSld>
+  <p:clrMapOvr>
+    <a:masterClrMapping/>
+  </p:clrMapOvr>
+</p:sldLayout>
+</file>
+
 <file path=ppt/slideLayouts/slideLayout2.xml><?xml version="1.0" encoding="utf-8"?>
 <p:sldLayout xmlns:a="http://schemas.openxmlformats.org/drawingml/2006/main" xmlns:r="http://schemas.openxmlformats.org/officeDocument/2006/relationships" xmlns:p="http://schemas.openxmlformats.org/presentationml/2006/main" type="obj" preserve="1">
   <p:cSld name="Title and Content">
@@ -5109,6 +7051,700 @@
     <p:extLst>
       <p:ext uri="{BB962C8B-B14F-4D97-AF65-F5344CB8AC3E}">
         <p14:creationId xmlns:p14="http://schemas.microsoft.com/office/powerpoint/2010/main" val="893710101"/>
+      </p:ext>
+    </p:extLst>
+  </p:cSld>
+  <p:clrMapOvr>
+    <a:masterClrMapping/>
+  </p:clrMapOvr>
+</p:sldLayout>
+</file>
+
+<file path=ppt/slideLayouts/slideLayout20.xml><?xml version="1.0" encoding="utf-8"?>
+<p:sldLayout xmlns:a="http://schemas.openxmlformats.org/drawingml/2006/main" xmlns:r="http://schemas.openxmlformats.org/officeDocument/2006/relationships" xmlns:p="http://schemas.openxmlformats.org/presentationml/2006/main" type="picTx" preserve="1">
+  <p:cSld name="Picture with Caption">
+    <p:spTree>
+      <p:nvGrpSpPr>
+        <p:cNvPr id="1" name=""/>
+        <p:cNvGrpSpPr/>
+        <p:nvPr/>
+      </p:nvGrpSpPr>
+      <p:grpSpPr>
+        <a:xfrm>
+          <a:off x="0" y="0"/>
+          <a:ext cx="0" cy="0"/>
+          <a:chOff x="0" y="0"/>
+          <a:chExt cx="0" cy="0"/>
+        </a:xfrm>
+      </p:grpSpPr>
+      <p:sp>
+        <p:nvSpPr>
+          <p:cNvPr id="2" name="Title 1">
+            <a:extLst>
+              <a:ext uri="{FF2B5EF4-FFF2-40B4-BE49-F238E27FC236}">
+                <a16:creationId xmlns:a16="http://schemas.microsoft.com/office/drawing/2014/main" id="{353F5823-E2F0-4A59-BE2B-7E8AD0E51C4D}"/>
+              </a:ext>
+            </a:extLst>
+          </p:cNvPr>
+          <p:cNvSpPr>
+            <a:spLocks noGrp="1"/>
+          </p:cNvSpPr>
+          <p:nvPr>
+            <p:ph type="title"/>
+          </p:nvPr>
+        </p:nvSpPr>
+        <p:spPr>
+          <a:xfrm>
+            <a:off x="839788" y="457200"/>
+            <a:ext cx="3932237" cy="1600200"/>
+          </a:xfrm>
+        </p:spPr>
+        <p:txBody>
+          <a:bodyPr anchor="b"/>
+          <a:lstStyle>
+            <a:lvl1pPr>
+              <a:defRPr sz="3200"/>
+            </a:lvl1pPr>
+          </a:lstStyle>
+          <a:p>
+            <a:r>
+              <a:rPr lang="en-US"/>
+              <a:t>Click to edit Master title style</a:t>
+            </a:r>
+          </a:p>
+        </p:txBody>
+      </p:sp>
+      <p:sp>
+        <p:nvSpPr>
+          <p:cNvPr id="3" name="Picture Placeholder 2">
+            <a:extLst>
+              <a:ext uri="{FF2B5EF4-FFF2-40B4-BE49-F238E27FC236}">
+                <a16:creationId xmlns:a16="http://schemas.microsoft.com/office/drawing/2014/main" id="{C0F70999-46F5-4BFC-8994-CF7081D2119F}"/>
+              </a:ext>
+            </a:extLst>
+          </p:cNvPr>
+          <p:cNvSpPr>
+            <a:spLocks noGrp="1"/>
+          </p:cNvSpPr>
+          <p:nvPr>
+            <p:ph type="pic" idx="1"/>
+          </p:nvPr>
+        </p:nvSpPr>
+        <p:spPr>
+          <a:xfrm>
+            <a:off x="5183188" y="987425"/>
+            <a:ext cx="6172200" cy="4873625"/>
+          </a:xfrm>
+        </p:spPr>
+        <p:txBody>
+          <a:bodyPr/>
+          <a:lstStyle>
+            <a:lvl1pPr marL="0" indent="0">
+              <a:buNone/>
+              <a:defRPr sz="3200"/>
+            </a:lvl1pPr>
+            <a:lvl2pPr marL="457200" indent="0">
+              <a:buNone/>
+              <a:defRPr sz="2800"/>
+            </a:lvl2pPr>
+            <a:lvl3pPr marL="914400" indent="0">
+              <a:buNone/>
+              <a:defRPr sz="2400"/>
+            </a:lvl3pPr>
+            <a:lvl4pPr marL="1371600" indent="0">
+              <a:buNone/>
+              <a:defRPr sz="2000"/>
+            </a:lvl4pPr>
+            <a:lvl5pPr marL="1828800" indent="0">
+              <a:buNone/>
+              <a:defRPr sz="2000"/>
+            </a:lvl5pPr>
+            <a:lvl6pPr marL="2286000" indent="0">
+              <a:buNone/>
+              <a:defRPr sz="2000"/>
+            </a:lvl6pPr>
+            <a:lvl7pPr marL="2743200" indent="0">
+              <a:buNone/>
+              <a:defRPr sz="2000"/>
+            </a:lvl7pPr>
+            <a:lvl8pPr marL="3200400" indent="0">
+              <a:buNone/>
+              <a:defRPr sz="2000"/>
+            </a:lvl8pPr>
+            <a:lvl9pPr marL="3657600" indent="0">
+              <a:buNone/>
+              <a:defRPr sz="2000"/>
+            </a:lvl9pPr>
+          </a:lstStyle>
+          <a:p>
+            <a:endParaRPr lang="en-US"/>
+          </a:p>
+        </p:txBody>
+      </p:sp>
+      <p:sp>
+        <p:nvSpPr>
+          <p:cNvPr id="4" name="Text Placeholder 3">
+            <a:extLst>
+              <a:ext uri="{FF2B5EF4-FFF2-40B4-BE49-F238E27FC236}">
+                <a16:creationId xmlns:a16="http://schemas.microsoft.com/office/drawing/2014/main" id="{057C38F3-FA53-46CC-99A5-625138A54A44}"/>
+              </a:ext>
+            </a:extLst>
+          </p:cNvPr>
+          <p:cNvSpPr>
+            <a:spLocks noGrp="1"/>
+          </p:cNvSpPr>
+          <p:nvPr>
+            <p:ph type="body" sz="half" idx="2"/>
+          </p:nvPr>
+        </p:nvSpPr>
+        <p:spPr>
+          <a:xfrm>
+            <a:off x="839788" y="2057400"/>
+            <a:ext cx="3932237" cy="3811588"/>
+          </a:xfrm>
+        </p:spPr>
+        <p:txBody>
+          <a:bodyPr/>
+          <a:lstStyle>
+            <a:lvl1pPr marL="0" indent="0">
+              <a:buNone/>
+              <a:defRPr sz="1600"/>
+            </a:lvl1pPr>
+            <a:lvl2pPr marL="457200" indent="0">
+              <a:buNone/>
+              <a:defRPr sz="1400"/>
+            </a:lvl2pPr>
+            <a:lvl3pPr marL="914400" indent="0">
+              <a:buNone/>
+              <a:defRPr sz="1200"/>
+            </a:lvl3pPr>
+            <a:lvl4pPr marL="1371600" indent="0">
+              <a:buNone/>
+              <a:defRPr sz="1000"/>
+            </a:lvl4pPr>
+            <a:lvl5pPr marL="1828800" indent="0">
+              <a:buNone/>
+              <a:defRPr sz="1000"/>
+            </a:lvl5pPr>
+            <a:lvl6pPr marL="2286000" indent="0">
+              <a:buNone/>
+              <a:defRPr sz="1000"/>
+            </a:lvl6pPr>
+            <a:lvl7pPr marL="2743200" indent="0">
+              <a:buNone/>
+              <a:defRPr sz="1000"/>
+            </a:lvl7pPr>
+            <a:lvl8pPr marL="3200400" indent="0">
+              <a:buNone/>
+              <a:defRPr sz="1000"/>
+            </a:lvl8pPr>
+            <a:lvl9pPr marL="3657600" indent="0">
+              <a:buNone/>
+              <a:defRPr sz="1000"/>
+            </a:lvl9pPr>
+          </a:lstStyle>
+          <a:p>
+            <a:pPr lvl="0"/>
+            <a:r>
+              <a:rPr lang="en-US"/>
+              <a:t>Edit Master text styles</a:t>
+            </a:r>
+          </a:p>
+        </p:txBody>
+      </p:sp>
+      <p:sp>
+        <p:nvSpPr>
+          <p:cNvPr id="5" name="Date Placeholder 4">
+            <a:extLst>
+              <a:ext uri="{FF2B5EF4-FFF2-40B4-BE49-F238E27FC236}">
+                <a16:creationId xmlns:a16="http://schemas.microsoft.com/office/drawing/2014/main" id="{3B84DFA3-0FB1-46C1-8C0E-CE5113CC460A}"/>
+              </a:ext>
+            </a:extLst>
+          </p:cNvPr>
+          <p:cNvSpPr>
+            <a:spLocks noGrp="1"/>
+          </p:cNvSpPr>
+          <p:nvPr>
+            <p:ph type="dt" sz="half" idx="10"/>
+          </p:nvPr>
+        </p:nvSpPr>
+        <p:spPr/>
+        <p:txBody>
+          <a:bodyPr/>
+          <a:lstStyle/>
+          <a:p>
+            <a:fld id="{5F9E72CA-C8DB-4FE1-9619-3E0CC03F8A15}" type="datetimeFigureOut">
+              <a:rPr lang="en-US" smtClean="0"/>
+              <a:t>2/19/2019</a:t>
+            </a:fld>
+            <a:endParaRPr lang="en-US"/>
+          </a:p>
+        </p:txBody>
+      </p:sp>
+      <p:sp>
+        <p:nvSpPr>
+          <p:cNvPr id="6" name="Footer Placeholder 5">
+            <a:extLst>
+              <a:ext uri="{FF2B5EF4-FFF2-40B4-BE49-F238E27FC236}">
+                <a16:creationId xmlns:a16="http://schemas.microsoft.com/office/drawing/2014/main" id="{0A7E4ED6-7403-4F56-B097-464987EA288C}"/>
+              </a:ext>
+            </a:extLst>
+          </p:cNvPr>
+          <p:cNvSpPr>
+            <a:spLocks noGrp="1"/>
+          </p:cNvSpPr>
+          <p:nvPr>
+            <p:ph type="ftr" sz="quarter" idx="11"/>
+          </p:nvPr>
+        </p:nvSpPr>
+        <p:spPr/>
+        <p:txBody>
+          <a:bodyPr/>
+          <a:lstStyle/>
+          <a:p>
+            <a:endParaRPr lang="en-US"/>
+          </a:p>
+        </p:txBody>
+      </p:sp>
+      <p:sp>
+        <p:nvSpPr>
+          <p:cNvPr id="7" name="Slide Number Placeholder 6">
+            <a:extLst>
+              <a:ext uri="{FF2B5EF4-FFF2-40B4-BE49-F238E27FC236}">
+                <a16:creationId xmlns:a16="http://schemas.microsoft.com/office/drawing/2014/main" id="{E0EA7941-6058-4891-8CA9-6FD2813997C8}"/>
+              </a:ext>
+            </a:extLst>
+          </p:cNvPr>
+          <p:cNvSpPr>
+            <a:spLocks noGrp="1"/>
+          </p:cNvSpPr>
+          <p:nvPr>
+            <p:ph type="sldNum" sz="quarter" idx="12"/>
+          </p:nvPr>
+        </p:nvSpPr>
+        <p:spPr/>
+        <p:txBody>
+          <a:bodyPr/>
+          <a:lstStyle/>
+          <a:p>
+            <a:fld id="{DFEEFCB1-0401-4A40-B62D-831B3D104973}" type="slidenum">
+              <a:rPr lang="en-US" smtClean="0"/>
+              <a:t>‹#›</a:t>
+            </a:fld>
+            <a:endParaRPr lang="en-US"/>
+          </a:p>
+        </p:txBody>
+      </p:sp>
+    </p:spTree>
+    <p:extLst>
+      <p:ext uri="{BB962C8B-B14F-4D97-AF65-F5344CB8AC3E}">
+        <p14:creationId xmlns:p14="http://schemas.microsoft.com/office/powerpoint/2010/main" val="410317526"/>
+      </p:ext>
+    </p:extLst>
+  </p:cSld>
+  <p:clrMapOvr>
+    <a:masterClrMapping/>
+  </p:clrMapOvr>
+</p:sldLayout>
+</file>
+
+<file path=ppt/slideLayouts/slideLayout21.xml><?xml version="1.0" encoding="utf-8"?>
+<p:sldLayout xmlns:a="http://schemas.openxmlformats.org/drawingml/2006/main" xmlns:r="http://schemas.openxmlformats.org/officeDocument/2006/relationships" xmlns:p="http://schemas.openxmlformats.org/presentationml/2006/main" type="vertTx" preserve="1">
+  <p:cSld name="Title and Vertical Text">
+    <p:spTree>
+      <p:nvGrpSpPr>
+        <p:cNvPr id="1" name=""/>
+        <p:cNvGrpSpPr/>
+        <p:nvPr/>
+      </p:nvGrpSpPr>
+      <p:grpSpPr>
+        <a:xfrm>
+          <a:off x="0" y="0"/>
+          <a:ext cx="0" cy="0"/>
+          <a:chOff x="0" y="0"/>
+          <a:chExt cx="0" cy="0"/>
+        </a:xfrm>
+      </p:grpSpPr>
+      <p:sp>
+        <p:nvSpPr>
+          <p:cNvPr id="2" name="Title 1">
+            <a:extLst>
+              <a:ext uri="{FF2B5EF4-FFF2-40B4-BE49-F238E27FC236}">
+                <a16:creationId xmlns:a16="http://schemas.microsoft.com/office/drawing/2014/main" id="{5F776FA6-0C35-42C7-9593-97378F8F354B}"/>
+              </a:ext>
+            </a:extLst>
+          </p:cNvPr>
+          <p:cNvSpPr>
+            <a:spLocks noGrp="1"/>
+          </p:cNvSpPr>
+          <p:nvPr>
+            <p:ph type="title"/>
+          </p:nvPr>
+        </p:nvSpPr>
+        <p:spPr/>
+        <p:txBody>
+          <a:bodyPr/>
+          <a:lstStyle/>
+          <a:p>
+            <a:r>
+              <a:rPr lang="en-US"/>
+              <a:t>Click to edit Master title style</a:t>
+            </a:r>
+          </a:p>
+        </p:txBody>
+      </p:sp>
+      <p:sp>
+        <p:nvSpPr>
+          <p:cNvPr id="3" name="Vertical Text Placeholder 2">
+            <a:extLst>
+              <a:ext uri="{FF2B5EF4-FFF2-40B4-BE49-F238E27FC236}">
+                <a16:creationId xmlns:a16="http://schemas.microsoft.com/office/drawing/2014/main" id="{618F492B-E829-496E-A4AB-EFBA3294A38D}"/>
+              </a:ext>
+            </a:extLst>
+          </p:cNvPr>
+          <p:cNvSpPr>
+            <a:spLocks noGrp="1"/>
+          </p:cNvSpPr>
+          <p:nvPr>
+            <p:ph type="body" orient="vert" idx="1"/>
+          </p:nvPr>
+        </p:nvSpPr>
+        <p:spPr/>
+        <p:txBody>
+          <a:bodyPr vert="eaVert"/>
+          <a:lstStyle/>
+          <a:p>
+            <a:pPr lvl="0"/>
+            <a:r>
+              <a:rPr lang="en-US"/>
+              <a:t>Edit Master text styles</a:t>
+            </a:r>
+          </a:p>
+          <a:p>
+            <a:pPr lvl="1"/>
+            <a:r>
+              <a:rPr lang="en-US"/>
+              <a:t>Second level</a:t>
+            </a:r>
+          </a:p>
+          <a:p>
+            <a:pPr lvl="2"/>
+            <a:r>
+              <a:rPr lang="en-US"/>
+              <a:t>Third level</a:t>
+            </a:r>
+          </a:p>
+          <a:p>
+            <a:pPr lvl="3"/>
+            <a:r>
+              <a:rPr lang="en-US"/>
+              <a:t>Fourth level</a:t>
+            </a:r>
+          </a:p>
+          <a:p>
+            <a:pPr lvl="4"/>
+            <a:r>
+              <a:rPr lang="en-US"/>
+              <a:t>Fifth level</a:t>
+            </a:r>
+          </a:p>
+        </p:txBody>
+      </p:sp>
+      <p:sp>
+        <p:nvSpPr>
+          <p:cNvPr id="4" name="Date Placeholder 3">
+            <a:extLst>
+              <a:ext uri="{FF2B5EF4-FFF2-40B4-BE49-F238E27FC236}">
+                <a16:creationId xmlns:a16="http://schemas.microsoft.com/office/drawing/2014/main" id="{2D6E0CE7-B3A1-4DBB-A0D5-3ABDBC329DBD}"/>
+              </a:ext>
+            </a:extLst>
+          </p:cNvPr>
+          <p:cNvSpPr>
+            <a:spLocks noGrp="1"/>
+          </p:cNvSpPr>
+          <p:nvPr>
+            <p:ph type="dt" sz="half" idx="10"/>
+          </p:nvPr>
+        </p:nvSpPr>
+        <p:spPr/>
+        <p:txBody>
+          <a:bodyPr/>
+          <a:lstStyle/>
+          <a:p>
+            <a:fld id="{5F9E72CA-C8DB-4FE1-9619-3E0CC03F8A15}" type="datetimeFigureOut">
+              <a:rPr lang="en-US" smtClean="0"/>
+              <a:t>2/19/2019</a:t>
+            </a:fld>
+            <a:endParaRPr lang="en-US"/>
+          </a:p>
+        </p:txBody>
+      </p:sp>
+      <p:sp>
+        <p:nvSpPr>
+          <p:cNvPr id="5" name="Footer Placeholder 4">
+            <a:extLst>
+              <a:ext uri="{FF2B5EF4-FFF2-40B4-BE49-F238E27FC236}">
+                <a16:creationId xmlns:a16="http://schemas.microsoft.com/office/drawing/2014/main" id="{662A8CF0-AD52-41E7-9D8D-82AFED7DE086}"/>
+              </a:ext>
+            </a:extLst>
+          </p:cNvPr>
+          <p:cNvSpPr>
+            <a:spLocks noGrp="1"/>
+          </p:cNvSpPr>
+          <p:nvPr>
+            <p:ph type="ftr" sz="quarter" idx="11"/>
+          </p:nvPr>
+        </p:nvSpPr>
+        <p:spPr/>
+        <p:txBody>
+          <a:bodyPr/>
+          <a:lstStyle/>
+          <a:p>
+            <a:endParaRPr lang="en-US"/>
+          </a:p>
+        </p:txBody>
+      </p:sp>
+      <p:sp>
+        <p:nvSpPr>
+          <p:cNvPr id="6" name="Slide Number Placeholder 5">
+            <a:extLst>
+              <a:ext uri="{FF2B5EF4-FFF2-40B4-BE49-F238E27FC236}">
+                <a16:creationId xmlns:a16="http://schemas.microsoft.com/office/drawing/2014/main" id="{8A9F3D35-1DC7-4B7E-AECC-BA43C9E5E6AC}"/>
+              </a:ext>
+            </a:extLst>
+          </p:cNvPr>
+          <p:cNvSpPr>
+            <a:spLocks noGrp="1"/>
+          </p:cNvSpPr>
+          <p:nvPr>
+            <p:ph type="sldNum" sz="quarter" idx="12"/>
+          </p:nvPr>
+        </p:nvSpPr>
+        <p:spPr/>
+        <p:txBody>
+          <a:bodyPr/>
+          <a:lstStyle/>
+          <a:p>
+            <a:fld id="{DFEEFCB1-0401-4A40-B62D-831B3D104973}" type="slidenum">
+              <a:rPr lang="en-US" smtClean="0"/>
+              <a:t>‹#›</a:t>
+            </a:fld>
+            <a:endParaRPr lang="en-US"/>
+          </a:p>
+        </p:txBody>
+      </p:sp>
+    </p:spTree>
+    <p:extLst>
+      <p:ext uri="{BB962C8B-B14F-4D97-AF65-F5344CB8AC3E}">
+        <p14:creationId xmlns:p14="http://schemas.microsoft.com/office/powerpoint/2010/main" val="3022367882"/>
+      </p:ext>
+    </p:extLst>
+  </p:cSld>
+  <p:clrMapOvr>
+    <a:masterClrMapping/>
+  </p:clrMapOvr>
+</p:sldLayout>
+</file>
+
+<file path=ppt/slideLayouts/slideLayout22.xml><?xml version="1.0" encoding="utf-8"?>
+<p:sldLayout xmlns:a="http://schemas.openxmlformats.org/drawingml/2006/main" xmlns:r="http://schemas.openxmlformats.org/officeDocument/2006/relationships" xmlns:p="http://schemas.openxmlformats.org/presentationml/2006/main" type="vertTitleAndTx" preserve="1">
+  <p:cSld name="Vertical Title and Text">
+    <p:spTree>
+      <p:nvGrpSpPr>
+        <p:cNvPr id="1" name=""/>
+        <p:cNvGrpSpPr/>
+        <p:nvPr/>
+      </p:nvGrpSpPr>
+      <p:grpSpPr>
+        <a:xfrm>
+          <a:off x="0" y="0"/>
+          <a:ext cx="0" cy="0"/>
+          <a:chOff x="0" y="0"/>
+          <a:chExt cx="0" cy="0"/>
+        </a:xfrm>
+      </p:grpSpPr>
+      <p:sp>
+        <p:nvSpPr>
+          <p:cNvPr id="2" name="Vertical Title 1">
+            <a:extLst>
+              <a:ext uri="{FF2B5EF4-FFF2-40B4-BE49-F238E27FC236}">
+                <a16:creationId xmlns:a16="http://schemas.microsoft.com/office/drawing/2014/main" id="{A64EAF6D-0540-4AF9-99FA-E4DEFF683EFE}"/>
+              </a:ext>
+            </a:extLst>
+          </p:cNvPr>
+          <p:cNvSpPr>
+            <a:spLocks noGrp="1"/>
+          </p:cNvSpPr>
+          <p:nvPr>
+            <p:ph type="title" orient="vert"/>
+          </p:nvPr>
+        </p:nvSpPr>
+        <p:spPr>
+          <a:xfrm>
+            <a:off x="8724900" y="365125"/>
+            <a:ext cx="2628900" cy="5811838"/>
+          </a:xfrm>
+        </p:spPr>
+        <p:txBody>
+          <a:bodyPr vert="eaVert"/>
+          <a:lstStyle/>
+          <a:p>
+            <a:r>
+              <a:rPr lang="en-US"/>
+              <a:t>Click to edit Master title style</a:t>
+            </a:r>
+          </a:p>
+        </p:txBody>
+      </p:sp>
+      <p:sp>
+        <p:nvSpPr>
+          <p:cNvPr id="3" name="Vertical Text Placeholder 2">
+            <a:extLst>
+              <a:ext uri="{FF2B5EF4-FFF2-40B4-BE49-F238E27FC236}">
+                <a16:creationId xmlns:a16="http://schemas.microsoft.com/office/drawing/2014/main" id="{DC5C0D1A-AFB2-47AC-88A2-62B68639BB38}"/>
+              </a:ext>
+            </a:extLst>
+          </p:cNvPr>
+          <p:cNvSpPr>
+            <a:spLocks noGrp="1"/>
+          </p:cNvSpPr>
+          <p:nvPr>
+            <p:ph type="body" orient="vert" idx="1"/>
+          </p:nvPr>
+        </p:nvSpPr>
+        <p:spPr>
+          <a:xfrm>
+            <a:off x="838200" y="365125"/>
+            <a:ext cx="7734300" cy="5811838"/>
+          </a:xfrm>
+        </p:spPr>
+        <p:txBody>
+          <a:bodyPr vert="eaVert"/>
+          <a:lstStyle/>
+          <a:p>
+            <a:pPr lvl="0"/>
+            <a:r>
+              <a:rPr lang="en-US"/>
+              <a:t>Edit Master text styles</a:t>
+            </a:r>
+          </a:p>
+          <a:p>
+            <a:pPr lvl="1"/>
+            <a:r>
+              <a:rPr lang="en-US"/>
+              <a:t>Second level</a:t>
+            </a:r>
+          </a:p>
+          <a:p>
+            <a:pPr lvl="2"/>
+            <a:r>
+              <a:rPr lang="en-US"/>
+              <a:t>Third level</a:t>
+            </a:r>
+          </a:p>
+          <a:p>
+            <a:pPr lvl="3"/>
+            <a:r>
+              <a:rPr lang="en-US"/>
+              <a:t>Fourth level</a:t>
+            </a:r>
+          </a:p>
+          <a:p>
+            <a:pPr lvl="4"/>
+            <a:r>
+              <a:rPr lang="en-US"/>
+              <a:t>Fifth level</a:t>
+            </a:r>
+          </a:p>
+        </p:txBody>
+      </p:sp>
+      <p:sp>
+        <p:nvSpPr>
+          <p:cNvPr id="4" name="Date Placeholder 3">
+            <a:extLst>
+              <a:ext uri="{FF2B5EF4-FFF2-40B4-BE49-F238E27FC236}">
+                <a16:creationId xmlns:a16="http://schemas.microsoft.com/office/drawing/2014/main" id="{EF3A9850-BCE2-4BAB-8124-210E9DF5106F}"/>
+              </a:ext>
+            </a:extLst>
+          </p:cNvPr>
+          <p:cNvSpPr>
+            <a:spLocks noGrp="1"/>
+          </p:cNvSpPr>
+          <p:nvPr>
+            <p:ph type="dt" sz="half" idx="10"/>
+          </p:nvPr>
+        </p:nvSpPr>
+        <p:spPr/>
+        <p:txBody>
+          <a:bodyPr/>
+          <a:lstStyle/>
+          <a:p>
+            <a:fld id="{5F9E72CA-C8DB-4FE1-9619-3E0CC03F8A15}" type="datetimeFigureOut">
+              <a:rPr lang="en-US" smtClean="0"/>
+              <a:t>2/19/2019</a:t>
+            </a:fld>
+            <a:endParaRPr lang="en-US"/>
+          </a:p>
+        </p:txBody>
+      </p:sp>
+      <p:sp>
+        <p:nvSpPr>
+          <p:cNvPr id="5" name="Footer Placeholder 4">
+            <a:extLst>
+              <a:ext uri="{FF2B5EF4-FFF2-40B4-BE49-F238E27FC236}">
+                <a16:creationId xmlns:a16="http://schemas.microsoft.com/office/drawing/2014/main" id="{D3ED5272-3426-4EA3-8525-A8A26DEB4E39}"/>
+              </a:ext>
+            </a:extLst>
+          </p:cNvPr>
+          <p:cNvSpPr>
+            <a:spLocks noGrp="1"/>
+          </p:cNvSpPr>
+          <p:nvPr>
+            <p:ph type="ftr" sz="quarter" idx="11"/>
+          </p:nvPr>
+        </p:nvSpPr>
+        <p:spPr/>
+        <p:txBody>
+          <a:bodyPr/>
+          <a:lstStyle/>
+          <a:p>
+            <a:endParaRPr lang="en-US"/>
+          </a:p>
+        </p:txBody>
+      </p:sp>
+      <p:sp>
+        <p:nvSpPr>
+          <p:cNvPr id="6" name="Slide Number Placeholder 5">
+            <a:extLst>
+              <a:ext uri="{FF2B5EF4-FFF2-40B4-BE49-F238E27FC236}">
+                <a16:creationId xmlns:a16="http://schemas.microsoft.com/office/drawing/2014/main" id="{D9B98559-0772-4E2A-A934-CA55F065140F}"/>
+              </a:ext>
+            </a:extLst>
+          </p:cNvPr>
+          <p:cNvSpPr>
+            <a:spLocks noGrp="1"/>
+          </p:cNvSpPr>
+          <p:nvPr>
+            <p:ph type="sldNum" sz="quarter" idx="12"/>
+          </p:nvPr>
+        </p:nvSpPr>
+        <p:spPr/>
+        <p:txBody>
+          <a:bodyPr/>
+          <a:lstStyle/>
+          <a:p>
+            <a:fld id="{DFEEFCB1-0401-4A40-B62D-831B3D104973}" type="slidenum">
+              <a:rPr lang="en-US" smtClean="0"/>
+              <a:t>‹#›</a:t>
+            </a:fld>
+            <a:endParaRPr lang="en-US"/>
+          </a:p>
+        </p:txBody>
+      </p:sp>
+    </p:spTree>
+    <p:extLst>
+      <p:ext uri="{BB962C8B-B14F-4D97-AF65-F5344CB8AC3E}">
+        <p14:creationId xmlns:p14="http://schemas.microsoft.com/office/powerpoint/2010/main" val="2430214307"/>
       </p:ext>
     </p:extLst>
   </p:cSld>
@@ -7818,13 +10454,584 @@
 </p:sldMaster>
 </file>
 
+<file path=ppt/slideMasters/slideMaster2.xml><?xml version="1.0" encoding="utf-8"?>
+<p:sldMaster xmlns:a="http://schemas.openxmlformats.org/drawingml/2006/main" xmlns:r="http://schemas.openxmlformats.org/officeDocument/2006/relationships" xmlns:p="http://schemas.openxmlformats.org/presentationml/2006/main">
+  <p:cSld>
+    <p:bg>
+      <p:bgRef idx="1001">
+        <a:schemeClr val="bg1"/>
+      </p:bgRef>
+    </p:bg>
+    <p:spTree>
+      <p:nvGrpSpPr>
+        <p:cNvPr id="1" name=""/>
+        <p:cNvGrpSpPr/>
+        <p:nvPr/>
+      </p:nvGrpSpPr>
+      <p:grpSpPr>
+        <a:xfrm>
+          <a:off x="0" y="0"/>
+          <a:ext cx="0" cy="0"/>
+          <a:chOff x="0" y="0"/>
+          <a:chExt cx="0" cy="0"/>
+        </a:xfrm>
+      </p:grpSpPr>
+      <p:sp>
+        <p:nvSpPr>
+          <p:cNvPr id="2" name="Title Placeholder 1">
+            <a:extLst>
+              <a:ext uri="{FF2B5EF4-FFF2-40B4-BE49-F238E27FC236}">
+                <a16:creationId xmlns:a16="http://schemas.microsoft.com/office/drawing/2014/main" id="{DEC06718-D6C5-487E-B2EB-24DAF74B8F02}"/>
+              </a:ext>
+            </a:extLst>
+          </p:cNvPr>
+          <p:cNvSpPr>
+            <a:spLocks noGrp="1"/>
+          </p:cNvSpPr>
+          <p:nvPr>
+            <p:ph type="title"/>
+          </p:nvPr>
+        </p:nvSpPr>
+        <p:spPr>
+          <a:xfrm>
+            <a:off x="838200" y="365125"/>
+            <a:ext cx="10515600" cy="1325563"/>
+          </a:xfrm>
+          <a:prstGeom prst="rect">
+            <a:avLst/>
+          </a:prstGeom>
+        </p:spPr>
+        <p:txBody>
+          <a:bodyPr vert="horz" lIns="91440" tIns="45720" rIns="91440" bIns="45720" rtlCol="0" anchor="ctr">
+            <a:normAutofit/>
+          </a:bodyPr>
+          <a:lstStyle/>
+          <a:p>
+            <a:r>
+              <a:rPr lang="en-US"/>
+              <a:t>Click to edit Master title style</a:t>
+            </a:r>
+          </a:p>
+        </p:txBody>
+      </p:sp>
+      <p:sp>
+        <p:nvSpPr>
+          <p:cNvPr id="3" name="Text Placeholder 2">
+            <a:extLst>
+              <a:ext uri="{FF2B5EF4-FFF2-40B4-BE49-F238E27FC236}">
+                <a16:creationId xmlns:a16="http://schemas.microsoft.com/office/drawing/2014/main" id="{FCBABFB6-E593-46DB-9EF9-EBEEDD28D0B3}"/>
+              </a:ext>
+            </a:extLst>
+          </p:cNvPr>
+          <p:cNvSpPr>
+            <a:spLocks noGrp="1"/>
+          </p:cNvSpPr>
+          <p:nvPr>
+            <p:ph type="body" idx="1"/>
+          </p:nvPr>
+        </p:nvSpPr>
+        <p:spPr>
+          <a:xfrm>
+            <a:off x="838200" y="1825625"/>
+            <a:ext cx="10515600" cy="4351338"/>
+          </a:xfrm>
+          <a:prstGeom prst="rect">
+            <a:avLst/>
+          </a:prstGeom>
+        </p:spPr>
+        <p:txBody>
+          <a:bodyPr vert="horz" lIns="91440" tIns="45720" rIns="91440" bIns="45720" rtlCol="0">
+            <a:normAutofit/>
+          </a:bodyPr>
+          <a:lstStyle/>
+          <a:p>
+            <a:pPr lvl="0"/>
+            <a:r>
+              <a:rPr lang="en-US"/>
+              <a:t>Edit Master text styles</a:t>
+            </a:r>
+          </a:p>
+          <a:p>
+            <a:pPr lvl="1"/>
+            <a:r>
+              <a:rPr lang="en-US"/>
+              <a:t>Second level</a:t>
+            </a:r>
+          </a:p>
+          <a:p>
+            <a:pPr lvl="2"/>
+            <a:r>
+              <a:rPr lang="en-US"/>
+              <a:t>Third level</a:t>
+            </a:r>
+          </a:p>
+          <a:p>
+            <a:pPr lvl="3"/>
+            <a:r>
+              <a:rPr lang="en-US"/>
+              <a:t>Fourth level</a:t>
+            </a:r>
+          </a:p>
+          <a:p>
+            <a:pPr lvl="4"/>
+            <a:r>
+              <a:rPr lang="en-US"/>
+              <a:t>Fifth level</a:t>
+            </a:r>
+          </a:p>
+        </p:txBody>
+      </p:sp>
+      <p:sp>
+        <p:nvSpPr>
+          <p:cNvPr id="4" name="Date Placeholder 3">
+            <a:extLst>
+              <a:ext uri="{FF2B5EF4-FFF2-40B4-BE49-F238E27FC236}">
+                <a16:creationId xmlns:a16="http://schemas.microsoft.com/office/drawing/2014/main" id="{1F7E197F-2C38-4FE8-A1DC-66D6A808E492}"/>
+              </a:ext>
+            </a:extLst>
+          </p:cNvPr>
+          <p:cNvSpPr>
+            <a:spLocks noGrp="1"/>
+          </p:cNvSpPr>
+          <p:nvPr>
+            <p:ph type="dt" sz="half" idx="2"/>
+          </p:nvPr>
+        </p:nvSpPr>
+        <p:spPr>
+          <a:xfrm>
+            <a:off x="838200" y="6356350"/>
+            <a:ext cx="2743200" cy="365125"/>
+          </a:xfrm>
+          <a:prstGeom prst="rect">
+            <a:avLst/>
+          </a:prstGeom>
+        </p:spPr>
+        <p:txBody>
+          <a:bodyPr vert="horz" lIns="91440" tIns="45720" rIns="91440" bIns="45720" rtlCol="0" anchor="ctr"/>
+          <a:lstStyle>
+            <a:lvl1pPr algn="l">
+              <a:defRPr sz="1200">
+                <a:solidFill>
+                  <a:schemeClr val="tx1">
+                    <a:tint val="75000"/>
+                  </a:schemeClr>
+                </a:solidFill>
+              </a:defRPr>
+            </a:lvl1pPr>
+          </a:lstStyle>
+          <a:p>
+            <a:fld id="{5F9E72CA-C8DB-4FE1-9619-3E0CC03F8A15}" type="datetimeFigureOut">
+              <a:rPr lang="en-US" smtClean="0"/>
+              <a:t>2/19/2019</a:t>
+            </a:fld>
+            <a:endParaRPr lang="en-US"/>
+          </a:p>
+        </p:txBody>
+      </p:sp>
+      <p:sp>
+        <p:nvSpPr>
+          <p:cNvPr id="5" name="Footer Placeholder 4">
+            <a:extLst>
+              <a:ext uri="{FF2B5EF4-FFF2-40B4-BE49-F238E27FC236}">
+                <a16:creationId xmlns:a16="http://schemas.microsoft.com/office/drawing/2014/main" id="{2FD687A9-5204-41FD-9720-3418731BCDD2}"/>
+              </a:ext>
+            </a:extLst>
+          </p:cNvPr>
+          <p:cNvSpPr>
+            <a:spLocks noGrp="1"/>
+          </p:cNvSpPr>
+          <p:nvPr>
+            <p:ph type="ftr" sz="quarter" idx="3"/>
+          </p:nvPr>
+        </p:nvSpPr>
+        <p:spPr>
+          <a:xfrm>
+            <a:off x="4038600" y="6356350"/>
+            <a:ext cx="4114800" cy="365125"/>
+          </a:xfrm>
+          <a:prstGeom prst="rect">
+            <a:avLst/>
+          </a:prstGeom>
+        </p:spPr>
+        <p:txBody>
+          <a:bodyPr vert="horz" lIns="91440" tIns="45720" rIns="91440" bIns="45720" rtlCol="0" anchor="ctr"/>
+          <a:lstStyle>
+            <a:lvl1pPr algn="ctr">
+              <a:defRPr sz="1200">
+                <a:solidFill>
+                  <a:schemeClr val="tx1">
+                    <a:tint val="75000"/>
+                  </a:schemeClr>
+                </a:solidFill>
+              </a:defRPr>
+            </a:lvl1pPr>
+          </a:lstStyle>
+          <a:p>
+            <a:endParaRPr lang="en-US"/>
+          </a:p>
+        </p:txBody>
+      </p:sp>
+      <p:sp>
+        <p:nvSpPr>
+          <p:cNvPr id="6" name="Slide Number Placeholder 5">
+            <a:extLst>
+              <a:ext uri="{FF2B5EF4-FFF2-40B4-BE49-F238E27FC236}">
+                <a16:creationId xmlns:a16="http://schemas.microsoft.com/office/drawing/2014/main" id="{D68EC14C-363A-40B4-9154-46F11DDBA2AC}"/>
+              </a:ext>
+            </a:extLst>
+          </p:cNvPr>
+          <p:cNvSpPr>
+            <a:spLocks noGrp="1"/>
+          </p:cNvSpPr>
+          <p:nvPr>
+            <p:ph type="sldNum" sz="quarter" idx="4"/>
+          </p:nvPr>
+        </p:nvSpPr>
+        <p:spPr>
+          <a:xfrm>
+            <a:off x="8610600" y="6356350"/>
+            <a:ext cx="2743200" cy="365125"/>
+          </a:xfrm>
+          <a:prstGeom prst="rect">
+            <a:avLst/>
+          </a:prstGeom>
+        </p:spPr>
+        <p:txBody>
+          <a:bodyPr vert="horz" lIns="91440" tIns="45720" rIns="91440" bIns="45720" rtlCol="0" anchor="ctr"/>
+          <a:lstStyle>
+            <a:lvl1pPr algn="r">
+              <a:defRPr sz="1200">
+                <a:solidFill>
+                  <a:schemeClr val="tx1">
+                    <a:tint val="75000"/>
+                  </a:schemeClr>
+                </a:solidFill>
+              </a:defRPr>
+            </a:lvl1pPr>
+          </a:lstStyle>
+          <a:p>
+            <a:fld id="{DFEEFCB1-0401-4A40-B62D-831B3D104973}" type="slidenum">
+              <a:rPr lang="en-US" smtClean="0"/>
+              <a:t>‹#›</a:t>
+            </a:fld>
+            <a:endParaRPr lang="en-US"/>
+          </a:p>
+        </p:txBody>
+      </p:sp>
+    </p:spTree>
+    <p:extLst>
+      <p:ext uri="{BB962C8B-B14F-4D97-AF65-F5344CB8AC3E}">
+        <p14:creationId xmlns:p14="http://schemas.microsoft.com/office/powerpoint/2010/main" val="1924337520"/>
+      </p:ext>
+    </p:extLst>
+  </p:cSld>
+  <p:clrMap bg1="lt1" tx1="dk1" bg2="lt2" tx2="dk2" accent1="accent1" accent2="accent2" accent3="accent3" accent4="accent4" accent5="accent5" accent6="accent6" hlink="hlink" folHlink="folHlink"/>
+  <p:sldLayoutIdLst>
+    <p:sldLayoutId id="2147483661" r:id="rId1"/>
+    <p:sldLayoutId id="2147483662" r:id="rId2"/>
+    <p:sldLayoutId id="2147483663" r:id="rId3"/>
+    <p:sldLayoutId id="2147483664" r:id="rId4"/>
+    <p:sldLayoutId id="2147483665" r:id="rId5"/>
+    <p:sldLayoutId id="2147483666" r:id="rId6"/>
+    <p:sldLayoutId id="2147483667" r:id="rId7"/>
+    <p:sldLayoutId id="2147483668" r:id="rId8"/>
+    <p:sldLayoutId id="2147483669" r:id="rId9"/>
+    <p:sldLayoutId id="2147483670" r:id="rId10"/>
+    <p:sldLayoutId id="2147483671" r:id="rId11"/>
+  </p:sldLayoutIdLst>
+  <p:txStyles>
+    <p:titleStyle>
+      <a:lvl1pPr algn="l" defTabSz="914400" rtl="0" eaLnBrk="1" latinLnBrk="0" hangingPunct="1">
+        <a:lnSpc>
+          <a:spcPct val="90000"/>
+        </a:lnSpc>
+        <a:spcBef>
+          <a:spcPct val="0"/>
+        </a:spcBef>
+        <a:buNone/>
+        <a:defRPr sz="4400" kern="1200">
+          <a:solidFill>
+            <a:schemeClr val="tx1"/>
+          </a:solidFill>
+          <a:latin typeface="+mj-lt"/>
+          <a:ea typeface="+mj-ea"/>
+          <a:cs typeface="+mj-cs"/>
+        </a:defRPr>
+      </a:lvl1pPr>
+    </p:titleStyle>
+    <p:bodyStyle>
+      <a:lvl1pPr marL="228600" indent="-228600" algn="l" defTabSz="914400" rtl="0" eaLnBrk="1" latinLnBrk="0" hangingPunct="1">
+        <a:lnSpc>
+          <a:spcPct val="90000"/>
+        </a:lnSpc>
+        <a:spcBef>
+          <a:spcPts val="1000"/>
+        </a:spcBef>
+        <a:buFont typeface="Arial" panose="020B0604020202020204" pitchFamily="34" charset="0"/>
+        <a:buChar char="•"/>
+        <a:defRPr sz="2800" kern="1200">
+          <a:solidFill>
+            <a:schemeClr val="tx1"/>
+          </a:solidFill>
+          <a:latin typeface="+mn-lt"/>
+          <a:ea typeface="+mn-ea"/>
+          <a:cs typeface="+mn-cs"/>
+        </a:defRPr>
+      </a:lvl1pPr>
+      <a:lvl2pPr marL="685800" indent="-228600" algn="l" defTabSz="914400" rtl="0" eaLnBrk="1" latinLnBrk="0" hangingPunct="1">
+        <a:lnSpc>
+          <a:spcPct val="90000"/>
+        </a:lnSpc>
+        <a:spcBef>
+          <a:spcPts val="500"/>
+        </a:spcBef>
+        <a:buFont typeface="Arial" panose="020B0604020202020204" pitchFamily="34" charset="0"/>
+        <a:buChar char="•"/>
+        <a:defRPr sz="2400" kern="1200">
+          <a:solidFill>
+            <a:schemeClr val="tx1"/>
+          </a:solidFill>
+          <a:latin typeface="+mn-lt"/>
+          <a:ea typeface="+mn-ea"/>
+          <a:cs typeface="+mn-cs"/>
+        </a:defRPr>
+      </a:lvl2pPr>
+      <a:lvl3pPr marL="1143000" indent="-228600" algn="l" defTabSz="914400" rtl="0" eaLnBrk="1" latinLnBrk="0" hangingPunct="1">
+        <a:lnSpc>
+          <a:spcPct val="90000"/>
+        </a:lnSpc>
+        <a:spcBef>
+          <a:spcPts val="500"/>
+        </a:spcBef>
+        <a:buFont typeface="Arial" panose="020B0604020202020204" pitchFamily="34" charset="0"/>
+        <a:buChar char="•"/>
+        <a:defRPr sz="2000" kern="1200">
+          <a:solidFill>
+            <a:schemeClr val="tx1"/>
+          </a:solidFill>
+          <a:latin typeface="+mn-lt"/>
+          <a:ea typeface="+mn-ea"/>
+          <a:cs typeface="+mn-cs"/>
+        </a:defRPr>
+      </a:lvl3pPr>
+      <a:lvl4pPr marL="1600200" indent="-228600" algn="l" defTabSz="914400" rtl="0" eaLnBrk="1" latinLnBrk="0" hangingPunct="1">
+        <a:lnSpc>
+          <a:spcPct val="90000"/>
+        </a:lnSpc>
+        <a:spcBef>
+          <a:spcPts val="500"/>
+        </a:spcBef>
+        <a:buFont typeface="Arial" panose="020B0604020202020204" pitchFamily="34" charset="0"/>
+        <a:buChar char="•"/>
+        <a:defRPr sz="1800" kern="1200">
+          <a:solidFill>
+            <a:schemeClr val="tx1"/>
+          </a:solidFill>
+          <a:latin typeface="+mn-lt"/>
+          <a:ea typeface="+mn-ea"/>
+          <a:cs typeface="+mn-cs"/>
+        </a:defRPr>
+      </a:lvl4pPr>
+      <a:lvl5pPr marL="2057400" indent="-228600" algn="l" defTabSz="914400" rtl="0" eaLnBrk="1" latinLnBrk="0" hangingPunct="1">
+        <a:lnSpc>
+          <a:spcPct val="90000"/>
+        </a:lnSpc>
+        <a:spcBef>
+          <a:spcPts val="500"/>
+        </a:spcBef>
+        <a:buFont typeface="Arial" panose="020B0604020202020204" pitchFamily="34" charset="0"/>
+        <a:buChar char="•"/>
+        <a:defRPr sz="1800" kern="1200">
+          <a:solidFill>
+            <a:schemeClr val="tx1"/>
+          </a:solidFill>
+          <a:latin typeface="+mn-lt"/>
+          <a:ea typeface="+mn-ea"/>
+          <a:cs typeface="+mn-cs"/>
+        </a:defRPr>
+      </a:lvl5pPr>
+      <a:lvl6pPr marL="2514600" indent="-228600" algn="l" defTabSz="914400" rtl="0" eaLnBrk="1" latinLnBrk="0" hangingPunct="1">
+        <a:lnSpc>
+          <a:spcPct val="90000"/>
+        </a:lnSpc>
+        <a:spcBef>
+          <a:spcPts val="500"/>
+        </a:spcBef>
+        <a:buFont typeface="Arial" panose="020B0604020202020204" pitchFamily="34" charset="0"/>
+        <a:buChar char="•"/>
+        <a:defRPr sz="1800" kern="1200">
+          <a:solidFill>
+            <a:schemeClr val="tx1"/>
+          </a:solidFill>
+          <a:latin typeface="+mn-lt"/>
+          <a:ea typeface="+mn-ea"/>
+          <a:cs typeface="+mn-cs"/>
+        </a:defRPr>
+      </a:lvl6pPr>
+      <a:lvl7pPr marL="2971800" indent="-228600" algn="l" defTabSz="914400" rtl="0" eaLnBrk="1" latinLnBrk="0" hangingPunct="1">
+        <a:lnSpc>
+          <a:spcPct val="90000"/>
+        </a:lnSpc>
+        <a:spcBef>
+          <a:spcPts val="500"/>
+        </a:spcBef>
+        <a:buFont typeface="Arial" panose="020B0604020202020204" pitchFamily="34" charset="0"/>
+        <a:buChar char="•"/>
+        <a:defRPr sz="1800" kern="1200">
+          <a:solidFill>
+            <a:schemeClr val="tx1"/>
+          </a:solidFill>
+          <a:latin typeface="+mn-lt"/>
+          <a:ea typeface="+mn-ea"/>
+          <a:cs typeface="+mn-cs"/>
+        </a:defRPr>
+      </a:lvl7pPr>
+      <a:lvl8pPr marL="3429000" indent="-228600" algn="l" defTabSz="914400" rtl="0" eaLnBrk="1" latinLnBrk="0" hangingPunct="1">
+        <a:lnSpc>
+          <a:spcPct val="90000"/>
+        </a:lnSpc>
+        <a:spcBef>
+          <a:spcPts val="500"/>
+        </a:spcBef>
+        <a:buFont typeface="Arial" panose="020B0604020202020204" pitchFamily="34" charset="0"/>
+        <a:buChar char="•"/>
+        <a:defRPr sz="1800" kern="1200">
+          <a:solidFill>
+            <a:schemeClr val="tx1"/>
+          </a:solidFill>
+          <a:latin typeface="+mn-lt"/>
+          <a:ea typeface="+mn-ea"/>
+          <a:cs typeface="+mn-cs"/>
+        </a:defRPr>
+      </a:lvl8pPr>
+      <a:lvl9pPr marL="3886200" indent="-228600" algn="l" defTabSz="914400" rtl="0" eaLnBrk="1" latinLnBrk="0" hangingPunct="1">
+        <a:lnSpc>
+          <a:spcPct val="90000"/>
+        </a:lnSpc>
+        <a:spcBef>
+          <a:spcPts val="500"/>
+        </a:spcBef>
+        <a:buFont typeface="Arial" panose="020B0604020202020204" pitchFamily="34" charset="0"/>
+        <a:buChar char="•"/>
+        <a:defRPr sz="1800" kern="1200">
+          <a:solidFill>
+            <a:schemeClr val="tx1"/>
+          </a:solidFill>
+          <a:latin typeface="+mn-lt"/>
+          <a:ea typeface="+mn-ea"/>
+          <a:cs typeface="+mn-cs"/>
+        </a:defRPr>
+      </a:lvl9pPr>
+    </p:bodyStyle>
+    <p:otherStyle>
+      <a:defPPr>
+        <a:defRPr lang="en-US"/>
+      </a:defPPr>
+      <a:lvl1pPr marL="0" algn="l" defTabSz="914400" rtl="0" eaLnBrk="1" latinLnBrk="0" hangingPunct="1">
+        <a:defRPr sz="1800" kern="1200">
+          <a:solidFill>
+            <a:schemeClr val="tx1"/>
+          </a:solidFill>
+          <a:latin typeface="+mn-lt"/>
+          <a:ea typeface="+mn-ea"/>
+          <a:cs typeface="+mn-cs"/>
+        </a:defRPr>
+      </a:lvl1pPr>
+      <a:lvl2pPr marL="457200" algn="l" defTabSz="914400" rtl="0" eaLnBrk="1" latinLnBrk="0" hangingPunct="1">
+        <a:defRPr sz="1800" kern="1200">
+          <a:solidFill>
+            <a:schemeClr val="tx1"/>
+          </a:solidFill>
+          <a:latin typeface="+mn-lt"/>
+          <a:ea typeface="+mn-ea"/>
+          <a:cs typeface="+mn-cs"/>
+        </a:defRPr>
+      </a:lvl2pPr>
+      <a:lvl3pPr marL="914400" algn="l" defTabSz="914400" rtl="0" eaLnBrk="1" latinLnBrk="0" hangingPunct="1">
+        <a:defRPr sz="1800" kern="1200">
+          <a:solidFill>
+            <a:schemeClr val="tx1"/>
+          </a:solidFill>
+          <a:latin typeface="+mn-lt"/>
+          <a:ea typeface="+mn-ea"/>
+          <a:cs typeface="+mn-cs"/>
+        </a:defRPr>
+      </a:lvl3pPr>
+      <a:lvl4pPr marL="1371600" algn="l" defTabSz="914400" rtl="0" eaLnBrk="1" latinLnBrk="0" hangingPunct="1">
+        <a:defRPr sz="1800" kern="1200">
+          <a:solidFill>
+            <a:schemeClr val="tx1"/>
+          </a:solidFill>
+          <a:latin typeface="+mn-lt"/>
+          <a:ea typeface="+mn-ea"/>
+          <a:cs typeface="+mn-cs"/>
+        </a:defRPr>
+      </a:lvl4pPr>
+      <a:lvl5pPr marL="1828800" algn="l" defTabSz="914400" rtl="0" eaLnBrk="1" latinLnBrk="0" hangingPunct="1">
+        <a:defRPr sz="1800" kern="1200">
+          <a:solidFill>
+            <a:schemeClr val="tx1"/>
+          </a:solidFill>
+          <a:latin typeface="+mn-lt"/>
+          <a:ea typeface="+mn-ea"/>
+          <a:cs typeface="+mn-cs"/>
+        </a:defRPr>
+      </a:lvl5pPr>
+      <a:lvl6pPr marL="2286000" algn="l" defTabSz="914400" rtl="0" eaLnBrk="1" latinLnBrk="0" hangingPunct="1">
+        <a:defRPr sz="1800" kern="1200">
+          <a:solidFill>
+            <a:schemeClr val="tx1"/>
+          </a:solidFill>
+          <a:latin typeface="+mn-lt"/>
+          <a:ea typeface="+mn-ea"/>
+          <a:cs typeface="+mn-cs"/>
+        </a:defRPr>
+      </a:lvl6pPr>
+      <a:lvl7pPr marL="2743200" algn="l" defTabSz="914400" rtl="0" eaLnBrk="1" latinLnBrk="0" hangingPunct="1">
+        <a:defRPr sz="1800" kern="1200">
+          <a:solidFill>
+            <a:schemeClr val="tx1"/>
+          </a:solidFill>
+          <a:latin typeface="+mn-lt"/>
+          <a:ea typeface="+mn-ea"/>
+          <a:cs typeface="+mn-cs"/>
+        </a:defRPr>
+      </a:lvl7pPr>
+      <a:lvl8pPr marL="3200400" algn="l" defTabSz="914400" rtl="0" eaLnBrk="1" latinLnBrk="0" hangingPunct="1">
+        <a:defRPr sz="1800" kern="1200">
+          <a:solidFill>
+            <a:schemeClr val="tx1"/>
+          </a:solidFill>
+          <a:latin typeface="+mn-lt"/>
+          <a:ea typeface="+mn-ea"/>
+          <a:cs typeface="+mn-cs"/>
+        </a:defRPr>
+      </a:lvl8pPr>
+      <a:lvl9pPr marL="3657600" algn="l" defTabSz="914400" rtl="0" eaLnBrk="1" latinLnBrk="0" hangingPunct="1">
+        <a:defRPr sz="1800" kern="1200">
+          <a:solidFill>
+            <a:schemeClr val="tx1"/>
+          </a:solidFill>
+          <a:latin typeface="+mn-lt"/>
+          <a:ea typeface="+mn-ea"/>
+          <a:cs typeface="+mn-cs"/>
+        </a:defRPr>
+      </a:lvl9pPr>
+    </p:otherStyle>
+  </p:txStyles>
+</p:sldMaster>
+</file>
+
 <file path=ppt/slides/slide1.xml><?xml version="1.0" encoding="utf-8"?>
 <p:sld xmlns:a="http://schemas.openxmlformats.org/drawingml/2006/main" xmlns:r="http://schemas.openxmlformats.org/officeDocument/2006/relationships" xmlns:p="http://schemas.openxmlformats.org/presentationml/2006/main">
   <p:cSld>
     <p:bg>
       <p:bgPr>
         <a:solidFill>
-          <a:schemeClr val="bg1"/>
+          <a:schemeClr val="bg1">
+            <a:tint val="95000"/>
+            <a:satMod val="170000"/>
+          </a:schemeClr>
         </a:solidFill>
         <a:effectLst/>
       </p:bgPr>
@@ -7843,12 +11050,12 @@
           <a:chExt cx="0" cy="0"/>
         </a:xfrm>
       </p:grpSpPr>
-      <p:sp useBgFill="1">
+      <p:sp>
         <p:nvSpPr>
-          <p:cNvPr id="9" name="Rectangle 8">
+          <p:cNvPr id="35" name="Rectangle 34">
             <a:extLst>
               <a:ext uri="{FF2B5EF4-FFF2-40B4-BE49-F238E27FC236}">
-                <a16:creationId xmlns:a16="http://schemas.microsoft.com/office/drawing/2014/main" id="{39171204-6A50-40E1-B631-84CEDFC9396A}"/>
+                <a16:creationId xmlns:a16="http://schemas.microsoft.com/office/drawing/2014/main" id="{5B32A67F-3598-4A13-8552-DA884FFCCE57}"/>
               </a:ext>
               <a:ext uri="{C183D7F6-B498-43B3-948B-1728B52AA6E4}">
                 <adec:decorative xmlns:adec="http://schemas.microsoft.com/office/drawing/2017/decorative" val="1"/>
@@ -7874,6 +11081,12 @@
           <a:prstGeom prst="rect">
             <a:avLst/>
           </a:prstGeom>
+          <a:solidFill>
+            <a:schemeClr val="tx1">
+              <a:lumMod val="75000"/>
+              <a:lumOff val="25000"/>
+            </a:schemeClr>
+          </a:solidFill>
           <a:ln>
             <a:noFill/>
           </a:ln>
@@ -7905,10 +11118,90 @@
       </p:sp>
       <p:sp>
         <p:nvSpPr>
-          <p:cNvPr id="11" name="Rectangle 10">
+          <p:cNvPr id="2" name="Title 1">
             <a:extLst>
               <a:ext uri="{FF2B5EF4-FFF2-40B4-BE49-F238E27FC236}">
-                <a16:creationId xmlns:a16="http://schemas.microsoft.com/office/drawing/2014/main" id="{06C973F6-5187-412F-AACC-6E3FF8A6A12C}"/>
+                <a16:creationId xmlns:a16="http://schemas.microsoft.com/office/drawing/2014/main" id="{ED656C1E-D7E0-4242-86B4-D9CF41D09FB7}"/>
+              </a:ext>
+            </a:extLst>
+          </p:cNvPr>
+          <p:cNvSpPr>
+            <a:spLocks noGrp="1"/>
+          </p:cNvSpPr>
+          <p:nvPr>
+            <p:ph type="ctrTitle"/>
+          </p:nvPr>
+        </p:nvSpPr>
+        <p:spPr>
+          <a:xfrm>
+            <a:off x="804673" y="3320859"/>
+            <a:ext cx="4573475" cy="2076333"/>
+          </a:xfrm>
+        </p:spPr>
+        <p:txBody>
+          <a:bodyPr anchor="t">
+            <a:normAutofit/>
+          </a:bodyPr>
+          <a:lstStyle/>
+          <a:p>
+            <a:pPr algn="l"/>
+            <a:r>
+              <a:rPr lang="en-US" sz="4800">
+                <a:solidFill>
+                  <a:schemeClr val="bg1"/>
+                </a:solidFill>
+              </a:rPr>
+              <a:t>Introduction to Containers</a:t>
+            </a:r>
+          </a:p>
+        </p:txBody>
+      </p:sp>
+      <p:sp>
+        <p:nvSpPr>
+          <p:cNvPr id="3" name="Subtitle 2">
+            <a:extLst>
+              <a:ext uri="{FF2B5EF4-FFF2-40B4-BE49-F238E27FC236}">
+                <a16:creationId xmlns:a16="http://schemas.microsoft.com/office/drawing/2014/main" id="{31575B3F-D2E9-4EBF-9ACE-AAB2FD2DC3A7}"/>
+              </a:ext>
+            </a:extLst>
+          </p:cNvPr>
+          <p:cNvSpPr>
+            <a:spLocks noGrp="1"/>
+          </p:cNvSpPr>
+          <p:nvPr>
+            <p:ph type="subTitle" idx="1"/>
+          </p:nvPr>
+        </p:nvSpPr>
+        <p:spPr>
+          <a:xfrm>
+            <a:off x="804673" y="2348680"/>
+            <a:ext cx="4662678" cy="972180"/>
+          </a:xfrm>
+        </p:spPr>
+        <p:txBody>
+          <a:bodyPr anchor="b">
+            <a:normAutofit/>
+          </a:bodyPr>
+          <a:lstStyle/>
+          <a:p>
+            <a:pPr algn="l"/>
+            <a:r>
+              <a:rPr lang="en-US" sz="2000">
+                <a:solidFill>
+                  <a:schemeClr val="bg1"/>
+                </a:solidFill>
+              </a:rPr>
+              <a:t>Where I Tell You About Containers</a:t>
+            </a:r>
+          </a:p>
+        </p:txBody>
+      </p:sp>
+      <p:sp>
+        <p:nvSpPr>
+          <p:cNvPr id="37" name="Freeform: Shape 36">
+            <a:extLst>
+              <a:ext uri="{FF2B5EF4-FFF2-40B4-BE49-F238E27FC236}">
+                <a16:creationId xmlns:a16="http://schemas.microsoft.com/office/drawing/2014/main" id="{BCC55ACC-A2F6-403C-A3A4-D59B3734D45F}"/>
               </a:ext>
               <a:ext uri="{C183D7F6-B498-43B3-948B-1728B52AA6E4}">
                 <adec:decorative xmlns:adec="http://schemas.microsoft.com/office/drawing/2017/decorative" val="1"/>
@@ -7928,41 +11221,188 @@
         </p:nvSpPr>
         <p:spPr>
           <a:xfrm>
-            <a:off x="581191" y="457201"/>
-            <a:ext cx="1106164" cy="5859735"/>
+            <a:off x="5857312" y="381000"/>
+            <a:ext cx="6334689" cy="6477000"/>
           </a:xfrm>
-          <a:prstGeom prst="rect">
+          <a:custGeom>
             <a:avLst/>
-          </a:prstGeom>
+            <a:gdLst>
+              <a:gd name="connsiteX0" fmla="*/ 3561588 w 6334689"/>
+              <a:gd name="connsiteY0" fmla="*/ 0 h 6477000"/>
+              <a:gd name="connsiteX1" fmla="*/ 6309883 w 6334689"/>
+              <a:gd name="connsiteY1" fmla="*/ 1296087 h 6477000"/>
+              <a:gd name="connsiteX2" fmla="*/ 6334689 w 6334689"/>
+              <a:gd name="connsiteY2" fmla="*/ 1329261 h 6477000"/>
+              <a:gd name="connsiteX3" fmla="*/ 6334689 w 6334689"/>
+              <a:gd name="connsiteY3" fmla="*/ 5793916 h 6477000"/>
+              <a:gd name="connsiteX4" fmla="*/ 6309883 w 6334689"/>
+              <a:gd name="connsiteY4" fmla="*/ 5827089 h 6477000"/>
+              <a:gd name="connsiteX5" fmla="*/ 5760467 w 6334689"/>
+              <a:gd name="connsiteY5" fmla="*/ 6363539 h 6477000"/>
+              <a:gd name="connsiteX6" fmla="*/ 5607796 w 6334689"/>
+              <a:gd name="connsiteY6" fmla="*/ 6477000 h 6477000"/>
+              <a:gd name="connsiteX7" fmla="*/ 1519571 w 6334689"/>
+              <a:gd name="connsiteY7" fmla="*/ 6477000 h 6477000"/>
+              <a:gd name="connsiteX8" fmla="*/ 1296088 w 6334689"/>
+              <a:gd name="connsiteY8" fmla="*/ 6309883 h 6477000"/>
+              <a:gd name="connsiteX9" fmla="*/ 0 w 6334689"/>
+              <a:gd name="connsiteY9" fmla="*/ 3561588 h 6477000"/>
+              <a:gd name="connsiteX10" fmla="*/ 3561588 w 6334689"/>
+              <a:gd name="connsiteY10" fmla="*/ 0 h 6477000"/>
+            </a:gdLst>
+            <a:ahLst/>
+            <a:cxnLst>
+              <a:cxn ang="0">
+                <a:pos x="connsiteX0" y="connsiteY0"/>
+              </a:cxn>
+              <a:cxn ang="0">
+                <a:pos x="connsiteX1" y="connsiteY1"/>
+              </a:cxn>
+              <a:cxn ang="0">
+                <a:pos x="connsiteX2" y="connsiteY2"/>
+              </a:cxn>
+              <a:cxn ang="0">
+                <a:pos x="connsiteX3" y="connsiteY3"/>
+              </a:cxn>
+              <a:cxn ang="0">
+                <a:pos x="connsiteX4" y="connsiteY4"/>
+              </a:cxn>
+              <a:cxn ang="0">
+                <a:pos x="connsiteX5" y="connsiteY5"/>
+              </a:cxn>
+              <a:cxn ang="0">
+                <a:pos x="connsiteX6" y="connsiteY6"/>
+              </a:cxn>
+              <a:cxn ang="0">
+                <a:pos x="connsiteX7" y="connsiteY7"/>
+              </a:cxn>
+              <a:cxn ang="0">
+                <a:pos x="connsiteX8" y="connsiteY8"/>
+              </a:cxn>
+              <a:cxn ang="0">
+                <a:pos x="connsiteX9" y="connsiteY9"/>
+              </a:cxn>
+              <a:cxn ang="0">
+                <a:pos x="connsiteX10" y="connsiteY10"/>
+              </a:cxn>
+            </a:cxnLst>
+            <a:rect l="l" t="t" r="r" b="b"/>
+            <a:pathLst>
+              <a:path w="6334689" h="6477000">
+                <a:moveTo>
+                  <a:pt x="3561588" y="0"/>
+                </a:moveTo>
+                <a:cubicBezTo>
+                  <a:pt x="4668032" y="0"/>
+                  <a:pt x="5656635" y="504534"/>
+                  <a:pt x="6309883" y="1296087"/>
+                </a:cubicBezTo>
+                <a:lnTo>
+                  <a:pt x="6334689" y="1329261"/>
+                </a:lnTo>
+                <a:lnTo>
+                  <a:pt x="6334689" y="5793916"/>
+                </a:lnTo>
+                <a:lnTo>
+                  <a:pt x="6309883" y="5827089"/>
+                </a:lnTo>
+                <a:cubicBezTo>
+                  <a:pt x="6146571" y="6024977"/>
+                  <a:pt x="5962299" y="6204927"/>
+                  <a:pt x="5760467" y="6363539"/>
+                </a:cubicBezTo>
+                <a:lnTo>
+                  <a:pt x="5607796" y="6477000"/>
+                </a:lnTo>
+                <a:lnTo>
+                  <a:pt x="1519571" y="6477000"/>
+                </a:lnTo>
+                <a:lnTo>
+                  <a:pt x="1296088" y="6309883"/>
+                </a:lnTo>
+                <a:cubicBezTo>
+                  <a:pt x="504535" y="5656635"/>
+                  <a:pt x="0" y="4668032"/>
+                  <a:pt x="0" y="3561588"/>
+                </a:cubicBezTo>
+                <a:cubicBezTo>
+                  <a:pt x="0" y="1594577"/>
+                  <a:pt x="1594577" y="0"/>
+                  <a:pt x="3561588" y="0"/>
+                </a:cubicBezTo>
+                <a:close/>
+              </a:path>
+            </a:pathLst>
+          </a:custGeom>
           <a:solidFill>
-            <a:schemeClr val="accent1"/>
+            <a:schemeClr val="bg1">
+              <a:alpha val="80000"/>
+            </a:schemeClr>
           </a:solidFill>
           <a:ln>
             <a:noFill/>
           </a:ln>
-          <a:effectLst/>
         </p:spPr>
         <p:style>
-          <a:lnRef idx="1">
-            <a:schemeClr val="accent1"/>
+          <a:lnRef idx="2">
+            <a:schemeClr val="accent1">
+              <a:shade val="50000"/>
+            </a:schemeClr>
           </a:lnRef>
-          <a:fillRef idx="3">
+          <a:fillRef idx="1">
             <a:schemeClr val="accent1"/>
           </a:fillRef>
-          <a:effectRef idx="2">
+          <a:effectRef idx="0">
             <a:schemeClr val="accent1"/>
           </a:effectRef>
           <a:fontRef idx="minor">
             <a:schemeClr val="lt1"/>
           </a:fontRef>
         </p:style>
+        <p:txBody>
+          <a:bodyPr rtlCol="0" anchor="ctr"/>
+          <a:lstStyle/>
+          <a:p>
+            <a:pPr marL="0" marR="0" lvl="0" indent="0" algn="ctr" defTabSz="914400" rtl="0" eaLnBrk="1" fontAlgn="auto" latinLnBrk="0" hangingPunct="1">
+              <a:lnSpc>
+                <a:spcPct val="100000"/>
+              </a:lnSpc>
+              <a:spcBef>
+                <a:spcPts val="0"/>
+              </a:spcBef>
+              <a:spcAft>
+                <a:spcPts val="0"/>
+              </a:spcAft>
+              <a:buClrTx/>
+              <a:buSzTx/>
+              <a:buFontTx/>
+              <a:buNone/>
+              <a:tabLst/>
+              <a:defRPr/>
+            </a:pPr>
+            <a:endParaRPr kumimoji="0" lang="en-US" sz="1800" b="0" i="0" u="none" strike="noStrike" kern="1200" cap="none" spc="0" normalizeH="0" baseline="0" noProof="0">
+              <a:ln>
+                <a:noFill/>
+              </a:ln>
+              <a:solidFill>
+                <a:prstClr val="white"/>
+              </a:solidFill>
+              <a:effectLst/>
+              <a:uLnTx/>
+              <a:uFillTx/>
+              <a:latin typeface="Calibri" panose="020F0502020204030204"/>
+              <a:ea typeface="+mn-ea"/>
+              <a:cs typeface="+mn-cs"/>
+            </a:endParaRPr>
+          </a:p>
+        </p:txBody>
       </p:sp>
       <p:sp>
         <p:nvSpPr>
-          <p:cNvPr id="13" name="Rectangle 12">
+          <p:cNvPr id="39" name="Freeform: Shape 38">
             <a:extLst>
               <a:ext uri="{FF2B5EF4-FFF2-40B4-BE49-F238E27FC236}">
-                <a16:creationId xmlns:a16="http://schemas.microsoft.com/office/drawing/2014/main" id="{D11AE14F-1B7E-41E6-B579-2F71D135036C}"/>
+                <a16:creationId xmlns:a16="http://schemas.microsoft.com/office/drawing/2014/main" id="{598EBA13-C937-430B-9523-439FE21096E6}"/>
               </a:ext>
               <a:ext uri="{C183D7F6-B498-43B3-948B-1728B52AA6E4}">
                 <adec:decorative xmlns:adec="http://schemas.microsoft.com/office/drawing/2017/decorative" val="1"/>
@@ -7982,169 +11422,225 @@
         </p:nvSpPr>
         <p:spPr>
           <a:xfrm>
-            <a:off x="1784419" y="457200"/>
-            <a:ext cx="9961047" cy="3678072"/>
+            <a:off x="6021086" y="544777"/>
+            <a:ext cx="6170914" cy="6313225"/>
           </a:xfrm>
-          <a:prstGeom prst="rect">
+          <a:custGeom>
             <a:avLst/>
-          </a:prstGeom>
+            <a:gdLst>
+              <a:gd name="connsiteX0" fmla="*/ 3397813 w 6170914"/>
+              <a:gd name="connsiteY0" fmla="*/ 0 h 6313225"/>
+              <a:gd name="connsiteX1" fmla="*/ 6019731 w 6170914"/>
+              <a:gd name="connsiteY1" fmla="*/ 1236489 h 6313225"/>
+              <a:gd name="connsiteX2" fmla="*/ 6170914 w 6170914"/>
+              <a:gd name="connsiteY2" fmla="*/ 1438663 h 6313225"/>
+              <a:gd name="connsiteX3" fmla="*/ 6170914 w 6170914"/>
+              <a:gd name="connsiteY3" fmla="*/ 5356963 h 6313225"/>
+              <a:gd name="connsiteX4" fmla="*/ 6019731 w 6170914"/>
+              <a:gd name="connsiteY4" fmla="*/ 5559138 h 6313225"/>
+              <a:gd name="connsiteX5" fmla="*/ 5194591 w 6170914"/>
+              <a:gd name="connsiteY5" fmla="*/ 6282226 h 6313225"/>
+              <a:gd name="connsiteX6" fmla="*/ 5141791 w 6170914"/>
+              <a:gd name="connsiteY6" fmla="*/ 6313225 h 6313225"/>
+              <a:gd name="connsiteX7" fmla="*/ 1659199 w 6170914"/>
+              <a:gd name="connsiteY7" fmla="*/ 6313225 h 6313225"/>
+              <a:gd name="connsiteX8" fmla="*/ 1498064 w 6170914"/>
+              <a:gd name="connsiteY8" fmla="*/ 6215333 h 6313225"/>
+              <a:gd name="connsiteX9" fmla="*/ 0 w 6170914"/>
+              <a:gd name="connsiteY9" fmla="*/ 3397813 h 6313225"/>
+              <a:gd name="connsiteX10" fmla="*/ 3397813 w 6170914"/>
+              <a:gd name="connsiteY10" fmla="*/ 0 h 6313225"/>
+            </a:gdLst>
+            <a:ahLst/>
+            <a:cxnLst>
+              <a:cxn ang="0">
+                <a:pos x="connsiteX0" y="connsiteY0"/>
+              </a:cxn>
+              <a:cxn ang="0">
+                <a:pos x="connsiteX1" y="connsiteY1"/>
+              </a:cxn>
+              <a:cxn ang="0">
+                <a:pos x="connsiteX2" y="connsiteY2"/>
+              </a:cxn>
+              <a:cxn ang="0">
+                <a:pos x="connsiteX3" y="connsiteY3"/>
+              </a:cxn>
+              <a:cxn ang="0">
+                <a:pos x="connsiteX4" y="connsiteY4"/>
+              </a:cxn>
+              <a:cxn ang="0">
+                <a:pos x="connsiteX5" y="connsiteY5"/>
+              </a:cxn>
+              <a:cxn ang="0">
+                <a:pos x="connsiteX6" y="connsiteY6"/>
+              </a:cxn>
+              <a:cxn ang="0">
+                <a:pos x="connsiteX7" y="connsiteY7"/>
+              </a:cxn>
+              <a:cxn ang="0">
+                <a:pos x="connsiteX8" y="connsiteY8"/>
+              </a:cxn>
+              <a:cxn ang="0">
+                <a:pos x="connsiteX9" y="connsiteY9"/>
+              </a:cxn>
+              <a:cxn ang="0">
+                <a:pos x="connsiteX10" y="connsiteY10"/>
+              </a:cxn>
+            </a:cxnLst>
+            <a:rect l="l" t="t" r="r" b="b"/>
+            <a:pathLst>
+              <a:path w="6170914" h="6313225">
+                <a:moveTo>
+                  <a:pt x="3397813" y="0"/>
+                </a:moveTo>
+                <a:cubicBezTo>
+                  <a:pt x="4453378" y="0"/>
+                  <a:pt x="5396522" y="481334"/>
+                  <a:pt x="6019731" y="1236489"/>
+                </a:cubicBezTo>
+                <a:lnTo>
+                  <a:pt x="6170914" y="1438663"/>
+                </a:lnTo>
+                <a:lnTo>
+                  <a:pt x="6170914" y="5356963"/>
+                </a:lnTo>
+                <a:lnTo>
+                  <a:pt x="6019731" y="5559138"/>
+                </a:lnTo>
+                <a:cubicBezTo>
+                  <a:pt x="5786028" y="5842321"/>
+                  <a:pt x="5507333" y="6086998"/>
+                  <a:pt x="5194591" y="6282226"/>
+                </a:cubicBezTo>
+                <a:lnTo>
+                  <a:pt x="5141791" y="6313225"/>
+                </a:lnTo>
+                <a:lnTo>
+                  <a:pt x="1659199" y="6313225"/>
+                </a:lnTo>
+                <a:lnTo>
+                  <a:pt x="1498064" y="6215333"/>
+                </a:lnTo>
+                <a:cubicBezTo>
+                  <a:pt x="594240" y="5604721"/>
+                  <a:pt x="0" y="4570663"/>
+                  <a:pt x="0" y="3397813"/>
+                </a:cubicBezTo>
+                <a:cubicBezTo>
+                  <a:pt x="0" y="1521253"/>
+                  <a:pt x="1521253" y="0"/>
+                  <a:pt x="3397813" y="0"/>
+                </a:cubicBezTo>
+                <a:close/>
+              </a:path>
+            </a:pathLst>
+          </a:custGeom>
           <a:solidFill>
-            <a:schemeClr val="accent2"/>
+            <a:schemeClr val="bg1"/>
           </a:solidFill>
           <a:ln>
             <a:noFill/>
           </a:ln>
-          <a:effectLst/>
         </p:spPr>
         <p:style>
-          <a:lnRef idx="1">
-            <a:schemeClr val="accent1"/>
+          <a:lnRef idx="2">
+            <a:schemeClr val="accent1">
+              <a:shade val="50000"/>
+            </a:schemeClr>
           </a:lnRef>
-          <a:fillRef idx="3">
+          <a:fillRef idx="1">
             <a:schemeClr val="accent1"/>
           </a:fillRef>
-          <a:effectRef idx="2">
+          <a:effectRef idx="0">
             <a:schemeClr val="accent1"/>
           </a:effectRef>
           <a:fontRef idx="minor">
             <a:schemeClr val="lt1"/>
           </a:fontRef>
         </p:style>
-      </p:sp>
-      <p:sp>
-        <p:nvSpPr>
-          <p:cNvPr id="2" name="Title 1"/>
-          <p:cNvSpPr>
-            <a:spLocks noGrp="1"/>
-          </p:cNvSpPr>
-          <p:nvPr>
-            <p:ph type="ctrTitle"/>
-          </p:nvPr>
-        </p:nvSpPr>
-        <p:spPr>
-          <a:xfrm>
-            <a:off x="1965278" y="668740"/>
-            <a:ext cx="9645531" cy="3330055"/>
-          </a:xfrm>
-        </p:spPr>
         <p:txBody>
-          <a:bodyPr anchor="ctr">
-            <a:normAutofit/>
-          </a:bodyPr>
+          <a:bodyPr rtlCol="0" anchor="ctr"/>
           <a:lstStyle/>
           <a:p>
-            <a:r>
-              <a:rPr lang="en-US" sz="6000" dirty="0">
-                <a:solidFill>
-                  <a:srgbClr val="FFFFFF"/>
-                </a:solidFill>
-              </a:rPr>
-              <a:t>Introduction to Containers</a:t>
-            </a:r>
+            <a:pPr marL="0" marR="0" lvl="0" indent="0" algn="ctr" defTabSz="914400" rtl="0" eaLnBrk="1" fontAlgn="auto" latinLnBrk="0" hangingPunct="1">
+              <a:lnSpc>
+                <a:spcPct val="100000"/>
+              </a:lnSpc>
+              <a:spcBef>
+                <a:spcPts val="0"/>
+              </a:spcBef>
+              <a:spcAft>
+                <a:spcPts val="0"/>
+              </a:spcAft>
+              <a:buClrTx/>
+              <a:buSzTx/>
+              <a:buFontTx/>
+              <a:buNone/>
+              <a:tabLst/>
+              <a:defRPr/>
+            </a:pPr>
+            <a:endParaRPr kumimoji="0" lang="en-US" sz="1800" b="0" i="0" u="none" strike="noStrike" kern="1200" cap="none" spc="0" normalizeH="0" baseline="0" noProof="0">
+              <a:ln>
+                <a:noFill/>
+              </a:ln>
+              <a:solidFill>
+                <a:prstClr val="white"/>
+              </a:solidFill>
+              <a:effectLst/>
+              <a:uLnTx/>
+              <a:uFillTx/>
+              <a:latin typeface="Calibri" panose="020F0502020204030204"/>
+              <a:ea typeface="+mn-ea"/>
+              <a:cs typeface="+mn-cs"/>
+            </a:endParaRPr>
           </a:p>
         </p:txBody>
       </p:sp>
-      <p:sp>
-        <p:nvSpPr>
-          <p:cNvPr id="15" name="Rectangle 14">
+      <p:pic>
+        <p:nvPicPr>
+          <p:cNvPr id="8" name="Picture 7">
             <a:extLst>
               <a:ext uri="{FF2B5EF4-FFF2-40B4-BE49-F238E27FC236}">
-                <a16:creationId xmlns:a16="http://schemas.microsoft.com/office/drawing/2014/main" id="{752BB805-F7B7-4B80-A1C5-385D4DAF74D0}"/>
-              </a:ext>
-              <a:ext uri="{C183D7F6-B498-43B3-948B-1728B52AA6E4}">
-                <adec:decorative xmlns:adec="http://schemas.microsoft.com/office/drawing/2017/decorative" val="1"/>
+                <a16:creationId xmlns:a16="http://schemas.microsoft.com/office/drawing/2014/main" id="{955720BC-6EC6-43D2-AB98-7A7AC33FD764}"/>
               </a:ext>
             </a:extLst>
           </p:cNvPr>
-          <p:cNvSpPr>
-            <a:spLocks noGrp="1" noRot="1" noChangeAspect="1" noMove="1" noResize="1" noEditPoints="1" noAdjustHandles="1" noChangeArrowheads="1" noChangeShapeType="1" noTextEdit="1"/>
-          </p:cNvSpPr>
-          <p:nvPr>
-            <p:extLst>
-              <p:ext uri="{386F3935-93C4-4BCD-93E2-E3B085C9AB24}">
-                <p16:designElem xmlns:p16="http://schemas.microsoft.com/office/powerpoint/2015/main" val="1"/>
-              </p:ext>
-            </p:extLst>
-          </p:nvPr>
-        </p:nvSpPr>
+          <p:cNvPicPr>
+            <a:picLocks noChangeAspect="1"/>
+          </p:cNvPicPr>
+          <p:nvPr/>
+        </p:nvPicPr>
+        <p:blipFill>
+          <a:blip r:embed="rId2">
+            <a:extLst>
+              <a:ext uri="{28A0092B-C50C-407E-A947-70E740481C1C}">
+                <a14:useLocalDpi xmlns:a14="http://schemas.microsoft.com/office/drawing/2010/main" val="0"/>
+              </a:ext>
+            </a:extLst>
+          </a:blip>
+          <a:stretch>
+            <a:fillRect/>
+          </a:stretch>
+        </p:blipFill>
         <p:spPr>
           <a:xfrm>
-            <a:off x="1784352" y="4244454"/>
-            <a:ext cx="9961115" cy="2072481"/>
+            <a:off x="7536949" y="1712192"/>
+            <a:ext cx="3680824" cy="4601031"/>
           </a:xfrm>
           <a:prstGeom prst="rect">
             <a:avLst/>
           </a:prstGeom>
-          <a:solidFill>
-            <a:schemeClr val="accent4"/>
-          </a:solidFill>
-          <a:ln>
-            <a:noFill/>
-          </a:ln>
-          <a:effectLst/>
         </p:spPr>
-        <p:style>
-          <a:lnRef idx="1">
-            <a:schemeClr val="accent1"/>
-          </a:lnRef>
-          <a:fillRef idx="3">
-            <a:schemeClr val="accent1"/>
-          </a:fillRef>
-          <a:effectRef idx="2">
-            <a:schemeClr val="accent1"/>
-          </a:effectRef>
-          <a:fontRef idx="minor">
-            <a:schemeClr val="lt1"/>
-          </a:fontRef>
-        </p:style>
-      </p:sp>
-      <p:sp>
-        <p:nvSpPr>
-          <p:cNvPr id="3" name="Content Placeholder 2"/>
-          <p:cNvSpPr>
-            <a:spLocks noGrp="1"/>
-          </p:cNvSpPr>
-          <p:nvPr>
-            <p:ph type="subTitle" idx="1"/>
-          </p:nvPr>
-        </p:nvSpPr>
-        <p:spPr>
-          <a:xfrm>
-            <a:off x="1965278" y="4462818"/>
-            <a:ext cx="9645531" cy="1640983"/>
-          </a:xfrm>
-        </p:spPr>
-        <p:txBody>
-          <a:bodyPr anchor="t">
-            <a:normAutofit/>
-          </a:bodyPr>
-          <a:lstStyle/>
-          <a:p>
-            <a:r>
-              <a:rPr lang="en-US" sz="3200" dirty="0">
-                <a:solidFill>
-                  <a:srgbClr val="FFFFFF"/>
-                </a:solidFill>
-              </a:rPr>
-              <a:t>Where I tell you About Containers</a:t>
-            </a:r>
-            <a:endParaRPr sz="3200" dirty="0">
-              <a:solidFill>
-                <a:srgbClr val="FFFFFF"/>
-              </a:solidFill>
-            </a:endParaRPr>
-          </a:p>
-        </p:txBody>
-      </p:sp>
+      </p:pic>
     </p:spTree>
     <p:extLst>
       <p:ext uri="{BB962C8B-B14F-4D97-AF65-F5344CB8AC3E}">
-        <p14:creationId xmlns:p14="http://schemas.microsoft.com/office/powerpoint/2010/main" val="3018702331"/>
+        <p14:creationId xmlns:p14="http://schemas.microsoft.com/office/powerpoint/2010/main" val="1635942111"/>
       </p:ext>
     </p:extLst>
   </p:cSld>
   <p:clrMapOvr>
-    <a:masterClrMapping/>
+    <a:overrideClrMapping bg1="lt1" tx1="dk1" bg2="lt2" tx2="dk2" accent1="accent1" accent2="accent2" accent3="accent3" accent4="accent4" accent5="accent5" accent6="accent6" hlink="hlink" folHlink="folHlink"/>
   </p:clrMapOvr>
 </p:sld>
 </file>
@@ -10220,35 +13716,9 @@
   <p:cSld>
     <p:bg>
       <p:bgPr>
-        <a:gradFill>
-          <a:gsLst>
-            <a:gs pos="0">
-              <a:schemeClr val="accent1">
-                <a:lumMod val="5000"/>
-                <a:lumOff val="95000"/>
-              </a:schemeClr>
-            </a:gs>
-            <a:gs pos="74000">
-              <a:schemeClr val="accent1">
-                <a:lumMod val="45000"/>
-                <a:lumOff val="55000"/>
-              </a:schemeClr>
-            </a:gs>
-            <a:gs pos="83000">
-              <a:schemeClr val="accent1">
-                <a:lumMod val="45000"/>
-                <a:lumOff val="55000"/>
-              </a:schemeClr>
-            </a:gs>
-            <a:gs pos="100000">
-              <a:schemeClr val="accent1">
-                <a:lumMod val="30000"/>
-                <a:lumOff val="70000"/>
-              </a:schemeClr>
-            </a:gs>
-          </a:gsLst>
-          <a:lin ang="5400000" scaled="1"/>
-        </a:gradFill>
+        <a:solidFill>
+          <a:schemeClr val="bg1"/>
+        </a:solidFill>
         <a:effectLst/>
       </p:bgPr>
     </p:bg>
@@ -10268,10 +13738,105 @@
       </p:grpSpPr>
       <p:sp>
         <p:nvSpPr>
+          <p:cNvPr id="11" name="Rectangle 10">
+            <a:extLst>
+              <a:ext uri="{FF2B5EF4-FFF2-40B4-BE49-F238E27FC236}">
+                <a16:creationId xmlns:a16="http://schemas.microsoft.com/office/drawing/2014/main" id="{C0B27210-D0CA-4654-B3E3-9ABB4F178EA1}"/>
+              </a:ext>
+              <a:ext uri="{C183D7F6-B498-43B3-948B-1728B52AA6E4}">
+                <adec:decorative xmlns:adec="http://schemas.microsoft.com/office/drawing/2017/decorative" val="1"/>
+              </a:ext>
+            </a:extLst>
+          </p:cNvPr>
+          <p:cNvSpPr>
+            <a:spLocks noGrp="1" noRot="1" noChangeAspect="1" noMove="1" noResize="1" noEditPoints="1" noAdjustHandles="1" noChangeArrowheads="1" noChangeShapeType="1" noTextEdit="1"/>
+          </p:cNvSpPr>
+          <p:nvPr>
+            <p:extLst>
+              <p:ext uri="{386F3935-93C4-4BCD-93E2-E3B085C9AB24}">
+                <p16:designElem xmlns:p16="http://schemas.microsoft.com/office/powerpoint/2015/main" val="1"/>
+              </p:ext>
+            </p:extLst>
+          </p:nvPr>
+        </p:nvSpPr>
+        <p:spPr>
+          <a:xfrm>
+            <a:off x="0" y="0"/>
+            <a:ext cx="12192000" cy="6858000"/>
+          </a:xfrm>
+          <a:prstGeom prst="rect">
+            <a:avLst/>
+          </a:prstGeom>
+          <a:solidFill>
+            <a:schemeClr val="tx1">
+              <a:lumMod val="75000"/>
+              <a:lumOff val="25000"/>
+            </a:schemeClr>
+          </a:solidFill>
+          <a:ln>
+            <a:noFill/>
+          </a:ln>
+        </p:spPr>
+        <p:style>
+          <a:lnRef idx="2">
+            <a:schemeClr val="accent1">
+              <a:shade val="50000"/>
+            </a:schemeClr>
+          </a:lnRef>
+          <a:fillRef idx="1">
+            <a:schemeClr val="accent1"/>
+          </a:fillRef>
+          <a:effectRef idx="0">
+            <a:schemeClr val="accent1"/>
+          </a:effectRef>
+          <a:fontRef idx="minor">
+            <a:schemeClr val="lt1"/>
+          </a:fontRef>
+        </p:style>
+        <p:txBody>
+          <a:bodyPr rtlCol="0" anchor="ctr"/>
+          <a:lstStyle/>
+          <a:p>
+            <a:pPr marL="0" marR="0" lvl="0" indent="0" algn="ctr" defTabSz="914400" rtl="0" eaLnBrk="1" fontAlgn="auto" latinLnBrk="0" hangingPunct="1">
+              <a:lnSpc>
+                <a:spcPct val="100000"/>
+              </a:lnSpc>
+              <a:spcBef>
+                <a:spcPts val="0"/>
+              </a:spcBef>
+              <a:spcAft>
+                <a:spcPts val="0"/>
+              </a:spcAft>
+              <a:buClrTx/>
+              <a:buSzTx/>
+              <a:buFontTx/>
+              <a:buNone/>
+              <a:tabLst/>
+              <a:defRPr/>
+            </a:pPr>
+            <a:endParaRPr kumimoji="0" lang="en-US" sz="1800" b="0" i="0" u="none" strike="noStrike" kern="1200" cap="none" spc="0" normalizeH="0" baseline="0" noProof="0">
+              <a:ln>
+                <a:noFill/>
+              </a:ln>
+              <a:solidFill>
+                <a:prstClr val="white"/>
+              </a:solidFill>
+              <a:effectLst/>
+              <a:uLnTx/>
+              <a:uFillTx/>
+              <a:latin typeface="Calibri" panose="020F0502020204030204"/>
+              <a:ea typeface="+mn-ea"/>
+              <a:cs typeface="+mn-cs"/>
+            </a:endParaRPr>
+          </a:p>
+        </p:txBody>
+      </p:sp>
+      <p:sp>
+        <p:nvSpPr>
           <p:cNvPr id="2" name="Title 1">
             <a:extLst>
               <a:ext uri="{FF2B5EF4-FFF2-40B4-BE49-F238E27FC236}">
-                <a16:creationId xmlns:a16="http://schemas.microsoft.com/office/drawing/2014/main" id="{978E499C-9480-44EB-A52D-7DA18A1ED408}"/>
+                <a16:creationId xmlns:a16="http://schemas.microsoft.com/office/drawing/2014/main" id="{ED656C1E-D7E0-4242-86B4-D9CF41D09FB7}"/>
               </a:ext>
             </a:extLst>
           </p:cNvPr>
@@ -10296,13 +13861,18 @@
           <a:p>
             <a:pPr algn="l"/>
             <a:r>
-              <a:rPr lang="en-US" dirty="0">
+              <a:rPr lang="en-US">
                 <a:solidFill>
                   <a:schemeClr val="bg1"/>
                 </a:solidFill>
               </a:rPr>
               <a:t>Enter Containers</a:t>
             </a:r>
+            <a:endParaRPr lang="en-US" dirty="0">
+              <a:solidFill>
+                <a:schemeClr val="bg1"/>
+              </a:solidFill>
+            </a:endParaRPr>
           </a:p>
         </p:txBody>
       </p:sp>
@@ -10311,7 +13881,7 @@
           <p:cNvPr id="3" name="Subtitle 2">
             <a:extLst>
               <a:ext uri="{FF2B5EF4-FFF2-40B4-BE49-F238E27FC236}">
-                <a16:creationId xmlns:a16="http://schemas.microsoft.com/office/drawing/2014/main" id="{B4962BDB-AAC7-4435-9253-340BC77F3E64}"/>
+                <a16:creationId xmlns:a16="http://schemas.microsoft.com/office/drawing/2014/main" id="{31575B3F-D2E9-4EBF-9ACE-AAB2FD2DC3A7}"/>
               </a:ext>
             </a:extLst>
           </p:cNvPr>
@@ -10336,13 +13906,350 @@
           <a:p>
             <a:pPr algn="l"/>
             <a:r>
-              <a:rPr lang="en-US" sz="2000" dirty="0">
+              <a:rPr lang="en-US" sz="2000">
                 <a:solidFill>
                   <a:schemeClr val="bg1"/>
                 </a:solidFill>
               </a:rPr>
-              <a:t>A Quick Comparison with Virtual Machines</a:t>
-            </a:r>
+              <a:t>A Quick Comparison With Virtual Machines</a:t>
+            </a:r>
+            <a:endParaRPr lang="en-US" sz="2000" dirty="0">
+              <a:solidFill>
+                <a:schemeClr val="bg1"/>
+              </a:solidFill>
+            </a:endParaRPr>
+          </a:p>
+        </p:txBody>
+      </p:sp>
+      <p:sp>
+        <p:nvSpPr>
+          <p:cNvPr id="13" name="Freeform: Shape 12">
+            <a:extLst>
+              <a:ext uri="{FF2B5EF4-FFF2-40B4-BE49-F238E27FC236}">
+                <a16:creationId xmlns:a16="http://schemas.microsoft.com/office/drawing/2014/main" id="{1DB7C82F-AB7E-4F0C-B829-FA1B9C415180}"/>
+              </a:ext>
+              <a:ext uri="{C183D7F6-B498-43B3-948B-1728B52AA6E4}">
+                <adec:decorative xmlns:adec="http://schemas.microsoft.com/office/drawing/2017/decorative" val="1"/>
+              </a:ext>
+            </a:extLst>
+          </p:cNvPr>
+          <p:cNvSpPr>
+            <a:spLocks noGrp="1" noRot="1" noChangeAspect="1" noMove="1" noResize="1" noEditPoints="1" noAdjustHandles="1" noChangeArrowheads="1" noChangeShapeType="1" noTextEdit="1"/>
+          </p:cNvSpPr>
+          <p:nvPr>
+            <p:extLst>
+              <p:ext uri="{386F3935-93C4-4BCD-93E2-E3B085C9AB24}">
+                <p16:designElem xmlns:p16="http://schemas.microsoft.com/office/powerpoint/2015/main" val="1"/>
+              </p:ext>
+            </p:extLst>
+          </p:nvPr>
+        </p:nvSpPr>
+        <p:spPr>
+          <a:xfrm flipH="1">
+            <a:off x="0" y="0"/>
+            <a:ext cx="6172782" cy="6858000"/>
+          </a:xfrm>
+          <a:custGeom>
+            <a:avLst/>
+            <a:gdLst>
+              <a:gd name="connsiteX0" fmla="*/ 6172782 w 6172782"/>
+              <a:gd name="connsiteY0" fmla="*/ 0 h 6858000"/>
+              <a:gd name="connsiteX1" fmla="*/ 69075 w 6172782"/>
+              <a:gd name="connsiteY1" fmla="*/ 0 h 6858000"/>
+              <a:gd name="connsiteX2" fmla="*/ 35131 w 6172782"/>
+              <a:gd name="connsiteY2" fmla="*/ 267128 h 6858000"/>
+              <a:gd name="connsiteX3" fmla="*/ 0 w 6172782"/>
+              <a:gd name="connsiteY3" fmla="*/ 962845 h 6858000"/>
+              <a:gd name="connsiteX4" fmla="*/ 3276103 w 6172782"/>
+              <a:gd name="connsiteY4" fmla="*/ 6782205 h 6858000"/>
+              <a:gd name="connsiteX5" fmla="*/ 3407923 w 6172782"/>
+              <a:gd name="connsiteY5" fmla="*/ 6858000 h 6858000"/>
+              <a:gd name="connsiteX6" fmla="*/ 6172782 w 6172782"/>
+              <a:gd name="connsiteY6" fmla="*/ 6858000 h 6858000"/>
+            </a:gdLst>
+            <a:ahLst/>
+            <a:cxnLst>
+              <a:cxn ang="0">
+                <a:pos x="connsiteX0" y="connsiteY0"/>
+              </a:cxn>
+              <a:cxn ang="0">
+                <a:pos x="connsiteX1" y="connsiteY1"/>
+              </a:cxn>
+              <a:cxn ang="0">
+                <a:pos x="connsiteX2" y="connsiteY2"/>
+              </a:cxn>
+              <a:cxn ang="0">
+                <a:pos x="connsiteX3" y="connsiteY3"/>
+              </a:cxn>
+              <a:cxn ang="0">
+                <a:pos x="connsiteX4" y="connsiteY4"/>
+              </a:cxn>
+              <a:cxn ang="0">
+                <a:pos x="connsiteX5" y="connsiteY5"/>
+              </a:cxn>
+              <a:cxn ang="0">
+                <a:pos x="connsiteX6" y="connsiteY6"/>
+              </a:cxn>
+            </a:cxnLst>
+            <a:rect l="l" t="t" r="r" b="b"/>
+            <a:pathLst>
+              <a:path w="6172782" h="6858000">
+                <a:moveTo>
+                  <a:pt x="6172782" y="0"/>
+                </a:moveTo>
+                <a:lnTo>
+                  <a:pt x="69075" y="0"/>
+                </a:lnTo>
+                <a:lnTo>
+                  <a:pt x="35131" y="267128"/>
+                </a:lnTo>
+                <a:cubicBezTo>
+                  <a:pt x="11901" y="495874"/>
+                  <a:pt x="0" y="727970"/>
+                  <a:pt x="0" y="962845"/>
+                </a:cubicBezTo>
+                <a:cubicBezTo>
+                  <a:pt x="0" y="3429034"/>
+                  <a:pt x="1312002" y="5588789"/>
+                  <a:pt x="3276103" y="6782205"/>
+                </a:cubicBezTo>
+                <a:lnTo>
+                  <a:pt x="3407923" y="6858000"/>
+                </a:lnTo>
+                <a:lnTo>
+                  <a:pt x="6172782" y="6858000"/>
+                </a:lnTo>
+                <a:close/>
+              </a:path>
+            </a:pathLst>
+          </a:custGeom>
+          <a:solidFill>
+            <a:schemeClr val="bg1">
+              <a:alpha val="80000"/>
+            </a:schemeClr>
+          </a:solidFill>
+          <a:ln>
+            <a:noFill/>
+          </a:ln>
+        </p:spPr>
+        <p:style>
+          <a:lnRef idx="2">
+            <a:schemeClr val="accent1">
+              <a:shade val="50000"/>
+            </a:schemeClr>
+          </a:lnRef>
+          <a:fillRef idx="1">
+            <a:schemeClr val="accent1"/>
+          </a:fillRef>
+          <a:effectRef idx="0">
+            <a:schemeClr val="accent1"/>
+          </a:effectRef>
+          <a:fontRef idx="minor">
+            <a:schemeClr val="lt1"/>
+          </a:fontRef>
+        </p:style>
+        <p:txBody>
+          <a:bodyPr wrap="square" rtlCol="0" anchor="ctr">
+            <a:noAutofit/>
+          </a:bodyPr>
+          <a:lstStyle/>
+          <a:p>
+            <a:pPr marL="0" marR="0" lvl="0" indent="0" algn="ctr" defTabSz="914400" rtl="0" eaLnBrk="1" fontAlgn="auto" latinLnBrk="0" hangingPunct="1">
+              <a:lnSpc>
+                <a:spcPct val="100000"/>
+              </a:lnSpc>
+              <a:spcBef>
+                <a:spcPts val="0"/>
+              </a:spcBef>
+              <a:spcAft>
+                <a:spcPts val="0"/>
+              </a:spcAft>
+              <a:buClrTx/>
+              <a:buSzTx/>
+              <a:buFontTx/>
+              <a:buNone/>
+              <a:tabLst/>
+              <a:defRPr/>
+            </a:pPr>
+            <a:endParaRPr kumimoji="0" lang="en-US" sz="1800" b="0" i="0" u="none" strike="noStrike" kern="1200" cap="none" spc="0" normalizeH="0" baseline="0" noProof="0">
+              <a:ln>
+                <a:noFill/>
+              </a:ln>
+              <a:solidFill>
+                <a:prstClr val="white"/>
+              </a:solidFill>
+              <a:effectLst/>
+              <a:uLnTx/>
+              <a:uFillTx/>
+              <a:latin typeface="Calibri" panose="020F0502020204030204"/>
+              <a:ea typeface="+mn-ea"/>
+              <a:cs typeface="+mn-cs"/>
+            </a:endParaRPr>
+          </a:p>
+        </p:txBody>
+      </p:sp>
+      <p:sp>
+        <p:nvSpPr>
+          <p:cNvPr id="15" name="Freeform: Shape 14">
+            <a:extLst>
+              <a:ext uri="{FF2B5EF4-FFF2-40B4-BE49-F238E27FC236}">
+                <a16:creationId xmlns:a16="http://schemas.microsoft.com/office/drawing/2014/main" id="{70B66945-4967-4040-926D-DCA44313CDAB}"/>
+              </a:ext>
+              <a:ext uri="{C183D7F6-B498-43B3-948B-1728B52AA6E4}">
+                <adec:decorative xmlns:adec="http://schemas.microsoft.com/office/drawing/2017/decorative" val="1"/>
+              </a:ext>
+            </a:extLst>
+          </p:cNvPr>
+          <p:cNvSpPr>
+            <a:spLocks noGrp="1" noRot="1" noChangeAspect="1" noMove="1" noResize="1" noEditPoints="1" noAdjustHandles="1" noChangeArrowheads="1" noChangeShapeType="1" noTextEdit="1"/>
+          </p:cNvSpPr>
+          <p:nvPr>
+            <p:extLst>
+              <p:ext uri="{386F3935-93C4-4BCD-93E2-E3B085C9AB24}">
+                <p16:designElem xmlns:p16="http://schemas.microsoft.com/office/powerpoint/2015/main" val="1"/>
+              </p:ext>
+            </p:extLst>
+          </p:nvPr>
+        </p:nvSpPr>
+        <p:spPr>
+          <a:xfrm>
+            <a:off x="0" y="0"/>
+            <a:ext cx="6024154" cy="6858000"/>
+          </a:xfrm>
+          <a:custGeom>
+            <a:avLst/>
+            <a:gdLst>
+              <a:gd name="connsiteX0" fmla="*/ 0 w 6024154"/>
+              <a:gd name="connsiteY0" fmla="*/ 0 h 6858000"/>
+              <a:gd name="connsiteX1" fmla="*/ 5953780 w 6024154"/>
+              <a:gd name="connsiteY1" fmla="*/ 0 h 6858000"/>
+              <a:gd name="connsiteX2" fmla="*/ 5989880 w 6024154"/>
+              <a:gd name="connsiteY2" fmla="*/ 284091 h 6858000"/>
+              <a:gd name="connsiteX3" fmla="*/ 6024154 w 6024154"/>
+              <a:gd name="connsiteY3" fmla="*/ 962844 h 6858000"/>
+              <a:gd name="connsiteX4" fmla="*/ 2549934 w 6024154"/>
+              <a:gd name="connsiteY4" fmla="*/ 6800152 h 6858000"/>
+              <a:gd name="connsiteX5" fmla="*/ 2436987 w 6024154"/>
+              <a:gd name="connsiteY5" fmla="*/ 6858000 h 6858000"/>
+              <a:gd name="connsiteX6" fmla="*/ 0 w 6024154"/>
+              <a:gd name="connsiteY6" fmla="*/ 6858000 h 6858000"/>
+            </a:gdLst>
+            <a:ahLst/>
+            <a:cxnLst>
+              <a:cxn ang="0">
+                <a:pos x="connsiteX0" y="connsiteY0"/>
+              </a:cxn>
+              <a:cxn ang="0">
+                <a:pos x="connsiteX1" y="connsiteY1"/>
+              </a:cxn>
+              <a:cxn ang="0">
+                <a:pos x="connsiteX2" y="connsiteY2"/>
+              </a:cxn>
+              <a:cxn ang="0">
+                <a:pos x="connsiteX3" y="connsiteY3"/>
+              </a:cxn>
+              <a:cxn ang="0">
+                <a:pos x="connsiteX4" y="connsiteY4"/>
+              </a:cxn>
+              <a:cxn ang="0">
+                <a:pos x="connsiteX5" y="connsiteY5"/>
+              </a:cxn>
+              <a:cxn ang="0">
+                <a:pos x="connsiteX6" y="connsiteY6"/>
+              </a:cxn>
+            </a:cxnLst>
+            <a:rect l="l" t="t" r="r" b="b"/>
+            <a:pathLst>
+              <a:path w="6024154" h="6858000">
+                <a:moveTo>
+                  <a:pt x="0" y="0"/>
+                </a:moveTo>
+                <a:lnTo>
+                  <a:pt x="5953780" y="0"/>
+                </a:lnTo>
+                <a:lnTo>
+                  <a:pt x="5989880" y="284091"/>
+                </a:lnTo>
+                <a:cubicBezTo>
+                  <a:pt x="6012544" y="507260"/>
+                  <a:pt x="6024154" y="733696"/>
+                  <a:pt x="6024154" y="962844"/>
+                </a:cubicBezTo>
+                <a:cubicBezTo>
+                  <a:pt x="6024154" y="3483472"/>
+                  <a:pt x="4619336" y="5675986"/>
+                  <a:pt x="2549934" y="6800152"/>
+                </a:cubicBezTo>
+                <a:lnTo>
+                  <a:pt x="2436987" y="6858000"/>
+                </a:lnTo>
+                <a:lnTo>
+                  <a:pt x="0" y="6858000"/>
+                </a:lnTo>
+                <a:close/>
+              </a:path>
+            </a:pathLst>
+          </a:custGeom>
+          <a:solidFill>
+            <a:schemeClr val="bg1"/>
+          </a:solidFill>
+          <a:ln>
+            <a:noFill/>
+          </a:ln>
+        </p:spPr>
+        <p:style>
+          <a:lnRef idx="2">
+            <a:schemeClr val="accent1">
+              <a:shade val="50000"/>
+            </a:schemeClr>
+          </a:lnRef>
+          <a:fillRef idx="1">
+            <a:schemeClr val="accent1"/>
+          </a:fillRef>
+          <a:effectRef idx="0">
+            <a:schemeClr val="accent1"/>
+          </a:effectRef>
+          <a:fontRef idx="minor">
+            <a:schemeClr val="lt1"/>
+          </a:fontRef>
+        </p:style>
+        <p:txBody>
+          <a:bodyPr wrap="square" rtlCol="0" anchor="ctr">
+            <a:noAutofit/>
+          </a:bodyPr>
+          <a:lstStyle/>
+          <a:p>
+            <a:pPr marL="0" marR="0" lvl="0" indent="0" algn="ctr" defTabSz="914400" rtl="0" eaLnBrk="1" fontAlgn="auto" latinLnBrk="0" hangingPunct="1">
+              <a:lnSpc>
+                <a:spcPct val="100000"/>
+              </a:lnSpc>
+              <a:spcBef>
+                <a:spcPts val="0"/>
+              </a:spcBef>
+              <a:spcAft>
+                <a:spcPts val="0"/>
+              </a:spcAft>
+              <a:buClrTx/>
+              <a:buSzTx/>
+              <a:buFontTx/>
+              <a:buNone/>
+              <a:tabLst/>
+              <a:defRPr/>
+            </a:pPr>
+            <a:endParaRPr kumimoji="0" lang="en-US" sz="1800" b="0" i="0" u="none" strike="noStrike" kern="1200" cap="none" spc="0" normalizeH="0" baseline="0" noProof="0">
+              <a:ln>
+                <a:noFill/>
+              </a:ln>
+              <a:solidFill>
+                <a:prstClr val="white"/>
+              </a:solidFill>
+              <a:effectLst/>
+              <a:uLnTx/>
+              <a:uFillTx/>
+              <a:latin typeface="Calibri" panose="020F0502020204030204"/>
+              <a:ea typeface="+mn-ea"/>
+              <a:cs typeface="+mn-cs"/>
+            </a:endParaRPr>
           </a:p>
         </p:txBody>
       </p:sp>
@@ -10351,7 +14258,7 @@
           <p:cNvPr id="5" name="Picture 4" descr="A close up of a logo&#10;&#10;Description automatically generated">
             <a:extLst>
               <a:ext uri="{FF2B5EF4-FFF2-40B4-BE49-F238E27FC236}">
-                <a16:creationId xmlns:a16="http://schemas.microsoft.com/office/drawing/2014/main" id="{78EF670B-CC8F-47E6-A692-4978F0E46CBD}"/>
+                <a16:creationId xmlns:a16="http://schemas.microsoft.com/office/drawing/2014/main" id="{5642DBAC-03F5-418F-A00C-497D6CC1B011}"/>
               </a:ext>
             </a:extLst>
           </p:cNvPr>
@@ -10388,7 +14295,7 @@
     </p:spTree>
     <p:extLst>
       <p:ext uri="{BB962C8B-B14F-4D97-AF65-F5344CB8AC3E}">
-        <p14:creationId xmlns:p14="http://schemas.microsoft.com/office/powerpoint/2010/main" val="1762156631"/>
+        <p14:creationId xmlns:p14="http://schemas.microsoft.com/office/powerpoint/2010/main" val="2757435673"/>
       </p:ext>
     </p:extLst>
   </p:cSld>
@@ -21210,7 +25117,7 @@
               </a:lnSpc>
             </a:pPr>
             <a:r>
-              <a:rPr lang="en-US" dirty="0"/>
+              <a:rPr lang="en-US" b="1" dirty="0"/>
               <a:t>As a result we have many options and tools available that play nice</a:t>
             </a:r>
           </a:p>
@@ -21709,7 +25616,7 @@
           <a:p>
             <a:r>
               <a:rPr lang="en-US" dirty="0"/>
-              <a:t>Truly identical application packaging</a:t>
+              <a:t>Identical application packaging</a:t>
             </a:r>
           </a:p>
           <a:p>
@@ -24900,7 +28807,7 @@
         <p:spPr/>
         <p:txBody>
           <a:bodyPr>
-            <a:normAutofit fontScale="92500" lnSpcReduction="10000"/>
+            <a:normAutofit fontScale="85000" lnSpcReduction="20000"/>
           </a:bodyPr>
           <a:lstStyle/>
           <a:p>
@@ -24967,6 +28874,17 @@
             <a:r>
               <a:rPr lang="en-US" dirty="0"/>
               <a:t>A Look at Next Steps</a:t>
+            </a:r>
+          </a:p>
+          <a:p>
+            <a:pPr>
+              <a:lnSpc>
+                <a:spcPct val="200000"/>
+              </a:lnSpc>
+            </a:pPr>
+            <a:r>
+              <a:rPr lang="en-US" dirty="0"/>
+              <a:t>A Q&amp;A Session</a:t>
             </a:r>
           </a:p>
         </p:txBody>
@@ -25341,6 +29259,67 @@
                                           <p:spTgt spid="3">
                                             <p:txEl>
                                               <p:pRg st="5" end="5"/>
+                                            </p:txEl>
+                                          </p:spTgt>
+                                        </p:tgtEl>
+                                      </p:cBhvr>
+                                    </p:animEffect>
+                                  </p:childTnLst>
+                                </p:cTn>
+                              </p:par>
+                            </p:childTnLst>
+                          </p:cTn>
+                        </p:par>
+                      </p:childTnLst>
+                    </p:cTn>
+                  </p:par>
+                  <p:par>
+                    <p:cTn id="33" fill="hold">
+                      <p:stCondLst>
+                        <p:cond delay="indefinite"/>
+                      </p:stCondLst>
+                      <p:childTnLst>
+                        <p:par>
+                          <p:cTn id="34" fill="hold">
+                            <p:stCondLst>
+                              <p:cond delay="0"/>
+                            </p:stCondLst>
+                            <p:childTnLst>
+                              <p:par>
+                                <p:cTn id="35" presetID="10" presetClass="entr" presetSubtype="0" fill="hold" grpId="0" nodeType="clickEffect">
+                                  <p:stCondLst>
+                                    <p:cond delay="0"/>
+                                  </p:stCondLst>
+                                  <p:childTnLst>
+                                    <p:set>
+                                      <p:cBhvr>
+                                        <p:cTn id="36" dur="1" fill="hold">
+                                          <p:stCondLst>
+                                            <p:cond delay="0"/>
+                                          </p:stCondLst>
+                                        </p:cTn>
+                                        <p:tgtEl>
+                                          <p:spTgt spid="3">
+                                            <p:txEl>
+                                              <p:pRg st="6" end="6"/>
+                                            </p:txEl>
+                                          </p:spTgt>
+                                        </p:tgtEl>
+                                        <p:attrNameLst>
+                                          <p:attrName>style.visibility</p:attrName>
+                                        </p:attrNameLst>
+                                      </p:cBhvr>
+                                      <p:to>
+                                        <p:strVal val="visible"/>
+                                      </p:to>
+                                    </p:set>
+                                    <p:animEffect transition="in" filter="fade">
+                                      <p:cBhvr>
+                                        <p:cTn id="37" dur="500"/>
+                                        <p:tgtEl>
+                                          <p:spTgt spid="3">
+                                            <p:txEl>
+                                              <p:pRg st="6" end="6"/>
                                             </p:txEl>
                                           </p:spTgt>
                                         </p:tgtEl>
@@ -26572,6 +30551,746 @@
                                   </p:childTnLst>
                                 </p:cTn>
                               </p:par>
+                            </p:childTnLst>
+                          </p:cTn>
+                        </p:par>
+                      </p:childTnLst>
+                    </p:cTn>
+                  </p:par>
+                  <p:par>
+                    <p:cTn id="18" fill="hold">
+                      <p:stCondLst>
+                        <p:cond delay="indefinite"/>
+                      </p:stCondLst>
+                      <p:childTnLst>
+                        <p:par>
+                          <p:cTn id="19" fill="hold">
+                            <p:stCondLst>
+                              <p:cond delay="0"/>
+                            </p:stCondLst>
+                            <p:childTnLst>
+                              <p:par>
+                                <p:cTn id="20" presetID="10" presetClass="entr" presetSubtype="0" fill="hold" grpId="0" nodeType="clickEffect">
+                                  <p:stCondLst>
+                                    <p:cond delay="0"/>
+                                  </p:stCondLst>
+                                  <p:childTnLst>
+                                    <p:set>
+                                      <p:cBhvr>
+                                        <p:cTn id="21" dur="1" fill="hold">
+                                          <p:stCondLst>
+                                            <p:cond delay="0"/>
+                                          </p:stCondLst>
+                                        </p:cTn>
+                                        <p:tgtEl>
+                                          <p:spTgt spid="3">
+                                            <p:txEl>
+                                              <p:pRg st="3" end="3"/>
+                                            </p:txEl>
+                                          </p:spTgt>
+                                        </p:tgtEl>
+                                        <p:attrNameLst>
+                                          <p:attrName>style.visibility</p:attrName>
+                                        </p:attrNameLst>
+                                      </p:cBhvr>
+                                      <p:to>
+                                        <p:strVal val="visible"/>
+                                      </p:to>
+                                    </p:set>
+                                    <p:animEffect transition="in" filter="fade">
+                                      <p:cBhvr>
+                                        <p:cTn id="22" dur="500"/>
+                                        <p:tgtEl>
+                                          <p:spTgt spid="3">
+                                            <p:txEl>
+                                              <p:pRg st="3" end="3"/>
+                                            </p:txEl>
+                                          </p:spTgt>
+                                        </p:tgtEl>
+                                      </p:cBhvr>
+                                    </p:animEffect>
+                                  </p:childTnLst>
+                                </p:cTn>
+                              </p:par>
+                            </p:childTnLst>
+                          </p:cTn>
+                        </p:par>
+                      </p:childTnLst>
+                    </p:cTn>
+                  </p:par>
+                  <p:par>
+                    <p:cTn id="23" fill="hold">
+                      <p:stCondLst>
+                        <p:cond delay="indefinite"/>
+                      </p:stCondLst>
+                      <p:childTnLst>
+                        <p:par>
+                          <p:cTn id="24" fill="hold">
+                            <p:stCondLst>
+                              <p:cond delay="0"/>
+                            </p:stCondLst>
+                            <p:childTnLst>
+                              <p:par>
+                                <p:cTn id="25" presetID="10" presetClass="entr" presetSubtype="0" fill="hold" grpId="0" nodeType="clickEffect">
+                                  <p:stCondLst>
+                                    <p:cond delay="0"/>
+                                  </p:stCondLst>
+                                  <p:childTnLst>
+                                    <p:set>
+                                      <p:cBhvr>
+                                        <p:cTn id="26" dur="1" fill="hold">
+                                          <p:stCondLst>
+                                            <p:cond delay="0"/>
+                                          </p:stCondLst>
+                                        </p:cTn>
+                                        <p:tgtEl>
+                                          <p:spTgt spid="3">
+                                            <p:txEl>
+                                              <p:pRg st="4" end="4"/>
+                                            </p:txEl>
+                                          </p:spTgt>
+                                        </p:tgtEl>
+                                        <p:attrNameLst>
+                                          <p:attrName>style.visibility</p:attrName>
+                                        </p:attrNameLst>
+                                      </p:cBhvr>
+                                      <p:to>
+                                        <p:strVal val="visible"/>
+                                      </p:to>
+                                    </p:set>
+                                    <p:animEffect transition="in" filter="fade">
+                                      <p:cBhvr>
+                                        <p:cTn id="27" dur="500"/>
+                                        <p:tgtEl>
+                                          <p:spTgt spid="3">
+                                            <p:txEl>
+                                              <p:pRg st="4" end="4"/>
+                                            </p:txEl>
+                                          </p:spTgt>
+                                        </p:tgtEl>
+                                      </p:cBhvr>
+                                    </p:animEffect>
+                                  </p:childTnLst>
+                                </p:cTn>
+                              </p:par>
+                            </p:childTnLst>
+                          </p:cTn>
+                        </p:par>
+                      </p:childTnLst>
+                    </p:cTn>
+                  </p:par>
+                  <p:par>
+                    <p:cTn id="28" fill="hold">
+                      <p:stCondLst>
+                        <p:cond delay="indefinite"/>
+                      </p:stCondLst>
+                      <p:childTnLst>
+                        <p:par>
+                          <p:cTn id="29" fill="hold">
+                            <p:stCondLst>
+                              <p:cond delay="0"/>
+                            </p:stCondLst>
+                            <p:childTnLst>
+                              <p:par>
+                                <p:cTn id="30" presetID="10" presetClass="entr" presetSubtype="0" fill="hold" grpId="0" nodeType="clickEffect">
+                                  <p:stCondLst>
+                                    <p:cond delay="0"/>
+                                  </p:stCondLst>
+                                  <p:childTnLst>
+                                    <p:set>
+                                      <p:cBhvr>
+                                        <p:cTn id="31" dur="1" fill="hold">
+                                          <p:stCondLst>
+                                            <p:cond delay="0"/>
+                                          </p:stCondLst>
+                                        </p:cTn>
+                                        <p:tgtEl>
+                                          <p:spTgt spid="3">
+                                            <p:txEl>
+                                              <p:pRg st="5" end="5"/>
+                                            </p:txEl>
+                                          </p:spTgt>
+                                        </p:tgtEl>
+                                        <p:attrNameLst>
+                                          <p:attrName>style.visibility</p:attrName>
+                                        </p:attrNameLst>
+                                      </p:cBhvr>
+                                      <p:to>
+                                        <p:strVal val="visible"/>
+                                      </p:to>
+                                    </p:set>
+                                    <p:animEffect transition="in" filter="fade">
+                                      <p:cBhvr>
+                                        <p:cTn id="32" dur="500"/>
+                                        <p:tgtEl>
+                                          <p:spTgt spid="3">
+                                            <p:txEl>
+                                              <p:pRg st="5" end="5"/>
+                                            </p:txEl>
+                                          </p:spTgt>
+                                        </p:tgtEl>
+                                      </p:cBhvr>
+                                    </p:animEffect>
+                                  </p:childTnLst>
+                                </p:cTn>
+                              </p:par>
+                            </p:childTnLst>
+                          </p:cTn>
+                        </p:par>
+                      </p:childTnLst>
+                    </p:cTn>
+                  </p:par>
+                  <p:par>
+                    <p:cTn id="33" fill="hold">
+                      <p:stCondLst>
+                        <p:cond delay="indefinite"/>
+                      </p:stCondLst>
+                      <p:childTnLst>
+                        <p:par>
+                          <p:cTn id="34" fill="hold">
+                            <p:stCondLst>
+                              <p:cond delay="0"/>
+                            </p:stCondLst>
+                            <p:childTnLst>
+                              <p:par>
+                                <p:cTn id="35" presetID="10" presetClass="entr" presetSubtype="0" fill="hold" grpId="0" nodeType="clickEffect">
+                                  <p:stCondLst>
+                                    <p:cond delay="0"/>
+                                  </p:stCondLst>
+                                  <p:childTnLst>
+                                    <p:set>
+                                      <p:cBhvr>
+                                        <p:cTn id="36" dur="1" fill="hold">
+                                          <p:stCondLst>
+                                            <p:cond delay="0"/>
+                                          </p:stCondLst>
+                                        </p:cTn>
+                                        <p:tgtEl>
+                                          <p:spTgt spid="3">
+                                            <p:txEl>
+                                              <p:pRg st="6" end="6"/>
+                                            </p:txEl>
+                                          </p:spTgt>
+                                        </p:tgtEl>
+                                        <p:attrNameLst>
+                                          <p:attrName>style.visibility</p:attrName>
+                                        </p:attrNameLst>
+                                      </p:cBhvr>
+                                      <p:to>
+                                        <p:strVal val="visible"/>
+                                      </p:to>
+                                    </p:set>
+                                    <p:animEffect transition="in" filter="fade">
+                                      <p:cBhvr>
+                                        <p:cTn id="37" dur="500"/>
+                                        <p:tgtEl>
+                                          <p:spTgt spid="3">
+                                            <p:txEl>
+                                              <p:pRg st="6" end="6"/>
+                                            </p:txEl>
+                                          </p:spTgt>
+                                        </p:tgtEl>
+                                      </p:cBhvr>
+                                    </p:animEffect>
+                                  </p:childTnLst>
+                                </p:cTn>
+                              </p:par>
+                            </p:childTnLst>
+                          </p:cTn>
+                        </p:par>
+                      </p:childTnLst>
+                    </p:cTn>
+                  </p:par>
+                  <p:par>
+                    <p:cTn id="38" fill="hold">
+                      <p:stCondLst>
+                        <p:cond delay="indefinite"/>
+                      </p:stCondLst>
+                      <p:childTnLst>
+                        <p:par>
+                          <p:cTn id="39" fill="hold">
+                            <p:stCondLst>
+                              <p:cond delay="0"/>
+                            </p:stCondLst>
+                            <p:childTnLst>
+                              <p:par>
+                                <p:cTn id="40" presetID="10" presetClass="entr" presetSubtype="0" fill="hold" grpId="0" nodeType="clickEffect">
+                                  <p:stCondLst>
+                                    <p:cond delay="0"/>
+                                  </p:stCondLst>
+                                  <p:childTnLst>
+                                    <p:set>
+                                      <p:cBhvr>
+                                        <p:cTn id="41" dur="1" fill="hold">
+                                          <p:stCondLst>
+                                            <p:cond delay="0"/>
+                                          </p:stCondLst>
+                                        </p:cTn>
+                                        <p:tgtEl>
+                                          <p:spTgt spid="3">
+                                            <p:txEl>
+                                              <p:pRg st="7" end="7"/>
+                                            </p:txEl>
+                                          </p:spTgt>
+                                        </p:tgtEl>
+                                        <p:attrNameLst>
+                                          <p:attrName>style.visibility</p:attrName>
+                                        </p:attrNameLst>
+                                      </p:cBhvr>
+                                      <p:to>
+                                        <p:strVal val="visible"/>
+                                      </p:to>
+                                    </p:set>
+                                    <p:animEffect transition="in" filter="fade">
+                                      <p:cBhvr>
+                                        <p:cTn id="42" dur="500"/>
+                                        <p:tgtEl>
+                                          <p:spTgt spid="3">
+                                            <p:txEl>
+                                              <p:pRg st="7" end="7"/>
+                                            </p:txEl>
+                                          </p:spTgt>
+                                        </p:tgtEl>
+                                      </p:cBhvr>
+                                    </p:animEffect>
+                                  </p:childTnLst>
+                                </p:cTn>
+                              </p:par>
+                            </p:childTnLst>
+                          </p:cTn>
+                        </p:par>
+                      </p:childTnLst>
+                    </p:cTn>
+                  </p:par>
+                  <p:par>
+                    <p:cTn id="43" fill="hold">
+                      <p:stCondLst>
+                        <p:cond delay="indefinite"/>
+                      </p:stCondLst>
+                      <p:childTnLst>
+                        <p:par>
+                          <p:cTn id="44" fill="hold">
+                            <p:stCondLst>
+                              <p:cond delay="0"/>
+                            </p:stCondLst>
+                            <p:childTnLst>
+                              <p:par>
+                                <p:cTn id="45" presetID="10" presetClass="entr" presetSubtype="0" fill="hold" grpId="0" nodeType="clickEffect">
+                                  <p:stCondLst>
+                                    <p:cond delay="0"/>
+                                  </p:stCondLst>
+                                  <p:childTnLst>
+                                    <p:set>
+                                      <p:cBhvr>
+                                        <p:cTn id="46" dur="1" fill="hold">
+                                          <p:stCondLst>
+                                            <p:cond delay="0"/>
+                                          </p:stCondLst>
+                                        </p:cTn>
+                                        <p:tgtEl>
+                                          <p:spTgt spid="3">
+                                            <p:txEl>
+                                              <p:pRg st="8" end="8"/>
+                                            </p:txEl>
+                                          </p:spTgt>
+                                        </p:tgtEl>
+                                        <p:attrNameLst>
+                                          <p:attrName>style.visibility</p:attrName>
+                                        </p:attrNameLst>
+                                      </p:cBhvr>
+                                      <p:to>
+                                        <p:strVal val="visible"/>
+                                      </p:to>
+                                    </p:set>
+                                    <p:animEffect transition="in" filter="fade">
+                                      <p:cBhvr>
+                                        <p:cTn id="47" dur="500"/>
+                                        <p:tgtEl>
+                                          <p:spTgt spid="3">
+                                            <p:txEl>
+                                              <p:pRg st="8" end="8"/>
+                                            </p:txEl>
+                                          </p:spTgt>
+                                        </p:tgtEl>
+                                      </p:cBhvr>
+                                    </p:animEffect>
+                                  </p:childTnLst>
+                                </p:cTn>
+                              </p:par>
+                            </p:childTnLst>
+                          </p:cTn>
+                        </p:par>
+                      </p:childTnLst>
+                    </p:cTn>
+                  </p:par>
+                </p:childTnLst>
+              </p:cTn>
+              <p:prevCondLst>
+                <p:cond evt="onPrev" delay="0">
+                  <p:tgtEl>
+                    <p:sldTgt/>
+                  </p:tgtEl>
+                </p:cond>
+              </p:prevCondLst>
+              <p:nextCondLst>
+                <p:cond evt="onNext" delay="0">
+                  <p:tgtEl>
+                    <p:sldTgt/>
+                  </p:tgtEl>
+                </p:cond>
+              </p:nextCondLst>
+            </p:seq>
+          </p:childTnLst>
+        </p:cTn>
+      </p:par>
+    </p:tnLst>
+    <p:bldLst>
+      <p:bldP spid="3" grpId="0" uiExpand="1" build="p"/>
+    </p:bldLst>
+  </p:timing>
+</p:sld>
+</file>
+
+<file path=ppt/slides/slide33.xml><?xml version="1.0" encoding="utf-8"?>
+<p:sld xmlns:a="http://schemas.openxmlformats.org/drawingml/2006/main" xmlns:r="http://schemas.openxmlformats.org/officeDocument/2006/relationships" xmlns:p="http://schemas.openxmlformats.org/presentationml/2006/main">
+  <p:cSld>
+    <p:spTree>
+      <p:nvGrpSpPr>
+        <p:cNvPr id="1" name=""/>
+        <p:cNvGrpSpPr/>
+        <p:nvPr/>
+      </p:nvGrpSpPr>
+      <p:grpSpPr>
+        <a:xfrm>
+          <a:off x="0" y="0"/>
+          <a:ext cx="0" cy="0"/>
+          <a:chOff x="0" y="0"/>
+          <a:chExt cx="0" cy="0"/>
+        </a:xfrm>
+      </p:grpSpPr>
+      <p:sp>
+        <p:nvSpPr>
+          <p:cNvPr id="2" name="Title 1">
+            <a:extLst>
+              <a:ext uri="{FF2B5EF4-FFF2-40B4-BE49-F238E27FC236}">
+                <a16:creationId xmlns:a16="http://schemas.microsoft.com/office/drawing/2014/main" id="{ACFB7AEA-DEDF-4BAC-BBCD-F8EF3CA32FB0}"/>
+              </a:ext>
+            </a:extLst>
+          </p:cNvPr>
+          <p:cNvSpPr>
+            <a:spLocks noGrp="1"/>
+          </p:cNvSpPr>
+          <p:nvPr>
+            <p:ph type="title"/>
+          </p:nvPr>
+        </p:nvSpPr>
+        <p:spPr/>
+        <p:txBody>
+          <a:bodyPr/>
+          <a:lstStyle/>
+          <a:p>
+            <a:r>
+              <a:rPr lang="en-US" dirty="0"/>
+              <a:t>Doomsday Docker Security Hole Uncovered</a:t>
+            </a:r>
+          </a:p>
+        </p:txBody>
+      </p:sp>
+      <p:sp>
+        <p:nvSpPr>
+          <p:cNvPr id="3" name="Content Placeholder 2">
+            <a:extLst>
+              <a:ext uri="{FF2B5EF4-FFF2-40B4-BE49-F238E27FC236}">
+                <a16:creationId xmlns:a16="http://schemas.microsoft.com/office/drawing/2014/main" id="{A9EAF4E8-D8F2-4795-9026-ECB4D891615F}"/>
+              </a:ext>
+            </a:extLst>
+          </p:cNvPr>
+          <p:cNvSpPr>
+            <a:spLocks noGrp="1"/>
+          </p:cNvSpPr>
+          <p:nvPr>
+            <p:ph idx="1"/>
+          </p:nvPr>
+        </p:nvSpPr>
+        <p:spPr/>
+        <p:txBody>
+          <a:bodyPr/>
+          <a:lstStyle/>
+          <a:p>
+            <a:r>
+              <a:rPr lang="en-US" dirty="0"/>
+              <a:t>I’m </a:t>
+            </a:r>
+            <a:r>
+              <a:rPr lang="en-US" b="1" i="1" u="sng" dirty="0">
+                <a:solidFill>
+                  <a:srgbClr val="FF0000"/>
+                </a:solidFill>
+              </a:rPr>
+              <a:t>SUPER</a:t>
+            </a:r>
+            <a:r>
+              <a:rPr lang="en-US" dirty="0"/>
+              <a:t> sad about this.</a:t>
+            </a:r>
+          </a:p>
+          <a:p>
+            <a:r>
+              <a:rPr lang="en-US" dirty="0"/>
+              <a:t>One of the great fears about docker realized.</a:t>
+            </a:r>
+          </a:p>
+          <a:p>
+            <a:r>
+              <a:rPr lang="en-US" dirty="0"/>
+              <a:t>About </a:t>
+            </a:r>
+            <a:r>
+              <a:rPr lang="en-US" dirty="0" err="1"/>
+              <a:t>RunC</a:t>
+            </a:r>
+            <a:endParaRPr lang="en-US" dirty="0"/>
+          </a:p>
+          <a:p>
+            <a:pPr lvl="1"/>
+            <a:r>
+              <a:rPr lang="en-US" dirty="0"/>
+              <a:t>Underlying runtime for Docker, Kubernetes, and other container-dependent programs</a:t>
+            </a:r>
+          </a:p>
+          <a:p>
+            <a:pPr lvl="1"/>
+            <a:r>
+              <a:rPr lang="en-US" dirty="0"/>
+              <a:t>Created by Docker / Now an open-container initiative specification</a:t>
+            </a:r>
+          </a:p>
+          <a:p>
+            <a:pPr lvl="1"/>
+            <a:r>
+              <a:rPr lang="en-US" dirty="0"/>
+              <a:t>Almost every container on earth is running on the </a:t>
+            </a:r>
+            <a:r>
+              <a:rPr lang="en-US" dirty="0" err="1"/>
+              <a:t>RunC</a:t>
+            </a:r>
+            <a:r>
+              <a:rPr lang="en-US" dirty="0"/>
+              <a:t> runtime</a:t>
+            </a:r>
+          </a:p>
+          <a:p>
+            <a:r>
+              <a:rPr lang="en-US" dirty="0"/>
+              <a:t>Allows a container to overwrite the host </a:t>
+            </a:r>
+            <a:r>
+              <a:rPr lang="en-US" dirty="0" err="1"/>
+              <a:t>RunC</a:t>
+            </a:r>
+            <a:r>
+              <a:rPr lang="en-US" dirty="0"/>
+              <a:t> binary and gain root-level execution on the host OS</a:t>
+            </a:r>
+          </a:p>
+        </p:txBody>
+      </p:sp>
+    </p:spTree>
+    <p:extLst>
+      <p:ext uri="{BB962C8B-B14F-4D97-AF65-F5344CB8AC3E}">
+        <p14:creationId xmlns:p14="http://schemas.microsoft.com/office/powerpoint/2010/main" val="2537397999"/>
+      </p:ext>
+    </p:extLst>
+  </p:cSld>
+  <p:clrMapOvr>
+    <a:masterClrMapping/>
+  </p:clrMapOvr>
+  <p:timing>
+    <p:tnLst>
+      <p:par>
+        <p:cTn id="1" dur="indefinite" restart="never" nodeType="tmRoot">
+          <p:childTnLst>
+            <p:seq concurrent="1" nextAc="seek">
+              <p:cTn id="2" dur="indefinite" nodeType="mainSeq">
+                <p:childTnLst>
+                  <p:par>
+                    <p:cTn id="3" fill="hold">
+                      <p:stCondLst>
+                        <p:cond delay="indefinite"/>
+                      </p:stCondLst>
+                      <p:childTnLst>
+                        <p:par>
+                          <p:cTn id="4" fill="hold">
+                            <p:stCondLst>
+                              <p:cond delay="0"/>
+                            </p:stCondLst>
+                            <p:childTnLst>
+                              <p:par>
+                                <p:cTn id="5" presetID="10" presetClass="entr" presetSubtype="0" fill="hold" grpId="0" nodeType="clickEffect">
+                                  <p:stCondLst>
+                                    <p:cond delay="0"/>
+                                  </p:stCondLst>
+                                  <p:childTnLst>
+                                    <p:set>
+                                      <p:cBhvr>
+                                        <p:cTn id="6" dur="1" fill="hold">
+                                          <p:stCondLst>
+                                            <p:cond delay="0"/>
+                                          </p:stCondLst>
+                                        </p:cTn>
+                                        <p:tgtEl>
+                                          <p:spTgt spid="3">
+                                            <p:txEl>
+                                              <p:pRg st="0" end="0"/>
+                                            </p:txEl>
+                                          </p:spTgt>
+                                        </p:tgtEl>
+                                        <p:attrNameLst>
+                                          <p:attrName>style.visibility</p:attrName>
+                                        </p:attrNameLst>
+                                      </p:cBhvr>
+                                      <p:to>
+                                        <p:strVal val="visible"/>
+                                      </p:to>
+                                    </p:set>
+                                    <p:animEffect transition="in" filter="fade">
+                                      <p:cBhvr>
+                                        <p:cTn id="7" dur="500"/>
+                                        <p:tgtEl>
+                                          <p:spTgt spid="3">
+                                            <p:txEl>
+                                              <p:pRg st="0" end="0"/>
+                                            </p:txEl>
+                                          </p:spTgt>
+                                        </p:tgtEl>
+                                      </p:cBhvr>
+                                    </p:animEffect>
+                                  </p:childTnLst>
+                                </p:cTn>
+                              </p:par>
+                            </p:childTnLst>
+                          </p:cTn>
+                        </p:par>
+                      </p:childTnLst>
+                    </p:cTn>
+                  </p:par>
+                  <p:par>
+                    <p:cTn id="8" fill="hold">
+                      <p:stCondLst>
+                        <p:cond delay="indefinite"/>
+                      </p:stCondLst>
+                      <p:childTnLst>
+                        <p:par>
+                          <p:cTn id="9" fill="hold">
+                            <p:stCondLst>
+                              <p:cond delay="0"/>
+                            </p:stCondLst>
+                            <p:childTnLst>
+                              <p:par>
+                                <p:cTn id="10" presetID="10" presetClass="entr" presetSubtype="0" fill="hold" grpId="0" nodeType="clickEffect">
+                                  <p:stCondLst>
+                                    <p:cond delay="0"/>
+                                  </p:stCondLst>
+                                  <p:childTnLst>
+                                    <p:set>
+                                      <p:cBhvr>
+                                        <p:cTn id="11" dur="1" fill="hold">
+                                          <p:stCondLst>
+                                            <p:cond delay="0"/>
+                                          </p:stCondLst>
+                                        </p:cTn>
+                                        <p:tgtEl>
+                                          <p:spTgt spid="3">
+                                            <p:txEl>
+                                              <p:pRg st="1" end="1"/>
+                                            </p:txEl>
+                                          </p:spTgt>
+                                        </p:tgtEl>
+                                        <p:attrNameLst>
+                                          <p:attrName>style.visibility</p:attrName>
+                                        </p:attrNameLst>
+                                      </p:cBhvr>
+                                      <p:to>
+                                        <p:strVal val="visible"/>
+                                      </p:to>
+                                    </p:set>
+                                    <p:animEffect transition="in" filter="fade">
+                                      <p:cBhvr>
+                                        <p:cTn id="12" dur="500"/>
+                                        <p:tgtEl>
+                                          <p:spTgt spid="3">
+                                            <p:txEl>
+                                              <p:pRg st="1" end="1"/>
+                                            </p:txEl>
+                                          </p:spTgt>
+                                        </p:tgtEl>
+                                      </p:cBhvr>
+                                    </p:animEffect>
+                                  </p:childTnLst>
+                                </p:cTn>
+                              </p:par>
+                            </p:childTnLst>
+                          </p:cTn>
+                        </p:par>
+                      </p:childTnLst>
+                    </p:cTn>
+                  </p:par>
+                  <p:par>
+                    <p:cTn id="13" fill="hold">
+                      <p:stCondLst>
+                        <p:cond delay="indefinite"/>
+                      </p:stCondLst>
+                      <p:childTnLst>
+                        <p:par>
+                          <p:cTn id="14" fill="hold">
+                            <p:stCondLst>
+                              <p:cond delay="0"/>
+                            </p:stCondLst>
+                            <p:childTnLst>
+                              <p:par>
+                                <p:cTn id="15" presetID="10" presetClass="entr" presetSubtype="0" fill="hold" grpId="0" nodeType="clickEffect">
+                                  <p:stCondLst>
+                                    <p:cond delay="0"/>
+                                  </p:stCondLst>
+                                  <p:childTnLst>
+                                    <p:set>
+                                      <p:cBhvr>
+                                        <p:cTn id="16" dur="1" fill="hold">
+                                          <p:stCondLst>
+                                            <p:cond delay="0"/>
+                                          </p:stCondLst>
+                                        </p:cTn>
+                                        <p:tgtEl>
+                                          <p:spTgt spid="3">
+                                            <p:txEl>
+                                              <p:pRg st="2" end="2"/>
+                                            </p:txEl>
+                                          </p:spTgt>
+                                        </p:tgtEl>
+                                        <p:attrNameLst>
+                                          <p:attrName>style.visibility</p:attrName>
+                                        </p:attrNameLst>
+                                      </p:cBhvr>
+                                      <p:to>
+                                        <p:strVal val="visible"/>
+                                      </p:to>
+                                    </p:set>
+                                    <p:animEffect transition="in" filter="fade">
+                                      <p:cBhvr>
+                                        <p:cTn id="17" dur="500"/>
+                                        <p:tgtEl>
+                                          <p:spTgt spid="3">
+                                            <p:txEl>
+                                              <p:pRg st="2" end="2"/>
+                                            </p:txEl>
+                                          </p:spTgt>
+                                        </p:tgtEl>
+                                      </p:cBhvr>
+                                    </p:animEffect>
+                                  </p:childTnLst>
+                                </p:cTn>
+                              </p:par>
                               <p:par>
                                 <p:cTn id="18" presetID="10" presetClass="entr" presetSubtype="0" fill="hold" grpId="0" nodeType="withEffect">
                                   <p:stCondLst>
@@ -26768,110 +31487,6 @@
                       </p:childTnLst>
                     </p:cTn>
                   </p:par>
-                  <p:par>
-                    <p:cTn id="32" fill="hold">
-                      <p:stCondLst>
-                        <p:cond delay="indefinite"/>
-                      </p:stCondLst>
-                      <p:childTnLst>
-                        <p:par>
-                          <p:cTn id="33" fill="hold">
-                            <p:stCondLst>
-                              <p:cond delay="0"/>
-                            </p:stCondLst>
-                            <p:childTnLst>
-                              <p:par>
-                                <p:cTn id="34" presetID="10" presetClass="entr" presetSubtype="0" fill="hold" grpId="0" nodeType="clickEffect">
-                                  <p:stCondLst>
-                                    <p:cond delay="0"/>
-                                  </p:stCondLst>
-                                  <p:childTnLst>
-                                    <p:set>
-                                      <p:cBhvr>
-                                        <p:cTn id="35" dur="1" fill="hold">
-                                          <p:stCondLst>
-                                            <p:cond delay="0"/>
-                                          </p:stCondLst>
-                                        </p:cTn>
-                                        <p:tgtEl>
-                                          <p:spTgt spid="3">
-                                            <p:txEl>
-                                              <p:pRg st="7" end="7"/>
-                                            </p:txEl>
-                                          </p:spTgt>
-                                        </p:tgtEl>
-                                        <p:attrNameLst>
-                                          <p:attrName>style.visibility</p:attrName>
-                                        </p:attrNameLst>
-                                      </p:cBhvr>
-                                      <p:to>
-                                        <p:strVal val="visible"/>
-                                      </p:to>
-                                    </p:set>
-                                    <p:animEffect transition="in" filter="fade">
-                                      <p:cBhvr>
-                                        <p:cTn id="36" dur="500"/>
-                                        <p:tgtEl>
-                                          <p:spTgt spid="3">
-                                            <p:txEl>
-                                              <p:pRg st="7" end="7"/>
-                                            </p:txEl>
-                                          </p:spTgt>
-                                        </p:tgtEl>
-                                      </p:cBhvr>
-                                    </p:animEffect>
-                                  </p:childTnLst>
-                                </p:cTn>
-                              </p:par>
-                              <p:par>
-                                <p:cTn id="37" presetID="10" presetClass="entr" presetSubtype="0" fill="hold" grpId="0" nodeType="withEffect">
-                                  <p:stCondLst>
-                                    <p:cond delay="0"/>
-                                  </p:stCondLst>
-                                  <p:childTnLst>
-                                    <p:set>
-                                      <p:cBhvr>
-                                        <p:cTn id="38" dur="1" fill="hold">
-                                          <p:stCondLst>
-                                            <p:cond delay="0"/>
-                                          </p:stCondLst>
-                                        </p:cTn>
-                                        <p:tgtEl>
-                                          <p:spTgt spid="3">
-                                            <p:txEl>
-                                              <p:pRg st="8" end="8"/>
-                                            </p:txEl>
-                                          </p:spTgt>
-                                        </p:tgtEl>
-                                        <p:attrNameLst>
-                                          <p:attrName>style.visibility</p:attrName>
-                                        </p:attrNameLst>
-                                      </p:cBhvr>
-                                      <p:to>
-                                        <p:strVal val="visible"/>
-                                      </p:to>
-                                    </p:set>
-                                    <p:animEffect transition="in" filter="fade">
-                                      <p:cBhvr>
-                                        <p:cTn id="39" dur="500"/>
-                                        <p:tgtEl>
-                                          <p:spTgt spid="3">
-                                            <p:txEl>
-                                              <p:pRg st="8" end="8"/>
-                                            </p:txEl>
-                                          </p:spTgt>
-                                        </p:tgtEl>
-                                      </p:cBhvr>
-                                    </p:animEffect>
-                                  </p:childTnLst>
-                                </p:cTn>
-                              </p:par>
-                            </p:childTnLst>
-                          </p:cTn>
-                        </p:par>
-                      </p:childTnLst>
-                    </p:cTn>
-                  </p:par>
                 </p:childTnLst>
               </p:cTn>
               <p:prevCondLst>
@@ -26894,167 +31509,9 @@
       </p:par>
     </p:tnLst>
     <p:bldLst>
-      <p:bldP spid="3" grpId="0" uiExpand="1" build="p"/>
+      <p:bldP spid="3" grpId="0" build="p"/>
     </p:bldLst>
   </p:timing>
-</p:sld>
-</file>
-
-<file path=ppt/slides/slide33.xml><?xml version="1.0" encoding="utf-8"?>
-<p:sld xmlns:a="http://schemas.openxmlformats.org/drawingml/2006/main" xmlns:r="http://schemas.openxmlformats.org/officeDocument/2006/relationships" xmlns:p="http://schemas.openxmlformats.org/presentationml/2006/main">
-  <p:cSld>
-    <p:spTree>
-      <p:nvGrpSpPr>
-        <p:cNvPr id="1" name=""/>
-        <p:cNvGrpSpPr/>
-        <p:nvPr/>
-      </p:nvGrpSpPr>
-      <p:grpSpPr>
-        <a:xfrm>
-          <a:off x="0" y="0"/>
-          <a:ext cx="0" cy="0"/>
-          <a:chOff x="0" y="0"/>
-          <a:chExt cx="0" cy="0"/>
-        </a:xfrm>
-      </p:grpSpPr>
-      <p:sp>
-        <p:nvSpPr>
-          <p:cNvPr id="2" name="Title 1">
-            <a:extLst>
-              <a:ext uri="{FF2B5EF4-FFF2-40B4-BE49-F238E27FC236}">
-                <a16:creationId xmlns:a16="http://schemas.microsoft.com/office/drawing/2014/main" id="{ACFB7AEA-DEDF-4BAC-BBCD-F8EF3CA32FB0}"/>
-              </a:ext>
-            </a:extLst>
-          </p:cNvPr>
-          <p:cNvSpPr>
-            <a:spLocks noGrp="1"/>
-          </p:cNvSpPr>
-          <p:nvPr>
-            <p:ph type="title"/>
-          </p:nvPr>
-        </p:nvSpPr>
-        <p:spPr/>
-        <p:txBody>
-          <a:bodyPr/>
-          <a:lstStyle/>
-          <a:p>
-            <a:r>
-              <a:rPr lang="en-US" dirty="0"/>
-              <a:t>Doomsday Docker Security Hole Uncovered</a:t>
-            </a:r>
-          </a:p>
-        </p:txBody>
-      </p:sp>
-      <p:sp>
-        <p:nvSpPr>
-          <p:cNvPr id="3" name="Content Placeholder 2">
-            <a:extLst>
-              <a:ext uri="{FF2B5EF4-FFF2-40B4-BE49-F238E27FC236}">
-                <a16:creationId xmlns:a16="http://schemas.microsoft.com/office/drawing/2014/main" id="{A9EAF4E8-D8F2-4795-9026-ECB4D891615F}"/>
-              </a:ext>
-            </a:extLst>
-          </p:cNvPr>
-          <p:cNvSpPr>
-            <a:spLocks noGrp="1"/>
-          </p:cNvSpPr>
-          <p:nvPr>
-            <p:ph idx="1"/>
-          </p:nvPr>
-        </p:nvSpPr>
-        <p:spPr/>
-        <p:txBody>
-          <a:bodyPr/>
-          <a:lstStyle/>
-          <a:p>
-            <a:r>
-              <a:rPr lang="en-US" dirty="0"/>
-              <a:t>I’m </a:t>
-            </a:r>
-            <a:r>
-              <a:rPr lang="en-US" b="1" i="1" u="sng" dirty="0">
-                <a:solidFill>
-                  <a:srgbClr val="FF0000"/>
-                </a:solidFill>
-              </a:rPr>
-              <a:t>SUPER</a:t>
-            </a:r>
-            <a:r>
-              <a:rPr lang="en-US" dirty="0"/>
-              <a:t> sad about this.</a:t>
-            </a:r>
-          </a:p>
-          <a:p>
-            <a:r>
-              <a:rPr lang="en-US" dirty="0"/>
-              <a:t>One of the great fears about docker realized.</a:t>
-            </a:r>
-          </a:p>
-          <a:p>
-            <a:r>
-              <a:rPr lang="en-US" dirty="0"/>
-              <a:t>About </a:t>
-            </a:r>
-            <a:r>
-              <a:rPr lang="en-US" dirty="0" err="1"/>
-              <a:t>RunC</a:t>
-            </a:r>
-            <a:endParaRPr lang="en-US" dirty="0"/>
-          </a:p>
-          <a:p>
-            <a:pPr lvl="1"/>
-            <a:r>
-              <a:rPr lang="en-US" dirty="0"/>
-              <a:t>Underlying runtime for Docker, Kubernetes, and other container-dependent programs</a:t>
-            </a:r>
-          </a:p>
-          <a:p>
-            <a:pPr lvl="1"/>
-            <a:r>
-              <a:rPr lang="en-US" dirty="0"/>
-              <a:t>Created by Docker / Now an open-container initiative specification</a:t>
-            </a:r>
-          </a:p>
-          <a:p>
-            <a:pPr lvl="1"/>
-            <a:r>
-              <a:rPr lang="en-US" dirty="0"/>
-              <a:t>Almost every container on earth is running on the </a:t>
-            </a:r>
-            <a:r>
-              <a:rPr lang="en-US" dirty="0" err="1"/>
-              <a:t>RunC</a:t>
-            </a:r>
-            <a:r>
-              <a:rPr lang="en-US" dirty="0"/>
-              <a:t> runtime</a:t>
-            </a:r>
-          </a:p>
-          <a:p>
-            <a:r>
-              <a:rPr lang="en-US" dirty="0"/>
-              <a:t>Allows a container to overwrite the host </a:t>
-            </a:r>
-            <a:r>
-              <a:rPr lang="en-US" dirty="0" err="1"/>
-              <a:t>RunC</a:t>
-            </a:r>
-            <a:r>
-              <a:rPr lang="en-US" dirty="0"/>
-              <a:t> binary and gain root-level execution on the host OS</a:t>
-            </a:r>
-          </a:p>
-        </p:txBody>
-      </p:sp>
-    </p:spTree>
-    <p:extLst>
-      <p:ext uri="{BB962C8B-B14F-4D97-AF65-F5344CB8AC3E}">
-        <p14:creationId xmlns:p14="http://schemas.microsoft.com/office/powerpoint/2010/main" val="2537397999"/>
-      </p:ext>
-    </p:extLst>
-  </p:cSld>
-  <p:clrMapOvr>
-    <a:masterClrMapping/>
-  </p:clrMapOvr>
 </p:sld>
 </file>
 
@@ -27119,14 +31576,45 @@
             <p:ph idx="1"/>
           </p:nvPr>
         </p:nvSpPr>
-        <p:spPr/>
+        <p:spPr>
+          <a:xfrm>
+            <a:off x="581192" y="2180496"/>
+            <a:ext cx="11029615" cy="4328215"/>
+          </a:xfrm>
+        </p:spPr>
         <p:txBody>
           <a:bodyPr>
-            <a:normAutofit lnSpcReduction="10000"/>
+            <a:normAutofit fontScale="92500" lnSpcReduction="10000"/>
           </a:bodyPr>
           <a:lstStyle/>
           <a:p>
             <a:r>
+              <a:rPr lang="en-US" b="1" dirty="0"/>
+              <a:t>The problem highlights the newness of containers and the underlying tech.  However…</a:t>
+            </a:r>
+          </a:p>
+          <a:p>
+            <a:r>
+              <a:rPr lang="en-US" dirty="0"/>
+              <a:t>The community works like it is supposed to.</a:t>
+            </a:r>
+          </a:p>
+          <a:p>
+            <a:pPr lvl="1"/>
+            <a:r>
+              <a:rPr lang="en-US" dirty="0"/>
+              <a:t>A researcher found and documented the problem first</a:t>
+            </a:r>
+          </a:p>
+          <a:p>
+            <a:pPr lvl="1"/>
+            <a:r>
+              <a:rPr lang="en-US" dirty="0"/>
+              <a:t>No known exploits occurred (as of this writing)</a:t>
+            </a:r>
+          </a:p>
+          <a:p>
+            <a:r>
               <a:rPr lang="en-US" dirty="0"/>
               <a:t>The problem was fixed in three days</a:t>
             </a:r>
@@ -27168,12 +31656,6 @@
             <a:r>
               <a:rPr lang="en-US" dirty="0"/>
               <a:t>If we adopt containers, we cannot be haphazard about it</a:t>
-            </a:r>
-          </a:p>
-          <a:p>
-            <a:r>
-              <a:rPr lang="en-US" b="1" dirty="0"/>
-              <a:t>The problem highlights the newness of containers and the underlying tech</a:t>
             </a:r>
           </a:p>
           <a:p>
@@ -27185,6 +31667,1474 @@
     <p:extLst>
       <p:ext uri="{BB962C8B-B14F-4D97-AF65-F5344CB8AC3E}">
         <p14:creationId xmlns:p14="http://schemas.microsoft.com/office/powerpoint/2010/main" val="2888075301"/>
+      </p:ext>
+    </p:extLst>
+  </p:cSld>
+  <p:clrMapOvr>
+    <a:masterClrMapping/>
+  </p:clrMapOvr>
+  <p:timing>
+    <p:tnLst>
+      <p:par>
+        <p:cTn id="1" dur="indefinite" restart="never" nodeType="tmRoot">
+          <p:childTnLst>
+            <p:seq concurrent="1" nextAc="seek">
+              <p:cTn id="2" dur="indefinite" nodeType="mainSeq">
+                <p:childTnLst>
+                  <p:par>
+                    <p:cTn id="3" fill="hold">
+                      <p:stCondLst>
+                        <p:cond delay="indefinite"/>
+                      </p:stCondLst>
+                      <p:childTnLst>
+                        <p:par>
+                          <p:cTn id="4" fill="hold">
+                            <p:stCondLst>
+                              <p:cond delay="0"/>
+                            </p:stCondLst>
+                            <p:childTnLst>
+                              <p:par>
+                                <p:cTn id="5" presetID="10" presetClass="entr" presetSubtype="0" fill="hold" grpId="0" nodeType="clickEffect">
+                                  <p:stCondLst>
+                                    <p:cond delay="0"/>
+                                  </p:stCondLst>
+                                  <p:childTnLst>
+                                    <p:set>
+                                      <p:cBhvr>
+                                        <p:cTn id="6" dur="1" fill="hold">
+                                          <p:stCondLst>
+                                            <p:cond delay="0"/>
+                                          </p:stCondLst>
+                                        </p:cTn>
+                                        <p:tgtEl>
+                                          <p:spTgt spid="3">
+                                            <p:txEl>
+                                              <p:pRg st="0" end="0"/>
+                                            </p:txEl>
+                                          </p:spTgt>
+                                        </p:tgtEl>
+                                        <p:attrNameLst>
+                                          <p:attrName>style.visibility</p:attrName>
+                                        </p:attrNameLst>
+                                      </p:cBhvr>
+                                      <p:to>
+                                        <p:strVal val="visible"/>
+                                      </p:to>
+                                    </p:set>
+                                    <p:animEffect transition="in" filter="fade">
+                                      <p:cBhvr>
+                                        <p:cTn id="7" dur="500"/>
+                                        <p:tgtEl>
+                                          <p:spTgt spid="3">
+                                            <p:txEl>
+                                              <p:pRg st="0" end="0"/>
+                                            </p:txEl>
+                                          </p:spTgt>
+                                        </p:tgtEl>
+                                      </p:cBhvr>
+                                    </p:animEffect>
+                                  </p:childTnLst>
+                                </p:cTn>
+                              </p:par>
+                            </p:childTnLst>
+                          </p:cTn>
+                        </p:par>
+                      </p:childTnLst>
+                    </p:cTn>
+                  </p:par>
+                  <p:par>
+                    <p:cTn id="8" fill="hold">
+                      <p:stCondLst>
+                        <p:cond delay="indefinite"/>
+                      </p:stCondLst>
+                      <p:childTnLst>
+                        <p:par>
+                          <p:cTn id="9" fill="hold">
+                            <p:stCondLst>
+                              <p:cond delay="0"/>
+                            </p:stCondLst>
+                            <p:childTnLst>
+                              <p:par>
+                                <p:cTn id="10" presetID="10" presetClass="entr" presetSubtype="0" fill="hold" grpId="0" nodeType="clickEffect">
+                                  <p:stCondLst>
+                                    <p:cond delay="0"/>
+                                  </p:stCondLst>
+                                  <p:childTnLst>
+                                    <p:set>
+                                      <p:cBhvr>
+                                        <p:cTn id="11" dur="1" fill="hold">
+                                          <p:stCondLst>
+                                            <p:cond delay="0"/>
+                                          </p:stCondLst>
+                                        </p:cTn>
+                                        <p:tgtEl>
+                                          <p:spTgt spid="3">
+                                            <p:txEl>
+                                              <p:pRg st="1" end="1"/>
+                                            </p:txEl>
+                                          </p:spTgt>
+                                        </p:tgtEl>
+                                        <p:attrNameLst>
+                                          <p:attrName>style.visibility</p:attrName>
+                                        </p:attrNameLst>
+                                      </p:cBhvr>
+                                      <p:to>
+                                        <p:strVal val="visible"/>
+                                      </p:to>
+                                    </p:set>
+                                    <p:animEffect transition="in" filter="fade">
+                                      <p:cBhvr>
+                                        <p:cTn id="12" dur="500"/>
+                                        <p:tgtEl>
+                                          <p:spTgt spid="3">
+                                            <p:txEl>
+                                              <p:pRg st="1" end="1"/>
+                                            </p:txEl>
+                                          </p:spTgt>
+                                        </p:tgtEl>
+                                      </p:cBhvr>
+                                    </p:animEffect>
+                                  </p:childTnLst>
+                                </p:cTn>
+                              </p:par>
+                              <p:par>
+                                <p:cTn id="13" presetID="10" presetClass="entr" presetSubtype="0" fill="hold" grpId="0" nodeType="withEffect">
+                                  <p:stCondLst>
+                                    <p:cond delay="0"/>
+                                  </p:stCondLst>
+                                  <p:childTnLst>
+                                    <p:set>
+                                      <p:cBhvr>
+                                        <p:cTn id="14" dur="1" fill="hold">
+                                          <p:stCondLst>
+                                            <p:cond delay="0"/>
+                                          </p:stCondLst>
+                                        </p:cTn>
+                                        <p:tgtEl>
+                                          <p:spTgt spid="3">
+                                            <p:txEl>
+                                              <p:pRg st="2" end="2"/>
+                                            </p:txEl>
+                                          </p:spTgt>
+                                        </p:tgtEl>
+                                        <p:attrNameLst>
+                                          <p:attrName>style.visibility</p:attrName>
+                                        </p:attrNameLst>
+                                      </p:cBhvr>
+                                      <p:to>
+                                        <p:strVal val="visible"/>
+                                      </p:to>
+                                    </p:set>
+                                    <p:animEffect transition="in" filter="fade">
+                                      <p:cBhvr>
+                                        <p:cTn id="15" dur="500"/>
+                                        <p:tgtEl>
+                                          <p:spTgt spid="3">
+                                            <p:txEl>
+                                              <p:pRg st="2" end="2"/>
+                                            </p:txEl>
+                                          </p:spTgt>
+                                        </p:tgtEl>
+                                      </p:cBhvr>
+                                    </p:animEffect>
+                                  </p:childTnLst>
+                                </p:cTn>
+                              </p:par>
+                              <p:par>
+                                <p:cTn id="16" presetID="10" presetClass="entr" presetSubtype="0" fill="hold" grpId="0" nodeType="withEffect">
+                                  <p:stCondLst>
+                                    <p:cond delay="0"/>
+                                  </p:stCondLst>
+                                  <p:childTnLst>
+                                    <p:set>
+                                      <p:cBhvr>
+                                        <p:cTn id="17" dur="1" fill="hold">
+                                          <p:stCondLst>
+                                            <p:cond delay="0"/>
+                                          </p:stCondLst>
+                                        </p:cTn>
+                                        <p:tgtEl>
+                                          <p:spTgt spid="3">
+                                            <p:txEl>
+                                              <p:pRg st="3" end="3"/>
+                                            </p:txEl>
+                                          </p:spTgt>
+                                        </p:tgtEl>
+                                        <p:attrNameLst>
+                                          <p:attrName>style.visibility</p:attrName>
+                                        </p:attrNameLst>
+                                      </p:cBhvr>
+                                      <p:to>
+                                        <p:strVal val="visible"/>
+                                      </p:to>
+                                    </p:set>
+                                    <p:animEffect transition="in" filter="fade">
+                                      <p:cBhvr>
+                                        <p:cTn id="18" dur="500"/>
+                                        <p:tgtEl>
+                                          <p:spTgt spid="3">
+                                            <p:txEl>
+                                              <p:pRg st="3" end="3"/>
+                                            </p:txEl>
+                                          </p:spTgt>
+                                        </p:tgtEl>
+                                      </p:cBhvr>
+                                    </p:animEffect>
+                                  </p:childTnLst>
+                                </p:cTn>
+                              </p:par>
+                            </p:childTnLst>
+                          </p:cTn>
+                        </p:par>
+                      </p:childTnLst>
+                    </p:cTn>
+                  </p:par>
+                  <p:par>
+                    <p:cTn id="19" fill="hold">
+                      <p:stCondLst>
+                        <p:cond delay="indefinite"/>
+                      </p:stCondLst>
+                      <p:childTnLst>
+                        <p:par>
+                          <p:cTn id="20" fill="hold">
+                            <p:stCondLst>
+                              <p:cond delay="0"/>
+                            </p:stCondLst>
+                            <p:childTnLst>
+                              <p:par>
+                                <p:cTn id="21" presetID="10" presetClass="entr" presetSubtype="0" fill="hold" grpId="0" nodeType="clickEffect">
+                                  <p:stCondLst>
+                                    <p:cond delay="0"/>
+                                  </p:stCondLst>
+                                  <p:childTnLst>
+                                    <p:set>
+                                      <p:cBhvr>
+                                        <p:cTn id="22" dur="1" fill="hold">
+                                          <p:stCondLst>
+                                            <p:cond delay="0"/>
+                                          </p:stCondLst>
+                                        </p:cTn>
+                                        <p:tgtEl>
+                                          <p:spTgt spid="3">
+                                            <p:txEl>
+                                              <p:pRg st="4" end="4"/>
+                                            </p:txEl>
+                                          </p:spTgt>
+                                        </p:tgtEl>
+                                        <p:attrNameLst>
+                                          <p:attrName>style.visibility</p:attrName>
+                                        </p:attrNameLst>
+                                      </p:cBhvr>
+                                      <p:to>
+                                        <p:strVal val="visible"/>
+                                      </p:to>
+                                    </p:set>
+                                    <p:animEffect transition="in" filter="fade">
+                                      <p:cBhvr>
+                                        <p:cTn id="23" dur="500"/>
+                                        <p:tgtEl>
+                                          <p:spTgt spid="3">
+                                            <p:txEl>
+                                              <p:pRg st="4" end="4"/>
+                                            </p:txEl>
+                                          </p:spTgt>
+                                        </p:tgtEl>
+                                      </p:cBhvr>
+                                    </p:animEffect>
+                                  </p:childTnLst>
+                                </p:cTn>
+                              </p:par>
+                            </p:childTnLst>
+                          </p:cTn>
+                        </p:par>
+                      </p:childTnLst>
+                    </p:cTn>
+                  </p:par>
+                  <p:par>
+                    <p:cTn id="24" fill="hold">
+                      <p:stCondLst>
+                        <p:cond delay="indefinite"/>
+                      </p:stCondLst>
+                      <p:childTnLst>
+                        <p:par>
+                          <p:cTn id="25" fill="hold">
+                            <p:stCondLst>
+                              <p:cond delay="0"/>
+                            </p:stCondLst>
+                            <p:childTnLst>
+                              <p:par>
+                                <p:cTn id="26" presetID="10" presetClass="entr" presetSubtype="0" fill="hold" grpId="0" nodeType="clickEffect">
+                                  <p:stCondLst>
+                                    <p:cond delay="0"/>
+                                  </p:stCondLst>
+                                  <p:childTnLst>
+                                    <p:set>
+                                      <p:cBhvr>
+                                        <p:cTn id="27" dur="1" fill="hold">
+                                          <p:stCondLst>
+                                            <p:cond delay="0"/>
+                                          </p:stCondLst>
+                                        </p:cTn>
+                                        <p:tgtEl>
+                                          <p:spTgt spid="3">
+                                            <p:txEl>
+                                              <p:pRg st="5" end="5"/>
+                                            </p:txEl>
+                                          </p:spTgt>
+                                        </p:tgtEl>
+                                        <p:attrNameLst>
+                                          <p:attrName>style.visibility</p:attrName>
+                                        </p:attrNameLst>
+                                      </p:cBhvr>
+                                      <p:to>
+                                        <p:strVal val="visible"/>
+                                      </p:to>
+                                    </p:set>
+                                    <p:animEffect transition="in" filter="fade">
+                                      <p:cBhvr>
+                                        <p:cTn id="28" dur="500"/>
+                                        <p:tgtEl>
+                                          <p:spTgt spid="3">
+                                            <p:txEl>
+                                              <p:pRg st="5" end="5"/>
+                                            </p:txEl>
+                                          </p:spTgt>
+                                        </p:tgtEl>
+                                      </p:cBhvr>
+                                    </p:animEffect>
+                                  </p:childTnLst>
+                                </p:cTn>
+                              </p:par>
+                            </p:childTnLst>
+                          </p:cTn>
+                        </p:par>
+                      </p:childTnLst>
+                    </p:cTn>
+                  </p:par>
+                  <p:par>
+                    <p:cTn id="29" fill="hold">
+                      <p:stCondLst>
+                        <p:cond delay="indefinite"/>
+                      </p:stCondLst>
+                      <p:childTnLst>
+                        <p:par>
+                          <p:cTn id="30" fill="hold">
+                            <p:stCondLst>
+                              <p:cond delay="0"/>
+                            </p:stCondLst>
+                            <p:childTnLst>
+                              <p:par>
+                                <p:cTn id="31" presetID="10" presetClass="entr" presetSubtype="0" fill="hold" grpId="0" nodeType="clickEffect">
+                                  <p:stCondLst>
+                                    <p:cond delay="0"/>
+                                  </p:stCondLst>
+                                  <p:childTnLst>
+                                    <p:set>
+                                      <p:cBhvr>
+                                        <p:cTn id="32" dur="1" fill="hold">
+                                          <p:stCondLst>
+                                            <p:cond delay="0"/>
+                                          </p:stCondLst>
+                                        </p:cTn>
+                                        <p:tgtEl>
+                                          <p:spTgt spid="3">
+                                            <p:txEl>
+                                              <p:pRg st="7" end="7"/>
+                                            </p:txEl>
+                                          </p:spTgt>
+                                        </p:tgtEl>
+                                        <p:attrNameLst>
+                                          <p:attrName>style.visibility</p:attrName>
+                                        </p:attrNameLst>
+                                      </p:cBhvr>
+                                      <p:to>
+                                        <p:strVal val="visible"/>
+                                      </p:to>
+                                    </p:set>
+                                    <p:animEffect transition="in" filter="fade">
+                                      <p:cBhvr>
+                                        <p:cTn id="33" dur="500"/>
+                                        <p:tgtEl>
+                                          <p:spTgt spid="3">
+                                            <p:txEl>
+                                              <p:pRg st="7" end="7"/>
+                                            </p:txEl>
+                                          </p:spTgt>
+                                        </p:tgtEl>
+                                      </p:cBhvr>
+                                    </p:animEffect>
+                                  </p:childTnLst>
+                                </p:cTn>
+                              </p:par>
+                            </p:childTnLst>
+                          </p:cTn>
+                        </p:par>
+                      </p:childTnLst>
+                    </p:cTn>
+                  </p:par>
+                  <p:par>
+                    <p:cTn id="34" fill="hold">
+                      <p:stCondLst>
+                        <p:cond delay="indefinite"/>
+                      </p:stCondLst>
+                      <p:childTnLst>
+                        <p:par>
+                          <p:cTn id="35" fill="hold">
+                            <p:stCondLst>
+                              <p:cond delay="0"/>
+                            </p:stCondLst>
+                            <p:childTnLst>
+                              <p:par>
+                                <p:cTn id="36" presetID="10" presetClass="entr" presetSubtype="0" fill="hold" grpId="0" nodeType="clickEffect">
+                                  <p:stCondLst>
+                                    <p:cond delay="0"/>
+                                  </p:stCondLst>
+                                  <p:childTnLst>
+                                    <p:set>
+                                      <p:cBhvr>
+                                        <p:cTn id="37" dur="1" fill="hold">
+                                          <p:stCondLst>
+                                            <p:cond delay="0"/>
+                                          </p:stCondLst>
+                                        </p:cTn>
+                                        <p:tgtEl>
+                                          <p:spTgt spid="3">
+                                            <p:txEl>
+                                              <p:pRg st="8" end="8"/>
+                                            </p:txEl>
+                                          </p:spTgt>
+                                        </p:tgtEl>
+                                        <p:attrNameLst>
+                                          <p:attrName>style.visibility</p:attrName>
+                                        </p:attrNameLst>
+                                      </p:cBhvr>
+                                      <p:to>
+                                        <p:strVal val="visible"/>
+                                      </p:to>
+                                    </p:set>
+                                    <p:animEffect transition="in" filter="fade">
+                                      <p:cBhvr>
+                                        <p:cTn id="38" dur="500"/>
+                                        <p:tgtEl>
+                                          <p:spTgt spid="3">
+                                            <p:txEl>
+                                              <p:pRg st="8" end="8"/>
+                                            </p:txEl>
+                                          </p:spTgt>
+                                        </p:tgtEl>
+                                      </p:cBhvr>
+                                    </p:animEffect>
+                                  </p:childTnLst>
+                                </p:cTn>
+                              </p:par>
+                            </p:childTnLst>
+                          </p:cTn>
+                        </p:par>
+                      </p:childTnLst>
+                    </p:cTn>
+                  </p:par>
+                  <p:par>
+                    <p:cTn id="39" fill="hold">
+                      <p:stCondLst>
+                        <p:cond delay="indefinite"/>
+                      </p:stCondLst>
+                      <p:childTnLst>
+                        <p:par>
+                          <p:cTn id="40" fill="hold">
+                            <p:stCondLst>
+                              <p:cond delay="0"/>
+                            </p:stCondLst>
+                            <p:childTnLst>
+                              <p:par>
+                                <p:cTn id="41" presetID="10" presetClass="entr" presetSubtype="0" fill="hold" grpId="0" nodeType="clickEffect">
+                                  <p:stCondLst>
+                                    <p:cond delay="0"/>
+                                  </p:stCondLst>
+                                  <p:childTnLst>
+                                    <p:set>
+                                      <p:cBhvr>
+                                        <p:cTn id="42" dur="1" fill="hold">
+                                          <p:stCondLst>
+                                            <p:cond delay="0"/>
+                                          </p:stCondLst>
+                                        </p:cTn>
+                                        <p:tgtEl>
+                                          <p:spTgt spid="3">
+                                            <p:txEl>
+                                              <p:pRg st="9" end="9"/>
+                                            </p:txEl>
+                                          </p:spTgt>
+                                        </p:tgtEl>
+                                        <p:attrNameLst>
+                                          <p:attrName>style.visibility</p:attrName>
+                                        </p:attrNameLst>
+                                      </p:cBhvr>
+                                      <p:to>
+                                        <p:strVal val="visible"/>
+                                      </p:to>
+                                    </p:set>
+                                    <p:animEffect transition="in" filter="fade">
+                                      <p:cBhvr>
+                                        <p:cTn id="43" dur="500"/>
+                                        <p:tgtEl>
+                                          <p:spTgt spid="3">
+                                            <p:txEl>
+                                              <p:pRg st="9" end="9"/>
+                                            </p:txEl>
+                                          </p:spTgt>
+                                        </p:tgtEl>
+                                      </p:cBhvr>
+                                    </p:animEffect>
+                                  </p:childTnLst>
+                                </p:cTn>
+                              </p:par>
+                            </p:childTnLst>
+                          </p:cTn>
+                        </p:par>
+                      </p:childTnLst>
+                    </p:cTn>
+                  </p:par>
+                  <p:par>
+                    <p:cTn id="44" fill="hold">
+                      <p:stCondLst>
+                        <p:cond delay="indefinite"/>
+                      </p:stCondLst>
+                      <p:childTnLst>
+                        <p:par>
+                          <p:cTn id="45" fill="hold">
+                            <p:stCondLst>
+                              <p:cond delay="0"/>
+                            </p:stCondLst>
+                            <p:childTnLst>
+                              <p:par>
+                                <p:cTn id="46" presetID="10" presetClass="entr" presetSubtype="0" fill="hold" grpId="0" nodeType="clickEffect">
+                                  <p:stCondLst>
+                                    <p:cond delay="0"/>
+                                  </p:stCondLst>
+                                  <p:childTnLst>
+                                    <p:set>
+                                      <p:cBhvr>
+                                        <p:cTn id="47" dur="1" fill="hold">
+                                          <p:stCondLst>
+                                            <p:cond delay="0"/>
+                                          </p:stCondLst>
+                                        </p:cTn>
+                                        <p:tgtEl>
+                                          <p:spTgt spid="3">
+                                            <p:txEl>
+                                              <p:pRg st="10" end="10"/>
+                                            </p:txEl>
+                                          </p:spTgt>
+                                        </p:tgtEl>
+                                        <p:attrNameLst>
+                                          <p:attrName>style.visibility</p:attrName>
+                                        </p:attrNameLst>
+                                      </p:cBhvr>
+                                      <p:to>
+                                        <p:strVal val="visible"/>
+                                      </p:to>
+                                    </p:set>
+                                    <p:animEffect transition="in" filter="fade">
+                                      <p:cBhvr>
+                                        <p:cTn id="48" dur="500"/>
+                                        <p:tgtEl>
+                                          <p:spTgt spid="3">
+                                            <p:txEl>
+                                              <p:pRg st="10" end="10"/>
+                                            </p:txEl>
+                                          </p:spTgt>
+                                        </p:tgtEl>
+                                      </p:cBhvr>
+                                    </p:animEffect>
+                                  </p:childTnLst>
+                                </p:cTn>
+                              </p:par>
+                            </p:childTnLst>
+                          </p:cTn>
+                        </p:par>
+                      </p:childTnLst>
+                    </p:cTn>
+                  </p:par>
+                  <p:par>
+                    <p:cTn id="49" fill="hold">
+                      <p:stCondLst>
+                        <p:cond delay="indefinite"/>
+                      </p:stCondLst>
+                      <p:childTnLst>
+                        <p:par>
+                          <p:cTn id="50" fill="hold">
+                            <p:stCondLst>
+                              <p:cond delay="0"/>
+                            </p:stCondLst>
+                            <p:childTnLst>
+                              <p:par>
+                                <p:cTn id="51" presetID="10" presetClass="entr" presetSubtype="0" fill="hold" grpId="0" nodeType="clickEffect">
+                                  <p:stCondLst>
+                                    <p:cond delay="0"/>
+                                  </p:stCondLst>
+                                  <p:childTnLst>
+                                    <p:set>
+                                      <p:cBhvr>
+                                        <p:cTn id="52" dur="1" fill="hold">
+                                          <p:stCondLst>
+                                            <p:cond delay="0"/>
+                                          </p:stCondLst>
+                                        </p:cTn>
+                                        <p:tgtEl>
+                                          <p:spTgt spid="3">
+                                            <p:txEl>
+                                              <p:pRg st="11" end="11"/>
+                                            </p:txEl>
+                                          </p:spTgt>
+                                        </p:tgtEl>
+                                        <p:attrNameLst>
+                                          <p:attrName>style.visibility</p:attrName>
+                                        </p:attrNameLst>
+                                      </p:cBhvr>
+                                      <p:to>
+                                        <p:strVal val="visible"/>
+                                      </p:to>
+                                    </p:set>
+                                    <p:animEffect transition="in" filter="fade">
+                                      <p:cBhvr>
+                                        <p:cTn id="53" dur="500"/>
+                                        <p:tgtEl>
+                                          <p:spTgt spid="3">
+                                            <p:txEl>
+                                              <p:pRg st="11" end="11"/>
+                                            </p:txEl>
+                                          </p:spTgt>
+                                        </p:tgtEl>
+                                      </p:cBhvr>
+                                    </p:animEffect>
+                                  </p:childTnLst>
+                                </p:cTn>
+                              </p:par>
+                            </p:childTnLst>
+                          </p:cTn>
+                        </p:par>
+                      </p:childTnLst>
+                    </p:cTn>
+                  </p:par>
+                </p:childTnLst>
+              </p:cTn>
+              <p:prevCondLst>
+                <p:cond evt="onPrev" delay="0">
+                  <p:tgtEl>
+                    <p:sldTgt/>
+                  </p:tgtEl>
+                </p:cond>
+              </p:prevCondLst>
+              <p:nextCondLst>
+                <p:cond evt="onNext" delay="0">
+                  <p:tgtEl>
+                    <p:sldTgt/>
+                  </p:tgtEl>
+                </p:cond>
+              </p:nextCondLst>
+            </p:seq>
+          </p:childTnLst>
+        </p:cTn>
+      </p:par>
+    </p:tnLst>
+    <p:bldLst>
+      <p:bldP spid="3" grpId="0" build="p"/>
+    </p:bldLst>
+  </p:timing>
+</p:sld>
+</file>
+
+<file path=ppt/slides/slide35.xml><?xml version="1.0" encoding="utf-8"?>
+<p:sld xmlns:a="http://schemas.openxmlformats.org/drawingml/2006/main" xmlns:r="http://schemas.openxmlformats.org/officeDocument/2006/relationships" xmlns:p="http://schemas.openxmlformats.org/presentationml/2006/main">
+  <p:cSld>
+    <p:spTree>
+      <p:nvGrpSpPr>
+        <p:cNvPr id="1" name=""/>
+        <p:cNvGrpSpPr/>
+        <p:nvPr/>
+      </p:nvGrpSpPr>
+      <p:grpSpPr>
+        <a:xfrm>
+          <a:off x="0" y="0"/>
+          <a:ext cx="0" cy="0"/>
+          <a:chOff x="0" y="0"/>
+          <a:chExt cx="0" cy="0"/>
+        </a:xfrm>
+      </p:grpSpPr>
+      <p:sp>
+        <p:nvSpPr>
+          <p:cNvPr id="2" name="Title 1">
+            <a:extLst>
+              <a:ext uri="{FF2B5EF4-FFF2-40B4-BE49-F238E27FC236}">
+                <a16:creationId xmlns:a16="http://schemas.microsoft.com/office/drawing/2014/main" id="{6BF0D347-65B7-400F-B428-561CA819C5C0}"/>
+              </a:ext>
+            </a:extLst>
+          </p:cNvPr>
+          <p:cNvSpPr>
+            <a:spLocks noGrp="1"/>
+          </p:cNvSpPr>
+          <p:nvPr>
+            <p:ph type="title"/>
+          </p:nvPr>
+        </p:nvSpPr>
+        <p:spPr/>
+        <p:txBody>
+          <a:bodyPr/>
+          <a:lstStyle/>
+          <a:p>
+            <a:r>
+              <a:rPr lang="en-US" dirty="0"/>
+              <a:t>A Quick Look at Next Steps</a:t>
+            </a:r>
+          </a:p>
+        </p:txBody>
+      </p:sp>
+      <p:sp>
+        <p:nvSpPr>
+          <p:cNvPr id="3" name="Text Placeholder 2">
+            <a:extLst>
+              <a:ext uri="{FF2B5EF4-FFF2-40B4-BE49-F238E27FC236}">
+                <a16:creationId xmlns:a16="http://schemas.microsoft.com/office/drawing/2014/main" id="{DDCE985A-C68E-49C9-8149-6CC065D75C74}"/>
+              </a:ext>
+            </a:extLst>
+          </p:cNvPr>
+          <p:cNvSpPr>
+            <a:spLocks noGrp="1"/>
+          </p:cNvSpPr>
+          <p:nvPr>
+            <p:ph type="body" idx="1"/>
+          </p:nvPr>
+        </p:nvSpPr>
+        <p:spPr/>
+        <p:txBody>
+          <a:bodyPr/>
+          <a:lstStyle/>
+          <a:p>
+            <a:r>
+              <a:rPr lang="en-US" dirty="0"/>
+              <a:t>Where I Tell You What I Think We Should Do</a:t>
+            </a:r>
+          </a:p>
+        </p:txBody>
+      </p:sp>
+    </p:spTree>
+    <p:extLst>
+      <p:ext uri="{BB962C8B-B14F-4D97-AF65-F5344CB8AC3E}">
+        <p14:creationId xmlns:p14="http://schemas.microsoft.com/office/powerpoint/2010/main" val="2118630104"/>
+      </p:ext>
+    </p:extLst>
+  </p:cSld>
+  <p:clrMapOvr>
+    <a:masterClrMapping/>
+  </p:clrMapOvr>
+</p:sld>
+</file>
+
+<file path=ppt/slides/slide36.xml><?xml version="1.0" encoding="utf-8"?>
+<p:sld xmlns:a="http://schemas.openxmlformats.org/drawingml/2006/main" xmlns:r="http://schemas.openxmlformats.org/officeDocument/2006/relationships" xmlns:p="http://schemas.openxmlformats.org/presentationml/2006/main">
+  <p:cSld>
+    <p:spTree>
+      <p:nvGrpSpPr>
+        <p:cNvPr id="1" name=""/>
+        <p:cNvGrpSpPr/>
+        <p:nvPr/>
+      </p:nvGrpSpPr>
+      <p:grpSpPr>
+        <a:xfrm>
+          <a:off x="0" y="0"/>
+          <a:ext cx="0" cy="0"/>
+          <a:chOff x="0" y="0"/>
+          <a:chExt cx="0" cy="0"/>
+        </a:xfrm>
+      </p:grpSpPr>
+      <p:sp>
+        <p:nvSpPr>
+          <p:cNvPr id="2" name="Title 1">
+            <a:extLst>
+              <a:ext uri="{FF2B5EF4-FFF2-40B4-BE49-F238E27FC236}">
+                <a16:creationId xmlns:a16="http://schemas.microsoft.com/office/drawing/2014/main" id="{247269FB-C1B8-43AE-A0E9-2F468C19FFE8}"/>
+              </a:ext>
+            </a:extLst>
+          </p:cNvPr>
+          <p:cNvSpPr>
+            <a:spLocks noGrp="1"/>
+          </p:cNvSpPr>
+          <p:nvPr>
+            <p:ph type="title"/>
+          </p:nvPr>
+        </p:nvSpPr>
+        <p:spPr/>
+        <p:txBody>
+          <a:bodyPr/>
+          <a:lstStyle/>
+          <a:p>
+            <a:r>
+              <a:rPr lang="en-US" dirty="0"/>
+              <a:t>We Need Some Proofs of Concept</a:t>
+            </a:r>
+          </a:p>
+        </p:txBody>
+      </p:sp>
+      <p:sp>
+        <p:nvSpPr>
+          <p:cNvPr id="3" name="Content Placeholder 2">
+            <a:extLst>
+              <a:ext uri="{FF2B5EF4-FFF2-40B4-BE49-F238E27FC236}">
+                <a16:creationId xmlns:a16="http://schemas.microsoft.com/office/drawing/2014/main" id="{625EC4F8-491C-4A5B-A47C-3C56230E878F}"/>
+              </a:ext>
+            </a:extLst>
+          </p:cNvPr>
+          <p:cNvSpPr>
+            <a:spLocks noGrp="1"/>
+          </p:cNvSpPr>
+          <p:nvPr>
+            <p:ph idx="1"/>
+          </p:nvPr>
+        </p:nvSpPr>
+        <p:spPr/>
+        <p:txBody>
+          <a:bodyPr/>
+          <a:lstStyle/>
+          <a:p>
+            <a:r>
+              <a:rPr lang="en-US" dirty="0"/>
+              <a:t>We are (with some caveats) not in a hurry</a:t>
+            </a:r>
+          </a:p>
+          <a:p>
+            <a:r>
+              <a:rPr lang="en-US" dirty="0"/>
+              <a:t>We should evaluate all the offerings</a:t>
+            </a:r>
+          </a:p>
+          <a:p>
+            <a:pPr lvl="1"/>
+            <a:r>
+              <a:rPr lang="en-US" dirty="0"/>
+              <a:t>We keep learning new things at every demo</a:t>
+            </a:r>
+          </a:p>
+          <a:p>
+            <a:r>
+              <a:rPr lang="en-US" dirty="0"/>
+              <a:t>We should first consider our existing Enterprise partners</a:t>
+            </a:r>
+          </a:p>
+          <a:p>
+            <a:r>
+              <a:rPr lang="en-US" dirty="0"/>
+              <a:t>We should </a:t>
+            </a:r>
+            <a:r>
+              <a:rPr lang="en-US" i="1" dirty="0"/>
+              <a:t>try</a:t>
+            </a:r>
+            <a:r>
+              <a:rPr lang="en-US" dirty="0"/>
+              <a:t> to avoid vendor lock-in</a:t>
+            </a:r>
+          </a:p>
+          <a:p>
+            <a:r>
+              <a:rPr lang="en-US" dirty="0"/>
+              <a:t>We should take our time and get it right</a:t>
+            </a:r>
+          </a:p>
+          <a:p>
+            <a:endParaRPr lang="en-US" dirty="0"/>
+          </a:p>
+          <a:p>
+            <a:r>
+              <a:rPr lang="en-US" dirty="0"/>
+              <a:t>This is already being done</a:t>
+            </a:r>
+          </a:p>
+        </p:txBody>
+      </p:sp>
+    </p:spTree>
+    <p:extLst>
+      <p:ext uri="{BB962C8B-B14F-4D97-AF65-F5344CB8AC3E}">
+        <p14:creationId xmlns:p14="http://schemas.microsoft.com/office/powerpoint/2010/main" val="3992490361"/>
+      </p:ext>
+    </p:extLst>
+  </p:cSld>
+  <p:clrMapOvr>
+    <a:masterClrMapping/>
+  </p:clrMapOvr>
+  <p:timing>
+    <p:tnLst>
+      <p:par>
+        <p:cTn id="1" dur="indefinite" restart="never" nodeType="tmRoot">
+          <p:childTnLst>
+            <p:seq concurrent="1" nextAc="seek">
+              <p:cTn id="2" dur="indefinite" nodeType="mainSeq">
+                <p:childTnLst>
+                  <p:par>
+                    <p:cTn id="3" fill="hold">
+                      <p:stCondLst>
+                        <p:cond delay="indefinite"/>
+                      </p:stCondLst>
+                      <p:childTnLst>
+                        <p:par>
+                          <p:cTn id="4" fill="hold">
+                            <p:stCondLst>
+                              <p:cond delay="0"/>
+                            </p:stCondLst>
+                            <p:childTnLst>
+                              <p:par>
+                                <p:cTn id="5" presetID="10" presetClass="entr" presetSubtype="0" fill="hold" grpId="0" nodeType="clickEffect">
+                                  <p:stCondLst>
+                                    <p:cond delay="0"/>
+                                  </p:stCondLst>
+                                  <p:childTnLst>
+                                    <p:set>
+                                      <p:cBhvr>
+                                        <p:cTn id="6" dur="1" fill="hold">
+                                          <p:stCondLst>
+                                            <p:cond delay="0"/>
+                                          </p:stCondLst>
+                                        </p:cTn>
+                                        <p:tgtEl>
+                                          <p:spTgt spid="3">
+                                            <p:txEl>
+                                              <p:pRg st="0" end="0"/>
+                                            </p:txEl>
+                                          </p:spTgt>
+                                        </p:tgtEl>
+                                        <p:attrNameLst>
+                                          <p:attrName>style.visibility</p:attrName>
+                                        </p:attrNameLst>
+                                      </p:cBhvr>
+                                      <p:to>
+                                        <p:strVal val="visible"/>
+                                      </p:to>
+                                    </p:set>
+                                    <p:animEffect transition="in" filter="fade">
+                                      <p:cBhvr>
+                                        <p:cTn id="7" dur="500"/>
+                                        <p:tgtEl>
+                                          <p:spTgt spid="3">
+                                            <p:txEl>
+                                              <p:pRg st="0" end="0"/>
+                                            </p:txEl>
+                                          </p:spTgt>
+                                        </p:tgtEl>
+                                      </p:cBhvr>
+                                    </p:animEffect>
+                                  </p:childTnLst>
+                                </p:cTn>
+                              </p:par>
+                            </p:childTnLst>
+                          </p:cTn>
+                        </p:par>
+                      </p:childTnLst>
+                    </p:cTn>
+                  </p:par>
+                  <p:par>
+                    <p:cTn id="8" fill="hold">
+                      <p:stCondLst>
+                        <p:cond delay="indefinite"/>
+                      </p:stCondLst>
+                      <p:childTnLst>
+                        <p:par>
+                          <p:cTn id="9" fill="hold">
+                            <p:stCondLst>
+                              <p:cond delay="0"/>
+                            </p:stCondLst>
+                            <p:childTnLst>
+                              <p:par>
+                                <p:cTn id="10" presetID="10" presetClass="entr" presetSubtype="0" fill="hold" grpId="0" nodeType="clickEffect">
+                                  <p:stCondLst>
+                                    <p:cond delay="0"/>
+                                  </p:stCondLst>
+                                  <p:childTnLst>
+                                    <p:set>
+                                      <p:cBhvr>
+                                        <p:cTn id="11" dur="1" fill="hold">
+                                          <p:stCondLst>
+                                            <p:cond delay="0"/>
+                                          </p:stCondLst>
+                                        </p:cTn>
+                                        <p:tgtEl>
+                                          <p:spTgt spid="3">
+                                            <p:txEl>
+                                              <p:pRg st="1" end="1"/>
+                                            </p:txEl>
+                                          </p:spTgt>
+                                        </p:tgtEl>
+                                        <p:attrNameLst>
+                                          <p:attrName>style.visibility</p:attrName>
+                                        </p:attrNameLst>
+                                      </p:cBhvr>
+                                      <p:to>
+                                        <p:strVal val="visible"/>
+                                      </p:to>
+                                    </p:set>
+                                    <p:animEffect transition="in" filter="fade">
+                                      <p:cBhvr>
+                                        <p:cTn id="12" dur="500"/>
+                                        <p:tgtEl>
+                                          <p:spTgt spid="3">
+                                            <p:txEl>
+                                              <p:pRg st="1" end="1"/>
+                                            </p:txEl>
+                                          </p:spTgt>
+                                        </p:tgtEl>
+                                      </p:cBhvr>
+                                    </p:animEffect>
+                                  </p:childTnLst>
+                                </p:cTn>
+                              </p:par>
+                              <p:par>
+                                <p:cTn id="13" presetID="10" presetClass="entr" presetSubtype="0" fill="hold" grpId="0" nodeType="withEffect">
+                                  <p:stCondLst>
+                                    <p:cond delay="0"/>
+                                  </p:stCondLst>
+                                  <p:childTnLst>
+                                    <p:set>
+                                      <p:cBhvr>
+                                        <p:cTn id="14" dur="1" fill="hold">
+                                          <p:stCondLst>
+                                            <p:cond delay="0"/>
+                                          </p:stCondLst>
+                                        </p:cTn>
+                                        <p:tgtEl>
+                                          <p:spTgt spid="3">
+                                            <p:txEl>
+                                              <p:pRg st="2" end="2"/>
+                                            </p:txEl>
+                                          </p:spTgt>
+                                        </p:tgtEl>
+                                        <p:attrNameLst>
+                                          <p:attrName>style.visibility</p:attrName>
+                                        </p:attrNameLst>
+                                      </p:cBhvr>
+                                      <p:to>
+                                        <p:strVal val="visible"/>
+                                      </p:to>
+                                    </p:set>
+                                    <p:animEffect transition="in" filter="fade">
+                                      <p:cBhvr>
+                                        <p:cTn id="15" dur="500"/>
+                                        <p:tgtEl>
+                                          <p:spTgt spid="3">
+                                            <p:txEl>
+                                              <p:pRg st="2" end="2"/>
+                                            </p:txEl>
+                                          </p:spTgt>
+                                        </p:tgtEl>
+                                      </p:cBhvr>
+                                    </p:animEffect>
+                                  </p:childTnLst>
+                                </p:cTn>
+                              </p:par>
+                            </p:childTnLst>
+                          </p:cTn>
+                        </p:par>
+                      </p:childTnLst>
+                    </p:cTn>
+                  </p:par>
+                  <p:par>
+                    <p:cTn id="16" fill="hold">
+                      <p:stCondLst>
+                        <p:cond delay="indefinite"/>
+                      </p:stCondLst>
+                      <p:childTnLst>
+                        <p:par>
+                          <p:cTn id="17" fill="hold">
+                            <p:stCondLst>
+                              <p:cond delay="0"/>
+                            </p:stCondLst>
+                            <p:childTnLst>
+                              <p:par>
+                                <p:cTn id="18" presetID="10" presetClass="entr" presetSubtype="0" fill="hold" grpId="0" nodeType="clickEffect">
+                                  <p:stCondLst>
+                                    <p:cond delay="0"/>
+                                  </p:stCondLst>
+                                  <p:childTnLst>
+                                    <p:set>
+                                      <p:cBhvr>
+                                        <p:cTn id="19" dur="1" fill="hold">
+                                          <p:stCondLst>
+                                            <p:cond delay="0"/>
+                                          </p:stCondLst>
+                                        </p:cTn>
+                                        <p:tgtEl>
+                                          <p:spTgt spid="3">
+                                            <p:txEl>
+                                              <p:pRg st="3" end="3"/>
+                                            </p:txEl>
+                                          </p:spTgt>
+                                        </p:tgtEl>
+                                        <p:attrNameLst>
+                                          <p:attrName>style.visibility</p:attrName>
+                                        </p:attrNameLst>
+                                      </p:cBhvr>
+                                      <p:to>
+                                        <p:strVal val="visible"/>
+                                      </p:to>
+                                    </p:set>
+                                    <p:animEffect transition="in" filter="fade">
+                                      <p:cBhvr>
+                                        <p:cTn id="20" dur="500"/>
+                                        <p:tgtEl>
+                                          <p:spTgt spid="3">
+                                            <p:txEl>
+                                              <p:pRg st="3" end="3"/>
+                                            </p:txEl>
+                                          </p:spTgt>
+                                        </p:tgtEl>
+                                      </p:cBhvr>
+                                    </p:animEffect>
+                                  </p:childTnLst>
+                                </p:cTn>
+                              </p:par>
+                            </p:childTnLst>
+                          </p:cTn>
+                        </p:par>
+                      </p:childTnLst>
+                    </p:cTn>
+                  </p:par>
+                  <p:par>
+                    <p:cTn id="21" fill="hold">
+                      <p:stCondLst>
+                        <p:cond delay="indefinite"/>
+                      </p:stCondLst>
+                      <p:childTnLst>
+                        <p:par>
+                          <p:cTn id="22" fill="hold">
+                            <p:stCondLst>
+                              <p:cond delay="0"/>
+                            </p:stCondLst>
+                            <p:childTnLst>
+                              <p:par>
+                                <p:cTn id="23" presetID="10" presetClass="entr" presetSubtype="0" fill="hold" grpId="0" nodeType="clickEffect">
+                                  <p:stCondLst>
+                                    <p:cond delay="0"/>
+                                  </p:stCondLst>
+                                  <p:childTnLst>
+                                    <p:set>
+                                      <p:cBhvr>
+                                        <p:cTn id="24" dur="1" fill="hold">
+                                          <p:stCondLst>
+                                            <p:cond delay="0"/>
+                                          </p:stCondLst>
+                                        </p:cTn>
+                                        <p:tgtEl>
+                                          <p:spTgt spid="3">
+                                            <p:txEl>
+                                              <p:pRg st="4" end="4"/>
+                                            </p:txEl>
+                                          </p:spTgt>
+                                        </p:tgtEl>
+                                        <p:attrNameLst>
+                                          <p:attrName>style.visibility</p:attrName>
+                                        </p:attrNameLst>
+                                      </p:cBhvr>
+                                      <p:to>
+                                        <p:strVal val="visible"/>
+                                      </p:to>
+                                    </p:set>
+                                    <p:animEffect transition="in" filter="fade">
+                                      <p:cBhvr>
+                                        <p:cTn id="25" dur="500"/>
+                                        <p:tgtEl>
+                                          <p:spTgt spid="3">
+                                            <p:txEl>
+                                              <p:pRg st="4" end="4"/>
+                                            </p:txEl>
+                                          </p:spTgt>
+                                        </p:tgtEl>
+                                      </p:cBhvr>
+                                    </p:animEffect>
+                                  </p:childTnLst>
+                                </p:cTn>
+                              </p:par>
+                            </p:childTnLst>
+                          </p:cTn>
+                        </p:par>
+                      </p:childTnLst>
+                    </p:cTn>
+                  </p:par>
+                  <p:par>
+                    <p:cTn id="26" fill="hold">
+                      <p:stCondLst>
+                        <p:cond delay="indefinite"/>
+                      </p:stCondLst>
+                      <p:childTnLst>
+                        <p:par>
+                          <p:cTn id="27" fill="hold">
+                            <p:stCondLst>
+                              <p:cond delay="0"/>
+                            </p:stCondLst>
+                            <p:childTnLst>
+                              <p:par>
+                                <p:cTn id="28" presetID="10" presetClass="entr" presetSubtype="0" fill="hold" grpId="0" nodeType="clickEffect">
+                                  <p:stCondLst>
+                                    <p:cond delay="0"/>
+                                  </p:stCondLst>
+                                  <p:childTnLst>
+                                    <p:set>
+                                      <p:cBhvr>
+                                        <p:cTn id="29" dur="1" fill="hold">
+                                          <p:stCondLst>
+                                            <p:cond delay="0"/>
+                                          </p:stCondLst>
+                                        </p:cTn>
+                                        <p:tgtEl>
+                                          <p:spTgt spid="3">
+                                            <p:txEl>
+                                              <p:pRg st="5" end="5"/>
+                                            </p:txEl>
+                                          </p:spTgt>
+                                        </p:tgtEl>
+                                        <p:attrNameLst>
+                                          <p:attrName>style.visibility</p:attrName>
+                                        </p:attrNameLst>
+                                      </p:cBhvr>
+                                      <p:to>
+                                        <p:strVal val="visible"/>
+                                      </p:to>
+                                    </p:set>
+                                    <p:animEffect transition="in" filter="fade">
+                                      <p:cBhvr>
+                                        <p:cTn id="30" dur="500"/>
+                                        <p:tgtEl>
+                                          <p:spTgt spid="3">
+                                            <p:txEl>
+                                              <p:pRg st="5" end="5"/>
+                                            </p:txEl>
+                                          </p:spTgt>
+                                        </p:tgtEl>
+                                      </p:cBhvr>
+                                    </p:animEffect>
+                                  </p:childTnLst>
+                                </p:cTn>
+                              </p:par>
+                            </p:childTnLst>
+                          </p:cTn>
+                        </p:par>
+                      </p:childTnLst>
+                    </p:cTn>
+                  </p:par>
+                  <p:par>
+                    <p:cTn id="31" fill="hold">
+                      <p:stCondLst>
+                        <p:cond delay="indefinite"/>
+                      </p:stCondLst>
+                      <p:childTnLst>
+                        <p:par>
+                          <p:cTn id="32" fill="hold">
+                            <p:stCondLst>
+                              <p:cond delay="0"/>
+                            </p:stCondLst>
+                            <p:childTnLst>
+                              <p:par>
+                                <p:cTn id="33" presetID="10" presetClass="entr" presetSubtype="0" fill="hold" grpId="0" nodeType="clickEffect">
+                                  <p:stCondLst>
+                                    <p:cond delay="0"/>
+                                  </p:stCondLst>
+                                  <p:childTnLst>
+                                    <p:set>
+                                      <p:cBhvr>
+                                        <p:cTn id="34" dur="1" fill="hold">
+                                          <p:stCondLst>
+                                            <p:cond delay="0"/>
+                                          </p:stCondLst>
+                                        </p:cTn>
+                                        <p:tgtEl>
+                                          <p:spTgt spid="3">
+                                            <p:txEl>
+                                              <p:pRg st="7" end="7"/>
+                                            </p:txEl>
+                                          </p:spTgt>
+                                        </p:tgtEl>
+                                        <p:attrNameLst>
+                                          <p:attrName>style.visibility</p:attrName>
+                                        </p:attrNameLst>
+                                      </p:cBhvr>
+                                      <p:to>
+                                        <p:strVal val="visible"/>
+                                      </p:to>
+                                    </p:set>
+                                    <p:animEffect transition="in" filter="fade">
+                                      <p:cBhvr>
+                                        <p:cTn id="35" dur="500"/>
+                                        <p:tgtEl>
+                                          <p:spTgt spid="3">
+                                            <p:txEl>
+                                              <p:pRg st="7" end="7"/>
+                                            </p:txEl>
+                                          </p:spTgt>
+                                        </p:tgtEl>
+                                      </p:cBhvr>
+                                    </p:animEffect>
+                                  </p:childTnLst>
+                                </p:cTn>
+                              </p:par>
+                            </p:childTnLst>
+                          </p:cTn>
+                        </p:par>
+                      </p:childTnLst>
+                    </p:cTn>
+                  </p:par>
+                </p:childTnLst>
+              </p:cTn>
+              <p:prevCondLst>
+                <p:cond evt="onPrev" delay="0">
+                  <p:tgtEl>
+                    <p:sldTgt/>
+                  </p:tgtEl>
+                </p:cond>
+              </p:prevCondLst>
+              <p:nextCondLst>
+                <p:cond evt="onNext" delay="0">
+                  <p:tgtEl>
+                    <p:sldTgt/>
+                  </p:tgtEl>
+                </p:cond>
+              </p:nextCondLst>
+            </p:seq>
+          </p:childTnLst>
+        </p:cTn>
+      </p:par>
+    </p:tnLst>
+    <p:bldLst>
+      <p:bldP spid="3" grpId="0" build="p"/>
+    </p:bldLst>
+  </p:timing>
+</p:sld>
+</file>
+
+<file path=ppt/slides/slide37.xml><?xml version="1.0" encoding="utf-8"?>
+<p:sld xmlns:a="http://schemas.openxmlformats.org/drawingml/2006/main" xmlns:r="http://schemas.openxmlformats.org/officeDocument/2006/relationships" xmlns:p="http://schemas.openxmlformats.org/presentationml/2006/main">
+  <p:cSld>
+    <p:spTree>
+      <p:nvGrpSpPr>
+        <p:cNvPr id="1" name=""/>
+        <p:cNvGrpSpPr/>
+        <p:nvPr/>
+      </p:nvGrpSpPr>
+      <p:grpSpPr>
+        <a:xfrm>
+          <a:off x="0" y="0"/>
+          <a:ext cx="0" cy="0"/>
+          <a:chOff x="0" y="0"/>
+          <a:chExt cx="0" cy="0"/>
+        </a:xfrm>
+      </p:grpSpPr>
+      <p:sp>
+        <p:nvSpPr>
+          <p:cNvPr id="2" name="Title 1">
+            <a:extLst>
+              <a:ext uri="{FF2B5EF4-FFF2-40B4-BE49-F238E27FC236}">
+                <a16:creationId xmlns:a16="http://schemas.microsoft.com/office/drawing/2014/main" id="{4C2CE01B-4B31-4A93-805C-2E5D3CD8EC2B}"/>
+              </a:ext>
+            </a:extLst>
+          </p:cNvPr>
+          <p:cNvSpPr>
+            <a:spLocks noGrp="1"/>
+          </p:cNvSpPr>
+          <p:nvPr>
+            <p:ph type="title"/>
+          </p:nvPr>
+        </p:nvSpPr>
+        <p:spPr/>
+        <p:txBody>
+          <a:bodyPr/>
+          <a:lstStyle/>
+          <a:p>
+            <a:r>
+              <a:rPr lang="en-US" dirty="0"/>
+              <a:t>Methodically Address Our Concerns</a:t>
+            </a:r>
+          </a:p>
+        </p:txBody>
+      </p:sp>
+      <p:sp>
+        <p:nvSpPr>
+          <p:cNvPr id="3" name="Content Placeholder 2">
+            <a:extLst>
+              <a:ext uri="{FF2B5EF4-FFF2-40B4-BE49-F238E27FC236}">
+                <a16:creationId xmlns:a16="http://schemas.microsoft.com/office/drawing/2014/main" id="{D4716BAD-2628-4008-8461-B4E0203B0B84}"/>
+              </a:ext>
+            </a:extLst>
+          </p:cNvPr>
+          <p:cNvSpPr>
+            <a:spLocks noGrp="1"/>
+          </p:cNvSpPr>
+          <p:nvPr>
+            <p:ph idx="1"/>
+          </p:nvPr>
+        </p:nvSpPr>
+        <p:spPr/>
+        <p:txBody>
+          <a:bodyPr/>
+          <a:lstStyle/>
+          <a:p>
+            <a:r>
+              <a:rPr lang="en-US" dirty="0"/>
+              <a:t>How do we lock down public images?</a:t>
+            </a:r>
+          </a:p>
+          <a:p>
+            <a:r>
+              <a:rPr lang="en-US" dirty="0"/>
+              <a:t>How do we audit licenses?</a:t>
+            </a:r>
+          </a:p>
+          <a:p>
+            <a:r>
+              <a:rPr lang="en-US" dirty="0"/>
+              <a:t>How do we audit base images?</a:t>
+            </a:r>
+          </a:p>
+          <a:p>
+            <a:r>
+              <a:rPr lang="en-US" dirty="0"/>
+              <a:t>How do we monitor running applications?</a:t>
+            </a:r>
+          </a:p>
+          <a:p>
+            <a:r>
+              <a:rPr lang="en-US" dirty="0"/>
+              <a:t>How do we scale effectively?</a:t>
+            </a:r>
+          </a:p>
+          <a:p>
+            <a:r>
+              <a:rPr lang="en-US" dirty="0"/>
+              <a:t>How do we do disaster recovery?</a:t>
+            </a:r>
+          </a:p>
+          <a:p>
+            <a:r>
+              <a:rPr lang="en-US" dirty="0"/>
+              <a:t>How do we provide information to support teams?</a:t>
+            </a:r>
+          </a:p>
+          <a:p>
+            <a:r>
+              <a:rPr lang="en-US" dirty="0"/>
+              <a:t>How do we secure desktops for Docker?</a:t>
+            </a:r>
+          </a:p>
+          <a:p>
+            <a:r>
+              <a:rPr lang="en-US" dirty="0" err="1"/>
+              <a:t>Etc</a:t>
+            </a:r>
+            <a:r>
+              <a:rPr lang="en-US" dirty="0"/>
+              <a:t>…</a:t>
+            </a:r>
+          </a:p>
+        </p:txBody>
+      </p:sp>
+    </p:spTree>
+    <p:extLst>
+      <p:ext uri="{BB962C8B-B14F-4D97-AF65-F5344CB8AC3E}">
+        <p14:creationId xmlns:p14="http://schemas.microsoft.com/office/powerpoint/2010/main" val="831246271"/>
       </p:ext>
     </p:extLst>
   </p:cSld>
@@ -27349,7 +33299,7 @@
                                         <p:tgtEl>
                                           <p:spTgt spid="3">
                                             <p:txEl>
-                                              <p:pRg st="3" end="3"/>
+                                              <p:pRg st="2" end="2"/>
                                             </p:txEl>
                                           </p:spTgt>
                                         </p:tgtEl>
@@ -27367,7 +33317,7 @@
                                         <p:tgtEl>
                                           <p:spTgt spid="3">
                                             <p:txEl>
-                                              <p:pRg st="3" end="3"/>
+                                              <p:pRg st="2" end="2"/>
                                             </p:txEl>
                                           </p:spTgt>
                                         </p:tgtEl>
@@ -27410,7 +33360,7 @@
                                         <p:tgtEl>
                                           <p:spTgt spid="3">
                                             <p:txEl>
-                                              <p:pRg st="4" end="4"/>
+                                              <p:pRg st="3" end="3"/>
                                             </p:txEl>
                                           </p:spTgt>
                                         </p:tgtEl>
@@ -27428,7 +33378,7 @@
                                         <p:tgtEl>
                                           <p:spTgt spid="3">
                                             <p:txEl>
-                                              <p:pRg st="4" end="4"/>
+                                              <p:pRg st="3" end="3"/>
                                             </p:txEl>
                                           </p:spTgt>
                                         </p:tgtEl>
@@ -27471,7 +33421,7 @@
                                         <p:tgtEl>
                                           <p:spTgt spid="3">
                                             <p:txEl>
-                                              <p:pRg st="5" end="5"/>
+                                              <p:pRg st="4" end="4"/>
                                             </p:txEl>
                                           </p:spTgt>
                                         </p:tgtEl>
@@ -27489,7 +33439,7 @@
                                         <p:tgtEl>
                                           <p:spTgt spid="3">
                                             <p:txEl>
-                                              <p:pRg st="5" end="5"/>
+                                              <p:pRg st="4" end="4"/>
                                             </p:txEl>
                                           </p:spTgt>
                                         </p:tgtEl>
@@ -27532,7 +33482,7 @@
                                         <p:tgtEl>
                                           <p:spTgt spid="3">
                                             <p:txEl>
-                                              <p:pRg st="6" end="6"/>
+                                              <p:pRg st="5" end="5"/>
                                             </p:txEl>
                                           </p:spTgt>
                                         </p:tgtEl>
@@ -27550,7 +33500,7 @@
                                         <p:tgtEl>
                                           <p:spTgt spid="3">
                                             <p:txEl>
-                                              <p:pRg st="6" end="6"/>
+                                              <p:pRg st="5" end="5"/>
                                             </p:txEl>
                                           </p:spTgt>
                                         </p:tgtEl>
@@ -27593,7 +33543,7 @@
                                         <p:tgtEl>
                                           <p:spTgt spid="3">
                                             <p:txEl>
-                                              <p:pRg st="7" end="7"/>
+                                              <p:pRg st="6" end="6"/>
                                             </p:txEl>
                                           </p:spTgt>
                                         </p:tgtEl>
@@ -27611,7 +33561,7 @@
                                         <p:tgtEl>
                                           <p:spTgt spid="3">
                                             <p:txEl>
-                                              <p:pRg st="7" end="7"/>
+                                              <p:pRg st="6" end="6"/>
                                             </p:txEl>
                                           </p:spTgt>
                                         </p:tgtEl>
@@ -27654,6 +33604,67 @@
                                         <p:tgtEl>
                                           <p:spTgt spid="3">
                                             <p:txEl>
+                                              <p:pRg st="7" end="7"/>
+                                            </p:txEl>
+                                          </p:spTgt>
+                                        </p:tgtEl>
+                                        <p:attrNameLst>
+                                          <p:attrName>style.visibility</p:attrName>
+                                        </p:attrNameLst>
+                                      </p:cBhvr>
+                                      <p:to>
+                                        <p:strVal val="visible"/>
+                                      </p:to>
+                                    </p:set>
+                                    <p:animEffect transition="in" filter="fade">
+                                      <p:cBhvr>
+                                        <p:cTn id="42" dur="500"/>
+                                        <p:tgtEl>
+                                          <p:spTgt spid="3">
+                                            <p:txEl>
+                                              <p:pRg st="7" end="7"/>
+                                            </p:txEl>
+                                          </p:spTgt>
+                                        </p:tgtEl>
+                                      </p:cBhvr>
+                                    </p:animEffect>
+                                  </p:childTnLst>
+                                </p:cTn>
+                              </p:par>
+                            </p:childTnLst>
+                          </p:cTn>
+                        </p:par>
+                      </p:childTnLst>
+                    </p:cTn>
+                  </p:par>
+                  <p:par>
+                    <p:cTn id="43" fill="hold">
+                      <p:stCondLst>
+                        <p:cond delay="indefinite"/>
+                      </p:stCondLst>
+                      <p:childTnLst>
+                        <p:par>
+                          <p:cTn id="44" fill="hold">
+                            <p:stCondLst>
+                              <p:cond delay="0"/>
+                            </p:stCondLst>
+                            <p:childTnLst>
+                              <p:par>
+                                <p:cTn id="45" presetID="10" presetClass="entr" presetSubtype="0" fill="hold" grpId="0" nodeType="clickEffect">
+                                  <p:stCondLst>
+                                    <p:cond delay="0"/>
+                                  </p:stCondLst>
+                                  <p:childTnLst>
+                                    <p:set>
+                                      <p:cBhvr>
+                                        <p:cTn id="46" dur="1" fill="hold">
+                                          <p:stCondLst>
+                                            <p:cond delay="0"/>
+                                          </p:stCondLst>
+                                        </p:cTn>
+                                        <p:tgtEl>
+                                          <p:spTgt spid="3">
+                                            <p:txEl>
                                               <p:pRg st="8" end="8"/>
                                             </p:txEl>
                                           </p:spTgt>
@@ -27668,7 +33679,7 @@
                                     </p:set>
                                     <p:animEffect transition="in" filter="fade">
                                       <p:cBhvr>
-                                        <p:cTn id="42" dur="500"/>
+                                        <p:cTn id="47" dur="500"/>
                                         <p:tgtEl>
                                           <p:spTgt spid="3">
                                             <p:txEl>
@@ -27715,349 +33726,6 @@
 </p:sld>
 </file>
 
-<file path=ppt/slides/slide35.xml><?xml version="1.0" encoding="utf-8"?>
-<p:sld xmlns:a="http://schemas.openxmlformats.org/drawingml/2006/main" xmlns:r="http://schemas.openxmlformats.org/officeDocument/2006/relationships" xmlns:p="http://schemas.openxmlformats.org/presentationml/2006/main">
-  <p:cSld>
-    <p:spTree>
-      <p:nvGrpSpPr>
-        <p:cNvPr id="1" name=""/>
-        <p:cNvGrpSpPr/>
-        <p:nvPr/>
-      </p:nvGrpSpPr>
-      <p:grpSpPr>
-        <a:xfrm>
-          <a:off x="0" y="0"/>
-          <a:ext cx="0" cy="0"/>
-          <a:chOff x="0" y="0"/>
-          <a:chExt cx="0" cy="0"/>
-        </a:xfrm>
-      </p:grpSpPr>
-      <p:sp>
-        <p:nvSpPr>
-          <p:cNvPr id="2" name="Title 1">
-            <a:extLst>
-              <a:ext uri="{FF2B5EF4-FFF2-40B4-BE49-F238E27FC236}">
-                <a16:creationId xmlns:a16="http://schemas.microsoft.com/office/drawing/2014/main" id="{6BF0D347-65B7-400F-B428-561CA819C5C0}"/>
-              </a:ext>
-            </a:extLst>
-          </p:cNvPr>
-          <p:cNvSpPr>
-            <a:spLocks noGrp="1"/>
-          </p:cNvSpPr>
-          <p:nvPr>
-            <p:ph type="title"/>
-          </p:nvPr>
-        </p:nvSpPr>
-        <p:spPr/>
-        <p:txBody>
-          <a:bodyPr/>
-          <a:lstStyle/>
-          <a:p>
-            <a:r>
-              <a:rPr lang="en-US" dirty="0"/>
-              <a:t>A Quick Look at Next Steps</a:t>
-            </a:r>
-          </a:p>
-        </p:txBody>
-      </p:sp>
-      <p:sp>
-        <p:nvSpPr>
-          <p:cNvPr id="3" name="Text Placeholder 2">
-            <a:extLst>
-              <a:ext uri="{FF2B5EF4-FFF2-40B4-BE49-F238E27FC236}">
-                <a16:creationId xmlns:a16="http://schemas.microsoft.com/office/drawing/2014/main" id="{DDCE985A-C68E-49C9-8149-6CC065D75C74}"/>
-              </a:ext>
-            </a:extLst>
-          </p:cNvPr>
-          <p:cNvSpPr>
-            <a:spLocks noGrp="1"/>
-          </p:cNvSpPr>
-          <p:nvPr>
-            <p:ph type="body" idx="1"/>
-          </p:nvPr>
-        </p:nvSpPr>
-        <p:spPr/>
-        <p:txBody>
-          <a:bodyPr/>
-          <a:lstStyle/>
-          <a:p>
-            <a:r>
-              <a:rPr lang="en-US" dirty="0"/>
-              <a:t>Where I Tell You What I Think We Should Do</a:t>
-            </a:r>
-          </a:p>
-        </p:txBody>
-      </p:sp>
-    </p:spTree>
-    <p:extLst>
-      <p:ext uri="{BB962C8B-B14F-4D97-AF65-F5344CB8AC3E}">
-        <p14:creationId xmlns:p14="http://schemas.microsoft.com/office/powerpoint/2010/main" val="2118630104"/>
-      </p:ext>
-    </p:extLst>
-  </p:cSld>
-  <p:clrMapOvr>
-    <a:masterClrMapping/>
-  </p:clrMapOvr>
-</p:sld>
-</file>
-
-<file path=ppt/slides/slide36.xml><?xml version="1.0" encoding="utf-8"?>
-<p:sld xmlns:a="http://schemas.openxmlformats.org/drawingml/2006/main" xmlns:r="http://schemas.openxmlformats.org/officeDocument/2006/relationships" xmlns:p="http://schemas.openxmlformats.org/presentationml/2006/main">
-  <p:cSld>
-    <p:spTree>
-      <p:nvGrpSpPr>
-        <p:cNvPr id="1" name=""/>
-        <p:cNvGrpSpPr/>
-        <p:nvPr/>
-      </p:nvGrpSpPr>
-      <p:grpSpPr>
-        <a:xfrm>
-          <a:off x="0" y="0"/>
-          <a:ext cx="0" cy="0"/>
-          <a:chOff x="0" y="0"/>
-          <a:chExt cx="0" cy="0"/>
-        </a:xfrm>
-      </p:grpSpPr>
-      <p:sp>
-        <p:nvSpPr>
-          <p:cNvPr id="2" name="Title 1">
-            <a:extLst>
-              <a:ext uri="{FF2B5EF4-FFF2-40B4-BE49-F238E27FC236}">
-                <a16:creationId xmlns:a16="http://schemas.microsoft.com/office/drawing/2014/main" id="{4C2CE01B-4B31-4A93-805C-2E5D3CD8EC2B}"/>
-              </a:ext>
-            </a:extLst>
-          </p:cNvPr>
-          <p:cNvSpPr>
-            <a:spLocks noGrp="1"/>
-          </p:cNvSpPr>
-          <p:nvPr>
-            <p:ph type="title"/>
-          </p:nvPr>
-        </p:nvSpPr>
-        <p:spPr/>
-        <p:txBody>
-          <a:bodyPr/>
-          <a:lstStyle/>
-          <a:p>
-            <a:r>
-              <a:rPr lang="en-US" dirty="0"/>
-              <a:t>Methodically Address Our Concerns</a:t>
-            </a:r>
-          </a:p>
-        </p:txBody>
-      </p:sp>
-      <p:sp>
-        <p:nvSpPr>
-          <p:cNvPr id="3" name="Content Placeholder 2">
-            <a:extLst>
-              <a:ext uri="{FF2B5EF4-FFF2-40B4-BE49-F238E27FC236}">
-                <a16:creationId xmlns:a16="http://schemas.microsoft.com/office/drawing/2014/main" id="{D4716BAD-2628-4008-8461-B4E0203B0B84}"/>
-              </a:ext>
-            </a:extLst>
-          </p:cNvPr>
-          <p:cNvSpPr>
-            <a:spLocks noGrp="1"/>
-          </p:cNvSpPr>
-          <p:nvPr>
-            <p:ph idx="1"/>
-          </p:nvPr>
-        </p:nvSpPr>
-        <p:spPr/>
-        <p:txBody>
-          <a:bodyPr/>
-          <a:lstStyle/>
-          <a:p>
-            <a:r>
-              <a:rPr lang="en-US" dirty="0"/>
-              <a:t>How do we audit licenses?</a:t>
-            </a:r>
-          </a:p>
-          <a:p>
-            <a:r>
-              <a:rPr lang="en-US" dirty="0"/>
-              <a:t>How do we audit base images?</a:t>
-            </a:r>
-          </a:p>
-          <a:p>
-            <a:r>
-              <a:rPr lang="en-US" dirty="0"/>
-              <a:t>How do we monitor running applications?</a:t>
-            </a:r>
-          </a:p>
-          <a:p>
-            <a:r>
-              <a:rPr lang="en-US" dirty="0"/>
-              <a:t>How do we scale effectively?</a:t>
-            </a:r>
-          </a:p>
-          <a:p>
-            <a:r>
-              <a:rPr lang="en-US" dirty="0"/>
-              <a:t>How do we do disaster recovery?</a:t>
-            </a:r>
-          </a:p>
-          <a:p>
-            <a:r>
-              <a:rPr lang="en-US" dirty="0"/>
-              <a:t>How do we provide information to support teams?</a:t>
-            </a:r>
-          </a:p>
-          <a:p>
-            <a:r>
-              <a:rPr lang="en-US" dirty="0"/>
-              <a:t>How do we secure desktops for Docker?</a:t>
-            </a:r>
-          </a:p>
-          <a:p>
-            <a:r>
-              <a:rPr lang="en-US" dirty="0" err="1"/>
-              <a:t>Etc</a:t>
-            </a:r>
-            <a:r>
-              <a:rPr lang="en-US" dirty="0"/>
-              <a:t>…</a:t>
-            </a:r>
-          </a:p>
-        </p:txBody>
-      </p:sp>
-    </p:spTree>
-    <p:extLst>
-      <p:ext uri="{BB962C8B-B14F-4D97-AF65-F5344CB8AC3E}">
-        <p14:creationId xmlns:p14="http://schemas.microsoft.com/office/powerpoint/2010/main" val="831246271"/>
-      </p:ext>
-    </p:extLst>
-  </p:cSld>
-  <p:clrMapOvr>
-    <a:masterClrMapping/>
-  </p:clrMapOvr>
-</p:sld>
-</file>
-
-<file path=ppt/slides/slide37.xml><?xml version="1.0" encoding="utf-8"?>
-<p:sld xmlns:a="http://schemas.openxmlformats.org/drawingml/2006/main" xmlns:r="http://schemas.openxmlformats.org/officeDocument/2006/relationships" xmlns:p="http://schemas.openxmlformats.org/presentationml/2006/main">
-  <p:cSld>
-    <p:spTree>
-      <p:nvGrpSpPr>
-        <p:cNvPr id="1" name=""/>
-        <p:cNvGrpSpPr/>
-        <p:nvPr/>
-      </p:nvGrpSpPr>
-      <p:grpSpPr>
-        <a:xfrm>
-          <a:off x="0" y="0"/>
-          <a:ext cx="0" cy="0"/>
-          <a:chOff x="0" y="0"/>
-          <a:chExt cx="0" cy="0"/>
-        </a:xfrm>
-      </p:grpSpPr>
-      <p:sp>
-        <p:nvSpPr>
-          <p:cNvPr id="2" name="Title 1">
-            <a:extLst>
-              <a:ext uri="{FF2B5EF4-FFF2-40B4-BE49-F238E27FC236}">
-                <a16:creationId xmlns:a16="http://schemas.microsoft.com/office/drawing/2014/main" id="{247269FB-C1B8-43AE-A0E9-2F468C19FFE8}"/>
-              </a:ext>
-            </a:extLst>
-          </p:cNvPr>
-          <p:cNvSpPr>
-            <a:spLocks noGrp="1"/>
-          </p:cNvSpPr>
-          <p:nvPr>
-            <p:ph type="title"/>
-          </p:nvPr>
-        </p:nvSpPr>
-        <p:spPr/>
-        <p:txBody>
-          <a:bodyPr/>
-          <a:lstStyle/>
-          <a:p>
-            <a:r>
-              <a:rPr lang="en-US" dirty="0"/>
-              <a:t>We Need Some Proofs of Concept</a:t>
-            </a:r>
-          </a:p>
-        </p:txBody>
-      </p:sp>
-      <p:sp>
-        <p:nvSpPr>
-          <p:cNvPr id="3" name="Content Placeholder 2">
-            <a:extLst>
-              <a:ext uri="{FF2B5EF4-FFF2-40B4-BE49-F238E27FC236}">
-                <a16:creationId xmlns:a16="http://schemas.microsoft.com/office/drawing/2014/main" id="{625EC4F8-491C-4A5B-A47C-3C56230E878F}"/>
-              </a:ext>
-            </a:extLst>
-          </p:cNvPr>
-          <p:cNvSpPr>
-            <a:spLocks noGrp="1"/>
-          </p:cNvSpPr>
-          <p:nvPr>
-            <p:ph idx="1"/>
-          </p:nvPr>
-        </p:nvSpPr>
-        <p:spPr/>
-        <p:txBody>
-          <a:bodyPr/>
-          <a:lstStyle/>
-          <a:p>
-            <a:r>
-              <a:rPr lang="en-US" dirty="0"/>
-              <a:t>We are (with some caveats) not in a hurry</a:t>
-            </a:r>
-          </a:p>
-          <a:p>
-            <a:r>
-              <a:rPr lang="en-US" dirty="0"/>
-              <a:t>We should evaluate all the offerings</a:t>
-            </a:r>
-          </a:p>
-          <a:p>
-            <a:pPr lvl="1"/>
-            <a:r>
-              <a:rPr lang="en-US" dirty="0"/>
-              <a:t>We keep learning new things at every demo</a:t>
-            </a:r>
-          </a:p>
-          <a:p>
-            <a:r>
-              <a:rPr lang="en-US" dirty="0"/>
-              <a:t>We should first consider our existing Enterprise partners</a:t>
-            </a:r>
-          </a:p>
-          <a:p>
-            <a:r>
-              <a:rPr lang="en-US" dirty="0"/>
-              <a:t>We should </a:t>
-            </a:r>
-            <a:r>
-              <a:rPr lang="en-US" i="1" dirty="0"/>
-              <a:t>try</a:t>
-            </a:r>
-            <a:r>
-              <a:rPr lang="en-US" dirty="0"/>
-              <a:t> to avoid vendor lock-in</a:t>
-            </a:r>
-          </a:p>
-          <a:p>
-            <a:r>
-              <a:rPr lang="en-US" dirty="0"/>
-              <a:t>We should take our time and get it right</a:t>
-            </a:r>
-          </a:p>
-        </p:txBody>
-      </p:sp>
-    </p:spTree>
-    <p:extLst>
-      <p:ext uri="{BB962C8B-B14F-4D97-AF65-F5344CB8AC3E}">
-        <p14:creationId xmlns:p14="http://schemas.microsoft.com/office/powerpoint/2010/main" val="3992490361"/>
-      </p:ext>
-    </p:extLst>
-  </p:cSld>
-  <p:clrMapOvr>
-    <a:masterClrMapping/>
-  </p:clrMapOvr>
-</p:sld>
-</file>
-
 <file path=ppt/slides/slide38.xml><?xml version="1.0" encoding="utf-8"?>
 <p:sld xmlns:a="http://schemas.openxmlformats.org/drawingml/2006/main" xmlns:r="http://schemas.openxmlformats.org/officeDocument/2006/relationships" xmlns:p="http://schemas.openxmlformats.org/presentationml/2006/main">
   <p:cSld>
@@ -28132,16 +33800,6 @@
           <a:lstStyle/>
           <a:p>
             <a:r>
-              <a:rPr lang="en-US" b="1" i="1" u="sng" dirty="0">
-                <a:solidFill>
-                  <a:srgbClr val="FF0000"/>
-                </a:solidFill>
-              </a:rPr>
-              <a:t>CONTAINERS ARE COMING</a:t>
-            </a:r>
-          </a:p>
-          <a:p>
-            <a:r>
               <a:rPr lang="en-US" dirty="0"/>
               <a:t>Everybody needs to do a little work</a:t>
             </a:r>
@@ -28281,6 +33939,523 @@
   <p:clrMapOvr>
     <a:masterClrMapping/>
   </p:clrMapOvr>
+  <p:timing>
+    <p:tnLst>
+      <p:par>
+        <p:cTn id="1" dur="indefinite" restart="never" nodeType="tmRoot">
+          <p:childTnLst>
+            <p:seq concurrent="1" nextAc="seek">
+              <p:cTn id="2" dur="indefinite" nodeType="mainSeq">
+                <p:childTnLst>
+                  <p:par>
+                    <p:cTn id="3" fill="hold">
+                      <p:stCondLst>
+                        <p:cond delay="indefinite"/>
+                      </p:stCondLst>
+                      <p:childTnLst>
+                        <p:par>
+                          <p:cTn id="4" fill="hold">
+                            <p:stCondLst>
+                              <p:cond delay="0"/>
+                            </p:stCondLst>
+                            <p:childTnLst>
+                              <p:par>
+                                <p:cTn id="5" presetID="10" presetClass="entr" presetSubtype="0" fill="hold" grpId="0" nodeType="clickEffect">
+                                  <p:stCondLst>
+                                    <p:cond delay="0"/>
+                                  </p:stCondLst>
+                                  <p:childTnLst>
+                                    <p:set>
+                                      <p:cBhvr>
+                                        <p:cTn id="6" dur="1" fill="hold">
+                                          <p:stCondLst>
+                                            <p:cond delay="0"/>
+                                          </p:stCondLst>
+                                        </p:cTn>
+                                        <p:tgtEl>
+                                          <p:spTgt spid="3">
+                                            <p:txEl>
+                                              <p:pRg st="0" end="0"/>
+                                            </p:txEl>
+                                          </p:spTgt>
+                                        </p:tgtEl>
+                                        <p:attrNameLst>
+                                          <p:attrName>style.visibility</p:attrName>
+                                        </p:attrNameLst>
+                                      </p:cBhvr>
+                                      <p:to>
+                                        <p:strVal val="visible"/>
+                                      </p:to>
+                                    </p:set>
+                                    <p:animEffect transition="in" filter="fade">
+                                      <p:cBhvr>
+                                        <p:cTn id="7" dur="500"/>
+                                        <p:tgtEl>
+                                          <p:spTgt spid="3">
+                                            <p:txEl>
+                                              <p:pRg st="0" end="0"/>
+                                            </p:txEl>
+                                          </p:spTgt>
+                                        </p:tgtEl>
+                                      </p:cBhvr>
+                                    </p:animEffect>
+                                  </p:childTnLst>
+                                </p:cTn>
+                              </p:par>
+                            </p:childTnLst>
+                          </p:cTn>
+                        </p:par>
+                      </p:childTnLst>
+                    </p:cTn>
+                  </p:par>
+                  <p:par>
+                    <p:cTn id="8" fill="hold">
+                      <p:stCondLst>
+                        <p:cond delay="indefinite"/>
+                      </p:stCondLst>
+                      <p:childTnLst>
+                        <p:par>
+                          <p:cTn id="9" fill="hold">
+                            <p:stCondLst>
+                              <p:cond delay="0"/>
+                            </p:stCondLst>
+                            <p:childTnLst>
+                              <p:par>
+                                <p:cTn id="10" presetID="10" presetClass="entr" presetSubtype="0" fill="hold" grpId="0" nodeType="clickEffect">
+                                  <p:stCondLst>
+                                    <p:cond delay="0"/>
+                                  </p:stCondLst>
+                                  <p:childTnLst>
+                                    <p:set>
+                                      <p:cBhvr>
+                                        <p:cTn id="11" dur="1" fill="hold">
+                                          <p:stCondLst>
+                                            <p:cond delay="0"/>
+                                          </p:stCondLst>
+                                        </p:cTn>
+                                        <p:tgtEl>
+                                          <p:spTgt spid="3">
+                                            <p:txEl>
+                                              <p:pRg st="1" end="1"/>
+                                            </p:txEl>
+                                          </p:spTgt>
+                                        </p:tgtEl>
+                                        <p:attrNameLst>
+                                          <p:attrName>style.visibility</p:attrName>
+                                        </p:attrNameLst>
+                                      </p:cBhvr>
+                                      <p:to>
+                                        <p:strVal val="visible"/>
+                                      </p:to>
+                                    </p:set>
+                                    <p:animEffect transition="in" filter="fade">
+                                      <p:cBhvr>
+                                        <p:cTn id="12" dur="500"/>
+                                        <p:tgtEl>
+                                          <p:spTgt spid="3">
+                                            <p:txEl>
+                                              <p:pRg st="1" end="1"/>
+                                            </p:txEl>
+                                          </p:spTgt>
+                                        </p:tgtEl>
+                                      </p:cBhvr>
+                                    </p:animEffect>
+                                  </p:childTnLst>
+                                </p:cTn>
+                              </p:par>
+                              <p:par>
+                                <p:cTn id="13" presetID="10" presetClass="entr" presetSubtype="0" fill="hold" grpId="0" nodeType="withEffect">
+                                  <p:stCondLst>
+                                    <p:cond delay="0"/>
+                                  </p:stCondLst>
+                                  <p:childTnLst>
+                                    <p:set>
+                                      <p:cBhvr>
+                                        <p:cTn id="14" dur="1" fill="hold">
+                                          <p:stCondLst>
+                                            <p:cond delay="0"/>
+                                          </p:stCondLst>
+                                        </p:cTn>
+                                        <p:tgtEl>
+                                          <p:spTgt spid="3">
+                                            <p:txEl>
+                                              <p:pRg st="2" end="2"/>
+                                            </p:txEl>
+                                          </p:spTgt>
+                                        </p:tgtEl>
+                                        <p:attrNameLst>
+                                          <p:attrName>style.visibility</p:attrName>
+                                        </p:attrNameLst>
+                                      </p:cBhvr>
+                                      <p:to>
+                                        <p:strVal val="visible"/>
+                                      </p:to>
+                                    </p:set>
+                                    <p:animEffect transition="in" filter="fade">
+                                      <p:cBhvr>
+                                        <p:cTn id="15" dur="500"/>
+                                        <p:tgtEl>
+                                          <p:spTgt spid="3">
+                                            <p:txEl>
+                                              <p:pRg st="2" end="2"/>
+                                            </p:txEl>
+                                          </p:spTgt>
+                                        </p:tgtEl>
+                                      </p:cBhvr>
+                                    </p:animEffect>
+                                  </p:childTnLst>
+                                </p:cTn>
+                              </p:par>
+                              <p:par>
+                                <p:cTn id="16" presetID="10" presetClass="entr" presetSubtype="0" fill="hold" grpId="0" nodeType="withEffect">
+                                  <p:stCondLst>
+                                    <p:cond delay="0"/>
+                                  </p:stCondLst>
+                                  <p:childTnLst>
+                                    <p:set>
+                                      <p:cBhvr>
+                                        <p:cTn id="17" dur="1" fill="hold">
+                                          <p:stCondLst>
+                                            <p:cond delay="0"/>
+                                          </p:stCondLst>
+                                        </p:cTn>
+                                        <p:tgtEl>
+                                          <p:spTgt spid="3">
+                                            <p:txEl>
+                                              <p:pRg st="3" end="3"/>
+                                            </p:txEl>
+                                          </p:spTgt>
+                                        </p:tgtEl>
+                                        <p:attrNameLst>
+                                          <p:attrName>style.visibility</p:attrName>
+                                        </p:attrNameLst>
+                                      </p:cBhvr>
+                                      <p:to>
+                                        <p:strVal val="visible"/>
+                                      </p:to>
+                                    </p:set>
+                                    <p:animEffect transition="in" filter="fade">
+                                      <p:cBhvr>
+                                        <p:cTn id="18" dur="500"/>
+                                        <p:tgtEl>
+                                          <p:spTgt spid="3">
+                                            <p:txEl>
+                                              <p:pRg st="3" end="3"/>
+                                            </p:txEl>
+                                          </p:spTgt>
+                                        </p:tgtEl>
+                                      </p:cBhvr>
+                                    </p:animEffect>
+                                  </p:childTnLst>
+                                </p:cTn>
+                              </p:par>
+                              <p:par>
+                                <p:cTn id="19" presetID="10" presetClass="entr" presetSubtype="0" fill="hold" grpId="0" nodeType="withEffect">
+                                  <p:stCondLst>
+                                    <p:cond delay="0"/>
+                                  </p:stCondLst>
+                                  <p:childTnLst>
+                                    <p:set>
+                                      <p:cBhvr>
+                                        <p:cTn id="20" dur="1" fill="hold">
+                                          <p:stCondLst>
+                                            <p:cond delay="0"/>
+                                          </p:stCondLst>
+                                        </p:cTn>
+                                        <p:tgtEl>
+                                          <p:spTgt spid="3">
+                                            <p:txEl>
+                                              <p:pRg st="4" end="4"/>
+                                            </p:txEl>
+                                          </p:spTgt>
+                                        </p:tgtEl>
+                                        <p:attrNameLst>
+                                          <p:attrName>style.visibility</p:attrName>
+                                        </p:attrNameLst>
+                                      </p:cBhvr>
+                                      <p:to>
+                                        <p:strVal val="visible"/>
+                                      </p:to>
+                                    </p:set>
+                                    <p:animEffect transition="in" filter="fade">
+                                      <p:cBhvr>
+                                        <p:cTn id="21" dur="500"/>
+                                        <p:tgtEl>
+                                          <p:spTgt spid="3">
+                                            <p:txEl>
+                                              <p:pRg st="4" end="4"/>
+                                            </p:txEl>
+                                          </p:spTgt>
+                                        </p:tgtEl>
+                                      </p:cBhvr>
+                                    </p:animEffect>
+                                  </p:childTnLst>
+                                </p:cTn>
+                              </p:par>
+                              <p:par>
+                                <p:cTn id="22" presetID="10" presetClass="entr" presetSubtype="0" fill="hold" grpId="0" nodeType="withEffect">
+                                  <p:stCondLst>
+                                    <p:cond delay="0"/>
+                                  </p:stCondLst>
+                                  <p:childTnLst>
+                                    <p:set>
+                                      <p:cBhvr>
+                                        <p:cTn id="23" dur="1" fill="hold">
+                                          <p:stCondLst>
+                                            <p:cond delay="0"/>
+                                          </p:stCondLst>
+                                        </p:cTn>
+                                        <p:tgtEl>
+                                          <p:spTgt spid="3">
+                                            <p:txEl>
+                                              <p:pRg st="5" end="5"/>
+                                            </p:txEl>
+                                          </p:spTgt>
+                                        </p:tgtEl>
+                                        <p:attrNameLst>
+                                          <p:attrName>style.visibility</p:attrName>
+                                        </p:attrNameLst>
+                                      </p:cBhvr>
+                                      <p:to>
+                                        <p:strVal val="visible"/>
+                                      </p:to>
+                                    </p:set>
+                                    <p:animEffect transition="in" filter="fade">
+                                      <p:cBhvr>
+                                        <p:cTn id="24" dur="500"/>
+                                        <p:tgtEl>
+                                          <p:spTgt spid="3">
+                                            <p:txEl>
+                                              <p:pRg st="5" end="5"/>
+                                            </p:txEl>
+                                          </p:spTgt>
+                                        </p:tgtEl>
+                                      </p:cBhvr>
+                                    </p:animEffect>
+                                  </p:childTnLst>
+                                </p:cTn>
+                              </p:par>
+                            </p:childTnLst>
+                          </p:cTn>
+                        </p:par>
+                      </p:childTnLst>
+                    </p:cTn>
+                  </p:par>
+                  <p:par>
+                    <p:cTn id="25" fill="hold">
+                      <p:stCondLst>
+                        <p:cond delay="indefinite"/>
+                      </p:stCondLst>
+                      <p:childTnLst>
+                        <p:par>
+                          <p:cTn id="26" fill="hold">
+                            <p:stCondLst>
+                              <p:cond delay="0"/>
+                            </p:stCondLst>
+                            <p:childTnLst>
+                              <p:par>
+                                <p:cTn id="27" presetID="10" presetClass="entr" presetSubtype="0" fill="hold" grpId="0" nodeType="clickEffect">
+                                  <p:stCondLst>
+                                    <p:cond delay="0"/>
+                                  </p:stCondLst>
+                                  <p:childTnLst>
+                                    <p:set>
+                                      <p:cBhvr>
+                                        <p:cTn id="28" dur="1" fill="hold">
+                                          <p:stCondLst>
+                                            <p:cond delay="0"/>
+                                          </p:stCondLst>
+                                        </p:cTn>
+                                        <p:tgtEl>
+                                          <p:spTgt spid="3">
+                                            <p:txEl>
+                                              <p:pRg st="6" end="6"/>
+                                            </p:txEl>
+                                          </p:spTgt>
+                                        </p:tgtEl>
+                                        <p:attrNameLst>
+                                          <p:attrName>style.visibility</p:attrName>
+                                        </p:attrNameLst>
+                                      </p:cBhvr>
+                                      <p:to>
+                                        <p:strVal val="visible"/>
+                                      </p:to>
+                                    </p:set>
+                                    <p:animEffect transition="in" filter="fade">
+                                      <p:cBhvr>
+                                        <p:cTn id="29" dur="500"/>
+                                        <p:tgtEl>
+                                          <p:spTgt spid="3">
+                                            <p:txEl>
+                                              <p:pRg st="6" end="6"/>
+                                            </p:txEl>
+                                          </p:spTgt>
+                                        </p:tgtEl>
+                                      </p:cBhvr>
+                                    </p:animEffect>
+                                  </p:childTnLst>
+                                </p:cTn>
+                              </p:par>
+                              <p:par>
+                                <p:cTn id="30" presetID="10" presetClass="entr" presetSubtype="0" fill="hold" grpId="0" nodeType="withEffect">
+                                  <p:stCondLst>
+                                    <p:cond delay="0"/>
+                                  </p:stCondLst>
+                                  <p:childTnLst>
+                                    <p:set>
+                                      <p:cBhvr>
+                                        <p:cTn id="31" dur="1" fill="hold">
+                                          <p:stCondLst>
+                                            <p:cond delay="0"/>
+                                          </p:stCondLst>
+                                        </p:cTn>
+                                        <p:tgtEl>
+                                          <p:spTgt spid="3">
+                                            <p:txEl>
+                                              <p:pRg st="7" end="7"/>
+                                            </p:txEl>
+                                          </p:spTgt>
+                                        </p:tgtEl>
+                                        <p:attrNameLst>
+                                          <p:attrName>style.visibility</p:attrName>
+                                        </p:attrNameLst>
+                                      </p:cBhvr>
+                                      <p:to>
+                                        <p:strVal val="visible"/>
+                                      </p:to>
+                                    </p:set>
+                                    <p:animEffect transition="in" filter="fade">
+                                      <p:cBhvr>
+                                        <p:cTn id="32" dur="500"/>
+                                        <p:tgtEl>
+                                          <p:spTgt spid="3">
+                                            <p:txEl>
+                                              <p:pRg st="7" end="7"/>
+                                            </p:txEl>
+                                          </p:spTgt>
+                                        </p:tgtEl>
+                                      </p:cBhvr>
+                                    </p:animEffect>
+                                  </p:childTnLst>
+                                </p:cTn>
+                              </p:par>
+                              <p:par>
+                                <p:cTn id="33" presetID="10" presetClass="entr" presetSubtype="0" fill="hold" grpId="0" nodeType="withEffect">
+                                  <p:stCondLst>
+                                    <p:cond delay="0"/>
+                                  </p:stCondLst>
+                                  <p:childTnLst>
+                                    <p:set>
+                                      <p:cBhvr>
+                                        <p:cTn id="34" dur="1" fill="hold">
+                                          <p:stCondLst>
+                                            <p:cond delay="0"/>
+                                          </p:stCondLst>
+                                        </p:cTn>
+                                        <p:tgtEl>
+                                          <p:spTgt spid="3">
+                                            <p:txEl>
+                                              <p:pRg st="8" end="8"/>
+                                            </p:txEl>
+                                          </p:spTgt>
+                                        </p:tgtEl>
+                                        <p:attrNameLst>
+                                          <p:attrName>style.visibility</p:attrName>
+                                        </p:attrNameLst>
+                                      </p:cBhvr>
+                                      <p:to>
+                                        <p:strVal val="visible"/>
+                                      </p:to>
+                                    </p:set>
+                                    <p:animEffect transition="in" filter="fade">
+                                      <p:cBhvr>
+                                        <p:cTn id="35" dur="500"/>
+                                        <p:tgtEl>
+                                          <p:spTgt spid="3">
+                                            <p:txEl>
+                                              <p:pRg st="8" end="8"/>
+                                            </p:txEl>
+                                          </p:spTgt>
+                                        </p:tgtEl>
+                                      </p:cBhvr>
+                                    </p:animEffect>
+                                  </p:childTnLst>
+                                </p:cTn>
+                              </p:par>
+                              <p:par>
+                                <p:cTn id="36" presetID="10" presetClass="entr" presetSubtype="0" fill="hold" grpId="0" nodeType="withEffect">
+                                  <p:stCondLst>
+                                    <p:cond delay="0"/>
+                                  </p:stCondLst>
+                                  <p:childTnLst>
+                                    <p:set>
+                                      <p:cBhvr>
+                                        <p:cTn id="37" dur="1" fill="hold">
+                                          <p:stCondLst>
+                                            <p:cond delay="0"/>
+                                          </p:stCondLst>
+                                        </p:cTn>
+                                        <p:tgtEl>
+                                          <p:spTgt spid="3">
+                                            <p:txEl>
+                                              <p:pRg st="9" end="9"/>
+                                            </p:txEl>
+                                          </p:spTgt>
+                                        </p:tgtEl>
+                                        <p:attrNameLst>
+                                          <p:attrName>style.visibility</p:attrName>
+                                        </p:attrNameLst>
+                                      </p:cBhvr>
+                                      <p:to>
+                                        <p:strVal val="visible"/>
+                                      </p:to>
+                                    </p:set>
+                                    <p:animEffect transition="in" filter="fade">
+                                      <p:cBhvr>
+                                        <p:cTn id="38" dur="500"/>
+                                        <p:tgtEl>
+                                          <p:spTgt spid="3">
+                                            <p:txEl>
+                                              <p:pRg st="9" end="9"/>
+                                            </p:txEl>
+                                          </p:spTgt>
+                                        </p:tgtEl>
+                                      </p:cBhvr>
+                                    </p:animEffect>
+                                  </p:childTnLst>
+                                </p:cTn>
+                              </p:par>
+                            </p:childTnLst>
+                          </p:cTn>
+                        </p:par>
+                      </p:childTnLst>
+                    </p:cTn>
+                  </p:par>
+                </p:childTnLst>
+              </p:cTn>
+              <p:prevCondLst>
+                <p:cond evt="onPrev" delay="0">
+                  <p:tgtEl>
+                    <p:sldTgt/>
+                  </p:tgtEl>
+                </p:cond>
+              </p:prevCondLst>
+              <p:nextCondLst>
+                <p:cond evt="onNext" delay="0">
+                  <p:tgtEl>
+                    <p:sldTgt/>
+                  </p:tgtEl>
+                </p:cond>
+              </p:nextCondLst>
+            </p:seq>
+          </p:childTnLst>
+        </p:cTn>
+      </p:par>
+    </p:tnLst>
+    <p:bldLst>
+      <p:bldP spid="3" grpId="0" uiExpand="1" build="p"/>
+    </p:bldLst>
+  </p:timing>
 </p:sld>
 </file>
 
@@ -28427,6 +34602,570 @@
   <p:clrMapOvr>
     <a:masterClrMapping/>
   </p:clrMapOvr>
+  <p:timing>
+    <p:tnLst>
+      <p:par>
+        <p:cTn id="1" dur="indefinite" restart="never" nodeType="tmRoot">
+          <p:childTnLst>
+            <p:seq concurrent="1" nextAc="seek">
+              <p:cTn id="2" dur="indefinite" nodeType="mainSeq">
+                <p:childTnLst>
+                  <p:par>
+                    <p:cTn id="3" fill="hold">
+                      <p:stCondLst>
+                        <p:cond delay="indefinite"/>
+                      </p:stCondLst>
+                      <p:childTnLst>
+                        <p:par>
+                          <p:cTn id="4" fill="hold">
+                            <p:stCondLst>
+                              <p:cond delay="0"/>
+                            </p:stCondLst>
+                            <p:childTnLst>
+                              <p:par>
+                                <p:cTn id="5" presetID="10" presetClass="entr" presetSubtype="0" fill="hold" grpId="0" nodeType="clickEffect">
+                                  <p:stCondLst>
+                                    <p:cond delay="0"/>
+                                  </p:stCondLst>
+                                  <p:childTnLst>
+                                    <p:set>
+                                      <p:cBhvr>
+                                        <p:cTn id="6" dur="1" fill="hold">
+                                          <p:stCondLst>
+                                            <p:cond delay="0"/>
+                                          </p:stCondLst>
+                                        </p:cTn>
+                                        <p:tgtEl>
+                                          <p:spTgt spid="3">
+                                            <p:txEl>
+                                              <p:pRg st="0" end="0"/>
+                                            </p:txEl>
+                                          </p:spTgt>
+                                        </p:tgtEl>
+                                        <p:attrNameLst>
+                                          <p:attrName>style.visibility</p:attrName>
+                                        </p:attrNameLst>
+                                      </p:cBhvr>
+                                      <p:to>
+                                        <p:strVal val="visible"/>
+                                      </p:to>
+                                    </p:set>
+                                    <p:animEffect transition="in" filter="fade">
+                                      <p:cBhvr>
+                                        <p:cTn id="7" dur="500"/>
+                                        <p:tgtEl>
+                                          <p:spTgt spid="3">
+                                            <p:txEl>
+                                              <p:pRg st="0" end="0"/>
+                                            </p:txEl>
+                                          </p:spTgt>
+                                        </p:tgtEl>
+                                      </p:cBhvr>
+                                    </p:animEffect>
+                                  </p:childTnLst>
+                                </p:cTn>
+                              </p:par>
+                            </p:childTnLst>
+                          </p:cTn>
+                        </p:par>
+                      </p:childTnLst>
+                    </p:cTn>
+                  </p:par>
+                  <p:par>
+                    <p:cTn id="8" fill="hold">
+                      <p:stCondLst>
+                        <p:cond delay="indefinite"/>
+                      </p:stCondLst>
+                      <p:childTnLst>
+                        <p:par>
+                          <p:cTn id="9" fill="hold">
+                            <p:stCondLst>
+                              <p:cond delay="0"/>
+                            </p:stCondLst>
+                            <p:childTnLst>
+                              <p:par>
+                                <p:cTn id="10" presetID="10" presetClass="entr" presetSubtype="0" fill="hold" grpId="0" nodeType="clickEffect">
+                                  <p:stCondLst>
+                                    <p:cond delay="0"/>
+                                  </p:stCondLst>
+                                  <p:childTnLst>
+                                    <p:set>
+                                      <p:cBhvr>
+                                        <p:cTn id="11" dur="1" fill="hold">
+                                          <p:stCondLst>
+                                            <p:cond delay="0"/>
+                                          </p:stCondLst>
+                                        </p:cTn>
+                                        <p:tgtEl>
+                                          <p:spTgt spid="3">
+                                            <p:txEl>
+                                              <p:pRg st="1" end="1"/>
+                                            </p:txEl>
+                                          </p:spTgt>
+                                        </p:tgtEl>
+                                        <p:attrNameLst>
+                                          <p:attrName>style.visibility</p:attrName>
+                                        </p:attrNameLst>
+                                      </p:cBhvr>
+                                      <p:to>
+                                        <p:strVal val="visible"/>
+                                      </p:to>
+                                    </p:set>
+                                    <p:animEffect transition="in" filter="fade">
+                                      <p:cBhvr>
+                                        <p:cTn id="12" dur="500"/>
+                                        <p:tgtEl>
+                                          <p:spTgt spid="3">
+                                            <p:txEl>
+                                              <p:pRg st="1" end="1"/>
+                                            </p:txEl>
+                                          </p:spTgt>
+                                        </p:tgtEl>
+                                      </p:cBhvr>
+                                    </p:animEffect>
+                                  </p:childTnLst>
+                                </p:cTn>
+                              </p:par>
+                            </p:childTnLst>
+                          </p:cTn>
+                        </p:par>
+                      </p:childTnLst>
+                    </p:cTn>
+                  </p:par>
+                  <p:par>
+                    <p:cTn id="13" fill="hold">
+                      <p:stCondLst>
+                        <p:cond delay="indefinite"/>
+                      </p:stCondLst>
+                      <p:childTnLst>
+                        <p:par>
+                          <p:cTn id="14" fill="hold">
+                            <p:stCondLst>
+                              <p:cond delay="0"/>
+                            </p:stCondLst>
+                            <p:childTnLst>
+                              <p:par>
+                                <p:cTn id="15" presetID="10" presetClass="entr" presetSubtype="0" fill="hold" grpId="0" nodeType="clickEffect">
+                                  <p:stCondLst>
+                                    <p:cond delay="0"/>
+                                  </p:stCondLst>
+                                  <p:childTnLst>
+                                    <p:set>
+                                      <p:cBhvr>
+                                        <p:cTn id="16" dur="1" fill="hold">
+                                          <p:stCondLst>
+                                            <p:cond delay="0"/>
+                                          </p:stCondLst>
+                                        </p:cTn>
+                                        <p:tgtEl>
+                                          <p:spTgt spid="3">
+                                            <p:txEl>
+                                              <p:pRg st="2" end="2"/>
+                                            </p:txEl>
+                                          </p:spTgt>
+                                        </p:tgtEl>
+                                        <p:attrNameLst>
+                                          <p:attrName>style.visibility</p:attrName>
+                                        </p:attrNameLst>
+                                      </p:cBhvr>
+                                      <p:to>
+                                        <p:strVal val="visible"/>
+                                      </p:to>
+                                    </p:set>
+                                    <p:animEffect transition="in" filter="fade">
+                                      <p:cBhvr>
+                                        <p:cTn id="17" dur="500"/>
+                                        <p:tgtEl>
+                                          <p:spTgt spid="3">
+                                            <p:txEl>
+                                              <p:pRg st="2" end="2"/>
+                                            </p:txEl>
+                                          </p:spTgt>
+                                        </p:tgtEl>
+                                      </p:cBhvr>
+                                    </p:animEffect>
+                                  </p:childTnLst>
+                                </p:cTn>
+                              </p:par>
+                            </p:childTnLst>
+                          </p:cTn>
+                        </p:par>
+                      </p:childTnLst>
+                    </p:cTn>
+                  </p:par>
+                  <p:par>
+                    <p:cTn id="18" fill="hold">
+                      <p:stCondLst>
+                        <p:cond delay="indefinite"/>
+                      </p:stCondLst>
+                      <p:childTnLst>
+                        <p:par>
+                          <p:cTn id="19" fill="hold">
+                            <p:stCondLst>
+                              <p:cond delay="0"/>
+                            </p:stCondLst>
+                            <p:childTnLst>
+                              <p:par>
+                                <p:cTn id="20" presetID="10" presetClass="entr" presetSubtype="0" fill="hold" grpId="0" nodeType="clickEffect">
+                                  <p:stCondLst>
+                                    <p:cond delay="0"/>
+                                  </p:stCondLst>
+                                  <p:childTnLst>
+                                    <p:set>
+                                      <p:cBhvr>
+                                        <p:cTn id="21" dur="1" fill="hold">
+                                          <p:stCondLst>
+                                            <p:cond delay="0"/>
+                                          </p:stCondLst>
+                                        </p:cTn>
+                                        <p:tgtEl>
+                                          <p:spTgt spid="3">
+                                            <p:txEl>
+                                              <p:pRg st="3" end="3"/>
+                                            </p:txEl>
+                                          </p:spTgt>
+                                        </p:tgtEl>
+                                        <p:attrNameLst>
+                                          <p:attrName>style.visibility</p:attrName>
+                                        </p:attrNameLst>
+                                      </p:cBhvr>
+                                      <p:to>
+                                        <p:strVal val="visible"/>
+                                      </p:to>
+                                    </p:set>
+                                    <p:animEffect transition="in" filter="fade">
+                                      <p:cBhvr>
+                                        <p:cTn id="22" dur="500"/>
+                                        <p:tgtEl>
+                                          <p:spTgt spid="3">
+                                            <p:txEl>
+                                              <p:pRg st="3" end="3"/>
+                                            </p:txEl>
+                                          </p:spTgt>
+                                        </p:tgtEl>
+                                      </p:cBhvr>
+                                    </p:animEffect>
+                                  </p:childTnLst>
+                                </p:cTn>
+                              </p:par>
+                            </p:childTnLst>
+                          </p:cTn>
+                        </p:par>
+                      </p:childTnLst>
+                    </p:cTn>
+                  </p:par>
+                  <p:par>
+                    <p:cTn id="23" fill="hold">
+                      <p:stCondLst>
+                        <p:cond delay="indefinite"/>
+                      </p:stCondLst>
+                      <p:childTnLst>
+                        <p:par>
+                          <p:cTn id="24" fill="hold">
+                            <p:stCondLst>
+                              <p:cond delay="0"/>
+                            </p:stCondLst>
+                            <p:childTnLst>
+                              <p:par>
+                                <p:cTn id="25" presetID="10" presetClass="entr" presetSubtype="0" fill="hold" grpId="0" nodeType="clickEffect">
+                                  <p:stCondLst>
+                                    <p:cond delay="0"/>
+                                  </p:stCondLst>
+                                  <p:childTnLst>
+                                    <p:set>
+                                      <p:cBhvr>
+                                        <p:cTn id="26" dur="1" fill="hold">
+                                          <p:stCondLst>
+                                            <p:cond delay="0"/>
+                                          </p:stCondLst>
+                                        </p:cTn>
+                                        <p:tgtEl>
+                                          <p:spTgt spid="3">
+                                            <p:txEl>
+                                              <p:pRg st="4" end="4"/>
+                                            </p:txEl>
+                                          </p:spTgt>
+                                        </p:tgtEl>
+                                        <p:attrNameLst>
+                                          <p:attrName>style.visibility</p:attrName>
+                                        </p:attrNameLst>
+                                      </p:cBhvr>
+                                      <p:to>
+                                        <p:strVal val="visible"/>
+                                      </p:to>
+                                    </p:set>
+                                    <p:animEffect transition="in" filter="fade">
+                                      <p:cBhvr>
+                                        <p:cTn id="27" dur="500"/>
+                                        <p:tgtEl>
+                                          <p:spTgt spid="3">
+                                            <p:txEl>
+                                              <p:pRg st="4" end="4"/>
+                                            </p:txEl>
+                                          </p:spTgt>
+                                        </p:tgtEl>
+                                      </p:cBhvr>
+                                    </p:animEffect>
+                                  </p:childTnLst>
+                                </p:cTn>
+                              </p:par>
+                            </p:childTnLst>
+                          </p:cTn>
+                        </p:par>
+                      </p:childTnLst>
+                    </p:cTn>
+                  </p:par>
+                  <p:par>
+                    <p:cTn id="28" fill="hold">
+                      <p:stCondLst>
+                        <p:cond delay="indefinite"/>
+                      </p:stCondLst>
+                      <p:childTnLst>
+                        <p:par>
+                          <p:cTn id="29" fill="hold">
+                            <p:stCondLst>
+                              <p:cond delay="0"/>
+                            </p:stCondLst>
+                            <p:childTnLst>
+                              <p:par>
+                                <p:cTn id="30" presetID="10" presetClass="entr" presetSubtype="0" fill="hold" grpId="0" nodeType="clickEffect">
+                                  <p:stCondLst>
+                                    <p:cond delay="0"/>
+                                  </p:stCondLst>
+                                  <p:childTnLst>
+                                    <p:set>
+                                      <p:cBhvr>
+                                        <p:cTn id="31" dur="1" fill="hold">
+                                          <p:stCondLst>
+                                            <p:cond delay="0"/>
+                                          </p:stCondLst>
+                                        </p:cTn>
+                                        <p:tgtEl>
+                                          <p:spTgt spid="3">
+                                            <p:txEl>
+                                              <p:pRg st="5" end="5"/>
+                                            </p:txEl>
+                                          </p:spTgt>
+                                        </p:tgtEl>
+                                        <p:attrNameLst>
+                                          <p:attrName>style.visibility</p:attrName>
+                                        </p:attrNameLst>
+                                      </p:cBhvr>
+                                      <p:to>
+                                        <p:strVal val="visible"/>
+                                      </p:to>
+                                    </p:set>
+                                    <p:animEffect transition="in" filter="fade">
+                                      <p:cBhvr>
+                                        <p:cTn id="32" dur="500"/>
+                                        <p:tgtEl>
+                                          <p:spTgt spid="3">
+                                            <p:txEl>
+                                              <p:pRg st="5" end="5"/>
+                                            </p:txEl>
+                                          </p:spTgt>
+                                        </p:tgtEl>
+                                      </p:cBhvr>
+                                    </p:animEffect>
+                                  </p:childTnLst>
+                                </p:cTn>
+                              </p:par>
+                            </p:childTnLst>
+                          </p:cTn>
+                        </p:par>
+                      </p:childTnLst>
+                    </p:cTn>
+                  </p:par>
+                  <p:par>
+                    <p:cTn id="33" fill="hold">
+                      <p:stCondLst>
+                        <p:cond delay="indefinite"/>
+                      </p:stCondLst>
+                      <p:childTnLst>
+                        <p:par>
+                          <p:cTn id="34" fill="hold">
+                            <p:stCondLst>
+                              <p:cond delay="0"/>
+                            </p:stCondLst>
+                            <p:childTnLst>
+                              <p:par>
+                                <p:cTn id="35" presetID="10" presetClass="entr" presetSubtype="0" fill="hold" grpId="0" nodeType="clickEffect">
+                                  <p:stCondLst>
+                                    <p:cond delay="0"/>
+                                  </p:stCondLst>
+                                  <p:childTnLst>
+                                    <p:set>
+                                      <p:cBhvr>
+                                        <p:cTn id="36" dur="1" fill="hold">
+                                          <p:stCondLst>
+                                            <p:cond delay="0"/>
+                                          </p:stCondLst>
+                                        </p:cTn>
+                                        <p:tgtEl>
+                                          <p:spTgt spid="3">
+                                            <p:txEl>
+                                              <p:pRg st="6" end="6"/>
+                                            </p:txEl>
+                                          </p:spTgt>
+                                        </p:tgtEl>
+                                        <p:attrNameLst>
+                                          <p:attrName>style.visibility</p:attrName>
+                                        </p:attrNameLst>
+                                      </p:cBhvr>
+                                      <p:to>
+                                        <p:strVal val="visible"/>
+                                      </p:to>
+                                    </p:set>
+                                    <p:animEffect transition="in" filter="fade">
+                                      <p:cBhvr>
+                                        <p:cTn id="37" dur="500"/>
+                                        <p:tgtEl>
+                                          <p:spTgt spid="3">
+                                            <p:txEl>
+                                              <p:pRg st="6" end="6"/>
+                                            </p:txEl>
+                                          </p:spTgt>
+                                        </p:tgtEl>
+                                      </p:cBhvr>
+                                    </p:animEffect>
+                                  </p:childTnLst>
+                                </p:cTn>
+                              </p:par>
+                            </p:childTnLst>
+                          </p:cTn>
+                        </p:par>
+                      </p:childTnLst>
+                    </p:cTn>
+                  </p:par>
+                  <p:par>
+                    <p:cTn id="38" fill="hold">
+                      <p:stCondLst>
+                        <p:cond delay="indefinite"/>
+                      </p:stCondLst>
+                      <p:childTnLst>
+                        <p:par>
+                          <p:cTn id="39" fill="hold">
+                            <p:stCondLst>
+                              <p:cond delay="0"/>
+                            </p:stCondLst>
+                            <p:childTnLst>
+                              <p:par>
+                                <p:cTn id="40" presetID="10" presetClass="entr" presetSubtype="0" fill="hold" grpId="0" nodeType="clickEffect">
+                                  <p:stCondLst>
+                                    <p:cond delay="0"/>
+                                  </p:stCondLst>
+                                  <p:childTnLst>
+                                    <p:set>
+                                      <p:cBhvr>
+                                        <p:cTn id="41" dur="1" fill="hold">
+                                          <p:stCondLst>
+                                            <p:cond delay="0"/>
+                                          </p:stCondLst>
+                                        </p:cTn>
+                                        <p:tgtEl>
+                                          <p:spTgt spid="3">
+                                            <p:txEl>
+                                              <p:pRg st="7" end="7"/>
+                                            </p:txEl>
+                                          </p:spTgt>
+                                        </p:tgtEl>
+                                        <p:attrNameLst>
+                                          <p:attrName>style.visibility</p:attrName>
+                                        </p:attrNameLst>
+                                      </p:cBhvr>
+                                      <p:to>
+                                        <p:strVal val="visible"/>
+                                      </p:to>
+                                    </p:set>
+                                    <p:animEffect transition="in" filter="fade">
+                                      <p:cBhvr>
+                                        <p:cTn id="42" dur="500"/>
+                                        <p:tgtEl>
+                                          <p:spTgt spid="3">
+                                            <p:txEl>
+                                              <p:pRg st="7" end="7"/>
+                                            </p:txEl>
+                                          </p:spTgt>
+                                        </p:tgtEl>
+                                      </p:cBhvr>
+                                    </p:animEffect>
+                                  </p:childTnLst>
+                                </p:cTn>
+                              </p:par>
+                              <p:par>
+                                <p:cTn id="43" presetID="10" presetClass="entr" presetSubtype="0" fill="hold" grpId="0" nodeType="withEffect">
+                                  <p:stCondLst>
+                                    <p:cond delay="0"/>
+                                  </p:stCondLst>
+                                  <p:childTnLst>
+                                    <p:set>
+                                      <p:cBhvr>
+                                        <p:cTn id="44" dur="1" fill="hold">
+                                          <p:stCondLst>
+                                            <p:cond delay="0"/>
+                                          </p:stCondLst>
+                                        </p:cTn>
+                                        <p:tgtEl>
+                                          <p:spTgt spid="3">
+                                            <p:txEl>
+                                              <p:pRg st="8" end="8"/>
+                                            </p:txEl>
+                                          </p:spTgt>
+                                        </p:tgtEl>
+                                        <p:attrNameLst>
+                                          <p:attrName>style.visibility</p:attrName>
+                                        </p:attrNameLst>
+                                      </p:cBhvr>
+                                      <p:to>
+                                        <p:strVal val="visible"/>
+                                      </p:to>
+                                    </p:set>
+                                    <p:animEffect transition="in" filter="fade">
+                                      <p:cBhvr>
+                                        <p:cTn id="45" dur="500"/>
+                                        <p:tgtEl>
+                                          <p:spTgt spid="3">
+                                            <p:txEl>
+                                              <p:pRg st="8" end="8"/>
+                                            </p:txEl>
+                                          </p:spTgt>
+                                        </p:tgtEl>
+                                      </p:cBhvr>
+                                    </p:animEffect>
+                                  </p:childTnLst>
+                                </p:cTn>
+                              </p:par>
+                            </p:childTnLst>
+                          </p:cTn>
+                        </p:par>
+                      </p:childTnLst>
+                    </p:cTn>
+                  </p:par>
+                </p:childTnLst>
+              </p:cTn>
+              <p:prevCondLst>
+                <p:cond evt="onPrev" delay="0">
+                  <p:tgtEl>
+                    <p:sldTgt/>
+                  </p:tgtEl>
+                </p:cond>
+              </p:prevCondLst>
+              <p:nextCondLst>
+                <p:cond evt="onNext" delay="0">
+                  <p:tgtEl>
+                    <p:sldTgt/>
+                  </p:tgtEl>
+                </p:cond>
+              </p:nextCondLst>
+            </p:seq>
+          </p:childTnLst>
+        </p:cTn>
+      </p:par>
+    </p:tnLst>
+    <p:bldLst>
+      <p:bldP spid="3" grpId="0" build="p"/>
+    </p:bldLst>
+  </p:timing>
 </p:sld>
 </file>
 
@@ -29003,6 +35742,93 @@
       </p:par>
     </p:tnLst>
   </p:timing>
+</p:sld>
+</file>
+
+<file path=ppt/slides/slide41.xml><?xml version="1.0" encoding="utf-8"?>
+<p:sld xmlns:a="http://schemas.openxmlformats.org/drawingml/2006/main" xmlns:r="http://schemas.openxmlformats.org/officeDocument/2006/relationships" xmlns:p="http://schemas.openxmlformats.org/presentationml/2006/main">
+  <p:cSld>
+    <p:spTree>
+      <p:nvGrpSpPr>
+        <p:cNvPr id="1" name=""/>
+        <p:cNvGrpSpPr/>
+        <p:nvPr/>
+      </p:nvGrpSpPr>
+      <p:grpSpPr>
+        <a:xfrm>
+          <a:off x="0" y="0"/>
+          <a:ext cx="0" cy="0"/>
+          <a:chOff x="0" y="0"/>
+          <a:chExt cx="0" cy="0"/>
+        </a:xfrm>
+      </p:grpSpPr>
+      <p:sp>
+        <p:nvSpPr>
+          <p:cNvPr id="2" name="Title 1">
+            <a:extLst>
+              <a:ext uri="{FF2B5EF4-FFF2-40B4-BE49-F238E27FC236}">
+                <a16:creationId xmlns:a16="http://schemas.microsoft.com/office/drawing/2014/main" id="{C3F44E48-C215-4F86-8FA6-329134556991}"/>
+              </a:ext>
+            </a:extLst>
+          </p:cNvPr>
+          <p:cNvSpPr>
+            <a:spLocks noGrp="1"/>
+          </p:cNvSpPr>
+          <p:nvPr>
+            <p:ph type="title"/>
+          </p:nvPr>
+        </p:nvSpPr>
+        <p:spPr/>
+        <p:txBody>
+          <a:bodyPr/>
+          <a:lstStyle/>
+          <a:p>
+            <a:r>
+              <a:rPr lang="en-US" dirty="0"/>
+              <a:t>A Q&amp;A Session</a:t>
+            </a:r>
+          </a:p>
+        </p:txBody>
+      </p:sp>
+      <p:sp>
+        <p:nvSpPr>
+          <p:cNvPr id="3" name="Text Placeholder 2">
+            <a:extLst>
+              <a:ext uri="{FF2B5EF4-FFF2-40B4-BE49-F238E27FC236}">
+                <a16:creationId xmlns:a16="http://schemas.microsoft.com/office/drawing/2014/main" id="{7D737BA7-88E9-44E9-A1D8-9AF29CD9B8E7}"/>
+              </a:ext>
+            </a:extLst>
+          </p:cNvPr>
+          <p:cNvSpPr>
+            <a:spLocks noGrp="1"/>
+          </p:cNvSpPr>
+          <p:nvPr>
+            <p:ph type="body" idx="1"/>
+          </p:nvPr>
+        </p:nvSpPr>
+        <p:spPr/>
+        <p:txBody>
+          <a:bodyPr/>
+          <a:lstStyle/>
+          <a:p>
+            <a:r>
+              <a:rPr lang="en-US"/>
+              <a:t>Where I Expose My Ignorance</a:t>
+            </a:r>
+            <a:endParaRPr lang="en-US" dirty="0"/>
+          </a:p>
+        </p:txBody>
+      </p:sp>
+    </p:spTree>
+    <p:extLst>
+      <p:ext uri="{BB962C8B-B14F-4D97-AF65-F5344CB8AC3E}">
+        <p14:creationId xmlns:p14="http://schemas.microsoft.com/office/powerpoint/2010/main" val="3487449393"/>
+      </p:ext>
+    </p:extLst>
+  </p:cSld>
+  <p:clrMapOvr>
+    <a:masterClrMapping/>
+  </p:clrMapOvr>
 </p:sld>
 </file>
 
@@ -31116,7 +37942,7 @@
 <file path=ppt/theme/theme1.xml><?xml version="1.0" encoding="utf-8"?>
 <a:theme xmlns:a="http://schemas.openxmlformats.org/drawingml/2006/main" name="Dividend">
   <a:themeElements>
-    <a:clrScheme name="Dividend">
+    <a:clrScheme name="Blue Warm">
       <a:dk1>
         <a:sysClr val="windowText" lastClr="000000"/>
       </a:dk1>
@@ -31124,34 +37950,34 @@
         <a:sysClr val="window" lastClr="FFFFFF"/>
       </a:lt1>
       <a:dk2>
-        <a:srgbClr val="3D3D3D"/>
+        <a:srgbClr val="242852"/>
       </a:dk2>
       <a:lt2>
-        <a:srgbClr val="EBEBEB"/>
+        <a:srgbClr val="ACCBF9"/>
       </a:lt2>
       <a:accent1>
-        <a:srgbClr val="465359"/>
+        <a:srgbClr val="4A66AC"/>
       </a:accent1>
       <a:accent2>
-        <a:srgbClr val="ED8428"/>
+        <a:srgbClr val="629DD1"/>
       </a:accent2>
       <a:accent3>
-        <a:srgbClr val="E6C46D"/>
+        <a:srgbClr val="297FD5"/>
       </a:accent3>
       <a:accent4>
-        <a:srgbClr val="969FA7"/>
+        <a:srgbClr val="7F8FA9"/>
       </a:accent4>
       <a:accent5>
-        <a:srgbClr val="A9C37C"/>
+        <a:srgbClr val="5AA2AE"/>
       </a:accent5>
       <a:accent6>
-        <a:srgbClr val="5A8071"/>
+        <a:srgbClr val="9D90A0"/>
       </a:accent6>
       <a:hlink>
-        <a:srgbClr val="828282"/>
+        <a:srgbClr val="9454C3"/>
       </a:hlink>
       <a:folHlink>
-        <a:srgbClr val="A5A5A5"/>
+        <a:srgbClr val="3EBBF0"/>
       </a:folHlink>
     </a:clrScheme>
     <a:fontScheme name="Dividend">
@@ -31383,6 +38209,301 @@
 </file>
 
 <file path=ppt/theme/theme2.xml><?xml version="1.0" encoding="utf-8"?>
+<a:theme xmlns:a="http://schemas.openxmlformats.org/drawingml/2006/main" name="Office Theme">
+  <a:themeElements>
+    <a:clrScheme name="Office">
+      <a:dk1>
+        <a:sysClr val="windowText" lastClr="000000"/>
+      </a:dk1>
+      <a:lt1>
+        <a:sysClr val="window" lastClr="FFFFFF"/>
+      </a:lt1>
+      <a:dk2>
+        <a:srgbClr val="44546A"/>
+      </a:dk2>
+      <a:lt2>
+        <a:srgbClr val="E7E6E6"/>
+      </a:lt2>
+      <a:accent1>
+        <a:srgbClr val="4472C4"/>
+      </a:accent1>
+      <a:accent2>
+        <a:srgbClr val="ED7D31"/>
+      </a:accent2>
+      <a:accent3>
+        <a:srgbClr val="A5A5A5"/>
+      </a:accent3>
+      <a:accent4>
+        <a:srgbClr val="FFC000"/>
+      </a:accent4>
+      <a:accent5>
+        <a:srgbClr val="5B9BD5"/>
+      </a:accent5>
+      <a:accent6>
+        <a:srgbClr val="70AD47"/>
+      </a:accent6>
+      <a:hlink>
+        <a:srgbClr val="0563C1"/>
+      </a:hlink>
+      <a:folHlink>
+        <a:srgbClr val="954F72"/>
+      </a:folHlink>
+    </a:clrScheme>
+    <a:fontScheme name="Office">
+      <a:majorFont>
+        <a:latin typeface="Calibri Light" panose="020F0302020204030204"/>
+        <a:ea typeface=""/>
+        <a:cs typeface=""/>
+        <a:font script="Jpan" typeface="游ゴシック Light"/>
+        <a:font script="Hang" typeface="맑은 고딕"/>
+        <a:font script="Hans" typeface="等线 Light"/>
+        <a:font script="Hant" typeface="新細明體"/>
+        <a:font script="Arab" typeface="Times New Roman"/>
+        <a:font script="Hebr" typeface="Times New Roman"/>
+        <a:font script="Thai" typeface="Angsana New"/>
+        <a:font script="Ethi" typeface="Nyala"/>
+        <a:font script="Beng" typeface="Vrinda"/>
+        <a:font script="Gujr" typeface="Shruti"/>
+        <a:font script="Khmr" typeface="MoolBoran"/>
+        <a:font script="Knda" typeface="Tunga"/>
+        <a:font script="Guru" typeface="Raavi"/>
+        <a:font script="Cans" typeface="Euphemia"/>
+        <a:font script="Cher" typeface="Plantagenet Cherokee"/>
+        <a:font script="Yiii" typeface="Microsoft Yi Baiti"/>
+        <a:font script="Tibt" typeface="Microsoft Himalaya"/>
+        <a:font script="Thaa" typeface="MV Boli"/>
+        <a:font script="Deva" typeface="Mangal"/>
+        <a:font script="Telu" typeface="Gautami"/>
+        <a:font script="Taml" typeface="Latha"/>
+        <a:font script="Syrc" typeface="Estrangelo Edessa"/>
+        <a:font script="Orya" typeface="Kalinga"/>
+        <a:font script="Mlym" typeface="Kartika"/>
+        <a:font script="Laoo" typeface="DokChampa"/>
+        <a:font script="Sinh" typeface="Iskoola Pota"/>
+        <a:font script="Mong" typeface="Mongolian Baiti"/>
+        <a:font script="Viet" typeface="Times New Roman"/>
+        <a:font script="Uigh" typeface="Microsoft Uighur"/>
+        <a:font script="Geor" typeface="Sylfaen"/>
+        <a:font script="Armn" typeface="Arial"/>
+        <a:font script="Bugi" typeface="Leelawadee UI"/>
+        <a:font script="Bopo" typeface="Microsoft JhengHei"/>
+        <a:font script="Java" typeface="Javanese Text"/>
+        <a:font script="Lisu" typeface="Segoe UI"/>
+        <a:font script="Mymr" typeface="Myanmar Text"/>
+        <a:font script="Nkoo" typeface="Ebrima"/>
+        <a:font script="Olck" typeface="Nirmala UI"/>
+        <a:font script="Osma" typeface="Ebrima"/>
+        <a:font script="Phag" typeface="Phagspa"/>
+        <a:font script="Syrn" typeface="Estrangelo Edessa"/>
+        <a:font script="Syrj" typeface="Estrangelo Edessa"/>
+        <a:font script="Syre" typeface="Estrangelo Edessa"/>
+        <a:font script="Sora" typeface="Nirmala UI"/>
+        <a:font script="Tale" typeface="Microsoft Tai Le"/>
+        <a:font script="Talu" typeface="Microsoft New Tai Lue"/>
+        <a:font script="Tfng" typeface="Ebrima"/>
+      </a:majorFont>
+      <a:minorFont>
+        <a:latin typeface="Calibri" panose="020F0502020204030204"/>
+        <a:ea typeface=""/>
+        <a:cs typeface=""/>
+        <a:font script="Jpan" typeface="游ゴシック"/>
+        <a:font script="Hang" typeface="맑은 고딕"/>
+        <a:font script="Hans" typeface="等线"/>
+        <a:font script="Hant" typeface="新細明體"/>
+        <a:font script="Arab" typeface="Arial"/>
+        <a:font script="Hebr" typeface="Arial"/>
+        <a:font script="Thai" typeface="Cordia New"/>
+        <a:font script="Ethi" typeface="Nyala"/>
+        <a:font script="Beng" typeface="Vrinda"/>
+        <a:font script="Gujr" typeface="Shruti"/>
+        <a:font script="Khmr" typeface="DaunPenh"/>
+        <a:font script="Knda" typeface="Tunga"/>
+        <a:font script="Guru" typeface="Raavi"/>
+        <a:font script="Cans" typeface="Euphemia"/>
+        <a:font script="Cher" typeface="Plantagenet Cherokee"/>
+        <a:font script="Yiii" typeface="Microsoft Yi Baiti"/>
+        <a:font script="Tibt" typeface="Microsoft Himalaya"/>
+        <a:font script="Thaa" typeface="MV Boli"/>
+        <a:font script="Deva" typeface="Mangal"/>
+        <a:font script="Telu" typeface="Gautami"/>
+        <a:font script="Taml" typeface="Latha"/>
+        <a:font script="Syrc" typeface="Estrangelo Edessa"/>
+        <a:font script="Orya" typeface="Kalinga"/>
+        <a:font script="Mlym" typeface="Kartika"/>
+        <a:font script="Laoo" typeface="DokChampa"/>
+        <a:font script="Sinh" typeface="Iskoola Pota"/>
+        <a:font script="Mong" typeface="Mongolian Baiti"/>
+        <a:font script="Viet" typeface="Arial"/>
+        <a:font script="Uigh" typeface="Microsoft Uighur"/>
+        <a:font script="Geor" typeface="Sylfaen"/>
+        <a:font script="Armn" typeface="Arial"/>
+        <a:font script="Bugi" typeface="Leelawadee UI"/>
+        <a:font script="Bopo" typeface="Microsoft JhengHei"/>
+        <a:font script="Java" typeface="Javanese Text"/>
+        <a:font script="Lisu" typeface="Segoe UI"/>
+        <a:font script="Mymr" typeface="Myanmar Text"/>
+        <a:font script="Nkoo" typeface="Ebrima"/>
+        <a:font script="Olck" typeface="Nirmala UI"/>
+        <a:font script="Osma" typeface="Ebrima"/>
+        <a:font script="Phag" typeface="Phagspa"/>
+        <a:font script="Syrn" typeface="Estrangelo Edessa"/>
+        <a:font script="Syrj" typeface="Estrangelo Edessa"/>
+        <a:font script="Syre" typeface="Estrangelo Edessa"/>
+        <a:font script="Sora" typeface="Nirmala UI"/>
+        <a:font script="Tale" typeface="Microsoft Tai Le"/>
+        <a:font script="Talu" typeface="Microsoft New Tai Lue"/>
+        <a:font script="Tfng" typeface="Ebrima"/>
+      </a:minorFont>
+    </a:fontScheme>
+    <a:fmtScheme name="Office">
+      <a:fillStyleLst>
+        <a:solidFill>
+          <a:schemeClr val="phClr"/>
+        </a:solidFill>
+        <a:gradFill rotWithShape="1">
+          <a:gsLst>
+            <a:gs pos="0">
+              <a:schemeClr val="phClr">
+                <a:lumMod val="110000"/>
+                <a:satMod val="105000"/>
+                <a:tint val="67000"/>
+              </a:schemeClr>
+            </a:gs>
+            <a:gs pos="50000">
+              <a:schemeClr val="phClr">
+                <a:lumMod val="105000"/>
+                <a:satMod val="103000"/>
+                <a:tint val="73000"/>
+              </a:schemeClr>
+            </a:gs>
+            <a:gs pos="100000">
+              <a:schemeClr val="phClr">
+                <a:lumMod val="105000"/>
+                <a:satMod val="109000"/>
+                <a:tint val="81000"/>
+              </a:schemeClr>
+            </a:gs>
+          </a:gsLst>
+          <a:lin ang="5400000" scaled="0"/>
+        </a:gradFill>
+        <a:gradFill rotWithShape="1">
+          <a:gsLst>
+            <a:gs pos="0">
+              <a:schemeClr val="phClr">
+                <a:satMod val="103000"/>
+                <a:lumMod val="102000"/>
+                <a:tint val="94000"/>
+              </a:schemeClr>
+            </a:gs>
+            <a:gs pos="50000">
+              <a:schemeClr val="phClr">
+                <a:satMod val="110000"/>
+                <a:lumMod val="100000"/>
+                <a:shade val="100000"/>
+              </a:schemeClr>
+            </a:gs>
+            <a:gs pos="100000">
+              <a:schemeClr val="phClr">
+                <a:lumMod val="99000"/>
+                <a:satMod val="120000"/>
+                <a:shade val="78000"/>
+              </a:schemeClr>
+            </a:gs>
+          </a:gsLst>
+          <a:lin ang="5400000" scaled="0"/>
+        </a:gradFill>
+      </a:fillStyleLst>
+      <a:lnStyleLst>
+        <a:ln w="6350" cap="flat" cmpd="sng" algn="ctr">
+          <a:solidFill>
+            <a:schemeClr val="phClr"/>
+          </a:solidFill>
+          <a:prstDash val="solid"/>
+          <a:miter lim="800000"/>
+        </a:ln>
+        <a:ln w="12700" cap="flat" cmpd="sng" algn="ctr">
+          <a:solidFill>
+            <a:schemeClr val="phClr"/>
+          </a:solidFill>
+          <a:prstDash val="solid"/>
+          <a:miter lim="800000"/>
+        </a:ln>
+        <a:ln w="19050" cap="flat" cmpd="sng" algn="ctr">
+          <a:solidFill>
+            <a:schemeClr val="phClr"/>
+          </a:solidFill>
+          <a:prstDash val="solid"/>
+          <a:miter lim="800000"/>
+        </a:ln>
+      </a:lnStyleLst>
+      <a:effectStyleLst>
+        <a:effectStyle>
+          <a:effectLst/>
+        </a:effectStyle>
+        <a:effectStyle>
+          <a:effectLst/>
+        </a:effectStyle>
+        <a:effectStyle>
+          <a:effectLst>
+            <a:outerShdw blurRad="57150" dist="19050" dir="5400000" algn="ctr" rotWithShape="0">
+              <a:srgbClr val="000000">
+                <a:alpha val="63000"/>
+              </a:srgbClr>
+            </a:outerShdw>
+          </a:effectLst>
+        </a:effectStyle>
+      </a:effectStyleLst>
+      <a:bgFillStyleLst>
+        <a:solidFill>
+          <a:schemeClr val="phClr"/>
+        </a:solidFill>
+        <a:solidFill>
+          <a:schemeClr val="phClr">
+            <a:tint val="95000"/>
+            <a:satMod val="170000"/>
+          </a:schemeClr>
+        </a:solidFill>
+        <a:gradFill rotWithShape="1">
+          <a:gsLst>
+            <a:gs pos="0">
+              <a:schemeClr val="phClr">
+                <a:tint val="93000"/>
+                <a:satMod val="150000"/>
+                <a:shade val="98000"/>
+                <a:lumMod val="102000"/>
+              </a:schemeClr>
+            </a:gs>
+            <a:gs pos="50000">
+              <a:schemeClr val="phClr">
+                <a:tint val="98000"/>
+                <a:satMod val="130000"/>
+                <a:shade val="90000"/>
+                <a:lumMod val="103000"/>
+              </a:schemeClr>
+            </a:gs>
+            <a:gs pos="100000">
+              <a:schemeClr val="phClr">
+                <a:shade val="63000"/>
+                <a:satMod val="120000"/>
+              </a:schemeClr>
+            </a:gs>
+          </a:gsLst>
+          <a:lin ang="5400000" scaled="0"/>
+        </a:gradFill>
+      </a:bgFillStyleLst>
+    </a:fmtScheme>
+  </a:themeElements>
+  <a:objectDefaults/>
+  <a:extraClrSchemeLst/>
+  <a:extLst>
+    <a:ext uri="{05A4C25C-085E-4340-85A3-A5531E510DB2}">
+      <thm15:themeFamily xmlns:thm15="http://schemas.microsoft.com/office/thememl/2012/main" name="Office Theme" id="{62F939B6-93AF-4DB8-9C6B-D6C7DFDC589F}" vid="{4A3C46E8-61CC-4603-A589-7422A47A8E4A}"/>
+    </a:ext>
+  </a:extLst>
+</a:theme>
+</file>
+
+<file path=ppt/theme/theme3.xml><?xml version="1.0" encoding="utf-8"?>
 <a:theme xmlns:a="http://schemas.openxmlformats.org/drawingml/2006/main" name="Office Theme">
   <a:themeElements>
     <a:clrScheme name="Office">

--- a/presentation/presentation.pptx
+++ b/presentation/presentation.pptx
@@ -6,50 +6,52 @@
     <p:sldMasterId id="2147483660" r:id="rId2"/>
   </p:sldMasterIdLst>
   <p:notesMasterIdLst>
-    <p:notesMasterId r:id="rId44"/>
+    <p:notesMasterId r:id="rId46"/>
   </p:notesMasterIdLst>
   <p:sldIdLst>
     <p:sldId id="256" r:id="rId3"/>
     <p:sldId id="259" r:id="rId4"/>
     <p:sldId id="260" r:id="rId5"/>
-    <p:sldId id="261" r:id="rId6"/>
-    <p:sldId id="262" r:id="rId7"/>
-    <p:sldId id="263" r:id="rId8"/>
-    <p:sldId id="264" r:id="rId9"/>
-    <p:sldId id="265" r:id="rId10"/>
-    <p:sldId id="267" r:id="rId11"/>
-    <p:sldId id="270" r:id="rId12"/>
-    <p:sldId id="268" r:id="rId13"/>
-    <p:sldId id="269" r:id="rId14"/>
-    <p:sldId id="303" r:id="rId15"/>
-    <p:sldId id="280" r:id="rId16"/>
-    <p:sldId id="273" r:id="rId17"/>
-    <p:sldId id="276" r:id="rId18"/>
-    <p:sldId id="277" r:id="rId19"/>
-    <p:sldId id="278" r:id="rId20"/>
-    <p:sldId id="279" r:id="rId21"/>
-    <p:sldId id="281" r:id="rId22"/>
-    <p:sldId id="282" r:id="rId23"/>
-    <p:sldId id="283" r:id="rId24"/>
-    <p:sldId id="293" r:id="rId25"/>
-    <p:sldId id="294" r:id="rId26"/>
-    <p:sldId id="284" r:id="rId27"/>
-    <p:sldId id="285" r:id="rId28"/>
-    <p:sldId id="287" r:id="rId29"/>
-    <p:sldId id="286" r:id="rId30"/>
-    <p:sldId id="288" r:id="rId31"/>
-    <p:sldId id="292" r:id="rId32"/>
-    <p:sldId id="289" r:id="rId33"/>
-    <p:sldId id="290" r:id="rId34"/>
-    <p:sldId id="291" r:id="rId35"/>
-    <p:sldId id="295" r:id="rId36"/>
-    <p:sldId id="297" r:id="rId37"/>
-    <p:sldId id="298" r:id="rId38"/>
-    <p:sldId id="296" r:id="rId39"/>
-    <p:sldId id="299" r:id="rId40"/>
-    <p:sldId id="300" r:id="rId41"/>
-    <p:sldId id="301" r:id="rId42"/>
-    <p:sldId id="302" r:id="rId43"/>
+    <p:sldId id="304" r:id="rId6"/>
+    <p:sldId id="261" r:id="rId7"/>
+    <p:sldId id="262" r:id="rId8"/>
+    <p:sldId id="263" r:id="rId9"/>
+    <p:sldId id="264" r:id="rId10"/>
+    <p:sldId id="265" r:id="rId11"/>
+    <p:sldId id="267" r:id="rId12"/>
+    <p:sldId id="270" r:id="rId13"/>
+    <p:sldId id="268" r:id="rId14"/>
+    <p:sldId id="269" r:id="rId15"/>
+    <p:sldId id="303" r:id="rId16"/>
+    <p:sldId id="280" r:id="rId17"/>
+    <p:sldId id="273" r:id="rId18"/>
+    <p:sldId id="276" r:id="rId19"/>
+    <p:sldId id="277" r:id="rId20"/>
+    <p:sldId id="278" r:id="rId21"/>
+    <p:sldId id="279" r:id="rId22"/>
+    <p:sldId id="281" r:id="rId23"/>
+    <p:sldId id="282" r:id="rId24"/>
+    <p:sldId id="283" r:id="rId25"/>
+    <p:sldId id="293" r:id="rId26"/>
+    <p:sldId id="294" r:id="rId27"/>
+    <p:sldId id="284" r:id="rId28"/>
+    <p:sldId id="285" r:id="rId29"/>
+    <p:sldId id="287" r:id="rId30"/>
+    <p:sldId id="286" r:id="rId31"/>
+    <p:sldId id="288" r:id="rId32"/>
+    <p:sldId id="292" r:id="rId33"/>
+    <p:sldId id="289" r:id="rId34"/>
+    <p:sldId id="290" r:id="rId35"/>
+    <p:sldId id="291" r:id="rId36"/>
+    <p:sldId id="295" r:id="rId37"/>
+    <p:sldId id="297" r:id="rId38"/>
+    <p:sldId id="298" r:id="rId39"/>
+    <p:sldId id="296" r:id="rId40"/>
+    <p:sldId id="299" r:id="rId41"/>
+    <p:sldId id="300" r:id="rId42"/>
+    <p:sldId id="301" r:id="rId43"/>
+    <p:sldId id="305" r:id="rId44"/>
+    <p:sldId id="302" r:id="rId45"/>
   </p:sldIdLst>
   <p:sldSz cx="12192000" cy="6858000"/>
   <p:notesSz cx="6858000" cy="9144000"/>
@@ -160,6 +162,7 @@
           <p14:sldIdLst>
             <p14:sldId id="259"/>
             <p14:sldId id="260"/>
+            <p14:sldId id="304"/>
           </p14:sldIdLst>
         </p14:section>
         <p14:section name="A Problem Statement" id="{9C193E4B-B7CA-425A-BB89-FA54529671C9}">
@@ -221,6 +224,7 @@
             <p14:sldId id="299"/>
             <p14:sldId id="300"/>
             <p14:sldId id="301"/>
+            <p14:sldId id="305"/>
           </p14:sldIdLst>
         </p14:section>
         <p14:section name="A Q&amp;A Session" id="{5FBB5FF9-8AD7-434B-821A-52152BE7B765}">
@@ -3054,7 +3058,7 @@
           <a:p>
             <a:fld id="{E0746DE6-3336-457D-A091-FA20AC1C536E}" type="slidenum">
               <a:rPr lang="en-US" smtClean="0"/>
-              <a:t>10</a:t>
+              <a:t>11</a:t>
             </a:fld>
             <a:endParaRPr lang="en-US"/>
           </a:p>
@@ -3225,7 +3229,7 @@
           <a:p>
             <a:fld id="{E0746DE6-3336-457D-A091-FA20AC1C536E}" type="slidenum">
               <a:rPr lang="en-US" smtClean="0"/>
-              <a:t>20</a:t>
+              <a:t>21</a:t>
             </a:fld>
             <a:endParaRPr lang="en-US"/>
           </a:p>
@@ -3348,7 +3352,7 @@
           <a:p>
             <a:fld id="{E0746DE6-3336-457D-A091-FA20AC1C536E}" type="slidenum">
               <a:rPr lang="en-US" smtClean="0"/>
-              <a:t>11</a:t>
+              <a:t>12</a:t>
             </a:fld>
             <a:endParaRPr lang="en-US"/>
           </a:p>
@@ -3519,7 +3523,7 @@
           <a:p>
             <a:fld id="{E0746DE6-3336-457D-A091-FA20AC1C536E}" type="slidenum">
               <a:rPr lang="en-US" smtClean="0"/>
-              <a:t>12</a:t>
+              <a:t>13</a:t>
             </a:fld>
             <a:endParaRPr lang="en-US"/>
           </a:p>
@@ -3610,7 +3614,7 @@
           <a:p>
             <a:fld id="{E0746DE6-3336-457D-A091-FA20AC1C536E}" type="slidenum">
               <a:rPr lang="en-US" smtClean="0"/>
-              <a:t>14</a:t>
+              <a:t>15</a:t>
             </a:fld>
             <a:endParaRPr lang="en-US"/>
           </a:p>
@@ -3698,7 +3702,7 @@
           <a:p>
             <a:fld id="{E0746DE6-3336-457D-A091-FA20AC1C536E}" type="slidenum">
               <a:rPr lang="en-US" smtClean="0"/>
-              <a:t>15</a:t>
+              <a:t>16</a:t>
             </a:fld>
             <a:endParaRPr lang="en-US"/>
           </a:p>
@@ -3786,7 +3790,7 @@
           <a:p>
             <a:fld id="{E0746DE6-3336-457D-A091-FA20AC1C536E}" type="slidenum">
               <a:rPr lang="en-US" smtClean="0"/>
-              <a:t>16</a:t>
+              <a:t>17</a:t>
             </a:fld>
             <a:endParaRPr lang="en-US"/>
           </a:p>
@@ -3874,7 +3878,7 @@
           <a:p>
             <a:fld id="{E0746DE6-3336-457D-A091-FA20AC1C536E}" type="slidenum">
               <a:rPr lang="en-US" smtClean="0"/>
-              <a:t>17</a:t>
+              <a:t>18</a:t>
             </a:fld>
             <a:endParaRPr lang="en-US"/>
           </a:p>
@@ -3962,7 +3966,7 @@
           <a:p>
             <a:fld id="{E0746DE6-3336-457D-A091-FA20AC1C536E}" type="slidenum">
               <a:rPr lang="en-US" smtClean="0"/>
-              <a:t>18</a:t>
+              <a:t>19</a:t>
             </a:fld>
             <a:endParaRPr lang="en-US"/>
           </a:p>
@@ -4050,7 +4054,7 @@
           <a:p>
             <a:fld id="{E0746DE6-3336-457D-A091-FA20AC1C536E}" type="slidenum">
               <a:rPr lang="en-US" smtClean="0"/>
-              <a:t>19</a:t>
+              <a:t>20</a:t>
             </a:fld>
             <a:endParaRPr lang="en-US"/>
           </a:p>
@@ -11664,6 +11668,474 @@
       </p:grpSpPr>
       <p:sp>
         <p:nvSpPr>
+          <p:cNvPr id="2" name="Title 1"/>
+          <p:cNvSpPr>
+            <a:spLocks noGrp="1"/>
+          </p:cNvSpPr>
+          <p:nvPr>
+            <p:ph type="title"/>
+          </p:nvPr>
+        </p:nvSpPr>
+        <p:spPr/>
+        <p:txBody>
+          <a:bodyPr/>
+          <a:lstStyle/>
+          <a:p>
+            <a:r>
+              <a:rPr lang="en-US" dirty="0"/>
+              <a:t>Hello Hypervisor!</a:t>
+            </a:r>
+          </a:p>
+        </p:txBody>
+      </p:sp>
+      <p:sp>
+        <p:nvSpPr>
+          <p:cNvPr id="3" name="Content Placeholder 2"/>
+          <p:cNvSpPr>
+            <a:spLocks noGrp="1"/>
+          </p:cNvSpPr>
+          <p:nvPr>
+            <p:ph idx="1"/>
+          </p:nvPr>
+        </p:nvSpPr>
+        <p:spPr/>
+        <p:txBody>
+          <a:bodyPr>
+            <a:normAutofit fontScale="85000" lnSpcReduction="10000"/>
+          </a:bodyPr>
+          <a:lstStyle/>
+          <a:p>
+            <a:pPr>
+              <a:lnSpc>
+                <a:spcPct val="270000"/>
+              </a:lnSpc>
+            </a:pPr>
+            <a:r>
+              <a:rPr lang="en-US" dirty="0"/>
+              <a:t>Along came Hypervisors</a:t>
+            </a:r>
+          </a:p>
+          <a:p>
+            <a:pPr>
+              <a:lnSpc>
+                <a:spcPct val="270000"/>
+              </a:lnSpc>
+            </a:pPr>
+            <a:r>
+              <a:rPr lang="en-US" dirty="0"/>
+              <a:t>We can now squeeze more out of physical servers</a:t>
+            </a:r>
+          </a:p>
+          <a:p>
+            <a:pPr>
+              <a:lnSpc>
+                <a:spcPct val="270000"/>
+              </a:lnSpc>
+            </a:pPr>
+            <a:r>
+              <a:rPr lang="en-US" dirty="0"/>
+              <a:t>We can still isolate an application to an OS</a:t>
+            </a:r>
+          </a:p>
+          <a:p>
+            <a:pPr>
+              <a:lnSpc>
+                <a:spcPct val="270000"/>
+              </a:lnSpc>
+            </a:pPr>
+            <a:r>
+              <a:rPr lang="en-US" dirty="0"/>
+              <a:t>Yay for VMWare!</a:t>
+            </a:r>
+          </a:p>
+          <a:p>
+            <a:pPr>
+              <a:lnSpc>
+                <a:spcPct val="270000"/>
+              </a:lnSpc>
+            </a:pPr>
+            <a:r>
+              <a:rPr lang="en-US" dirty="0"/>
+              <a:t>But there are some </a:t>
+            </a:r>
+            <a:r>
+              <a:rPr lang="en-US" dirty="0" err="1"/>
+              <a:t>VMWarts</a:t>
+            </a:r>
+            <a:endParaRPr lang="en-US" dirty="0"/>
+          </a:p>
+        </p:txBody>
+      </p:sp>
+    </p:spTree>
+    <p:extLst>
+      <p:ext uri="{BB962C8B-B14F-4D97-AF65-F5344CB8AC3E}">
+        <p14:creationId xmlns:p14="http://schemas.microsoft.com/office/powerpoint/2010/main" val="1446593834"/>
+      </p:ext>
+    </p:extLst>
+  </p:cSld>
+  <p:clrMapOvr>
+    <a:masterClrMapping/>
+  </p:clrMapOvr>
+  <p:timing>
+    <p:tnLst>
+      <p:par>
+        <p:cTn id="1" dur="indefinite" restart="never" nodeType="tmRoot">
+          <p:childTnLst>
+            <p:seq concurrent="1" nextAc="seek">
+              <p:cTn id="2" dur="indefinite" nodeType="mainSeq">
+                <p:childTnLst>
+                  <p:par>
+                    <p:cTn id="3" fill="hold">
+                      <p:stCondLst>
+                        <p:cond delay="indefinite"/>
+                      </p:stCondLst>
+                      <p:childTnLst>
+                        <p:par>
+                          <p:cTn id="4" fill="hold">
+                            <p:stCondLst>
+                              <p:cond delay="0"/>
+                            </p:stCondLst>
+                            <p:childTnLst>
+                              <p:par>
+                                <p:cTn id="5" presetID="10" presetClass="entr" presetSubtype="0" fill="hold" grpId="0" nodeType="clickEffect">
+                                  <p:stCondLst>
+                                    <p:cond delay="0"/>
+                                  </p:stCondLst>
+                                  <p:childTnLst>
+                                    <p:set>
+                                      <p:cBhvr>
+                                        <p:cTn id="6" dur="1" fill="hold">
+                                          <p:stCondLst>
+                                            <p:cond delay="0"/>
+                                          </p:stCondLst>
+                                        </p:cTn>
+                                        <p:tgtEl>
+                                          <p:spTgt spid="3">
+                                            <p:txEl>
+                                              <p:pRg st="0" end="0"/>
+                                            </p:txEl>
+                                          </p:spTgt>
+                                        </p:tgtEl>
+                                        <p:attrNameLst>
+                                          <p:attrName>style.visibility</p:attrName>
+                                        </p:attrNameLst>
+                                      </p:cBhvr>
+                                      <p:to>
+                                        <p:strVal val="visible"/>
+                                      </p:to>
+                                    </p:set>
+                                    <p:animEffect transition="in" filter="fade">
+                                      <p:cBhvr>
+                                        <p:cTn id="7" dur="500"/>
+                                        <p:tgtEl>
+                                          <p:spTgt spid="3">
+                                            <p:txEl>
+                                              <p:pRg st="0" end="0"/>
+                                            </p:txEl>
+                                          </p:spTgt>
+                                        </p:tgtEl>
+                                      </p:cBhvr>
+                                    </p:animEffect>
+                                  </p:childTnLst>
+                                </p:cTn>
+                              </p:par>
+                            </p:childTnLst>
+                          </p:cTn>
+                        </p:par>
+                      </p:childTnLst>
+                    </p:cTn>
+                  </p:par>
+                  <p:par>
+                    <p:cTn id="8" fill="hold">
+                      <p:stCondLst>
+                        <p:cond delay="indefinite"/>
+                      </p:stCondLst>
+                      <p:childTnLst>
+                        <p:par>
+                          <p:cTn id="9" fill="hold">
+                            <p:stCondLst>
+                              <p:cond delay="0"/>
+                            </p:stCondLst>
+                            <p:childTnLst>
+                              <p:par>
+                                <p:cTn id="10" presetID="10" presetClass="entr" presetSubtype="0" fill="hold" grpId="0" nodeType="clickEffect">
+                                  <p:stCondLst>
+                                    <p:cond delay="0"/>
+                                  </p:stCondLst>
+                                  <p:childTnLst>
+                                    <p:set>
+                                      <p:cBhvr>
+                                        <p:cTn id="11" dur="1" fill="hold">
+                                          <p:stCondLst>
+                                            <p:cond delay="0"/>
+                                          </p:stCondLst>
+                                        </p:cTn>
+                                        <p:tgtEl>
+                                          <p:spTgt spid="3">
+                                            <p:txEl>
+                                              <p:pRg st="1" end="1"/>
+                                            </p:txEl>
+                                          </p:spTgt>
+                                        </p:tgtEl>
+                                        <p:attrNameLst>
+                                          <p:attrName>style.visibility</p:attrName>
+                                        </p:attrNameLst>
+                                      </p:cBhvr>
+                                      <p:to>
+                                        <p:strVal val="visible"/>
+                                      </p:to>
+                                    </p:set>
+                                    <p:animEffect transition="in" filter="fade">
+                                      <p:cBhvr>
+                                        <p:cTn id="12" dur="500"/>
+                                        <p:tgtEl>
+                                          <p:spTgt spid="3">
+                                            <p:txEl>
+                                              <p:pRg st="1" end="1"/>
+                                            </p:txEl>
+                                          </p:spTgt>
+                                        </p:tgtEl>
+                                      </p:cBhvr>
+                                    </p:animEffect>
+                                  </p:childTnLst>
+                                </p:cTn>
+                              </p:par>
+                            </p:childTnLst>
+                          </p:cTn>
+                        </p:par>
+                      </p:childTnLst>
+                    </p:cTn>
+                  </p:par>
+                  <p:par>
+                    <p:cTn id="13" fill="hold">
+                      <p:stCondLst>
+                        <p:cond delay="indefinite"/>
+                      </p:stCondLst>
+                      <p:childTnLst>
+                        <p:par>
+                          <p:cTn id="14" fill="hold">
+                            <p:stCondLst>
+                              <p:cond delay="0"/>
+                            </p:stCondLst>
+                            <p:childTnLst>
+                              <p:par>
+                                <p:cTn id="15" presetID="10" presetClass="entr" presetSubtype="0" fill="hold" grpId="0" nodeType="clickEffect">
+                                  <p:stCondLst>
+                                    <p:cond delay="0"/>
+                                  </p:stCondLst>
+                                  <p:childTnLst>
+                                    <p:set>
+                                      <p:cBhvr>
+                                        <p:cTn id="16" dur="1" fill="hold">
+                                          <p:stCondLst>
+                                            <p:cond delay="0"/>
+                                          </p:stCondLst>
+                                        </p:cTn>
+                                        <p:tgtEl>
+                                          <p:spTgt spid="3">
+                                            <p:txEl>
+                                              <p:pRg st="2" end="2"/>
+                                            </p:txEl>
+                                          </p:spTgt>
+                                        </p:tgtEl>
+                                        <p:attrNameLst>
+                                          <p:attrName>style.visibility</p:attrName>
+                                        </p:attrNameLst>
+                                      </p:cBhvr>
+                                      <p:to>
+                                        <p:strVal val="visible"/>
+                                      </p:to>
+                                    </p:set>
+                                    <p:animEffect transition="in" filter="fade">
+                                      <p:cBhvr>
+                                        <p:cTn id="17" dur="500"/>
+                                        <p:tgtEl>
+                                          <p:spTgt spid="3">
+                                            <p:txEl>
+                                              <p:pRg st="2" end="2"/>
+                                            </p:txEl>
+                                          </p:spTgt>
+                                        </p:tgtEl>
+                                      </p:cBhvr>
+                                    </p:animEffect>
+                                  </p:childTnLst>
+                                </p:cTn>
+                              </p:par>
+                            </p:childTnLst>
+                          </p:cTn>
+                        </p:par>
+                      </p:childTnLst>
+                    </p:cTn>
+                  </p:par>
+                  <p:par>
+                    <p:cTn id="18" fill="hold">
+                      <p:stCondLst>
+                        <p:cond delay="indefinite"/>
+                      </p:stCondLst>
+                      <p:childTnLst>
+                        <p:par>
+                          <p:cTn id="19" fill="hold">
+                            <p:stCondLst>
+                              <p:cond delay="0"/>
+                            </p:stCondLst>
+                            <p:childTnLst>
+                              <p:par>
+                                <p:cTn id="20" presetID="10" presetClass="entr" presetSubtype="0" fill="hold" grpId="0" nodeType="clickEffect">
+                                  <p:stCondLst>
+                                    <p:cond delay="0"/>
+                                  </p:stCondLst>
+                                  <p:childTnLst>
+                                    <p:set>
+                                      <p:cBhvr>
+                                        <p:cTn id="21" dur="1" fill="hold">
+                                          <p:stCondLst>
+                                            <p:cond delay="0"/>
+                                          </p:stCondLst>
+                                        </p:cTn>
+                                        <p:tgtEl>
+                                          <p:spTgt spid="3">
+                                            <p:txEl>
+                                              <p:pRg st="3" end="3"/>
+                                            </p:txEl>
+                                          </p:spTgt>
+                                        </p:tgtEl>
+                                        <p:attrNameLst>
+                                          <p:attrName>style.visibility</p:attrName>
+                                        </p:attrNameLst>
+                                      </p:cBhvr>
+                                      <p:to>
+                                        <p:strVal val="visible"/>
+                                      </p:to>
+                                    </p:set>
+                                    <p:animEffect transition="in" filter="fade">
+                                      <p:cBhvr>
+                                        <p:cTn id="22" dur="500"/>
+                                        <p:tgtEl>
+                                          <p:spTgt spid="3">
+                                            <p:txEl>
+                                              <p:pRg st="3" end="3"/>
+                                            </p:txEl>
+                                          </p:spTgt>
+                                        </p:tgtEl>
+                                      </p:cBhvr>
+                                    </p:animEffect>
+                                  </p:childTnLst>
+                                </p:cTn>
+                              </p:par>
+                            </p:childTnLst>
+                          </p:cTn>
+                        </p:par>
+                      </p:childTnLst>
+                    </p:cTn>
+                  </p:par>
+                  <p:par>
+                    <p:cTn id="23" fill="hold">
+                      <p:stCondLst>
+                        <p:cond delay="indefinite"/>
+                      </p:stCondLst>
+                      <p:childTnLst>
+                        <p:par>
+                          <p:cTn id="24" fill="hold">
+                            <p:stCondLst>
+                              <p:cond delay="0"/>
+                            </p:stCondLst>
+                            <p:childTnLst>
+                              <p:par>
+                                <p:cTn id="25" presetID="10" presetClass="entr" presetSubtype="0" fill="hold" grpId="0" nodeType="clickEffect">
+                                  <p:stCondLst>
+                                    <p:cond delay="0"/>
+                                  </p:stCondLst>
+                                  <p:childTnLst>
+                                    <p:set>
+                                      <p:cBhvr>
+                                        <p:cTn id="26" dur="1" fill="hold">
+                                          <p:stCondLst>
+                                            <p:cond delay="0"/>
+                                          </p:stCondLst>
+                                        </p:cTn>
+                                        <p:tgtEl>
+                                          <p:spTgt spid="3">
+                                            <p:txEl>
+                                              <p:pRg st="4" end="4"/>
+                                            </p:txEl>
+                                          </p:spTgt>
+                                        </p:tgtEl>
+                                        <p:attrNameLst>
+                                          <p:attrName>style.visibility</p:attrName>
+                                        </p:attrNameLst>
+                                      </p:cBhvr>
+                                      <p:to>
+                                        <p:strVal val="visible"/>
+                                      </p:to>
+                                    </p:set>
+                                    <p:animEffect transition="in" filter="fade">
+                                      <p:cBhvr>
+                                        <p:cTn id="27" dur="500"/>
+                                        <p:tgtEl>
+                                          <p:spTgt spid="3">
+                                            <p:txEl>
+                                              <p:pRg st="4" end="4"/>
+                                            </p:txEl>
+                                          </p:spTgt>
+                                        </p:tgtEl>
+                                      </p:cBhvr>
+                                    </p:animEffect>
+                                  </p:childTnLst>
+                                </p:cTn>
+                              </p:par>
+                            </p:childTnLst>
+                          </p:cTn>
+                        </p:par>
+                      </p:childTnLst>
+                    </p:cTn>
+                  </p:par>
+                </p:childTnLst>
+              </p:cTn>
+              <p:prevCondLst>
+                <p:cond evt="onPrev" delay="0">
+                  <p:tgtEl>
+                    <p:sldTgt/>
+                  </p:tgtEl>
+                </p:cond>
+              </p:prevCondLst>
+              <p:nextCondLst>
+                <p:cond evt="onNext" delay="0">
+                  <p:tgtEl>
+                    <p:sldTgt/>
+                  </p:tgtEl>
+                </p:cond>
+              </p:nextCondLst>
+            </p:seq>
+          </p:childTnLst>
+        </p:cTn>
+      </p:par>
+    </p:tnLst>
+    <p:bldLst>
+      <p:bldP spid="3" grpId="0" build="p"/>
+    </p:bldLst>
+  </p:timing>
+</p:sld>
+</file>
+
+<file path=ppt/slides/slide11.xml><?xml version="1.0" encoding="utf-8"?>
+<p:sld xmlns:a="http://schemas.openxmlformats.org/drawingml/2006/main" xmlns:r="http://schemas.openxmlformats.org/officeDocument/2006/relationships" xmlns:p="http://schemas.openxmlformats.org/presentationml/2006/main">
+  <p:cSld>
+    <p:spTree>
+      <p:nvGrpSpPr>
+        <p:cNvPr id="1" name=""/>
+        <p:cNvGrpSpPr/>
+        <p:nvPr/>
+      </p:nvGrpSpPr>
+      <p:grpSpPr>
+        <a:xfrm>
+          <a:off x="0" y="0"/>
+          <a:ext cx="0" cy="0"/>
+          <a:chOff x="0" y="0"/>
+          <a:chExt cx="0" cy="0"/>
+        </a:xfrm>
+      </p:grpSpPr>
+      <p:sp>
+        <p:nvSpPr>
           <p:cNvPr id="4" name="Rounded Rectangle 3"/>
           <p:cNvSpPr/>
           <p:nvPr/>
@@ -12263,7 +12735,7 @@
 </p:sld>
 </file>
 
-<file path=ppt/slides/slide11.xml><?xml version="1.0" encoding="utf-8"?>
+<file path=ppt/slides/slide12.xml><?xml version="1.0" encoding="utf-8"?>
 <p:sld xmlns:a="http://schemas.openxmlformats.org/drawingml/2006/main" xmlns:r="http://schemas.openxmlformats.org/officeDocument/2006/relationships" xmlns:p="http://schemas.openxmlformats.org/presentationml/2006/main">
   <p:cSld>
     <p:spTree>
@@ -12775,7 +13247,7 @@
 </p:sld>
 </file>
 
-<file path=ppt/slides/slide12.xml><?xml version="1.0" encoding="utf-8"?>
+<file path=ppt/slides/slide13.xml><?xml version="1.0" encoding="utf-8"?>
 <p:sld xmlns:a="http://schemas.openxmlformats.org/drawingml/2006/main" xmlns:r="http://schemas.openxmlformats.org/officeDocument/2006/relationships" xmlns:p="http://schemas.openxmlformats.org/presentationml/2006/main">
   <p:cSld>
     <p:spTree>
@@ -13711,7 +14183,7 @@
 </p:sld>
 </file>
 
-<file path=ppt/slides/slide13.xml><?xml version="1.0" encoding="utf-8"?>
+<file path=ppt/slides/slide14.xml><?xml version="1.0" encoding="utf-8"?>
 <p:sld xmlns:a="http://schemas.openxmlformats.org/drawingml/2006/main" xmlns:r="http://schemas.openxmlformats.org/officeDocument/2006/relationships" xmlns:p="http://schemas.openxmlformats.org/presentationml/2006/main">
   <p:cSld>
     <p:bg>
@@ -14305,87 +14777,6 @@
 </p:sld>
 </file>
 
-<file path=ppt/slides/slide14.xml><?xml version="1.0" encoding="utf-8"?>
-<p:sld xmlns:a="http://schemas.openxmlformats.org/drawingml/2006/main" xmlns:r="http://schemas.openxmlformats.org/officeDocument/2006/relationships" xmlns:p="http://schemas.openxmlformats.org/presentationml/2006/main">
-  <p:cSld>
-    <p:spTree>
-      <p:nvGrpSpPr>
-        <p:cNvPr id="1" name=""/>
-        <p:cNvGrpSpPr/>
-        <p:nvPr/>
-      </p:nvGrpSpPr>
-      <p:grpSpPr>
-        <a:xfrm>
-          <a:off x="0" y="0"/>
-          <a:ext cx="0" cy="0"/>
-          <a:chOff x="0" y="0"/>
-          <a:chExt cx="0" cy="0"/>
-        </a:xfrm>
-      </p:grpSpPr>
-      <p:sp>
-        <p:nvSpPr>
-          <p:cNvPr id="4" name="Rounded Rectangle 3"/>
-          <p:cNvSpPr/>
-          <p:nvPr/>
-        </p:nvSpPr>
-        <p:spPr>
-          <a:xfrm>
-            <a:off x="447675" y="876299"/>
-            <a:ext cx="11296650" cy="5591175"/>
-          </a:xfrm>
-          <a:prstGeom prst="roundRect">
-            <a:avLst>
-              <a:gd name="adj" fmla="val 2599"/>
-            </a:avLst>
-          </a:prstGeom>
-          <a:solidFill>
-            <a:schemeClr val="tx1">
-              <a:lumMod val="65000"/>
-              <a:lumOff val="35000"/>
-            </a:schemeClr>
-          </a:solidFill>
-        </p:spPr>
-        <p:style>
-          <a:lnRef idx="2">
-            <a:schemeClr val="accent1">
-              <a:shade val="50000"/>
-            </a:schemeClr>
-          </a:lnRef>
-          <a:fillRef idx="1">
-            <a:schemeClr val="accent1"/>
-          </a:fillRef>
-          <a:effectRef idx="0">
-            <a:schemeClr val="accent1"/>
-          </a:effectRef>
-          <a:fontRef idx="minor">
-            <a:schemeClr val="lt1"/>
-          </a:fontRef>
-        </p:style>
-        <p:txBody>
-          <a:bodyPr rtlCol="0" anchor="b"/>
-          <a:lstStyle/>
-          <a:p>
-            <a:pPr algn="ctr"/>
-            <a:r>
-              <a:rPr lang="en-US" sz="3600" dirty="0"/>
-              <a:t>Physical Server</a:t>
-            </a:r>
-          </a:p>
-        </p:txBody>
-      </p:sp>
-    </p:spTree>
-    <p:extLst>
-      <p:ext uri="{BB962C8B-B14F-4D97-AF65-F5344CB8AC3E}">
-        <p14:creationId xmlns:p14="http://schemas.microsoft.com/office/powerpoint/2010/main" val="3650986029"/>
-      </p:ext>
-    </p:extLst>
-  </p:cSld>
-  <p:clrMapOvr>
-    <a:masterClrMapping/>
-  </p:clrMapOvr>
-</p:sld>
-</file>
-
 <file path=ppt/slides/slide15.xml><?xml version="1.0" encoding="utf-8"?>
 <p:sld xmlns:a="http://schemas.openxmlformats.org/drawingml/2006/main" xmlns:r="http://schemas.openxmlformats.org/officeDocument/2006/relationships" xmlns:p="http://schemas.openxmlformats.org/presentationml/2006/main">
   <p:cSld>
@@ -14454,212 +14845,16 @@
           </a:p>
         </p:txBody>
       </p:sp>
-      <p:sp>
-        <p:nvSpPr>
-          <p:cNvPr id="10" name="Rectangle 9"/>
-          <p:cNvSpPr/>
-          <p:nvPr/>
-        </p:nvSpPr>
-        <p:spPr>
-          <a:xfrm>
-            <a:off x="590548" y="4486274"/>
-            <a:ext cx="2536827" cy="1352551"/>
-          </a:xfrm>
-          <a:prstGeom prst="rect">
-            <a:avLst/>
-          </a:prstGeom>
-          <a:solidFill>
-            <a:srgbClr val="0070C0"/>
-          </a:solidFill>
-        </p:spPr>
-        <p:style>
-          <a:lnRef idx="2">
-            <a:schemeClr val="accent1">
-              <a:shade val="50000"/>
-            </a:schemeClr>
-          </a:lnRef>
-          <a:fillRef idx="1">
-            <a:schemeClr val="accent1"/>
-          </a:fillRef>
-          <a:effectRef idx="0">
-            <a:schemeClr val="accent1"/>
-          </a:effectRef>
-          <a:fontRef idx="minor">
-            <a:schemeClr val="lt1"/>
-          </a:fontRef>
-        </p:style>
-        <p:txBody>
-          <a:bodyPr rtlCol="0" anchor="ctr"/>
-          <a:lstStyle/>
-          <a:p>
-            <a:pPr algn="ctr"/>
-            <a:r>
-              <a:rPr lang="en-US" dirty="0"/>
-              <a:t>App</a:t>
-            </a:r>
-          </a:p>
-        </p:txBody>
-      </p:sp>
-      <p:sp>
-        <p:nvSpPr>
-          <p:cNvPr id="11" name="Rectangle 10"/>
-          <p:cNvSpPr/>
-          <p:nvPr/>
-        </p:nvSpPr>
-        <p:spPr>
-          <a:xfrm>
-            <a:off x="3410477" y="4486274"/>
-            <a:ext cx="2536827" cy="1352551"/>
-          </a:xfrm>
-          <a:prstGeom prst="rect">
-            <a:avLst/>
-          </a:prstGeom>
-          <a:solidFill>
-            <a:srgbClr val="0070C0"/>
-          </a:solidFill>
-        </p:spPr>
-        <p:style>
-          <a:lnRef idx="2">
-            <a:schemeClr val="accent1">
-              <a:shade val="50000"/>
-            </a:schemeClr>
-          </a:lnRef>
-          <a:fillRef idx="1">
-            <a:schemeClr val="accent1"/>
-          </a:fillRef>
-          <a:effectRef idx="0">
-            <a:schemeClr val="accent1"/>
-          </a:effectRef>
-          <a:fontRef idx="minor">
-            <a:schemeClr val="lt1"/>
-          </a:fontRef>
-        </p:style>
-        <p:txBody>
-          <a:bodyPr rtlCol="0" anchor="ctr"/>
-          <a:lstStyle/>
-          <a:p>
-            <a:pPr algn="ctr"/>
-            <a:r>
-              <a:rPr lang="en-US" dirty="0"/>
-              <a:t>App</a:t>
-            </a:r>
-          </a:p>
-        </p:txBody>
-      </p:sp>
-      <p:sp>
-        <p:nvSpPr>
-          <p:cNvPr id="12" name="Rectangle 11"/>
-          <p:cNvSpPr/>
-          <p:nvPr/>
-        </p:nvSpPr>
-        <p:spPr>
-          <a:xfrm>
-            <a:off x="6230406" y="4486274"/>
-            <a:ext cx="2536827" cy="1352551"/>
-          </a:xfrm>
-          <a:prstGeom prst="rect">
-            <a:avLst/>
-          </a:prstGeom>
-          <a:solidFill>
-            <a:srgbClr val="0070C0"/>
-          </a:solidFill>
-        </p:spPr>
-        <p:style>
-          <a:lnRef idx="2">
-            <a:schemeClr val="accent1">
-              <a:shade val="50000"/>
-            </a:schemeClr>
-          </a:lnRef>
-          <a:fillRef idx="1">
-            <a:schemeClr val="accent1"/>
-          </a:fillRef>
-          <a:effectRef idx="0">
-            <a:schemeClr val="accent1"/>
-          </a:effectRef>
-          <a:fontRef idx="minor">
-            <a:schemeClr val="lt1"/>
-          </a:fontRef>
-        </p:style>
-        <p:txBody>
-          <a:bodyPr rtlCol="0" anchor="ctr"/>
-          <a:lstStyle/>
-          <a:p>
-            <a:pPr algn="ctr"/>
-            <a:r>
-              <a:rPr lang="en-US" dirty="0"/>
-              <a:t>App</a:t>
-            </a:r>
-          </a:p>
-        </p:txBody>
-      </p:sp>
-      <p:sp>
-        <p:nvSpPr>
-          <p:cNvPr id="13" name="Rectangle 12"/>
-          <p:cNvSpPr/>
-          <p:nvPr/>
-        </p:nvSpPr>
-        <p:spPr>
-          <a:xfrm>
-            <a:off x="9050336" y="4486274"/>
-            <a:ext cx="2536827" cy="1352551"/>
-          </a:xfrm>
-          <a:prstGeom prst="rect">
-            <a:avLst/>
-          </a:prstGeom>
-          <a:solidFill>
-            <a:srgbClr val="0070C0"/>
-          </a:solidFill>
-        </p:spPr>
-        <p:style>
-          <a:lnRef idx="2">
-            <a:schemeClr val="accent1">
-              <a:shade val="50000"/>
-            </a:schemeClr>
-          </a:lnRef>
-          <a:fillRef idx="1">
-            <a:schemeClr val="accent1"/>
-          </a:fillRef>
-          <a:effectRef idx="0">
-            <a:schemeClr val="accent1"/>
-          </a:effectRef>
-          <a:fontRef idx="minor">
-            <a:schemeClr val="lt1"/>
-          </a:fontRef>
-        </p:style>
-        <p:txBody>
-          <a:bodyPr rtlCol="0" anchor="ctr"/>
-          <a:lstStyle/>
-          <a:p>
-            <a:pPr algn="ctr"/>
-            <a:r>
-              <a:rPr lang="en-US" dirty="0"/>
-              <a:t>App</a:t>
-            </a:r>
-          </a:p>
-        </p:txBody>
-      </p:sp>
     </p:spTree>
     <p:extLst>
       <p:ext uri="{BB962C8B-B14F-4D97-AF65-F5344CB8AC3E}">
-        <p14:creationId xmlns:p14="http://schemas.microsoft.com/office/powerpoint/2010/main" val="2507490874"/>
+        <p14:creationId xmlns:p14="http://schemas.microsoft.com/office/powerpoint/2010/main" val="3650986029"/>
       </p:ext>
     </p:extLst>
   </p:cSld>
   <p:clrMapOvr>
     <a:masterClrMapping/>
   </p:clrMapOvr>
-  <mc:AlternateContent xmlns:mc="http://schemas.openxmlformats.org/markup-compatibility/2006" xmlns:p159="http://schemas.microsoft.com/office/powerpoint/2015/09/main">
-    <mc:Choice Requires="p159">
-      <p:transition xmlns:p14="http://schemas.microsoft.com/office/powerpoint/2010/main" spd="slow" p14:dur="2000">
-        <p159:morph option="byObject"/>
-      </p:transition>
-    </mc:Choice>
-    <mc:Fallback xmlns="">
-      <p:transition spd="slow">
-        <p:fade/>
-      </p:transition>
-    </mc:Fallback>
-  </mc:AlternateContent>
 </p:sld>
 </file>
 
@@ -14733,6 +14928,283 @@
       </p:sp>
       <p:sp>
         <p:nvSpPr>
+          <p:cNvPr id="10" name="Rectangle 9"/>
+          <p:cNvSpPr/>
+          <p:nvPr/>
+        </p:nvSpPr>
+        <p:spPr>
+          <a:xfrm>
+            <a:off x="590548" y="4486274"/>
+            <a:ext cx="2536827" cy="1352551"/>
+          </a:xfrm>
+          <a:prstGeom prst="rect">
+            <a:avLst/>
+          </a:prstGeom>
+          <a:solidFill>
+            <a:srgbClr val="0070C0"/>
+          </a:solidFill>
+        </p:spPr>
+        <p:style>
+          <a:lnRef idx="2">
+            <a:schemeClr val="accent1">
+              <a:shade val="50000"/>
+            </a:schemeClr>
+          </a:lnRef>
+          <a:fillRef idx="1">
+            <a:schemeClr val="accent1"/>
+          </a:fillRef>
+          <a:effectRef idx="0">
+            <a:schemeClr val="accent1"/>
+          </a:effectRef>
+          <a:fontRef idx="minor">
+            <a:schemeClr val="lt1"/>
+          </a:fontRef>
+        </p:style>
+        <p:txBody>
+          <a:bodyPr rtlCol="0" anchor="ctr"/>
+          <a:lstStyle/>
+          <a:p>
+            <a:pPr algn="ctr"/>
+            <a:r>
+              <a:rPr lang="en-US" dirty="0"/>
+              <a:t>App</a:t>
+            </a:r>
+          </a:p>
+        </p:txBody>
+      </p:sp>
+      <p:sp>
+        <p:nvSpPr>
+          <p:cNvPr id="11" name="Rectangle 10"/>
+          <p:cNvSpPr/>
+          <p:nvPr/>
+        </p:nvSpPr>
+        <p:spPr>
+          <a:xfrm>
+            <a:off x="3410477" y="4486274"/>
+            <a:ext cx="2536827" cy="1352551"/>
+          </a:xfrm>
+          <a:prstGeom prst="rect">
+            <a:avLst/>
+          </a:prstGeom>
+          <a:solidFill>
+            <a:srgbClr val="0070C0"/>
+          </a:solidFill>
+        </p:spPr>
+        <p:style>
+          <a:lnRef idx="2">
+            <a:schemeClr val="accent1">
+              <a:shade val="50000"/>
+            </a:schemeClr>
+          </a:lnRef>
+          <a:fillRef idx="1">
+            <a:schemeClr val="accent1"/>
+          </a:fillRef>
+          <a:effectRef idx="0">
+            <a:schemeClr val="accent1"/>
+          </a:effectRef>
+          <a:fontRef idx="minor">
+            <a:schemeClr val="lt1"/>
+          </a:fontRef>
+        </p:style>
+        <p:txBody>
+          <a:bodyPr rtlCol="0" anchor="ctr"/>
+          <a:lstStyle/>
+          <a:p>
+            <a:pPr algn="ctr"/>
+            <a:r>
+              <a:rPr lang="en-US" dirty="0"/>
+              <a:t>App</a:t>
+            </a:r>
+          </a:p>
+        </p:txBody>
+      </p:sp>
+      <p:sp>
+        <p:nvSpPr>
+          <p:cNvPr id="12" name="Rectangle 11"/>
+          <p:cNvSpPr/>
+          <p:nvPr/>
+        </p:nvSpPr>
+        <p:spPr>
+          <a:xfrm>
+            <a:off x="6230406" y="4486274"/>
+            <a:ext cx="2536827" cy="1352551"/>
+          </a:xfrm>
+          <a:prstGeom prst="rect">
+            <a:avLst/>
+          </a:prstGeom>
+          <a:solidFill>
+            <a:srgbClr val="0070C0"/>
+          </a:solidFill>
+        </p:spPr>
+        <p:style>
+          <a:lnRef idx="2">
+            <a:schemeClr val="accent1">
+              <a:shade val="50000"/>
+            </a:schemeClr>
+          </a:lnRef>
+          <a:fillRef idx="1">
+            <a:schemeClr val="accent1"/>
+          </a:fillRef>
+          <a:effectRef idx="0">
+            <a:schemeClr val="accent1"/>
+          </a:effectRef>
+          <a:fontRef idx="minor">
+            <a:schemeClr val="lt1"/>
+          </a:fontRef>
+        </p:style>
+        <p:txBody>
+          <a:bodyPr rtlCol="0" anchor="ctr"/>
+          <a:lstStyle/>
+          <a:p>
+            <a:pPr algn="ctr"/>
+            <a:r>
+              <a:rPr lang="en-US" dirty="0"/>
+              <a:t>App</a:t>
+            </a:r>
+          </a:p>
+        </p:txBody>
+      </p:sp>
+      <p:sp>
+        <p:nvSpPr>
+          <p:cNvPr id="13" name="Rectangle 12"/>
+          <p:cNvSpPr/>
+          <p:nvPr/>
+        </p:nvSpPr>
+        <p:spPr>
+          <a:xfrm>
+            <a:off x="9050336" y="4486274"/>
+            <a:ext cx="2536827" cy="1352551"/>
+          </a:xfrm>
+          <a:prstGeom prst="rect">
+            <a:avLst/>
+          </a:prstGeom>
+          <a:solidFill>
+            <a:srgbClr val="0070C0"/>
+          </a:solidFill>
+        </p:spPr>
+        <p:style>
+          <a:lnRef idx="2">
+            <a:schemeClr val="accent1">
+              <a:shade val="50000"/>
+            </a:schemeClr>
+          </a:lnRef>
+          <a:fillRef idx="1">
+            <a:schemeClr val="accent1"/>
+          </a:fillRef>
+          <a:effectRef idx="0">
+            <a:schemeClr val="accent1"/>
+          </a:effectRef>
+          <a:fontRef idx="minor">
+            <a:schemeClr val="lt1"/>
+          </a:fontRef>
+        </p:style>
+        <p:txBody>
+          <a:bodyPr rtlCol="0" anchor="ctr"/>
+          <a:lstStyle/>
+          <a:p>
+            <a:pPr algn="ctr"/>
+            <a:r>
+              <a:rPr lang="en-US" dirty="0"/>
+              <a:t>App</a:t>
+            </a:r>
+          </a:p>
+        </p:txBody>
+      </p:sp>
+    </p:spTree>
+    <p:extLst>
+      <p:ext uri="{BB962C8B-B14F-4D97-AF65-F5344CB8AC3E}">
+        <p14:creationId xmlns:p14="http://schemas.microsoft.com/office/powerpoint/2010/main" val="2507490874"/>
+      </p:ext>
+    </p:extLst>
+  </p:cSld>
+  <p:clrMapOvr>
+    <a:masterClrMapping/>
+  </p:clrMapOvr>
+  <mc:AlternateContent xmlns:mc="http://schemas.openxmlformats.org/markup-compatibility/2006" xmlns:p159="http://schemas.microsoft.com/office/powerpoint/2015/09/main">
+    <mc:Choice Requires="p159">
+      <p:transition xmlns:p14="http://schemas.microsoft.com/office/powerpoint/2010/main" spd="slow" p14:dur="2000">
+        <p159:morph option="byObject"/>
+      </p:transition>
+    </mc:Choice>
+    <mc:Fallback xmlns="">
+      <p:transition spd="slow">
+        <p:fade/>
+      </p:transition>
+    </mc:Fallback>
+  </mc:AlternateContent>
+</p:sld>
+</file>
+
+<file path=ppt/slides/slide17.xml><?xml version="1.0" encoding="utf-8"?>
+<p:sld xmlns:a="http://schemas.openxmlformats.org/drawingml/2006/main" xmlns:r="http://schemas.openxmlformats.org/officeDocument/2006/relationships" xmlns:p="http://schemas.openxmlformats.org/presentationml/2006/main">
+  <p:cSld>
+    <p:spTree>
+      <p:nvGrpSpPr>
+        <p:cNvPr id="1" name=""/>
+        <p:cNvGrpSpPr/>
+        <p:nvPr/>
+      </p:nvGrpSpPr>
+      <p:grpSpPr>
+        <a:xfrm>
+          <a:off x="0" y="0"/>
+          <a:ext cx="0" cy="0"/>
+          <a:chOff x="0" y="0"/>
+          <a:chExt cx="0" cy="0"/>
+        </a:xfrm>
+      </p:grpSpPr>
+      <p:sp>
+        <p:nvSpPr>
+          <p:cNvPr id="4" name="Rounded Rectangle 3"/>
+          <p:cNvSpPr/>
+          <p:nvPr/>
+        </p:nvSpPr>
+        <p:spPr>
+          <a:xfrm>
+            <a:off x="447675" y="876299"/>
+            <a:ext cx="11296650" cy="5591175"/>
+          </a:xfrm>
+          <a:prstGeom prst="roundRect">
+            <a:avLst>
+              <a:gd name="adj" fmla="val 2599"/>
+            </a:avLst>
+          </a:prstGeom>
+          <a:solidFill>
+            <a:schemeClr val="tx1">
+              <a:lumMod val="65000"/>
+              <a:lumOff val="35000"/>
+            </a:schemeClr>
+          </a:solidFill>
+        </p:spPr>
+        <p:style>
+          <a:lnRef idx="2">
+            <a:schemeClr val="accent1">
+              <a:shade val="50000"/>
+            </a:schemeClr>
+          </a:lnRef>
+          <a:fillRef idx="1">
+            <a:schemeClr val="accent1"/>
+          </a:fillRef>
+          <a:effectRef idx="0">
+            <a:schemeClr val="accent1"/>
+          </a:effectRef>
+          <a:fontRef idx="minor">
+            <a:schemeClr val="lt1"/>
+          </a:fontRef>
+        </p:style>
+        <p:txBody>
+          <a:bodyPr rtlCol="0" anchor="b"/>
+          <a:lstStyle/>
+          <a:p>
+            <a:pPr algn="ctr"/>
+            <a:r>
+              <a:rPr lang="en-US" sz="3600" dirty="0"/>
+              <a:t>Physical Server</a:t>
+            </a:r>
+          </a:p>
+        </p:txBody>
+      </p:sp>
+      <p:sp>
+        <p:nvSpPr>
           <p:cNvPr id="5" name="Rectangle 4"/>
           <p:cNvSpPr/>
           <p:nvPr/>
@@ -14987,7 +15459,7 @@
 </p:sld>
 </file>
 
-<file path=ppt/slides/slide17.xml><?xml version="1.0" encoding="utf-8"?>
+<file path=ppt/slides/slide18.xml><?xml version="1.0" encoding="utf-8"?>
 <p:sld xmlns:a="http://schemas.openxmlformats.org/drawingml/2006/main" xmlns:r="http://schemas.openxmlformats.org/officeDocument/2006/relationships" xmlns:p="http://schemas.openxmlformats.org/presentationml/2006/main">
   <p:cSld>
     <p:spTree>
@@ -16923,7 +17395,7 @@
 </p:sld>
 </file>
 
-<file path=ppt/slides/slide18.xml><?xml version="1.0" encoding="utf-8"?>
+<file path=ppt/slides/slide19.xml><?xml version="1.0" encoding="utf-8"?>
 <p:sld xmlns:a="http://schemas.openxmlformats.org/drawingml/2006/main" xmlns:r="http://schemas.openxmlformats.org/officeDocument/2006/relationships" xmlns:p="http://schemas.openxmlformats.org/presentationml/2006/main">
   <p:cSld>
     <p:spTree>
@@ -18859,7 +19331,93 @@
 </p:sld>
 </file>
 
-<file path=ppt/slides/slide19.xml><?xml version="1.0" encoding="utf-8"?>
+<file path=ppt/slides/slide2.xml><?xml version="1.0" encoding="utf-8"?>
+<p:sld xmlns:a="http://schemas.openxmlformats.org/drawingml/2006/main" xmlns:r="http://schemas.openxmlformats.org/officeDocument/2006/relationships" xmlns:p="http://schemas.openxmlformats.org/presentationml/2006/main">
+  <p:cSld>
+    <p:spTree>
+      <p:nvGrpSpPr>
+        <p:cNvPr id="1" name=""/>
+        <p:cNvGrpSpPr/>
+        <p:nvPr/>
+      </p:nvGrpSpPr>
+      <p:grpSpPr>
+        <a:xfrm>
+          <a:off x="0" y="0"/>
+          <a:ext cx="0" cy="0"/>
+          <a:chOff x="0" y="0"/>
+          <a:chExt cx="0" cy="0"/>
+        </a:xfrm>
+      </p:grpSpPr>
+      <p:sp>
+        <p:nvSpPr>
+          <p:cNvPr id="2" name="Title 1">
+            <a:extLst>
+              <a:ext uri="{FF2B5EF4-FFF2-40B4-BE49-F238E27FC236}">
+                <a16:creationId xmlns:a16="http://schemas.microsoft.com/office/drawing/2014/main" id="{AD0EF887-B521-4A7D-B159-25C51A913FFC}"/>
+              </a:ext>
+            </a:extLst>
+          </p:cNvPr>
+          <p:cNvSpPr>
+            <a:spLocks noGrp="1"/>
+          </p:cNvSpPr>
+          <p:nvPr>
+            <p:ph type="title"/>
+          </p:nvPr>
+        </p:nvSpPr>
+        <p:spPr/>
+        <p:txBody>
+          <a:bodyPr/>
+          <a:lstStyle/>
+          <a:p>
+            <a:r>
+              <a:rPr lang="en-US" dirty="0"/>
+              <a:t>Presentation Overview</a:t>
+            </a:r>
+          </a:p>
+        </p:txBody>
+      </p:sp>
+      <p:sp>
+        <p:nvSpPr>
+          <p:cNvPr id="3" name="Text Placeholder 2">
+            <a:extLst>
+              <a:ext uri="{FF2B5EF4-FFF2-40B4-BE49-F238E27FC236}">
+                <a16:creationId xmlns:a16="http://schemas.microsoft.com/office/drawing/2014/main" id="{40F93536-9D2E-4485-A099-5ABD38646551}"/>
+              </a:ext>
+            </a:extLst>
+          </p:cNvPr>
+          <p:cNvSpPr>
+            <a:spLocks noGrp="1"/>
+          </p:cNvSpPr>
+          <p:nvPr>
+            <p:ph type="body" idx="1"/>
+          </p:nvPr>
+        </p:nvSpPr>
+        <p:spPr/>
+        <p:txBody>
+          <a:bodyPr/>
+          <a:lstStyle/>
+          <a:p>
+            <a:r>
+              <a:rPr lang="en-US" dirty="0"/>
+              <a:t>Where I tell you what I’m going to tell you.</a:t>
+            </a:r>
+          </a:p>
+        </p:txBody>
+      </p:sp>
+    </p:spTree>
+    <p:extLst>
+      <p:ext uri="{BB962C8B-B14F-4D97-AF65-F5344CB8AC3E}">
+        <p14:creationId xmlns:p14="http://schemas.microsoft.com/office/powerpoint/2010/main" val="2853623997"/>
+      </p:ext>
+    </p:extLst>
+  </p:cSld>
+  <p:clrMapOvr>
+    <a:masterClrMapping/>
+  </p:clrMapOvr>
+</p:sld>
+</file>
+
+<file path=ppt/slides/slide20.xml><?xml version="1.0" encoding="utf-8"?>
 <p:sld xmlns:a="http://schemas.openxmlformats.org/drawingml/2006/main" xmlns:r="http://schemas.openxmlformats.org/officeDocument/2006/relationships" xmlns:p="http://schemas.openxmlformats.org/presentationml/2006/main">
   <p:cSld>
     <p:spTree>
@@ -20847,93 +21405,7 @@
 </p:sld>
 </file>
 
-<file path=ppt/slides/slide2.xml><?xml version="1.0" encoding="utf-8"?>
-<p:sld xmlns:a="http://schemas.openxmlformats.org/drawingml/2006/main" xmlns:r="http://schemas.openxmlformats.org/officeDocument/2006/relationships" xmlns:p="http://schemas.openxmlformats.org/presentationml/2006/main">
-  <p:cSld>
-    <p:spTree>
-      <p:nvGrpSpPr>
-        <p:cNvPr id="1" name=""/>
-        <p:cNvGrpSpPr/>
-        <p:nvPr/>
-      </p:nvGrpSpPr>
-      <p:grpSpPr>
-        <a:xfrm>
-          <a:off x="0" y="0"/>
-          <a:ext cx="0" cy="0"/>
-          <a:chOff x="0" y="0"/>
-          <a:chExt cx="0" cy="0"/>
-        </a:xfrm>
-      </p:grpSpPr>
-      <p:sp>
-        <p:nvSpPr>
-          <p:cNvPr id="2" name="Title 1">
-            <a:extLst>
-              <a:ext uri="{FF2B5EF4-FFF2-40B4-BE49-F238E27FC236}">
-                <a16:creationId xmlns:a16="http://schemas.microsoft.com/office/drawing/2014/main" id="{AD0EF887-B521-4A7D-B159-25C51A913FFC}"/>
-              </a:ext>
-            </a:extLst>
-          </p:cNvPr>
-          <p:cNvSpPr>
-            <a:spLocks noGrp="1"/>
-          </p:cNvSpPr>
-          <p:nvPr>
-            <p:ph type="title"/>
-          </p:nvPr>
-        </p:nvSpPr>
-        <p:spPr/>
-        <p:txBody>
-          <a:bodyPr/>
-          <a:lstStyle/>
-          <a:p>
-            <a:r>
-              <a:rPr lang="en-US" dirty="0"/>
-              <a:t>Presentation Overview</a:t>
-            </a:r>
-          </a:p>
-        </p:txBody>
-      </p:sp>
-      <p:sp>
-        <p:nvSpPr>
-          <p:cNvPr id="3" name="Text Placeholder 2">
-            <a:extLst>
-              <a:ext uri="{FF2B5EF4-FFF2-40B4-BE49-F238E27FC236}">
-                <a16:creationId xmlns:a16="http://schemas.microsoft.com/office/drawing/2014/main" id="{40F93536-9D2E-4485-A099-5ABD38646551}"/>
-              </a:ext>
-            </a:extLst>
-          </p:cNvPr>
-          <p:cNvSpPr>
-            <a:spLocks noGrp="1"/>
-          </p:cNvSpPr>
-          <p:nvPr>
-            <p:ph type="body" idx="1"/>
-          </p:nvPr>
-        </p:nvSpPr>
-        <p:spPr/>
-        <p:txBody>
-          <a:bodyPr/>
-          <a:lstStyle/>
-          <a:p>
-            <a:r>
-              <a:rPr lang="en-US" dirty="0"/>
-              <a:t>Where I tell you what I’m going to tell you.</a:t>
-            </a:r>
-          </a:p>
-        </p:txBody>
-      </p:sp>
-    </p:spTree>
-    <p:extLst>
-      <p:ext uri="{BB962C8B-B14F-4D97-AF65-F5344CB8AC3E}">
-        <p14:creationId xmlns:p14="http://schemas.microsoft.com/office/powerpoint/2010/main" val="2853623997"/>
-      </p:ext>
-    </p:extLst>
-  </p:cSld>
-  <p:clrMapOvr>
-    <a:masterClrMapping/>
-  </p:clrMapOvr>
-</p:sld>
-</file>
-
-<file path=ppt/slides/slide20.xml><?xml version="1.0" encoding="utf-8"?>
+<file path=ppt/slides/slide21.xml><?xml version="1.0" encoding="utf-8"?>
 <p:sld xmlns:a="http://schemas.openxmlformats.org/drawingml/2006/main" xmlns:r="http://schemas.openxmlformats.org/officeDocument/2006/relationships" xmlns:p="http://schemas.openxmlformats.org/presentationml/2006/main">
   <p:cSld>
     <p:spTree>
@@ -23872,7 +24344,7 @@
 </p:sld>
 </file>
 
-<file path=ppt/slides/slide21.xml><?xml version="1.0" encoding="utf-8"?>
+<file path=ppt/slides/slide22.xml><?xml version="1.0" encoding="utf-8"?>
 <p:sld xmlns:a="http://schemas.openxmlformats.org/drawingml/2006/main" xmlns:r="http://schemas.openxmlformats.org/officeDocument/2006/relationships" xmlns:p="http://schemas.openxmlformats.org/presentationml/2006/main">
   <p:cSld>
     <p:spTree>
@@ -23958,7 +24430,7 @@
 </p:sld>
 </file>
 
-<file path=ppt/slides/slide22.xml><?xml version="1.0" encoding="utf-8"?>
+<file path=ppt/slides/slide23.xml><?xml version="1.0" encoding="utf-8"?>
 <p:sld xmlns:a="http://schemas.openxmlformats.org/drawingml/2006/main" xmlns:r="http://schemas.openxmlformats.org/officeDocument/2006/relationships" xmlns:p="http://schemas.openxmlformats.org/presentationml/2006/main">
   <p:cSld>
     <p:spTree>
@@ -24654,7 +25126,7 @@
 </p:sld>
 </file>
 
-<file path=ppt/slides/slide23.xml><?xml version="1.0" encoding="utf-8"?>
+<file path=ppt/slides/slide24.xml><?xml version="1.0" encoding="utf-8"?>
 <p:sld xmlns:a="http://schemas.openxmlformats.org/drawingml/2006/main" xmlns:r="http://schemas.openxmlformats.org/officeDocument/2006/relationships" xmlns:p="http://schemas.openxmlformats.org/presentationml/2006/main">
   <p:cSld>
     <p:spTree>
@@ -24983,7 +25455,7 @@
 </p:sld>
 </file>
 
-<file path=ppt/slides/slide24.xml><?xml version="1.0" encoding="utf-8"?>
+<file path=ppt/slides/slide25.xml><?xml version="1.0" encoding="utf-8"?>
 <p:sld xmlns:a="http://schemas.openxmlformats.org/drawingml/2006/main" xmlns:r="http://schemas.openxmlformats.org/officeDocument/2006/relationships" xmlns:p="http://schemas.openxmlformats.org/presentationml/2006/main">
   <p:cSld>
     <p:spTree>
@@ -25535,7 +26007,7 @@
 </p:sld>
 </file>
 
-<file path=ppt/slides/slide25.xml><?xml version="1.0" encoding="utf-8"?>
+<file path=ppt/slides/slide26.xml><?xml version="1.0" encoding="utf-8"?>
 <p:sld xmlns:a="http://schemas.openxmlformats.org/drawingml/2006/main" xmlns:r="http://schemas.openxmlformats.org/officeDocument/2006/relationships" xmlns:p="http://schemas.openxmlformats.org/presentationml/2006/main">
   <p:cSld>
     <p:spTree>
@@ -26258,7 +26730,7 @@
 </p:sld>
 </file>
 
-<file path=ppt/slides/slide26.xml><?xml version="1.0" encoding="utf-8"?>
+<file path=ppt/slides/slide27.xml><?xml version="1.0" encoding="utf-8"?>
 <p:sld xmlns:a="http://schemas.openxmlformats.org/drawingml/2006/main" xmlns:r="http://schemas.openxmlformats.org/officeDocument/2006/relationships" xmlns:p="http://schemas.openxmlformats.org/presentationml/2006/main">
   <p:cSld>
     <p:spTree>
@@ -26932,7 +27404,7 @@
 </p:sld>
 </file>
 
-<file path=ppt/slides/slide27.xml><?xml version="1.0" encoding="utf-8"?>
+<file path=ppt/slides/slide28.xml><?xml version="1.0" encoding="utf-8"?>
 <p:sld xmlns:a="http://schemas.openxmlformats.org/drawingml/2006/main" xmlns:r="http://schemas.openxmlformats.org/officeDocument/2006/relationships" xmlns:p="http://schemas.openxmlformats.org/presentationml/2006/main">
   <p:cSld>
     <p:spTree>
@@ -27363,7 +27835,7 @@
 </p:sld>
 </file>
 
-<file path=ppt/slides/slide28.xml><?xml version="1.0" encoding="utf-8"?>
+<file path=ppt/slides/slide29.xml><?xml version="1.0" encoding="utf-8"?>
 <p:sld xmlns:a="http://schemas.openxmlformats.org/drawingml/2006/main" xmlns:r="http://schemas.openxmlformats.org/officeDocument/2006/relationships" xmlns:p="http://schemas.openxmlformats.org/presentationml/2006/main">
   <p:cSld>
     <p:spTree>
@@ -28178,571 +28650,6 @@
 </p:sld>
 </file>
 
-<file path=ppt/slides/slide29.xml><?xml version="1.0" encoding="utf-8"?>
-<p:sld xmlns:a="http://schemas.openxmlformats.org/drawingml/2006/main" xmlns:r="http://schemas.openxmlformats.org/officeDocument/2006/relationships" xmlns:p="http://schemas.openxmlformats.org/presentationml/2006/main">
-  <p:cSld>
-    <p:spTree>
-      <p:nvGrpSpPr>
-        <p:cNvPr id="1" name=""/>
-        <p:cNvGrpSpPr/>
-        <p:nvPr/>
-      </p:nvGrpSpPr>
-      <p:grpSpPr>
-        <a:xfrm>
-          <a:off x="0" y="0"/>
-          <a:ext cx="0" cy="0"/>
-          <a:chOff x="0" y="0"/>
-          <a:chExt cx="0" cy="0"/>
-        </a:xfrm>
-      </p:grpSpPr>
-      <p:sp>
-        <p:nvSpPr>
-          <p:cNvPr id="2" name="Title 1">
-            <a:extLst>
-              <a:ext uri="{FF2B5EF4-FFF2-40B4-BE49-F238E27FC236}">
-                <a16:creationId xmlns:a16="http://schemas.microsoft.com/office/drawing/2014/main" id="{26AFA8D6-8CF9-4D6D-AC30-A5504074897A}"/>
-              </a:ext>
-            </a:extLst>
-          </p:cNvPr>
-          <p:cNvSpPr>
-            <a:spLocks noGrp="1"/>
-          </p:cNvSpPr>
-          <p:nvPr>
-            <p:ph type="title"/>
-          </p:nvPr>
-        </p:nvSpPr>
-        <p:spPr/>
-        <p:txBody>
-          <a:bodyPr/>
-          <a:lstStyle/>
-          <a:p>
-            <a:pPr>
-              <a:lnSpc>
-                <a:spcPct val="200000"/>
-              </a:lnSpc>
-            </a:pPr>
-            <a:r>
-              <a:rPr lang="en-US" dirty="0"/>
-              <a:t>Containers and Operations</a:t>
-            </a:r>
-          </a:p>
-        </p:txBody>
-      </p:sp>
-      <p:sp>
-        <p:nvSpPr>
-          <p:cNvPr id="3" name="Content Placeholder 2">
-            <a:extLst>
-              <a:ext uri="{FF2B5EF4-FFF2-40B4-BE49-F238E27FC236}">
-                <a16:creationId xmlns:a16="http://schemas.microsoft.com/office/drawing/2014/main" id="{51892F45-8456-4EAF-BC73-F78EF9921B1C}"/>
-              </a:ext>
-            </a:extLst>
-          </p:cNvPr>
-          <p:cNvSpPr>
-            <a:spLocks noGrp="1"/>
-          </p:cNvSpPr>
-          <p:nvPr>
-            <p:ph idx="1"/>
-          </p:nvPr>
-        </p:nvSpPr>
-        <p:spPr>
-          <a:xfrm>
-            <a:off x="581192" y="2180496"/>
-            <a:ext cx="11029615" cy="4161938"/>
-          </a:xfrm>
-        </p:spPr>
-        <p:txBody>
-          <a:bodyPr>
-            <a:normAutofit/>
-          </a:bodyPr>
-          <a:lstStyle/>
-          <a:p>
-            <a:pPr>
-              <a:lnSpc>
-                <a:spcPct val="200000"/>
-              </a:lnSpc>
-            </a:pPr>
-            <a:r>
-              <a:rPr lang="en-US" dirty="0"/>
-              <a:t>Reduced infrastructure cost</a:t>
-            </a:r>
-          </a:p>
-          <a:p>
-            <a:pPr>
-              <a:lnSpc>
-                <a:spcPct val="200000"/>
-              </a:lnSpc>
-            </a:pPr>
-            <a:r>
-              <a:rPr lang="en-US" dirty="0"/>
-              <a:t>Tight control of container images</a:t>
-            </a:r>
-          </a:p>
-          <a:p>
-            <a:pPr>
-              <a:lnSpc>
-                <a:spcPct val="200000"/>
-              </a:lnSpc>
-            </a:pPr>
-            <a:r>
-              <a:rPr lang="en-US" dirty="0"/>
-              <a:t>Security auditing</a:t>
-            </a:r>
-          </a:p>
-          <a:p>
-            <a:pPr>
-              <a:lnSpc>
-                <a:spcPct val="200000"/>
-              </a:lnSpc>
-            </a:pPr>
-            <a:r>
-              <a:rPr lang="en-US" dirty="0"/>
-              <a:t>Required certification of applications</a:t>
-            </a:r>
-          </a:p>
-          <a:p>
-            <a:pPr>
-              <a:lnSpc>
-                <a:spcPct val="200000"/>
-              </a:lnSpc>
-            </a:pPr>
-            <a:r>
-              <a:rPr lang="en-US" dirty="0"/>
-              <a:t>Excellent tools for automatic scaling</a:t>
-            </a:r>
-          </a:p>
-          <a:p>
-            <a:pPr>
-              <a:lnSpc>
-                <a:spcPct val="200000"/>
-              </a:lnSpc>
-            </a:pPr>
-            <a:r>
-              <a:rPr lang="en-US" dirty="0"/>
-              <a:t>Reduced maintenance burden</a:t>
-            </a:r>
-          </a:p>
-          <a:p>
-            <a:pPr>
-              <a:lnSpc>
-                <a:spcPct val="200000"/>
-              </a:lnSpc>
-            </a:pPr>
-            <a:endParaRPr lang="en-US" dirty="0"/>
-          </a:p>
-        </p:txBody>
-      </p:sp>
-    </p:spTree>
-    <p:extLst>
-      <p:ext uri="{BB962C8B-B14F-4D97-AF65-F5344CB8AC3E}">
-        <p14:creationId xmlns:p14="http://schemas.microsoft.com/office/powerpoint/2010/main" val="3648727292"/>
-      </p:ext>
-    </p:extLst>
-  </p:cSld>
-  <p:clrMapOvr>
-    <a:masterClrMapping/>
-  </p:clrMapOvr>
-  <p:timing>
-    <p:tnLst>
-      <p:par>
-        <p:cTn id="1" dur="indefinite" restart="never" nodeType="tmRoot">
-          <p:childTnLst>
-            <p:seq concurrent="1" nextAc="seek">
-              <p:cTn id="2" dur="indefinite" nodeType="mainSeq">
-                <p:childTnLst>
-                  <p:par>
-                    <p:cTn id="3" fill="hold">
-                      <p:stCondLst>
-                        <p:cond delay="indefinite"/>
-                      </p:stCondLst>
-                      <p:childTnLst>
-                        <p:par>
-                          <p:cTn id="4" fill="hold">
-                            <p:stCondLst>
-                              <p:cond delay="0"/>
-                            </p:stCondLst>
-                            <p:childTnLst>
-                              <p:par>
-                                <p:cTn id="5" presetID="10" presetClass="entr" presetSubtype="0" fill="hold" grpId="0" nodeType="clickEffect">
-                                  <p:stCondLst>
-                                    <p:cond delay="0"/>
-                                  </p:stCondLst>
-                                  <p:childTnLst>
-                                    <p:set>
-                                      <p:cBhvr>
-                                        <p:cTn id="6" dur="1" fill="hold">
-                                          <p:stCondLst>
-                                            <p:cond delay="0"/>
-                                          </p:stCondLst>
-                                        </p:cTn>
-                                        <p:tgtEl>
-                                          <p:spTgt spid="3">
-                                            <p:txEl>
-                                              <p:pRg st="0" end="0"/>
-                                            </p:txEl>
-                                          </p:spTgt>
-                                        </p:tgtEl>
-                                        <p:attrNameLst>
-                                          <p:attrName>style.visibility</p:attrName>
-                                        </p:attrNameLst>
-                                      </p:cBhvr>
-                                      <p:to>
-                                        <p:strVal val="visible"/>
-                                      </p:to>
-                                    </p:set>
-                                    <p:animEffect transition="in" filter="fade">
-                                      <p:cBhvr>
-                                        <p:cTn id="7" dur="500"/>
-                                        <p:tgtEl>
-                                          <p:spTgt spid="3">
-                                            <p:txEl>
-                                              <p:pRg st="0" end="0"/>
-                                            </p:txEl>
-                                          </p:spTgt>
-                                        </p:tgtEl>
-                                      </p:cBhvr>
-                                    </p:animEffect>
-                                  </p:childTnLst>
-                                </p:cTn>
-                              </p:par>
-                            </p:childTnLst>
-                          </p:cTn>
-                        </p:par>
-                      </p:childTnLst>
-                    </p:cTn>
-                  </p:par>
-                  <p:par>
-                    <p:cTn id="8" fill="hold">
-                      <p:stCondLst>
-                        <p:cond delay="indefinite"/>
-                      </p:stCondLst>
-                      <p:childTnLst>
-                        <p:par>
-                          <p:cTn id="9" fill="hold">
-                            <p:stCondLst>
-                              <p:cond delay="0"/>
-                            </p:stCondLst>
-                            <p:childTnLst>
-                              <p:par>
-                                <p:cTn id="10" presetID="10" presetClass="entr" presetSubtype="0" fill="hold" grpId="0" nodeType="clickEffect">
-                                  <p:stCondLst>
-                                    <p:cond delay="0"/>
-                                  </p:stCondLst>
-                                  <p:childTnLst>
-                                    <p:set>
-                                      <p:cBhvr>
-                                        <p:cTn id="11" dur="1" fill="hold">
-                                          <p:stCondLst>
-                                            <p:cond delay="0"/>
-                                          </p:stCondLst>
-                                        </p:cTn>
-                                        <p:tgtEl>
-                                          <p:spTgt spid="3">
-                                            <p:txEl>
-                                              <p:pRg st="1" end="1"/>
-                                            </p:txEl>
-                                          </p:spTgt>
-                                        </p:tgtEl>
-                                        <p:attrNameLst>
-                                          <p:attrName>style.visibility</p:attrName>
-                                        </p:attrNameLst>
-                                      </p:cBhvr>
-                                      <p:to>
-                                        <p:strVal val="visible"/>
-                                      </p:to>
-                                    </p:set>
-                                    <p:animEffect transition="in" filter="fade">
-                                      <p:cBhvr>
-                                        <p:cTn id="12" dur="500"/>
-                                        <p:tgtEl>
-                                          <p:spTgt spid="3">
-                                            <p:txEl>
-                                              <p:pRg st="1" end="1"/>
-                                            </p:txEl>
-                                          </p:spTgt>
-                                        </p:tgtEl>
-                                      </p:cBhvr>
-                                    </p:animEffect>
-                                  </p:childTnLst>
-                                </p:cTn>
-                              </p:par>
-                            </p:childTnLst>
-                          </p:cTn>
-                        </p:par>
-                      </p:childTnLst>
-                    </p:cTn>
-                  </p:par>
-                  <p:par>
-                    <p:cTn id="13" fill="hold">
-                      <p:stCondLst>
-                        <p:cond delay="indefinite"/>
-                      </p:stCondLst>
-                      <p:childTnLst>
-                        <p:par>
-                          <p:cTn id="14" fill="hold">
-                            <p:stCondLst>
-                              <p:cond delay="0"/>
-                            </p:stCondLst>
-                            <p:childTnLst>
-                              <p:par>
-                                <p:cTn id="15" presetID="10" presetClass="entr" presetSubtype="0" fill="hold" grpId="0" nodeType="clickEffect">
-                                  <p:stCondLst>
-                                    <p:cond delay="0"/>
-                                  </p:stCondLst>
-                                  <p:childTnLst>
-                                    <p:set>
-                                      <p:cBhvr>
-                                        <p:cTn id="16" dur="1" fill="hold">
-                                          <p:stCondLst>
-                                            <p:cond delay="0"/>
-                                          </p:stCondLst>
-                                        </p:cTn>
-                                        <p:tgtEl>
-                                          <p:spTgt spid="3">
-                                            <p:txEl>
-                                              <p:pRg st="2" end="2"/>
-                                            </p:txEl>
-                                          </p:spTgt>
-                                        </p:tgtEl>
-                                        <p:attrNameLst>
-                                          <p:attrName>style.visibility</p:attrName>
-                                        </p:attrNameLst>
-                                      </p:cBhvr>
-                                      <p:to>
-                                        <p:strVal val="visible"/>
-                                      </p:to>
-                                    </p:set>
-                                    <p:animEffect transition="in" filter="fade">
-                                      <p:cBhvr>
-                                        <p:cTn id="17" dur="500"/>
-                                        <p:tgtEl>
-                                          <p:spTgt spid="3">
-                                            <p:txEl>
-                                              <p:pRg st="2" end="2"/>
-                                            </p:txEl>
-                                          </p:spTgt>
-                                        </p:tgtEl>
-                                      </p:cBhvr>
-                                    </p:animEffect>
-                                  </p:childTnLst>
-                                </p:cTn>
-                              </p:par>
-                            </p:childTnLst>
-                          </p:cTn>
-                        </p:par>
-                      </p:childTnLst>
-                    </p:cTn>
-                  </p:par>
-                  <p:par>
-                    <p:cTn id="18" fill="hold">
-                      <p:stCondLst>
-                        <p:cond delay="indefinite"/>
-                      </p:stCondLst>
-                      <p:childTnLst>
-                        <p:par>
-                          <p:cTn id="19" fill="hold">
-                            <p:stCondLst>
-                              <p:cond delay="0"/>
-                            </p:stCondLst>
-                            <p:childTnLst>
-                              <p:par>
-                                <p:cTn id="20" presetID="10" presetClass="entr" presetSubtype="0" fill="hold" grpId="0" nodeType="clickEffect">
-                                  <p:stCondLst>
-                                    <p:cond delay="0"/>
-                                  </p:stCondLst>
-                                  <p:childTnLst>
-                                    <p:set>
-                                      <p:cBhvr>
-                                        <p:cTn id="21" dur="1" fill="hold">
-                                          <p:stCondLst>
-                                            <p:cond delay="0"/>
-                                          </p:stCondLst>
-                                        </p:cTn>
-                                        <p:tgtEl>
-                                          <p:spTgt spid="3">
-                                            <p:txEl>
-                                              <p:pRg st="3" end="3"/>
-                                            </p:txEl>
-                                          </p:spTgt>
-                                        </p:tgtEl>
-                                        <p:attrNameLst>
-                                          <p:attrName>style.visibility</p:attrName>
-                                        </p:attrNameLst>
-                                      </p:cBhvr>
-                                      <p:to>
-                                        <p:strVal val="visible"/>
-                                      </p:to>
-                                    </p:set>
-                                    <p:animEffect transition="in" filter="fade">
-                                      <p:cBhvr>
-                                        <p:cTn id="22" dur="500"/>
-                                        <p:tgtEl>
-                                          <p:spTgt spid="3">
-                                            <p:txEl>
-                                              <p:pRg st="3" end="3"/>
-                                            </p:txEl>
-                                          </p:spTgt>
-                                        </p:tgtEl>
-                                      </p:cBhvr>
-                                    </p:animEffect>
-                                  </p:childTnLst>
-                                </p:cTn>
-                              </p:par>
-                            </p:childTnLst>
-                          </p:cTn>
-                        </p:par>
-                      </p:childTnLst>
-                    </p:cTn>
-                  </p:par>
-                  <p:par>
-                    <p:cTn id="23" fill="hold">
-                      <p:stCondLst>
-                        <p:cond delay="indefinite"/>
-                      </p:stCondLst>
-                      <p:childTnLst>
-                        <p:par>
-                          <p:cTn id="24" fill="hold">
-                            <p:stCondLst>
-                              <p:cond delay="0"/>
-                            </p:stCondLst>
-                            <p:childTnLst>
-                              <p:par>
-                                <p:cTn id="25" presetID="10" presetClass="entr" presetSubtype="0" fill="hold" grpId="0" nodeType="clickEffect">
-                                  <p:stCondLst>
-                                    <p:cond delay="0"/>
-                                  </p:stCondLst>
-                                  <p:childTnLst>
-                                    <p:set>
-                                      <p:cBhvr>
-                                        <p:cTn id="26" dur="1" fill="hold">
-                                          <p:stCondLst>
-                                            <p:cond delay="0"/>
-                                          </p:stCondLst>
-                                        </p:cTn>
-                                        <p:tgtEl>
-                                          <p:spTgt spid="3">
-                                            <p:txEl>
-                                              <p:pRg st="4" end="4"/>
-                                            </p:txEl>
-                                          </p:spTgt>
-                                        </p:tgtEl>
-                                        <p:attrNameLst>
-                                          <p:attrName>style.visibility</p:attrName>
-                                        </p:attrNameLst>
-                                      </p:cBhvr>
-                                      <p:to>
-                                        <p:strVal val="visible"/>
-                                      </p:to>
-                                    </p:set>
-                                    <p:animEffect transition="in" filter="fade">
-                                      <p:cBhvr>
-                                        <p:cTn id="27" dur="500"/>
-                                        <p:tgtEl>
-                                          <p:spTgt spid="3">
-                                            <p:txEl>
-                                              <p:pRg st="4" end="4"/>
-                                            </p:txEl>
-                                          </p:spTgt>
-                                        </p:tgtEl>
-                                      </p:cBhvr>
-                                    </p:animEffect>
-                                  </p:childTnLst>
-                                </p:cTn>
-                              </p:par>
-                            </p:childTnLst>
-                          </p:cTn>
-                        </p:par>
-                      </p:childTnLst>
-                    </p:cTn>
-                  </p:par>
-                  <p:par>
-                    <p:cTn id="28" fill="hold">
-                      <p:stCondLst>
-                        <p:cond delay="indefinite"/>
-                      </p:stCondLst>
-                      <p:childTnLst>
-                        <p:par>
-                          <p:cTn id="29" fill="hold">
-                            <p:stCondLst>
-                              <p:cond delay="0"/>
-                            </p:stCondLst>
-                            <p:childTnLst>
-                              <p:par>
-                                <p:cTn id="30" presetID="10" presetClass="entr" presetSubtype="0" fill="hold" grpId="0" nodeType="clickEffect">
-                                  <p:stCondLst>
-                                    <p:cond delay="0"/>
-                                  </p:stCondLst>
-                                  <p:childTnLst>
-                                    <p:set>
-                                      <p:cBhvr>
-                                        <p:cTn id="31" dur="1" fill="hold">
-                                          <p:stCondLst>
-                                            <p:cond delay="0"/>
-                                          </p:stCondLst>
-                                        </p:cTn>
-                                        <p:tgtEl>
-                                          <p:spTgt spid="3">
-                                            <p:txEl>
-                                              <p:pRg st="5" end="5"/>
-                                            </p:txEl>
-                                          </p:spTgt>
-                                        </p:tgtEl>
-                                        <p:attrNameLst>
-                                          <p:attrName>style.visibility</p:attrName>
-                                        </p:attrNameLst>
-                                      </p:cBhvr>
-                                      <p:to>
-                                        <p:strVal val="visible"/>
-                                      </p:to>
-                                    </p:set>
-                                    <p:animEffect transition="in" filter="fade">
-                                      <p:cBhvr>
-                                        <p:cTn id="32" dur="500"/>
-                                        <p:tgtEl>
-                                          <p:spTgt spid="3">
-                                            <p:txEl>
-                                              <p:pRg st="5" end="5"/>
-                                            </p:txEl>
-                                          </p:spTgt>
-                                        </p:tgtEl>
-                                      </p:cBhvr>
-                                    </p:animEffect>
-                                  </p:childTnLst>
-                                </p:cTn>
-                              </p:par>
-                            </p:childTnLst>
-                          </p:cTn>
-                        </p:par>
-                      </p:childTnLst>
-                    </p:cTn>
-                  </p:par>
-                </p:childTnLst>
-              </p:cTn>
-              <p:prevCondLst>
-                <p:cond evt="onPrev" delay="0">
-                  <p:tgtEl>
-                    <p:sldTgt/>
-                  </p:tgtEl>
-                </p:cond>
-              </p:prevCondLst>
-              <p:nextCondLst>
-                <p:cond evt="onNext" delay="0">
-                  <p:tgtEl>
-                    <p:sldTgt/>
-                  </p:tgtEl>
-                </p:cond>
-              </p:nextCondLst>
-            </p:seq>
-          </p:childTnLst>
-        </p:cTn>
-      </p:par>
-    </p:tnLst>
-    <p:bldLst>
-      <p:bldP spid="3" grpId="0" build="p"/>
-    </p:bldLst>
-  </p:timing>
-</p:sld>
-</file>
-
 <file path=ppt/slides/slide3.xml><?xml version="1.0" encoding="utf-8"?>
 <p:sld xmlns:a="http://schemas.openxmlformats.org/drawingml/2006/main" xmlns:r="http://schemas.openxmlformats.org/officeDocument/2006/relationships" xmlns:p="http://schemas.openxmlformats.org/presentationml/2006/main">
   <p:cSld>
@@ -29363,6 +29270,571 @@
 </file>
 
 <file path=ppt/slides/slide30.xml><?xml version="1.0" encoding="utf-8"?>
+<p:sld xmlns:a="http://schemas.openxmlformats.org/drawingml/2006/main" xmlns:r="http://schemas.openxmlformats.org/officeDocument/2006/relationships" xmlns:p="http://schemas.openxmlformats.org/presentationml/2006/main">
+  <p:cSld>
+    <p:spTree>
+      <p:nvGrpSpPr>
+        <p:cNvPr id="1" name=""/>
+        <p:cNvGrpSpPr/>
+        <p:nvPr/>
+      </p:nvGrpSpPr>
+      <p:grpSpPr>
+        <a:xfrm>
+          <a:off x="0" y="0"/>
+          <a:ext cx="0" cy="0"/>
+          <a:chOff x="0" y="0"/>
+          <a:chExt cx="0" cy="0"/>
+        </a:xfrm>
+      </p:grpSpPr>
+      <p:sp>
+        <p:nvSpPr>
+          <p:cNvPr id="2" name="Title 1">
+            <a:extLst>
+              <a:ext uri="{FF2B5EF4-FFF2-40B4-BE49-F238E27FC236}">
+                <a16:creationId xmlns:a16="http://schemas.microsoft.com/office/drawing/2014/main" id="{26AFA8D6-8CF9-4D6D-AC30-A5504074897A}"/>
+              </a:ext>
+            </a:extLst>
+          </p:cNvPr>
+          <p:cNvSpPr>
+            <a:spLocks noGrp="1"/>
+          </p:cNvSpPr>
+          <p:nvPr>
+            <p:ph type="title"/>
+          </p:nvPr>
+        </p:nvSpPr>
+        <p:spPr/>
+        <p:txBody>
+          <a:bodyPr/>
+          <a:lstStyle/>
+          <a:p>
+            <a:pPr>
+              <a:lnSpc>
+                <a:spcPct val="200000"/>
+              </a:lnSpc>
+            </a:pPr>
+            <a:r>
+              <a:rPr lang="en-US" dirty="0"/>
+              <a:t>Containers and Operations</a:t>
+            </a:r>
+          </a:p>
+        </p:txBody>
+      </p:sp>
+      <p:sp>
+        <p:nvSpPr>
+          <p:cNvPr id="3" name="Content Placeholder 2">
+            <a:extLst>
+              <a:ext uri="{FF2B5EF4-FFF2-40B4-BE49-F238E27FC236}">
+                <a16:creationId xmlns:a16="http://schemas.microsoft.com/office/drawing/2014/main" id="{51892F45-8456-4EAF-BC73-F78EF9921B1C}"/>
+              </a:ext>
+            </a:extLst>
+          </p:cNvPr>
+          <p:cNvSpPr>
+            <a:spLocks noGrp="1"/>
+          </p:cNvSpPr>
+          <p:nvPr>
+            <p:ph idx="1"/>
+          </p:nvPr>
+        </p:nvSpPr>
+        <p:spPr>
+          <a:xfrm>
+            <a:off x="581192" y="2180496"/>
+            <a:ext cx="11029615" cy="4161938"/>
+          </a:xfrm>
+        </p:spPr>
+        <p:txBody>
+          <a:bodyPr>
+            <a:normAutofit/>
+          </a:bodyPr>
+          <a:lstStyle/>
+          <a:p>
+            <a:pPr>
+              <a:lnSpc>
+                <a:spcPct val="200000"/>
+              </a:lnSpc>
+            </a:pPr>
+            <a:r>
+              <a:rPr lang="en-US" dirty="0"/>
+              <a:t>Reduced infrastructure cost</a:t>
+            </a:r>
+          </a:p>
+          <a:p>
+            <a:pPr>
+              <a:lnSpc>
+                <a:spcPct val="200000"/>
+              </a:lnSpc>
+            </a:pPr>
+            <a:r>
+              <a:rPr lang="en-US" dirty="0"/>
+              <a:t>Tight control of container images</a:t>
+            </a:r>
+          </a:p>
+          <a:p>
+            <a:pPr>
+              <a:lnSpc>
+                <a:spcPct val="200000"/>
+              </a:lnSpc>
+            </a:pPr>
+            <a:r>
+              <a:rPr lang="en-US" dirty="0"/>
+              <a:t>Security auditing</a:t>
+            </a:r>
+          </a:p>
+          <a:p>
+            <a:pPr>
+              <a:lnSpc>
+                <a:spcPct val="200000"/>
+              </a:lnSpc>
+            </a:pPr>
+            <a:r>
+              <a:rPr lang="en-US" dirty="0"/>
+              <a:t>Required certification of applications</a:t>
+            </a:r>
+          </a:p>
+          <a:p>
+            <a:pPr>
+              <a:lnSpc>
+                <a:spcPct val="200000"/>
+              </a:lnSpc>
+            </a:pPr>
+            <a:r>
+              <a:rPr lang="en-US" dirty="0"/>
+              <a:t>Excellent tools for automatic scaling</a:t>
+            </a:r>
+          </a:p>
+          <a:p>
+            <a:pPr>
+              <a:lnSpc>
+                <a:spcPct val="200000"/>
+              </a:lnSpc>
+            </a:pPr>
+            <a:r>
+              <a:rPr lang="en-US" dirty="0"/>
+              <a:t>Reduced maintenance burden</a:t>
+            </a:r>
+          </a:p>
+          <a:p>
+            <a:pPr>
+              <a:lnSpc>
+                <a:spcPct val="200000"/>
+              </a:lnSpc>
+            </a:pPr>
+            <a:endParaRPr lang="en-US" dirty="0"/>
+          </a:p>
+        </p:txBody>
+      </p:sp>
+    </p:spTree>
+    <p:extLst>
+      <p:ext uri="{BB962C8B-B14F-4D97-AF65-F5344CB8AC3E}">
+        <p14:creationId xmlns:p14="http://schemas.microsoft.com/office/powerpoint/2010/main" val="3648727292"/>
+      </p:ext>
+    </p:extLst>
+  </p:cSld>
+  <p:clrMapOvr>
+    <a:masterClrMapping/>
+  </p:clrMapOvr>
+  <p:timing>
+    <p:tnLst>
+      <p:par>
+        <p:cTn id="1" dur="indefinite" restart="never" nodeType="tmRoot">
+          <p:childTnLst>
+            <p:seq concurrent="1" nextAc="seek">
+              <p:cTn id="2" dur="indefinite" nodeType="mainSeq">
+                <p:childTnLst>
+                  <p:par>
+                    <p:cTn id="3" fill="hold">
+                      <p:stCondLst>
+                        <p:cond delay="indefinite"/>
+                      </p:stCondLst>
+                      <p:childTnLst>
+                        <p:par>
+                          <p:cTn id="4" fill="hold">
+                            <p:stCondLst>
+                              <p:cond delay="0"/>
+                            </p:stCondLst>
+                            <p:childTnLst>
+                              <p:par>
+                                <p:cTn id="5" presetID="10" presetClass="entr" presetSubtype="0" fill="hold" grpId="0" nodeType="clickEffect">
+                                  <p:stCondLst>
+                                    <p:cond delay="0"/>
+                                  </p:stCondLst>
+                                  <p:childTnLst>
+                                    <p:set>
+                                      <p:cBhvr>
+                                        <p:cTn id="6" dur="1" fill="hold">
+                                          <p:stCondLst>
+                                            <p:cond delay="0"/>
+                                          </p:stCondLst>
+                                        </p:cTn>
+                                        <p:tgtEl>
+                                          <p:spTgt spid="3">
+                                            <p:txEl>
+                                              <p:pRg st="0" end="0"/>
+                                            </p:txEl>
+                                          </p:spTgt>
+                                        </p:tgtEl>
+                                        <p:attrNameLst>
+                                          <p:attrName>style.visibility</p:attrName>
+                                        </p:attrNameLst>
+                                      </p:cBhvr>
+                                      <p:to>
+                                        <p:strVal val="visible"/>
+                                      </p:to>
+                                    </p:set>
+                                    <p:animEffect transition="in" filter="fade">
+                                      <p:cBhvr>
+                                        <p:cTn id="7" dur="500"/>
+                                        <p:tgtEl>
+                                          <p:spTgt spid="3">
+                                            <p:txEl>
+                                              <p:pRg st="0" end="0"/>
+                                            </p:txEl>
+                                          </p:spTgt>
+                                        </p:tgtEl>
+                                      </p:cBhvr>
+                                    </p:animEffect>
+                                  </p:childTnLst>
+                                </p:cTn>
+                              </p:par>
+                            </p:childTnLst>
+                          </p:cTn>
+                        </p:par>
+                      </p:childTnLst>
+                    </p:cTn>
+                  </p:par>
+                  <p:par>
+                    <p:cTn id="8" fill="hold">
+                      <p:stCondLst>
+                        <p:cond delay="indefinite"/>
+                      </p:stCondLst>
+                      <p:childTnLst>
+                        <p:par>
+                          <p:cTn id="9" fill="hold">
+                            <p:stCondLst>
+                              <p:cond delay="0"/>
+                            </p:stCondLst>
+                            <p:childTnLst>
+                              <p:par>
+                                <p:cTn id="10" presetID="10" presetClass="entr" presetSubtype="0" fill="hold" grpId="0" nodeType="clickEffect">
+                                  <p:stCondLst>
+                                    <p:cond delay="0"/>
+                                  </p:stCondLst>
+                                  <p:childTnLst>
+                                    <p:set>
+                                      <p:cBhvr>
+                                        <p:cTn id="11" dur="1" fill="hold">
+                                          <p:stCondLst>
+                                            <p:cond delay="0"/>
+                                          </p:stCondLst>
+                                        </p:cTn>
+                                        <p:tgtEl>
+                                          <p:spTgt spid="3">
+                                            <p:txEl>
+                                              <p:pRg st="1" end="1"/>
+                                            </p:txEl>
+                                          </p:spTgt>
+                                        </p:tgtEl>
+                                        <p:attrNameLst>
+                                          <p:attrName>style.visibility</p:attrName>
+                                        </p:attrNameLst>
+                                      </p:cBhvr>
+                                      <p:to>
+                                        <p:strVal val="visible"/>
+                                      </p:to>
+                                    </p:set>
+                                    <p:animEffect transition="in" filter="fade">
+                                      <p:cBhvr>
+                                        <p:cTn id="12" dur="500"/>
+                                        <p:tgtEl>
+                                          <p:spTgt spid="3">
+                                            <p:txEl>
+                                              <p:pRg st="1" end="1"/>
+                                            </p:txEl>
+                                          </p:spTgt>
+                                        </p:tgtEl>
+                                      </p:cBhvr>
+                                    </p:animEffect>
+                                  </p:childTnLst>
+                                </p:cTn>
+                              </p:par>
+                            </p:childTnLst>
+                          </p:cTn>
+                        </p:par>
+                      </p:childTnLst>
+                    </p:cTn>
+                  </p:par>
+                  <p:par>
+                    <p:cTn id="13" fill="hold">
+                      <p:stCondLst>
+                        <p:cond delay="indefinite"/>
+                      </p:stCondLst>
+                      <p:childTnLst>
+                        <p:par>
+                          <p:cTn id="14" fill="hold">
+                            <p:stCondLst>
+                              <p:cond delay="0"/>
+                            </p:stCondLst>
+                            <p:childTnLst>
+                              <p:par>
+                                <p:cTn id="15" presetID="10" presetClass="entr" presetSubtype="0" fill="hold" grpId="0" nodeType="clickEffect">
+                                  <p:stCondLst>
+                                    <p:cond delay="0"/>
+                                  </p:stCondLst>
+                                  <p:childTnLst>
+                                    <p:set>
+                                      <p:cBhvr>
+                                        <p:cTn id="16" dur="1" fill="hold">
+                                          <p:stCondLst>
+                                            <p:cond delay="0"/>
+                                          </p:stCondLst>
+                                        </p:cTn>
+                                        <p:tgtEl>
+                                          <p:spTgt spid="3">
+                                            <p:txEl>
+                                              <p:pRg st="2" end="2"/>
+                                            </p:txEl>
+                                          </p:spTgt>
+                                        </p:tgtEl>
+                                        <p:attrNameLst>
+                                          <p:attrName>style.visibility</p:attrName>
+                                        </p:attrNameLst>
+                                      </p:cBhvr>
+                                      <p:to>
+                                        <p:strVal val="visible"/>
+                                      </p:to>
+                                    </p:set>
+                                    <p:animEffect transition="in" filter="fade">
+                                      <p:cBhvr>
+                                        <p:cTn id="17" dur="500"/>
+                                        <p:tgtEl>
+                                          <p:spTgt spid="3">
+                                            <p:txEl>
+                                              <p:pRg st="2" end="2"/>
+                                            </p:txEl>
+                                          </p:spTgt>
+                                        </p:tgtEl>
+                                      </p:cBhvr>
+                                    </p:animEffect>
+                                  </p:childTnLst>
+                                </p:cTn>
+                              </p:par>
+                            </p:childTnLst>
+                          </p:cTn>
+                        </p:par>
+                      </p:childTnLst>
+                    </p:cTn>
+                  </p:par>
+                  <p:par>
+                    <p:cTn id="18" fill="hold">
+                      <p:stCondLst>
+                        <p:cond delay="indefinite"/>
+                      </p:stCondLst>
+                      <p:childTnLst>
+                        <p:par>
+                          <p:cTn id="19" fill="hold">
+                            <p:stCondLst>
+                              <p:cond delay="0"/>
+                            </p:stCondLst>
+                            <p:childTnLst>
+                              <p:par>
+                                <p:cTn id="20" presetID="10" presetClass="entr" presetSubtype="0" fill="hold" grpId="0" nodeType="clickEffect">
+                                  <p:stCondLst>
+                                    <p:cond delay="0"/>
+                                  </p:stCondLst>
+                                  <p:childTnLst>
+                                    <p:set>
+                                      <p:cBhvr>
+                                        <p:cTn id="21" dur="1" fill="hold">
+                                          <p:stCondLst>
+                                            <p:cond delay="0"/>
+                                          </p:stCondLst>
+                                        </p:cTn>
+                                        <p:tgtEl>
+                                          <p:spTgt spid="3">
+                                            <p:txEl>
+                                              <p:pRg st="3" end="3"/>
+                                            </p:txEl>
+                                          </p:spTgt>
+                                        </p:tgtEl>
+                                        <p:attrNameLst>
+                                          <p:attrName>style.visibility</p:attrName>
+                                        </p:attrNameLst>
+                                      </p:cBhvr>
+                                      <p:to>
+                                        <p:strVal val="visible"/>
+                                      </p:to>
+                                    </p:set>
+                                    <p:animEffect transition="in" filter="fade">
+                                      <p:cBhvr>
+                                        <p:cTn id="22" dur="500"/>
+                                        <p:tgtEl>
+                                          <p:spTgt spid="3">
+                                            <p:txEl>
+                                              <p:pRg st="3" end="3"/>
+                                            </p:txEl>
+                                          </p:spTgt>
+                                        </p:tgtEl>
+                                      </p:cBhvr>
+                                    </p:animEffect>
+                                  </p:childTnLst>
+                                </p:cTn>
+                              </p:par>
+                            </p:childTnLst>
+                          </p:cTn>
+                        </p:par>
+                      </p:childTnLst>
+                    </p:cTn>
+                  </p:par>
+                  <p:par>
+                    <p:cTn id="23" fill="hold">
+                      <p:stCondLst>
+                        <p:cond delay="indefinite"/>
+                      </p:stCondLst>
+                      <p:childTnLst>
+                        <p:par>
+                          <p:cTn id="24" fill="hold">
+                            <p:stCondLst>
+                              <p:cond delay="0"/>
+                            </p:stCondLst>
+                            <p:childTnLst>
+                              <p:par>
+                                <p:cTn id="25" presetID="10" presetClass="entr" presetSubtype="0" fill="hold" grpId="0" nodeType="clickEffect">
+                                  <p:stCondLst>
+                                    <p:cond delay="0"/>
+                                  </p:stCondLst>
+                                  <p:childTnLst>
+                                    <p:set>
+                                      <p:cBhvr>
+                                        <p:cTn id="26" dur="1" fill="hold">
+                                          <p:stCondLst>
+                                            <p:cond delay="0"/>
+                                          </p:stCondLst>
+                                        </p:cTn>
+                                        <p:tgtEl>
+                                          <p:spTgt spid="3">
+                                            <p:txEl>
+                                              <p:pRg st="4" end="4"/>
+                                            </p:txEl>
+                                          </p:spTgt>
+                                        </p:tgtEl>
+                                        <p:attrNameLst>
+                                          <p:attrName>style.visibility</p:attrName>
+                                        </p:attrNameLst>
+                                      </p:cBhvr>
+                                      <p:to>
+                                        <p:strVal val="visible"/>
+                                      </p:to>
+                                    </p:set>
+                                    <p:animEffect transition="in" filter="fade">
+                                      <p:cBhvr>
+                                        <p:cTn id="27" dur="500"/>
+                                        <p:tgtEl>
+                                          <p:spTgt spid="3">
+                                            <p:txEl>
+                                              <p:pRg st="4" end="4"/>
+                                            </p:txEl>
+                                          </p:spTgt>
+                                        </p:tgtEl>
+                                      </p:cBhvr>
+                                    </p:animEffect>
+                                  </p:childTnLst>
+                                </p:cTn>
+                              </p:par>
+                            </p:childTnLst>
+                          </p:cTn>
+                        </p:par>
+                      </p:childTnLst>
+                    </p:cTn>
+                  </p:par>
+                  <p:par>
+                    <p:cTn id="28" fill="hold">
+                      <p:stCondLst>
+                        <p:cond delay="indefinite"/>
+                      </p:stCondLst>
+                      <p:childTnLst>
+                        <p:par>
+                          <p:cTn id="29" fill="hold">
+                            <p:stCondLst>
+                              <p:cond delay="0"/>
+                            </p:stCondLst>
+                            <p:childTnLst>
+                              <p:par>
+                                <p:cTn id="30" presetID="10" presetClass="entr" presetSubtype="0" fill="hold" grpId="0" nodeType="clickEffect">
+                                  <p:stCondLst>
+                                    <p:cond delay="0"/>
+                                  </p:stCondLst>
+                                  <p:childTnLst>
+                                    <p:set>
+                                      <p:cBhvr>
+                                        <p:cTn id="31" dur="1" fill="hold">
+                                          <p:stCondLst>
+                                            <p:cond delay="0"/>
+                                          </p:stCondLst>
+                                        </p:cTn>
+                                        <p:tgtEl>
+                                          <p:spTgt spid="3">
+                                            <p:txEl>
+                                              <p:pRg st="5" end="5"/>
+                                            </p:txEl>
+                                          </p:spTgt>
+                                        </p:tgtEl>
+                                        <p:attrNameLst>
+                                          <p:attrName>style.visibility</p:attrName>
+                                        </p:attrNameLst>
+                                      </p:cBhvr>
+                                      <p:to>
+                                        <p:strVal val="visible"/>
+                                      </p:to>
+                                    </p:set>
+                                    <p:animEffect transition="in" filter="fade">
+                                      <p:cBhvr>
+                                        <p:cTn id="32" dur="500"/>
+                                        <p:tgtEl>
+                                          <p:spTgt spid="3">
+                                            <p:txEl>
+                                              <p:pRg st="5" end="5"/>
+                                            </p:txEl>
+                                          </p:spTgt>
+                                        </p:tgtEl>
+                                      </p:cBhvr>
+                                    </p:animEffect>
+                                  </p:childTnLst>
+                                </p:cTn>
+                              </p:par>
+                            </p:childTnLst>
+                          </p:cTn>
+                        </p:par>
+                      </p:childTnLst>
+                    </p:cTn>
+                  </p:par>
+                </p:childTnLst>
+              </p:cTn>
+              <p:prevCondLst>
+                <p:cond evt="onPrev" delay="0">
+                  <p:tgtEl>
+                    <p:sldTgt/>
+                  </p:tgtEl>
+                </p:cond>
+              </p:prevCondLst>
+              <p:nextCondLst>
+                <p:cond evt="onNext" delay="0">
+                  <p:tgtEl>
+                    <p:sldTgt/>
+                  </p:tgtEl>
+                </p:cond>
+              </p:nextCondLst>
+            </p:seq>
+          </p:childTnLst>
+        </p:cTn>
+      </p:par>
+    </p:tnLst>
+    <p:bldLst>
+      <p:bldP spid="3" grpId="0" build="p"/>
+    </p:bldLst>
+  </p:timing>
+</p:sld>
+</file>
+
+<file path=ppt/slides/slide31.xml><?xml version="1.0" encoding="utf-8"?>
 <p:sld xmlns:a="http://schemas.openxmlformats.org/drawingml/2006/main" xmlns:r="http://schemas.openxmlformats.org/officeDocument/2006/relationships" xmlns:p="http://schemas.openxmlformats.org/presentationml/2006/main">
   <p:cSld>
     <p:spTree>
@@ -30132,7 +30604,7 @@
 </p:sld>
 </file>
 
-<file path=ppt/slides/slide31.xml><?xml version="1.0" encoding="utf-8"?>
+<file path=ppt/slides/slide32.xml><?xml version="1.0" encoding="utf-8"?>
 <p:sld xmlns:a="http://schemas.openxmlformats.org/drawingml/2006/main" xmlns:r="http://schemas.openxmlformats.org/officeDocument/2006/relationships" xmlns:p="http://schemas.openxmlformats.org/presentationml/2006/main">
   <p:cSld>
     <p:spTree>
@@ -30218,7 +30690,7 @@
 </p:sld>
 </file>
 
-<file path=ppt/slides/slide32.xml><?xml version="1.0" encoding="utf-8"?>
+<file path=ppt/slides/slide33.xml><?xml version="1.0" encoding="utf-8"?>
 <p:sld xmlns:a="http://schemas.openxmlformats.org/drawingml/2006/main" xmlns:r="http://schemas.openxmlformats.org/officeDocument/2006/relationships" xmlns:p="http://schemas.openxmlformats.org/presentationml/2006/main">
   <p:cSld>
     <p:spTree>
@@ -30951,7 +31423,7 @@
 </p:sld>
 </file>
 
-<file path=ppt/slides/slide33.xml><?xml version="1.0" encoding="utf-8"?>
+<file path=ppt/slides/slide34.xml><?xml version="1.0" encoding="utf-8"?>
 <p:sld xmlns:a="http://schemas.openxmlformats.org/drawingml/2006/main" xmlns:r="http://schemas.openxmlformats.org/officeDocument/2006/relationships" xmlns:p="http://schemas.openxmlformats.org/presentationml/2006/main">
   <p:cSld>
     <p:spTree>
@@ -31515,7 +31987,7 @@
 </p:sld>
 </file>
 
-<file path=ppt/slides/slide34.xml><?xml version="1.0" encoding="utf-8"?>
+<file path=ppt/slides/slide35.xml><?xml version="1.0" encoding="utf-8"?>
 <p:sld xmlns:a="http://schemas.openxmlformats.org/drawingml/2006/main" xmlns:r="http://schemas.openxmlformats.org/officeDocument/2006/relationships" xmlns:p="http://schemas.openxmlformats.org/presentationml/2006/main">
   <p:cSld>
     <p:spTree>
@@ -32344,7 +32816,7 @@
 </p:sld>
 </file>
 
-<file path=ppt/slides/slide35.xml><?xml version="1.0" encoding="utf-8"?>
+<file path=ppt/slides/slide36.xml><?xml version="1.0" encoding="utf-8"?>
 <p:sld xmlns:a="http://schemas.openxmlformats.org/drawingml/2006/main" xmlns:r="http://schemas.openxmlformats.org/officeDocument/2006/relationships" xmlns:p="http://schemas.openxmlformats.org/presentationml/2006/main">
   <p:cSld>
     <p:spTree>
@@ -32430,7 +32902,7 @@
 </p:sld>
 </file>
 
-<file path=ppt/slides/slide36.xml><?xml version="1.0" encoding="utf-8"?>
+<file path=ppt/slides/slide37.xml><?xml version="1.0" encoding="utf-8"?>
 <p:sld xmlns:a="http://schemas.openxmlformats.org/drawingml/2006/main" xmlns:r="http://schemas.openxmlformats.org/officeDocument/2006/relationships" xmlns:p="http://schemas.openxmlformats.org/presentationml/2006/main">
   <p:cSld>
     <p:spTree>
@@ -33006,7 +33478,7 @@
 </p:sld>
 </file>
 
-<file path=ppt/slides/slide37.xml><?xml version="1.0" encoding="utf-8"?>
+<file path=ppt/slides/slide38.xml><?xml version="1.0" encoding="utf-8"?>
 <p:sld xmlns:a="http://schemas.openxmlformats.org/drawingml/2006/main" xmlns:r="http://schemas.openxmlformats.org/officeDocument/2006/relationships" xmlns:p="http://schemas.openxmlformats.org/presentationml/2006/main">
   <p:cSld>
     <p:spTree>
@@ -33726,7 +34198,7 @@
 </p:sld>
 </file>
 
-<file path=ppt/slides/slide38.xml><?xml version="1.0" encoding="utf-8"?>
+<file path=ppt/slides/slide39.xml><?xml version="1.0" encoding="utf-8"?>
 <p:sld xmlns:a="http://schemas.openxmlformats.org/drawingml/2006/main" xmlns:r="http://schemas.openxmlformats.org/officeDocument/2006/relationships" xmlns:p="http://schemas.openxmlformats.org/presentationml/2006/main">
   <p:cSld>
     <p:spTree>
@@ -34459,7 +34931,266 @@
 </p:sld>
 </file>
 
-<file path=ppt/slides/slide39.xml><?xml version="1.0" encoding="utf-8"?>
+<file path=ppt/slides/slide4.xml><?xml version="1.0" encoding="utf-8"?>
+<p:sld xmlns:a="http://schemas.openxmlformats.org/drawingml/2006/main" xmlns:r="http://schemas.openxmlformats.org/officeDocument/2006/relationships" xmlns:p="http://schemas.openxmlformats.org/presentationml/2006/main">
+  <p:cSld>
+    <p:spTree>
+      <p:nvGrpSpPr>
+        <p:cNvPr id="1" name=""/>
+        <p:cNvGrpSpPr/>
+        <p:nvPr/>
+      </p:nvGrpSpPr>
+      <p:grpSpPr>
+        <a:xfrm>
+          <a:off x="0" y="0"/>
+          <a:ext cx="0" cy="0"/>
+          <a:chOff x="0" y="0"/>
+          <a:chExt cx="0" cy="0"/>
+        </a:xfrm>
+      </p:grpSpPr>
+      <p:sp>
+        <p:nvSpPr>
+          <p:cNvPr id="2" name="Title 1">
+            <a:extLst>
+              <a:ext uri="{FF2B5EF4-FFF2-40B4-BE49-F238E27FC236}">
+                <a16:creationId xmlns:a16="http://schemas.microsoft.com/office/drawing/2014/main" id="{4203C5A5-9815-40B7-B6A3-11624AD5D70B}"/>
+              </a:ext>
+            </a:extLst>
+          </p:cNvPr>
+          <p:cNvSpPr>
+            <a:spLocks noGrp="1"/>
+          </p:cNvSpPr>
+          <p:nvPr>
+            <p:ph type="title"/>
+          </p:nvPr>
+        </p:nvSpPr>
+        <p:spPr/>
+        <p:txBody>
+          <a:bodyPr/>
+          <a:lstStyle/>
+          <a:p>
+            <a:r>
+              <a:rPr lang="en-US" dirty="0"/>
+              <a:t>Beginning of a Super-Quick Demo</a:t>
+            </a:r>
+          </a:p>
+        </p:txBody>
+      </p:sp>
+      <p:sp>
+        <p:nvSpPr>
+          <p:cNvPr id="3" name="Content Placeholder 2">
+            <a:extLst>
+              <a:ext uri="{FF2B5EF4-FFF2-40B4-BE49-F238E27FC236}">
+                <a16:creationId xmlns:a16="http://schemas.microsoft.com/office/drawing/2014/main" id="{D3CB0566-8F38-499D-952E-09A2A91495B7}"/>
+              </a:ext>
+            </a:extLst>
+          </p:cNvPr>
+          <p:cNvSpPr>
+            <a:spLocks noGrp="1"/>
+          </p:cNvSpPr>
+          <p:nvPr>
+            <p:ph idx="1"/>
+          </p:nvPr>
+        </p:nvSpPr>
+        <p:spPr/>
+        <p:txBody>
+          <a:bodyPr>
+            <a:normAutofit/>
+          </a:bodyPr>
+          <a:lstStyle/>
+          <a:p>
+            <a:pPr>
+              <a:lnSpc>
+                <a:spcPct val="200000"/>
+              </a:lnSpc>
+            </a:pPr>
+            <a:r>
+              <a:rPr lang="en-US" dirty="0"/>
+              <a:t>Show SQL Server is not installed</a:t>
+            </a:r>
+          </a:p>
+          <a:p>
+            <a:pPr>
+              <a:lnSpc>
+                <a:spcPct val="200000"/>
+              </a:lnSpc>
+            </a:pPr>
+            <a:r>
+              <a:rPr lang="en-US" dirty="0"/>
+              <a:t>Use docker to configure SQL Server, no installation or admin intervention required</a:t>
+            </a:r>
+          </a:p>
+        </p:txBody>
+      </p:sp>
+    </p:spTree>
+    <p:extLst>
+      <p:ext uri="{BB962C8B-B14F-4D97-AF65-F5344CB8AC3E}">
+        <p14:creationId xmlns:p14="http://schemas.microsoft.com/office/powerpoint/2010/main" val="1031436550"/>
+      </p:ext>
+    </p:extLst>
+  </p:cSld>
+  <p:clrMapOvr>
+    <a:masterClrMapping/>
+  </p:clrMapOvr>
+  <p:timing>
+    <p:tnLst>
+      <p:par>
+        <p:cTn id="1" dur="indefinite" restart="never" nodeType="tmRoot">
+          <p:childTnLst>
+            <p:seq concurrent="1" nextAc="seek">
+              <p:cTn id="2" dur="indefinite" nodeType="mainSeq">
+                <p:childTnLst>
+                  <p:par>
+                    <p:cTn id="3" fill="hold">
+                      <p:stCondLst>
+                        <p:cond delay="indefinite"/>
+                      </p:stCondLst>
+                      <p:childTnLst>
+                        <p:par>
+                          <p:cTn id="4" fill="hold">
+                            <p:stCondLst>
+                              <p:cond delay="0"/>
+                            </p:stCondLst>
+                            <p:childTnLst>
+                              <p:par>
+                                <p:cTn id="5" presetID="10" presetClass="entr" presetSubtype="0" fill="hold" grpId="0" nodeType="clickEffect">
+                                  <p:stCondLst>
+                                    <p:cond delay="0"/>
+                                  </p:stCondLst>
+                                  <p:childTnLst>
+                                    <p:set>
+                                      <p:cBhvr>
+                                        <p:cTn id="6" dur="1" fill="hold">
+                                          <p:stCondLst>
+                                            <p:cond delay="0"/>
+                                          </p:stCondLst>
+                                        </p:cTn>
+                                        <p:tgtEl>
+                                          <p:spTgt spid="3">
+                                            <p:txEl>
+                                              <p:pRg st="0" end="0"/>
+                                            </p:txEl>
+                                          </p:spTgt>
+                                        </p:tgtEl>
+                                        <p:attrNameLst>
+                                          <p:attrName>style.visibility</p:attrName>
+                                        </p:attrNameLst>
+                                      </p:cBhvr>
+                                      <p:to>
+                                        <p:strVal val="visible"/>
+                                      </p:to>
+                                    </p:set>
+                                    <p:animEffect transition="in" filter="fade">
+                                      <p:cBhvr>
+                                        <p:cTn id="7" dur="500"/>
+                                        <p:tgtEl>
+                                          <p:spTgt spid="3">
+                                            <p:txEl>
+                                              <p:pRg st="0" end="0"/>
+                                            </p:txEl>
+                                          </p:spTgt>
+                                        </p:tgtEl>
+                                      </p:cBhvr>
+                                    </p:animEffect>
+                                  </p:childTnLst>
+                                </p:cTn>
+                              </p:par>
+                            </p:childTnLst>
+                          </p:cTn>
+                        </p:par>
+                      </p:childTnLst>
+                    </p:cTn>
+                  </p:par>
+                  <p:par>
+                    <p:cTn id="8" fill="hold">
+                      <p:stCondLst>
+                        <p:cond delay="indefinite"/>
+                      </p:stCondLst>
+                      <p:childTnLst>
+                        <p:par>
+                          <p:cTn id="9" fill="hold">
+                            <p:stCondLst>
+                              <p:cond delay="0"/>
+                            </p:stCondLst>
+                            <p:childTnLst>
+                              <p:par>
+                                <p:cTn id="10" presetID="10" presetClass="entr" presetSubtype="0" fill="hold" grpId="0" nodeType="clickEffect">
+                                  <p:stCondLst>
+                                    <p:cond delay="0"/>
+                                  </p:stCondLst>
+                                  <p:childTnLst>
+                                    <p:set>
+                                      <p:cBhvr>
+                                        <p:cTn id="11" dur="1" fill="hold">
+                                          <p:stCondLst>
+                                            <p:cond delay="0"/>
+                                          </p:stCondLst>
+                                        </p:cTn>
+                                        <p:tgtEl>
+                                          <p:spTgt spid="3">
+                                            <p:txEl>
+                                              <p:pRg st="1" end="1"/>
+                                            </p:txEl>
+                                          </p:spTgt>
+                                        </p:tgtEl>
+                                        <p:attrNameLst>
+                                          <p:attrName>style.visibility</p:attrName>
+                                        </p:attrNameLst>
+                                      </p:cBhvr>
+                                      <p:to>
+                                        <p:strVal val="visible"/>
+                                      </p:to>
+                                    </p:set>
+                                    <p:animEffect transition="in" filter="fade">
+                                      <p:cBhvr>
+                                        <p:cTn id="12" dur="500"/>
+                                        <p:tgtEl>
+                                          <p:spTgt spid="3">
+                                            <p:txEl>
+                                              <p:pRg st="1" end="1"/>
+                                            </p:txEl>
+                                          </p:spTgt>
+                                        </p:tgtEl>
+                                      </p:cBhvr>
+                                    </p:animEffect>
+                                  </p:childTnLst>
+                                </p:cTn>
+                              </p:par>
+                            </p:childTnLst>
+                          </p:cTn>
+                        </p:par>
+                      </p:childTnLst>
+                    </p:cTn>
+                  </p:par>
+                </p:childTnLst>
+              </p:cTn>
+              <p:prevCondLst>
+                <p:cond evt="onPrev" delay="0">
+                  <p:tgtEl>
+                    <p:sldTgt/>
+                  </p:tgtEl>
+                </p:cond>
+              </p:prevCondLst>
+              <p:nextCondLst>
+                <p:cond evt="onNext" delay="0">
+                  <p:tgtEl>
+                    <p:sldTgt/>
+                  </p:tgtEl>
+                </p:cond>
+              </p:nextCondLst>
+            </p:seq>
+          </p:childTnLst>
+        </p:cTn>
+      </p:par>
+    </p:tnLst>
+    <p:bldLst>
+      <p:bldP spid="3" grpId="0" build="p"/>
+    </p:bldLst>
+  </p:timing>
+</p:sld>
+</file>
+
+<file path=ppt/slides/slide40.xml><?xml version="1.0" encoding="utf-8"?>
 <p:sld xmlns:a="http://schemas.openxmlformats.org/drawingml/2006/main" xmlns:r="http://schemas.openxmlformats.org/officeDocument/2006/relationships" xmlns:p="http://schemas.openxmlformats.org/presentationml/2006/main">
   <p:cSld>
     <p:spTree>
@@ -35169,93 +35900,7 @@
 </p:sld>
 </file>
 
-<file path=ppt/slides/slide4.xml><?xml version="1.0" encoding="utf-8"?>
-<p:sld xmlns:a="http://schemas.openxmlformats.org/drawingml/2006/main" xmlns:r="http://schemas.openxmlformats.org/officeDocument/2006/relationships" xmlns:p="http://schemas.openxmlformats.org/presentationml/2006/main">
-  <p:cSld>
-    <p:spTree>
-      <p:nvGrpSpPr>
-        <p:cNvPr id="1" name=""/>
-        <p:cNvGrpSpPr/>
-        <p:nvPr/>
-      </p:nvGrpSpPr>
-      <p:grpSpPr>
-        <a:xfrm>
-          <a:off x="0" y="0"/>
-          <a:ext cx="0" cy="0"/>
-          <a:chOff x="0" y="0"/>
-          <a:chExt cx="0" cy="0"/>
-        </a:xfrm>
-      </p:grpSpPr>
-      <p:sp>
-        <p:nvSpPr>
-          <p:cNvPr id="2" name="Title 1">
-            <a:extLst>
-              <a:ext uri="{FF2B5EF4-FFF2-40B4-BE49-F238E27FC236}">
-                <a16:creationId xmlns:a16="http://schemas.microsoft.com/office/drawing/2014/main" id="{AD0EF887-B521-4A7D-B159-25C51A913FFC}"/>
-              </a:ext>
-            </a:extLst>
-          </p:cNvPr>
-          <p:cNvSpPr>
-            <a:spLocks noGrp="1"/>
-          </p:cNvSpPr>
-          <p:nvPr>
-            <p:ph type="title"/>
-          </p:nvPr>
-        </p:nvSpPr>
-        <p:spPr/>
-        <p:txBody>
-          <a:bodyPr/>
-          <a:lstStyle/>
-          <a:p>
-            <a:r>
-              <a:rPr lang="en-US" dirty="0"/>
-              <a:t>A Problem Statement</a:t>
-            </a:r>
-          </a:p>
-        </p:txBody>
-      </p:sp>
-      <p:sp>
-        <p:nvSpPr>
-          <p:cNvPr id="3" name="Text Placeholder 2">
-            <a:extLst>
-              <a:ext uri="{FF2B5EF4-FFF2-40B4-BE49-F238E27FC236}">
-                <a16:creationId xmlns:a16="http://schemas.microsoft.com/office/drawing/2014/main" id="{40F93536-9D2E-4485-A099-5ABD38646551}"/>
-              </a:ext>
-            </a:extLst>
-          </p:cNvPr>
-          <p:cNvSpPr>
-            <a:spLocks noGrp="1"/>
-          </p:cNvSpPr>
-          <p:nvPr>
-            <p:ph type="body" idx="1"/>
-          </p:nvPr>
-        </p:nvSpPr>
-        <p:spPr/>
-        <p:txBody>
-          <a:bodyPr/>
-          <a:lstStyle/>
-          <a:p>
-            <a:r>
-              <a:rPr lang="en-US" dirty="0"/>
-              <a:t>The Part Where I tell you what you already know</a:t>
-            </a:r>
-          </a:p>
-        </p:txBody>
-      </p:sp>
-    </p:spTree>
-    <p:extLst>
-      <p:ext uri="{BB962C8B-B14F-4D97-AF65-F5344CB8AC3E}">
-        <p14:creationId xmlns:p14="http://schemas.microsoft.com/office/powerpoint/2010/main" val="1835612889"/>
-      </p:ext>
-    </p:extLst>
-  </p:cSld>
-  <p:clrMapOvr>
-    <a:masterClrMapping/>
-  </p:clrMapOvr>
-</p:sld>
-</file>
-
-<file path=ppt/slides/slide40.xml><?xml version="1.0" encoding="utf-8"?>
+<file path=ppt/slides/slide41.xml><?xml version="1.0" encoding="utf-8"?>
 <p:sld xmlns:a="http://schemas.openxmlformats.org/drawingml/2006/main" xmlns:r="http://schemas.openxmlformats.org/officeDocument/2006/relationships" xmlns:p="http://schemas.openxmlformats.org/presentationml/2006/main">
   <p:cSld>
     <p:spTree>
@@ -35745,7 +36390,271 @@
 </p:sld>
 </file>
 
-<file path=ppt/slides/slide41.xml><?xml version="1.0" encoding="utf-8"?>
+<file path=ppt/slides/slide42.xml><?xml version="1.0" encoding="utf-8"?>
+<p:sld xmlns:a="http://schemas.openxmlformats.org/drawingml/2006/main" xmlns:r="http://schemas.openxmlformats.org/officeDocument/2006/relationships" xmlns:p="http://schemas.openxmlformats.org/presentationml/2006/main">
+  <p:cSld>
+    <p:spTree>
+      <p:nvGrpSpPr>
+        <p:cNvPr id="1" name=""/>
+        <p:cNvGrpSpPr/>
+        <p:nvPr/>
+      </p:nvGrpSpPr>
+      <p:grpSpPr>
+        <a:xfrm>
+          <a:off x="0" y="0"/>
+          <a:ext cx="0" cy="0"/>
+          <a:chOff x="0" y="0"/>
+          <a:chExt cx="0" cy="0"/>
+        </a:xfrm>
+      </p:grpSpPr>
+      <p:sp>
+        <p:nvSpPr>
+          <p:cNvPr id="2" name="Title 1">
+            <a:extLst>
+              <a:ext uri="{FF2B5EF4-FFF2-40B4-BE49-F238E27FC236}">
+                <a16:creationId xmlns:a16="http://schemas.microsoft.com/office/drawing/2014/main" id="{4203C5A5-9815-40B7-B6A3-11624AD5D70B}"/>
+              </a:ext>
+            </a:extLst>
+          </p:cNvPr>
+          <p:cNvSpPr>
+            <a:spLocks noGrp="1"/>
+          </p:cNvSpPr>
+          <p:nvPr>
+            <p:ph type="title"/>
+          </p:nvPr>
+        </p:nvSpPr>
+        <p:spPr/>
+        <p:txBody>
+          <a:bodyPr/>
+          <a:lstStyle/>
+          <a:p>
+            <a:r>
+              <a:rPr lang="en-US" dirty="0"/>
+              <a:t>Ending of a Super-Quick Demo</a:t>
+            </a:r>
+          </a:p>
+        </p:txBody>
+      </p:sp>
+      <p:sp>
+        <p:nvSpPr>
+          <p:cNvPr id="3" name="Content Placeholder 2">
+            <a:extLst>
+              <a:ext uri="{FF2B5EF4-FFF2-40B4-BE49-F238E27FC236}">
+                <a16:creationId xmlns:a16="http://schemas.microsoft.com/office/drawing/2014/main" id="{D3CB0566-8F38-499D-952E-09A2A91495B7}"/>
+              </a:ext>
+            </a:extLst>
+          </p:cNvPr>
+          <p:cNvSpPr>
+            <a:spLocks noGrp="1"/>
+          </p:cNvSpPr>
+          <p:nvPr>
+            <p:ph idx="1"/>
+          </p:nvPr>
+        </p:nvSpPr>
+        <p:spPr/>
+        <p:txBody>
+          <a:bodyPr>
+            <a:normAutofit/>
+          </a:bodyPr>
+          <a:lstStyle/>
+          <a:p>
+            <a:pPr>
+              <a:lnSpc>
+                <a:spcPct val="200000"/>
+              </a:lnSpc>
+            </a:pPr>
+            <a:r>
+              <a:rPr lang="en-US" dirty="0"/>
+              <a:t>Start SQL Server</a:t>
+            </a:r>
+          </a:p>
+          <a:p>
+            <a:pPr>
+              <a:lnSpc>
+                <a:spcPct val="200000"/>
+              </a:lnSpc>
+            </a:pPr>
+            <a:r>
+              <a:rPr lang="en-US" dirty="0"/>
+              <a:t>Demonstrate </a:t>
+            </a:r>
+            <a:r>
+              <a:rPr lang="en-US"/>
+              <a:t>a connection</a:t>
+            </a:r>
+            <a:endParaRPr lang="en-US" dirty="0"/>
+          </a:p>
+        </p:txBody>
+      </p:sp>
+    </p:spTree>
+    <p:extLst>
+      <p:ext uri="{BB962C8B-B14F-4D97-AF65-F5344CB8AC3E}">
+        <p14:creationId xmlns:p14="http://schemas.microsoft.com/office/powerpoint/2010/main" val="3152235299"/>
+      </p:ext>
+    </p:extLst>
+  </p:cSld>
+  <p:clrMapOvr>
+    <a:masterClrMapping/>
+  </p:clrMapOvr>
+  <p:timing>
+    <p:tnLst>
+      <p:par>
+        <p:cTn id="1" dur="indefinite" restart="never" nodeType="tmRoot">
+          <p:childTnLst>
+            <p:seq concurrent="1" nextAc="seek">
+              <p:cTn id="2" dur="indefinite" nodeType="mainSeq">
+                <p:childTnLst>
+                  <p:par>
+                    <p:cTn id="3" fill="hold">
+                      <p:stCondLst>
+                        <p:cond delay="indefinite"/>
+                      </p:stCondLst>
+                      <p:childTnLst>
+                        <p:par>
+                          <p:cTn id="4" fill="hold">
+                            <p:stCondLst>
+                              <p:cond delay="0"/>
+                            </p:stCondLst>
+                            <p:childTnLst>
+                              <p:par>
+                                <p:cTn id="5" presetID="10" presetClass="entr" presetSubtype="0" fill="hold" grpId="0" nodeType="clickEffect">
+                                  <p:stCondLst>
+                                    <p:cond delay="0"/>
+                                  </p:stCondLst>
+                                  <p:childTnLst>
+                                    <p:set>
+                                      <p:cBhvr>
+                                        <p:cTn id="6" dur="1" fill="hold">
+                                          <p:stCondLst>
+                                            <p:cond delay="0"/>
+                                          </p:stCondLst>
+                                        </p:cTn>
+                                        <p:tgtEl>
+                                          <p:spTgt spid="3">
+                                            <p:txEl>
+                                              <p:pRg st="0" end="0"/>
+                                            </p:txEl>
+                                          </p:spTgt>
+                                        </p:tgtEl>
+                                        <p:attrNameLst>
+                                          <p:attrName>style.visibility</p:attrName>
+                                        </p:attrNameLst>
+                                      </p:cBhvr>
+                                      <p:to>
+                                        <p:strVal val="visible"/>
+                                      </p:to>
+                                    </p:set>
+                                    <p:animEffect transition="in" filter="fade">
+                                      <p:cBhvr>
+                                        <p:cTn id="7" dur="500"/>
+                                        <p:tgtEl>
+                                          <p:spTgt spid="3">
+                                            <p:txEl>
+                                              <p:pRg st="0" end="0"/>
+                                            </p:txEl>
+                                          </p:spTgt>
+                                        </p:tgtEl>
+                                      </p:cBhvr>
+                                    </p:animEffect>
+                                  </p:childTnLst>
+                                </p:cTn>
+                              </p:par>
+                            </p:childTnLst>
+                          </p:cTn>
+                        </p:par>
+                      </p:childTnLst>
+                    </p:cTn>
+                  </p:par>
+                  <p:par>
+                    <p:cTn id="8" fill="hold">
+                      <p:stCondLst>
+                        <p:cond delay="indefinite"/>
+                      </p:stCondLst>
+                      <p:childTnLst>
+                        <p:par>
+                          <p:cTn id="9" fill="hold">
+                            <p:stCondLst>
+                              <p:cond delay="0"/>
+                            </p:stCondLst>
+                            <p:childTnLst>
+                              <p:par>
+                                <p:cTn id="10" presetID="10" presetClass="entr" presetSubtype="0" fill="hold" grpId="0" nodeType="clickEffect">
+                                  <p:stCondLst>
+                                    <p:cond delay="0"/>
+                                  </p:stCondLst>
+                                  <p:childTnLst>
+                                    <p:set>
+                                      <p:cBhvr>
+                                        <p:cTn id="11" dur="1" fill="hold">
+                                          <p:stCondLst>
+                                            <p:cond delay="0"/>
+                                          </p:stCondLst>
+                                        </p:cTn>
+                                        <p:tgtEl>
+                                          <p:spTgt spid="3">
+                                            <p:txEl>
+                                              <p:pRg st="1" end="1"/>
+                                            </p:txEl>
+                                          </p:spTgt>
+                                        </p:tgtEl>
+                                        <p:attrNameLst>
+                                          <p:attrName>style.visibility</p:attrName>
+                                        </p:attrNameLst>
+                                      </p:cBhvr>
+                                      <p:to>
+                                        <p:strVal val="visible"/>
+                                      </p:to>
+                                    </p:set>
+                                    <p:animEffect transition="in" filter="fade">
+                                      <p:cBhvr>
+                                        <p:cTn id="12" dur="500"/>
+                                        <p:tgtEl>
+                                          <p:spTgt spid="3">
+                                            <p:txEl>
+                                              <p:pRg st="1" end="1"/>
+                                            </p:txEl>
+                                          </p:spTgt>
+                                        </p:tgtEl>
+                                      </p:cBhvr>
+                                    </p:animEffect>
+                                  </p:childTnLst>
+                                </p:cTn>
+                              </p:par>
+                            </p:childTnLst>
+                          </p:cTn>
+                        </p:par>
+                      </p:childTnLst>
+                    </p:cTn>
+                  </p:par>
+                </p:childTnLst>
+              </p:cTn>
+              <p:prevCondLst>
+                <p:cond evt="onPrev" delay="0">
+                  <p:tgtEl>
+                    <p:sldTgt/>
+                  </p:tgtEl>
+                </p:cond>
+              </p:prevCondLst>
+              <p:nextCondLst>
+                <p:cond evt="onNext" delay="0">
+                  <p:tgtEl>
+                    <p:sldTgt/>
+                  </p:tgtEl>
+                </p:cond>
+              </p:nextCondLst>
+            </p:seq>
+          </p:childTnLst>
+        </p:cTn>
+      </p:par>
+    </p:tnLst>
+    <p:bldLst>
+      <p:bldP spid="3" grpId="0" build="p"/>
+    </p:bldLst>
+  </p:timing>
+</p:sld>
+</file>
+
+<file path=ppt/slides/slide43.xml><?xml version="1.0" encoding="utf-8"?>
 <p:sld xmlns:a="http://schemas.openxmlformats.org/drawingml/2006/main" xmlns:r="http://schemas.openxmlformats.org/officeDocument/2006/relationships" xmlns:p="http://schemas.openxmlformats.org/presentationml/2006/main">
   <p:cSld>
     <p:spTree>
@@ -35833,6 +36742,92 @@
 </file>
 
 <file path=ppt/slides/slide5.xml><?xml version="1.0" encoding="utf-8"?>
+<p:sld xmlns:a="http://schemas.openxmlformats.org/drawingml/2006/main" xmlns:r="http://schemas.openxmlformats.org/officeDocument/2006/relationships" xmlns:p="http://schemas.openxmlformats.org/presentationml/2006/main">
+  <p:cSld>
+    <p:spTree>
+      <p:nvGrpSpPr>
+        <p:cNvPr id="1" name=""/>
+        <p:cNvGrpSpPr/>
+        <p:nvPr/>
+      </p:nvGrpSpPr>
+      <p:grpSpPr>
+        <a:xfrm>
+          <a:off x="0" y="0"/>
+          <a:ext cx="0" cy="0"/>
+          <a:chOff x="0" y="0"/>
+          <a:chExt cx="0" cy="0"/>
+        </a:xfrm>
+      </p:grpSpPr>
+      <p:sp>
+        <p:nvSpPr>
+          <p:cNvPr id="2" name="Title 1">
+            <a:extLst>
+              <a:ext uri="{FF2B5EF4-FFF2-40B4-BE49-F238E27FC236}">
+                <a16:creationId xmlns:a16="http://schemas.microsoft.com/office/drawing/2014/main" id="{AD0EF887-B521-4A7D-B159-25C51A913FFC}"/>
+              </a:ext>
+            </a:extLst>
+          </p:cNvPr>
+          <p:cNvSpPr>
+            <a:spLocks noGrp="1"/>
+          </p:cNvSpPr>
+          <p:nvPr>
+            <p:ph type="title"/>
+          </p:nvPr>
+        </p:nvSpPr>
+        <p:spPr/>
+        <p:txBody>
+          <a:bodyPr/>
+          <a:lstStyle/>
+          <a:p>
+            <a:r>
+              <a:rPr lang="en-US" dirty="0"/>
+              <a:t>A Problem Statement</a:t>
+            </a:r>
+          </a:p>
+        </p:txBody>
+      </p:sp>
+      <p:sp>
+        <p:nvSpPr>
+          <p:cNvPr id="3" name="Text Placeholder 2">
+            <a:extLst>
+              <a:ext uri="{FF2B5EF4-FFF2-40B4-BE49-F238E27FC236}">
+                <a16:creationId xmlns:a16="http://schemas.microsoft.com/office/drawing/2014/main" id="{40F93536-9D2E-4485-A099-5ABD38646551}"/>
+              </a:ext>
+            </a:extLst>
+          </p:cNvPr>
+          <p:cNvSpPr>
+            <a:spLocks noGrp="1"/>
+          </p:cNvSpPr>
+          <p:nvPr>
+            <p:ph type="body" idx="1"/>
+          </p:nvPr>
+        </p:nvSpPr>
+        <p:spPr/>
+        <p:txBody>
+          <a:bodyPr/>
+          <a:lstStyle/>
+          <a:p>
+            <a:r>
+              <a:rPr lang="en-US" dirty="0"/>
+              <a:t>The Part Where I tell you what you already know</a:t>
+            </a:r>
+          </a:p>
+        </p:txBody>
+      </p:sp>
+    </p:spTree>
+    <p:extLst>
+      <p:ext uri="{BB962C8B-B14F-4D97-AF65-F5344CB8AC3E}">
+        <p14:creationId xmlns:p14="http://schemas.microsoft.com/office/powerpoint/2010/main" val="1835612889"/>
+      </p:ext>
+    </p:extLst>
+  </p:cSld>
+  <p:clrMapOvr>
+    <a:masterClrMapping/>
+  </p:clrMapOvr>
+</p:sld>
+</file>
+
+<file path=ppt/slides/slide6.xml><?xml version="1.0" encoding="utf-8"?>
 <p:sld xmlns:a="http://schemas.openxmlformats.org/drawingml/2006/main" xmlns:r="http://schemas.openxmlformats.org/officeDocument/2006/relationships" xmlns:p="http://schemas.openxmlformats.org/presentationml/2006/main">
   <p:cSld>
     <p:spTree>
@@ -36158,7 +37153,7 @@
 </p:sld>
 </file>
 
-<file path=ppt/slides/slide6.xml><?xml version="1.0" encoding="utf-8"?>
+<file path=ppt/slides/slide7.xml><?xml version="1.0" encoding="utf-8"?>
 <p:sld xmlns:a="http://schemas.openxmlformats.org/drawingml/2006/main" xmlns:r="http://schemas.openxmlformats.org/officeDocument/2006/relationships" xmlns:p="http://schemas.openxmlformats.org/presentationml/2006/main">
   <p:cSld>
     <p:spTree>
@@ -36232,7 +37227,7 @@
 </p:sld>
 </file>
 
-<file path=ppt/slides/slide7.xml><?xml version="1.0" encoding="utf-8"?>
+<file path=ppt/slides/slide8.xml><?xml version="1.0" encoding="utf-8"?>
 <p:sld xmlns:a="http://schemas.openxmlformats.org/drawingml/2006/main" xmlns:r="http://schemas.openxmlformats.org/officeDocument/2006/relationships" xmlns:p="http://schemas.openxmlformats.org/presentationml/2006/main">
   <p:cSld>
     <p:spTree>
@@ -36556,7 +37551,7 @@
 </p:sld>
 </file>
 
-<file path=ppt/slides/slide8.xml><?xml version="1.0" encoding="utf-8"?>
+<file path=ppt/slides/slide9.xml><?xml version="1.0" encoding="utf-8"?>
 <p:sld xmlns:a="http://schemas.openxmlformats.org/drawingml/2006/main" xmlns:r="http://schemas.openxmlformats.org/officeDocument/2006/relationships" xmlns:p="http://schemas.openxmlformats.org/presentationml/2006/main">
   <p:cSld>
     <p:spTree>
@@ -37466,474 +38461,6 @@
     <p:bldLst>
       <p:bldP spid="3" grpId="0" uiExpand="1" build="p"/>
       <p:bldP spid="5" grpId="0" animBg="1"/>
-    </p:bldLst>
-  </p:timing>
-</p:sld>
-</file>
-
-<file path=ppt/slides/slide9.xml><?xml version="1.0" encoding="utf-8"?>
-<p:sld xmlns:a="http://schemas.openxmlformats.org/drawingml/2006/main" xmlns:r="http://schemas.openxmlformats.org/officeDocument/2006/relationships" xmlns:p="http://schemas.openxmlformats.org/presentationml/2006/main">
-  <p:cSld>
-    <p:spTree>
-      <p:nvGrpSpPr>
-        <p:cNvPr id="1" name=""/>
-        <p:cNvGrpSpPr/>
-        <p:nvPr/>
-      </p:nvGrpSpPr>
-      <p:grpSpPr>
-        <a:xfrm>
-          <a:off x="0" y="0"/>
-          <a:ext cx="0" cy="0"/>
-          <a:chOff x="0" y="0"/>
-          <a:chExt cx="0" cy="0"/>
-        </a:xfrm>
-      </p:grpSpPr>
-      <p:sp>
-        <p:nvSpPr>
-          <p:cNvPr id="2" name="Title 1"/>
-          <p:cNvSpPr>
-            <a:spLocks noGrp="1"/>
-          </p:cNvSpPr>
-          <p:nvPr>
-            <p:ph type="title"/>
-          </p:nvPr>
-        </p:nvSpPr>
-        <p:spPr/>
-        <p:txBody>
-          <a:bodyPr/>
-          <a:lstStyle/>
-          <a:p>
-            <a:r>
-              <a:rPr lang="en-US" dirty="0"/>
-              <a:t>Hello Hypervisor!</a:t>
-            </a:r>
-          </a:p>
-        </p:txBody>
-      </p:sp>
-      <p:sp>
-        <p:nvSpPr>
-          <p:cNvPr id="3" name="Content Placeholder 2"/>
-          <p:cNvSpPr>
-            <a:spLocks noGrp="1"/>
-          </p:cNvSpPr>
-          <p:nvPr>
-            <p:ph idx="1"/>
-          </p:nvPr>
-        </p:nvSpPr>
-        <p:spPr/>
-        <p:txBody>
-          <a:bodyPr>
-            <a:normAutofit fontScale="85000" lnSpcReduction="10000"/>
-          </a:bodyPr>
-          <a:lstStyle/>
-          <a:p>
-            <a:pPr>
-              <a:lnSpc>
-                <a:spcPct val="270000"/>
-              </a:lnSpc>
-            </a:pPr>
-            <a:r>
-              <a:rPr lang="en-US" dirty="0"/>
-              <a:t>Along came Hypervisors</a:t>
-            </a:r>
-          </a:p>
-          <a:p>
-            <a:pPr>
-              <a:lnSpc>
-                <a:spcPct val="270000"/>
-              </a:lnSpc>
-            </a:pPr>
-            <a:r>
-              <a:rPr lang="en-US" dirty="0"/>
-              <a:t>We can now squeeze more out of physical servers</a:t>
-            </a:r>
-          </a:p>
-          <a:p>
-            <a:pPr>
-              <a:lnSpc>
-                <a:spcPct val="270000"/>
-              </a:lnSpc>
-            </a:pPr>
-            <a:r>
-              <a:rPr lang="en-US" dirty="0"/>
-              <a:t>We can still isolate an application to an OS</a:t>
-            </a:r>
-          </a:p>
-          <a:p>
-            <a:pPr>
-              <a:lnSpc>
-                <a:spcPct val="270000"/>
-              </a:lnSpc>
-            </a:pPr>
-            <a:r>
-              <a:rPr lang="en-US" dirty="0"/>
-              <a:t>Yay for VMWare!</a:t>
-            </a:r>
-          </a:p>
-          <a:p>
-            <a:pPr>
-              <a:lnSpc>
-                <a:spcPct val="270000"/>
-              </a:lnSpc>
-            </a:pPr>
-            <a:r>
-              <a:rPr lang="en-US" dirty="0"/>
-              <a:t>But there are some </a:t>
-            </a:r>
-            <a:r>
-              <a:rPr lang="en-US" dirty="0" err="1"/>
-              <a:t>VMWarts</a:t>
-            </a:r>
-            <a:endParaRPr lang="en-US" dirty="0"/>
-          </a:p>
-        </p:txBody>
-      </p:sp>
-    </p:spTree>
-    <p:extLst>
-      <p:ext uri="{BB962C8B-B14F-4D97-AF65-F5344CB8AC3E}">
-        <p14:creationId xmlns:p14="http://schemas.microsoft.com/office/powerpoint/2010/main" val="1446593834"/>
-      </p:ext>
-    </p:extLst>
-  </p:cSld>
-  <p:clrMapOvr>
-    <a:masterClrMapping/>
-  </p:clrMapOvr>
-  <p:timing>
-    <p:tnLst>
-      <p:par>
-        <p:cTn id="1" dur="indefinite" restart="never" nodeType="tmRoot">
-          <p:childTnLst>
-            <p:seq concurrent="1" nextAc="seek">
-              <p:cTn id="2" dur="indefinite" nodeType="mainSeq">
-                <p:childTnLst>
-                  <p:par>
-                    <p:cTn id="3" fill="hold">
-                      <p:stCondLst>
-                        <p:cond delay="indefinite"/>
-                      </p:stCondLst>
-                      <p:childTnLst>
-                        <p:par>
-                          <p:cTn id="4" fill="hold">
-                            <p:stCondLst>
-                              <p:cond delay="0"/>
-                            </p:stCondLst>
-                            <p:childTnLst>
-                              <p:par>
-                                <p:cTn id="5" presetID="10" presetClass="entr" presetSubtype="0" fill="hold" grpId="0" nodeType="clickEffect">
-                                  <p:stCondLst>
-                                    <p:cond delay="0"/>
-                                  </p:stCondLst>
-                                  <p:childTnLst>
-                                    <p:set>
-                                      <p:cBhvr>
-                                        <p:cTn id="6" dur="1" fill="hold">
-                                          <p:stCondLst>
-                                            <p:cond delay="0"/>
-                                          </p:stCondLst>
-                                        </p:cTn>
-                                        <p:tgtEl>
-                                          <p:spTgt spid="3">
-                                            <p:txEl>
-                                              <p:pRg st="0" end="0"/>
-                                            </p:txEl>
-                                          </p:spTgt>
-                                        </p:tgtEl>
-                                        <p:attrNameLst>
-                                          <p:attrName>style.visibility</p:attrName>
-                                        </p:attrNameLst>
-                                      </p:cBhvr>
-                                      <p:to>
-                                        <p:strVal val="visible"/>
-                                      </p:to>
-                                    </p:set>
-                                    <p:animEffect transition="in" filter="fade">
-                                      <p:cBhvr>
-                                        <p:cTn id="7" dur="500"/>
-                                        <p:tgtEl>
-                                          <p:spTgt spid="3">
-                                            <p:txEl>
-                                              <p:pRg st="0" end="0"/>
-                                            </p:txEl>
-                                          </p:spTgt>
-                                        </p:tgtEl>
-                                      </p:cBhvr>
-                                    </p:animEffect>
-                                  </p:childTnLst>
-                                </p:cTn>
-                              </p:par>
-                            </p:childTnLst>
-                          </p:cTn>
-                        </p:par>
-                      </p:childTnLst>
-                    </p:cTn>
-                  </p:par>
-                  <p:par>
-                    <p:cTn id="8" fill="hold">
-                      <p:stCondLst>
-                        <p:cond delay="indefinite"/>
-                      </p:stCondLst>
-                      <p:childTnLst>
-                        <p:par>
-                          <p:cTn id="9" fill="hold">
-                            <p:stCondLst>
-                              <p:cond delay="0"/>
-                            </p:stCondLst>
-                            <p:childTnLst>
-                              <p:par>
-                                <p:cTn id="10" presetID="10" presetClass="entr" presetSubtype="0" fill="hold" grpId="0" nodeType="clickEffect">
-                                  <p:stCondLst>
-                                    <p:cond delay="0"/>
-                                  </p:stCondLst>
-                                  <p:childTnLst>
-                                    <p:set>
-                                      <p:cBhvr>
-                                        <p:cTn id="11" dur="1" fill="hold">
-                                          <p:stCondLst>
-                                            <p:cond delay="0"/>
-                                          </p:stCondLst>
-                                        </p:cTn>
-                                        <p:tgtEl>
-                                          <p:spTgt spid="3">
-                                            <p:txEl>
-                                              <p:pRg st="1" end="1"/>
-                                            </p:txEl>
-                                          </p:spTgt>
-                                        </p:tgtEl>
-                                        <p:attrNameLst>
-                                          <p:attrName>style.visibility</p:attrName>
-                                        </p:attrNameLst>
-                                      </p:cBhvr>
-                                      <p:to>
-                                        <p:strVal val="visible"/>
-                                      </p:to>
-                                    </p:set>
-                                    <p:animEffect transition="in" filter="fade">
-                                      <p:cBhvr>
-                                        <p:cTn id="12" dur="500"/>
-                                        <p:tgtEl>
-                                          <p:spTgt spid="3">
-                                            <p:txEl>
-                                              <p:pRg st="1" end="1"/>
-                                            </p:txEl>
-                                          </p:spTgt>
-                                        </p:tgtEl>
-                                      </p:cBhvr>
-                                    </p:animEffect>
-                                  </p:childTnLst>
-                                </p:cTn>
-                              </p:par>
-                            </p:childTnLst>
-                          </p:cTn>
-                        </p:par>
-                      </p:childTnLst>
-                    </p:cTn>
-                  </p:par>
-                  <p:par>
-                    <p:cTn id="13" fill="hold">
-                      <p:stCondLst>
-                        <p:cond delay="indefinite"/>
-                      </p:stCondLst>
-                      <p:childTnLst>
-                        <p:par>
-                          <p:cTn id="14" fill="hold">
-                            <p:stCondLst>
-                              <p:cond delay="0"/>
-                            </p:stCondLst>
-                            <p:childTnLst>
-                              <p:par>
-                                <p:cTn id="15" presetID="10" presetClass="entr" presetSubtype="0" fill="hold" grpId="0" nodeType="clickEffect">
-                                  <p:stCondLst>
-                                    <p:cond delay="0"/>
-                                  </p:stCondLst>
-                                  <p:childTnLst>
-                                    <p:set>
-                                      <p:cBhvr>
-                                        <p:cTn id="16" dur="1" fill="hold">
-                                          <p:stCondLst>
-                                            <p:cond delay="0"/>
-                                          </p:stCondLst>
-                                        </p:cTn>
-                                        <p:tgtEl>
-                                          <p:spTgt spid="3">
-                                            <p:txEl>
-                                              <p:pRg st="2" end="2"/>
-                                            </p:txEl>
-                                          </p:spTgt>
-                                        </p:tgtEl>
-                                        <p:attrNameLst>
-                                          <p:attrName>style.visibility</p:attrName>
-                                        </p:attrNameLst>
-                                      </p:cBhvr>
-                                      <p:to>
-                                        <p:strVal val="visible"/>
-                                      </p:to>
-                                    </p:set>
-                                    <p:animEffect transition="in" filter="fade">
-                                      <p:cBhvr>
-                                        <p:cTn id="17" dur="500"/>
-                                        <p:tgtEl>
-                                          <p:spTgt spid="3">
-                                            <p:txEl>
-                                              <p:pRg st="2" end="2"/>
-                                            </p:txEl>
-                                          </p:spTgt>
-                                        </p:tgtEl>
-                                      </p:cBhvr>
-                                    </p:animEffect>
-                                  </p:childTnLst>
-                                </p:cTn>
-                              </p:par>
-                            </p:childTnLst>
-                          </p:cTn>
-                        </p:par>
-                      </p:childTnLst>
-                    </p:cTn>
-                  </p:par>
-                  <p:par>
-                    <p:cTn id="18" fill="hold">
-                      <p:stCondLst>
-                        <p:cond delay="indefinite"/>
-                      </p:stCondLst>
-                      <p:childTnLst>
-                        <p:par>
-                          <p:cTn id="19" fill="hold">
-                            <p:stCondLst>
-                              <p:cond delay="0"/>
-                            </p:stCondLst>
-                            <p:childTnLst>
-                              <p:par>
-                                <p:cTn id="20" presetID="10" presetClass="entr" presetSubtype="0" fill="hold" grpId="0" nodeType="clickEffect">
-                                  <p:stCondLst>
-                                    <p:cond delay="0"/>
-                                  </p:stCondLst>
-                                  <p:childTnLst>
-                                    <p:set>
-                                      <p:cBhvr>
-                                        <p:cTn id="21" dur="1" fill="hold">
-                                          <p:stCondLst>
-                                            <p:cond delay="0"/>
-                                          </p:stCondLst>
-                                        </p:cTn>
-                                        <p:tgtEl>
-                                          <p:spTgt spid="3">
-                                            <p:txEl>
-                                              <p:pRg st="3" end="3"/>
-                                            </p:txEl>
-                                          </p:spTgt>
-                                        </p:tgtEl>
-                                        <p:attrNameLst>
-                                          <p:attrName>style.visibility</p:attrName>
-                                        </p:attrNameLst>
-                                      </p:cBhvr>
-                                      <p:to>
-                                        <p:strVal val="visible"/>
-                                      </p:to>
-                                    </p:set>
-                                    <p:animEffect transition="in" filter="fade">
-                                      <p:cBhvr>
-                                        <p:cTn id="22" dur="500"/>
-                                        <p:tgtEl>
-                                          <p:spTgt spid="3">
-                                            <p:txEl>
-                                              <p:pRg st="3" end="3"/>
-                                            </p:txEl>
-                                          </p:spTgt>
-                                        </p:tgtEl>
-                                      </p:cBhvr>
-                                    </p:animEffect>
-                                  </p:childTnLst>
-                                </p:cTn>
-                              </p:par>
-                            </p:childTnLst>
-                          </p:cTn>
-                        </p:par>
-                      </p:childTnLst>
-                    </p:cTn>
-                  </p:par>
-                  <p:par>
-                    <p:cTn id="23" fill="hold">
-                      <p:stCondLst>
-                        <p:cond delay="indefinite"/>
-                      </p:stCondLst>
-                      <p:childTnLst>
-                        <p:par>
-                          <p:cTn id="24" fill="hold">
-                            <p:stCondLst>
-                              <p:cond delay="0"/>
-                            </p:stCondLst>
-                            <p:childTnLst>
-                              <p:par>
-                                <p:cTn id="25" presetID="10" presetClass="entr" presetSubtype="0" fill="hold" grpId="0" nodeType="clickEffect">
-                                  <p:stCondLst>
-                                    <p:cond delay="0"/>
-                                  </p:stCondLst>
-                                  <p:childTnLst>
-                                    <p:set>
-                                      <p:cBhvr>
-                                        <p:cTn id="26" dur="1" fill="hold">
-                                          <p:stCondLst>
-                                            <p:cond delay="0"/>
-                                          </p:stCondLst>
-                                        </p:cTn>
-                                        <p:tgtEl>
-                                          <p:spTgt spid="3">
-                                            <p:txEl>
-                                              <p:pRg st="4" end="4"/>
-                                            </p:txEl>
-                                          </p:spTgt>
-                                        </p:tgtEl>
-                                        <p:attrNameLst>
-                                          <p:attrName>style.visibility</p:attrName>
-                                        </p:attrNameLst>
-                                      </p:cBhvr>
-                                      <p:to>
-                                        <p:strVal val="visible"/>
-                                      </p:to>
-                                    </p:set>
-                                    <p:animEffect transition="in" filter="fade">
-                                      <p:cBhvr>
-                                        <p:cTn id="27" dur="500"/>
-                                        <p:tgtEl>
-                                          <p:spTgt spid="3">
-                                            <p:txEl>
-                                              <p:pRg st="4" end="4"/>
-                                            </p:txEl>
-                                          </p:spTgt>
-                                        </p:tgtEl>
-                                      </p:cBhvr>
-                                    </p:animEffect>
-                                  </p:childTnLst>
-                                </p:cTn>
-                              </p:par>
-                            </p:childTnLst>
-                          </p:cTn>
-                        </p:par>
-                      </p:childTnLst>
-                    </p:cTn>
-                  </p:par>
-                </p:childTnLst>
-              </p:cTn>
-              <p:prevCondLst>
-                <p:cond evt="onPrev" delay="0">
-                  <p:tgtEl>
-                    <p:sldTgt/>
-                  </p:tgtEl>
-                </p:cond>
-              </p:prevCondLst>
-              <p:nextCondLst>
-                <p:cond evt="onNext" delay="0">
-                  <p:tgtEl>
-                    <p:sldTgt/>
-                  </p:tgtEl>
-                </p:cond>
-              </p:nextCondLst>
-            </p:seq>
-          </p:childTnLst>
-        </p:cTn>
-      </p:par>
-    </p:tnLst>
-    <p:bldLst>
-      <p:bldP spid="3" grpId="0" build="p"/>
     </p:bldLst>
   </p:timing>
 </p:sld>

--- a/presentation/presentation.pptx
+++ b/presentation/presentation.pptx
@@ -2709,7 +2709,7 @@
           <a:p>
             <a:fld id="{A5C20BB3-3CCB-4FE5-991B-82F6BCB48AF3}" type="datetimeFigureOut">
               <a:rPr lang="en-US" smtClean="0"/>
-              <a:t>2/19/2019</a:t>
+              <a:t>3/7/2019</a:t>
             </a:fld>
             <a:endParaRPr lang="en-US"/>
           </a:p>
@@ -4319,7 +4319,7 @@
             <a:fld id="{B61BEF0D-F0BB-DE4B-95CE-6DB70DBA9567}" type="datetimeFigureOut">
               <a:rPr lang="en-US" dirty="0"/>
               <a:pPr/>
-              <a:t>2/19/2019</a:t>
+              <a:t>3/7/2019</a:t>
             </a:fld>
             <a:endParaRPr lang="en-US" dirty="0"/>
           </a:p>
@@ -4583,7 +4583,7 @@
             <a:fld id="{B61BEF0D-F0BB-DE4B-95CE-6DB70DBA9567}" type="datetimeFigureOut">
               <a:rPr lang="en-US" dirty="0"/>
               <a:pPr/>
-              <a:t>2/19/2019</a:t>
+              <a:t>3/7/2019</a:t>
             </a:fld>
             <a:endParaRPr lang="en-US" dirty="0"/>
           </a:p>
@@ -4820,7 +4820,7 @@
             <a:fld id="{B61BEF0D-F0BB-DE4B-95CE-6DB70DBA9567}" type="datetimeFigureOut">
               <a:rPr lang="en-US" dirty="0"/>
               <a:pPr/>
-              <a:t>2/19/2019</a:t>
+              <a:t>3/7/2019</a:t>
             </a:fld>
             <a:endParaRPr lang="en-US" dirty="0"/>
           </a:p>
@@ -5050,7 +5050,7 @@
           <a:p>
             <a:fld id="{5F9E72CA-C8DB-4FE1-9619-3E0CC03F8A15}" type="datetimeFigureOut">
               <a:rPr lang="en-US" smtClean="0"/>
-              <a:t>2/19/2019</a:t>
+              <a:t>3/7/2019</a:t>
             </a:fld>
             <a:endParaRPr lang="en-US"/>
           </a:p>
@@ -5248,7 +5248,7 @@
           <a:p>
             <a:fld id="{5F9E72CA-C8DB-4FE1-9619-3E0CC03F8A15}" type="datetimeFigureOut">
               <a:rPr lang="en-US" smtClean="0"/>
-              <a:t>2/19/2019</a:t>
+              <a:t>3/7/2019</a:t>
             </a:fld>
             <a:endParaRPr lang="en-US"/>
           </a:p>
@@ -5523,7 +5523,7 @@
           <a:p>
             <a:fld id="{5F9E72CA-C8DB-4FE1-9619-3E0CC03F8A15}" type="datetimeFigureOut">
               <a:rPr lang="en-US" smtClean="0"/>
-              <a:t>2/19/2019</a:t>
+              <a:t>3/7/2019</a:t>
             </a:fld>
             <a:endParaRPr lang="en-US"/>
           </a:p>
@@ -5788,7 +5788,7 @@
           <a:p>
             <a:fld id="{5F9E72CA-C8DB-4FE1-9619-3E0CC03F8A15}" type="datetimeFigureOut">
               <a:rPr lang="en-US" smtClean="0"/>
-              <a:t>2/19/2019</a:t>
+              <a:t>3/7/2019</a:t>
             </a:fld>
             <a:endParaRPr lang="en-US"/>
           </a:p>
@@ -6200,7 +6200,7 @@
           <a:p>
             <a:fld id="{5F9E72CA-C8DB-4FE1-9619-3E0CC03F8A15}" type="datetimeFigureOut">
               <a:rPr lang="en-US" smtClean="0"/>
-              <a:t>2/19/2019</a:t>
+              <a:t>3/7/2019</a:t>
             </a:fld>
             <a:endParaRPr lang="en-US"/>
           </a:p>
@@ -6341,7 +6341,7 @@
           <a:p>
             <a:fld id="{5F9E72CA-C8DB-4FE1-9619-3E0CC03F8A15}" type="datetimeFigureOut">
               <a:rPr lang="en-US" smtClean="0"/>
-              <a:t>2/19/2019</a:t>
+              <a:t>3/7/2019</a:t>
             </a:fld>
             <a:endParaRPr lang="en-US"/>
           </a:p>
@@ -6454,7 +6454,7 @@
           <a:p>
             <a:fld id="{5F9E72CA-C8DB-4FE1-9619-3E0CC03F8A15}" type="datetimeFigureOut">
               <a:rPr lang="en-US" smtClean="0"/>
-              <a:t>2/19/2019</a:t>
+              <a:t>3/7/2019</a:t>
             </a:fld>
             <a:endParaRPr lang="en-US"/>
           </a:p>
@@ -6765,7 +6765,7 @@
           <a:p>
             <a:fld id="{5F9E72CA-C8DB-4FE1-9619-3E0CC03F8A15}" type="datetimeFigureOut">
               <a:rPr lang="en-US" smtClean="0"/>
-              <a:t>2/19/2019</a:t>
+              <a:t>3/7/2019</a:t>
             </a:fld>
             <a:endParaRPr lang="en-US"/>
           </a:p>
@@ -6997,7 +6997,7 @@
             <a:fld id="{B61BEF0D-F0BB-DE4B-95CE-6DB70DBA9567}" type="datetimeFigureOut">
               <a:rPr lang="en-US" dirty="0"/>
               <a:pPr/>
-              <a:t>2/19/2019</a:t>
+              <a:t>3/7/2019</a:t>
             </a:fld>
             <a:endParaRPr lang="en-US" dirty="0"/>
           </a:p>
@@ -7279,7 +7279,7 @@
           <a:p>
             <a:fld id="{5F9E72CA-C8DB-4FE1-9619-3E0CC03F8A15}" type="datetimeFigureOut">
               <a:rPr lang="en-US" smtClean="0"/>
-              <a:t>2/19/2019</a:t>
+              <a:t>3/7/2019</a:t>
             </a:fld>
             <a:endParaRPr lang="en-US"/>
           </a:p>
@@ -7477,7 +7477,7 @@
           <a:p>
             <a:fld id="{5F9E72CA-C8DB-4FE1-9619-3E0CC03F8A15}" type="datetimeFigureOut">
               <a:rPr lang="en-US" smtClean="0"/>
-              <a:t>2/19/2019</a:t>
+              <a:t>3/7/2019</a:t>
             </a:fld>
             <a:endParaRPr lang="en-US"/>
           </a:p>
@@ -7685,7 +7685,7 @@
           <a:p>
             <a:fld id="{5F9E72CA-C8DB-4FE1-9619-3E0CC03F8A15}" type="datetimeFigureOut">
               <a:rPr lang="en-US" smtClean="0"/>
-              <a:t>2/19/2019</a:t>
+              <a:t>3/7/2019</a:t>
             </a:fld>
             <a:endParaRPr lang="en-US"/>
           </a:p>
@@ -8000,7 +8000,7 @@
             <a:fld id="{B61BEF0D-F0BB-DE4B-95CE-6DB70DBA9567}" type="datetimeFigureOut">
               <a:rPr lang="en-US" dirty="0"/>
               <a:pPr/>
-              <a:t>2/19/2019</a:t>
+              <a:t>3/7/2019</a:t>
             </a:fld>
             <a:endParaRPr lang="en-US" dirty="0"/>
           </a:p>
@@ -8304,7 +8304,7 @@
             <a:fld id="{B61BEF0D-F0BB-DE4B-95CE-6DB70DBA9567}" type="datetimeFigureOut">
               <a:rPr lang="en-US" dirty="0"/>
               <a:pPr/>
-              <a:t>2/19/2019</a:t>
+              <a:t>3/7/2019</a:t>
             </a:fld>
             <a:endParaRPr lang="en-US" dirty="0"/>
           </a:p>
@@ -8728,7 +8728,7 @@
             <a:fld id="{B61BEF0D-F0BB-DE4B-95CE-6DB70DBA9567}" type="datetimeFigureOut">
               <a:rPr lang="en-US" dirty="0"/>
               <a:pPr/>
-              <a:t>2/19/2019</a:t>
+              <a:t>3/7/2019</a:t>
             </a:fld>
             <a:endParaRPr lang="en-US" dirty="0"/>
           </a:p>
@@ -8892,7 +8892,7 @@
             <a:fld id="{B61BEF0D-F0BB-DE4B-95CE-6DB70DBA9567}" type="datetimeFigureOut">
               <a:rPr lang="en-US" dirty="0"/>
               <a:pPr/>
-              <a:t>2/19/2019</a:t>
+              <a:t>3/7/2019</a:t>
             </a:fld>
             <a:endParaRPr lang="en-US" dirty="0"/>
           </a:p>
@@ -8989,7 +8989,7 @@
             <a:fld id="{B61BEF0D-F0BB-DE4B-95CE-6DB70DBA9567}" type="datetimeFigureOut">
               <a:rPr lang="en-US" dirty="0"/>
               <a:pPr/>
-              <a:t>2/19/2019</a:t>
+              <a:t>3/7/2019</a:t>
             </a:fld>
             <a:endParaRPr lang="en-US" dirty="0"/>
           </a:p>
@@ -9369,7 +9369,7 @@
             <a:fld id="{B61BEF0D-F0BB-DE4B-95CE-6DB70DBA9567}" type="datetimeFigureOut">
               <a:rPr lang="en-US" dirty="0"/>
               <a:pPr/>
-              <a:t>2/19/2019</a:t>
+              <a:t>3/7/2019</a:t>
             </a:fld>
             <a:endParaRPr lang="en-US" dirty="0"/>
           </a:p>
@@ -9660,7 +9660,7 @@
             <a:fld id="{B61BEF0D-F0BB-DE4B-95CE-6DB70DBA9567}" type="datetimeFigureOut">
               <a:rPr lang="en-US" dirty="0"/>
               <a:pPr/>
-              <a:t>2/19/2019</a:t>
+              <a:t>3/7/2019</a:t>
             </a:fld>
             <a:endParaRPr lang="en-US" dirty="0"/>
           </a:p>
@@ -9873,7 +9873,7 @@
             <a:fld id="{B61BEF0D-F0BB-DE4B-95CE-6DB70DBA9567}" type="datetimeFigureOut">
               <a:rPr lang="en-US" dirty="0"/>
               <a:pPr/>
-              <a:t>2/19/2019</a:t>
+              <a:t>3/7/2019</a:t>
             </a:fld>
             <a:endParaRPr lang="en-US" dirty="0"/>
           </a:p>
@@ -10626,7 +10626,7 @@
           <a:p>
             <a:fld id="{5F9E72CA-C8DB-4FE1-9619-3E0CC03F8A15}" type="datetimeFigureOut">
               <a:rPr lang="en-US" smtClean="0"/>
-              <a:t>2/19/2019</a:t>
+              <a:t>3/7/2019</a:t>
             </a:fld>
             <a:endParaRPr lang="en-US"/>
           </a:p>
@@ -26082,7 +26082,7 @@
           <a:p>
             <a:r>
               <a:rPr lang="en-US" dirty="0"/>
-              <a:t>True Isolation of Resources</a:t>
+              <a:t>True Isolation of Resources*</a:t>
             </a:r>
           </a:p>
           <a:p>

--- a/presentation/presentation.pptx
+++ b/presentation/presentation.pptx
@@ -6,52 +6,50 @@
     <p:sldMasterId id="2147483660" r:id="rId2"/>
   </p:sldMasterIdLst>
   <p:notesMasterIdLst>
-    <p:notesMasterId r:id="rId46"/>
+    <p:notesMasterId r:id="rId44"/>
   </p:notesMasterIdLst>
   <p:sldIdLst>
     <p:sldId id="256" r:id="rId3"/>
     <p:sldId id="259" r:id="rId4"/>
     <p:sldId id="260" r:id="rId5"/>
-    <p:sldId id="304" r:id="rId6"/>
-    <p:sldId id="261" r:id="rId7"/>
-    <p:sldId id="262" r:id="rId8"/>
-    <p:sldId id="263" r:id="rId9"/>
-    <p:sldId id="264" r:id="rId10"/>
-    <p:sldId id="265" r:id="rId11"/>
-    <p:sldId id="267" r:id="rId12"/>
-    <p:sldId id="270" r:id="rId13"/>
-    <p:sldId id="268" r:id="rId14"/>
-    <p:sldId id="269" r:id="rId15"/>
-    <p:sldId id="303" r:id="rId16"/>
-    <p:sldId id="280" r:id="rId17"/>
-    <p:sldId id="273" r:id="rId18"/>
-    <p:sldId id="276" r:id="rId19"/>
-    <p:sldId id="277" r:id="rId20"/>
-    <p:sldId id="278" r:id="rId21"/>
-    <p:sldId id="279" r:id="rId22"/>
-    <p:sldId id="281" r:id="rId23"/>
-    <p:sldId id="282" r:id="rId24"/>
-    <p:sldId id="283" r:id="rId25"/>
-    <p:sldId id="293" r:id="rId26"/>
-    <p:sldId id="294" r:id="rId27"/>
-    <p:sldId id="284" r:id="rId28"/>
-    <p:sldId id="285" r:id="rId29"/>
-    <p:sldId id="287" r:id="rId30"/>
-    <p:sldId id="286" r:id="rId31"/>
-    <p:sldId id="288" r:id="rId32"/>
-    <p:sldId id="292" r:id="rId33"/>
-    <p:sldId id="289" r:id="rId34"/>
-    <p:sldId id="290" r:id="rId35"/>
-    <p:sldId id="291" r:id="rId36"/>
-    <p:sldId id="295" r:id="rId37"/>
-    <p:sldId id="297" r:id="rId38"/>
-    <p:sldId id="298" r:id="rId39"/>
-    <p:sldId id="296" r:id="rId40"/>
-    <p:sldId id="299" r:id="rId41"/>
-    <p:sldId id="300" r:id="rId42"/>
-    <p:sldId id="301" r:id="rId43"/>
-    <p:sldId id="305" r:id="rId44"/>
-    <p:sldId id="302" r:id="rId45"/>
+    <p:sldId id="261" r:id="rId6"/>
+    <p:sldId id="262" r:id="rId7"/>
+    <p:sldId id="263" r:id="rId8"/>
+    <p:sldId id="264" r:id="rId9"/>
+    <p:sldId id="265" r:id="rId10"/>
+    <p:sldId id="267" r:id="rId11"/>
+    <p:sldId id="270" r:id="rId12"/>
+    <p:sldId id="268" r:id="rId13"/>
+    <p:sldId id="269" r:id="rId14"/>
+    <p:sldId id="303" r:id="rId15"/>
+    <p:sldId id="280" r:id="rId16"/>
+    <p:sldId id="273" r:id="rId17"/>
+    <p:sldId id="276" r:id="rId18"/>
+    <p:sldId id="277" r:id="rId19"/>
+    <p:sldId id="278" r:id="rId20"/>
+    <p:sldId id="279" r:id="rId21"/>
+    <p:sldId id="281" r:id="rId22"/>
+    <p:sldId id="282" r:id="rId23"/>
+    <p:sldId id="283" r:id="rId24"/>
+    <p:sldId id="293" r:id="rId25"/>
+    <p:sldId id="294" r:id="rId26"/>
+    <p:sldId id="284" r:id="rId27"/>
+    <p:sldId id="285" r:id="rId28"/>
+    <p:sldId id="287" r:id="rId29"/>
+    <p:sldId id="286" r:id="rId30"/>
+    <p:sldId id="288" r:id="rId31"/>
+    <p:sldId id="292" r:id="rId32"/>
+    <p:sldId id="289" r:id="rId33"/>
+    <p:sldId id="290" r:id="rId34"/>
+    <p:sldId id="291" r:id="rId35"/>
+    <p:sldId id="295" r:id="rId36"/>
+    <p:sldId id="297" r:id="rId37"/>
+    <p:sldId id="298" r:id="rId38"/>
+    <p:sldId id="296" r:id="rId39"/>
+    <p:sldId id="299" r:id="rId40"/>
+    <p:sldId id="300" r:id="rId41"/>
+    <p:sldId id="301" r:id="rId42"/>
+    <p:sldId id="302" r:id="rId43"/>
   </p:sldIdLst>
   <p:sldSz cx="12192000" cy="6858000"/>
   <p:notesSz cx="6858000" cy="9144000"/>
@@ -162,7 +160,6 @@
           <p14:sldIdLst>
             <p14:sldId id="259"/>
             <p14:sldId id="260"/>
-            <p14:sldId id="304"/>
           </p14:sldIdLst>
         </p14:section>
         <p14:section name="A Problem Statement" id="{9C193E4B-B7CA-425A-BB89-FA54529671C9}">
@@ -224,7 +221,6 @@
             <p14:sldId id="299"/>
             <p14:sldId id="300"/>
             <p14:sldId id="301"/>
-            <p14:sldId id="305"/>
           </p14:sldIdLst>
         </p14:section>
         <p14:section name="A Q&amp;A Session" id="{5FBB5FF9-8AD7-434B-821A-52152BE7B765}">
@@ -2709,7 +2705,7 @@
           <a:p>
             <a:fld id="{A5C20BB3-3CCB-4FE5-991B-82F6BCB48AF3}" type="datetimeFigureOut">
               <a:rPr lang="en-US" smtClean="0"/>
-              <a:t>3/7/2019</a:t>
+              <a:t>3/22/2019</a:t>
             </a:fld>
             <a:endParaRPr lang="en-US"/>
           </a:p>
@@ -3058,7 +3054,7 @@
           <a:p>
             <a:fld id="{E0746DE6-3336-457D-A091-FA20AC1C536E}" type="slidenum">
               <a:rPr lang="en-US" smtClean="0"/>
-              <a:t>11</a:t>
+              <a:t>10</a:t>
             </a:fld>
             <a:endParaRPr lang="en-US"/>
           </a:p>
@@ -3229,7 +3225,7 @@
           <a:p>
             <a:fld id="{E0746DE6-3336-457D-A091-FA20AC1C536E}" type="slidenum">
               <a:rPr lang="en-US" smtClean="0"/>
-              <a:t>21</a:t>
+              <a:t>20</a:t>
             </a:fld>
             <a:endParaRPr lang="en-US"/>
           </a:p>
@@ -3352,7 +3348,7 @@
           <a:p>
             <a:fld id="{E0746DE6-3336-457D-A091-FA20AC1C536E}" type="slidenum">
               <a:rPr lang="en-US" smtClean="0"/>
-              <a:t>12</a:t>
+              <a:t>11</a:t>
             </a:fld>
             <a:endParaRPr lang="en-US"/>
           </a:p>
@@ -3523,7 +3519,7 @@
           <a:p>
             <a:fld id="{E0746DE6-3336-457D-A091-FA20AC1C536E}" type="slidenum">
               <a:rPr lang="en-US" smtClean="0"/>
-              <a:t>13</a:t>
+              <a:t>12</a:t>
             </a:fld>
             <a:endParaRPr lang="en-US"/>
           </a:p>
@@ -3614,7 +3610,7 @@
           <a:p>
             <a:fld id="{E0746DE6-3336-457D-A091-FA20AC1C536E}" type="slidenum">
               <a:rPr lang="en-US" smtClean="0"/>
-              <a:t>15</a:t>
+              <a:t>14</a:t>
             </a:fld>
             <a:endParaRPr lang="en-US"/>
           </a:p>
@@ -3702,7 +3698,7 @@
           <a:p>
             <a:fld id="{E0746DE6-3336-457D-A091-FA20AC1C536E}" type="slidenum">
               <a:rPr lang="en-US" smtClean="0"/>
-              <a:t>16</a:t>
+              <a:t>15</a:t>
             </a:fld>
             <a:endParaRPr lang="en-US"/>
           </a:p>
@@ -3790,7 +3786,7 @@
           <a:p>
             <a:fld id="{E0746DE6-3336-457D-A091-FA20AC1C536E}" type="slidenum">
               <a:rPr lang="en-US" smtClean="0"/>
-              <a:t>17</a:t>
+              <a:t>16</a:t>
             </a:fld>
             <a:endParaRPr lang="en-US"/>
           </a:p>
@@ -3878,7 +3874,7 @@
           <a:p>
             <a:fld id="{E0746DE6-3336-457D-A091-FA20AC1C536E}" type="slidenum">
               <a:rPr lang="en-US" smtClean="0"/>
-              <a:t>18</a:t>
+              <a:t>17</a:t>
             </a:fld>
             <a:endParaRPr lang="en-US"/>
           </a:p>
@@ -3966,7 +3962,7 @@
           <a:p>
             <a:fld id="{E0746DE6-3336-457D-A091-FA20AC1C536E}" type="slidenum">
               <a:rPr lang="en-US" smtClean="0"/>
-              <a:t>19</a:t>
+              <a:t>18</a:t>
             </a:fld>
             <a:endParaRPr lang="en-US"/>
           </a:p>
@@ -4054,7 +4050,7 @@
           <a:p>
             <a:fld id="{E0746DE6-3336-457D-A091-FA20AC1C536E}" type="slidenum">
               <a:rPr lang="en-US" smtClean="0"/>
-              <a:t>20</a:t>
+              <a:t>19</a:t>
             </a:fld>
             <a:endParaRPr lang="en-US"/>
           </a:p>
@@ -4319,7 +4315,7 @@
             <a:fld id="{B61BEF0D-F0BB-DE4B-95CE-6DB70DBA9567}" type="datetimeFigureOut">
               <a:rPr lang="en-US" dirty="0"/>
               <a:pPr/>
-              <a:t>3/7/2019</a:t>
+              <a:t>3/22/2019</a:t>
             </a:fld>
             <a:endParaRPr lang="en-US" dirty="0"/>
           </a:p>
@@ -4583,7 +4579,7 @@
             <a:fld id="{B61BEF0D-F0BB-DE4B-95CE-6DB70DBA9567}" type="datetimeFigureOut">
               <a:rPr lang="en-US" dirty="0"/>
               <a:pPr/>
-              <a:t>3/7/2019</a:t>
+              <a:t>3/22/2019</a:t>
             </a:fld>
             <a:endParaRPr lang="en-US" dirty="0"/>
           </a:p>
@@ -4820,7 +4816,7 @@
             <a:fld id="{B61BEF0D-F0BB-DE4B-95CE-6DB70DBA9567}" type="datetimeFigureOut">
               <a:rPr lang="en-US" dirty="0"/>
               <a:pPr/>
-              <a:t>3/7/2019</a:t>
+              <a:t>3/22/2019</a:t>
             </a:fld>
             <a:endParaRPr lang="en-US" dirty="0"/>
           </a:p>
@@ -5050,7 +5046,7 @@
           <a:p>
             <a:fld id="{5F9E72CA-C8DB-4FE1-9619-3E0CC03F8A15}" type="datetimeFigureOut">
               <a:rPr lang="en-US" smtClean="0"/>
-              <a:t>3/7/2019</a:t>
+              <a:t>3/22/2019</a:t>
             </a:fld>
             <a:endParaRPr lang="en-US"/>
           </a:p>
@@ -5248,7 +5244,7 @@
           <a:p>
             <a:fld id="{5F9E72CA-C8DB-4FE1-9619-3E0CC03F8A15}" type="datetimeFigureOut">
               <a:rPr lang="en-US" smtClean="0"/>
-              <a:t>3/7/2019</a:t>
+              <a:t>3/22/2019</a:t>
             </a:fld>
             <a:endParaRPr lang="en-US"/>
           </a:p>
@@ -5523,7 +5519,7 @@
           <a:p>
             <a:fld id="{5F9E72CA-C8DB-4FE1-9619-3E0CC03F8A15}" type="datetimeFigureOut">
               <a:rPr lang="en-US" smtClean="0"/>
-              <a:t>3/7/2019</a:t>
+              <a:t>3/22/2019</a:t>
             </a:fld>
             <a:endParaRPr lang="en-US"/>
           </a:p>
@@ -5788,7 +5784,7 @@
           <a:p>
             <a:fld id="{5F9E72CA-C8DB-4FE1-9619-3E0CC03F8A15}" type="datetimeFigureOut">
               <a:rPr lang="en-US" smtClean="0"/>
-              <a:t>3/7/2019</a:t>
+              <a:t>3/22/2019</a:t>
             </a:fld>
             <a:endParaRPr lang="en-US"/>
           </a:p>
@@ -6200,7 +6196,7 @@
           <a:p>
             <a:fld id="{5F9E72CA-C8DB-4FE1-9619-3E0CC03F8A15}" type="datetimeFigureOut">
               <a:rPr lang="en-US" smtClean="0"/>
-              <a:t>3/7/2019</a:t>
+              <a:t>3/22/2019</a:t>
             </a:fld>
             <a:endParaRPr lang="en-US"/>
           </a:p>
@@ -6341,7 +6337,7 @@
           <a:p>
             <a:fld id="{5F9E72CA-C8DB-4FE1-9619-3E0CC03F8A15}" type="datetimeFigureOut">
               <a:rPr lang="en-US" smtClean="0"/>
-              <a:t>3/7/2019</a:t>
+              <a:t>3/22/2019</a:t>
             </a:fld>
             <a:endParaRPr lang="en-US"/>
           </a:p>
@@ -6454,7 +6450,7 @@
           <a:p>
             <a:fld id="{5F9E72CA-C8DB-4FE1-9619-3E0CC03F8A15}" type="datetimeFigureOut">
               <a:rPr lang="en-US" smtClean="0"/>
-              <a:t>3/7/2019</a:t>
+              <a:t>3/22/2019</a:t>
             </a:fld>
             <a:endParaRPr lang="en-US"/>
           </a:p>
@@ -6765,7 +6761,7 @@
           <a:p>
             <a:fld id="{5F9E72CA-C8DB-4FE1-9619-3E0CC03F8A15}" type="datetimeFigureOut">
               <a:rPr lang="en-US" smtClean="0"/>
-              <a:t>3/7/2019</a:t>
+              <a:t>3/22/2019</a:t>
             </a:fld>
             <a:endParaRPr lang="en-US"/>
           </a:p>
@@ -6997,7 +6993,7 @@
             <a:fld id="{B61BEF0D-F0BB-DE4B-95CE-6DB70DBA9567}" type="datetimeFigureOut">
               <a:rPr lang="en-US" dirty="0"/>
               <a:pPr/>
-              <a:t>3/7/2019</a:t>
+              <a:t>3/22/2019</a:t>
             </a:fld>
             <a:endParaRPr lang="en-US" dirty="0"/>
           </a:p>
@@ -7279,7 +7275,7 @@
           <a:p>
             <a:fld id="{5F9E72CA-C8DB-4FE1-9619-3E0CC03F8A15}" type="datetimeFigureOut">
               <a:rPr lang="en-US" smtClean="0"/>
-              <a:t>3/7/2019</a:t>
+              <a:t>3/22/2019</a:t>
             </a:fld>
             <a:endParaRPr lang="en-US"/>
           </a:p>
@@ -7477,7 +7473,7 @@
           <a:p>
             <a:fld id="{5F9E72CA-C8DB-4FE1-9619-3E0CC03F8A15}" type="datetimeFigureOut">
               <a:rPr lang="en-US" smtClean="0"/>
-              <a:t>3/7/2019</a:t>
+              <a:t>3/22/2019</a:t>
             </a:fld>
             <a:endParaRPr lang="en-US"/>
           </a:p>
@@ -7685,7 +7681,7 @@
           <a:p>
             <a:fld id="{5F9E72CA-C8DB-4FE1-9619-3E0CC03F8A15}" type="datetimeFigureOut">
               <a:rPr lang="en-US" smtClean="0"/>
-              <a:t>3/7/2019</a:t>
+              <a:t>3/22/2019</a:t>
             </a:fld>
             <a:endParaRPr lang="en-US"/>
           </a:p>
@@ -8000,7 +7996,7 @@
             <a:fld id="{B61BEF0D-F0BB-DE4B-95CE-6DB70DBA9567}" type="datetimeFigureOut">
               <a:rPr lang="en-US" dirty="0"/>
               <a:pPr/>
-              <a:t>3/7/2019</a:t>
+              <a:t>3/22/2019</a:t>
             </a:fld>
             <a:endParaRPr lang="en-US" dirty="0"/>
           </a:p>
@@ -8304,7 +8300,7 @@
             <a:fld id="{B61BEF0D-F0BB-DE4B-95CE-6DB70DBA9567}" type="datetimeFigureOut">
               <a:rPr lang="en-US" dirty="0"/>
               <a:pPr/>
-              <a:t>3/7/2019</a:t>
+              <a:t>3/22/2019</a:t>
             </a:fld>
             <a:endParaRPr lang="en-US" dirty="0"/>
           </a:p>
@@ -8728,7 +8724,7 @@
             <a:fld id="{B61BEF0D-F0BB-DE4B-95CE-6DB70DBA9567}" type="datetimeFigureOut">
               <a:rPr lang="en-US" dirty="0"/>
               <a:pPr/>
-              <a:t>3/7/2019</a:t>
+              <a:t>3/22/2019</a:t>
             </a:fld>
             <a:endParaRPr lang="en-US" dirty="0"/>
           </a:p>
@@ -8892,7 +8888,7 @@
             <a:fld id="{B61BEF0D-F0BB-DE4B-95CE-6DB70DBA9567}" type="datetimeFigureOut">
               <a:rPr lang="en-US" dirty="0"/>
               <a:pPr/>
-              <a:t>3/7/2019</a:t>
+              <a:t>3/22/2019</a:t>
             </a:fld>
             <a:endParaRPr lang="en-US" dirty="0"/>
           </a:p>
@@ -8989,7 +8985,7 @@
             <a:fld id="{B61BEF0D-F0BB-DE4B-95CE-6DB70DBA9567}" type="datetimeFigureOut">
               <a:rPr lang="en-US" dirty="0"/>
               <a:pPr/>
-              <a:t>3/7/2019</a:t>
+              <a:t>3/22/2019</a:t>
             </a:fld>
             <a:endParaRPr lang="en-US" dirty="0"/>
           </a:p>
@@ -9369,7 +9365,7 @@
             <a:fld id="{B61BEF0D-F0BB-DE4B-95CE-6DB70DBA9567}" type="datetimeFigureOut">
               <a:rPr lang="en-US" dirty="0"/>
               <a:pPr/>
-              <a:t>3/7/2019</a:t>
+              <a:t>3/22/2019</a:t>
             </a:fld>
             <a:endParaRPr lang="en-US" dirty="0"/>
           </a:p>
@@ -9660,7 +9656,7 @@
             <a:fld id="{B61BEF0D-F0BB-DE4B-95CE-6DB70DBA9567}" type="datetimeFigureOut">
               <a:rPr lang="en-US" dirty="0"/>
               <a:pPr/>
-              <a:t>3/7/2019</a:t>
+              <a:t>3/22/2019</a:t>
             </a:fld>
             <a:endParaRPr lang="en-US" dirty="0"/>
           </a:p>
@@ -9873,7 +9869,7 @@
             <a:fld id="{B61BEF0D-F0BB-DE4B-95CE-6DB70DBA9567}" type="datetimeFigureOut">
               <a:rPr lang="en-US" dirty="0"/>
               <a:pPr/>
-              <a:t>3/7/2019</a:t>
+              <a:t>3/22/2019</a:t>
             </a:fld>
             <a:endParaRPr lang="en-US" dirty="0"/>
           </a:p>
@@ -10626,7 +10622,7 @@
           <a:p>
             <a:fld id="{5F9E72CA-C8DB-4FE1-9619-3E0CC03F8A15}" type="datetimeFigureOut">
               <a:rPr lang="en-US" smtClean="0"/>
-              <a:t>3/7/2019</a:t>
+              <a:t>3/22/2019</a:t>
             </a:fld>
             <a:endParaRPr lang="en-US"/>
           </a:p>
@@ -11062,7 +11058,7 @@
                 <a16:creationId xmlns:a16="http://schemas.microsoft.com/office/drawing/2014/main" id="{5B32A67F-3598-4A13-8552-DA884FFCCE57}"/>
               </a:ext>
               <a:ext uri="{C183D7F6-B498-43B3-948B-1728B52AA6E4}">
-                <adec:decorative xmlns:adec="http://schemas.microsoft.com/office/drawing/2017/decorative" val="1"/>
+                <adec:decorative xmlns:adec="http://schemas.microsoft.com/office/drawing/2017/decorative" xmlns="" val="1"/>
               </a:ext>
             </a:extLst>
           </p:cNvPr>
@@ -11208,7 +11204,7 @@
                 <a16:creationId xmlns:a16="http://schemas.microsoft.com/office/drawing/2014/main" id="{BCC55ACC-A2F6-403C-A3A4-D59B3734D45F}"/>
               </a:ext>
               <a:ext uri="{C183D7F6-B498-43B3-948B-1728B52AA6E4}">
-                <adec:decorative xmlns:adec="http://schemas.microsoft.com/office/drawing/2017/decorative" val="1"/>
+                <adec:decorative xmlns:adec="http://schemas.microsoft.com/office/drawing/2017/decorative" xmlns="" val="1"/>
               </a:ext>
             </a:extLst>
           </p:cNvPr>
@@ -11409,7 +11405,7 @@
                 <a16:creationId xmlns:a16="http://schemas.microsoft.com/office/drawing/2014/main" id="{598EBA13-C937-430B-9523-439FE21096E6}"/>
               </a:ext>
               <a:ext uri="{C183D7F6-B498-43B3-948B-1728B52AA6E4}">
-                <adec:decorative xmlns:adec="http://schemas.microsoft.com/office/drawing/2017/decorative" val="1"/>
+                <adec:decorative xmlns:adec="http://schemas.microsoft.com/office/drawing/2017/decorative" xmlns="" val="1"/>
               </a:ext>
             </a:extLst>
           </p:cNvPr>
@@ -11650,474 +11646,6 @@
 </file>
 
 <file path=ppt/slides/slide10.xml><?xml version="1.0" encoding="utf-8"?>
-<p:sld xmlns:a="http://schemas.openxmlformats.org/drawingml/2006/main" xmlns:r="http://schemas.openxmlformats.org/officeDocument/2006/relationships" xmlns:p="http://schemas.openxmlformats.org/presentationml/2006/main">
-  <p:cSld>
-    <p:spTree>
-      <p:nvGrpSpPr>
-        <p:cNvPr id="1" name=""/>
-        <p:cNvGrpSpPr/>
-        <p:nvPr/>
-      </p:nvGrpSpPr>
-      <p:grpSpPr>
-        <a:xfrm>
-          <a:off x="0" y="0"/>
-          <a:ext cx="0" cy="0"/>
-          <a:chOff x="0" y="0"/>
-          <a:chExt cx="0" cy="0"/>
-        </a:xfrm>
-      </p:grpSpPr>
-      <p:sp>
-        <p:nvSpPr>
-          <p:cNvPr id="2" name="Title 1"/>
-          <p:cNvSpPr>
-            <a:spLocks noGrp="1"/>
-          </p:cNvSpPr>
-          <p:nvPr>
-            <p:ph type="title"/>
-          </p:nvPr>
-        </p:nvSpPr>
-        <p:spPr/>
-        <p:txBody>
-          <a:bodyPr/>
-          <a:lstStyle/>
-          <a:p>
-            <a:r>
-              <a:rPr lang="en-US" dirty="0"/>
-              <a:t>Hello Hypervisor!</a:t>
-            </a:r>
-          </a:p>
-        </p:txBody>
-      </p:sp>
-      <p:sp>
-        <p:nvSpPr>
-          <p:cNvPr id="3" name="Content Placeholder 2"/>
-          <p:cNvSpPr>
-            <a:spLocks noGrp="1"/>
-          </p:cNvSpPr>
-          <p:nvPr>
-            <p:ph idx="1"/>
-          </p:nvPr>
-        </p:nvSpPr>
-        <p:spPr/>
-        <p:txBody>
-          <a:bodyPr>
-            <a:normAutofit fontScale="85000" lnSpcReduction="10000"/>
-          </a:bodyPr>
-          <a:lstStyle/>
-          <a:p>
-            <a:pPr>
-              <a:lnSpc>
-                <a:spcPct val="270000"/>
-              </a:lnSpc>
-            </a:pPr>
-            <a:r>
-              <a:rPr lang="en-US" dirty="0"/>
-              <a:t>Along came Hypervisors</a:t>
-            </a:r>
-          </a:p>
-          <a:p>
-            <a:pPr>
-              <a:lnSpc>
-                <a:spcPct val="270000"/>
-              </a:lnSpc>
-            </a:pPr>
-            <a:r>
-              <a:rPr lang="en-US" dirty="0"/>
-              <a:t>We can now squeeze more out of physical servers</a:t>
-            </a:r>
-          </a:p>
-          <a:p>
-            <a:pPr>
-              <a:lnSpc>
-                <a:spcPct val="270000"/>
-              </a:lnSpc>
-            </a:pPr>
-            <a:r>
-              <a:rPr lang="en-US" dirty="0"/>
-              <a:t>We can still isolate an application to an OS</a:t>
-            </a:r>
-          </a:p>
-          <a:p>
-            <a:pPr>
-              <a:lnSpc>
-                <a:spcPct val="270000"/>
-              </a:lnSpc>
-            </a:pPr>
-            <a:r>
-              <a:rPr lang="en-US" dirty="0"/>
-              <a:t>Yay for VMWare!</a:t>
-            </a:r>
-          </a:p>
-          <a:p>
-            <a:pPr>
-              <a:lnSpc>
-                <a:spcPct val="270000"/>
-              </a:lnSpc>
-            </a:pPr>
-            <a:r>
-              <a:rPr lang="en-US" dirty="0"/>
-              <a:t>But there are some </a:t>
-            </a:r>
-            <a:r>
-              <a:rPr lang="en-US" dirty="0" err="1"/>
-              <a:t>VMWarts</a:t>
-            </a:r>
-            <a:endParaRPr lang="en-US" dirty="0"/>
-          </a:p>
-        </p:txBody>
-      </p:sp>
-    </p:spTree>
-    <p:extLst>
-      <p:ext uri="{BB962C8B-B14F-4D97-AF65-F5344CB8AC3E}">
-        <p14:creationId xmlns:p14="http://schemas.microsoft.com/office/powerpoint/2010/main" val="1446593834"/>
-      </p:ext>
-    </p:extLst>
-  </p:cSld>
-  <p:clrMapOvr>
-    <a:masterClrMapping/>
-  </p:clrMapOvr>
-  <p:timing>
-    <p:tnLst>
-      <p:par>
-        <p:cTn id="1" dur="indefinite" restart="never" nodeType="tmRoot">
-          <p:childTnLst>
-            <p:seq concurrent="1" nextAc="seek">
-              <p:cTn id="2" dur="indefinite" nodeType="mainSeq">
-                <p:childTnLst>
-                  <p:par>
-                    <p:cTn id="3" fill="hold">
-                      <p:stCondLst>
-                        <p:cond delay="indefinite"/>
-                      </p:stCondLst>
-                      <p:childTnLst>
-                        <p:par>
-                          <p:cTn id="4" fill="hold">
-                            <p:stCondLst>
-                              <p:cond delay="0"/>
-                            </p:stCondLst>
-                            <p:childTnLst>
-                              <p:par>
-                                <p:cTn id="5" presetID="10" presetClass="entr" presetSubtype="0" fill="hold" grpId="0" nodeType="clickEffect">
-                                  <p:stCondLst>
-                                    <p:cond delay="0"/>
-                                  </p:stCondLst>
-                                  <p:childTnLst>
-                                    <p:set>
-                                      <p:cBhvr>
-                                        <p:cTn id="6" dur="1" fill="hold">
-                                          <p:stCondLst>
-                                            <p:cond delay="0"/>
-                                          </p:stCondLst>
-                                        </p:cTn>
-                                        <p:tgtEl>
-                                          <p:spTgt spid="3">
-                                            <p:txEl>
-                                              <p:pRg st="0" end="0"/>
-                                            </p:txEl>
-                                          </p:spTgt>
-                                        </p:tgtEl>
-                                        <p:attrNameLst>
-                                          <p:attrName>style.visibility</p:attrName>
-                                        </p:attrNameLst>
-                                      </p:cBhvr>
-                                      <p:to>
-                                        <p:strVal val="visible"/>
-                                      </p:to>
-                                    </p:set>
-                                    <p:animEffect transition="in" filter="fade">
-                                      <p:cBhvr>
-                                        <p:cTn id="7" dur="500"/>
-                                        <p:tgtEl>
-                                          <p:spTgt spid="3">
-                                            <p:txEl>
-                                              <p:pRg st="0" end="0"/>
-                                            </p:txEl>
-                                          </p:spTgt>
-                                        </p:tgtEl>
-                                      </p:cBhvr>
-                                    </p:animEffect>
-                                  </p:childTnLst>
-                                </p:cTn>
-                              </p:par>
-                            </p:childTnLst>
-                          </p:cTn>
-                        </p:par>
-                      </p:childTnLst>
-                    </p:cTn>
-                  </p:par>
-                  <p:par>
-                    <p:cTn id="8" fill="hold">
-                      <p:stCondLst>
-                        <p:cond delay="indefinite"/>
-                      </p:stCondLst>
-                      <p:childTnLst>
-                        <p:par>
-                          <p:cTn id="9" fill="hold">
-                            <p:stCondLst>
-                              <p:cond delay="0"/>
-                            </p:stCondLst>
-                            <p:childTnLst>
-                              <p:par>
-                                <p:cTn id="10" presetID="10" presetClass="entr" presetSubtype="0" fill="hold" grpId="0" nodeType="clickEffect">
-                                  <p:stCondLst>
-                                    <p:cond delay="0"/>
-                                  </p:stCondLst>
-                                  <p:childTnLst>
-                                    <p:set>
-                                      <p:cBhvr>
-                                        <p:cTn id="11" dur="1" fill="hold">
-                                          <p:stCondLst>
-                                            <p:cond delay="0"/>
-                                          </p:stCondLst>
-                                        </p:cTn>
-                                        <p:tgtEl>
-                                          <p:spTgt spid="3">
-                                            <p:txEl>
-                                              <p:pRg st="1" end="1"/>
-                                            </p:txEl>
-                                          </p:spTgt>
-                                        </p:tgtEl>
-                                        <p:attrNameLst>
-                                          <p:attrName>style.visibility</p:attrName>
-                                        </p:attrNameLst>
-                                      </p:cBhvr>
-                                      <p:to>
-                                        <p:strVal val="visible"/>
-                                      </p:to>
-                                    </p:set>
-                                    <p:animEffect transition="in" filter="fade">
-                                      <p:cBhvr>
-                                        <p:cTn id="12" dur="500"/>
-                                        <p:tgtEl>
-                                          <p:spTgt spid="3">
-                                            <p:txEl>
-                                              <p:pRg st="1" end="1"/>
-                                            </p:txEl>
-                                          </p:spTgt>
-                                        </p:tgtEl>
-                                      </p:cBhvr>
-                                    </p:animEffect>
-                                  </p:childTnLst>
-                                </p:cTn>
-                              </p:par>
-                            </p:childTnLst>
-                          </p:cTn>
-                        </p:par>
-                      </p:childTnLst>
-                    </p:cTn>
-                  </p:par>
-                  <p:par>
-                    <p:cTn id="13" fill="hold">
-                      <p:stCondLst>
-                        <p:cond delay="indefinite"/>
-                      </p:stCondLst>
-                      <p:childTnLst>
-                        <p:par>
-                          <p:cTn id="14" fill="hold">
-                            <p:stCondLst>
-                              <p:cond delay="0"/>
-                            </p:stCondLst>
-                            <p:childTnLst>
-                              <p:par>
-                                <p:cTn id="15" presetID="10" presetClass="entr" presetSubtype="0" fill="hold" grpId="0" nodeType="clickEffect">
-                                  <p:stCondLst>
-                                    <p:cond delay="0"/>
-                                  </p:stCondLst>
-                                  <p:childTnLst>
-                                    <p:set>
-                                      <p:cBhvr>
-                                        <p:cTn id="16" dur="1" fill="hold">
-                                          <p:stCondLst>
-                                            <p:cond delay="0"/>
-                                          </p:stCondLst>
-                                        </p:cTn>
-                                        <p:tgtEl>
-                                          <p:spTgt spid="3">
-                                            <p:txEl>
-                                              <p:pRg st="2" end="2"/>
-                                            </p:txEl>
-                                          </p:spTgt>
-                                        </p:tgtEl>
-                                        <p:attrNameLst>
-                                          <p:attrName>style.visibility</p:attrName>
-                                        </p:attrNameLst>
-                                      </p:cBhvr>
-                                      <p:to>
-                                        <p:strVal val="visible"/>
-                                      </p:to>
-                                    </p:set>
-                                    <p:animEffect transition="in" filter="fade">
-                                      <p:cBhvr>
-                                        <p:cTn id="17" dur="500"/>
-                                        <p:tgtEl>
-                                          <p:spTgt spid="3">
-                                            <p:txEl>
-                                              <p:pRg st="2" end="2"/>
-                                            </p:txEl>
-                                          </p:spTgt>
-                                        </p:tgtEl>
-                                      </p:cBhvr>
-                                    </p:animEffect>
-                                  </p:childTnLst>
-                                </p:cTn>
-                              </p:par>
-                            </p:childTnLst>
-                          </p:cTn>
-                        </p:par>
-                      </p:childTnLst>
-                    </p:cTn>
-                  </p:par>
-                  <p:par>
-                    <p:cTn id="18" fill="hold">
-                      <p:stCondLst>
-                        <p:cond delay="indefinite"/>
-                      </p:stCondLst>
-                      <p:childTnLst>
-                        <p:par>
-                          <p:cTn id="19" fill="hold">
-                            <p:stCondLst>
-                              <p:cond delay="0"/>
-                            </p:stCondLst>
-                            <p:childTnLst>
-                              <p:par>
-                                <p:cTn id="20" presetID="10" presetClass="entr" presetSubtype="0" fill="hold" grpId="0" nodeType="clickEffect">
-                                  <p:stCondLst>
-                                    <p:cond delay="0"/>
-                                  </p:stCondLst>
-                                  <p:childTnLst>
-                                    <p:set>
-                                      <p:cBhvr>
-                                        <p:cTn id="21" dur="1" fill="hold">
-                                          <p:stCondLst>
-                                            <p:cond delay="0"/>
-                                          </p:stCondLst>
-                                        </p:cTn>
-                                        <p:tgtEl>
-                                          <p:spTgt spid="3">
-                                            <p:txEl>
-                                              <p:pRg st="3" end="3"/>
-                                            </p:txEl>
-                                          </p:spTgt>
-                                        </p:tgtEl>
-                                        <p:attrNameLst>
-                                          <p:attrName>style.visibility</p:attrName>
-                                        </p:attrNameLst>
-                                      </p:cBhvr>
-                                      <p:to>
-                                        <p:strVal val="visible"/>
-                                      </p:to>
-                                    </p:set>
-                                    <p:animEffect transition="in" filter="fade">
-                                      <p:cBhvr>
-                                        <p:cTn id="22" dur="500"/>
-                                        <p:tgtEl>
-                                          <p:spTgt spid="3">
-                                            <p:txEl>
-                                              <p:pRg st="3" end="3"/>
-                                            </p:txEl>
-                                          </p:spTgt>
-                                        </p:tgtEl>
-                                      </p:cBhvr>
-                                    </p:animEffect>
-                                  </p:childTnLst>
-                                </p:cTn>
-                              </p:par>
-                            </p:childTnLst>
-                          </p:cTn>
-                        </p:par>
-                      </p:childTnLst>
-                    </p:cTn>
-                  </p:par>
-                  <p:par>
-                    <p:cTn id="23" fill="hold">
-                      <p:stCondLst>
-                        <p:cond delay="indefinite"/>
-                      </p:stCondLst>
-                      <p:childTnLst>
-                        <p:par>
-                          <p:cTn id="24" fill="hold">
-                            <p:stCondLst>
-                              <p:cond delay="0"/>
-                            </p:stCondLst>
-                            <p:childTnLst>
-                              <p:par>
-                                <p:cTn id="25" presetID="10" presetClass="entr" presetSubtype="0" fill="hold" grpId="0" nodeType="clickEffect">
-                                  <p:stCondLst>
-                                    <p:cond delay="0"/>
-                                  </p:stCondLst>
-                                  <p:childTnLst>
-                                    <p:set>
-                                      <p:cBhvr>
-                                        <p:cTn id="26" dur="1" fill="hold">
-                                          <p:stCondLst>
-                                            <p:cond delay="0"/>
-                                          </p:stCondLst>
-                                        </p:cTn>
-                                        <p:tgtEl>
-                                          <p:spTgt spid="3">
-                                            <p:txEl>
-                                              <p:pRg st="4" end="4"/>
-                                            </p:txEl>
-                                          </p:spTgt>
-                                        </p:tgtEl>
-                                        <p:attrNameLst>
-                                          <p:attrName>style.visibility</p:attrName>
-                                        </p:attrNameLst>
-                                      </p:cBhvr>
-                                      <p:to>
-                                        <p:strVal val="visible"/>
-                                      </p:to>
-                                    </p:set>
-                                    <p:animEffect transition="in" filter="fade">
-                                      <p:cBhvr>
-                                        <p:cTn id="27" dur="500"/>
-                                        <p:tgtEl>
-                                          <p:spTgt spid="3">
-                                            <p:txEl>
-                                              <p:pRg st="4" end="4"/>
-                                            </p:txEl>
-                                          </p:spTgt>
-                                        </p:tgtEl>
-                                      </p:cBhvr>
-                                    </p:animEffect>
-                                  </p:childTnLst>
-                                </p:cTn>
-                              </p:par>
-                            </p:childTnLst>
-                          </p:cTn>
-                        </p:par>
-                      </p:childTnLst>
-                    </p:cTn>
-                  </p:par>
-                </p:childTnLst>
-              </p:cTn>
-              <p:prevCondLst>
-                <p:cond evt="onPrev" delay="0">
-                  <p:tgtEl>
-                    <p:sldTgt/>
-                  </p:tgtEl>
-                </p:cond>
-              </p:prevCondLst>
-              <p:nextCondLst>
-                <p:cond evt="onNext" delay="0">
-                  <p:tgtEl>
-                    <p:sldTgt/>
-                  </p:tgtEl>
-                </p:cond>
-              </p:nextCondLst>
-            </p:seq>
-          </p:childTnLst>
-        </p:cTn>
-      </p:par>
-    </p:tnLst>
-    <p:bldLst>
-      <p:bldP spid="3" grpId="0" build="p"/>
-    </p:bldLst>
-  </p:timing>
-</p:sld>
-</file>
-
-<file path=ppt/slides/slide11.xml><?xml version="1.0" encoding="utf-8"?>
 <p:sld xmlns:a="http://schemas.openxmlformats.org/drawingml/2006/main" xmlns:r="http://schemas.openxmlformats.org/officeDocument/2006/relationships" xmlns:p="http://schemas.openxmlformats.org/presentationml/2006/main">
   <p:cSld>
     <p:spTree>
@@ -12735,7 +12263,7 @@
 </p:sld>
 </file>
 
-<file path=ppt/slides/slide12.xml><?xml version="1.0" encoding="utf-8"?>
+<file path=ppt/slides/slide11.xml><?xml version="1.0" encoding="utf-8"?>
 <p:sld xmlns:a="http://schemas.openxmlformats.org/drawingml/2006/main" xmlns:r="http://schemas.openxmlformats.org/officeDocument/2006/relationships" xmlns:p="http://schemas.openxmlformats.org/presentationml/2006/main">
   <p:cSld>
     <p:spTree>
@@ -13247,7 +12775,7 @@
 </p:sld>
 </file>
 
-<file path=ppt/slides/slide13.xml><?xml version="1.0" encoding="utf-8"?>
+<file path=ppt/slides/slide12.xml><?xml version="1.0" encoding="utf-8"?>
 <p:sld xmlns:a="http://schemas.openxmlformats.org/drawingml/2006/main" xmlns:r="http://schemas.openxmlformats.org/officeDocument/2006/relationships" xmlns:p="http://schemas.openxmlformats.org/presentationml/2006/main">
   <p:cSld>
     <p:spTree>
@@ -14183,7 +13711,7 @@
 </p:sld>
 </file>
 
-<file path=ppt/slides/slide14.xml><?xml version="1.0" encoding="utf-8"?>
+<file path=ppt/slides/slide13.xml><?xml version="1.0" encoding="utf-8"?>
 <p:sld xmlns:a="http://schemas.openxmlformats.org/drawingml/2006/main" xmlns:r="http://schemas.openxmlformats.org/officeDocument/2006/relationships" xmlns:p="http://schemas.openxmlformats.org/presentationml/2006/main">
   <p:cSld>
     <p:bg>
@@ -14216,7 +13744,7 @@
                 <a16:creationId xmlns:a16="http://schemas.microsoft.com/office/drawing/2014/main" id="{C0B27210-D0CA-4654-B3E3-9ABB4F178EA1}"/>
               </a:ext>
               <a:ext uri="{C183D7F6-B498-43B3-948B-1728B52AA6E4}">
-                <adec:decorative xmlns:adec="http://schemas.microsoft.com/office/drawing/2017/decorative" val="1"/>
+                <adec:decorative xmlns:adec="http://schemas.microsoft.com/office/drawing/2017/decorative" xmlns="" val="1"/>
               </a:ext>
             </a:extLst>
           </p:cNvPr>
@@ -14401,7 +13929,7 @@
                 <a16:creationId xmlns:a16="http://schemas.microsoft.com/office/drawing/2014/main" id="{1DB7C82F-AB7E-4F0C-B829-FA1B9C415180}"/>
               </a:ext>
               <a:ext uri="{C183D7F6-B498-43B3-948B-1728B52AA6E4}">
-                <adec:decorative xmlns:adec="http://schemas.microsoft.com/office/drawing/2017/decorative" val="1"/>
+                <adec:decorative xmlns:adec="http://schemas.microsoft.com/office/drawing/2017/decorative" xmlns="" val="1"/>
               </a:ext>
             </a:extLst>
           </p:cNvPr>
@@ -14568,7 +14096,7 @@
                 <a16:creationId xmlns:a16="http://schemas.microsoft.com/office/drawing/2014/main" id="{70B66945-4967-4040-926D-DCA44313CDAB}"/>
               </a:ext>
               <a:ext uri="{C183D7F6-B498-43B3-948B-1728B52AA6E4}">
-                <adec:decorative xmlns:adec="http://schemas.microsoft.com/office/drawing/2017/decorative" val="1"/>
+                <adec:decorative xmlns:adec="http://schemas.microsoft.com/office/drawing/2017/decorative" xmlns="" val="1"/>
               </a:ext>
             </a:extLst>
           </p:cNvPr>
@@ -14746,7 +14274,7 @@
                 <a14:useLocalDpi xmlns:a14="http://schemas.microsoft.com/office/drawing/2010/main" val="0"/>
               </a:ext>
               <a:ext uri="{837473B0-CC2E-450A-ABE3-18F120FF3D39}">
-                <a1611:picAttrSrcUrl xmlns:a1611="http://schemas.microsoft.com/office/drawing/2016/11/main" r:id="rId3"/>
+                <a1611:picAttrSrcUrl xmlns:a1611="http://schemas.microsoft.com/office/drawing/2016/11/main" xmlns="" r:id="rId3"/>
               </a:ext>
             </a:extLst>
           </a:blip>
@@ -14768,6 +14296,87 @@
     <p:extLst>
       <p:ext uri="{BB962C8B-B14F-4D97-AF65-F5344CB8AC3E}">
         <p14:creationId xmlns:p14="http://schemas.microsoft.com/office/powerpoint/2010/main" val="2757435673"/>
+      </p:ext>
+    </p:extLst>
+  </p:cSld>
+  <p:clrMapOvr>
+    <a:masterClrMapping/>
+  </p:clrMapOvr>
+</p:sld>
+</file>
+
+<file path=ppt/slides/slide14.xml><?xml version="1.0" encoding="utf-8"?>
+<p:sld xmlns:a="http://schemas.openxmlformats.org/drawingml/2006/main" xmlns:r="http://schemas.openxmlformats.org/officeDocument/2006/relationships" xmlns:p="http://schemas.openxmlformats.org/presentationml/2006/main">
+  <p:cSld>
+    <p:spTree>
+      <p:nvGrpSpPr>
+        <p:cNvPr id="1" name=""/>
+        <p:cNvGrpSpPr/>
+        <p:nvPr/>
+      </p:nvGrpSpPr>
+      <p:grpSpPr>
+        <a:xfrm>
+          <a:off x="0" y="0"/>
+          <a:ext cx="0" cy="0"/>
+          <a:chOff x="0" y="0"/>
+          <a:chExt cx="0" cy="0"/>
+        </a:xfrm>
+      </p:grpSpPr>
+      <p:sp>
+        <p:nvSpPr>
+          <p:cNvPr id="4" name="Rounded Rectangle 3"/>
+          <p:cNvSpPr/>
+          <p:nvPr/>
+        </p:nvSpPr>
+        <p:spPr>
+          <a:xfrm>
+            <a:off x="447675" y="876299"/>
+            <a:ext cx="11296650" cy="5591175"/>
+          </a:xfrm>
+          <a:prstGeom prst="roundRect">
+            <a:avLst>
+              <a:gd name="adj" fmla="val 2599"/>
+            </a:avLst>
+          </a:prstGeom>
+          <a:solidFill>
+            <a:schemeClr val="tx1">
+              <a:lumMod val="65000"/>
+              <a:lumOff val="35000"/>
+            </a:schemeClr>
+          </a:solidFill>
+        </p:spPr>
+        <p:style>
+          <a:lnRef idx="2">
+            <a:schemeClr val="accent1">
+              <a:shade val="50000"/>
+            </a:schemeClr>
+          </a:lnRef>
+          <a:fillRef idx="1">
+            <a:schemeClr val="accent1"/>
+          </a:fillRef>
+          <a:effectRef idx="0">
+            <a:schemeClr val="accent1"/>
+          </a:effectRef>
+          <a:fontRef idx="minor">
+            <a:schemeClr val="lt1"/>
+          </a:fontRef>
+        </p:style>
+        <p:txBody>
+          <a:bodyPr rtlCol="0" anchor="b"/>
+          <a:lstStyle/>
+          <a:p>
+            <a:pPr algn="ctr"/>
+            <a:r>
+              <a:rPr lang="en-US" sz="3600" dirty="0"/>
+              <a:t>Physical Server</a:t>
+            </a:r>
+          </a:p>
+        </p:txBody>
+      </p:sp>
+    </p:spTree>
+    <p:extLst>
+      <p:ext uri="{BB962C8B-B14F-4D97-AF65-F5344CB8AC3E}">
+        <p14:creationId xmlns:p14="http://schemas.microsoft.com/office/powerpoint/2010/main" val="3650986029"/>
       </p:ext>
     </p:extLst>
   </p:cSld>
@@ -14845,16 +14454,212 @@
           </a:p>
         </p:txBody>
       </p:sp>
+      <p:sp>
+        <p:nvSpPr>
+          <p:cNvPr id="10" name="Rectangle 9"/>
+          <p:cNvSpPr/>
+          <p:nvPr/>
+        </p:nvSpPr>
+        <p:spPr>
+          <a:xfrm>
+            <a:off x="590548" y="4486274"/>
+            <a:ext cx="2536827" cy="1352551"/>
+          </a:xfrm>
+          <a:prstGeom prst="rect">
+            <a:avLst/>
+          </a:prstGeom>
+          <a:solidFill>
+            <a:srgbClr val="0070C0"/>
+          </a:solidFill>
+        </p:spPr>
+        <p:style>
+          <a:lnRef idx="2">
+            <a:schemeClr val="accent1">
+              <a:shade val="50000"/>
+            </a:schemeClr>
+          </a:lnRef>
+          <a:fillRef idx="1">
+            <a:schemeClr val="accent1"/>
+          </a:fillRef>
+          <a:effectRef idx="0">
+            <a:schemeClr val="accent1"/>
+          </a:effectRef>
+          <a:fontRef idx="minor">
+            <a:schemeClr val="lt1"/>
+          </a:fontRef>
+        </p:style>
+        <p:txBody>
+          <a:bodyPr rtlCol="0" anchor="ctr"/>
+          <a:lstStyle/>
+          <a:p>
+            <a:pPr algn="ctr"/>
+            <a:r>
+              <a:rPr lang="en-US" dirty="0"/>
+              <a:t>App</a:t>
+            </a:r>
+          </a:p>
+        </p:txBody>
+      </p:sp>
+      <p:sp>
+        <p:nvSpPr>
+          <p:cNvPr id="11" name="Rectangle 10"/>
+          <p:cNvSpPr/>
+          <p:nvPr/>
+        </p:nvSpPr>
+        <p:spPr>
+          <a:xfrm>
+            <a:off x="3410477" y="4486274"/>
+            <a:ext cx="2536827" cy="1352551"/>
+          </a:xfrm>
+          <a:prstGeom prst="rect">
+            <a:avLst/>
+          </a:prstGeom>
+          <a:solidFill>
+            <a:srgbClr val="0070C0"/>
+          </a:solidFill>
+        </p:spPr>
+        <p:style>
+          <a:lnRef idx="2">
+            <a:schemeClr val="accent1">
+              <a:shade val="50000"/>
+            </a:schemeClr>
+          </a:lnRef>
+          <a:fillRef idx="1">
+            <a:schemeClr val="accent1"/>
+          </a:fillRef>
+          <a:effectRef idx="0">
+            <a:schemeClr val="accent1"/>
+          </a:effectRef>
+          <a:fontRef idx="minor">
+            <a:schemeClr val="lt1"/>
+          </a:fontRef>
+        </p:style>
+        <p:txBody>
+          <a:bodyPr rtlCol="0" anchor="ctr"/>
+          <a:lstStyle/>
+          <a:p>
+            <a:pPr algn="ctr"/>
+            <a:r>
+              <a:rPr lang="en-US" dirty="0"/>
+              <a:t>App</a:t>
+            </a:r>
+          </a:p>
+        </p:txBody>
+      </p:sp>
+      <p:sp>
+        <p:nvSpPr>
+          <p:cNvPr id="12" name="Rectangle 11"/>
+          <p:cNvSpPr/>
+          <p:nvPr/>
+        </p:nvSpPr>
+        <p:spPr>
+          <a:xfrm>
+            <a:off x="6230406" y="4486274"/>
+            <a:ext cx="2536827" cy="1352551"/>
+          </a:xfrm>
+          <a:prstGeom prst="rect">
+            <a:avLst/>
+          </a:prstGeom>
+          <a:solidFill>
+            <a:srgbClr val="0070C0"/>
+          </a:solidFill>
+        </p:spPr>
+        <p:style>
+          <a:lnRef idx="2">
+            <a:schemeClr val="accent1">
+              <a:shade val="50000"/>
+            </a:schemeClr>
+          </a:lnRef>
+          <a:fillRef idx="1">
+            <a:schemeClr val="accent1"/>
+          </a:fillRef>
+          <a:effectRef idx="0">
+            <a:schemeClr val="accent1"/>
+          </a:effectRef>
+          <a:fontRef idx="minor">
+            <a:schemeClr val="lt1"/>
+          </a:fontRef>
+        </p:style>
+        <p:txBody>
+          <a:bodyPr rtlCol="0" anchor="ctr"/>
+          <a:lstStyle/>
+          <a:p>
+            <a:pPr algn="ctr"/>
+            <a:r>
+              <a:rPr lang="en-US" dirty="0"/>
+              <a:t>App</a:t>
+            </a:r>
+          </a:p>
+        </p:txBody>
+      </p:sp>
+      <p:sp>
+        <p:nvSpPr>
+          <p:cNvPr id="13" name="Rectangle 12"/>
+          <p:cNvSpPr/>
+          <p:nvPr/>
+        </p:nvSpPr>
+        <p:spPr>
+          <a:xfrm>
+            <a:off x="9050336" y="4486274"/>
+            <a:ext cx="2536827" cy="1352551"/>
+          </a:xfrm>
+          <a:prstGeom prst="rect">
+            <a:avLst/>
+          </a:prstGeom>
+          <a:solidFill>
+            <a:srgbClr val="0070C0"/>
+          </a:solidFill>
+        </p:spPr>
+        <p:style>
+          <a:lnRef idx="2">
+            <a:schemeClr val="accent1">
+              <a:shade val="50000"/>
+            </a:schemeClr>
+          </a:lnRef>
+          <a:fillRef idx="1">
+            <a:schemeClr val="accent1"/>
+          </a:fillRef>
+          <a:effectRef idx="0">
+            <a:schemeClr val="accent1"/>
+          </a:effectRef>
+          <a:fontRef idx="minor">
+            <a:schemeClr val="lt1"/>
+          </a:fontRef>
+        </p:style>
+        <p:txBody>
+          <a:bodyPr rtlCol="0" anchor="ctr"/>
+          <a:lstStyle/>
+          <a:p>
+            <a:pPr algn="ctr"/>
+            <a:r>
+              <a:rPr lang="en-US" dirty="0"/>
+              <a:t>App</a:t>
+            </a:r>
+          </a:p>
+        </p:txBody>
+      </p:sp>
     </p:spTree>
     <p:extLst>
       <p:ext uri="{BB962C8B-B14F-4D97-AF65-F5344CB8AC3E}">
-        <p14:creationId xmlns:p14="http://schemas.microsoft.com/office/powerpoint/2010/main" val="3650986029"/>
+        <p14:creationId xmlns:p14="http://schemas.microsoft.com/office/powerpoint/2010/main" val="2507490874"/>
       </p:ext>
     </p:extLst>
   </p:cSld>
   <p:clrMapOvr>
     <a:masterClrMapping/>
   </p:clrMapOvr>
+  <mc:AlternateContent xmlns:mc="http://schemas.openxmlformats.org/markup-compatibility/2006" xmlns:p159="http://schemas.microsoft.com/office/powerpoint/2015/09/main">
+    <mc:Choice Requires="p159">
+      <p:transition xmlns:p14="http://schemas.microsoft.com/office/powerpoint/2010/main" spd="slow" p14:dur="2000">
+        <p159:morph option="byObject"/>
+      </p:transition>
+    </mc:Choice>
+    <mc:Fallback xmlns="">
+      <p:transition spd="slow">
+        <p:fade/>
+      </p:transition>
+    </mc:Fallback>
+  </mc:AlternateContent>
 </p:sld>
 </file>
 
@@ -14928,283 +14733,6 @@
       </p:sp>
       <p:sp>
         <p:nvSpPr>
-          <p:cNvPr id="10" name="Rectangle 9"/>
-          <p:cNvSpPr/>
-          <p:nvPr/>
-        </p:nvSpPr>
-        <p:spPr>
-          <a:xfrm>
-            <a:off x="590548" y="4486274"/>
-            <a:ext cx="2536827" cy="1352551"/>
-          </a:xfrm>
-          <a:prstGeom prst="rect">
-            <a:avLst/>
-          </a:prstGeom>
-          <a:solidFill>
-            <a:srgbClr val="0070C0"/>
-          </a:solidFill>
-        </p:spPr>
-        <p:style>
-          <a:lnRef idx="2">
-            <a:schemeClr val="accent1">
-              <a:shade val="50000"/>
-            </a:schemeClr>
-          </a:lnRef>
-          <a:fillRef idx="1">
-            <a:schemeClr val="accent1"/>
-          </a:fillRef>
-          <a:effectRef idx="0">
-            <a:schemeClr val="accent1"/>
-          </a:effectRef>
-          <a:fontRef idx="minor">
-            <a:schemeClr val="lt1"/>
-          </a:fontRef>
-        </p:style>
-        <p:txBody>
-          <a:bodyPr rtlCol="0" anchor="ctr"/>
-          <a:lstStyle/>
-          <a:p>
-            <a:pPr algn="ctr"/>
-            <a:r>
-              <a:rPr lang="en-US" dirty="0"/>
-              <a:t>App</a:t>
-            </a:r>
-          </a:p>
-        </p:txBody>
-      </p:sp>
-      <p:sp>
-        <p:nvSpPr>
-          <p:cNvPr id="11" name="Rectangle 10"/>
-          <p:cNvSpPr/>
-          <p:nvPr/>
-        </p:nvSpPr>
-        <p:spPr>
-          <a:xfrm>
-            <a:off x="3410477" y="4486274"/>
-            <a:ext cx="2536827" cy="1352551"/>
-          </a:xfrm>
-          <a:prstGeom prst="rect">
-            <a:avLst/>
-          </a:prstGeom>
-          <a:solidFill>
-            <a:srgbClr val="0070C0"/>
-          </a:solidFill>
-        </p:spPr>
-        <p:style>
-          <a:lnRef idx="2">
-            <a:schemeClr val="accent1">
-              <a:shade val="50000"/>
-            </a:schemeClr>
-          </a:lnRef>
-          <a:fillRef idx="1">
-            <a:schemeClr val="accent1"/>
-          </a:fillRef>
-          <a:effectRef idx="0">
-            <a:schemeClr val="accent1"/>
-          </a:effectRef>
-          <a:fontRef idx="minor">
-            <a:schemeClr val="lt1"/>
-          </a:fontRef>
-        </p:style>
-        <p:txBody>
-          <a:bodyPr rtlCol="0" anchor="ctr"/>
-          <a:lstStyle/>
-          <a:p>
-            <a:pPr algn="ctr"/>
-            <a:r>
-              <a:rPr lang="en-US" dirty="0"/>
-              <a:t>App</a:t>
-            </a:r>
-          </a:p>
-        </p:txBody>
-      </p:sp>
-      <p:sp>
-        <p:nvSpPr>
-          <p:cNvPr id="12" name="Rectangle 11"/>
-          <p:cNvSpPr/>
-          <p:nvPr/>
-        </p:nvSpPr>
-        <p:spPr>
-          <a:xfrm>
-            <a:off x="6230406" y="4486274"/>
-            <a:ext cx="2536827" cy="1352551"/>
-          </a:xfrm>
-          <a:prstGeom prst="rect">
-            <a:avLst/>
-          </a:prstGeom>
-          <a:solidFill>
-            <a:srgbClr val="0070C0"/>
-          </a:solidFill>
-        </p:spPr>
-        <p:style>
-          <a:lnRef idx="2">
-            <a:schemeClr val="accent1">
-              <a:shade val="50000"/>
-            </a:schemeClr>
-          </a:lnRef>
-          <a:fillRef idx="1">
-            <a:schemeClr val="accent1"/>
-          </a:fillRef>
-          <a:effectRef idx="0">
-            <a:schemeClr val="accent1"/>
-          </a:effectRef>
-          <a:fontRef idx="minor">
-            <a:schemeClr val="lt1"/>
-          </a:fontRef>
-        </p:style>
-        <p:txBody>
-          <a:bodyPr rtlCol="0" anchor="ctr"/>
-          <a:lstStyle/>
-          <a:p>
-            <a:pPr algn="ctr"/>
-            <a:r>
-              <a:rPr lang="en-US" dirty="0"/>
-              <a:t>App</a:t>
-            </a:r>
-          </a:p>
-        </p:txBody>
-      </p:sp>
-      <p:sp>
-        <p:nvSpPr>
-          <p:cNvPr id="13" name="Rectangle 12"/>
-          <p:cNvSpPr/>
-          <p:nvPr/>
-        </p:nvSpPr>
-        <p:spPr>
-          <a:xfrm>
-            <a:off x="9050336" y="4486274"/>
-            <a:ext cx="2536827" cy="1352551"/>
-          </a:xfrm>
-          <a:prstGeom prst="rect">
-            <a:avLst/>
-          </a:prstGeom>
-          <a:solidFill>
-            <a:srgbClr val="0070C0"/>
-          </a:solidFill>
-        </p:spPr>
-        <p:style>
-          <a:lnRef idx="2">
-            <a:schemeClr val="accent1">
-              <a:shade val="50000"/>
-            </a:schemeClr>
-          </a:lnRef>
-          <a:fillRef idx="1">
-            <a:schemeClr val="accent1"/>
-          </a:fillRef>
-          <a:effectRef idx="0">
-            <a:schemeClr val="accent1"/>
-          </a:effectRef>
-          <a:fontRef idx="minor">
-            <a:schemeClr val="lt1"/>
-          </a:fontRef>
-        </p:style>
-        <p:txBody>
-          <a:bodyPr rtlCol="0" anchor="ctr"/>
-          <a:lstStyle/>
-          <a:p>
-            <a:pPr algn="ctr"/>
-            <a:r>
-              <a:rPr lang="en-US" dirty="0"/>
-              <a:t>App</a:t>
-            </a:r>
-          </a:p>
-        </p:txBody>
-      </p:sp>
-    </p:spTree>
-    <p:extLst>
-      <p:ext uri="{BB962C8B-B14F-4D97-AF65-F5344CB8AC3E}">
-        <p14:creationId xmlns:p14="http://schemas.microsoft.com/office/powerpoint/2010/main" val="2507490874"/>
-      </p:ext>
-    </p:extLst>
-  </p:cSld>
-  <p:clrMapOvr>
-    <a:masterClrMapping/>
-  </p:clrMapOvr>
-  <mc:AlternateContent xmlns:mc="http://schemas.openxmlformats.org/markup-compatibility/2006" xmlns:p159="http://schemas.microsoft.com/office/powerpoint/2015/09/main">
-    <mc:Choice Requires="p159">
-      <p:transition xmlns:p14="http://schemas.microsoft.com/office/powerpoint/2010/main" spd="slow" p14:dur="2000">
-        <p159:morph option="byObject"/>
-      </p:transition>
-    </mc:Choice>
-    <mc:Fallback xmlns="">
-      <p:transition spd="slow">
-        <p:fade/>
-      </p:transition>
-    </mc:Fallback>
-  </mc:AlternateContent>
-</p:sld>
-</file>
-
-<file path=ppt/slides/slide17.xml><?xml version="1.0" encoding="utf-8"?>
-<p:sld xmlns:a="http://schemas.openxmlformats.org/drawingml/2006/main" xmlns:r="http://schemas.openxmlformats.org/officeDocument/2006/relationships" xmlns:p="http://schemas.openxmlformats.org/presentationml/2006/main">
-  <p:cSld>
-    <p:spTree>
-      <p:nvGrpSpPr>
-        <p:cNvPr id="1" name=""/>
-        <p:cNvGrpSpPr/>
-        <p:nvPr/>
-      </p:nvGrpSpPr>
-      <p:grpSpPr>
-        <a:xfrm>
-          <a:off x="0" y="0"/>
-          <a:ext cx="0" cy="0"/>
-          <a:chOff x="0" y="0"/>
-          <a:chExt cx="0" cy="0"/>
-        </a:xfrm>
-      </p:grpSpPr>
-      <p:sp>
-        <p:nvSpPr>
-          <p:cNvPr id="4" name="Rounded Rectangle 3"/>
-          <p:cNvSpPr/>
-          <p:nvPr/>
-        </p:nvSpPr>
-        <p:spPr>
-          <a:xfrm>
-            <a:off x="447675" y="876299"/>
-            <a:ext cx="11296650" cy="5591175"/>
-          </a:xfrm>
-          <a:prstGeom prst="roundRect">
-            <a:avLst>
-              <a:gd name="adj" fmla="val 2599"/>
-            </a:avLst>
-          </a:prstGeom>
-          <a:solidFill>
-            <a:schemeClr val="tx1">
-              <a:lumMod val="65000"/>
-              <a:lumOff val="35000"/>
-            </a:schemeClr>
-          </a:solidFill>
-        </p:spPr>
-        <p:style>
-          <a:lnRef idx="2">
-            <a:schemeClr val="accent1">
-              <a:shade val="50000"/>
-            </a:schemeClr>
-          </a:lnRef>
-          <a:fillRef idx="1">
-            <a:schemeClr val="accent1"/>
-          </a:fillRef>
-          <a:effectRef idx="0">
-            <a:schemeClr val="accent1"/>
-          </a:effectRef>
-          <a:fontRef idx="minor">
-            <a:schemeClr val="lt1"/>
-          </a:fontRef>
-        </p:style>
-        <p:txBody>
-          <a:bodyPr rtlCol="0" anchor="b"/>
-          <a:lstStyle/>
-          <a:p>
-            <a:pPr algn="ctr"/>
-            <a:r>
-              <a:rPr lang="en-US" sz="3600" dirty="0"/>
-              <a:t>Physical Server</a:t>
-            </a:r>
-          </a:p>
-        </p:txBody>
-      </p:sp>
-      <p:sp>
-        <p:nvSpPr>
           <p:cNvPr id="5" name="Rectangle 4"/>
           <p:cNvSpPr/>
           <p:nvPr/>
@@ -15459,7 +14987,7 @@
 </p:sld>
 </file>
 
-<file path=ppt/slides/slide18.xml><?xml version="1.0" encoding="utf-8"?>
+<file path=ppt/slides/slide17.xml><?xml version="1.0" encoding="utf-8"?>
 <p:sld xmlns:a="http://schemas.openxmlformats.org/drawingml/2006/main" xmlns:r="http://schemas.openxmlformats.org/officeDocument/2006/relationships" xmlns:p="http://schemas.openxmlformats.org/presentationml/2006/main">
   <p:cSld>
     <p:spTree>
@@ -17395,7 +16923,7 @@
 </p:sld>
 </file>
 
-<file path=ppt/slides/slide19.xml><?xml version="1.0" encoding="utf-8"?>
+<file path=ppt/slides/slide18.xml><?xml version="1.0" encoding="utf-8"?>
 <p:sld xmlns:a="http://schemas.openxmlformats.org/drawingml/2006/main" xmlns:r="http://schemas.openxmlformats.org/officeDocument/2006/relationships" xmlns:p="http://schemas.openxmlformats.org/presentationml/2006/main">
   <p:cSld>
     <p:spTree>
@@ -19331,93 +18859,7 @@
 </p:sld>
 </file>
 
-<file path=ppt/slides/slide2.xml><?xml version="1.0" encoding="utf-8"?>
-<p:sld xmlns:a="http://schemas.openxmlformats.org/drawingml/2006/main" xmlns:r="http://schemas.openxmlformats.org/officeDocument/2006/relationships" xmlns:p="http://schemas.openxmlformats.org/presentationml/2006/main">
-  <p:cSld>
-    <p:spTree>
-      <p:nvGrpSpPr>
-        <p:cNvPr id="1" name=""/>
-        <p:cNvGrpSpPr/>
-        <p:nvPr/>
-      </p:nvGrpSpPr>
-      <p:grpSpPr>
-        <a:xfrm>
-          <a:off x="0" y="0"/>
-          <a:ext cx="0" cy="0"/>
-          <a:chOff x="0" y="0"/>
-          <a:chExt cx="0" cy="0"/>
-        </a:xfrm>
-      </p:grpSpPr>
-      <p:sp>
-        <p:nvSpPr>
-          <p:cNvPr id="2" name="Title 1">
-            <a:extLst>
-              <a:ext uri="{FF2B5EF4-FFF2-40B4-BE49-F238E27FC236}">
-                <a16:creationId xmlns:a16="http://schemas.microsoft.com/office/drawing/2014/main" id="{AD0EF887-B521-4A7D-B159-25C51A913FFC}"/>
-              </a:ext>
-            </a:extLst>
-          </p:cNvPr>
-          <p:cNvSpPr>
-            <a:spLocks noGrp="1"/>
-          </p:cNvSpPr>
-          <p:nvPr>
-            <p:ph type="title"/>
-          </p:nvPr>
-        </p:nvSpPr>
-        <p:spPr/>
-        <p:txBody>
-          <a:bodyPr/>
-          <a:lstStyle/>
-          <a:p>
-            <a:r>
-              <a:rPr lang="en-US" dirty="0"/>
-              <a:t>Presentation Overview</a:t>
-            </a:r>
-          </a:p>
-        </p:txBody>
-      </p:sp>
-      <p:sp>
-        <p:nvSpPr>
-          <p:cNvPr id="3" name="Text Placeholder 2">
-            <a:extLst>
-              <a:ext uri="{FF2B5EF4-FFF2-40B4-BE49-F238E27FC236}">
-                <a16:creationId xmlns:a16="http://schemas.microsoft.com/office/drawing/2014/main" id="{40F93536-9D2E-4485-A099-5ABD38646551}"/>
-              </a:ext>
-            </a:extLst>
-          </p:cNvPr>
-          <p:cNvSpPr>
-            <a:spLocks noGrp="1"/>
-          </p:cNvSpPr>
-          <p:nvPr>
-            <p:ph type="body" idx="1"/>
-          </p:nvPr>
-        </p:nvSpPr>
-        <p:spPr/>
-        <p:txBody>
-          <a:bodyPr/>
-          <a:lstStyle/>
-          <a:p>
-            <a:r>
-              <a:rPr lang="en-US" dirty="0"/>
-              <a:t>Where I tell you what I’m going to tell you.</a:t>
-            </a:r>
-          </a:p>
-        </p:txBody>
-      </p:sp>
-    </p:spTree>
-    <p:extLst>
-      <p:ext uri="{BB962C8B-B14F-4D97-AF65-F5344CB8AC3E}">
-        <p14:creationId xmlns:p14="http://schemas.microsoft.com/office/powerpoint/2010/main" val="2853623997"/>
-      </p:ext>
-    </p:extLst>
-  </p:cSld>
-  <p:clrMapOvr>
-    <a:masterClrMapping/>
-  </p:clrMapOvr>
-</p:sld>
-</file>
-
-<file path=ppt/slides/slide20.xml><?xml version="1.0" encoding="utf-8"?>
+<file path=ppt/slides/slide19.xml><?xml version="1.0" encoding="utf-8"?>
 <p:sld xmlns:a="http://schemas.openxmlformats.org/drawingml/2006/main" xmlns:r="http://schemas.openxmlformats.org/officeDocument/2006/relationships" xmlns:p="http://schemas.openxmlformats.org/presentationml/2006/main">
   <p:cSld>
     <p:spTree>
@@ -21405,7 +20847,93 @@
 </p:sld>
 </file>
 
-<file path=ppt/slides/slide21.xml><?xml version="1.0" encoding="utf-8"?>
+<file path=ppt/slides/slide2.xml><?xml version="1.0" encoding="utf-8"?>
+<p:sld xmlns:a="http://schemas.openxmlformats.org/drawingml/2006/main" xmlns:r="http://schemas.openxmlformats.org/officeDocument/2006/relationships" xmlns:p="http://schemas.openxmlformats.org/presentationml/2006/main">
+  <p:cSld>
+    <p:spTree>
+      <p:nvGrpSpPr>
+        <p:cNvPr id="1" name=""/>
+        <p:cNvGrpSpPr/>
+        <p:nvPr/>
+      </p:nvGrpSpPr>
+      <p:grpSpPr>
+        <a:xfrm>
+          <a:off x="0" y="0"/>
+          <a:ext cx="0" cy="0"/>
+          <a:chOff x="0" y="0"/>
+          <a:chExt cx="0" cy="0"/>
+        </a:xfrm>
+      </p:grpSpPr>
+      <p:sp>
+        <p:nvSpPr>
+          <p:cNvPr id="2" name="Title 1">
+            <a:extLst>
+              <a:ext uri="{FF2B5EF4-FFF2-40B4-BE49-F238E27FC236}">
+                <a16:creationId xmlns:a16="http://schemas.microsoft.com/office/drawing/2014/main" id="{AD0EF887-B521-4A7D-B159-25C51A913FFC}"/>
+              </a:ext>
+            </a:extLst>
+          </p:cNvPr>
+          <p:cNvSpPr>
+            <a:spLocks noGrp="1"/>
+          </p:cNvSpPr>
+          <p:nvPr>
+            <p:ph type="title"/>
+          </p:nvPr>
+        </p:nvSpPr>
+        <p:spPr/>
+        <p:txBody>
+          <a:bodyPr/>
+          <a:lstStyle/>
+          <a:p>
+            <a:r>
+              <a:rPr lang="en-US" dirty="0"/>
+              <a:t>Presentation Overview</a:t>
+            </a:r>
+          </a:p>
+        </p:txBody>
+      </p:sp>
+      <p:sp>
+        <p:nvSpPr>
+          <p:cNvPr id="3" name="Text Placeholder 2">
+            <a:extLst>
+              <a:ext uri="{FF2B5EF4-FFF2-40B4-BE49-F238E27FC236}">
+                <a16:creationId xmlns:a16="http://schemas.microsoft.com/office/drawing/2014/main" id="{40F93536-9D2E-4485-A099-5ABD38646551}"/>
+              </a:ext>
+            </a:extLst>
+          </p:cNvPr>
+          <p:cNvSpPr>
+            <a:spLocks noGrp="1"/>
+          </p:cNvSpPr>
+          <p:nvPr>
+            <p:ph type="body" idx="1"/>
+          </p:nvPr>
+        </p:nvSpPr>
+        <p:spPr/>
+        <p:txBody>
+          <a:bodyPr/>
+          <a:lstStyle/>
+          <a:p>
+            <a:r>
+              <a:rPr lang="en-US" dirty="0"/>
+              <a:t>Where I tell you what I’m going to tell you.</a:t>
+            </a:r>
+          </a:p>
+        </p:txBody>
+      </p:sp>
+    </p:spTree>
+    <p:extLst>
+      <p:ext uri="{BB962C8B-B14F-4D97-AF65-F5344CB8AC3E}">
+        <p14:creationId xmlns:p14="http://schemas.microsoft.com/office/powerpoint/2010/main" val="2853623997"/>
+      </p:ext>
+    </p:extLst>
+  </p:cSld>
+  <p:clrMapOvr>
+    <a:masterClrMapping/>
+  </p:clrMapOvr>
+</p:sld>
+</file>
+
+<file path=ppt/slides/slide20.xml><?xml version="1.0" encoding="utf-8"?>
 <p:sld xmlns:a="http://schemas.openxmlformats.org/drawingml/2006/main" xmlns:r="http://schemas.openxmlformats.org/officeDocument/2006/relationships" xmlns:p="http://schemas.openxmlformats.org/presentationml/2006/main">
   <p:cSld>
     <p:spTree>
@@ -24344,7 +23872,7 @@
 </p:sld>
 </file>
 
-<file path=ppt/slides/slide22.xml><?xml version="1.0" encoding="utf-8"?>
+<file path=ppt/slides/slide21.xml><?xml version="1.0" encoding="utf-8"?>
 <p:sld xmlns:a="http://schemas.openxmlformats.org/drawingml/2006/main" xmlns:r="http://schemas.openxmlformats.org/officeDocument/2006/relationships" xmlns:p="http://schemas.openxmlformats.org/presentationml/2006/main">
   <p:cSld>
     <p:spTree>
@@ -24430,7 +23958,7 @@
 </p:sld>
 </file>
 
-<file path=ppt/slides/slide23.xml><?xml version="1.0" encoding="utf-8"?>
+<file path=ppt/slides/slide22.xml><?xml version="1.0" encoding="utf-8"?>
 <p:sld xmlns:a="http://schemas.openxmlformats.org/drawingml/2006/main" xmlns:r="http://schemas.openxmlformats.org/officeDocument/2006/relationships" xmlns:p="http://schemas.openxmlformats.org/presentationml/2006/main">
   <p:cSld>
     <p:spTree>
@@ -25126,7 +24654,7 @@
 </p:sld>
 </file>
 
-<file path=ppt/slides/slide24.xml><?xml version="1.0" encoding="utf-8"?>
+<file path=ppt/slides/slide23.xml><?xml version="1.0" encoding="utf-8"?>
 <p:sld xmlns:a="http://schemas.openxmlformats.org/drawingml/2006/main" xmlns:r="http://schemas.openxmlformats.org/officeDocument/2006/relationships" xmlns:p="http://schemas.openxmlformats.org/presentationml/2006/main">
   <p:cSld>
     <p:spTree>
@@ -25455,7 +24983,7 @@
 </p:sld>
 </file>
 
-<file path=ppt/slides/slide25.xml><?xml version="1.0" encoding="utf-8"?>
+<file path=ppt/slides/slide24.xml><?xml version="1.0" encoding="utf-8"?>
 <p:sld xmlns:a="http://schemas.openxmlformats.org/drawingml/2006/main" xmlns:r="http://schemas.openxmlformats.org/officeDocument/2006/relationships" xmlns:p="http://schemas.openxmlformats.org/presentationml/2006/main">
   <p:cSld>
     <p:spTree>
@@ -26007,7 +25535,7 @@
 </p:sld>
 </file>
 
-<file path=ppt/slides/slide26.xml><?xml version="1.0" encoding="utf-8"?>
+<file path=ppt/slides/slide25.xml><?xml version="1.0" encoding="utf-8"?>
 <p:sld xmlns:a="http://schemas.openxmlformats.org/drawingml/2006/main" xmlns:r="http://schemas.openxmlformats.org/officeDocument/2006/relationships" xmlns:p="http://schemas.openxmlformats.org/presentationml/2006/main">
   <p:cSld>
     <p:spTree>
@@ -26730,7 +26258,7 @@
 </p:sld>
 </file>
 
-<file path=ppt/slides/slide27.xml><?xml version="1.0" encoding="utf-8"?>
+<file path=ppt/slides/slide26.xml><?xml version="1.0" encoding="utf-8"?>
 <p:sld xmlns:a="http://schemas.openxmlformats.org/drawingml/2006/main" xmlns:r="http://schemas.openxmlformats.org/officeDocument/2006/relationships" xmlns:p="http://schemas.openxmlformats.org/presentationml/2006/main">
   <p:cSld>
     <p:spTree>
@@ -27404,7 +26932,7 @@
 </p:sld>
 </file>
 
-<file path=ppt/slides/slide28.xml><?xml version="1.0" encoding="utf-8"?>
+<file path=ppt/slides/slide27.xml><?xml version="1.0" encoding="utf-8"?>
 <p:sld xmlns:a="http://schemas.openxmlformats.org/drawingml/2006/main" xmlns:r="http://schemas.openxmlformats.org/officeDocument/2006/relationships" xmlns:p="http://schemas.openxmlformats.org/presentationml/2006/main">
   <p:cSld>
     <p:spTree>
@@ -27835,7 +27363,7 @@
 </p:sld>
 </file>
 
-<file path=ppt/slides/slide29.xml><?xml version="1.0" encoding="utf-8"?>
+<file path=ppt/slides/slide28.xml><?xml version="1.0" encoding="utf-8"?>
 <p:sld xmlns:a="http://schemas.openxmlformats.org/drawingml/2006/main" xmlns:r="http://schemas.openxmlformats.org/officeDocument/2006/relationships" xmlns:p="http://schemas.openxmlformats.org/presentationml/2006/main">
   <p:cSld>
     <p:spTree>
@@ -28650,6 +28178,571 @@
 </p:sld>
 </file>
 
+<file path=ppt/slides/slide29.xml><?xml version="1.0" encoding="utf-8"?>
+<p:sld xmlns:a="http://schemas.openxmlformats.org/drawingml/2006/main" xmlns:r="http://schemas.openxmlformats.org/officeDocument/2006/relationships" xmlns:p="http://schemas.openxmlformats.org/presentationml/2006/main">
+  <p:cSld>
+    <p:spTree>
+      <p:nvGrpSpPr>
+        <p:cNvPr id="1" name=""/>
+        <p:cNvGrpSpPr/>
+        <p:nvPr/>
+      </p:nvGrpSpPr>
+      <p:grpSpPr>
+        <a:xfrm>
+          <a:off x="0" y="0"/>
+          <a:ext cx="0" cy="0"/>
+          <a:chOff x="0" y="0"/>
+          <a:chExt cx="0" cy="0"/>
+        </a:xfrm>
+      </p:grpSpPr>
+      <p:sp>
+        <p:nvSpPr>
+          <p:cNvPr id="2" name="Title 1">
+            <a:extLst>
+              <a:ext uri="{FF2B5EF4-FFF2-40B4-BE49-F238E27FC236}">
+                <a16:creationId xmlns:a16="http://schemas.microsoft.com/office/drawing/2014/main" id="{26AFA8D6-8CF9-4D6D-AC30-A5504074897A}"/>
+              </a:ext>
+            </a:extLst>
+          </p:cNvPr>
+          <p:cNvSpPr>
+            <a:spLocks noGrp="1"/>
+          </p:cNvSpPr>
+          <p:nvPr>
+            <p:ph type="title"/>
+          </p:nvPr>
+        </p:nvSpPr>
+        <p:spPr/>
+        <p:txBody>
+          <a:bodyPr/>
+          <a:lstStyle/>
+          <a:p>
+            <a:pPr>
+              <a:lnSpc>
+                <a:spcPct val="200000"/>
+              </a:lnSpc>
+            </a:pPr>
+            <a:r>
+              <a:rPr lang="en-US" dirty="0"/>
+              <a:t>Containers and Operations</a:t>
+            </a:r>
+          </a:p>
+        </p:txBody>
+      </p:sp>
+      <p:sp>
+        <p:nvSpPr>
+          <p:cNvPr id="3" name="Content Placeholder 2">
+            <a:extLst>
+              <a:ext uri="{FF2B5EF4-FFF2-40B4-BE49-F238E27FC236}">
+                <a16:creationId xmlns:a16="http://schemas.microsoft.com/office/drawing/2014/main" id="{51892F45-8456-4EAF-BC73-F78EF9921B1C}"/>
+              </a:ext>
+            </a:extLst>
+          </p:cNvPr>
+          <p:cNvSpPr>
+            <a:spLocks noGrp="1"/>
+          </p:cNvSpPr>
+          <p:nvPr>
+            <p:ph idx="1"/>
+          </p:nvPr>
+        </p:nvSpPr>
+        <p:spPr>
+          <a:xfrm>
+            <a:off x="581192" y="2180496"/>
+            <a:ext cx="11029615" cy="4161938"/>
+          </a:xfrm>
+        </p:spPr>
+        <p:txBody>
+          <a:bodyPr>
+            <a:normAutofit/>
+          </a:bodyPr>
+          <a:lstStyle/>
+          <a:p>
+            <a:pPr>
+              <a:lnSpc>
+                <a:spcPct val="200000"/>
+              </a:lnSpc>
+            </a:pPr>
+            <a:r>
+              <a:rPr lang="en-US" dirty="0"/>
+              <a:t>Reduced infrastructure cost</a:t>
+            </a:r>
+          </a:p>
+          <a:p>
+            <a:pPr>
+              <a:lnSpc>
+                <a:spcPct val="200000"/>
+              </a:lnSpc>
+            </a:pPr>
+            <a:r>
+              <a:rPr lang="en-US" dirty="0"/>
+              <a:t>Tight control of container images</a:t>
+            </a:r>
+          </a:p>
+          <a:p>
+            <a:pPr>
+              <a:lnSpc>
+                <a:spcPct val="200000"/>
+              </a:lnSpc>
+            </a:pPr>
+            <a:r>
+              <a:rPr lang="en-US" dirty="0"/>
+              <a:t>Security auditing</a:t>
+            </a:r>
+          </a:p>
+          <a:p>
+            <a:pPr>
+              <a:lnSpc>
+                <a:spcPct val="200000"/>
+              </a:lnSpc>
+            </a:pPr>
+            <a:r>
+              <a:rPr lang="en-US" dirty="0"/>
+              <a:t>Required certification of applications</a:t>
+            </a:r>
+          </a:p>
+          <a:p>
+            <a:pPr>
+              <a:lnSpc>
+                <a:spcPct val="200000"/>
+              </a:lnSpc>
+            </a:pPr>
+            <a:r>
+              <a:rPr lang="en-US" dirty="0"/>
+              <a:t>Excellent tools for automatic scaling</a:t>
+            </a:r>
+          </a:p>
+          <a:p>
+            <a:pPr>
+              <a:lnSpc>
+                <a:spcPct val="200000"/>
+              </a:lnSpc>
+            </a:pPr>
+            <a:r>
+              <a:rPr lang="en-US" dirty="0"/>
+              <a:t>Reduced maintenance burden</a:t>
+            </a:r>
+          </a:p>
+          <a:p>
+            <a:pPr>
+              <a:lnSpc>
+                <a:spcPct val="200000"/>
+              </a:lnSpc>
+            </a:pPr>
+            <a:endParaRPr lang="en-US" dirty="0"/>
+          </a:p>
+        </p:txBody>
+      </p:sp>
+    </p:spTree>
+    <p:extLst>
+      <p:ext uri="{BB962C8B-B14F-4D97-AF65-F5344CB8AC3E}">
+        <p14:creationId xmlns:p14="http://schemas.microsoft.com/office/powerpoint/2010/main" val="3648727292"/>
+      </p:ext>
+    </p:extLst>
+  </p:cSld>
+  <p:clrMapOvr>
+    <a:masterClrMapping/>
+  </p:clrMapOvr>
+  <p:timing>
+    <p:tnLst>
+      <p:par>
+        <p:cTn id="1" dur="indefinite" restart="never" nodeType="tmRoot">
+          <p:childTnLst>
+            <p:seq concurrent="1" nextAc="seek">
+              <p:cTn id="2" dur="indefinite" nodeType="mainSeq">
+                <p:childTnLst>
+                  <p:par>
+                    <p:cTn id="3" fill="hold">
+                      <p:stCondLst>
+                        <p:cond delay="indefinite"/>
+                      </p:stCondLst>
+                      <p:childTnLst>
+                        <p:par>
+                          <p:cTn id="4" fill="hold">
+                            <p:stCondLst>
+                              <p:cond delay="0"/>
+                            </p:stCondLst>
+                            <p:childTnLst>
+                              <p:par>
+                                <p:cTn id="5" presetID="10" presetClass="entr" presetSubtype="0" fill="hold" grpId="0" nodeType="clickEffect">
+                                  <p:stCondLst>
+                                    <p:cond delay="0"/>
+                                  </p:stCondLst>
+                                  <p:childTnLst>
+                                    <p:set>
+                                      <p:cBhvr>
+                                        <p:cTn id="6" dur="1" fill="hold">
+                                          <p:stCondLst>
+                                            <p:cond delay="0"/>
+                                          </p:stCondLst>
+                                        </p:cTn>
+                                        <p:tgtEl>
+                                          <p:spTgt spid="3">
+                                            <p:txEl>
+                                              <p:pRg st="0" end="0"/>
+                                            </p:txEl>
+                                          </p:spTgt>
+                                        </p:tgtEl>
+                                        <p:attrNameLst>
+                                          <p:attrName>style.visibility</p:attrName>
+                                        </p:attrNameLst>
+                                      </p:cBhvr>
+                                      <p:to>
+                                        <p:strVal val="visible"/>
+                                      </p:to>
+                                    </p:set>
+                                    <p:animEffect transition="in" filter="fade">
+                                      <p:cBhvr>
+                                        <p:cTn id="7" dur="500"/>
+                                        <p:tgtEl>
+                                          <p:spTgt spid="3">
+                                            <p:txEl>
+                                              <p:pRg st="0" end="0"/>
+                                            </p:txEl>
+                                          </p:spTgt>
+                                        </p:tgtEl>
+                                      </p:cBhvr>
+                                    </p:animEffect>
+                                  </p:childTnLst>
+                                </p:cTn>
+                              </p:par>
+                            </p:childTnLst>
+                          </p:cTn>
+                        </p:par>
+                      </p:childTnLst>
+                    </p:cTn>
+                  </p:par>
+                  <p:par>
+                    <p:cTn id="8" fill="hold">
+                      <p:stCondLst>
+                        <p:cond delay="indefinite"/>
+                      </p:stCondLst>
+                      <p:childTnLst>
+                        <p:par>
+                          <p:cTn id="9" fill="hold">
+                            <p:stCondLst>
+                              <p:cond delay="0"/>
+                            </p:stCondLst>
+                            <p:childTnLst>
+                              <p:par>
+                                <p:cTn id="10" presetID="10" presetClass="entr" presetSubtype="0" fill="hold" grpId="0" nodeType="clickEffect">
+                                  <p:stCondLst>
+                                    <p:cond delay="0"/>
+                                  </p:stCondLst>
+                                  <p:childTnLst>
+                                    <p:set>
+                                      <p:cBhvr>
+                                        <p:cTn id="11" dur="1" fill="hold">
+                                          <p:stCondLst>
+                                            <p:cond delay="0"/>
+                                          </p:stCondLst>
+                                        </p:cTn>
+                                        <p:tgtEl>
+                                          <p:spTgt spid="3">
+                                            <p:txEl>
+                                              <p:pRg st="1" end="1"/>
+                                            </p:txEl>
+                                          </p:spTgt>
+                                        </p:tgtEl>
+                                        <p:attrNameLst>
+                                          <p:attrName>style.visibility</p:attrName>
+                                        </p:attrNameLst>
+                                      </p:cBhvr>
+                                      <p:to>
+                                        <p:strVal val="visible"/>
+                                      </p:to>
+                                    </p:set>
+                                    <p:animEffect transition="in" filter="fade">
+                                      <p:cBhvr>
+                                        <p:cTn id="12" dur="500"/>
+                                        <p:tgtEl>
+                                          <p:spTgt spid="3">
+                                            <p:txEl>
+                                              <p:pRg st="1" end="1"/>
+                                            </p:txEl>
+                                          </p:spTgt>
+                                        </p:tgtEl>
+                                      </p:cBhvr>
+                                    </p:animEffect>
+                                  </p:childTnLst>
+                                </p:cTn>
+                              </p:par>
+                            </p:childTnLst>
+                          </p:cTn>
+                        </p:par>
+                      </p:childTnLst>
+                    </p:cTn>
+                  </p:par>
+                  <p:par>
+                    <p:cTn id="13" fill="hold">
+                      <p:stCondLst>
+                        <p:cond delay="indefinite"/>
+                      </p:stCondLst>
+                      <p:childTnLst>
+                        <p:par>
+                          <p:cTn id="14" fill="hold">
+                            <p:stCondLst>
+                              <p:cond delay="0"/>
+                            </p:stCondLst>
+                            <p:childTnLst>
+                              <p:par>
+                                <p:cTn id="15" presetID="10" presetClass="entr" presetSubtype="0" fill="hold" grpId="0" nodeType="clickEffect">
+                                  <p:stCondLst>
+                                    <p:cond delay="0"/>
+                                  </p:stCondLst>
+                                  <p:childTnLst>
+                                    <p:set>
+                                      <p:cBhvr>
+                                        <p:cTn id="16" dur="1" fill="hold">
+                                          <p:stCondLst>
+                                            <p:cond delay="0"/>
+                                          </p:stCondLst>
+                                        </p:cTn>
+                                        <p:tgtEl>
+                                          <p:spTgt spid="3">
+                                            <p:txEl>
+                                              <p:pRg st="2" end="2"/>
+                                            </p:txEl>
+                                          </p:spTgt>
+                                        </p:tgtEl>
+                                        <p:attrNameLst>
+                                          <p:attrName>style.visibility</p:attrName>
+                                        </p:attrNameLst>
+                                      </p:cBhvr>
+                                      <p:to>
+                                        <p:strVal val="visible"/>
+                                      </p:to>
+                                    </p:set>
+                                    <p:animEffect transition="in" filter="fade">
+                                      <p:cBhvr>
+                                        <p:cTn id="17" dur="500"/>
+                                        <p:tgtEl>
+                                          <p:spTgt spid="3">
+                                            <p:txEl>
+                                              <p:pRg st="2" end="2"/>
+                                            </p:txEl>
+                                          </p:spTgt>
+                                        </p:tgtEl>
+                                      </p:cBhvr>
+                                    </p:animEffect>
+                                  </p:childTnLst>
+                                </p:cTn>
+                              </p:par>
+                            </p:childTnLst>
+                          </p:cTn>
+                        </p:par>
+                      </p:childTnLst>
+                    </p:cTn>
+                  </p:par>
+                  <p:par>
+                    <p:cTn id="18" fill="hold">
+                      <p:stCondLst>
+                        <p:cond delay="indefinite"/>
+                      </p:stCondLst>
+                      <p:childTnLst>
+                        <p:par>
+                          <p:cTn id="19" fill="hold">
+                            <p:stCondLst>
+                              <p:cond delay="0"/>
+                            </p:stCondLst>
+                            <p:childTnLst>
+                              <p:par>
+                                <p:cTn id="20" presetID="10" presetClass="entr" presetSubtype="0" fill="hold" grpId="0" nodeType="clickEffect">
+                                  <p:stCondLst>
+                                    <p:cond delay="0"/>
+                                  </p:stCondLst>
+                                  <p:childTnLst>
+                                    <p:set>
+                                      <p:cBhvr>
+                                        <p:cTn id="21" dur="1" fill="hold">
+                                          <p:stCondLst>
+                                            <p:cond delay="0"/>
+                                          </p:stCondLst>
+                                        </p:cTn>
+                                        <p:tgtEl>
+                                          <p:spTgt spid="3">
+                                            <p:txEl>
+                                              <p:pRg st="3" end="3"/>
+                                            </p:txEl>
+                                          </p:spTgt>
+                                        </p:tgtEl>
+                                        <p:attrNameLst>
+                                          <p:attrName>style.visibility</p:attrName>
+                                        </p:attrNameLst>
+                                      </p:cBhvr>
+                                      <p:to>
+                                        <p:strVal val="visible"/>
+                                      </p:to>
+                                    </p:set>
+                                    <p:animEffect transition="in" filter="fade">
+                                      <p:cBhvr>
+                                        <p:cTn id="22" dur="500"/>
+                                        <p:tgtEl>
+                                          <p:spTgt spid="3">
+                                            <p:txEl>
+                                              <p:pRg st="3" end="3"/>
+                                            </p:txEl>
+                                          </p:spTgt>
+                                        </p:tgtEl>
+                                      </p:cBhvr>
+                                    </p:animEffect>
+                                  </p:childTnLst>
+                                </p:cTn>
+                              </p:par>
+                            </p:childTnLst>
+                          </p:cTn>
+                        </p:par>
+                      </p:childTnLst>
+                    </p:cTn>
+                  </p:par>
+                  <p:par>
+                    <p:cTn id="23" fill="hold">
+                      <p:stCondLst>
+                        <p:cond delay="indefinite"/>
+                      </p:stCondLst>
+                      <p:childTnLst>
+                        <p:par>
+                          <p:cTn id="24" fill="hold">
+                            <p:stCondLst>
+                              <p:cond delay="0"/>
+                            </p:stCondLst>
+                            <p:childTnLst>
+                              <p:par>
+                                <p:cTn id="25" presetID="10" presetClass="entr" presetSubtype="0" fill="hold" grpId="0" nodeType="clickEffect">
+                                  <p:stCondLst>
+                                    <p:cond delay="0"/>
+                                  </p:stCondLst>
+                                  <p:childTnLst>
+                                    <p:set>
+                                      <p:cBhvr>
+                                        <p:cTn id="26" dur="1" fill="hold">
+                                          <p:stCondLst>
+                                            <p:cond delay="0"/>
+                                          </p:stCondLst>
+                                        </p:cTn>
+                                        <p:tgtEl>
+                                          <p:spTgt spid="3">
+                                            <p:txEl>
+                                              <p:pRg st="4" end="4"/>
+                                            </p:txEl>
+                                          </p:spTgt>
+                                        </p:tgtEl>
+                                        <p:attrNameLst>
+                                          <p:attrName>style.visibility</p:attrName>
+                                        </p:attrNameLst>
+                                      </p:cBhvr>
+                                      <p:to>
+                                        <p:strVal val="visible"/>
+                                      </p:to>
+                                    </p:set>
+                                    <p:animEffect transition="in" filter="fade">
+                                      <p:cBhvr>
+                                        <p:cTn id="27" dur="500"/>
+                                        <p:tgtEl>
+                                          <p:spTgt spid="3">
+                                            <p:txEl>
+                                              <p:pRg st="4" end="4"/>
+                                            </p:txEl>
+                                          </p:spTgt>
+                                        </p:tgtEl>
+                                      </p:cBhvr>
+                                    </p:animEffect>
+                                  </p:childTnLst>
+                                </p:cTn>
+                              </p:par>
+                            </p:childTnLst>
+                          </p:cTn>
+                        </p:par>
+                      </p:childTnLst>
+                    </p:cTn>
+                  </p:par>
+                  <p:par>
+                    <p:cTn id="28" fill="hold">
+                      <p:stCondLst>
+                        <p:cond delay="indefinite"/>
+                      </p:stCondLst>
+                      <p:childTnLst>
+                        <p:par>
+                          <p:cTn id="29" fill="hold">
+                            <p:stCondLst>
+                              <p:cond delay="0"/>
+                            </p:stCondLst>
+                            <p:childTnLst>
+                              <p:par>
+                                <p:cTn id="30" presetID="10" presetClass="entr" presetSubtype="0" fill="hold" grpId="0" nodeType="clickEffect">
+                                  <p:stCondLst>
+                                    <p:cond delay="0"/>
+                                  </p:stCondLst>
+                                  <p:childTnLst>
+                                    <p:set>
+                                      <p:cBhvr>
+                                        <p:cTn id="31" dur="1" fill="hold">
+                                          <p:stCondLst>
+                                            <p:cond delay="0"/>
+                                          </p:stCondLst>
+                                        </p:cTn>
+                                        <p:tgtEl>
+                                          <p:spTgt spid="3">
+                                            <p:txEl>
+                                              <p:pRg st="5" end="5"/>
+                                            </p:txEl>
+                                          </p:spTgt>
+                                        </p:tgtEl>
+                                        <p:attrNameLst>
+                                          <p:attrName>style.visibility</p:attrName>
+                                        </p:attrNameLst>
+                                      </p:cBhvr>
+                                      <p:to>
+                                        <p:strVal val="visible"/>
+                                      </p:to>
+                                    </p:set>
+                                    <p:animEffect transition="in" filter="fade">
+                                      <p:cBhvr>
+                                        <p:cTn id="32" dur="500"/>
+                                        <p:tgtEl>
+                                          <p:spTgt spid="3">
+                                            <p:txEl>
+                                              <p:pRg st="5" end="5"/>
+                                            </p:txEl>
+                                          </p:spTgt>
+                                        </p:tgtEl>
+                                      </p:cBhvr>
+                                    </p:animEffect>
+                                  </p:childTnLst>
+                                </p:cTn>
+                              </p:par>
+                            </p:childTnLst>
+                          </p:cTn>
+                        </p:par>
+                      </p:childTnLst>
+                    </p:cTn>
+                  </p:par>
+                </p:childTnLst>
+              </p:cTn>
+              <p:prevCondLst>
+                <p:cond evt="onPrev" delay="0">
+                  <p:tgtEl>
+                    <p:sldTgt/>
+                  </p:tgtEl>
+                </p:cond>
+              </p:prevCondLst>
+              <p:nextCondLst>
+                <p:cond evt="onNext" delay="0">
+                  <p:tgtEl>
+                    <p:sldTgt/>
+                  </p:tgtEl>
+                </p:cond>
+              </p:nextCondLst>
+            </p:seq>
+          </p:childTnLst>
+        </p:cTn>
+      </p:par>
+    </p:tnLst>
+    <p:bldLst>
+      <p:bldP spid="3" grpId="0" build="p"/>
+    </p:bldLst>
+  </p:timing>
+</p:sld>
+</file>
+
 <file path=ppt/slides/slide3.xml><?xml version="1.0" encoding="utf-8"?>
 <p:sld xmlns:a="http://schemas.openxmlformats.org/drawingml/2006/main" xmlns:r="http://schemas.openxmlformats.org/officeDocument/2006/relationships" xmlns:p="http://schemas.openxmlformats.org/presentationml/2006/main">
   <p:cSld>
@@ -28714,7 +28807,7 @@
         <p:spPr/>
         <p:txBody>
           <a:bodyPr>
-            <a:normAutofit fontScale="85000" lnSpcReduction="20000"/>
+            <a:normAutofit fontScale="77500" lnSpcReduction="20000"/>
           </a:bodyPr>
           <a:lstStyle/>
           <a:p>
@@ -29291,571 +29384,6 @@
           <p:cNvPr id="2" name="Title 1">
             <a:extLst>
               <a:ext uri="{FF2B5EF4-FFF2-40B4-BE49-F238E27FC236}">
-                <a16:creationId xmlns:a16="http://schemas.microsoft.com/office/drawing/2014/main" id="{26AFA8D6-8CF9-4D6D-AC30-A5504074897A}"/>
-              </a:ext>
-            </a:extLst>
-          </p:cNvPr>
-          <p:cNvSpPr>
-            <a:spLocks noGrp="1"/>
-          </p:cNvSpPr>
-          <p:nvPr>
-            <p:ph type="title"/>
-          </p:nvPr>
-        </p:nvSpPr>
-        <p:spPr/>
-        <p:txBody>
-          <a:bodyPr/>
-          <a:lstStyle/>
-          <a:p>
-            <a:pPr>
-              <a:lnSpc>
-                <a:spcPct val="200000"/>
-              </a:lnSpc>
-            </a:pPr>
-            <a:r>
-              <a:rPr lang="en-US" dirty="0"/>
-              <a:t>Containers and Operations</a:t>
-            </a:r>
-          </a:p>
-        </p:txBody>
-      </p:sp>
-      <p:sp>
-        <p:nvSpPr>
-          <p:cNvPr id="3" name="Content Placeholder 2">
-            <a:extLst>
-              <a:ext uri="{FF2B5EF4-FFF2-40B4-BE49-F238E27FC236}">
-                <a16:creationId xmlns:a16="http://schemas.microsoft.com/office/drawing/2014/main" id="{51892F45-8456-4EAF-BC73-F78EF9921B1C}"/>
-              </a:ext>
-            </a:extLst>
-          </p:cNvPr>
-          <p:cNvSpPr>
-            <a:spLocks noGrp="1"/>
-          </p:cNvSpPr>
-          <p:nvPr>
-            <p:ph idx="1"/>
-          </p:nvPr>
-        </p:nvSpPr>
-        <p:spPr>
-          <a:xfrm>
-            <a:off x="581192" y="2180496"/>
-            <a:ext cx="11029615" cy="4161938"/>
-          </a:xfrm>
-        </p:spPr>
-        <p:txBody>
-          <a:bodyPr>
-            <a:normAutofit/>
-          </a:bodyPr>
-          <a:lstStyle/>
-          <a:p>
-            <a:pPr>
-              <a:lnSpc>
-                <a:spcPct val="200000"/>
-              </a:lnSpc>
-            </a:pPr>
-            <a:r>
-              <a:rPr lang="en-US" dirty="0"/>
-              <a:t>Reduced infrastructure cost</a:t>
-            </a:r>
-          </a:p>
-          <a:p>
-            <a:pPr>
-              <a:lnSpc>
-                <a:spcPct val="200000"/>
-              </a:lnSpc>
-            </a:pPr>
-            <a:r>
-              <a:rPr lang="en-US" dirty="0"/>
-              <a:t>Tight control of container images</a:t>
-            </a:r>
-          </a:p>
-          <a:p>
-            <a:pPr>
-              <a:lnSpc>
-                <a:spcPct val="200000"/>
-              </a:lnSpc>
-            </a:pPr>
-            <a:r>
-              <a:rPr lang="en-US" dirty="0"/>
-              <a:t>Security auditing</a:t>
-            </a:r>
-          </a:p>
-          <a:p>
-            <a:pPr>
-              <a:lnSpc>
-                <a:spcPct val="200000"/>
-              </a:lnSpc>
-            </a:pPr>
-            <a:r>
-              <a:rPr lang="en-US" dirty="0"/>
-              <a:t>Required certification of applications</a:t>
-            </a:r>
-          </a:p>
-          <a:p>
-            <a:pPr>
-              <a:lnSpc>
-                <a:spcPct val="200000"/>
-              </a:lnSpc>
-            </a:pPr>
-            <a:r>
-              <a:rPr lang="en-US" dirty="0"/>
-              <a:t>Excellent tools for automatic scaling</a:t>
-            </a:r>
-          </a:p>
-          <a:p>
-            <a:pPr>
-              <a:lnSpc>
-                <a:spcPct val="200000"/>
-              </a:lnSpc>
-            </a:pPr>
-            <a:r>
-              <a:rPr lang="en-US" dirty="0"/>
-              <a:t>Reduced maintenance burden</a:t>
-            </a:r>
-          </a:p>
-          <a:p>
-            <a:pPr>
-              <a:lnSpc>
-                <a:spcPct val="200000"/>
-              </a:lnSpc>
-            </a:pPr>
-            <a:endParaRPr lang="en-US" dirty="0"/>
-          </a:p>
-        </p:txBody>
-      </p:sp>
-    </p:spTree>
-    <p:extLst>
-      <p:ext uri="{BB962C8B-B14F-4D97-AF65-F5344CB8AC3E}">
-        <p14:creationId xmlns:p14="http://schemas.microsoft.com/office/powerpoint/2010/main" val="3648727292"/>
-      </p:ext>
-    </p:extLst>
-  </p:cSld>
-  <p:clrMapOvr>
-    <a:masterClrMapping/>
-  </p:clrMapOvr>
-  <p:timing>
-    <p:tnLst>
-      <p:par>
-        <p:cTn id="1" dur="indefinite" restart="never" nodeType="tmRoot">
-          <p:childTnLst>
-            <p:seq concurrent="1" nextAc="seek">
-              <p:cTn id="2" dur="indefinite" nodeType="mainSeq">
-                <p:childTnLst>
-                  <p:par>
-                    <p:cTn id="3" fill="hold">
-                      <p:stCondLst>
-                        <p:cond delay="indefinite"/>
-                      </p:stCondLst>
-                      <p:childTnLst>
-                        <p:par>
-                          <p:cTn id="4" fill="hold">
-                            <p:stCondLst>
-                              <p:cond delay="0"/>
-                            </p:stCondLst>
-                            <p:childTnLst>
-                              <p:par>
-                                <p:cTn id="5" presetID="10" presetClass="entr" presetSubtype="0" fill="hold" grpId="0" nodeType="clickEffect">
-                                  <p:stCondLst>
-                                    <p:cond delay="0"/>
-                                  </p:stCondLst>
-                                  <p:childTnLst>
-                                    <p:set>
-                                      <p:cBhvr>
-                                        <p:cTn id="6" dur="1" fill="hold">
-                                          <p:stCondLst>
-                                            <p:cond delay="0"/>
-                                          </p:stCondLst>
-                                        </p:cTn>
-                                        <p:tgtEl>
-                                          <p:spTgt spid="3">
-                                            <p:txEl>
-                                              <p:pRg st="0" end="0"/>
-                                            </p:txEl>
-                                          </p:spTgt>
-                                        </p:tgtEl>
-                                        <p:attrNameLst>
-                                          <p:attrName>style.visibility</p:attrName>
-                                        </p:attrNameLst>
-                                      </p:cBhvr>
-                                      <p:to>
-                                        <p:strVal val="visible"/>
-                                      </p:to>
-                                    </p:set>
-                                    <p:animEffect transition="in" filter="fade">
-                                      <p:cBhvr>
-                                        <p:cTn id="7" dur="500"/>
-                                        <p:tgtEl>
-                                          <p:spTgt spid="3">
-                                            <p:txEl>
-                                              <p:pRg st="0" end="0"/>
-                                            </p:txEl>
-                                          </p:spTgt>
-                                        </p:tgtEl>
-                                      </p:cBhvr>
-                                    </p:animEffect>
-                                  </p:childTnLst>
-                                </p:cTn>
-                              </p:par>
-                            </p:childTnLst>
-                          </p:cTn>
-                        </p:par>
-                      </p:childTnLst>
-                    </p:cTn>
-                  </p:par>
-                  <p:par>
-                    <p:cTn id="8" fill="hold">
-                      <p:stCondLst>
-                        <p:cond delay="indefinite"/>
-                      </p:stCondLst>
-                      <p:childTnLst>
-                        <p:par>
-                          <p:cTn id="9" fill="hold">
-                            <p:stCondLst>
-                              <p:cond delay="0"/>
-                            </p:stCondLst>
-                            <p:childTnLst>
-                              <p:par>
-                                <p:cTn id="10" presetID="10" presetClass="entr" presetSubtype="0" fill="hold" grpId="0" nodeType="clickEffect">
-                                  <p:stCondLst>
-                                    <p:cond delay="0"/>
-                                  </p:stCondLst>
-                                  <p:childTnLst>
-                                    <p:set>
-                                      <p:cBhvr>
-                                        <p:cTn id="11" dur="1" fill="hold">
-                                          <p:stCondLst>
-                                            <p:cond delay="0"/>
-                                          </p:stCondLst>
-                                        </p:cTn>
-                                        <p:tgtEl>
-                                          <p:spTgt spid="3">
-                                            <p:txEl>
-                                              <p:pRg st="1" end="1"/>
-                                            </p:txEl>
-                                          </p:spTgt>
-                                        </p:tgtEl>
-                                        <p:attrNameLst>
-                                          <p:attrName>style.visibility</p:attrName>
-                                        </p:attrNameLst>
-                                      </p:cBhvr>
-                                      <p:to>
-                                        <p:strVal val="visible"/>
-                                      </p:to>
-                                    </p:set>
-                                    <p:animEffect transition="in" filter="fade">
-                                      <p:cBhvr>
-                                        <p:cTn id="12" dur="500"/>
-                                        <p:tgtEl>
-                                          <p:spTgt spid="3">
-                                            <p:txEl>
-                                              <p:pRg st="1" end="1"/>
-                                            </p:txEl>
-                                          </p:spTgt>
-                                        </p:tgtEl>
-                                      </p:cBhvr>
-                                    </p:animEffect>
-                                  </p:childTnLst>
-                                </p:cTn>
-                              </p:par>
-                            </p:childTnLst>
-                          </p:cTn>
-                        </p:par>
-                      </p:childTnLst>
-                    </p:cTn>
-                  </p:par>
-                  <p:par>
-                    <p:cTn id="13" fill="hold">
-                      <p:stCondLst>
-                        <p:cond delay="indefinite"/>
-                      </p:stCondLst>
-                      <p:childTnLst>
-                        <p:par>
-                          <p:cTn id="14" fill="hold">
-                            <p:stCondLst>
-                              <p:cond delay="0"/>
-                            </p:stCondLst>
-                            <p:childTnLst>
-                              <p:par>
-                                <p:cTn id="15" presetID="10" presetClass="entr" presetSubtype="0" fill="hold" grpId="0" nodeType="clickEffect">
-                                  <p:stCondLst>
-                                    <p:cond delay="0"/>
-                                  </p:stCondLst>
-                                  <p:childTnLst>
-                                    <p:set>
-                                      <p:cBhvr>
-                                        <p:cTn id="16" dur="1" fill="hold">
-                                          <p:stCondLst>
-                                            <p:cond delay="0"/>
-                                          </p:stCondLst>
-                                        </p:cTn>
-                                        <p:tgtEl>
-                                          <p:spTgt spid="3">
-                                            <p:txEl>
-                                              <p:pRg st="2" end="2"/>
-                                            </p:txEl>
-                                          </p:spTgt>
-                                        </p:tgtEl>
-                                        <p:attrNameLst>
-                                          <p:attrName>style.visibility</p:attrName>
-                                        </p:attrNameLst>
-                                      </p:cBhvr>
-                                      <p:to>
-                                        <p:strVal val="visible"/>
-                                      </p:to>
-                                    </p:set>
-                                    <p:animEffect transition="in" filter="fade">
-                                      <p:cBhvr>
-                                        <p:cTn id="17" dur="500"/>
-                                        <p:tgtEl>
-                                          <p:spTgt spid="3">
-                                            <p:txEl>
-                                              <p:pRg st="2" end="2"/>
-                                            </p:txEl>
-                                          </p:spTgt>
-                                        </p:tgtEl>
-                                      </p:cBhvr>
-                                    </p:animEffect>
-                                  </p:childTnLst>
-                                </p:cTn>
-                              </p:par>
-                            </p:childTnLst>
-                          </p:cTn>
-                        </p:par>
-                      </p:childTnLst>
-                    </p:cTn>
-                  </p:par>
-                  <p:par>
-                    <p:cTn id="18" fill="hold">
-                      <p:stCondLst>
-                        <p:cond delay="indefinite"/>
-                      </p:stCondLst>
-                      <p:childTnLst>
-                        <p:par>
-                          <p:cTn id="19" fill="hold">
-                            <p:stCondLst>
-                              <p:cond delay="0"/>
-                            </p:stCondLst>
-                            <p:childTnLst>
-                              <p:par>
-                                <p:cTn id="20" presetID="10" presetClass="entr" presetSubtype="0" fill="hold" grpId="0" nodeType="clickEffect">
-                                  <p:stCondLst>
-                                    <p:cond delay="0"/>
-                                  </p:stCondLst>
-                                  <p:childTnLst>
-                                    <p:set>
-                                      <p:cBhvr>
-                                        <p:cTn id="21" dur="1" fill="hold">
-                                          <p:stCondLst>
-                                            <p:cond delay="0"/>
-                                          </p:stCondLst>
-                                        </p:cTn>
-                                        <p:tgtEl>
-                                          <p:spTgt spid="3">
-                                            <p:txEl>
-                                              <p:pRg st="3" end="3"/>
-                                            </p:txEl>
-                                          </p:spTgt>
-                                        </p:tgtEl>
-                                        <p:attrNameLst>
-                                          <p:attrName>style.visibility</p:attrName>
-                                        </p:attrNameLst>
-                                      </p:cBhvr>
-                                      <p:to>
-                                        <p:strVal val="visible"/>
-                                      </p:to>
-                                    </p:set>
-                                    <p:animEffect transition="in" filter="fade">
-                                      <p:cBhvr>
-                                        <p:cTn id="22" dur="500"/>
-                                        <p:tgtEl>
-                                          <p:spTgt spid="3">
-                                            <p:txEl>
-                                              <p:pRg st="3" end="3"/>
-                                            </p:txEl>
-                                          </p:spTgt>
-                                        </p:tgtEl>
-                                      </p:cBhvr>
-                                    </p:animEffect>
-                                  </p:childTnLst>
-                                </p:cTn>
-                              </p:par>
-                            </p:childTnLst>
-                          </p:cTn>
-                        </p:par>
-                      </p:childTnLst>
-                    </p:cTn>
-                  </p:par>
-                  <p:par>
-                    <p:cTn id="23" fill="hold">
-                      <p:stCondLst>
-                        <p:cond delay="indefinite"/>
-                      </p:stCondLst>
-                      <p:childTnLst>
-                        <p:par>
-                          <p:cTn id="24" fill="hold">
-                            <p:stCondLst>
-                              <p:cond delay="0"/>
-                            </p:stCondLst>
-                            <p:childTnLst>
-                              <p:par>
-                                <p:cTn id="25" presetID="10" presetClass="entr" presetSubtype="0" fill="hold" grpId="0" nodeType="clickEffect">
-                                  <p:stCondLst>
-                                    <p:cond delay="0"/>
-                                  </p:stCondLst>
-                                  <p:childTnLst>
-                                    <p:set>
-                                      <p:cBhvr>
-                                        <p:cTn id="26" dur="1" fill="hold">
-                                          <p:stCondLst>
-                                            <p:cond delay="0"/>
-                                          </p:stCondLst>
-                                        </p:cTn>
-                                        <p:tgtEl>
-                                          <p:spTgt spid="3">
-                                            <p:txEl>
-                                              <p:pRg st="4" end="4"/>
-                                            </p:txEl>
-                                          </p:spTgt>
-                                        </p:tgtEl>
-                                        <p:attrNameLst>
-                                          <p:attrName>style.visibility</p:attrName>
-                                        </p:attrNameLst>
-                                      </p:cBhvr>
-                                      <p:to>
-                                        <p:strVal val="visible"/>
-                                      </p:to>
-                                    </p:set>
-                                    <p:animEffect transition="in" filter="fade">
-                                      <p:cBhvr>
-                                        <p:cTn id="27" dur="500"/>
-                                        <p:tgtEl>
-                                          <p:spTgt spid="3">
-                                            <p:txEl>
-                                              <p:pRg st="4" end="4"/>
-                                            </p:txEl>
-                                          </p:spTgt>
-                                        </p:tgtEl>
-                                      </p:cBhvr>
-                                    </p:animEffect>
-                                  </p:childTnLst>
-                                </p:cTn>
-                              </p:par>
-                            </p:childTnLst>
-                          </p:cTn>
-                        </p:par>
-                      </p:childTnLst>
-                    </p:cTn>
-                  </p:par>
-                  <p:par>
-                    <p:cTn id="28" fill="hold">
-                      <p:stCondLst>
-                        <p:cond delay="indefinite"/>
-                      </p:stCondLst>
-                      <p:childTnLst>
-                        <p:par>
-                          <p:cTn id="29" fill="hold">
-                            <p:stCondLst>
-                              <p:cond delay="0"/>
-                            </p:stCondLst>
-                            <p:childTnLst>
-                              <p:par>
-                                <p:cTn id="30" presetID="10" presetClass="entr" presetSubtype="0" fill="hold" grpId="0" nodeType="clickEffect">
-                                  <p:stCondLst>
-                                    <p:cond delay="0"/>
-                                  </p:stCondLst>
-                                  <p:childTnLst>
-                                    <p:set>
-                                      <p:cBhvr>
-                                        <p:cTn id="31" dur="1" fill="hold">
-                                          <p:stCondLst>
-                                            <p:cond delay="0"/>
-                                          </p:stCondLst>
-                                        </p:cTn>
-                                        <p:tgtEl>
-                                          <p:spTgt spid="3">
-                                            <p:txEl>
-                                              <p:pRg st="5" end="5"/>
-                                            </p:txEl>
-                                          </p:spTgt>
-                                        </p:tgtEl>
-                                        <p:attrNameLst>
-                                          <p:attrName>style.visibility</p:attrName>
-                                        </p:attrNameLst>
-                                      </p:cBhvr>
-                                      <p:to>
-                                        <p:strVal val="visible"/>
-                                      </p:to>
-                                    </p:set>
-                                    <p:animEffect transition="in" filter="fade">
-                                      <p:cBhvr>
-                                        <p:cTn id="32" dur="500"/>
-                                        <p:tgtEl>
-                                          <p:spTgt spid="3">
-                                            <p:txEl>
-                                              <p:pRg st="5" end="5"/>
-                                            </p:txEl>
-                                          </p:spTgt>
-                                        </p:tgtEl>
-                                      </p:cBhvr>
-                                    </p:animEffect>
-                                  </p:childTnLst>
-                                </p:cTn>
-                              </p:par>
-                            </p:childTnLst>
-                          </p:cTn>
-                        </p:par>
-                      </p:childTnLst>
-                    </p:cTn>
-                  </p:par>
-                </p:childTnLst>
-              </p:cTn>
-              <p:prevCondLst>
-                <p:cond evt="onPrev" delay="0">
-                  <p:tgtEl>
-                    <p:sldTgt/>
-                  </p:tgtEl>
-                </p:cond>
-              </p:prevCondLst>
-              <p:nextCondLst>
-                <p:cond evt="onNext" delay="0">
-                  <p:tgtEl>
-                    <p:sldTgt/>
-                  </p:tgtEl>
-                </p:cond>
-              </p:nextCondLst>
-            </p:seq>
-          </p:childTnLst>
-        </p:cTn>
-      </p:par>
-    </p:tnLst>
-    <p:bldLst>
-      <p:bldP spid="3" grpId="0" build="p"/>
-    </p:bldLst>
-  </p:timing>
-</p:sld>
-</file>
-
-<file path=ppt/slides/slide31.xml><?xml version="1.0" encoding="utf-8"?>
-<p:sld xmlns:a="http://schemas.openxmlformats.org/drawingml/2006/main" xmlns:r="http://schemas.openxmlformats.org/officeDocument/2006/relationships" xmlns:p="http://schemas.openxmlformats.org/presentationml/2006/main">
-  <p:cSld>
-    <p:spTree>
-      <p:nvGrpSpPr>
-        <p:cNvPr id="1" name=""/>
-        <p:cNvGrpSpPr/>
-        <p:nvPr/>
-      </p:nvGrpSpPr>
-      <p:grpSpPr>
-        <a:xfrm>
-          <a:off x="0" y="0"/>
-          <a:ext cx="0" cy="0"/>
-          <a:chOff x="0" y="0"/>
-          <a:chExt cx="0" cy="0"/>
-        </a:xfrm>
-      </p:grpSpPr>
-      <p:sp>
-        <p:nvSpPr>
-          <p:cNvPr id="2" name="Title 1">
-            <a:extLst>
-              <a:ext uri="{FF2B5EF4-FFF2-40B4-BE49-F238E27FC236}">
                 <a16:creationId xmlns:a16="http://schemas.microsoft.com/office/drawing/2014/main" id="{849F7CAF-26B9-4F39-9397-1EDAFA8E164F}"/>
               </a:ext>
             </a:extLst>
@@ -29908,7 +29436,7 @@
         </p:spPr>
         <p:txBody>
           <a:bodyPr>
-            <a:normAutofit lnSpcReduction="10000"/>
+            <a:normAutofit fontScale="92500"/>
           </a:bodyPr>
           <a:lstStyle/>
           <a:p>
@@ -30604,7 +30132,7 @@
 </p:sld>
 </file>
 
-<file path=ppt/slides/slide32.xml><?xml version="1.0" encoding="utf-8"?>
+<file path=ppt/slides/slide31.xml><?xml version="1.0" encoding="utf-8"?>
 <p:sld xmlns:a="http://schemas.openxmlformats.org/drawingml/2006/main" xmlns:r="http://schemas.openxmlformats.org/officeDocument/2006/relationships" xmlns:p="http://schemas.openxmlformats.org/presentationml/2006/main">
   <p:cSld>
     <p:spTree>
@@ -30690,7 +30218,7 @@
 </p:sld>
 </file>
 
-<file path=ppt/slides/slide33.xml><?xml version="1.0" encoding="utf-8"?>
+<file path=ppt/slides/slide32.xml><?xml version="1.0" encoding="utf-8"?>
 <p:sld xmlns:a="http://schemas.openxmlformats.org/drawingml/2006/main" xmlns:r="http://schemas.openxmlformats.org/officeDocument/2006/relationships" xmlns:p="http://schemas.openxmlformats.org/presentationml/2006/main">
   <p:cSld>
     <p:spTree>
@@ -30729,9 +30257,10 @@
           <a:lstStyle/>
           <a:p>
             <a:r>
-              <a:rPr lang="en-US" dirty="0"/>
-              <a:t>You Have An Awesome Staff!</a:t>
-            </a:r>
+              <a:rPr lang="en-US" dirty="0" smtClean="0"/>
+              <a:t>Stuff We Already Know How to Do…</a:t>
+            </a:r>
+            <a:endParaRPr lang="en-US" dirty="0"/>
           </a:p>
         </p:txBody>
       </p:sp>
@@ -30759,60 +30288,45 @@
           <a:lstStyle/>
           <a:p>
             <a:r>
+              <a:rPr lang="en-US" dirty="0" smtClean="0"/>
+              <a:t>Application </a:t>
+            </a:r>
+            <a:r>
               <a:rPr lang="en-US" dirty="0"/>
-              <a:t>I wanted to do a proof of concept for the developer story with docker…</a:t>
-            </a:r>
-          </a:p>
-          <a:p>
-            <a:r>
-              <a:rPr lang="en-US" dirty="0"/>
-              <a:t>These guys already know how to handle:</a:t>
-            </a:r>
-          </a:p>
-          <a:p>
-            <a:pPr lvl="1"/>
-            <a:r>
-              <a:rPr lang="en-US" dirty="0"/>
-              <a:t>Application monitoring</a:t>
-            </a:r>
-          </a:p>
-          <a:p>
-            <a:pPr lvl="1"/>
+              <a:t>monitoring</a:t>
+            </a:r>
+          </a:p>
+          <a:p>
             <a:r>
               <a:rPr lang="en-US" dirty="0"/>
               <a:t>Application isolation</a:t>
             </a:r>
           </a:p>
           <a:p>
-            <a:pPr lvl="1"/>
             <a:r>
               <a:rPr lang="en-US" dirty="0"/>
               <a:t>License auditing and control</a:t>
             </a:r>
           </a:p>
           <a:p>
-            <a:pPr lvl="1"/>
             <a:r>
               <a:rPr lang="en-US" dirty="0"/>
               <a:t>Patching and scheduling patches</a:t>
             </a:r>
           </a:p>
           <a:p>
-            <a:pPr lvl="1"/>
             <a:r>
               <a:rPr lang="en-US" dirty="0"/>
               <a:t>Disaster recovery</a:t>
             </a:r>
           </a:p>
           <a:p>
-            <a:pPr lvl="1"/>
             <a:r>
               <a:rPr lang="en-US" dirty="0"/>
               <a:t>Resource allocation</a:t>
             </a:r>
           </a:p>
           <a:p>
-            <a:pPr lvl="1"/>
             <a:r>
               <a:rPr lang="en-US" dirty="0" err="1"/>
               <a:t>Etc</a:t>
@@ -30823,7 +30337,6 @@
             </a:r>
           </a:p>
           <a:p>
-            <a:pPr lvl="1"/>
             <a:endParaRPr lang="en-US" dirty="0"/>
           </a:p>
         </p:txBody>
@@ -31273,128 +30786,6 @@
                       </p:childTnLst>
                     </p:cTn>
                   </p:par>
-                  <p:par>
-                    <p:cTn id="38" fill="hold">
-                      <p:stCondLst>
-                        <p:cond delay="indefinite"/>
-                      </p:stCondLst>
-                      <p:childTnLst>
-                        <p:par>
-                          <p:cTn id="39" fill="hold">
-                            <p:stCondLst>
-                              <p:cond delay="0"/>
-                            </p:stCondLst>
-                            <p:childTnLst>
-                              <p:par>
-                                <p:cTn id="40" presetID="10" presetClass="entr" presetSubtype="0" fill="hold" grpId="0" nodeType="clickEffect">
-                                  <p:stCondLst>
-                                    <p:cond delay="0"/>
-                                  </p:stCondLst>
-                                  <p:childTnLst>
-                                    <p:set>
-                                      <p:cBhvr>
-                                        <p:cTn id="41" dur="1" fill="hold">
-                                          <p:stCondLst>
-                                            <p:cond delay="0"/>
-                                          </p:stCondLst>
-                                        </p:cTn>
-                                        <p:tgtEl>
-                                          <p:spTgt spid="3">
-                                            <p:txEl>
-                                              <p:pRg st="7" end="7"/>
-                                            </p:txEl>
-                                          </p:spTgt>
-                                        </p:tgtEl>
-                                        <p:attrNameLst>
-                                          <p:attrName>style.visibility</p:attrName>
-                                        </p:attrNameLst>
-                                      </p:cBhvr>
-                                      <p:to>
-                                        <p:strVal val="visible"/>
-                                      </p:to>
-                                    </p:set>
-                                    <p:animEffect transition="in" filter="fade">
-                                      <p:cBhvr>
-                                        <p:cTn id="42" dur="500"/>
-                                        <p:tgtEl>
-                                          <p:spTgt spid="3">
-                                            <p:txEl>
-                                              <p:pRg st="7" end="7"/>
-                                            </p:txEl>
-                                          </p:spTgt>
-                                        </p:tgtEl>
-                                      </p:cBhvr>
-                                    </p:animEffect>
-                                  </p:childTnLst>
-                                </p:cTn>
-                              </p:par>
-                            </p:childTnLst>
-                          </p:cTn>
-                        </p:par>
-                      </p:childTnLst>
-                    </p:cTn>
-                  </p:par>
-                  <p:par>
-                    <p:cTn id="43" fill="hold">
-                      <p:stCondLst>
-                        <p:cond delay="indefinite"/>
-                      </p:stCondLst>
-                      <p:childTnLst>
-                        <p:par>
-                          <p:cTn id="44" fill="hold">
-                            <p:stCondLst>
-                              <p:cond delay="0"/>
-                            </p:stCondLst>
-                            <p:childTnLst>
-                              <p:par>
-                                <p:cTn id="45" presetID="10" presetClass="entr" presetSubtype="0" fill="hold" grpId="0" nodeType="clickEffect">
-                                  <p:stCondLst>
-                                    <p:cond delay="0"/>
-                                  </p:stCondLst>
-                                  <p:childTnLst>
-                                    <p:set>
-                                      <p:cBhvr>
-                                        <p:cTn id="46" dur="1" fill="hold">
-                                          <p:stCondLst>
-                                            <p:cond delay="0"/>
-                                          </p:stCondLst>
-                                        </p:cTn>
-                                        <p:tgtEl>
-                                          <p:spTgt spid="3">
-                                            <p:txEl>
-                                              <p:pRg st="8" end="8"/>
-                                            </p:txEl>
-                                          </p:spTgt>
-                                        </p:tgtEl>
-                                        <p:attrNameLst>
-                                          <p:attrName>style.visibility</p:attrName>
-                                        </p:attrNameLst>
-                                      </p:cBhvr>
-                                      <p:to>
-                                        <p:strVal val="visible"/>
-                                      </p:to>
-                                    </p:set>
-                                    <p:animEffect transition="in" filter="fade">
-                                      <p:cBhvr>
-                                        <p:cTn id="47" dur="500"/>
-                                        <p:tgtEl>
-                                          <p:spTgt spid="3">
-                                            <p:txEl>
-                                              <p:pRg st="8" end="8"/>
-                                            </p:txEl>
-                                          </p:spTgt>
-                                        </p:tgtEl>
-                                      </p:cBhvr>
-                                    </p:animEffect>
-                                  </p:childTnLst>
-                                </p:cTn>
-                              </p:par>
-                            </p:childTnLst>
-                          </p:cTn>
-                        </p:par>
-                      </p:childTnLst>
-                    </p:cTn>
-                  </p:par>
                 </p:childTnLst>
               </p:cTn>
               <p:prevCondLst>
@@ -31423,7 +30814,7 @@
 </p:sld>
 </file>
 
-<file path=ppt/slides/slide34.xml><?xml version="1.0" encoding="utf-8"?>
+<file path=ppt/slides/slide33.xml><?xml version="1.0" encoding="utf-8"?>
 <p:sld xmlns:a="http://schemas.openxmlformats.org/drawingml/2006/main" xmlns:r="http://schemas.openxmlformats.org/officeDocument/2006/relationships" xmlns:p="http://schemas.openxmlformats.org/presentationml/2006/main">
   <p:cSld>
     <p:spTree>
@@ -31987,7 +31378,7 @@
 </p:sld>
 </file>
 
-<file path=ppt/slides/slide35.xml><?xml version="1.0" encoding="utf-8"?>
+<file path=ppt/slides/slide34.xml><?xml version="1.0" encoding="utf-8"?>
 <p:sld xmlns:a="http://schemas.openxmlformats.org/drawingml/2006/main" xmlns:r="http://schemas.openxmlformats.org/officeDocument/2006/relationships" xmlns:p="http://schemas.openxmlformats.org/presentationml/2006/main">
   <p:cSld>
     <p:spTree>
@@ -32816,7 +32207,7 @@
 </p:sld>
 </file>
 
-<file path=ppt/slides/slide36.xml><?xml version="1.0" encoding="utf-8"?>
+<file path=ppt/slides/slide35.xml><?xml version="1.0" encoding="utf-8"?>
 <p:sld xmlns:a="http://schemas.openxmlformats.org/drawingml/2006/main" xmlns:r="http://schemas.openxmlformats.org/officeDocument/2006/relationships" xmlns:p="http://schemas.openxmlformats.org/presentationml/2006/main">
   <p:cSld>
     <p:spTree>
@@ -32902,7 +32293,7 @@
 </p:sld>
 </file>
 
-<file path=ppt/slides/slide37.xml><?xml version="1.0" encoding="utf-8"?>
+<file path=ppt/slides/slide36.xml><?xml version="1.0" encoding="utf-8"?>
 <p:sld xmlns:a="http://schemas.openxmlformats.org/drawingml/2006/main" xmlns:r="http://schemas.openxmlformats.org/officeDocument/2006/relationships" xmlns:p="http://schemas.openxmlformats.org/presentationml/2006/main">
   <p:cSld>
     <p:spTree>
@@ -33478,7 +32869,7 @@
 </p:sld>
 </file>
 
-<file path=ppt/slides/slide38.xml><?xml version="1.0" encoding="utf-8"?>
+<file path=ppt/slides/slide37.xml><?xml version="1.0" encoding="utf-8"?>
 <p:sld xmlns:a="http://schemas.openxmlformats.org/drawingml/2006/main" xmlns:r="http://schemas.openxmlformats.org/officeDocument/2006/relationships" xmlns:p="http://schemas.openxmlformats.org/presentationml/2006/main">
   <p:cSld>
     <p:spTree>
@@ -34198,7 +33589,7 @@
 </p:sld>
 </file>
 
-<file path=ppt/slides/slide39.xml><?xml version="1.0" encoding="utf-8"?>
+<file path=ppt/slides/slide38.xml><?xml version="1.0" encoding="utf-8"?>
 <p:sld xmlns:a="http://schemas.openxmlformats.org/drawingml/2006/main" xmlns:r="http://schemas.openxmlformats.org/officeDocument/2006/relationships" xmlns:p="http://schemas.openxmlformats.org/presentationml/2006/main">
   <p:cSld>
     <p:spTree>
@@ -34931,266 +34322,7 @@
 </p:sld>
 </file>
 
-<file path=ppt/slides/slide4.xml><?xml version="1.0" encoding="utf-8"?>
-<p:sld xmlns:a="http://schemas.openxmlformats.org/drawingml/2006/main" xmlns:r="http://schemas.openxmlformats.org/officeDocument/2006/relationships" xmlns:p="http://schemas.openxmlformats.org/presentationml/2006/main">
-  <p:cSld>
-    <p:spTree>
-      <p:nvGrpSpPr>
-        <p:cNvPr id="1" name=""/>
-        <p:cNvGrpSpPr/>
-        <p:nvPr/>
-      </p:nvGrpSpPr>
-      <p:grpSpPr>
-        <a:xfrm>
-          <a:off x="0" y="0"/>
-          <a:ext cx="0" cy="0"/>
-          <a:chOff x="0" y="0"/>
-          <a:chExt cx="0" cy="0"/>
-        </a:xfrm>
-      </p:grpSpPr>
-      <p:sp>
-        <p:nvSpPr>
-          <p:cNvPr id="2" name="Title 1">
-            <a:extLst>
-              <a:ext uri="{FF2B5EF4-FFF2-40B4-BE49-F238E27FC236}">
-                <a16:creationId xmlns:a16="http://schemas.microsoft.com/office/drawing/2014/main" id="{4203C5A5-9815-40B7-B6A3-11624AD5D70B}"/>
-              </a:ext>
-            </a:extLst>
-          </p:cNvPr>
-          <p:cNvSpPr>
-            <a:spLocks noGrp="1"/>
-          </p:cNvSpPr>
-          <p:nvPr>
-            <p:ph type="title"/>
-          </p:nvPr>
-        </p:nvSpPr>
-        <p:spPr/>
-        <p:txBody>
-          <a:bodyPr/>
-          <a:lstStyle/>
-          <a:p>
-            <a:r>
-              <a:rPr lang="en-US" dirty="0"/>
-              <a:t>Beginning of a Super-Quick Demo</a:t>
-            </a:r>
-          </a:p>
-        </p:txBody>
-      </p:sp>
-      <p:sp>
-        <p:nvSpPr>
-          <p:cNvPr id="3" name="Content Placeholder 2">
-            <a:extLst>
-              <a:ext uri="{FF2B5EF4-FFF2-40B4-BE49-F238E27FC236}">
-                <a16:creationId xmlns:a16="http://schemas.microsoft.com/office/drawing/2014/main" id="{D3CB0566-8F38-499D-952E-09A2A91495B7}"/>
-              </a:ext>
-            </a:extLst>
-          </p:cNvPr>
-          <p:cNvSpPr>
-            <a:spLocks noGrp="1"/>
-          </p:cNvSpPr>
-          <p:nvPr>
-            <p:ph idx="1"/>
-          </p:nvPr>
-        </p:nvSpPr>
-        <p:spPr/>
-        <p:txBody>
-          <a:bodyPr>
-            <a:normAutofit/>
-          </a:bodyPr>
-          <a:lstStyle/>
-          <a:p>
-            <a:pPr>
-              <a:lnSpc>
-                <a:spcPct val="200000"/>
-              </a:lnSpc>
-            </a:pPr>
-            <a:r>
-              <a:rPr lang="en-US" dirty="0"/>
-              <a:t>Show SQL Server is not installed</a:t>
-            </a:r>
-          </a:p>
-          <a:p>
-            <a:pPr>
-              <a:lnSpc>
-                <a:spcPct val="200000"/>
-              </a:lnSpc>
-            </a:pPr>
-            <a:r>
-              <a:rPr lang="en-US" dirty="0"/>
-              <a:t>Use docker to configure SQL Server, no installation or admin intervention required</a:t>
-            </a:r>
-          </a:p>
-        </p:txBody>
-      </p:sp>
-    </p:spTree>
-    <p:extLst>
-      <p:ext uri="{BB962C8B-B14F-4D97-AF65-F5344CB8AC3E}">
-        <p14:creationId xmlns:p14="http://schemas.microsoft.com/office/powerpoint/2010/main" val="1031436550"/>
-      </p:ext>
-    </p:extLst>
-  </p:cSld>
-  <p:clrMapOvr>
-    <a:masterClrMapping/>
-  </p:clrMapOvr>
-  <p:timing>
-    <p:tnLst>
-      <p:par>
-        <p:cTn id="1" dur="indefinite" restart="never" nodeType="tmRoot">
-          <p:childTnLst>
-            <p:seq concurrent="1" nextAc="seek">
-              <p:cTn id="2" dur="indefinite" nodeType="mainSeq">
-                <p:childTnLst>
-                  <p:par>
-                    <p:cTn id="3" fill="hold">
-                      <p:stCondLst>
-                        <p:cond delay="indefinite"/>
-                      </p:stCondLst>
-                      <p:childTnLst>
-                        <p:par>
-                          <p:cTn id="4" fill="hold">
-                            <p:stCondLst>
-                              <p:cond delay="0"/>
-                            </p:stCondLst>
-                            <p:childTnLst>
-                              <p:par>
-                                <p:cTn id="5" presetID="10" presetClass="entr" presetSubtype="0" fill="hold" grpId="0" nodeType="clickEffect">
-                                  <p:stCondLst>
-                                    <p:cond delay="0"/>
-                                  </p:stCondLst>
-                                  <p:childTnLst>
-                                    <p:set>
-                                      <p:cBhvr>
-                                        <p:cTn id="6" dur="1" fill="hold">
-                                          <p:stCondLst>
-                                            <p:cond delay="0"/>
-                                          </p:stCondLst>
-                                        </p:cTn>
-                                        <p:tgtEl>
-                                          <p:spTgt spid="3">
-                                            <p:txEl>
-                                              <p:pRg st="0" end="0"/>
-                                            </p:txEl>
-                                          </p:spTgt>
-                                        </p:tgtEl>
-                                        <p:attrNameLst>
-                                          <p:attrName>style.visibility</p:attrName>
-                                        </p:attrNameLst>
-                                      </p:cBhvr>
-                                      <p:to>
-                                        <p:strVal val="visible"/>
-                                      </p:to>
-                                    </p:set>
-                                    <p:animEffect transition="in" filter="fade">
-                                      <p:cBhvr>
-                                        <p:cTn id="7" dur="500"/>
-                                        <p:tgtEl>
-                                          <p:spTgt spid="3">
-                                            <p:txEl>
-                                              <p:pRg st="0" end="0"/>
-                                            </p:txEl>
-                                          </p:spTgt>
-                                        </p:tgtEl>
-                                      </p:cBhvr>
-                                    </p:animEffect>
-                                  </p:childTnLst>
-                                </p:cTn>
-                              </p:par>
-                            </p:childTnLst>
-                          </p:cTn>
-                        </p:par>
-                      </p:childTnLst>
-                    </p:cTn>
-                  </p:par>
-                  <p:par>
-                    <p:cTn id="8" fill="hold">
-                      <p:stCondLst>
-                        <p:cond delay="indefinite"/>
-                      </p:stCondLst>
-                      <p:childTnLst>
-                        <p:par>
-                          <p:cTn id="9" fill="hold">
-                            <p:stCondLst>
-                              <p:cond delay="0"/>
-                            </p:stCondLst>
-                            <p:childTnLst>
-                              <p:par>
-                                <p:cTn id="10" presetID="10" presetClass="entr" presetSubtype="0" fill="hold" grpId="0" nodeType="clickEffect">
-                                  <p:stCondLst>
-                                    <p:cond delay="0"/>
-                                  </p:stCondLst>
-                                  <p:childTnLst>
-                                    <p:set>
-                                      <p:cBhvr>
-                                        <p:cTn id="11" dur="1" fill="hold">
-                                          <p:stCondLst>
-                                            <p:cond delay="0"/>
-                                          </p:stCondLst>
-                                        </p:cTn>
-                                        <p:tgtEl>
-                                          <p:spTgt spid="3">
-                                            <p:txEl>
-                                              <p:pRg st="1" end="1"/>
-                                            </p:txEl>
-                                          </p:spTgt>
-                                        </p:tgtEl>
-                                        <p:attrNameLst>
-                                          <p:attrName>style.visibility</p:attrName>
-                                        </p:attrNameLst>
-                                      </p:cBhvr>
-                                      <p:to>
-                                        <p:strVal val="visible"/>
-                                      </p:to>
-                                    </p:set>
-                                    <p:animEffect transition="in" filter="fade">
-                                      <p:cBhvr>
-                                        <p:cTn id="12" dur="500"/>
-                                        <p:tgtEl>
-                                          <p:spTgt spid="3">
-                                            <p:txEl>
-                                              <p:pRg st="1" end="1"/>
-                                            </p:txEl>
-                                          </p:spTgt>
-                                        </p:tgtEl>
-                                      </p:cBhvr>
-                                    </p:animEffect>
-                                  </p:childTnLst>
-                                </p:cTn>
-                              </p:par>
-                            </p:childTnLst>
-                          </p:cTn>
-                        </p:par>
-                      </p:childTnLst>
-                    </p:cTn>
-                  </p:par>
-                </p:childTnLst>
-              </p:cTn>
-              <p:prevCondLst>
-                <p:cond evt="onPrev" delay="0">
-                  <p:tgtEl>
-                    <p:sldTgt/>
-                  </p:tgtEl>
-                </p:cond>
-              </p:prevCondLst>
-              <p:nextCondLst>
-                <p:cond evt="onNext" delay="0">
-                  <p:tgtEl>
-                    <p:sldTgt/>
-                  </p:tgtEl>
-                </p:cond>
-              </p:nextCondLst>
-            </p:seq>
-          </p:childTnLst>
-        </p:cTn>
-      </p:par>
-    </p:tnLst>
-    <p:bldLst>
-      <p:bldP spid="3" grpId="0" build="p"/>
-    </p:bldLst>
-  </p:timing>
-</p:sld>
-</file>
-
-<file path=ppt/slides/slide40.xml><?xml version="1.0" encoding="utf-8"?>
+<file path=ppt/slides/slide39.xml><?xml version="1.0" encoding="utf-8"?>
 <p:sld xmlns:a="http://schemas.openxmlformats.org/drawingml/2006/main" xmlns:r="http://schemas.openxmlformats.org/officeDocument/2006/relationships" xmlns:p="http://schemas.openxmlformats.org/presentationml/2006/main">
   <p:cSld>
     <p:spTree>
@@ -35900,7 +35032,93 @@
 </p:sld>
 </file>
 
-<file path=ppt/slides/slide41.xml><?xml version="1.0" encoding="utf-8"?>
+<file path=ppt/slides/slide4.xml><?xml version="1.0" encoding="utf-8"?>
+<p:sld xmlns:a="http://schemas.openxmlformats.org/drawingml/2006/main" xmlns:r="http://schemas.openxmlformats.org/officeDocument/2006/relationships" xmlns:p="http://schemas.openxmlformats.org/presentationml/2006/main">
+  <p:cSld>
+    <p:spTree>
+      <p:nvGrpSpPr>
+        <p:cNvPr id="1" name=""/>
+        <p:cNvGrpSpPr/>
+        <p:nvPr/>
+      </p:nvGrpSpPr>
+      <p:grpSpPr>
+        <a:xfrm>
+          <a:off x="0" y="0"/>
+          <a:ext cx="0" cy="0"/>
+          <a:chOff x="0" y="0"/>
+          <a:chExt cx="0" cy="0"/>
+        </a:xfrm>
+      </p:grpSpPr>
+      <p:sp>
+        <p:nvSpPr>
+          <p:cNvPr id="2" name="Title 1">
+            <a:extLst>
+              <a:ext uri="{FF2B5EF4-FFF2-40B4-BE49-F238E27FC236}">
+                <a16:creationId xmlns:a16="http://schemas.microsoft.com/office/drawing/2014/main" id="{AD0EF887-B521-4A7D-B159-25C51A913FFC}"/>
+              </a:ext>
+            </a:extLst>
+          </p:cNvPr>
+          <p:cNvSpPr>
+            <a:spLocks noGrp="1"/>
+          </p:cNvSpPr>
+          <p:nvPr>
+            <p:ph type="title"/>
+          </p:nvPr>
+        </p:nvSpPr>
+        <p:spPr/>
+        <p:txBody>
+          <a:bodyPr/>
+          <a:lstStyle/>
+          <a:p>
+            <a:r>
+              <a:rPr lang="en-US" dirty="0"/>
+              <a:t>A Problem Statement</a:t>
+            </a:r>
+          </a:p>
+        </p:txBody>
+      </p:sp>
+      <p:sp>
+        <p:nvSpPr>
+          <p:cNvPr id="3" name="Text Placeholder 2">
+            <a:extLst>
+              <a:ext uri="{FF2B5EF4-FFF2-40B4-BE49-F238E27FC236}">
+                <a16:creationId xmlns:a16="http://schemas.microsoft.com/office/drawing/2014/main" id="{40F93536-9D2E-4485-A099-5ABD38646551}"/>
+              </a:ext>
+            </a:extLst>
+          </p:cNvPr>
+          <p:cNvSpPr>
+            <a:spLocks noGrp="1"/>
+          </p:cNvSpPr>
+          <p:nvPr>
+            <p:ph type="body" idx="1"/>
+          </p:nvPr>
+        </p:nvSpPr>
+        <p:spPr/>
+        <p:txBody>
+          <a:bodyPr/>
+          <a:lstStyle/>
+          <a:p>
+            <a:r>
+              <a:rPr lang="en-US" dirty="0"/>
+              <a:t>The Part Where I tell you what you already know</a:t>
+            </a:r>
+          </a:p>
+        </p:txBody>
+      </p:sp>
+    </p:spTree>
+    <p:extLst>
+      <p:ext uri="{BB962C8B-B14F-4D97-AF65-F5344CB8AC3E}">
+        <p14:creationId xmlns:p14="http://schemas.microsoft.com/office/powerpoint/2010/main" val="1835612889"/>
+      </p:ext>
+    </p:extLst>
+  </p:cSld>
+  <p:clrMapOvr>
+    <a:masterClrMapping/>
+  </p:clrMapOvr>
+</p:sld>
+</file>
+
+<file path=ppt/slides/slide40.xml><?xml version="1.0" encoding="utf-8"?>
 <p:sld xmlns:a="http://schemas.openxmlformats.org/drawingml/2006/main" xmlns:r="http://schemas.openxmlformats.org/officeDocument/2006/relationships" xmlns:p="http://schemas.openxmlformats.org/presentationml/2006/main">
   <p:cSld>
     <p:spTree>
@@ -35964,7 +35182,7 @@
         <p:spPr/>
         <p:txBody>
           <a:bodyPr>
-            <a:normAutofit fontScale="92500" lnSpcReduction="20000"/>
+            <a:normAutofit fontScale="85000" lnSpcReduction="10000"/>
           </a:bodyPr>
           <a:lstStyle/>
           <a:p>
@@ -36390,271 +35608,7 @@
 </p:sld>
 </file>
 
-<file path=ppt/slides/slide42.xml><?xml version="1.0" encoding="utf-8"?>
-<p:sld xmlns:a="http://schemas.openxmlformats.org/drawingml/2006/main" xmlns:r="http://schemas.openxmlformats.org/officeDocument/2006/relationships" xmlns:p="http://schemas.openxmlformats.org/presentationml/2006/main">
-  <p:cSld>
-    <p:spTree>
-      <p:nvGrpSpPr>
-        <p:cNvPr id="1" name=""/>
-        <p:cNvGrpSpPr/>
-        <p:nvPr/>
-      </p:nvGrpSpPr>
-      <p:grpSpPr>
-        <a:xfrm>
-          <a:off x="0" y="0"/>
-          <a:ext cx="0" cy="0"/>
-          <a:chOff x="0" y="0"/>
-          <a:chExt cx="0" cy="0"/>
-        </a:xfrm>
-      </p:grpSpPr>
-      <p:sp>
-        <p:nvSpPr>
-          <p:cNvPr id="2" name="Title 1">
-            <a:extLst>
-              <a:ext uri="{FF2B5EF4-FFF2-40B4-BE49-F238E27FC236}">
-                <a16:creationId xmlns:a16="http://schemas.microsoft.com/office/drawing/2014/main" id="{4203C5A5-9815-40B7-B6A3-11624AD5D70B}"/>
-              </a:ext>
-            </a:extLst>
-          </p:cNvPr>
-          <p:cNvSpPr>
-            <a:spLocks noGrp="1"/>
-          </p:cNvSpPr>
-          <p:nvPr>
-            <p:ph type="title"/>
-          </p:nvPr>
-        </p:nvSpPr>
-        <p:spPr/>
-        <p:txBody>
-          <a:bodyPr/>
-          <a:lstStyle/>
-          <a:p>
-            <a:r>
-              <a:rPr lang="en-US" dirty="0"/>
-              <a:t>Ending of a Super-Quick Demo</a:t>
-            </a:r>
-          </a:p>
-        </p:txBody>
-      </p:sp>
-      <p:sp>
-        <p:nvSpPr>
-          <p:cNvPr id="3" name="Content Placeholder 2">
-            <a:extLst>
-              <a:ext uri="{FF2B5EF4-FFF2-40B4-BE49-F238E27FC236}">
-                <a16:creationId xmlns:a16="http://schemas.microsoft.com/office/drawing/2014/main" id="{D3CB0566-8F38-499D-952E-09A2A91495B7}"/>
-              </a:ext>
-            </a:extLst>
-          </p:cNvPr>
-          <p:cNvSpPr>
-            <a:spLocks noGrp="1"/>
-          </p:cNvSpPr>
-          <p:nvPr>
-            <p:ph idx="1"/>
-          </p:nvPr>
-        </p:nvSpPr>
-        <p:spPr/>
-        <p:txBody>
-          <a:bodyPr>
-            <a:normAutofit/>
-          </a:bodyPr>
-          <a:lstStyle/>
-          <a:p>
-            <a:pPr>
-              <a:lnSpc>
-                <a:spcPct val="200000"/>
-              </a:lnSpc>
-            </a:pPr>
-            <a:r>
-              <a:rPr lang="en-US" dirty="0"/>
-              <a:t>Start SQL Server</a:t>
-            </a:r>
-          </a:p>
-          <a:p>
-            <a:pPr>
-              <a:lnSpc>
-                <a:spcPct val="200000"/>
-              </a:lnSpc>
-            </a:pPr>
-            <a:r>
-              <a:rPr lang="en-US" dirty="0"/>
-              <a:t>Demonstrate </a:t>
-            </a:r>
-            <a:r>
-              <a:rPr lang="en-US"/>
-              <a:t>a connection</a:t>
-            </a:r>
-            <a:endParaRPr lang="en-US" dirty="0"/>
-          </a:p>
-        </p:txBody>
-      </p:sp>
-    </p:spTree>
-    <p:extLst>
-      <p:ext uri="{BB962C8B-B14F-4D97-AF65-F5344CB8AC3E}">
-        <p14:creationId xmlns:p14="http://schemas.microsoft.com/office/powerpoint/2010/main" val="3152235299"/>
-      </p:ext>
-    </p:extLst>
-  </p:cSld>
-  <p:clrMapOvr>
-    <a:masterClrMapping/>
-  </p:clrMapOvr>
-  <p:timing>
-    <p:tnLst>
-      <p:par>
-        <p:cTn id="1" dur="indefinite" restart="never" nodeType="tmRoot">
-          <p:childTnLst>
-            <p:seq concurrent="1" nextAc="seek">
-              <p:cTn id="2" dur="indefinite" nodeType="mainSeq">
-                <p:childTnLst>
-                  <p:par>
-                    <p:cTn id="3" fill="hold">
-                      <p:stCondLst>
-                        <p:cond delay="indefinite"/>
-                      </p:stCondLst>
-                      <p:childTnLst>
-                        <p:par>
-                          <p:cTn id="4" fill="hold">
-                            <p:stCondLst>
-                              <p:cond delay="0"/>
-                            </p:stCondLst>
-                            <p:childTnLst>
-                              <p:par>
-                                <p:cTn id="5" presetID="10" presetClass="entr" presetSubtype="0" fill="hold" grpId="0" nodeType="clickEffect">
-                                  <p:stCondLst>
-                                    <p:cond delay="0"/>
-                                  </p:stCondLst>
-                                  <p:childTnLst>
-                                    <p:set>
-                                      <p:cBhvr>
-                                        <p:cTn id="6" dur="1" fill="hold">
-                                          <p:stCondLst>
-                                            <p:cond delay="0"/>
-                                          </p:stCondLst>
-                                        </p:cTn>
-                                        <p:tgtEl>
-                                          <p:spTgt spid="3">
-                                            <p:txEl>
-                                              <p:pRg st="0" end="0"/>
-                                            </p:txEl>
-                                          </p:spTgt>
-                                        </p:tgtEl>
-                                        <p:attrNameLst>
-                                          <p:attrName>style.visibility</p:attrName>
-                                        </p:attrNameLst>
-                                      </p:cBhvr>
-                                      <p:to>
-                                        <p:strVal val="visible"/>
-                                      </p:to>
-                                    </p:set>
-                                    <p:animEffect transition="in" filter="fade">
-                                      <p:cBhvr>
-                                        <p:cTn id="7" dur="500"/>
-                                        <p:tgtEl>
-                                          <p:spTgt spid="3">
-                                            <p:txEl>
-                                              <p:pRg st="0" end="0"/>
-                                            </p:txEl>
-                                          </p:spTgt>
-                                        </p:tgtEl>
-                                      </p:cBhvr>
-                                    </p:animEffect>
-                                  </p:childTnLst>
-                                </p:cTn>
-                              </p:par>
-                            </p:childTnLst>
-                          </p:cTn>
-                        </p:par>
-                      </p:childTnLst>
-                    </p:cTn>
-                  </p:par>
-                  <p:par>
-                    <p:cTn id="8" fill="hold">
-                      <p:stCondLst>
-                        <p:cond delay="indefinite"/>
-                      </p:stCondLst>
-                      <p:childTnLst>
-                        <p:par>
-                          <p:cTn id="9" fill="hold">
-                            <p:stCondLst>
-                              <p:cond delay="0"/>
-                            </p:stCondLst>
-                            <p:childTnLst>
-                              <p:par>
-                                <p:cTn id="10" presetID="10" presetClass="entr" presetSubtype="0" fill="hold" grpId="0" nodeType="clickEffect">
-                                  <p:stCondLst>
-                                    <p:cond delay="0"/>
-                                  </p:stCondLst>
-                                  <p:childTnLst>
-                                    <p:set>
-                                      <p:cBhvr>
-                                        <p:cTn id="11" dur="1" fill="hold">
-                                          <p:stCondLst>
-                                            <p:cond delay="0"/>
-                                          </p:stCondLst>
-                                        </p:cTn>
-                                        <p:tgtEl>
-                                          <p:spTgt spid="3">
-                                            <p:txEl>
-                                              <p:pRg st="1" end="1"/>
-                                            </p:txEl>
-                                          </p:spTgt>
-                                        </p:tgtEl>
-                                        <p:attrNameLst>
-                                          <p:attrName>style.visibility</p:attrName>
-                                        </p:attrNameLst>
-                                      </p:cBhvr>
-                                      <p:to>
-                                        <p:strVal val="visible"/>
-                                      </p:to>
-                                    </p:set>
-                                    <p:animEffect transition="in" filter="fade">
-                                      <p:cBhvr>
-                                        <p:cTn id="12" dur="500"/>
-                                        <p:tgtEl>
-                                          <p:spTgt spid="3">
-                                            <p:txEl>
-                                              <p:pRg st="1" end="1"/>
-                                            </p:txEl>
-                                          </p:spTgt>
-                                        </p:tgtEl>
-                                      </p:cBhvr>
-                                    </p:animEffect>
-                                  </p:childTnLst>
-                                </p:cTn>
-                              </p:par>
-                            </p:childTnLst>
-                          </p:cTn>
-                        </p:par>
-                      </p:childTnLst>
-                    </p:cTn>
-                  </p:par>
-                </p:childTnLst>
-              </p:cTn>
-              <p:prevCondLst>
-                <p:cond evt="onPrev" delay="0">
-                  <p:tgtEl>
-                    <p:sldTgt/>
-                  </p:tgtEl>
-                </p:cond>
-              </p:prevCondLst>
-              <p:nextCondLst>
-                <p:cond evt="onNext" delay="0">
-                  <p:tgtEl>
-                    <p:sldTgt/>
-                  </p:tgtEl>
-                </p:cond>
-              </p:nextCondLst>
-            </p:seq>
-          </p:childTnLst>
-        </p:cTn>
-      </p:par>
-    </p:tnLst>
-    <p:bldLst>
-      <p:bldP spid="3" grpId="0" build="p"/>
-    </p:bldLst>
-  </p:timing>
-</p:sld>
-</file>
-
-<file path=ppt/slides/slide43.xml><?xml version="1.0" encoding="utf-8"?>
+<file path=ppt/slides/slide41.xml><?xml version="1.0" encoding="utf-8"?>
 <p:sld xmlns:a="http://schemas.openxmlformats.org/drawingml/2006/main" xmlns:r="http://schemas.openxmlformats.org/officeDocument/2006/relationships" xmlns:p="http://schemas.openxmlformats.org/presentationml/2006/main">
   <p:cSld>
     <p:spTree>
@@ -36742,92 +35696,6 @@
 </file>
 
 <file path=ppt/slides/slide5.xml><?xml version="1.0" encoding="utf-8"?>
-<p:sld xmlns:a="http://schemas.openxmlformats.org/drawingml/2006/main" xmlns:r="http://schemas.openxmlformats.org/officeDocument/2006/relationships" xmlns:p="http://schemas.openxmlformats.org/presentationml/2006/main">
-  <p:cSld>
-    <p:spTree>
-      <p:nvGrpSpPr>
-        <p:cNvPr id="1" name=""/>
-        <p:cNvGrpSpPr/>
-        <p:nvPr/>
-      </p:nvGrpSpPr>
-      <p:grpSpPr>
-        <a:xfrm>
-          <a:off x="0" y="0"/>
-          <a:ext cx="0" cy="0"/>
-          <a:chOff x="0" y="0"/>
-          <a:chExt cx="0" cy="0"/>
-        </a:xfrm>
-      </p:grpSpPr>
-      <p:sp>
-        <p:nvSpPr>
-          <p:cNvPr id="2" name="Title 1">
-            <a:extLst>
-              <a:ext uri="{FF2B5EF4-FFF2-40B4-BE49-F238E27FC236}">
-                <a16:creationId xmlns:a16="http://schemas.microsoft.com/office/drawing/2014/main" id="{AD0EF887-B521-4A7D-B159-25C51A913FFC}"/>
-              </a:ext>
-            </a:extLst>
-          </p:cNvPr>
-          <p:cNvSpPr>
-            <a:spLocks noGrp="1"/>
-          </p:cNvSpPr>
-          <p:nvPr>
-            <p:ph type="title"/>
-          </p:nvPr>
-        </p:nvSpPr>
-        <p:spPr/>
-        <p:txBody>
-          <a:bodyPr/>
-          <a:lstStyle/>
-          <a:p>
-            <a:r>
-              <a:rPr lang="en-US" dirty="0"/>
-              <a:t>A Problem Statement</a:t>
-            </a:r>
-          </a:p>
-        </p:txBody>
-      </p:sp>
-      <p:sp>
-        <p:nvSpPr>
-          <p:cNvPr id="3" name="Text Placeholder 2">
-            <a:extLst>
-              <a:ext uri="{FF2B5EF4-FFF2-40B4-BE49-F238E27FC236}">
-                <a16:creationId xmlns:a16="http://schemas.microsoft.com/office/drawing/2014/main" id="{40F93536-9D2E-4485-A099-5ABD38646551}"/>
-              </a:ext>
-            </a:extLst>
-          </p:cNvPr>
-          <p:cNvSpPr>
-            <a:spLocks noGrp="1"/>
-          </p:cNvSpPr>
-          <p:nvPr>
-            <p:ph type="body" idx="1"/>
-          </p:nvPr>
-        </p:nvSpPr>
-        <p:spPr/>
-        <p:txBody>
-          <a:bodyPr/>
-          <a:lstStyle/>
-          <a:p>
-            <a:r>
-              <a:rPr lang="en-US" dirty="0"/>
-              <a:t>The Part Where I tell you what you already know</a:t>
-            </a:r>
-          </a:p>
-        </p:txBody>
-      </p:sp>
-    </p:spTree>
-    <p:extLst>
-      <p:ext uri="{BB962C8B-B14F-4D97-AF65-F5344CB8AC3E}">
-        <p14:creationId xmlns:p14="http://schemas.microsoft.com/office/powerpoint/2010/main" val="1835612889"/>
-      </p:ext>
-    </p:extLst>
-  </p:cSld>
-  <p:clrMapOvr>
-    <a:masterClrMapping/>
-  </p:clrMapOvr>
-</p:sld>
-</file>
-
-<file path=ppt/slides/slide6.xml><?xml version="1.0" encoding="utf-8"?>
 <p:sld xmlns:a="http://schemas.openxmlformats.org/drawingml/2006/main" xmlns:r="http://schemas.openxmlformats.org/officeDocument/2006/relationships" xmlns:p="http://schemas.openxmlformats.org/presentationml/2006/main">
   <p:cSld>
     <p:spTree>
@@ -37153,7 +36021,7 @@
 </p:sld>
 </file>
 
-<file path=ppt/slides/slide7.xml><?xml version="1.0" encoding="utf-8"?>
+<file path=ppt/slides/slide6.xml><?xml version="1.0" encoding="utf-8"?>
 <p:sld xmlns:a="http://schemas.openxmlformats.org/drawingml/2006/main" xmlns:r="http://schemas.openxmlformats.org/officeDocument/2006/relationships" xmlns:p="http://schemas.openxmlformats.org/presentationml/2006/main">
   <p:cSld>
     <p:spTree>
@@ -37227,7 +36095,7 @@
 </p:sld>
 </file>
 
-<file path=ppt/slides/slide8.xml><?xml version="1.0" encoding="utf-8"?>
+<file path=ppt/slides/slide7.xml><?xml version="1.0" encoding="utf-8"?>
 <p:sld xmlns:a="http://schemas.openxmlformats.org/drawingml/2006/main" xmlns:r="http://schemas.openxmlformats.org/officeDocument/2006/relationships" xmlns:p="http://schemas.openxmlformats.org/presentationml/2006/main">
   <p:cSld>
     <p:spTree>
@@ -37551,7 +36419,7 @@
 </p:sld>
 </file>
 
-<file path=ppt/slides/slide9.xml><?xml version="1.0" encoding="utf-8"?>
+<file path=ppt/slides/slide8.xml><?xml version="1.0" encoding="utf-8"?>
 <p:sld xmlns:a="http://schemas.openxmlformats.org/drawingml/2006/main" xmlns:r="http://schemas.openxmlformats.org/officeDocument/2006/relationships" xmlns:p="http://schemas.openxmlformats.org/presentationml/2006/main">
   <p:cSld>
     <p:spTree>
@@ -38461,6 +37329,474 @@
     <p:bldLst>
       <p:bldP spid="3" grpId="0" uiExpand="1" build="p"/>
       <p:bldP spid="5" grpId="0" animBg="1"/>
+    </p:bldLst>
+  </p:timing>
+</p:sld>
+</file>
+
+<file path=ppt/slides/slide9.xml><?xml version="1.0" encoding="utf-8"?>
+<p:sld xmlns:a="http://schemas.openxmlformats.org/drawingml/2006/main" xmlns:r="http://schemas.openxmlformats.org/officeDocument/2006/relationships" xmlns:p="http://schemas.openxmlformats.org/presentationml/2006/main">
+  <p:cSld>
+    <p:spTree>
+      <p:nvGrpSpPr>
+        <p:cNvPr id="1" name=""/>
+        <p:cNvGrpSpPr/>
+        <p:nvPr/>
+      </p:nvGrpSpPr>
+      <p:grpSpPr>
+        <a:xfrm>
+          <a:off x="0" y="0"/>
+          <a:ext cx="0" cy="0"/>
+          <a:chOff x="0" y="0"/>
+          <a:chExt cx="0" cy="0"/>
+        </a:xfrm>
+      </p:grpSpPr>
+      <p:sp>
+        <p:nvSpPr>
+          <p:cNvPr id="2" name="Title 1"/>
+          <p:cNvSpPr>
+            <a:spLocks noGrp="1"/>
+          </p:cNvSpPr>
+          <p:nvPr>
+            <p:ph type="title"/>
+          </p:nvPr>
+        </p:nvSpPr>
+        <p:spPr/>
+        <p:txBody>
+          <a:bodyPr/>
+          <a:lstStyle/>
+          <a:p>
+            <a:r>
+              <a:rPr lang="en-US" dirty="0"/>
+              <a:t>Hello Hypervisor!</a:t>
+            </a:r>
+          </a:p>
+        </p:txBody>
+      </p:sp>
+      <p:sp>
+        <p:nvSpPr>
+          <p:cNvPr id="3" name="Content Placeholder 2"/>
+          <p:cNvSpPr>
+            <a:spLocks noGrp="1"/>
+          </p:cNvSpPr>
+          <p:nvPr>
+            <p:ph idx="1"/>
+          </p:nvPr>
+        </p:nvSpPr>
+        <p:spPr/>
+        <p:txBody>
+          <a:bodyPr>
+            <a:normAutofit fontScale="85000" lnSpcReduction="10000"/>
+          </a:bodyPr>
+          <a:lstStyle/>
+          <a:p>
+            <a:pPr>
+              <a:lnSpc>
+                <a:spcPct val="270000"/>
+              </a:lnSpc>
+            </a:pPr>
+            <a:r>
+              <a:rPr lang="en-US" dirty="0"/>
+              <a:t>Along came Hypervisors</a:t>
+            </a:r>
+          </a:p>
+          <a:p>
+            <a:pPr>
+              <a:lnSpc>
+                <a:spcPct val="270000"/>
+              </a:lnSpc>
+            </a:pPr>
+            <a:r>
+              <a:rPr lang="en-US" dirty="0"/>
+              <a:t>We can now squeeze more out of physical servers</a:t>
+            </a:r>
+          </a:p>
+          <a:p>
+            <a:pPr>
+              <a:lnSpc>
+                <a:spcPct val="270000"/>
+              </a:lnSpc>
+            </a:pPr>
+            <a:r>
+              <a:rPr lang="en-US" dirty="0"/>
+              <a:t>We can still isolate an application to an OS</a:t>
+            </a:r>
+          </a:p>
+          <a:p>
+            <a:pPr>
+              <a:lnSpc>
+                <a:spcPct val="270000"/>
+              </a:lnSpc>
+            </a:pPr>
+            <a:r>
+              <a:rPr lang="en-US" dirty="0"/>
+              <a:t>Yay for VMWare!</a:t>
+            </a:r>
+          </a:p>
+          <a:p>
+            <a:pPr>
+              <a:lnSpc>
+                <a:spcPct val="270000"/>
+              </a:lnSpc>
+            </a:pPr>
+            <a:r>
+              <a:rPr lang="en-US" dirty="0"/>
+              <a:t>But there are some </a:t>
+            </a:r>
+            <a:r>
+              <a:rPr lang="en-US" dirty="0" err="1"/>
+              <a:t>VMWarts</a:t>
+            </a:r>
+            <a:endParaRPr lang="en-US" dirty="0"/>
+          </a:p>
+        </p:txBody>
+      </p:sp>
+    </p:spTree>
+    <p:extLst>
+      <p:ext uri="{BB962C8B-B14F-4D97-AF65-F5344CB8AC3E}">
+        <p14:creationId xmlns:p14="http://schemas.microsoft.com/office/powerpoint/2010/main" val="1446593834"/>
+      </p:ext>
+    </p:extLst>
+  </p:cSld>
+  <p:clrMapOvr>
+    <a:masterClrMapping/>
+  </p:clrMapOvr>
+  <p:timing>
+    <p:tnLst>
+      <p:par>
+        <p:cTn id="1" dur="indefinite" restart="never" nodeType="tmRoot">
+          <p:childTnLst>
+            <p:seq concurrent="1" nextAc="seek">
+              <p:cTn id="2" dur="indefinite" nodeType="mainSeq">
+                <p:childTnLst>
+                  <p:par>
+                    <p:cTn id="3" fill="hold">
+                      <p:stCondLst>
+                        <p:cond delay="indefinite"/>
+                      </p:stCondLst>
+                      <p:childTnLst>
+                        <p:par>
+                          <p:cTn id="4" fill="hold">
+                            <p:stCondLst>
+                              <p:cond delay="0"/>
+                            </p:stCondLst>
+                            <p:childTnLst>
+                              <p:par>
+                                <p:cTn id="5" presetID="10" presetClass="entr" presetSubtype="0" fill="hold" grpId="0" nodeType="clickEffect">
+                                  <p:stCondLst>
+                                    <p:cond delay="0"/>
+                                  </p:stCondLst>
+                                  <p:childTnLst>
+                                    <p:set>
+                                      <p:cBhvr>
+                                        <p:cTn id="6" dur="1" fill="hold">
+                                          <p:stCondLst>
+                                            <p:cond delay="0"/>
+                                          </p:stCondLst>
+                                        </p:cTn>
+                                        <p:tgtEl>
+                                          <p:spTgt spid="3">
+                                            <p:txEl>
+                                              <p:pRg st="0" end="0"/>
+                                            </p:txEl>
+                                          </p:spTgt>
+                                        </p:tgtEl>
+                                        <p:attrNameLst>
+                                          <p:attrName>style.visibility</p:attrName>
+                                        </p:attrNameLst>
+                                      </p:cBhvr>
+                                      <p:to>
+                                        <p:strVal val="visible"/>
+                                      </p:to>
+                                    </p:set>
+                                    <p:animEffect transition="in" filter="fade">
+                                      <p:cBhvr>
+                                        <p:cTn id="7" dur="500"/>
+                                        <p:tgtEl>
+                                          <p:spTgt spid="3">
+                                            <p:txEl>
+                                              <p:pRg st="0" end="0"/>
+                                            </p:txEl>
+                                          </p:spTgt>
+                                        </p:tgtEl>
+                                      </p:cBhvr>
+                                    </p:animEffect>
+                                  </p:childTnLst>
+                                </p:cTn>
+                              </p:par>
+                            </p:childTnLst>
+                          </p:cTn>
+                        </p:par>
+                      </p:childTnLst>
+                    </p:cTn>
+                  </p:par>
+                  <p:par>
+                    <p:cTn id="8" fill="hold">
+                      <p:stCondLst>
+                        <p:cond delay="indefinite"/>
+                      </p:stCondLst>
+                      <p:childTnLst>
+                        <p:par>
+                          <p:cTn id="9" fill="hold">
+                            <p:stCondLst>
+                              <p:cond delay="0"/>
+                            </p:stCondLst>
+                            <p:childTnLst>
+                              <p:par>
+                                <p:cTn id="10" presetID="10" presetClass="entr" presetSubtype="0" fill="hold" grpId="0" nodeType="clickEffect">
+                                  <p:stCondLst>
+                                    <p:cond delay="0"/>
+                                  </p:stCondLst>
+                                  <p:childTnLst>
+                                    <p:set>
+                                      <p:cBhvr>
+                                        <p:cTn id="11" dur="1" fill="hold">
+                                          <p:stCondLst>
+                                            <p:cond delay="0"/>
+                                          </p:stCondLst>
+                                        </p:cTn>
+                                        <p:tgtEl>
+                                          <p:spTgt spid="3">
+                                            <p:txEl>
+                                              <p:pRg st="1" end="1"/>
+                                            </p:txEl>
+                                          </p:spTgt>
+                                        </p:tgtEl>
+                                        <p:attrNameLst>
+                                          <p:attrName>style.visibility</p:attrName>
+                                        </p:attrNameLst>
+                                      </p:cBhvr>
+                                      <p:to>
+                                        <p:strVal val="visible"/>
+                                      </p:to>
+                                    </p:set>
+                                    <p:animEffect transition="in" filter="fade">
+                                      <p:cBhvr>
+                                        <p:cTn id="12" dur="500"/>
+                                        <p:tgtEl>
+                                          <p:spTgt spid="3">
+                                            <p:txEl>
+                                              <p:pRg st="1" end="1"/>
+                                            </p:txEl>
+                                          </p:spTgt>
+                                        </p:tgtEl>
+                                      </p:cBhvr>
+                                    </p:animEffect>
+                                  </p:childTnLst>
+                                </p:cTn>
+                              </p:par>
+                            </p:childTnLst>
+                          </p:cTn>
+                        </p:par>
+                      </p:childTnLst>
+                    </p:cTn>
+                  </p:par>
+                  <p:par>
+                    <p:cTn id="13" fill="hold">
+                      <p:stCondLst>
+                        <p:cond delay="indefinite"/>
+                      </p:stCondLst>
+                      <p:childTnLst>
+                        <p:par>
+                          <p:cTn id="14" fill="hold">
+                            <p:stCondLst>
+                              <p:cond delay="0"/>
+                            </p:stCondLst>
+                            <p:childTnLst>
+                              <p:par>
+                                <p:cTn id="15" presetID="10" presetClass="entr" presetSubtype="0" fill="hold" grpId="0" nodeType="clickEffect">
+                                  <p:stCondLst>
+                                    <p:cond delay="0"/>
+                                  </p:stCondLst>
+                                  <p:childTnLst>
+                                    <p:set>
+                                      <p:cBhvr>
+                                        <p:cTn id="16" dur="1" fill="hold">
+                                          <p:stCondLst>
+                                            <p:cond delay="0"/>
+                                          </p:stCondLst>
+                                        </p:cTn>
+                                        <p:tgtEl>
+                                          <p:spTgt spid="3">
+                                            <p:txEl>
+                                              <p:pRg st="2" end="2"/>
+                                            </p:txEl>
+                                          </p:spTgt>
+                                        </p:tgtEl>
+                                        <p:attrNameLst>
+                                          <p:attrName>style.visibility</p:attrName>
+                                        </p:attrNameLst>
+                                      </p:cBhvr>
+                                      <p:to>
+                                        <p:strVal val="visible"/>
+                                      </p:to>
+                                    </p:set>
+                                    <p:animEffect transition="in" filter="fade">
+                                      <p:cBhvr>
+                                        <p:cTn id="17" dur="500"/>
+                                        <p:tgtEl>
+                                          <p:spTgt spid="3">
+                                            <p:txEl>
+                                              <p:pRg st="2" end="2"/>
+                                            </p:txEl>
+                                          </p:spTgt>
+                                        </p:tgtEl>
+                                      </p:cBhvr>
+                                    </p:animEffect>
+                                  </p:childTnLst>
+                                </p:cTn>
+                              </p:par>
+                            </p:childTnLst>
+                          </p:cTn>
+                        </p:par>
+                      </p:childTnLst>
+                    </p:cTn>
+                  </p:par>
+                  <p:par>
+                    <p:cTn id="18" fill="hold">
+                      <p:stCondLst>
+                        <p:cond delay="indefinite"/>
+                      </p:stCondLst>
+                      <p:childTnLst>
+                        <p:par>
+                          <p:cTn id="19" fill="hold">
+                            <p:stCondLst>
+                              <p:cond delay="0"/>
+                            </p:stCondLst>
+                            <p:childTnLst>
+                              <p:par>
+                                <p:cTn id="20" presetID="10" presetClass="entr" presetSubtype="0" fill="hold" grpId="0" nodeType="clickEffect">
+                                  <p:stCondLst>
+                                    <p:cond delay="0"/>
+                                  </p:stCondLst>
+                                  <p:childTnLst>
+                                    <p:set>
+                                      <p:cBhvr>
+                                        <p:cTn id="21" dur="1" fill="hold">
+                                          <p:stCondLst>
+                                            <p:cond delay="0"/>
+                                          </p:stCondLst>
+                                        </p:cTn>
+                                        <p:tgtEl>
+                                          <p:spTgt spid="3">
+                                            <p:txEl>
+                                              <p:pRg st="3" end="3"/>
+                                            </p:txEl>
+                                          </p:spTgt>
+                                        </p:tgtEl>
+                                        <p:attrNameLst>
+                                          <p:attrName>style.visibility</p:attrName>
+                                        </p:attrNameLst>
+                                      </p:cBhvr>
+                                      <p:to>
+                                        <p:strVal val="visible"/>
+                                      </p:to>
+                                    </p:set>
+                                    <p:animEffect transition="in" filter="fade">
+                                      <p:cBhvr>
+                                        <p:cTn id="22" dur="500"/>
+                                        <p:tgtEl>
+                                          <p:spTgt spid="3">
+                                            <p:txEl>
+                                              <p:pRg st="3" end="3"/>
+                                            </p:txEl>
+                                          </p:spTgt>
+                                        </p:tgtEl>
+                                      </p:cBhvr>
+                                    </p:animEffect>
+                                  </p:childTnLst>
+                                </p:cTn>
+                              </p:par>
+                            </p:childTnLst>
+                          </p:cTn>
+                        </p:par>
+                      </p:childTnLst>
+                    </p:cTn>
+                  </p:par>
+                  <p:par>
+                    <p:cTn id="23" fill="hold">
+                      <p:stCondLst>
+                        <p:cond delay="indefinite"/>
+                      </p:stCondLst>
+                      <p:childTnLst>
+                        <p:par>
+                          <p:cTn id="24" fill="hold">
+                            <p:stCondLst>
+                              <p:cond delay="0"/>
+                            </p:stCondLst>
+                            <p:childTnLst>
+                              <p:par>
+                                <p:cTn id="25" presetID="10" presetClass="entr" presetSubtype="0" fill="hold" grpId="0" nodeType="clickEffect">
+                                  <p:stCondLst>
+                                    <p:cond delay="0"/>
+                                  </p:stCondLst>
+                                  <p:childTnLst>
+                                    <p:set>
+                                      <p:cBhvr>
+                                        <p:cTn id="26" dur="1" fill="hold">
+                                          <p:stCondLst>
+                                            <p:cond delay="0"/>
+                                          </p:stCondLst>
+                                        </p:cTn>
+                                        <p:tgtEl>
+                                          <p:spTgt spid="3">
+                                            <p:txEl>
+                                              <p:pRg st="4" end="4"/>
+                                            </p:txEl>
+                                          </p:spTgt>
+                                        </p:tgtEl>
+                                        <p:attrNameLst>
+                                          <p:attrName>style.visibility</p:attrName>
+                                        </p:attrNameLst>
+                                      </p:cBhvr>
+                                      <p:to>
+                                        <p:strVal val="visible"/>
+                                      </p:to>
+                                    </p:set>
+                                    <p:animEffect transition="in" filter="fade">
+                                      <p:cBhvr>
+                                        <p:cTn id="27" dur="500"/>
+                                        <p:tgtEl>
+                                          <p:spTgt spid="3">
+                                            <p:txEl>
+                                              <p:pRg st="4" end="4"/>
+                                            </p:txEl>
+                                          </p:spTgt>
+                                        </p:tgtEl>
+                                      </p:cBhvr>
+                                    </p:animEffect>
+                                  </p:childTnLst>
+                                </p:cTn>
+                              </p:par>
+                            </p:childTnLst>
+                          </p:cTn>
+                        </p:par>
+                      </p:childTnLst>
+                    </p:cTn>
+                  </p:par>
+                </p:childTnLst>
+              </p:cTn>
+              <p:prevCondLst>
+                <p:cond evt="onPrev" delay="0">
+                  <p:tgtEl>
+                    <p:sldTgt/>
+                  </p:tgtEl>
+                </p:cond>
+              </p:prevCondLst>
+              <p:nextCondLst>
+                <p:cond evt="onNext" delay="0">
+                  <p:tgtEl>
+                    <p:sldTgt/>
+                  </p:tgtEl>
+                </p:cond>
+              </p:nextCondLst>
+            </p:seq>
+          </p:childTnLst>
+        </p:cTn>
+      </p:par>
+    </p:tnLst>
+    <p:bldLst>
+      <p:bldP spid="3" grpId="0" build="p"/>
     </p:bldLst>
   </p:timing>
 </p:sld>

--- a/presentation/presentation.pptx
+++ b/presentation/presentation.pptx
@@ -6,7 +6,7 @@
     <p:sldMasterId id="2147483660" r:id="rId2"/>
   </p:sldMasterIdLst>
   <p:notesMasterIdLst>
-    <p:notesMasterId r:id="rId44"/>
+    <p:notesMasterId r:id="rId42"/>
   </p:notesMasterIdLst>
   <p:sldIdLst>
     <p:sldId id="256" r:id="rId3"/>
@@ -41,15 +41,13 @@
     <p:sldId id="292" r:id="rId32"/>
     <p:sldId id="289" r:id="rId33"/>
     <p:sldId id="290" r:id="rId34"/>
-    <p:sldId id="291" r:id="rId35"/>
-    <p:sldId id="295" r:id="rId36"/>
-    <p:sldId id="297" r:id="rId37"/>
-    <p:sldId id="298" r:id="rId38"/>
-    <p:sldId id="296" r:id="rId39"/>
-    <p:sldId id="299" r:id="rId40"/>
-    <p:sldId id="300" r:id="rId41"/>
-    <p:sldId id="301" r:id="rId42"/>
-    <p:sldId id="302" r:id="rId43"/>
+    <p:sldId id="297" r:id="rId35"/>
+    <p:sldId id="298" r:id="rId36"/>
+    <p:sldId id="296" r:id="rId37"/>
+    <p:sldId id="299" r:id="rId38"/>
+    <p:sldId id="300" r:id="rId39"/>
+    <p:sldId id="301" r:id="rId40"/>
+    <p:sldId id="302" r:id="rId41"/>
   </p:sldIdLst>
   <p:sldSz cx="12192000" cy="6858000"/>
   <p:notesSz cx="6858000" cy="9144000"/>
@@ -209,8 +207,6 @@
           <p14:sldIdLst>
             <p14:sldId id="289"/>
             <p14:sldId id="290"/>
-            <p14:sldId id="291"/>
-            <p14:sldId id="295"/>
           </p14:sldIdLst>
         </p14:section>
         <p14:section name="A Look at Next Steps" id="{054C77BE-76F1-40B4-AE4C-60B66BF73523}">
@@ -2705,7 +2701,7 @@
           <a:p>
             <a:fld id="{A5C20BB3-3CCB-4FE5-991B-82F6BCB48AF3}" type="datetimeFigureOut">
               <a:rPr lang="en-US" smtClean="0"/>
-              <a:t>3/22/2019</a:t>
+              <a:t>5/29/2019</a:t>
             </a:fld>
             <a:endParaRPr lang="en-US"/>
           </a:p>
@@ -4315,7 +4311,7 @@
             <a:fld id="{B61BEF0D-F0BB-DE4B-95CE-6DB70DBA9567}" type="datetimeFigureOut">
               <a:rPr lang="en-US" dirty="0"/>
               <a:pPr/>
-              <a:t>3/22/2019</a:t>
+              <a:t>5/29/2019</a:t>
             </a:fld>
             <a:endParaRPr lang="en-US" dirty="0"/>
           </a:p>
@@ -4579,7 +4575,7 @@
             <a:fld id="{B61BEF0D-F0BB-DE4B-95CE-6DB70DBA9567}" type="datetimeFigureOut">
               <a:rPr lang="en-US" dirty="0"/>
               <a:pPr/>
-              <a:t>3/22/2019</a:t>
+              <a:t>5/29/2019</a:t>
             </a:fld>
             <a:endParaRPr lang="en-US" dirty="0"/>
           </a:p>
@@ -4816,7 +4812,7 @@
             <a:fld id="{B61BEF0D-F0BB-DE4B-95CE-6DB70DBA9567}" type="datetimeFigureOut">
               <a:rPr lang="en-US" dirty="0"/>
               <a:pPr/>
-              <a:t>3/22/2019</a:t>
+              <a:t>5/29/2019</a:t>
             </a:fld>
             <a:endParaRPr lang="en-US" dirty="0"/>
           </a:p>
@@ -5046,7 +5042,7 @@
           <a:p>
             <a:fld id="{5F9E72CA-C8DB-4FE1-9619-3E0CC03F8A15}" type="datetimeFigureOut">
               <a:rPr lang="en-US" smtClean="0"/>
-              <a:t>3/22/2019</a:t>
+              <a:t>5/29/2019</a:t>
             </a:fld>
             <a:endParaRPr lang="en-US"/>
           </a:p>
@@ -5244,7 +5240,7 @@
           <a:p>
             <a:fld id="{5F9E72CA-C8DB-4FE1-9619-3E0CC03F8A15}" type="datetimeFigureOut">
               <a:rPr lang="en-US" smtClean="0"/>
-              <a:t>3/22/2019</a:t>
+              <a:t>5/29/2019</a:t>
             </a:fld>
             <a:endParaRPr lang="en-US"/>
           </a:p>
@@ -5519,7 +5515,7 @@
           <a:p>
             <a:fld id="{5F9E72CA-C8DB-4FE1-9619-3E0CC03F8A15}" type="datetimeFigureOut">
               <a:rPr lang="en-US" smtClean="0"/>
-              <a:t>3/22/2019</a:t>
+              <a:t>5/29/2019</a:t>
             </a:fld>
             <a:endParaRPr lang="en-US"/>
           </a:p>
@@ -5784,7 +5780,7 @@
           <a:p>
             <a:fld id="{5F9E72CA-C8DB-4FE1-9619-3E0CC03F8A15}" type="datetimeFigureOut">
               <a:rPr lang="en-US" smtClean="0"/>
-              <a:t>3/22/2019</a:t>
+              <a:t>5/29/2019</a:t>
             </a:fld>
             <a:endParaRPr lang="en-US"/>
           </a:p>
@@ -6196,7 +6192,7 @@
           <a:p>
             <a:fld id="{5F9E72CA-C8DB-4FE1-9619-3E0CC03F8A15}" type="datetimeFigureOut">
               <a:rPr lang="en-US" smtClean="0"/>
-              <a:t>3/22/2019</a:t>
+              <a:t>5/29/2019</a:t>
             </a:fld>
             <a:endParaRPr lang="en-US"/>
           </a:p>
@@ -6337,7 +6333,7 @@
           <a:p>
             <a:fld id="{5F9E72CA-C8DB-4FE1-9619-3E0CC03F8A15}" type="datetimeFigureOut">
               <a:rPr lang="en-US" smtClean="0"/>
-              <a:t>3/22/2019</a:t>
+              <a:t>5/29/2019</a:t>
             </a:fld>
             <a:endParaRPr lang="en-US"/>
           </a:p>
@@ -6450,7 +6446,7 @@
           <a:p>
             <a:fld id="{5F9E72CA-C8DB-4FE1-9619-3E0CC03F8A15}" type="datetimeFigureOut">
               <a:rPr lang="en-US" smtClean="0"/>
-              <a:t>3/22/2019</a:t>
+              <a:t>5/29/2019</a:t>
             </a:fld>
             <a:endParaRPr lang="en-US"/>
           </a:p>
@@ -6761,7 +6757,7 @@
           <a:p>
             <a:fld id="{5F9E72CA-C8DB-4FE1-9619-3E0CC03F8A15}" type="datetimeFigureOut">
               <a:rPr lang="en-US" smtClean="0"/>
-              <a:t>3/22/2019</a:t>
+              <a:t>5/29/2019</a:t>
             </a:fld>
             <a:endParaRPr lang="en-US"/>
           </a:p>
@@ -6993,7 +6989,7 @@
             <a:fld id="{B61BEF0D-F0BB-DE4B-95CE-6DB70DBA9567}" type="datetimeFigureOut">
               <a:rPr lang="en-US" dirty="0"/>
               <a:pPr/>
-              <a:t>3/22/2019</a:t>
+              <a:t>5/29/2019</a:t>
             </a:fld>
             <a:endParaRPr lang="en-US" dirty="0"/>
           </a:p>
@@ -7275,7 +7271,7 @@
           <a:p>
             <a:fld id="{5F9E72CA-C8DB-4FE1-9619-3E0CC03F8A15}" type="datetimeFigureOut">
               <a:rPr lang="en-US" smtClean="0"/>
-              <a:t>3/22/2019</a:t>
+              <a:t>5/29/2019</a:t>
             </a:fld>
             <a:endParaRPr lang="en-US"/>
           </a:p>
@@ -7473,7 +7469,7 @@
           <a:p>
             <a:fld id="{5F9E72CA-C8DB-4FE1-9619-3E0CC03F8A15}" type="datetimeFigureOut">
               <a:rPr lang="en-US" smtClean="0"/>
-              <a:t>3/22/2019</a:t>
+              <a:t>5/29/2019</a:t>
             </a:fld>
             <a:endParaRPr lang="en-US"/>
           </a:p>
@@ -7681,7 +7677,7 @@
           <a:p>
             <a:fld id="{5F9E72CA-C8DB-4FE1-9619-3E0CC03F8A15}" type="datetimeFigureOut">
               <a:rPr lang="en-US" smtClean="0"/>
-              <a:t>3/22/2019</a:t>
+              <a:t>5/29/2019</a:t>
             </a:fld>
             <a:endParaRPr lang="en-US"/>
           </a:p>
@@ -7996,7 +7992,7 @@
             <a:fld id="{B61BEF0D-F0BB-DE4B-95CE-6DB70DBA9567}" type="datetimeFigureOut">
               <a:rPr lang="en-US" dirty="0"/>
               <a:pPr/>
-              <a:t>3/22/2019</a:t>
+              <a:t>5/29/2019</a:t>
             </a:fld>
             <a:endParaRPr lang="en-US" dirty="0"/>
           </a:p>
@@ -8300,7 +8296,7 @@
             <a:fld id="{B61BEF0D-F0BB-DE4B-95CE-6DB70DBA9567}" type="datetimeFigureOut">
               <a:rPr lang="en-US" dirty="0"/>
               <a:pPr/>
-              <a:t>3/22/2019</a:t>
+              <a:t>5/29/2019</a:t>
             </a:fld>
             <a:endParaRPr lang="en-US" dirty="0"/>
           </a:p>
@@ -8724,7 +8720,7 @@
             <a:fld id="{B61BEF0D-F0BB-DE4B-95CE-6DB70DBA9567}" type="datetimeFigureOut">
               <a:rPr lang="en-US" dirty="0"/>
               <a:pPr/>
-              <a:t>3/22/2019</a:t>
+              <a:t>5/29/2019</a:t>
             </a:fld>
             <a:endParaRPr lang="en-US" dirty="0"/>
           </a:p>
@@ -8888,7 +8884,7 @@
             <a:fld id="{B61BEF0D-F0BB-DE4B-95CE-6DB70DBA9567}" type="datetimeFigureOut">
               <a:rPr lang="en-US" dirty="0"/>
               <a:pPr/>
-              <a:t>3/22/2019</a:t>
+              <a:t>5/29/2019</a:t>
             </a:fld>
             <a:endParaRPr lang="en-US" dirty="0"/>
           </a:p>
@@ -8985,7 +8981,7 @@
             <a:fld id="{B61BEF0D-F0BB-DE4B-95CE-6DB70DBA9567}" type="datetimeFigureOut">
               <a:rPr lang="en-US" dirty="0"/>
               <a:pPr/>
-              <a:t>3/22/2019</a:t>
+              <a:t>5/29/2019</a:t>
             </a:fld>
             <a:endParaRPr lang="en-US" dirty="0"/>
           </a:p>
@@ -9365,7 +9361,7 @@
             <a:fld id="{B61BEF0D-F0BB-DE4B-95CE-6DB70DBA9567}" type="datetimeFigureOut">
               <a:rPr lang="en-US" dirty="0"/>
               <a:pPr/>
-              <a:t>3/22/2019</a:t>
+              <a:t>5/29/2019</a:t>
             </a:fld>
             <a:endParaRPr lang="en-US" dirty="0"/>
           </a:p>
@@ -9656,7 +9652,7 @@
             <a:fld id="{B61BEF0D-F0BB-DE4B-95CE-6DB70DBA9567}" type="datetimeFigureOut">
               <a:rPr lang="en-US" dirty="0"/>
               <a:pPr/>
-              <a:t>3/22/2019</a:t>
+              <a:t>5/29/2019</a:t>
             </a:fld>
             <a:endParaRPr lang="en-US" dirty="0"/>
           </a:p>
@@ -9869,7 +9865,7 @@
             <a:fld id="{B61BEF0D-F0BB-DE4B-95CE-6DB70DBA9567}" type="datetimeFigureOut">
               <a:rPr lang="en-US" dirty="0"/>
               <a:pPr/>
-              <a:t>3/22/2019</a:t>
+              <a:t>5/29/2019</a:t>
             </a:fld>
             <a:endParaRPr lang="en-US" dirty="0"/>
           </a:p>
@@ -10622,7 +10618,7 @@
           <a:p>
             <a:fld id="{5F9E72CA-C8DB-4FE1-9619-3E0CC03F8A15}" type="datetimeFigureOut">
               <a:rPr lang="en-US" smtClean="0"/>
-              <a:t>3/22/2019</a:t>
+              <a:t>5/29/2019</a:t>
             </a:fld>
             <a:endParaRPr lang="en-US"/>
           </a:p>
@@ -11058,7 +11054,7 @@
                 <a16:creationId xmlns:a16="http://schemas.microsoft.com/office/drawing/2014/main" id="{5B32A67F-3598-4A13-8552-DA884FFCCE57}"/>
               </a:ext>
               <a:ext uri="{C183D7F6-B498-43B3-948B-1728B52AA6E4}">
-                <adec:decorative xmlns:adec="http://schemas.microsoft.com/office/drawing/2017/decorative" xmlns="" val="1"/>
+                <adec:decorative xmlns="" xmlns:adec="http://schemas.microsoft.com/office/drawing/2017/decorative" val="1"/>
               </a:ext>
             </a:extLst>
           </p:cNvPr>
@@ -11204,7 +11200,7 @@
                 <a16:creationId xmlns:a16="http://schemas.microsoft.com/office/drawing/2014/main" id="{BCC55ACC-A2F6-403C-A3A4-D59B3734D45F}"/>
               </a:ext>
               <a:ext uri="{C183D7F6-B498-43B3-948B-1728B52AA6E4}">
-                <adec:decorative xmlns:adec="http://schemas.microsoft.com/office/drawing/2017/decorative" xmlns="" val="1"/>
+                <adec:decorative xmlns="" xmlns:adec="http://schemas.microsoft.com/office/drawing/2017/decorative" val="1"/>
               </a:ext>
             </a:extLst>
           </p:cNvPr>
@@ -11405,7 +11401,7 @@
                 <a16:creationId xmlns:a16="http://schemas.microsoft.com/office/drawing/2014/main" id="{598EBA13-C937-430B-9523-439FE21096E6}"/>
               </a:ext>
               <a:ext uri="{C183D7F6-B498-43B3-948B-1728B52AA6E4}">
-                <adec:decorative xmlns:adec="http://schemas.microsoft.com/office/drawing/2017/decorative" xmlns="" val="1"/>
+                <adec:decorative xmlns="" xmlns:adec="http://schemas.microsoft.com/office/drawing/2017/decorative" val="1"/>
               </a:ext>
             </a:extLst>
           </p:cNvPr>
@@ -13744,7 +13740,7 @@
                 <a16:creationId xmlns:a16="http://schemas.microsoft.com/office/drawing/2014/main" id="{C0B27210-D0CA-4654-B3E3-9ABB4F178EA1}"/>
               </a:ext>
               <a:ext uri="{C183D7F6-B498-43B3-948B-1728B52AA6E4}">
-                <adec:decorative xmlns:adec="http://schemas.microsoft.com/office/drawing/2017/decorative" xmlns="" val="1"/>
+                <adec:decorative xmlns="" xmlns:adec="http://schemas.microsoft.com/office/drawing/2017/decorative" val="1"/>
               </a:ext>
             </a:extLst>
           </p:cNvPr>
@@ -13929,7 +13925,7 @@
                 <a16:creationId xmlns:a16="http://schemas.microsoft.com/office/drawing/2014/main" id="{1DB7C82F-AB7E-4F0C-B829-FA1B9C415180}"/>
               </a:ext>
               <a:ext uri="{C183D7F6-B498-43B3-948B-1728B52AA6E4}">
-                <adec:decorative xmlns:adec="http://schemas.microsoft.com/office/drawing/2017/decorative" xmlns="" val="1"/>
+                <adec:decorative xmlns="" xmlns:adec="http://schemas.microsoft.com/office/drawing/2017/decorative" val="1"/>
               </a:ext>
             </a:extLst>
           </p:cNvPr>
@@ -14096,7 +14092,7 @@
                 <a16:creationId xmlns:a16="http://schemas.microsoft.com/office/drawing/2014/main" id="{70B66945-4967-4040-926D-DCA44313CDAB}"/>
               </a:ext>
               <a:ext uri="{C183D7F6-B498-43B3-948B-1728B52AA6E4}">
-                <adec:decorative xmlns:adec="http://schemas.microsoft.com/office/drawing/2017/decorative" xmlns="" val="1"/>
+                <adec:decorative xmlns="" xmlns:adec="http://schemas.microsoft.com/office/drawing/2017/decorative" val="1"/>
               </a:ext>
             </a:extLst>
           </p:cNvPr>
@@ -14274,7 +14270,7 @@
                 <a14:useLocalDpi xmlns:a14="http://schemas.microsoft.com/office/drawing/2010/main" val="0"/>
               </a:ext>
               <a:ext uri="{837473B0-CC2E-450A-ABE3-18F120FF3D39}">
-                <a1611:picAttrSrcUrl xmlns:a1611="http://schemas.microsoft.com/office/drawing/2016/11/main" xmlns="" r:id="rId3"/>
+                <a1611:picAttrSrcUrl xmlns="" xmlns:a1611="http://schemas.microsoft.com/office/drawing/2016/11/main" r:id="rId3"/>
               </a:ext>
             </a:extLst>
           </a:blip>
@@ -30836,1399 +30832,6 @@
           <p:cNvPr id="2" name="Title 1">
             <a:extLst>
               <a:ext uri="{FF2B5EF4-FFF2-40B4-BE49-F238E27FC236}">
-                <a16:creationId xmlns:a16="http://schemas.microsoft.com/office/drawing/2014/main" id="{ACFB7AEA-DEDF-4BAC-BBCD-F8EF3CA32FB0}"/>
-              </a:ext>
-            </a:extLst>
-          </p:cNvPr>
-          <p:cNvSpPr>
-            <a:spLocks noGrp="1"/>
-          </p:cNvSpPr>
-          <p:nvPr>
-            <p:ph type="title"/>
-          </p:nvPr>
-        </p:nvSpPr>
-        <p:spPr/>
-        <p:txBody>
-          <a:bodyPr/>
-          <a:lstStyle/>
-          <a:p>
-            <a:r>
-              <a:rPr lang="en-US" dirty="0"/>
-              <a:t>Doomsday Docker Security Hole Uncovered</a:t>
-            </a:r>
-          </a:p>
-        </p:txBody>
-      </p:sp>
-      <p:sp>
-        <p:nvSpPr>
-          <p:cNvPr id="3" name="Content Placeholder 2">
-            <a:extLst>
-              <a:ext uri="{FF2B5EF4-FFF2-40B4-BE49-F238E27FC236}">
-                <a16:creationId xmlns:a16="http://schemas.microsoft.com/office/drawing/2014/main" id="{A9EAF4E8-D8F2-4795-9026-ECB4D891615F}"/>
-              </a:ext>
-            </a:extLst>
-          </p:cNvPr>
-          <p:cNvSpPr>
-            <a:spLocks noGrp="1"/>
-          </p:cNvSpPr>
-          <p:nvPr>
-            <p:ph idx="1"/>
-          </p:nvPr>
-        </p:nvSpPr>
-        <p:spPr/>
-        <p:txBody>
-          <a:bodyPr/>
-          <a:lstStyle/>
-          <a:p>
-            <a:r>
-              <a:rPr lang="en-US" dirty="0"/>
-              <a:t>I’m </a:t>
-            </a:r>
-            <a:r>
-              <a:rPr lang="en-US" b="1" i="1" u="sng" dirty="0">
-                <a:solidFill>
-                  <a:srgbClr val="FF0000"/>
-                </a:solidFill>
-              </a:rPr>
-              <a:t>SUPER</a:t>
-            </a:r>
-            <a:r>
-              <a:rPr lang="en-US" dirty="0"/>
-              <a:t> sad about this.</a:t>
-            </a:r>
-          </a:p>
-          <a:p>
-            <a:r>
-              <a:rPr lang="en-US" dirty="0"/>
-              <a:t>One of the great fears about docker realized.</a:t>
-            </a:r>
-          </a:p>
-          <a:p>
-            <a:r>
-              <a:rPr lang="en-US" dirty="0"/>
-              <a:t>About </a:t>
-            </a:r>
-            <a:r>
-              <a:rPr lang="en-US" dirty="0" err="1"/>
-              <a:t>RunC</a:t>
-            </a:r>
-            <a:endParaRPr lang="en-US" dirty="0"/>
-          </a:p>
-          <a:p>
-            <a:pPr lvl="1"/>
-            <a:r>
-              <a:rPr lang="en-US" dirty="0"/>
-              <a:t>Underlying runtime for Docker, Kubernetes, and other container-dependent programs</a:t>
-            </a:r>
-          </a:p>
-          <a:p>
-            <a:pPr lvl="1"/>
-            <a:r>
-              <a:rPr lang="en-US" dirty="0"/>
-              <a:t>Created by Docker / Now an open-container initiative specification</a:t>
-            </a:r>
-          </a:p>
-          <a:p>
-            <a:pPr lvl="1"/>
-            <a:r>
-              <a:rPr lang="en-US" dirty="0"/>
-              <a:t>Almost every container on earth is running on the </a:t>
-            </a:r>
-            <a:r>
-              <a:rPr lang="en-US" dirty="0" err="1"/>
-              <a:t>RunC</a:t>
-            </a:r>
-            <a:r>
-              <a:rPr lang="en-US" dirty="0"/>
-              <a:t> runtime</a:t>
-            </a:r>
-          </a:p>
-          <a:p>
-            <a:r>
-              <a:rPr lang="en-US" dirty="0"/>
-              <a:t>Allows a container to overwrite the host </a:t>
-            </a:r>
-            <a:r>
-              <a:rPr lang="en-US" dirty="0" err="1"/>
-              <a:t>RunC</a:t>
-            </a:r>
-            <a:r>
-              <a:rPr lang="en-US" dirty="0"/>
-              <a:t> binary and gain root-level execution on the host OS</a:t>
-            </a:r>
-          </a:p>
-        </p:txBody>
-      </p:sp>
-    </p:spTree>
-    <p:extLst>
-      <p:ext uri="{BB962C8B-B14F-4D97-AF65-F5344CB8AC3E}">
-        <p14:creationId xmlns:p14="http://schemas.microsoft.com/office/powerpoint/2010/main" val="2537397999"/>
-      </p:ext>
-    </p:extLst>
-  </p:cSld>
-  <p:clrMapOvr>
-    <a:masterClrMapping/>
-  </p:clrMapOvr>
-  <p:timing>
-    <p:tnLst>
-      <p:par>
-        <p:cTn id="1" dur="indefinite" restart="never" nodeType="tmRoot">
-          <p:childTnLst>
-            <p:seq concurrent="1" nextAc="seek">
-              <p:cTn id="2" dur="indefinite" nodeType="mainSeq">
-                <p:childTnLst>
-                  <p:par>
-                    <p:cTn id="3" fill="hold">
-                      <p:stCondLst>
-                        <p:cond delay="indefinite"/>
-                      </p:stCondLst>
-                      <p:childTnLst>
-                        <p:par>
-                          <p:cTn id="4" fill="hold">
-                            <p:stCondLst>
-                              <p:cond delay="0"/>
-                            </p:stCondLst>
-                            <p:childTnLst>
-                              <p:par>
-                                <p:cTn id="5" presetID="10" presetClass="entr" presetSubtype="0" fill="hold" grpId="0" nodeType="clickEffect">
-                                  <p:stCondLst>
-                                    <p:cond delay="0"/>
-                                  </p:stCondLst>
-                                  <p:childTnLst>
-                                    <p:set>
-                                      <p:cBhvr>
-                                        <p:cTn id="6" dur="1" fill="hold">
-                                          <p:stCondLst>
-                                            <p:cond delay="0"/>
-                                          </p:stCondLst>
-                                        </p:cTn>
-                                        <p:tgtEl>
-                                          <p:spTgt spid="3">
-                                            <p:txEl>
-                                              <p:pRg st="0" end="0"/>
-                                            </p:txEl>
-                                          </p:spTgt>
-                                        </p:tgtEl>
-                                        <p:attrNameLst>
-                                          <p:attrName>style.visibility</p:attrName>
-                                        </p:attrNameLst>
-                                      </p:cBhvr>
-                                      <p:to>
-                                        <p:strVal val="visible"/>
-                                      </p:to>
-                                    </p:set>
-                                    <p:animEffect transition="in" filter="fade">
-                                      <p:cBhvr>
-                                        <p:cTn id="7" dur="500"/>
-                                        <p:tgtEl>
-                                          <p:spTgt spid="3">
-                                            <p:txEl>
-                                              <p:pRg st="0" end="0"/>
-                                            </p:txEl>
-                                          </p:spTgt>
-                                        </p:tgtEl>
-                                      </p:cBhvr>
-                                    </p:animEffect>
-                                  </p:childTnLst>
-                                </p:cTn>
-                              </p:par>
-                            </p:childTnLst>
-                          </p:cTn>
-                        </p:par>
-                      </p:childTnLst>
-                    </p:cTn>
-                  </p:par>
-                  <p:par>
-                    <p:cTn id="8" fill="hold">
-                      <p:stCondLst>
-                        <p:cond delay="indefinite"/>
-                      </p:stCondLst>
-                      <p:childTnLst>
-                        <p:par>
-                          <p:cTn id="9" fill="hold">
-                            <p:stCondLst>
-                              <p:cond delay="0"/>
-                            </p:stCondLst>
-                            <p:childTnLst>
-                              <p:par>
-                                <p:cTn id="10" presetID="10" presetClass="entr" presetSubtype="0" fill="hold" grpId="0" nodeType="clickEffect">
-                                  <p:stCondLst>
-                                    <p:cond delay="0"/>
-                                  </p:stCondLst>
-                                  <p:childTnLst>
-                                    <p:set>
-                                      <p:cBhvr>
-                                        <p:cTn id="11" dur="1" fill="hold">
-                                          <p:stCondLst>
-                                            <p:cond delay="0"/>
-                                          </p:stCondLst>
-                                        </p:cTn>
-                                        <p:tgtEl>
-                                          <p:spTgt spid="3">
-                                            <p:txEl>
-                                              <p:pRg st="1" end="1"/>
-                                            </p:txEl>
-                                          </p:spTgt>
-                                        </p:tgtEl>
-                                        <p:attrNameLst>
-                                          <p:attrName>style.visibility</p:attrName>
-                                        </p:attrNameLst>
-                                      </p:cBhvr>
-                                      <p:to>
-                                        <p:strVal val="visible"/>
-                                      </p:to>
-                                    </p:set>
-                                    <p:animEffect transition="in" filter="fade">
-                                      <p:cBhvr>
-                                        <p:cTn id="12" dur="500"/>
-                                        <p:tgtEl>
-                                          <p:spTgt spid="3">
-                                            <p:txEl>
-                                              <p:pRg st="1" end="1"/>
-                                            </p:txEl>
-                                          </p:spTgt>
-                                        </p:tgtEl>
-                                      </p:cBhvr>
-                                    </p:animEffect>
-                                  </p:childTnLst>
-                                </p:cTn>
-                              </p:par>
-                            </p:childTnLst>
-                          </p:cTn>
-                        </p:par>
-                      </p:childTnLst>
-                    </p:cTn>
-                  </p:par>
-                  <p:par>
-                    <p:cTn id="13" fill="hold">
-                      <p:stCondLst>
-                        <p:cond delay="indefinite"/>
-                      </p:stCondLst>
-                      <p:childTnLst>
-                        <p:par>
-                          <p:cTn id="14" fill="hold">
-                            <p:stCondLst>
-                              <p:cond delay="0"/>
-                            </p:stCondLst>
-                            <p:childTnLst>
-                              <p:par>
-                                <p:cTn id="15" presetID="10" presetClass="entr" presetSubtype="0" fill="hold" grpId="0" nodeType="clickEffect">
-                                  <p:stCondLst>
-                                    <p:cond delay="0"/>
-                                  </p:stCondLst>
-                                  <p:childTnLst>
-                                    <p:set>
-                                      <p:cBhvr>
-                                        <p:cTn id="16" dur="1" fill="hold">
-                                          <p:stCondLst>
-                                            <p:cond delay="0"/>
-                                          </p:stCondLst>
-                                        </p:cTn>
-                                        <p:tgtEl>
-                                          <p:spTgt spid="3">
-                                            <p:txEl>
-                                              <p:pRg st="2" end="2"/>
-                                            </p:txEl>
-                                          </p:spTgt>
-                                        </p:tgtEl>
-                                        <p:attrNameLst>
-                                          <p:attrName>style.visibility</p:attrName>
-                                        </p:attrNameLst>
-                                      </p:cBhvr>
-                                      <p:to>
-                                        <p:strVal val="visible"/>
-                                      </p:to>
-                                    </p:set>
-                                    <p:animEffect transition="in" filter="fade">
-                                      <p:cBhvr>
-                                        <p:cTn id="17" dur="500"/>
-                                        <p:tgtEl>
-                                          <p:spTgt spid="3">
-                                            <p:txEl>
-                                              <p:pRg st="2" end="2"/>
-                                            </p:txEl>
-                                          </p:spTgt>
-                                        </p:tgtEl>
-                                      </p:cBhvr>
-                                    </p:animEffect>
-                                  </p:childTnLst>
-                                </p:cTn>
-                              </p:par>
-                              <p:par>
-                                <p:cTn id="18" presetID="10" presetClass="entr" presetSubtype="0" fill="hold" grpId="0" nodeType="withEffect">
-                                  <p:stCondLst>
-                                    <p:cond delay="0"/>
-                                  </p:stCondLst>
-                                  <p:childTnLst>
-                                    <p:set>
-                                      <p:cBhvr>
-                                        <p:cTn id="19" dur="1" fill="hold">
-                                          <p:stCondLst>
-                                            <p:cond delay="0"/>
-                                          </p:stCondLst>
-                                        </p:cTn>
-                                        <p:tgtEl>
-                                          <p:spTgt spid="3">
-                                            <p:txEl>
-                                              <p:pRg st="3" end="3"/>
-                                            </p:txEl>
-                                          </p:spTgt>
-                                        </p:tgtEl>
-                                        <p:attrNameLst>
-                                          <p:attrName>style.visibility</p:attrName>
-                                        </p:attrNameLst>
-                                      </p:cBhvr>
-                                      <p:to>
-                                        <p:strVal val="visible"/>
-                                      </p:to>
-                                    </p:set>
-                                    <p:animEffect transition="in" filter="fade">
-                                      <p:cBhvr>
-                                        <p:cTn id="20" dur="500"/>
-                                        <p:tgtEl>
-                                          <p:spTgt spid="3">
-                                            <p:txEl>
-                                              <p:pRg st="3" end="3"/>
-                                            </p:txEl>
-                                          </p:spTgt>
-                                        </p:tgtEl>
-                                      </p:cBhvr>
-                                    </p:animEffect>
-                                  </p:childTnLst>
-                                </p:cTn>
-                              </p:par>
-                              <p:par>
-                                <p:cTn id="21" presetID="10" presetClass="entr" presetSubtype="0" fill="hold" grpId="0" nodeType="withEffect">
-                                  <p:stCondLst>
-                                    <p:cond delay="0"/>
-                                  </p:stCondLst>
-                                  <p:childTnLst>
-                                    <p:set>
-                                      <p:cBhvr>
-                                        <p:cTn id="22" dur="1" fill="hold">
-                                          <p:stCondLst>
-                                            <p:cond delay="0"/>
-                                          </p:stCondLst>
-                                        </p:cTn>
-                                        <p:tgtEl>
-                                          <p:spTgt spid="3">
-                                            <p:txEl>
-                                              <p:pRg st="4" end="4"/>
-                                            </p:txEl>
-                                          </p:spTgt>
-                                        </p:tgtEl>
-                                        <p:attrNameLst>
-                                          <p:attrName>style.visibility</p:attrName>
-                                        </p:attrNameLst>
-                                      </p:cBhvr>
-                                      <p:to>
-                                        <p:strVal val="visible"/>
-                                      </p:to>
-                                    </p:set>
-                                    <p:animEffect transition="in" filter="fade">
-                                      <p:cBhvr>
-                                        <p:cTn id="23" dur="500"/>
-                                        <p:tgtEl>
-                                          <p:spTgt spid="3">
-                                            <p:txEl>
-                                              <p:pRg st="4" end="4"/>
-                                            </p:txEl>
-                                          </p:spTgt>
-                                        </p:tgtEl>
-                                      </p:cBhvr>
-                                    </p:animEffect>
-                                  </p:childTnLst>
-                                </p:cTn>
-                              </p:par>
-                              <p:par>
-                                <p:cTn id="24" presetID="10" presetClass="entr" presetSubtype="0" fill="hold" grpId="0" nodeType="withEffect">
-                                  <p:stCondLst>
-                                    <p:cond delay="0"/>
-                                  </p:stCondLst>
-                                  <p:childTnLst>
-                                    <p:set>
-                                      <p:cBhvr>
-                                        <p:cTn id="25" dur="1" fill="hold">
-                                          <p:stCondLst>
-                                            <p:cond delay="0"/>
-                                          </p:stCondLst>
-                                        </p:cTn>
-                                        <p:tgtEl>
-                                          <p:spTgt spid="3">
-                                            <p:txEl>
-                                              <p:pRg st="5" end="5"/>
-                                            </p:txEl>
-                                          </p:spTgt>
-                                        </p:tgtEl>
-                                        <p:attrNameLst>
-                                          <p:attrName>style.visibility</p:attrName>
-                                        </p:attrNameLst>
-                                      </p:cBhvr>
-                                      <p:to>
-                                        <p:strVal val="visible"/>
-                                      </p:to>
-                                    </p:set>
-                                    <p:animEffect transition="in" filter="fade">
-                                      <p:cBhvr>
-                                        <p:cTn id="26" dur="500"/>
-                                        <p:tgtEl>
-                                          <p:spTgt spid="3">
-                                            <p:txEl>
-                                              <p:pRg st="5" end="5"/>
-                                            </p:txEl>
-                                          </p:spTgt>
-                                        </p:tgtEl>
-                                      </p:cBhvr>
-                                    </p:animEffect>
-                                  </p:childTnLst>
-                                </p:cTn>
-                              </p:par>
-                            </p:childTnLst>
-                          </p:cTn>
-                        </p:par>
-                      </p:childTnLst>
-                    </p:cTn>
-                  </p:par>
-                  <p:par>
-                    <p:cTn id="27" fill="hold">
-                      <p:stCondLst>
-                        <p:cond delay="indefinite"/>
-                      </p:stCondLst>
-                      <p:childTnLst>
-                        <p:par>
-                          <p:cTn id="28" fill="hold">
-                            <p:stCondLst>
-                              <p:cond delay="0"/>
-                            </p:stCondLst>
-                            <p:childTnLst>
-                              <p:par>
-                                <p:cTn id="29" presetID="10" presetClass="entr" presetSubtype="0" fill="hold" grpId="0" nodeType="clickEffect">
-                                  <p:stCondLst>
-                                    <p:cond delay="0"/>
-                                  </p:stCondLst>
-                                  <p:childTnLst>
-                                    <p:set>
-                                      <p:cBhvr>
-                                        <p:cTn id="30" dur="1" fill="hold">
-                                          <p:stCondLst>
-                                            <p:cond delay="0"/>
-                                          </p:stCondLst>
-                                        </p:cTn>
-                                        <p:tgtEl>
-                                          <p:spTgt spid="3">
-                                            <p:txEl>
-                                              <p:pRg st="6" end="6"/>
-                                            </p:txEl>
-                                          </p:spTgt>
-                                        </p:tgtEl>
-                                        <p:attrNameLst>
-                                          <p:attrName>style.visibility</p:attrName>
-                                        </p:attrNameLst>
-                                      </p:cBhvr>
-                                      <p:to>
-                                        <p:strVal val="visible"/>
-                                      </p:to>
-                                    </p:set>
-                                    <p:animEffect transition="in" filter="fade">
-                                      <p:cBhvr>
-                                        <p:cTn id="31" dur="500"/>
-                                        <p:tgtEl>
-                                          <p:spTgt spid="3">
-                                            <p:txEl>
-                                              <p:pRg st="6" end="6"/>
-                                            </p:txEl>
-                                          </p:spTgt>
-                                        </p:tgtEl>
-                                      </p:cBhvr>
-                                    </p:animEffect>
-                                  </p:childTnLst>
-                                </p:cTn>
-                              </p:par>
-                            </p:childTnLst>
-                          </p:cTn>
-                        </p:par>
-                      </p:childTnLst>
-                    </p:cTn>
-                  </p:par>
-                </p:childTnLst>
-              </p:cTn>
-              <p:prevCondLst>
-                <p:cond evt="onPrev" delay="0">
-                  <p:tgtEl>
-                    <p:sldTgt/>
-                  </p:tgtEl>
-                </p:cond>
-              </p:prevCondLst>
-              <p:nextCondLst>
-                <p:cond evt="onNext" delay="0">
-                  <p:tgtEl>
-                    <p:sldTgt/>
-                  </p:tgtEl>
-                </p:cond>
-              </p:nextCondLst>
-            </p:seq>
-          </p:childTnLst>
-        </p:cTn>
-      </p:par>
-    </p:tnLst>
-    <p:bldLst>
-      <p:bldP spid="3" grpId="0" build="p"/>
-    </p:bldLst>
-  </p:timing>
-</p:sld>
-</file>
-
-<file path=ppt/slides/slide34.xml><?xml version="1.0" encoding="utf-8"?>
-<p:sld xmlns:a="http://schemas.openxmlformats.org/drawingml/2006/main" xmlns:r="http://schemas.openxmlformats.org/officeDocument/2006/relationships" xmlns:p="http://schemas.openxmlformats.org/presentationml/2006/main">
-  <p:cSld>
-    <p:spTree>
-      <p:nvGrpSpPr>
-        <p:cNvPr id="1" name=""/>
-        <p:cNvGrpSpPr/>
-        <p:nvPr/>
-      </p:nvGrpSpPr>
-      <p:grpSpPr>
-        <a:xfrm>
-          <a:off x="0" y="0"/>
-          <a:ext cx="0" cy="0"/>
-          <a:chOff x="0" y="0"/>
-          <a:chExt cx="0" cy="0"/>
-        </a:xfrm>
-      </p:grpSpPr>
-      <p:sp>
-        <p:nvSpPr>
-          <p:cNvPr id="2" name="Title 1">
-            <a:extLst>
-              <a:ext uri="{FF2B5EF4-FFF2-40B4-BE49-F238E27FC236}">
-                <a16:creationId xmlns:a16="http://schemas.microsoft.com/office/drawing/2014/main" id="{F4A4927C-E550-4E2A-ADE0-79818A37F3EA}"/>
-              </a:ext>
-            </a:extLst>
-          </p:cNvPr>
-          <p:cNvSpPr>
-            <a:spLocks noGrp="1"/>
-          </p:cNvSpPr>
-          <p:nvPr>
-            <p:ph type="title"/>
-          </p:nvPr>
-        </p:nvSpPr>
-        <p:spPr/>
-        <p:txBody>
-          <a:bodyPr/>
-          <a:lstStyle/>
-          <a:p>
-            <a:r>
-              <a:rPr lang="en-US" dirty="0"/>
-              <a:t>Doomsday Docker Security Caveats</a:t>
-            </a:r>
-          </a:p>
-        </p:txBody>
-      </p:sp>
-      <p:sp>
-        <p:nvSpPr>
-          <p:cNvPr id="3" name="Content Placeholder 2">
-            <a:extLst>
-              <a:ext uri="{FF2B5EF4-FFF2-40B4-BE49-F238E27FC236}">
-                <a16:creationId xmlns:a16="http://schemas.microsoft.com/office/drawing/2014/main" id="{2B86B426-1E18-459B-8C98-051B5B1C7019}"/>
-              </a:ext>
-            </a:extLst>
-          </p:cNvPr>
-          <p:cNvSpPr>
-            <a:spLocks noGrp="1"/>
-          </p:cNvSpPr>
-          <p:nvPr>
-            <p:ph idx="1"/>
-          </p:nvPr>
-        </p:nvSpPr>
-        <p:spPr>
-          <a:xfrm>
-            <a:off x="581192" y="2180496"/>
-            <a:ext cx="11029615" cy="4328215"/>
-          </a:xfrm>
-        </p:spPr>
-        <p:txBody>
-          <a:bodyPr>
-            <a:normAutofit fontScale="92500" lnSpcReduction="10000"/>
-          </a:bodyPr>
-          <a:lstStyle/>
-          <a:p>
-            <a:r>
-              <a:rPr lang="en-US" b="1" dirty="0"/>
-              <a:t>The problem highlights the newness of containers and the underlying tech.  However…</a:t>
-            </a:r>
-          </a:p>
-          <a:p>
-            <a:r>
-              <a:rPr lang="en-US" dirty="0"/>
-              <a:t>The community works like it is supposed to.</a:t>
-            </a:r>
-          </a:p>
-          <a:p>
-            <a:pPr lvl="1"/>
-            <a:r>
-              <a:rPr lang="en-US" dirty="0"/>
-              <a:t>A researcher found and documented the problem first</a:t>
-            </a:r>
-          </a:p>
-          <a:p>
-            <a:pPr lvl="1"/>
-            <a:r>
-              <a:rPr lang="en-US" dirty="0"/>
-              <a:t>No known exploits occurred (as of this writing)</a:t>
-            </a:r>
-          </a:p>
-          <a:p>
-            <a:r>
-              <a:rPr lang="en-US" dirty="0"/>
-              <a:t>The problem was fixed in three days</a:t>
-            </a:r>
-          </a:p>
-          <a:p>
-            <a:r>
-              <a:rPr lang="en-US" dirty="0"/>
-              <a:t>Hosts runtimes were easy to patch</a:t>
-            </a:r>
-          </a:p>
-          <a:p>
-            <a:endParaRPr lang="en-US" dirty="0"/>
-          </a:p>
-          <a:p>
-            <a:r>
-              <a:rPr lang="en-US" dirty="0"/>
-              <a:t>Fortunately, the attacker must be able to run commands within the container as root</a:t>
-            </a:r>
-          </a:p>
-          <a:p>
-            <a:r>
-              <a:rPr lang="en-US" dirty="0"/>
-              <a:t>If the host is secured, and the container is secured from malicious access, the problem is moot</a:t>
-            </a:r>
-          </a:p>
-          <a:p>
-            <a:r>
-              <a:rPr lang="en-US" dirty="0"/>
-              <a:t>This means the container must be based on a malicious root image</a:t>
-            </a:r>
-          </a:p>
-          <a:p>
-            <a:r>
-              <a:rPr lang="en-US" dirty="0"/>
-              <a:t>Lots of sysadmins are lazy and do not examine containers</a:t>
-            </a:r>
-          </a:p>
-          <a:p>
-            <a:r>
-              <a:rPr lang="en-US" dirty="0"/>
-              <a:t>If we adopt containers, we cannot be haphazard about it</a:t>
-            </a:r>
-          </a:p>
-          <a:p>
-            <a:endParaRPr lang="en-US" dirty="0"/>
-          </a:p>
-        </p:txBody>
-      </p:sp>
-    </p:spTree>
-    <p:extLst>
-      <p:ext uri="{BB962C8B-B14F-4D97-AF65-F5344CB8AC3E}">
-        <p14:creationId xmlns:p14="http://schemas.microsoft.com/office/powerpoint/2010/main" val="2888075301"/>
-      </p:ext>
-    </p:extLst>
-  </p:cSld>
-  <p:clrMapOvr>
-    <a:masterClrMapping/>
-  </p:clrMapOvr>
-  <p:timing>
-    <p:tnLst>
-      <p:par>
-        <p:cTn id="1" dur="indefinite" restart="never" nodeType="tmRoot">
-          <p:childTnLst>
-            <p:seq concurrent="1" nextAc="seek">
-              <p:cTn id="2" dur="indefinite" nodeType="mainSeq">
-                <p:childTnLst>
-                  <p:par>
-                    <p:cTn id="3" fill="hold">
-                      <p:stCondLst>
-                        <p:cond delay="indefinite"/>
-                      </p:stCondLst>
-                      <p:childTnLst>
-                        <p:par>
-                          <p:cTn id="4" fill="hold">
-                            <p:stCondLst>
-                              <p:cond delay="0"/>
-                            </p:stCondLst>
-                            <p:childTnLst>
-                              <p:par>
-                                <p:cTn id="5" presetID="10" presetClass="entr" presetSubtype="0" fill="hold" grpId="0" nodeType="clickEffect">
-                                  <p:stCondLst>
-                                    <p:cond delay="0"/>
-                                  </p:stCondLst>
-                                  <p:childTnLst>
-                                    <p:set>
-                                      <p:cBhvr>
-                                        <p:cTn id="6" dur="1" fill="hold">
-                                          <p:stCondLst>
-                                            <p:cond delay="0"/>
-                                          </p:stCondLst>
-                                        </p:cTn>
-                                        <p:tgtEl>
-                                          <p:spTgt spid="3">
-                                            <p:txEl>
-                                              <p:pRg st="0" end="0"/>
-                                            </p:txEl>
-                                          </p:spTgt>
-                                        </p:tgtEl>
-                                        <p:attrNameLst>
-                                          <p:attrName>style.visibility</p:attrName>
-                                        </p:attrNameLst>
-                                      </p:cBhvr>
-                                      <p:to>
-                                        <p:strVal val="visible"/>
-                                      </p:to>
-                                    </p:set>
-                                    <p:animEffect transition="in" filter="fade">
-                                      <p:cBhvr>
-                                        <p:cTn id="7" dur="500"/>
-                                        <p:tgtEl>
-                                          <p:spTgt spid="3">
-                                            <p:txEl>
-                                              <p:pRg st="0" end="0"/>
-                                            </p:txEl>
-                                          </p:spTgt>
-                                        </p:tgtEl>
-                                      </p:cBhvr>
-                                    </p:animEffect>
-                                  </p:childTnLst>
-                                </p:cTn>
-                              </p:par>
-                            </p:childTnLst>
-                          </p:cTn>
-                        </p:par>
-                      </p:childTnLst>
-                    </p:cTn>
-                  </p:par>
-                  <p:par>
-                    <p:cTn id="8" fill="hold">
-                      <p:stCondLst>
-                        <p:cond delay="indefinite"/>
-                      </p:stCondLst>
-                      <p:childTnLst>
-                        <p:par>
-                          <p:cTn id="9" fill="hold">
-                            <p:stCondLst>
-                              <p:cond delay="0"/>
-                            </p:stCondLst>
-                            <p:childTnLst>
-                              <p:par>
-                                <p:cTn id="10" presetID="10" presetClass="entr" presetSubtype="0" fill="hold" grpId="0" nodeType="clickEffect">
-                                  <p:stCondLst>
-                                    <p:cond delay="0"/>
-                                  </p:stCondLst>
-                                  <p:childTnLst>
-                                    <p:set>
-                                      <p:cBhvr>
-                                        <p:cTn id="11" dur="1" fill="hold">
-                                          <p:stCondLst>
-                                            <p:cond delay="0"/>
-                                          </p:stCondLst>
-                                        </p:cTn>
-                                        <p:tgtEl>
-                                          <p:spTgt spid="3">
-                                            <p:txEl>
-                                              <p:pRg st="1" end="1"/>
-                                            </p:txEl>
-                                          </p:spTgt>
-                                        </p:tgtEl>
-                                        <p:attrNameLst>
-                                          <p:attrName>style.visibility</p:attrName>
-                                        </p:attrNameLst>
-                                      </p:cBhvr>
-                                      <p:to>
-                                        <p:strVal val="visible"/>
-                                      </p:to>
-                                    </p:set>
-                                    <p:animEffect transition="in" filter="fade">
-                                      <p:cBhvr>
-                                        <p:cTn id="12" dur="500"/>
-                                        <p:tgtEl>
-                                          <p:spTgt spid="3">
-                                            <p:txEl>
-                                              <p:pRg st="1" end="1"/>
-                                            </p:txEl>
-                                          </p:spTgt>
-                                        </p:tgtEl>
-                                      </p:cBhvr>
-                                    </p:animEffect>
-                                  </p:childTnLst>
-                                </p:cTn>
-                              </p:par>
-                              <p:par>
-                                <p:cTn id="13" presetID="10" presetClass="entr" presetSubtype="0" fill="hold" grpId="0" nodeType="withEffect">
-                                  <p:stCondLst>
-                                    <p:cond delay="0"/>
-                                  </p:stCondLst>
-                                  <p:childTnLst>
-                                    <p:set>
-                                      <p:cBhvr>
-                                        <p:cTn id="14" dur="1" fill="hold">
-                                          <p:stCondLst>
-                                            <p:cond delay="0"/>
-                                          </p:stCondLst>
-                                        </p:cTn>
-                                        <p:tgtEl>
-                                          <p:spTgt spid="3">
-                                            <p:txEl>
-                                              <p:pRg st="2" end="2"/>
-                                            </p:txEl>
-                                          </p:spTgt>
-                                        </p:tgtEl>
-                                        <p:attrNameLst>
-                                          <p:attrName>style.visibility</p:attrName>
-                                        </p:attrNameLst>
-                                      </p:cBhvr>
-                                      <p:to>
-                                        <p:strVal val="visible"/>
-                                      </p:to>
-                                    </p:set>
-                                    <p:animEffect transition="in" filter="fade">
-                                      <p:cBhvr>
-                                        <p:cTn id="15" dur="500"/>
-                                        <p:tgtEl>
-                                          <p:spTgt spid="3">
-                                            <p:txEl>
-                                              <p:pRg st="2" end="2"/>
-                                            </p:txEl>
-                                          </p:spTgt>
-                                        </p:tgtEl>
-                                      </p:cBhvr>
-                                    </p:animEffect>
-                                  </p:childTnLst>
-                                </p:cTn>
-                              </p:par>
-                              <p:par>
-                                <p:cTn id="16" presetID="10" presetClass="entr" presetSubtype="0" fill="hold" grpId="0" nodeType="withEffect">
-                                  <p:stCondLst>
-                                    <p:cond delay="0"/>
-                                  </p:stCondLst>
-                                  <p:childTnLst>
-                                    <p:set>
-                                      <p:cBhvr>
-                                        <p:cTn id="17" dur="1" fill="hold">
-                                          <p:stCondLst>
-                                            <p:cond delay="0"/>
-                                          </p:stCondLst>
-                                        </p:cTn>
-                                        <p:tgtEl>
-                                          <p:spTgt spid="3">
-                                            <p:txEl>
-                                              <p:pRg st="3" end="3"/>
-                                            </p:txEl>
-                                          </p:spTgt>
-                                        </p:tgtEl>
-                                        <p:attrNameLst>
-                                          <p:attrName>style.visibility</p:attrName>
-                                        </p:attrNameLst>
-                                      </p:cBhvr>
-                                      <p:to>
-                                        <p:strVal val="visible"/>
-                                      </p:to>
-                                    </p:set>
-                                    <p:animEffect transition="in" filter="fade">
-                                      <p:cBhvr>
-                                        <p:cTn id="18" dur="500"/>
-                                        <p:tgtEl>
-                                          <p:spTgt spid="3">
-                                            <p:txEl>
-                                              <p:pRg st="3" end="3"/>
-                                            </p:txEl>
-                                          </p:spTgt>
-                                        </p:tgtEl>
-                                      </p:cBhvr>
-                                    </p:animEffect>
-                                  </p:childTnLst>
-                                </p:cTn>
-                              </p:par>
-                            </p:childTnLst>
-                          </p:cTn>
-                        </p:par>
-                      </p:childTnLst>
-                    </p:cTn>
-                  </p:par>
-                  <p:par>
-                    <p:cTn id="19" fill="hold">
-                      <p:stCondLst>
-                        <p:cond delay="indefinite"/>
-                      </p:stCondLst>
-                      <p:childTnLst>
-                        <p:par>
-                          <p:cTn id="20" fill="hold">
-                            <p:stCondLst>
-                              <p:cond delay="0"/>
-                            </p:stCondLst>
-                            <p:childTnLst>
-                              <p:par>
-                                <p:cTn id="21" presetID="10" presetClass="entr" presetSubtype="0" fill="hold" grpId="0" nodeType="clickEffect">
-                                  <p:stCondLst>
-                                    <p:cond delay="0"/>
-                                  </p:stCondLst>
-                                  <p:childTnLst>
-                                    <p:set>
-                                      <p:cBhvr>
-                                        <p:cTn id="22" dur="1" fill="hold">
-                                          <p:stCondLst>
-                                            <p:cond delay="0"/>
-                                          </p:stCondLst>
-                                        </p:cTn>
-                                        <p:tgtEl>
-                                          <p:spTgt spid="3">
-                                            <p:txEl>
-                                              <p:pRg st="4" end="4"/>
-                                            </p:txEl>
-                                          </p:spTgt>
-                                        </p:tgtEl>
-                                        <p:attrNameLst>
-                                          <p:attrName>style.visibility</p:attrName>
-                                        </p:attrNameLst>
-                                      </p:cBhvr>
-                                      <p:to>
-                                        <p:strVal val="visible"/>
-                                      </p:to>
-                                    </p:set>
-                                    <p:animEffect transition="in" filter="fade">
-                                      <p:cBhvr>
-                                        <p:cTn id="23" dur="500"/>
-                                        <p:tgtEl>
-                                          <p:spTgt spid="3">
-                                            <p:txEl>
-                                              <p:pRg st="4" end="4"/>
-                                            </p:txEl>
-                                          </p:spTgt>
-                                        </p:tgtEl>
-                                      </p:cBhvr>
-                                    </p:animEffect>
-                                  </p:childTnLst>
-                                </p:cTn>
-                              </p:par>
-                            </p:childTnLst>
-                          </p:cTn>
-                        </p:par>
-                      </p:childTnLst>
-                    </p:cTn>
-                  </p:par>
-                  <p:par>
-                    <p:cTn id="24" fill="hold">
-                      <p:stCondLst>
-                        <p:cond delay="indefinite"/>
-                      </p:stCondLst>
-                      <p:childTnLst>
-                        <p:par>
-                          <p:cTn id="25" fill="hold">
-                            <p:stCondLst>
-                              <p:cond delay="0"/>
-                            </p:stCondLst>
-                            <p:childTnLst>
-                              <p:par>
-                                <p:cTn id="26" presetID="10" presetClass="entr" presetSubtype="0" fill="hold" grpId="0" nodeType="clickEffect">
-                                  <p:stCondLst>
-                                    <p:cond delay="0"/>
-                                  </p:stCondLst>
-                                  <p:childTnLst>
-                                    <p:set>
-                                      <p:cBhvr>
-                                        <p:cTn id="27" dur="1" fill="hold">
-                                          <p:stCondLst>
-                                            <p:cond delay="0"/>
-                                          </p:stCondLst>
-                                        </p:cTn>
-                                        <p:tgtEl>
-                                          <p:spTgt spid="3">
-                                            <p:txEl>
-                                              <p:pRg st="5" end="5"/>
-                                            </p:txEl>
-                                          </p:spTgt>
-                                        </p:tgtEl>
-                                        <p:attrNameLst>
-                                          <p:attrName>style.visibility</p:attrName>
-                                        </p:attrNameLst>
-                                      </p:cBhvr>
-                                      <p:to>
-                                        <p:strVal val="visible"/>
-                                      </p:to>
-                                    </p:set>
-                                    <p:animEffect transition="in" filter="fade">
-                                      <p:cBhvr>
-                                        <p:cTn id="28" dur="500"/>
-                                        <p:tgtEl>
-                                          <p:spTgt spid="3">
-                                            <p:txEl>
-                                              <p:pRg st="5" end="5"/>
-                                            </p:txEl>
-                                          </p:spTgt>
-                                        </p:tgtEl>
-                                      </p:cBhvr>
-                                    </p:animEffect>
-                                  </p:childTnLst>
-                                </p:cTn>
-                              </p:par>
-                            </p:childTnLst>
-                          </p:cTn>
-                        </p:par>
-                      </p:childTnLst>
-                    </p:cTn>
-                  </p:par>
-                  <p:par>
-                    <p:cTn id="29" fill="hold">
-                      <p:stCondLst>
-                        <p:cond delay="indefinite"/>
-                      </p:stCondLst>
-                      <p:childTnLst>
-                        <p:par>
-                          <p:cTn id="30" fill="hold">
-                            <p:stCondLst>
-                              <p:cond delay="0"/>
-                            </p:stCondLst>
-                            <p:childTnLst>
-                              <p:par>
-                                <p:cTn id="31" presetID="10" presetClass="entr" presetSubtype="0" fill="hold" grpId="0" nodeType="clickEffect">
-                                  <p:stCondLst>
-                                    <p:cond delay="0"/>
-                                  </p:stCondLst>
-                                  <p:childTnLst>
-                                    <p:set>
-                                      <p:cBhvr>
-                                        <p:cTn id="32" dur="1" fill="hold">
-                                          <p:stCondLst>
-                                            <p:cond delay="0"/>
-                                          </p:stCondLst>
-                                        </p:cTn>
-                                        <p:tgtEl>
-                                          <p:spTgt spid="3">
-                                            <p:txEl>
-                                              <p:pRg st="7" end="7"/>
-                                            </p:txEl>
-                                          </p:spTgt>
-                                        </p:tgtEl>
-                                        <p:attrNameLst>
-                                          <p:attrName>style.visibility</p:attrName>
-                                        </p:attrNameLst>
-                                      </p:cBhvr>
-                                      <p:to>
-                                        <p:strVal val="visible"/>
-                                      </p:to>
-                                    </p:set>
-                                    <p:animEffect transition="in" filter="fade">
-                                      <p:cBhvr>
-                                        <p:cTn id="33" dur="500"/>
-                                        <p:tgtEl>
-                                          <p:spTgt spid="3">
-                                            <p:txEl>
-                                              <p:pRg st="7" end="7"/>
-                                            </p:txEl>
-                                          </p:spTgt>
-                                        </p:tgtEl>
-                                      </p:cBhvr>
-                                    </p:animEffect>
-                                  </p:childTnLst>
-                                </p:cTn>
-                              </p:par>
-                            </p:childTnLst>
-                          </p:cTn>
-                        </p:par>
-                      </p:childTnLst>
-                    </p:cTn>
-                  </p:par>
-                  <p:par>
-                    <p:cTn id="34" fill="hold">
-                      <p:stCondLst>
-                        <p:cond delay="indefinite"/>
-                      </p:stCondLst>
-                      <p:childTnLst>
-                        <p:par>
-                          <p:cTn id="35" fill="hold">
-                            <p:stCondLst>
-                              <p:cond delay="0"/>
-                            </p:stCondLst>
-                            <p:childTnLst>
-                              <p:par>
-                                <p:cTn id="36" presetID="10" presetClass="entr" presetSubtype="0" fill="hold" grpId="0" nodeType="clickEffect">
-                                  <p:stCondLst>
-                                    <p:cond delay="0"/>
-                                  </p:stCondLst>
-                                  <p:childTnLst>
-                                    <p:set>
-                                      <p:cBhvr>
-                                        <p:cTn id="37" dur="1" fill="hold">
-                                          <p:stCondLst>
-                                            <p:cond delay="0"/>
-                                          </p:stCondLst>
-                                        </p:cTn>
-                                        <p:tgtEl>
-                                          <p:spTgt spid="3">
-                                            <p:txEl>
-                                              <p:pRg st="8" end="8"/>
-                                            </p:txEl>
-                                          </p:spTgt>
-                                        </p:tgtEl>
-                                        <p:attrNameLst>
-                                          <p:attrName>style.visibility</p:attrName>
-                                        </p:attrNameLst>
-                                      </p:cBhvr>
-                                      <p:to>
-                                        <p:strVal val="visible"/>
-                                      </p:to>
-                                    </p:set>
-                                    <p:animEffect transition="in" filter="fade">
-                                      <p:cBhvr>
-                                        <p:cTn id="38" dur="500"/>
-                                        <p:tgtEl>
-                                          <p:spTgt spid="3">
-                                            <p:txEl>
-                                              <p:pRg st="8" end="8"/>
-                                            </p:txEl>
-                                          </p:spTgt>
-                                        </p:tgtEl>
-                                      </p:cBhvr>
-                                    </p:animEffect>
-                                  </p:childTnLst>
-                                </p:cTn>
-                              </p:par>
-                            </p:childTnLst>
-                          </p:cTn>
-                        </p:par>
-                      </p:childTnLst>
-                    </p:cTn>
-                  </p:par>
-                  <p:par>
-                    <p:cTn id="39" fill="hold">
-                      <p:stCondLst>
-                        <p:cond delay="indefinite"/>
-                      </p:stCondLst>
-                      <p:childTnLst>
-                        <p:par>
-                          <p:cTn id="40" fill="hold">
-                            <p:stCondLst>
-                              <p:cond delay="0"/>
-                            </p:stCondLst>
-                            <p:childTnLst>
-                              <p:par>
-                                <p:cTn id="41" presetID="10" presetClass="entr" presetSubtype="0" fill="hold" grpId="0" nodeType="clickEffect">
-                                  <p:stCondLst>
-                                    <p:cond delay="0"/>
-                                  </p:stCondLst>
-                                  <p:childTnLst>
-                                    <p:set>
-                                      <p:cBhvr>
-                                        <p:cTn id="42" dur="1" fill="hold">
-                                          <p:stCondLst>
-                                            <p:cond delay="0"/>
-                                          </p:stCondLst>
-                                        </p:cTn>
-                                        <p:tgtEl>
-                                          <p:spTgt spid="3">
-                                            <p:txEl>
-                                              <p:pRg st="9" end="9"/>
-                                            </p:txEl>
-                                          </p:spTgt>
-                                        </p:tgtEl>
-                                        <p:attrNameLst>
-                                          <p:attrName>style.visibility</p:attrName>
-                                        </p:attrNameLst>
-                                      </p:cBhvr>
-                                      <p:to>
-                                        <p:strVal val="visible"/>
-                                      </p:to>
-                                    </p:set>
-                                    <p:animEffect transition="in" filter="fade">
-                                      <p:cBhvr>
-                                        <p:cTn id="43" dur="500"/>
-                                        <p:tgtEl>
-                                          <p:spTgt spid="3">
-                                            <p:txEl>
-                                              <p:pRg st="9" end="9"/>
-                                            </p:txEl>
-                                          </p:spTgt>
-                                        </p:tgtEl>
-                                      </p:cBhvr>
-                                    </p:animEffect>
-                                  </p:childTnLst>
-                                </p:cTn>
-                              </p:par>
-                            </p:childTnLst>
-                          </p:cTn>
-                        </p:par>
-                      </p:childTnLst>
-                    </p:cTn>
-                  </p:par>
-                  <p:par>
-                    <p:cTn id="44" fill="hold">
-                      <p:stCondLst>
-                        <p:cond delay="indefinite"/>
-                      </p:stCondLst>
-                      <p:childTnLst>
-                        <p:par>
-                          <p:cTn id="45" fill="hold">
-                            <p:stCondLst>
-                              <p:cond delay="0"/>
-                            </p:stCondLst>
-                            <p:childTnLst>
-                              <p:par>
-                                <p:cTn id="46" presetID="10" presetClass="entr" presetSubtype="0" fill="hold" grpId="0" nodeType="clickEffect">
-                                  <p:stCondLst>
-                                    <p:cond delay="0"/>
-                                  </p:stCondLst>
-                                  <p:childTnLst>
-                                    <p:set>
-                                      <p:cBhvr>
-                                        <p:cTn id="47" dur="1" fill="hold">
-                                          <p:stCondLst>
-                                            <p:cond delay="0"/>
-                                          </p:stCondLst>
-                                        </p:cTn>
-                                        <p:tgtEl>
-                                          <p:spTgt spid="3">
-                                            <p:txEl>
-                                              <p:pRg st="10" end="10"/>
-                                            </p:txEl>
-                                          </p:spTgt>
-                                        </p:tgtEl>
-                                        <p:attrNameLst>
-                                          <p:attrName>style.visibility</p:attrName>
-                                        </p:attrNameLst>
-                                      </p:cBhvr>
-                                      <p:to>
-                                        <p:strVal val="visible"/>
-                                      </p:to>
-                                    </p:set>
-                                    <p:animEffect transition="in" filter="fade">
-                                      <p:cBhvr>
-                                        <p:cTn id="48" dur="500"/>
-                                        <p:tgtEl>
-                                          <p:spTgt spid="3">
-                                            <p:txEl>
-                                              <p:pRg st="10" end="10"/>
-                                            </p:txEl>
-                                          </p:spTgt>
-                                        </p:tgtEl>
-                                      </p:cBhvr>
-                                    </p:animEffect>
-                                  </p:childTnLst>
-                                </p:cTn>
-                              </p:par>
-                            </p:childTnLst>
-                          </p:cTn>
-                        </p:par>
-                      </p:childTnLst>
-                    </p:cTn>
-                  </p:par>
-                  <p:par>
-                    <p:cTn id="49" fill="hold">
-                      <p:stCondLst>
-                        <p:cond delay="indefinite"/>
-                      </p:stCondLst>
-                      <p:childTnLst>
-                        <p:par>
-                          <p:cTn id="50" fill="hold">
-                            <p:stCondLst>
-                              <p:cond delay="0"/>
-                            </p:stCondLst>
-                            <p:childTnLst>
-                              <p:par>
-                                <p:cTn id="51" presetID="10" presetClass="entr" presetSubtype="0" fill="hold" grpId="0" nodeType="clickEffect">
-                                  <p:stCondLst>
-                                    <p:cond delay="0"/>
-                                  </p:stCondLst>
-                                  <p:childTnLst>
-                                    <p:set>
-                                      <p:cBhvr>
-                                        <p:cTn id="52" dur="1" fill="hold">
-                                          <p:stCondLst>
-                                            <p:cond delay="0"/>
-                                          </p:stCondLst>
-                                        </p:cTn>
-                                        <p:tgtEl>
-                                          <p:spTgt spid="3">
-                                            <p:txEl>
-                                              <p:pRg st="11" end="11"/>
-                                            </p:txEl>
-                                          </p:spTgt>
-                                        </p:tgtEl>
-                                        <p:attrNameLst>
-                                          <p:attrName>style.visibility</p:attrName>
-                                        </p:attrNameLst>
-                                      </p:cBhvr>
-                                      <p:to>
-                                        <p:strVal val="visible"/>
-                                      </p:to>
-                                    </p:set>
-                                    <p:animEffect transition="in" filter="fade">
-                                      <p:cBhvr>
-                                        <p:cTn id="53" dur="500"/>
-                                        <p:tgtEl>
-                                          <p:spTgt spid="3">
-                                            <p:txEl>
-                                              <p:pRg st="11" end="11"/>
-                                            </p:txEl>
-                                          </p:spTgt>
-                                        </p:tgtEl>
-                                      </p:cBhvr>
-                                    </p:animEffect>
-                                  </p:childTnLst>
-                                </p:cTn>
-                              </p:par>
-                            </p:childTnLst>
-                          </p:cTn>
-                        </p:par>
-                      </p:childTnLst>
-                    </p:cTn>
-                  </p:par>
-                </p:childTnLst>
-              </p:cTn>
-              <p:prevCondLst>
-                <p:cond evt="onPrev" delay="0">
-                  <p:tgtEl>
-                    <p:sldTgt/>
-                  </p:tgtEl>
-                </p:cond>
-              </p:prevCondLst>
-              <p:nextCondLst>
-                <p:cond evt="onNext" delay="0">
-                  <p:tgtEl>
-                    <p:sldTgt/>
-                  </p:tgtEl>
-                </p:cond>
-              </p:nextCondLst>
-            </p:seq>
-          </p:childTnLst>
-        </p:cTn>
-      </p:par>
-    </p:tnLst>
-    <p:bldLst>
-      <p:bldP spid="3" grpId="0" build="p"/>
-    </p:bldLst>
-  </p:timing>
-</p:sld>
-</file>
-
-<file path=ppt/slides/slide35.xml><?xml version="1.0" encoding="utf-8"?>
-<p:sld xmlns:a="http://schemas.openxmlformats.org/drawingml/2006/main" xmlns:r="http://schemas.openxmlformats.org/officeDocument/2006/relationships" xmlns:p="http://schemas.openxmlformats.org/presentationml/2006/main">
-  <p:cSld>
-    <p:spTree>
-      <p:nvGrpSpPr>
-        <p:cNvPr id="1" name=""/>
-        <p:cNvGrpSpPr/>
-        <p:nvPr/>
-      </p:nvGrpSpPr>
-      <p:grpSpPr>
-        <a:xfrm>
-          <a:off x="0" y="0"/>
-          <a:ext cx="0" cy="0"/>
-          <a:chOff x="0" y="0"/>
-          <a:chExt cx="0" cy="0"/>
-        </a:xfrm>
-      </p:grpSpPr>
-      <p:sp>
-        <p:nvSpPr>
-          <p:cNvPr id="2" name="Title 1">
-            <a:extLst>
-              <a:ext uri="{FF2B5EF4-FFF2-40B4-BE49-F238E27FC236}">
                 <a16:creationId xmlns:a16="http://schemas.microsoft.com/office/drawing/2014/main" id="{6BF0D347-65B7-400F-B428-561CA819C5C0}"/>
               </a:ext>
             </a:extLst>
@@ -32293,7 +30896,7 @@
 </p:sld>
 </file>
 
-<file path=ppt/slides/slide36.xml><?xml version="1.0" encoding="utf-8"?>
+<file path=ppt/slides/slide34.xml><?xml version="1.0" encoding="utf-8"?>
 <p:sld xmlns:a="http://schemas.openxmlformats.org/drawingml/2006/main" xmlns:r="http://schemas.openxmlformats.org/officeDocument/2006/relationships" xmlns:p="http://schemas.openxmlformats.org/presentationml/2006/main">
   <p:cSld>
     <p:spTree>
@@ -32869,7 +31472,7 @@
 </p:sld>
 </file>
 
-<file path=ppt/slides/slide37.xml><?xml version="1.0" encoding="utf-8"?>
+<file path=ppt/slides/slide35.xml><?xml version="1.0" encoding="utf-8"?>
 <p:sld xmlns:a="http://schemas.openxmlformats.org/drawingml/2006/main" xmlns:r="http://schemas.openxmlformats.org/officeDocument/2006/relationships" xmlns:p="http://schemas.openxmlformats.org/presentationml/2006/main">
   <p:cSld>
     <p:spTree>
@@ -33589,7 +32192,7 @@
 </p:sld>
 </file>
 
-<file path=ppt/slides/slide38.xml><?xml version="1.0" encoding="utf-8"?>
+<file path=ppt/slides/slide36.xml><?xml version="1.0" encoding="utf-8"?>
 <p:sld xmlns:a="http://schemas.openxmlformats.org/drawingml/2006/main" xmlns:r="http://schemas.openxmlformats.org/officeDocument/2006/relationships" xmlns:p="http://schemas.openxmlformats.org/presentationml/2006/main">
   <p:cSld>
     <p:spTree>
@@ -34322,7 +32925,7 @@
 </p:sld>
 </file>
 
-<file path=ppt/slides/slide39.xml><?xml version="1.0" encoding="utf-8"?>
+<file path=ppt/slides/slide37.xml><?xml version="1.0" encoding="utf-8"?>
 <p:sld xmlns:a="http://schemas.openxmlformats.org/drawingml/2006/main" xmlns:r="http://schemas.openxmlformats.org/officeDocument/2006/relationships" xmlns:p="http://schemas.openxmlformats.org/presentationml/2006/main">
   <p:cSld>
     <p:spTree>
@@ -35032,93 +33635,7 @@
 </p:sld>
 </file>
 
-<file path=ppt/slides/slide4.xml><?xml version="1.0" encoding="utf-8"?>
-<p:sld xmlns:a="http://schemas.openxmlformats.org/drawingml/2006/main" xmlns:r="http://schemas.openxmlformats.org/officeDocument/2006/relationships" xmlns:p="http://schemas.openxmlformats.org/presentationml/2006/main">
-  <p:cSld>
-    <p:spTree>
-      <p:nvGrpSpPr>
-        <p:cNvPr id="1" name=""/>
-        <p:cNvGrpSpPr/>
-        <p:nvPr/>
-      </p:nvGrpSpPr>
-      <p:grpSpPr>
-        <a:xfrm>
-          <a:off x="0" y="0"/>
-          <a:ext cx="0" cy="0"/>
-          <a:chOff x="0" y="0"/>
-          <a:chExt cx="0" cy="0"/>
-        </a:xfrm>
-      </p:grpSpPr>
-      <p:sp>
-        <p:nvSpPr>
-          <p:cNvPr id="2" name="Title 1">
-            <a:extLst>
-              <a:ext uri="{FF2B5EF4-FFF2-40B4-BE49-F238E27FC236}">
-                <a16:creationId xmlns:a16="http://schemas.microsoft.com/office/drawing/2014/main" id="{AD0EF887-B521-4A7D-B159-25C51A913FFC}"/>
-              </a:ext>
-            </a:extLst>
-          </p:cNvPr>
-          <p:cNvSpPr>
-            <a:spLocks noGrp="1"/>
-          </p:cNvSpPr>
-          <p:nvPr>
-            <p:ph type="title"/>
-          </p:nvPr>
-        </p:nvSpPr>
-        <p:spPr/>
-        <p:txBody>
-          <a:bodyPr/>
-          <a:lstStyle/>
-          <a:p>
-            <a:r>
-              <a:rPr lang="en-US" dirty="0"/>
-              <a:t>A Problem Statement</a:t>
-            </a:r>
-          </a:p>
-        </p:txBody>
-      </p:sp>
-      <p:sp>
-        <p:nvSpPr>
-          <p:cNvPr id="3" name="Text Placeholder 2">
-            <a:extLst>
-              <a:ext uri="{FF2B5EF4-FFF2-40B4-BE49-F238E27FC236}">
-                <a16:creationId xmlns:a16="http://schemas.microsoft.com/office/drawing/2014/main" id="{40F93536-9D2E-4485-A099-5ABD38646551}"/>
-              </a:ext>
-            </a:extLst>
-          </p:cNvPr>
-          <p:cNvSpPr>
-            <a:spLocks noGrp="1"/>
-          </p:cNvSpPr>
-          <p:nvPr>
-            <p:ph type="body" idx="1"/>
-          </p:nvPr>
-        </p:nvSpPr>
-        <p:spPr/>
-        <p:txBody>
-          <a:bodyPr/>
-          <a:lstStyle/>
-          <a:p>
-            <a:r>
-              <a:rPr lang="en-US" dirty="0"/>
-              <a:t>The Part Where I tell you what you already know</a:t>
-            </a:r>
-          </a:p>
-        </p:txBody>
-      </p:sp>
-    </p:spTree>
-    <p:extLst>
-      <p:ext uri="{BB962C8B-B14F-4D97-AF65-F5344CB8AC3E}">
-        <p14:creationId xmlns:p14="http://schemas.microsoft.com/office/powerpoint/2010/main" val="1835612889"/>
-      </p:ext>
-    </p:extLst>
-  </p:cSld>
-  <p:clrMapOvr>
-    <a:masterClrMapping/>
-  </p:clrMapOvr>
-</p:sld>
-</file>
-
-<file path=ppt/slides/slide40.xml><?xml version="1.0" encoding="utf-8"?>
+<file path=ppt/slides/slide38.xml><?xml version="1.0" encoding="utf-8"?>
 <p:sld xmlns:a="http://schemas.openxmlformats.org/drawingml/2006/main" xmlns:r="http://schemas.openxmlformats.org/officeDocument/2006/relationships" xmlns:p="http://schemas.openxmlformats.org/presentationml/2006/main">
   <p:cSld>
     <p:spTree>
@@ -35608,7 +34125,7 @@
 </p:sld>
 </file>
 
-<file path=ppt/slides/slide41.xml><?xml version="1.0" encoding="utf-8"?>
+<file path=ppt/slides/slide39.xml><?xml version="1.0" encoding="utf-8"?>
 <p:sld xmlns:a="http://schemas.openxmlformats.org/drawingml/2006/main" xmlns:r="http://schemas.openxmlformats.org/officeDocument/2006/relationships" xmlns:p="http://schemas.openxmlformats.org/presentationml/2006/main">
   <p:cSld>
     <p:spTree>
@@ -35686,6 +34203,92 @@
     <p:extLst>
       <p:ext uri="{BB962C8B-B14F-4D97-AF65-F5344CB8AC3E}">
         <p14:creationId xmlns:p14="http://schemas.microsoft.com/office/powerpoint/2010/main" val="3487449393"/>
+      </p:ext>
+    </p:extLst>
+  </p:cSld>
+  <p:clrMapOvr>
+    <a:masterClrMapping/>
+  </p:clrMapOvr>
+</p:sld>
+</file>
+
+<file path=ppt/slides/slide4.xml><?xml version="1.0" encoding="utf-8"?>
+<p:sld xmlns:a="http://schemas.openxmlformats.org/drawingml/2006/main" xmlns:r="http://schemas.openxmlformats.org/officeDocument/2006/relationships" xmlns:p="http://schemas.openxmlformats.org/presentationml/2006/main">
+  <p:cSld>
+    <p:spTree>
+      <p:nvGrpSpPr>
+        <p:cNvPr id="1" name=""/>
+        <p:cNvGrpSpPr/>
+        <p:nvPr/>
+      </p:nvGrpSpPr>
+      <p:grpSpPr>
+        <a:xfrm>
+          <a:off x="0" y="0"/>
+          <a:ext cx="0" cy="0"/>
+          <a:chOff x="0" y="0"/>
+          <a:chExt cx="0" cy="0"/>
+        </a:xfrm>
+      </p:grpSpPr>
+      <p:sp>
+        <p:nvSpPr>
+          <p:cNvPr id="2" name="Title 1">
+            <a:extLst>
+              <a:ext uri="{FF2B5EF4-FFF2-40B4-BE49-F238E27FC236}">
+                <a16:creationId xmlns:a16="http://schemas.microsoft.com/office/drawing/2014/main" id="{AD0EF887-B521-4A7D-B159-25C51A913FFC}"/>
+              </a:ext>
+            </a:extLst>
+          </p:cNvPr>
+          <p:cNvSpPr>
+            <a:spLocks noGrp="1"/>
+          </p:cNvSpPr>
+          <p:nvPr>
+            <p:ph type="title"/>
+          </p:nvPr>
+        </p:nvSpPr>
+        <p:spPr/>
+        <p:txBody>
+          <a:bodyPr/>
+          <a:lstStyle/>
+          <a:p>
+            <a:r>
+              <a:rPr lang="en-US" dirty="0"/>
+              <a:t>A Problem Statement</a:t>
+            </a:r>
+          </a:p>
+        </p:txBody>
+      </p:sp>
+      <p:sp>
+        <p:nvSpPr>
+          <p:cNvPr id="3" name="Text Placeholder 2">
+            <a:extLst>
+              <a:ext uri="{FF2B5EF4-FFF2-40B4-BE49-F238E27FC236}">
+                <a16:creationId xmlns:a16="http://schemas.microsoft.com/office/drawing/2014/main" id="{40F93536-9D2E-4485-A099-5ABD38646551}"/>
+              </a:ext>
+            </a:extLst>
+          </p:cNvPr>
+          <p:cNvSpPr>
+            <a:spLocks noGrp="1"/>
+          </p:cNvSpPr>
+          <p:nvPr>
+            <p:ph type="body" idx="1"/>
+          </p:nvPr>
+        </p:nvSpPr>
+        <p:spPr/>
+        <p:txBody>
+          <a:bodyPr/>
+          <a:lstStyle/>
+          <a:p>
+            <a:r>
+              <a:rPr lang="en-US" dirty="0"/>
+              <a:t>The Part Where I tell you what you already know</a:t>
+            </a:r>
+          </a:p>
+        </p:txBody>
+      </p:sp>
+    </p:spTree>
+    <p:extLst>
+      <p:ext uri="{BB962C8B-B14F-4D97-AF65-F5344CB8AC3E}">
+        <p14:creationId xmlns:p14="http://schemas.microsoft.com/office/powerpoint/2010/main" val="1835612889"/>
       </p:ext>
     </p:extLst>
   </p:cSld>
